--- a/payment_manager/bin/algieba.pptx
+++ b/payment_manager/bin/algieba.pptx
@@ -5,17 +5,18 @@
     <p:sldMasterId id="2147483648" r:id="rId1"/>
   </p:sldMasterIdLst>
   <p:notesMasterIdLst>
-    <p:notesMasterId r:id="rId10"/>
+    <p:notesMasterId r:id="rId11"/>
   </p:notesMasterIdLst>
   <p:sldIdLst>
     <p:sldId id="256" r:id="rId2"/>
-    <p:sldId id="263" r:id="rId3"/>
-    <p:sldId id="266" r:id="rId4"/>
-    <p:sldId id="265" r:id="rId5"/>
-    <p:sldId id="269" r:id="rId6"/>
-    <p:sldId id="270" r:id="rId7"/>
-    <p:sldId id="267" r:id="rId8"/>
-    <p:sldId id="268" r:id="rId9"/>
+    <p:sldId id="271" r:id="rId3"/>
+    <p:sldId id="263" r:id="rId4"/>
+    <p:sldId id="266" r:id="rId5"/>
+    <p:sldId id="265" r:id="rId6"/>
+    <p:sldId id="269" r:id="rId7"/>
+    <p:sldId id="270" r:id="rId8"/>
+    <p:sldId id="267" r:id="rId9"/>
+    <p:sldId id="268" r:id="rId10"/>
   </p:sldIdLst>
   <p:sldSz cx="9144000" cy="6858000" type="screen4x3"/>
   <p:notesSz cx="6858000" cy="9144000"/>
@@ -199,7 +200,7 @@
           <a:p>
             <a:fld id="{EE82FEE5-269B-9B49-A8C4-823C45BE6055}" type="datetimeFigureOut">
               <a:rPr kumimoji="1" lang="ja-JP" altLang="en-US" smtClean="0"/>
-              <a:t>17/08/12</a:t>
+              <a:t>17/09/10</a:t>
             </a:fld>
             <a:endParaRPr kumimoji="1" lang="ja-JP" altLang="en-US"/>
           </a:p>
@@ -1087,6 +1088,90 @@
 </p:notes>
 </file>
 
+<file path=ppt/notesSlides/notesSlide8.xml><?xml version="1.0" encoding="utf-8"?>
+<p:notes xmlns:a="http://schemas.openxmlformats.org/drawingml/2006/main" xmlns:r="http://schemas.openxmlformats.org/officeDocument/2006/relationships" xmlns:p="http://schemas.openxmlformats.org/presentationml/2006/main">
+  <p:cSld>
+    <p:spTree>
+      <p:nvGrpSpPr>
+        <p:cNvPr id="1" name=""/>
+        <p:cNvGrpSpPr/>
+        <p:nvPr/>
+      </p:nvGrpSpPr>
+      <p:grpSpPr>
+        <a:xfrm>
+          <a:off x="0" y="0"/>
+          <a:ext cx="0" cy="0"/>
+          <a:chOff x="0" y="0"/>
+          <a:chExt cx="0" cy="0"/>
+        </a:xfrm>
+      </p:grpSpPr>
+      <p:sp>
+        <p:nvSpPr>
+          <p:cNvPr id="2" name="スライド イメージ プレースホルダー 1"/>
+          <p:cNvSpPr>
+            <a:spLocks noGrp="1" noRot="1" noChangeAspect="1"/>
+          </p:cNvSpPr>
+          <p:nvPr>
+            <p:ph type="sldImg"/>
+          </p:nvPr>
+        </p:nvSpPr>
+        <p:spPr/>
+      </p:sp>
+      <p:sp>
+        <p:nvSpPr>
+          <p:cNvPr id="3" name="ノート プレースホルダー 2"/>
+          <p:cNvSpPr>
+            <a:spLocks noGrp="1"/>
+          </p:cNvSpPr>
+          <p:nvPr>
+            <p:ph type="body" idx="1"/>
+          </p:nvPr>
+        </p:nvSpPr>
+        <p:spPr/>
+        <p:txBody>
+          <a:bodyPr/>
+          <a:lstStyle/>
+          <a:p>
+            <a:endParaRPr kumimoji="1" lang="ja-JP" altLang="en-US" dirty="0"/>
+          </a:p>
+        </p:txBody>
+      </p:sp>
+      <p:sp>
+        <p:nvSpPr>
+          <p:cNvPr id="4" name="スライド番号プレースホルダー 3"/>
+          <p:cNvSpPr>
+            <a:spLocks noGrp="1"/>
+          </p:cNvSpPr>
+          <p:nvPr>
+            <p:ph type="sldNum" sz="quarter" idx="10"/>
+          </p:nvPr>
+        </p:nvSpPr>
+        <p:spPr/>
+        <p:txBody>
+          <a:bodyPr/>
+          <a:lstStyle/>
+          <a:p>
+            <a:fld id="{A9E1B25B-30E5-7A42-A56A-DF1A6F86BC06}" type="slidenum">
+              <a:rPr kumimoji="1" lang="ja-JP" altLang="en-US" smtClean="0"/>
+              <a:t>9</a:t>
+            </a:fld>
+            <a:endParaRPr kumimoji="1" lang="ja-JP" altLang="en-US"/>
+          </a:p>
+        </p:txBody>
+      </p:sp>
+    </p:spTree>
+    <p:extLst>
+      <p:ext uri="{BB962C8B-B14F-4D97-AF65-F5344CB8AC3E}">
+        <p14:creationId xmlns:p14="http://schemas.microsoft.com/office/powerpoint/2010/main" val="3631066132"/>
+      </p:ext>
+    </p:extLst>
+  </p:cSld>
+  <p:clrMapOvr>
+    <a:masterClrMapping/>
+  </p:clrMapOvr>
+</p:notes>
+</file>
+
 <file path=ppt/slideLayouts/slideLayout1.xml><?xml version="1.0" encoding="utf-8"?>
 <p:sldLayout xmlns:a="http://schemas.openxmlformats.org/drawingml/2006/main" xmlns:r="http://schemas.openxmlformats.org/officeDocument/2006/relationships" xmlns:p="http://schemas.openxmlformats.org/presentationml/2006/main" type="title" preserve="1">
   <p:cSld name="タイトル スライド">
@@ -1268,7 +1353,7 @@
           <a:p>
             <a:fld id="{3ABA01A1-4899-9944-833D-6A66CDE659CB}" type="datetimeFigureOut">
               <a:rPr kumimoji="1" lang="ja-JP" altLang="en-US" smtClean="0"/>
-              <a:t>17/08/12</a:t>
+              <a:t>17/09/10</a:t>
             </a:fld>
             <a:endParaRPr kumimoji="1" lang="ja-JP" altLang="en-US"/>
           </a:p>
@@ -1470,7 +1555,7 @@
           <a:p>
             <a:fld id="{3ABA01A1-4899-9944-833D-6A66CDE659CB}" type="datetimeFigureOut">
               <a:rPr kumimoji="1" lang="ja-JP" altLang="en-US" smtClean="0"/>
-              <a:t>17/08/12</a:t>
+              <a:t>17/09/10</a:t>
             </a:fld>
             <a:endParaRPr kumimoji="1" lang="ja-JP" altLang="en-US"/>
           </a:p>
@@ -1682,7 +1767,7 @@
           <a:p>
             <a:fld id="{3ABA01A1-4899-9944-833D-6A66CDE659CB}" type="datetimeFigureOut">
               <a:rPr kumimoji="1" lang="ja-JP" altLang="en-US" smtClean="0"/>
-              <a:t>17/08/12</a:t>
+              <a:t>17/09/10</a:t>
             </a:fld>
             <a:endParaRPr kumimoji="1" lang="ja-JP" altLang="en-US"/>
           </a:p>
@@ -1884,7 +1969,7 @@
           <a:p>
             <a:fld id="{3ABA01A1-4899-9944-833D-6A66CDE659CB}" type="datetimeFigureOut">
               <a:rPr kumimoji="1" lang="ja-JP" altLang="en-US" smtClean="0"/>
-              <a:t>17/08/12</a:t>
+              <a:t>17/09/10</a:t>
             </a:fld>
             <a:endParaRPr kumimoji="1" lang="ja-JP" altLang="en-US"/>
           </a:p>
@@ -2130,7 +2215,7 @@
           <a:p>
             <a:fld id="{3ABA01A1-4899-9944-833D-6A66CDE659CB}" type="datetimeFigureOut">
               <a:rPr kumimoji="1" lang="ja-JP" altLang="en-US" smtClean="0"/>
-              <a:t>17/08/12</a:t>
+              <a:t>17/09/10</a:t>
             </a:fld>
             <a:endParaRPr kumimoji="1" lang="ja-JP" altLang="en-US"/>
           </a:p>
@@ -2482,7 +2567,7 @@
           <a:p>
             <a:fld id="{3ABA01A1-4899-9944-833D-6A66CDE659CB}" type="datetimeFigureOut">
               <a:rPr kumimoji="1" lang="ja-JP" altLang="en-US" smtClean="0"/>
-              <a:t>17/08/12</a:t>
+              <a:t>17/09/10</a:t>
             </a:fld>
             <a:endParaRPr kumimoji="1" lang="ja-JP" altLang="en-US"/>
           </a:p>
@@ -2968,7 +3053,7 @@
           <a:p>
             <a:fld id="{3ABA01A1-4899-9944-833D-6A66CDE659CB}" type="datetimeFigureOut">
               <a:rPr kumimoji="1" lang="ja-JP" altLang="en-US" smtClean="0"/>
-              <a:t>17/08/12</a:t>
+              <a:t>17/09/10</a:t>
             </a:fld>
             <a:endParaRPr kumimoji="1" lang="ja-JP" altLang="en-US"/>
           </a:p>
@@ -3086,7 +3171,7 @@
           <a:p>
             <a:fld id="{3ABA01A1-4899-9944-833D-6A66CDE659CB}" type="datetimeFigureOut">
               <a:rPr kumimoji="1" lang="ja-JP" altLang="en-US" smtClean="0"/>
-              <a:t>17/08/12</a:t>
+              <a:t>17/09/10</a:t>
             </a:fld>
             <a:endParaRPr kumimoji="1" lang="ja-JP" altLang="en-US"/>
           </a:p>
@@ -3181,7 +3266,7 @@
           <a:p>
             <a:fld id="{3ABA01A1-4899-9944-833D-6A66CDE659CB}" type="datetimeFigureOut">
               <a:rPr kumimoji="1" lang="ja-JP" altLang="en-US" smtClean="0"/>
-              <a:t>17/08/12</a:t>
+              <a:t>17/09/10</a:t>
             </a:fld>
             <a:endParaRPr kumimoji="1" lang="ja-JP" altLang="en-US"/>
           </a:p>
@@ -3490,7 +3575,7 @@
           <a:p>
             <a:fld id="{3ABA01A1-4899-9944-833D-6A66CDE659CB}" type="datetimeFigureOut">
               <a:rPr kumimoji="1" lang="ja-JP" altLang="en-US" smtClean="0"/>
-              <a:t>17/08/12</a:t>
+              <a:t>17/09/10</a:t>
             </a:fld>
             <a:endParaRPr kumimoji="1" lang="ja-JP" altLang="en-US"/>
           </a:p>
@@ -3743,7 +3828,7 @@
           <a:p>
             <a:fld id="{3ABA01A1-4899-9944-833D-6A66CDE659CB}" type="datetimeFigureOut">
               <a:rPr kumimoji="1" lang="ja-JP" altLang="en-US" smtClean="0"/>
-              <a:t>17/08/12</a:t>
+              <a:t>17/09/10</a:t>
             </a:fld>
             <a:endParaRPr kumimoji="1" lang="ja-JP" altLang="en-US"/>
           </a:p>
@@ -3988,7 +4073,7 @@
           <a:p>
             <a:fld id="{3ABA01A1-4899-9944-833D-6A66CDE659CB}" type="datetimeFigureOut">
               <a:rPr kumimoji="1" lang="ja-JP" altLang="en-US" smtClean="0"/>
-              <a:t>17/08/12</a:t>
+              <a:t>17/09/10</a:t>
             </a:fld>
             <a:endParaRPr kumimoji="1" lang="ja-JP" altLang="en-US"/>
           </a:p>
@@ -4432,15 +4517,11 @@
             </a:r>
             <a:r>
               <a:rPr lang="en-US" altLang="ja-JP" sz="2800" dirty="0" smtClean="0"/>
-              <a:t>2017/08</a:t>
+              <a:t>2017/</a:t>
             </a:r>
             <a:r>
               <a:rPr lang="en-US" altLang="ja-JP" sz="2800" dirty="0" smtClean="0"/>
-              <a:t>/</a:t>
-            </a:r>
-            <a:r>
-              <a:rPr lang="en-US" altLang="ja-JP" sz="2800" dirty="0" smtClean="0"/>
-              <a:t>13</a:t>
+              <a:t>09/16</a:t>
             </a:r>
             <a:r>
               <a:rPr lang="en-US" altLang="ja-JP" sz="2800" dirty="0" smtClean="0"/>
@@ -4459,7 +4540,7 @@
             </a:r>
             <a:r>
               <a:rPr lang="en-US" altLang="ja-JP" sz="2800" dirty="0" smtClean="0"/>
-              <a:t>2.8.0</a:t>
+              <a:t>2.9.0</a:t>
             </a:r>
             <a:endParaRPr kumimoji="1" lang="ja-JP" altLang="en-US" dirty="0"/>
           </a:p>
@@ -4542,7 +4623,7 @@
         <p:spPr>
           <a:xfrm>
             <a:off x="646545" y="969818"/>
-            <a:ext cx="7866256" cy="5355313"/>
+            <a:ext cx="5070619" cy="646331"/>
           </a:xfrm>
           <a:prstGeom prst="rect">
             <a:avLst/>
@@ -4565,7 +4646,259 @@
                 <a:ea typeface="メイリオ"/>
                 <a:cs typeface="メイリオ"/>
               </a:rPr>
-              <a:t>認証画面と管理画面がある</a:t>
+              <a:t>認証画面と管理画面が</a:t>
+            </a:r>
+            <a:r>
+              <a:rPr lang="ja-JP" altLang="en-US" dirty="0" smtClean="0">
+                <a:latin typeface="メイリオ"/>
+                <a:ea typeface="メイリオ"/>
+                <a:cs typeface="メイリオ"/>
+              </a:rPr>
+              <a:t>ある</a:t>
+            </a:r>
+            <a:endParaRPr lang="en-US" altLang="ja-JP" dirty="0" smtClean="0">
+              <a:latin typeface="メイリオ"/>
+              <a:ea typeface="メイリオ"/>
+              <a:cs typeface="メイリオ"/>
+            </a:endParaRPr>
+          </a:p>
+          <a:p>
+            <a:pPr marL="285750" indent="-285750">
+              <a:buFont typeface="Arial"/>
+              <a:buChar char="•"/>
+            </a:pPr>
+            <a:r>
+              <a:rPr lang="ja-JP" altLang="en-US" dirty="0" smtClean="0">
+                <a:latin typeface="メイリオ"/>
+                <a:ea typeface="メイリオ"/>
+                <a:cs typeface="メイリオ"/>
+              </a:rPr>
+              <a:t>認証に成功すると管理画面にアクセスできる</a:t>
+            </a:r>
+            <a:endParaRPr lang="en-US" altLang="ja-JP" dirty="0" smtClean="0">
+              <a:latin typeface="メイリオ"/>
+              <a:ea typeface="メイリオ"/>
+              <a:cs typeface="メイリオ"/>
+            </a:endParaRPr>
+          </a:p>
+        </p:txBody>
+      </p:sp>
+      <p:sp>
+        <p:nvSpPr>
+          <p:cNvPr id="5" name="テキスト ボックス 4"/>
+          <p:cNvSpPr txBox="1"/>
+          <p:nvPr/>
+        </p:nvSpPr>
+        <p:spPr>
+          <a:xfrm>
+            <a:off x="200532" y="1863547"/>
+            <a:ext cx="1620957" cy="523220"/>
+          </a:xfrm>
+          <a:prstGeom prst="rect">
+            <a:avLst/>
+          </a:prstGeom>
+          <a:noFill/>
+        </p:spPr>
+        <p:txBody>
+          <a:bodyPr wrap="none" rtlCol="0">
+            <a:spAutoFit/>
+          </a:bodyPr>
+          <a:lstStyle/>
+          <a:p>
+            <a:r>
+              <a:rPr lang="en-US" altLang="en-US" sz="2800" dirty="0" smtClean="0">
+                <a:latin typeface="メイリオ"/>
+                <a:ea typeface="メイリオ"/>
+                <a:cs typeface="メイリオ"/>
+              </a:rPr>
+              <a:t>認証画面</a:t>
+            </a:r>
+            <a:endParaRPr kumimoji="1" lang="ja-JP" altLang="en-US" sz="2000" dirty="0">
+              <a:latin typeface="メイリオ"/>
+              <a:ea typeface="メイリオ"/>
+              <a:cs typeface="メイリオ"/>
+            </a:endParaRPr>
+          </a:p>
+        </p:txBody>
+      </p:sp>
+      <p:sp>
+        <p:nvSpPr>
+          <p:cNvPr id="6" name="テキスト ボックス 5"/>
+          <p:cNvSpPr txBox="1"/>
+          <p:nvPr/>
+        </p:nvSpPr>
+        <p:spPr>
+          <a:xfrm>
+            <a:off x="646545" y="2542325"/>
+            <a:ext cx="5070619" cy="646331"/>
+          </a:xfrm>
+          <a:prstGeom prst="rect">
+            <a:avLst/>
+          </a:prstGeom>
+          <a:noFill/>
+        </p:spPr>
+        <p:txBody>
+          <a:bodyPr wrap="none" rtlCol="0">
+            <a:spAutoFit/>
+          </a:bodyPr>
+          <a:lstStyle/>
+          <a:p>
+            <a:pPr marL="285750" indent="-285750">
+              <a:buFont typeface="Arial"/>
+              <a:buChar char="•"/>
+            </a:pPr>
+            <a:r>
+              <a:rPr lang="ja-JP" altLang="en-US" dirty="0" smtClean="0">
+                <a:latin typeface="メイリオ"/>
+                <a:ea typeface="メイリオ"/>
+                <a:cs typeface="メイリオ"/>
+              </a:rPr>
+              <a:t>未認証</a:t>
+            </a:r>
+            <a:r>
+              <a:rPr lang="ja-JP" altLang="en-US" dirty="0" smtClean="0">
+                <a:latin typeface="メイリオ"/>
+                <a:ea typeface="メイリオ"/>
+                <a:cs typeface="メイリオ"/>
+              </a:rPr>
+              <a:t>時は認証画面にリダイレクトされる</a:t>
+            </a:r>
+            <a:endParaRPr lang="en-US" altLang="ja-JP" dirty="0" smtClean="0">
+              <a:latin typeface="メイリオ"/>
+              <a:ea typeface="メイリオ"/>
+              <a:cs typeface="メイリオ"/>
+            </a:endParaRPr>
+          </a:p>
+          <a:p>
+            <a:pPr marL="285750" indent="-285750">
+              <a:buFont typeface="Arial"/>
+              <a:buChar char="•"/>
+            </a:pPr>
+            <a:r>
+              <a:rPr lang="ja-JP" altLang="en-US" dirty="0" smtClean="0">
+                <a:latin typeface="メイリオ"/>
+                <a:ea typeface="メイリオ"/>
+                <a:cs typeface="メイリオ"/>
+              </a:rPr>
+              <a:t>認証に成功すると管理画面にアクセス</a:t>
+            </a:r>
+            <a:r>
+              <a:rPr lang="ja-JP" altLang="en-US" dirty="0" smtClean="0">
+                <a:latin typeface="メイリオ"/>
+                <a:ea typeface="メイリオ"/>
+                <a:cs typeface="メイリオ"/>
+              </a:rPr>
+              <a:t>できる</a:t>
+            </a:r>
+            <a:endParaRPr lang="en-US" altLang="ja-JP" dirty="0" smtClean="0">
+              <a:latin typeface="メイリオ"/>
+              <a:ea typeface="メイリオ"/>
+              <a:cs typeface="メイリオ"/>
+            </a:endParaRPr>
+          </a:p>
+        </p:txBody>
+      </p:sp>
+    </p:spTree>
+    <p:extLst>
+      <p:ext uri="{BB962C8B-B14F-4D97-AF65-F5344CB8AC3E}">
+        <p14:creationId xmlns:p14="http://schemas.microsoft.com/office/powerpoint/2010/main" val="2349225952"/>
+      </p:ext>
+    </p:extLst>
+  </p:cSld>
+  <p:clrMapOvr>
+    <a:masterClrMapping/>
+  </p:clrMapOvr>
+</p:sld>
+</file>
+
+<file path=ppt/slides/slide3.xml><?xml version="1.0" encoding="utf-8"?>
+<p:sld xmlns:a="http://schemas.openxmlformats.org/drawingml/2006/main" xmlns:r="http://schemas.openxmlformats.org/officeDocument/2006/relationships" xmlns:p="http://schemas.openxmlformats.org/presentationml/2006/main">
+  <p:cSld>
+    <p:spTree>
+      <p:nvGrpSpPr>
+        <p:cNvPr id="1" name=""/>
+        <p:cNvGrpSpPr/>
+        <p:nvPr/>
+      </p:nvGrpSpPr>
+      <p:grpSpPr>
+        <a:xfrm>
+          <a:off x="0" y="0"/>
+          <a:ext cx="0" cy="0"/>
+          <a:chOff x="0" y="0"/>
+          <a:chExt cx="0" cy="0"/>
+        </a:xfrm>
+      </p:grpSpPr>
+      <p:sp>
+        <p:nvSpPr>
+          <p:cNvPr id="4" name="テキスト ボックス 3"/>
+          <p:cNvSpPr txBox="1"/>
+          <p:nvPr/>
+        </p:nvSpPr>
+        <p:spPr>
+          <a:xfrm>
+            <a:off x="200532" y="187161"/>
+            <a:ext cx="1620957" cy="523220"/>
+          </a:xfrm>
+          <a:prstGeom prst="rect">
+            <a:avLst/>
+          </a:prstGeom>
+          <a:noFill/>
+        </p:spPr>
+        <p:txBody>
+          <a:bodyPr wrap="none" rtlCol="0">
+            <a:spAutoFit/>
+          </a:bodyPr>
+          <a:lstStyle/>
+          <a:p>
+            <a:r>
+              <a:rPr lang="ja-JP" altLang="en-US" sz="2800" dirty="0" smtClean="0">
+                <a:latin typeface="メイリオ"/>
+                <a:ea typeface="メイリオ"/>
+                <a:cs typeface="メイリオ"/>
+              </a:rPr>
+              <a:t>管理画面</a:t>
+            </a:r>
+            <a:endParaRPr kumimoji="1" lang="ja-JP" altLang="en-US" sz="2000" dirty="0">
+              <a:latin typeface="メイリオ"/>
+              <a:ea typeface="メイリオ"/>
+              <a:cs typeface="メイリオ"/>
+            </a:endParaRPr>
+          </a:p>
+        </p:txBody>
+      </p:sp>
+      <p:sp>
+        <p:nvSpPr>
+          <p:cNvPr id="11" name="テキスト ボックス 10"/>
+          <p:cNvSpPr txBox="1"/>
+          <p:nvPr/>
+        </p:nvSpPr>
+        <p:spPr>
+          <a:xfrm>
+            <a:off x="646545" y="969818"/>
+            <a:ext cx="7635424" cy="5632312"/>
+          </a:xfrm>
+          <a:prstGeom prst="rect">
+            <a:avLst/>
+          </a:prstGeom>
+          <a:noFill/>
+        </p:spPr>
+        <p:txBody>
+          <a:bodyPr wrap="none" rtlCol="0">
+            <a:spAutoFit/>
+          </a:bodyPr>
+          <a:lstStyle/>
+          <a:p>
+            <a:pPr marL="285750" indent="-285750">
+              <a:buFont typeface="Arial"/>
+              <a:buChar char="•"/>
+            </a:pPr>
+            <a:r>
+              <a:rPr lang="ja-JP" altLang="en-US" dirty="0" smtClean="0">
+                <a:latin typeface="メイリオ"/>
+                <a:ea typeface="メイリオ"/>
+                <a:cs typeface="メイリオ"/>
+              </a:rPr>
+              <a:t>登録フォーム、検索フォーム、一覧画面から構成される</a:t>
             </a:r>
             <a:endParaRPr lang="en-US" altLang="ja-JP" dirty="0" smtClean="0">
               <a:latin typeface="メイリオ"/>
@@ -4595,7 +4928,7 @@
                 <a:ea typeface="メイリオ"/>
                 <a:cs typeface="メイリオ"/>
               </a:rPr>
-              <a:t>認証画面</a:t>
+              <a:t>登録フォームから収支情報を登録する</a:t>
             </a:r>
             <a:endParaRPr lang="en-US" altLang="ja-JP" dirty="0" smtClean="0">
               <a:latin typeface="メイリオ"/>
@@ -4614,7 +4947,15 @@
                 <a:ea typeface="メイリオ"/>
                 <a:cs typeface="メイリオ"/>
               </a:rPr>
-              <a:t>未認証時は認証画面にリダイレクトされる</a:t>
+              <a:t>日付</a:t>
+            </a:r>
+            <a:r>
+              <a:rPr lang="ja-JP" altLang="en-US" dirty="0" smtClean="0">
+                <a:latin typeface="メイリオ"/>
+                <a:ea typeface="メイリオ"/>
+                <a:cs typeface="メイリオ"/>
+              </a:rPr>
+              <a:t>は表示されるカレンダーから選択する</a:t>
             </a:r>
             <a:endParaRPr lang="en-US" altLang="ja-JP" dirty="0" smtClean="0">
               <a:latin typeface="メイリオ"/>
@@ -4633,7 +4974,147 @@
                 <a:ea typeface="メイリオ"/>
                 <a:cs typeface="メイリオ"/>
               </a:rPr>
-              <a:t>認証に成功すると管理画面にアクセスできる</a:t>
+              <a:t>カテゴリは既に登録されているものが一覧表示されるので、</a:t>
+            </a:r>
+            <a:r>
+              <a:rPr lang="en-US" altLang="ja-JP" dirty="0">
+                <a:latin typeface="メイリオ"/>
+                <a:ea typeface="メイリオ"/>
+                <a:cs typeface="メイリオ"/>
+              </a:rPr>
+              <a:t/>
+            </a:r>
+            <a:br>
+              <a:rPr lang="en-US" altLang="ja-JP" dirty="0">
+                <a:latin typeface="メイリオ"/>
+                <a:ea typeface="メイリオ"/>
+                <a:cs typeface="メイリオ"/>
+              </a:rPr>
+            </a:br>
+            <a:r>
+              <a:rPr lang="ja-JP" altLang="en-US" dirty="0" smtClean="0">
+                <a:latin typeface="メイリオ"/>
+                <a:ea typeface="メイリオ"/>
+                <a:cs typeface="メイリオ"/>
+              </a:rPr>
+              <a:t>その中から選択する（新規カテゴリを入力するのも可）</a:t>
+            </a:r>
+            <a:endParaRPr lang="en-US" altLang="ja-JP" dirty="0">
+              <a:latin typeface="メイリオ"/>
+              <a:ea typeface="メイリオ"/>
+              <a:cs typeface="メイリオ"/>
+            </a:endParaRPr>
+          </a:p>
+          <a:p>
+            <a:pPr marL="285750" indent="-285750">
+              <a:buFont typeface="Arial"/>
+              <a:buChar char="•"/>
+            </a:pPr>
+            <a:r>
+              <a:rPr lang="ja-JP" altLang="en-US" dirty="0" smtClean="0">
+                <a:latin typeface="メイリオ"/>
+                <a:ea typeface="メイリオ"/>
+                <a:cs typeface="メイリオ"/>
+              </a:rPr>
+              <a:t>収支情報を入力後、登録ボタンを押す</a:t>
+            </a:r>
+            <a:r>
+              <a:rPr lang="ja-JP" altLang="en-US" dirty="0">
+                <a:latin typeface="メイリオ"/>
+                <a:ea typeface="メイリオ"/>
+                <a:cs typeface="メイリオ"/>
+              </a:rPr>
+              <a:t>と</a:t>
+            </a:r>
+            <a:r>
+              <a:rPr lang="ja-JP" altLang="en-US" dirty="0" smtClean="0">
+                <a:latin typeface="メイリオ"/>
+                <a:ea typeface="メイリオ"/>
+                <a:cs typeface="メイリオ"/>
+              </a:rPr>
+              <a:t>収支情報が登録され</a:t>
+            </a:r>
+            <a:r>
+              <a:rPr lang="ja-JP" altLang="en-US" dirty="0" smtClean="0">
+                <a:latin typeface="メイリオ"/>
+                <a:ea typeface="メイリオ"/>
+                <a:cs typeface="メイリオ"/>
+              </a:rPr>
+              <a:t>、</a:t>
+            </a:r>
+            <a:r>
+              <a:rPr lang="ja-JP" altLang="en-US" dirty="0" smtClean="0">
+                <a:latin typeface="メイリオ"/>
+                <a:ea typeface="メイリオ"/>
+                <a:cs typeface="メイリオ"/>
+              </a:rPr>
+              <a:t>一覧</a:t>
+            </a:r>
+            <a:r>
+              <a:rPr lang="ja-JP" altLang="en-US" dirty="0" smtClean="0">
+                <a:latin typeface="メイリオ"/>
+                <a:ea typeface="メイリオ"/>
+                <a:cs typeface="メイリオ"/>
+              </a:rPr>
+              <a:t>が</a:t>
+            </a:r>
+            <a:r>
+              <a:rPr lang="en-US" altLang="ja-JP" dirty="0">
+                <a:latin typeface="メイリオ"/>
+                <a:ea typeface="メイリオ"/>
+                <a:cs typeface="メイリオ"/>
+              </a:rPr>
+              <a:t/>
+            </a:r>
+            <a:br>
+              <a:rPr lang="en-US" altLang="ja-JP" dirty="0">
+                <a:latin typeface="メイリオ"/>
+                <a:ea typeface="メイリオ"/>
+                <a:cs typeface="メイリオ"/>
+              </a:rPr>
+            </a:br>
+            <a:r>
+              <a:rPr lang="ja-JP" altLang="en-US" dirty="0" smtClean="0">
+                <a:latin typeface="メイリオ"/>
+                <a:ea typeface="メイリオ"/>
+                <a:cs typeface="メイリオ"/>
+              </a:rPr>
+              <a:t>更新</a:t>
+            </a:r>
+            <a:r>
+              <a:rPr lang="ja-JP" altLang="en-US" dirty="0" smtClean="0">
+                <a:latin typeface="メイリオ"/>
+                <a:ea typeface="メイリオ"/>
+                <a:cs typeface="メイリオ"/>
+              </a:rPr>
+              <a:t>される</a:t>
+            </a:r>
+            <a:endParaRPr lang="en-US" altLang="ja-JP" dirty="0" smtClean="0">
+              <a:latin typeface="メイリオ"/>
+              <a:ea typeface="メイリオ"/>
+              <a:cs typeface="メイリオ"/>
+            </a:endParaRPr>
+          </a:p>
+          <a:p>
+            <a:pPr marL="285750" indent="-285750">
+              <a:buFont typeface="Arial"/>
+              <a:buChar char="•"/>
+            </a:pPr>
+            <a:r>
+              <a:rPr lang="ja-JP" altLang="en-US" dirty="0">
+                <a:latin typeface="メイリオ"/>
+                <a:ea typeface="メイリオ"/>
+                <a:cs typeface="メイリオ"/>
+              </a:rPr>
+              <a:t>収支情報が不正な場合、エラーを通知</a:t>
+            </a:r>
+            <a:r>
+              <a:rPr lang="ja-JP" altLang="en-US" dirty="0" smtClean="0">
+                <a:latin typeface="メイリオ"/>
+                <a:ea typeface="メイリオ"/>
+                <a:cs typeface="メイリオ"/>
+              </a:rPr>
+              <a:t>する</a:t>
             </a:r>
             <a:endParaRPr lang="en-US" altLang="ja-JP" dirty="0" smtClean="0">
               <a:latin typeface="メイリオ"/>
@@ -4663,7 +5144,7 @@
                 <a:ea typeface="メイリオ"/>
                 <a:cs typeface="メイリオ"/>
               </a:rPr>
-              <a:t>管理画面</a:t>
+              <a:t>検索フォームから収支情報を検索する</a:t>
             </a:r>
             <a:endParaRPr lang="en-US" altLang="ja-JP" dirty="0" smtClean="0">
               <a:latin typeface="メイリオ"/>
@@ -4682,7 +5163,30 @@
                 <a:ea typeface="メイリオ"/>
                 <a:cs typeface="メイリオ"/>
               </a:rPr>
-              <a:t>画面上部の入力フォームから収支情報を入力する</a:t>
+              <a:t>検索条件を入力後、検索ボタンを押すと条件を満たす収支情報</a:t>
+            </a:r>
+            <a:r>
+              <a:rPr lang="en-US" altLang="ja-JP" dirty="0" smtClean="0">
+                <a:latin typeface="メイリオ"/>
+                <a:ea typeface="メイリオ"/>
+                <a:cs typeface="メイリオ"/>
+              </a:rPr>
+              <a:t/>
+            </a:r>
+            <a:br>
+              <a:rPr lang="en-US" altLang="ja-JP" dirty="0" smtClean="0">
+                <a:latin typeface="メイリオ"/>
+                <a:ea typeface="メイリオ"/>
+                <a:cs typeface="メイリオ"/>
+              </a:rPr>
+            </a:br>
+            <a:r>
+              <a:rPr lang="ja-JP" altLang="en-US" dirty="0" smtClean="0">
+                <a:latin typeface="メイリオ"/>
+                <a:ea typeface="メイリオ"/>
+                <a:cs typeface="メイリオ"/>
+              </a:rPr>
+              <a:t>の一覧が表示される</a:t>
             </a:r>
             <a:endParaRPr lang="en-US" altLang="ja-JP" dirty="0" smtClean="0">
               <a:latin typeface="メイリオ"/>
@@ -4691,7 +5195,7 @@
             </a:endParaRPr>
           </a:p>
           <a:p>
-            <a:pPr marL="1200150" lvl="2" indent="-285750">
+            <a:pPr marL="742950" lvl="1" indent="-285750">
               <a:buFont typeface="Arial"/>
               <a:buChar char="•"/>
             </a:pPr>
@@ -4701,7 +5205,7 @@
                 <a:ea typeface="メイリオ"/>
                 <a:cs typeface="メイリオ"/>
               </a:rPr>
-              <a:t>日付</a:t>
+              <a:t>リセットボタンを押下すると検索条件をリセット</a:t>
             </a:r>
             <a:r>
               <a:rPr lang="ja-JP" altLang="en-US" dirty="0" smtClean="0">
@@ -4709,23 +5213,7 @@
                 <a:ea typeface="メイリオ"/>
                 <a:cs typeface="メイリオ"/>
               </a:rPr>
-              <a:t>は表示</a:t>
-            </a:r>
-            <a:r>
-              <a:rPr lang="ja-JP" altLang="en-US" dirty="0" smtClean="0">
-                <a:latin typeface="メイリオ"/>
-                <a:ea typeface="メイリオ"/>
-                <a:cs typeface="メイリオ"/>
-              </a:rPr>
-              <a:t>されるカレンダーから選択</a:t>
-            </a:r>
-            <a:r>
-              <a:rPr lang="ja-JP" altLang="en-US" dirty="0" smtClean="0">
-                <a:latin typeface="メイリオ"/>
-                <a:ea typeface="メイリオ"/>
-                <a:cs typeface="メイリオ"/>
-              </a:rPr>
-              <a:t>する</a:t>
+              <a:t>される</a:t>
             </a:r>
             <a:endParaRPr lang="en-US" altLang="ja-JP" dirty="0" smtClean="0">
               <a:latin typeface="メイリオ"/>
@@ -4734,40 +5222,68 @@
             </a:endParaRPr>
           </a:p>
           <a:p>
-            <a:pPr marL="1200150" lvl="2" indent="-285750">
+            <a:pPr marL="285750" indent="-285750">
               <a:buFont typeface="Arial"/>
               <a:buChar char="•"/>
             </a:pPr>
+            <a:endParaRPr lang="en-US" altLang="ja-JP" dirty="0" smtClean="0">
+              <a:latin typeface="メイリオ"/>
+              <a:ea typeface="メイリオ"/>
+              <a:cs typeface="メイリオ"/>
+            </a:endParaRPr>
+          </a:p>
+          <a:p>
+            <a:pPr marL="285750" indent="-285750">
+              <a:buFont typeface="Arial"/>
+              <a:buChar char="•"/>
+            </a:pPr>
             <a:r>
               <a:rPr lang="ja-JP" altLang="en-US" dirty="0" smtClean="0">
                 <a:latin typeface="メイリオ"/>
                 <a:ea typeface="メイリオ"/>
                 <a:cs typeface="メイリオ"/>
               </a:rPr>
-              <a:t>カテゴリは既に登録されているものが一覧表示されるので、</a:t>
-            </a:r>
-            <a:r>
-              <a:rPr lang="en-US" altLang="ja-JP" dirty="0">
+              <a:t>一覧画面には</a:t>
+            </a:r>
+            <a:r>
+              <a:rPr lang="ja-JP" altLang="en-US" dirty="0" smtClean="0">
                 <a:latin typeface="メイリオ"/>
                 <a:ea typeface="メイリオ"/>
                 <a:cs typeface="メイリオ"/>
               </a:rPr>
-              <a:t/>
-            </a:r>
-            <a:br>
-              <a:rPr lang="en-US" altLang="ja-JP" dirty="0">
+              <a:t>１ページ</a:t>
+            </a:r>
+            <a:r>
+              <a:rPr lang="ja-JP" altLang="en-US" dirty="0" smtClean="0">
                 <a:latin typeface="メイリオ"/>
                 <a:ea typeface="メイリオ"/>
                 <a:cs typeface="メイリオ"/>
               </a:rPr>
-            </a:br>
+              <a:t>あたり</a:t>
+            </a:r>
+            <a:r>
+              <a:rPr lang="en-US" altLang="ja-JP" dirty="0" smtClean="0">
+                <a:latin typeface="メイリオ"/>
+                <a:ea typeface="メイリオ"/>
+                <a:cs typeface="メイリオ"/>
+              </a:rPr>
+              <a:t>50</a:t>
+            </a:r>
             <a:r>
               <a:rPr lang="ja-JP" altLang="en-US" dirty="0" smtClean="0">
                 <a:latin typeface="メイリオ"/>
                 <a:ea typeface="メイリオ"/>
                 <a:cs typeface="メイリオ"/>
               </a:rPr>
-              <a:t>その中から選択する（</a:t>
+              <a:t>件の収支情報が</a:t>
+            </a:r>
+            <a:r>
+              <a:rPr lang="ja-JP" altLang="en-US" dirty="0">
+                <a:latin typeface="メイリオ"/>
+                <a:ea typeface="メイリオ"/>
+                <a:cs typeface="メイリオ"/>
+              </a:rPr>
+              <a:t>表示</a:t>
             </a:r>
             <a:r>
               <a:rPr lang="ja-JP" altLang="en-US" dirty="0" smtClean="0">
@@ -4775,7 +5291,7 @@
                 <a:ea typeface="メイリオ"/>
                 <a:cs typeface="メイリオ"/>
               </a:rPr>
-              <a:t>新規カテゴリを入力するのも可）</a:t>
+              <a:t>される</a:t>
             </a:r>
             <a:endParaRPr lang="en-US" altLang="ja-JP" dirty="0">
               <a:latin typeface="メイリオ"/>
@@ -4784,7 +5300,7 @@
             </a:endParaRPr>
           </a:p>
           <a:p>
-            <a:pPr marL="742950" lvl="1" indent="-285750">
+            <a:pPr marL="285750" indent="-285750">
               <a:buFont typeface="Arial"/>
               <a:buChar char="•"/>
             </a:pPr>
@@ -4794,7 +5310,7 @@
                 <a:ea typeface="メイリオ"/>
                 <a:cs typeface="メイリオ"/>
               </a:rPr>
-              <a:t>収支情報を入力後、登録ボタンを押す</a:t>
+              <a:t>最新</a:t>
             </a:r>
             <a:r>
               <a:rPr lang="ja-JP" altLang="en-US" dirty="0">
@@ -4802,7 +5318,7 @@
                 <a:ea typeface="メイリオ"/>
                 <a:cs typeface="メイリオ"/>
               </a:rPr>
-              <a:t>と</a:t>
+              <a:t>から順番に表示</a:t>
             </a:r>
             <a:r>
               <a:rPr lang="ja-JP" altLang="en-US" dirty="0" smtClean="0">
@@ -4810,30 +5326,7 @@
                 <a:ea typeface="メイリオ"/>
                 <a:cs typeface="メイリオ"/>
               </a:rPr>
-              <a:t>収支情報が登録され、表が</a:t>
-            </a:r>
-            <a:r>
-              <a:rPr lang="en-US" altLang="ja-JP" dirty="0">
-                <a:latin typeface="メイリオ"/>
-                <a:ea typeface="メイリオ"/>
-                <a:cs typeface="メイリオ"/>
-              </a:rPr>
-              <a:t/>
-            </a:r>
-            <a:br>
-              <a:rPr lang="en-US" altLang="ja-JP" dirty="0">
-                <a:latin typeface="メイリオ"/>
-                <a:ea typeface="メイリオ"/>
-                <a:cs typeface="メイリオ"/>
-              </a:rPr>
-            </a:br>
-            <a:r>
-              <a:rPr lang="ja-JP" altLang="en-US" dirty="0" smtClean="0">
-                <a:latin typeface="メイリオ"/>
-                <a:ea typeface="メイリオ"/>
-                <a:cs typeface="メイリオ"/>
-              </a:rPr>
-              <a:t>更新される</a:t>
+              <a:t>される</a:t>
             </a:r>
             <a:endParaRPr lang="en-US" altLang="ja-JP" dirty="0" smtClean="0">
               <a:latin typeface="メイリオ"/>
@@ -4842,25 +5335,17 @@
             </a:endParaRPr>
           </a:p>
           <a:p>
-            <a:pPr marL="742950" lvl="1" indent="-285750">
+            <a:pPr marL="285750" indent="-285750">
               <a:buFont typeface="Arial"/>
               <a:buChar char="•"/>
             </a:pPr>
             <a:r>
-              <a:rPr lang="ja-JP" altLang="en-US" dirty="0">
+              <a:rPr lang="ja-JP" altLang="en-US" dirty="0" smtClean="0">
                 <a:latin typeface="メイリオ"/>
                 <a:ea typeface="メイリオ"/>
                 <a:cs typeface="メイリオ"/>
               </a:rPr>
-              <a:t>収支情報</a:t>
-            </a:r>
-            <a:r>
-              <a:rPr lang="ja-JP" altLang="en-US" dirty="0" smtClean="0">
-                <a:latin typeface="メイリオ"/>
-                <a:ea typeface="メイリオ"/>
-                <a:cs typeface="メイリオ"/>
-              </a:rPr>
-              <a:t>が不正な場合、エラーを通知する</a:t>
+              <a:t>削除ボタンを押すと、削除確認画面が表示される</a:t>
             </a:r>
             <a:endParaRPr lang="en-US" altLang="ja-JP" dirty="0" smtClean="0">
               <a:latin typeface="メイリオ"/>
@@ -4879,74 +5364,7 @@
                 <a:ea typeface="メイリオ"/>
                 <a:cs typeface="メイリオ"/>
               </a:rPr>
-              <a:t>１ページあたり</a:t>
-            </a:r>
-            <a:r>
-              <a:rPr lang="en-US" altLang="ja-JP" dirty="0" smtClean="0">
-                <a:latin typeface="メイリオ"/>
-                <a:ea typeface="メイリオ"/>
-                <a:cs typeface="メイリオ"/>
-              </a:rPr>
-              <a:t>50</a:t>
-            </a:r>
-            <a:r>
-              <a:rPr lang="ja-JP" altLang="en-US" dirty="0" smtClean="0">
-                <a:latin typeface="メイリオ"/>
-                <a:ea typeface="メイリオ"/>
-                <a:cs typeface="メイリオ"/>
-              </a:rPr>
-              <a:t>件の収支情報が</a:t>
-            </a:r>
-            <a:r>
-              <a:rPr lang="ja-JP" altLang="en-US" dirty="0">
-                <a:latin typeface="メイリオ"/>
-                <a:ea typeface="メイリオ"/>
-                <a:cs typeface="メイリオ"/>
-              </a:rPr>
-              <a:t>表示</a:t>
-            </a:r>
-            <a:r>
-              <a:rPr lang="ja-JP" altLang="en-US" dirty="0" smtClean="0">
-                <a:latin typeface="メイリオ"/>
-                <a:ea typeface="メイリオ"/>
-                <a:cs typeface="メイリオ"/>
-              </a:rPr>
-              <a:t>される</a:t>
-            </a:r>
-            <a:endParaRPr lang="en-US" altLang="ja-JP" dirty="0">
-              <a:latin typeface="メイリオ"/>
-              <a:ea typeface="メイリオ"/>
-              <a:cs typeface="メイリオ"/>
-            </a:endParaRPr>
-          </a:p>
-          <a:p>
-            <a:pPr marL="742950" lvl="1" indent="-285750">
-              <a:buFont typeface="Arial"/>
-              <a:buChar char="•"/>
-            </a:pPr>
-            <a:r>
-              <a:rPr lang="ja-JP" altLang="en-US" dirty="0" smtClean="0">
-                <a:latin typeface="メイリオ"/>
-                <a:ea typeface="メイリオ"/>
-                <a:cs typeface="メイリオ"/>
-              </a:rPr>
-              <a:t>最新</a:t>
-            </a:r>
-            <a:r>
-              <a:rPr lang="ja-JP" altLang="en-US" dirty="0">
-                <a:latin typeface="メイリオ"/>
-                <a:ea typeface="メイリオ"/>
-                <a:cs typeface="メイリオ"/>
-              </a:rPr>
-              <a:t>から順番に表示</a:t>
-            </a:r>
-            <a:r>
-              <a:rPr lang="ja-JP" altLang="en-US" dirty="0" smtClean="0">
-                <a:latin typeface="メイリオ"/>
-                <a:ea typeface="メイリオ"/>
-                <a:cs typeface="メイリオ"/>
-              </a:rPr>
-              <a:t>される</a:t>
+              <a:t>「はい」を選択すると対応する収支情報が削除される</a:t>
             </a:r>
             <a:endParaRPr lang="en-US" altLang="ja-JP" dirty="0" smtClean="0">
               <a:latin typeface="メイリオ"/>
@@ -4956,44 +5374,6 @@
           </a:p>
           <a:p>
             <a:pPr marL="742950" lvl="1" indent="-285750">
-              <a:buFont typeface="Arial"/>
-              <a:buChar char="•"/>
-            </a:pPr>
-            <a:r>
-              <a:rPr lang="ja-JP" altLang="en-US" dirty="0" smtClean="0">
-                <a:latin typeface="メイリオ"/>
-                <a:ea typeface="メイリオ"/>
-                <a:cs typeface="メイリオ"/>
-              </a:rPr>
-              <a:t>削除ボタンを押すと、削除確認画面が表示される</a:t>
-            </a:r>
-            <a:endParaRPr lang="en-US" altLang="ja-JP" dirty="0" smtClean="0">
-              <a:latin typeface="メイリオ"/>
-              <a:ea typeface="メイリオ"/>
-              <a:cs typeface="メイリオ"/>
-            </a:endParaRPr>
-          </a:p>
-          <a:p>
-            <a:pPr marL="1200150" lvl="2" indent="-285750">
-              <a:buFont typeface="Arial"/>
-              <a:buChar char="•"/>
-            </a:pPr>
-            <a:r>
-              <a:rPr lang="ja-JP" altLang="en-US" dirty="0" smtClean="0">
-                <a:latin typeface="メイリオ"/>
-                <a:ea typeface="メイリオ"/>
-                <a:cs typeface="メイリオ"/>
-              </a:rPr>
-              <a:t>「はい」を選択すると対応する収支情報が削除される</a:t>
-            </a:r>
-            <a:endParaRPr lang="en-US" altLang="ja-JP" dirty="0" smtClean="0">
-              <a:latin typeface="メイリオ"/>
-              <a:ea typeface="メイリオ"/>
-              <a:cs typeface="メイリオ"/>
-            </a:endParaRPr>
-          </a:p>
-          <a:p>
-            <a:pPr marL="1200150" lvl="2" indent="-285750">
               <a:buFont typeface="Arial"/>
               <a:buChar char="•"/>
             </a:pPr>
@@ -5026,7 +5406,7 @@
 </p:sld>
 </file>
 
-<file path=ppt/slides/slide3.xml><?xml version="1.0" encoding="utf-8"?>
+<file path=ppt/slides/slide4.xml><?xml version="1.0" encoding="utf-8"?>
 <p:sld xmlns:a="http://schemas.openxmlformats.org/drawingml/2006/main" xmlns:r="http://schemas.openxmlformats.org/officeDocument/2006/relationships" xmlns:p="http://schemas.openxmlformats.org/presentationml/2006/main">
   <p:cSld>
     <p:spTree>
@@ -5558,7 +5938,7 @@
 </p:sld>
 </file>
 
-<file path=ppt/slides/slide4.xml><?xml version="1.0" encoding="utf-8"?>
+<file path=ppt/slides/slide5.xml><?xml version="1.0" encoding="utf-8"?>
 <p:sld xmlns:a="http://schemas.openxmlformats.org/drawingml/2006/main" xmlns:r="http://schemas.openxmlformats.org/officeDocument/2006/relationships" xmlns:p="http://schemas.openxmlformats.org/presentationml/2006/main">
   <p:cSld>
     <p:spTree>
@@ -5622,14 +6002,14 @@
           <p:nvPr>
             <p:extLst>
               <p:ext uri="{D42A27DB-BD31-4B8C-83A1-F6EECF244321}">
-                <p14:modId xmlns:p14="http://schemas.microsoft.com/office/powerpoint/2010/main" val="2794378192"/>
+                <p14:modId xmlns:p14="http://schemas.microsoft.com/office/powerpoint/2010/main" val="580272451"/>
               </p:ext>
             </p:extLst>
           </p:nvPr>
         </p:nvGraphicFramePr>
         <p:xfrm>
-          <a:off x="993905" y="2031998"/>
-          <a:ext cx="6891640" cy="4248728"/>
+          <a:off x="993905" y="2447618"/>
+          <a:ext cx="6891640" cy="3862480"/>
         </p:xfrm>
         <a:graphic>
           <a:graphicData uri="http://schemas.openxmlformats.org/drawingml/2006/table">
@@ -5728,48 +6108,6 @@
                         <a:ea typeface="メイリオ"/>
                         <a:cs typeface="メイリオ"/>
                       </a:endParaRPr>
-                    </a:p>
-                  </a:txBody>
-                  <a:tcPr/>
-                </a:tc>
-              </a:tr>
-              <a:tr h="386248">
-                <a:tc>
-                  <a:txBody>
-                    <a:bodyPr/>
-                    <a:lstStyle/>
-                    <a:p>
-                      <a:endParaRPr kumimoji="1" lang="ja-JP" altLang="en-US"/>
-                    </a:p>
-                  </a:txBody>
-                  <a:tcPr/>
-                </a:tc>
-                <a:tc>
-                  <a:txBody>
-                    <a:bodyPr/>
-                    <a:lstStyle/>
-                    <a:p>
-                      <a:endParaRPr kumimoji="1" lang="ja-JP" altLang="en-US"/>
-                    </a:p>
-                  </a:txBody>
-                  <a:tcPr/>
-                </a:tc>
-                <a:tc>
-                  <a:txBody>
-                    <a:bodyPr/>
-                    <a:lstStyle/>
-                    <a:p>
-                      <a:endParaRPr kumimoji="1" lang="ja-JP" altLang="en-US"/>
-                    </a:p>
-                  </a:txBody>
-                  <a:tcPr/>
-                </a:tc>
-                <a:tc>
-                  <a:txBody>
-                    <a:bodyPr/>
-                    <a:lstStyle/>
-                    <a:p>
-                      <a:endParaRPr kumimoji="1" lang="ja-JP" altLang="en-US" dirty="0"/>
                     </a:p>
                   </a:txBody>
                   <a:tcPr/>
@@ -6674,7 +7012,7 @@
         </p:nvSpPr>
         <p:spPr>
           <a:xfrm>
-            <a:off x="4124211" y="1630084"/>
+            <a:off x="4124211" y="2080339"/>
             <a:ext cx="296175" cy="307777"/>
           </a:xfrm>
           <a:prstGeom prst="rect">
@@ -6712,7 +7050,7 @@
         </p:nvSpPr>
         <p:spPr>
           <a:xfrm>
-            <a:off x="4356158" y="1632399"/>
+            <a:off x="4356158" y="2082654"/>
             <a:ext cx="296175" cy="307777"/>
           </a:xfrm>
           <a:prstGeom prst="rect">
@@ -6750,7 +7088,7 @@
         </p:nvSpPr>
         <p:spPr>
           <a:xfrm>
-            <a:off x="4597125" y="1632399"/>
+            <a:off x="4597125" y="2082654"/>
             <a:ext cx="494734" cy="307777"/>
           </a:xfrm>
           <a:prstGeom prst="rect">
@@ -6788,7 +7126,7 @@
         </p:nvSpPr>
         <p:spPr>
           <a:xfrm rot="5400000">
-            <a:off x="5439130" y="1683849"/>
+            <a:off x="5439130" y="2134104"/>
             <a:ext cx="179370" cy="181212"/>
           </a:xfrm>
           <a:prstGeom prst="triangle">
@@ -6833,7 +7171,7 @@
         </p:nvSpPr>
         <p:spPr>
           <a:xfrm rot="16200000">
-            <a:off x="3923520" y="1684770"/>
+            <a:off x="3923520" y="2135025"/>
             <a:ext cx="180000" cy="180000"/>
           </a:xfrm>
           <a:prstGeom prst="triangle">
@@ -6878,7 +7216,7 @@
         </p:nvSpPr>
         <p:spPr>
           <a:xfrm>
-            <a:off x="5013885" y="1632399"/>
+            <a:off x="5013885" y="2082654"/>
             <a:ext cx="407684" cy="307777"/>
           </a:xfrm>
           <a:prstGeom prst="rect">
@@ -6916,7 +7254,7 @@
         </p:nvSpPr>
         <p:spPr>
           <a:xfrm>
-            <a:off x="993905" y="1630084"/>
+            <a:off x="993905" y="2080339"/>
             <a:ext cx="2623046" cy="307777"/>
           </a:xfrm>
           <a:prstGeom prst="rect">
@@ -7010,7 +7348,7 @@
         </p:nvSpPr>
         <p:spPr>
           <a:xfrm rot="16200000">
-            <a:off x="3596344" y="1684770"/>
+            <a:off x="3596344" y="2135025"/>
             <a:ext cx="180000" cy="180000"/>
           </a:xfrm>
           <a:prstGeom prst="triangle">
@@ -7055,7 +7393,7 @@
         </p:nvSpPr>
         <p:spPr>
           <a:xfrm rot="16200000">
-            <a:off x="3693379" y="1684140"/>
+            <a:off x="3693379" y="2134395"/>
             <a:ext cx="180000" cy="180000"/>
           </a:xfrm>
           <a:prstGeom prst="triangle">
@@ -7100,7 +7438,7 @@
         </p:nvSpPr>
         <p:spPr>
           <a:xfrm rot="5400000">
-            <a:off x="5764549" y="1684479"/>
+            <a:off x="5764549" y="2134734"/>
             <a:ext cx="179370" cy="181212"/>
           </a:xfrm>
           <a:prstGeom prst="triangle">
@@ -7145,7 +7483,7 @@
         </p:nvSpPr>
         <p:spPr>
           <a:xfrm rot="5400000">
-            <a:off x="5673943" y="1684479"/>
+            <a:off x="5673943" y="2134734"/>
             <a:ext cx="179370" cy="181212"/>
           </a:xfrm>
           <a:prstGeom prst="triangle">
@@ -7699,222 +8037,740 @@
           </a:fontRef>
         </p:style>
       </p:cxnSp>
+      <p:cxnSp>
+        <p:nvCxnSpPr>
+          <p:cNvPr id="50" name="直線コネクタ 49"/>
+          <p:cNvCxnSpPr/>
+          <p:nvPr/>
+        </p:nvCxnSpPr>
+        <p:spPr>
+          <a:xfrm>
+            <a:off x="923931" y="2034307"/>
+            <a:ext cx="7250251" cy="0"/>
+          </a:xfrm>
+          <a:prstGeom prst="line">
+            <a:avLst/>
+          </a:prstGeom>
+          <a:ln>
+            <a:solidFill>
+              <a:schemeClr val="bg1">
+                <a:lumMod val="65000"/>
+              </a:schemeClr>
+            </a:solidFill>
+          </a:ln>
+          <a:effectLst/>
+        </p:spPr>
+        <p:style>
+          <a:lnRef idx="2">
+            <a:schemeClr val="accent1"/>
+          </a:lnRef>
+          <a:fillRef idx="0">
+            <a:schemeClr val="accent1"/>
+          </a:fillRef>
+          <a:effectRef idx="1">
+            <a:schemeClr val="accent1"/>
+          </a:effectRef>
+          <a:fontRef idx="minor">
+            <a:schemeClr val="tx1"/>
+          </a:fontRef>
+        </p:style>
+      </p:cxnSp>
+      <p:sp>
+        <p:nvSpPr>
+          <p:cNvPr id="51" name="テキスト ボックス 50"/>
+          <p:cNvSpPr txBox="1"/>
+          <p:nvPr/>
+        </p:nvSpPr>
+        <p:spPr>
+          <a:xfrm>
+            <a:off x="890993" y="1659566"/>
+            <a:ext cx="646331" cy="276999"/>
+          </a:xfrm>
+          <a:prstGeom prst="rect">
+            <a:avLst/>
+          </a:prstGeom>
+          <a:noFill/>
+        </p:spPr>
+        <p:txBody>
+          <a:bodyPr wrap="none" rtlCol="0">
+            <a:spAutoFit/>
+          </a:bodyPr>
+          <a:lstStyle/>
+          <a:p>
+            <a:r>
+              <a:rPr kumimoji="1" lang="ja-JP" altLang="en-US" sz="1200" dirty="0" smtClean="0">
+                <a:latin typeface="メイリオ"/>
+                <a:ea typeface="メイリオ"/>
+                <a:cs typeface="メイリオ"/>
+              </a:rPr>
+              <a:t>日付：</a:t>
+            </a:r>
+            <a:endParaRPr kumimoji="1" lang="ja-JP" altLang="en-US" sz="1200" dirty="0">
+              <a:latin typeface="メイリオ"/>
+              <a:ea typeface="メイリオ"/>
+              <a:cs typeface="メイリオ"/>
+            </a:endParaRPr>
+          </a:p>
+        </p:txBody>
+      </p:sp>
+      <p:sp>
+        <p:nvSpPr>
+          <p:cNvPr id="70" name="角丸四角形 69"/>
+          <p:cNvSpPr/>
+          <p:nvPr/>
+        </p:nvSpPr>
+        <p:spPr>
+          <a:xfrm>
+            <a:off x="1469168" y="1722329"/>
+            <a:ext cx="352321" cy="158766"/>
+          </a:xfrm>
+          <a:prstGeom prst="roundRect">
+            <a:avLst/>
+          </a:prstGeom>
+          <a:noFill/>
+          <a:ln w="25400">
+            <a:solidFill>
+              <a:schemeClr val="tx1"/>
+            </a:solidFill>
+          </a:ln>
+          <a:effectLst/>
+        </p:spPr>
+        <p:style>
+          <a:lnRef idx="1">
+            <a:schemeClr val="accent1"/>
+          </a:lnRef>
+          <a:fillRef idx="3">
+            <a:schemeClr val="accent1"/>
+          </a:fillRef>
+          <a:effectRef idx="2">
+            <a:schemeClr val="accent1"/>
+          </a:effectRef>
+          <a:fontRef idx="minor">
+            <a:schemeClr val="lt1"/>
+          </a:fontRef>
+        </p:style>
+        <p:txBody>
+          <a:bodyPr rtlCol="0" anchor="ctr"/>
+          <a:lstStyle/>
+          <a:p>
+            <a:pPr algn="ctr"/>
+            <a:endParaRPr kumimoji="1" lang="ja-JP" altLang="en-US"/>
+          </a:p>
+        </p:txBody>
+      </p:sp>
+      <p:sp>
+        <p:nvSpPr>
+          <p:cNvPr id="72" name="テキスト ボックス 71"/>
+          <p:cNvSpPr txBox="1"/>
+          <p:nvPr/>
+        </p:nvSpPr>
+        <p:spPr>
+          <a:xfrm>
+            <a:off x="1786644" y="1659566"/>
+            <a:ext cx="338554" cy="276999"/>
+          </a:xfrm>
+          <a:prstGeom prst="rect">
+            <a:avLst/>
+          </a:prstGeom>
+          <a:noFill/>
+        </p:spPr>
+        <p:txBody>
+          <a:bodyPr wrap="none" rtlCol="0">
+            <a:spAutoFit/>
+          </a:bodyPr>
+          <a:lstStyle/>
+          <a:p>
+            <a:r>
+              <a:rPr lang="en-US" altLang="en-US" sz="1200" dirty="0" smtClean="0">
+                <a:latin typeface="メイリオ"/>
+                <a:ea typeface="メイリオ"/>
+                <a:cs typeface="メイリオ"/>
+              </a:rPr>
+              <a:t>〜</a:t>
+            </a:r>
+            <a:endParaRPr kumimoji="1" lang="ja-JP" altLang="en-US" sz="1200" dirty="0">
+              <a:latin typeface="メイリオ"/>
+              <a:ea typeface="メイリオ"/>
+              <a:cs typeface="メイリオ"/>
+            </a:endParaRPr>
+          </a:p>
+        </p:txBody>
+      </p:sp>
+      <p:sp>
+        <p:nvSpPr>
+          <p:cNvPr id="73" name="テキスト ボックス 72"/>
+          <p:cNvSpPr txBox="1"/>
+          <p:nvPr/>
+        </p:nvSpPr>
+        <p:spPr>
+          <a:xfrm>
+            <a:off x="2465123" y="1656944"/>
+            <a:ext cx="646331" cy="276999"/>
+          </a:xfrm>
+          <a:prstGeom prst="rect">
+            <a:avLst/>
+          </a:prstGeom>
+          <a:noFill/>
+        </p:spPr>
+        <p:txBody>
+          <a:bodyPr wrap="none" rtlCol="0">
+            <a:spAutoFit/>
+          </a:bodyPr>
+          <a:lstStyle/>
+          <a:p>
+            <a:r>
+              <a:rPr lang="ja-JP" altLang="en-US" sz="1200" dirty="0" smtClean="0">
+                <a:latin typeface="メイリオ"/>
+                <a:ea typeface="メイリオ"/>
+                <a:cs typeface="メイリオ"/>
+              </a:rPr>
+              <a:t>内容</a:t>
+            </a:r>
+            <a:r>
+              <a:rPr kumimoji="1" lang="ja-JP" altLang="en-US" sz="1200" dirty="0" smtClean="0">
+                <a:latin typeface="メイリオ"/>
+                <a:ea typeface="メイリオ"/>
+                <a:cs typeface="メイリオ"/>
+              </a:rPr>
+              <a:t>：</a:t>
+            </a:r>
+            <a:endParaRPr kumimoji="1" lang="ja-JP" altLang="en-US" sz="1200" dirty="0">
+              <a:latin typeface="メイリオ"/>
+              <a:ea typeface="メイリオ"/>
+              <a:cs typeface="メイリオ"/>
+            </a:endParaRPr>
+          </a:p>
+        </p:txBody>
+      </p:sp>
+      <p:sp>
+        <p:nvSpPr>
+          <p:cNvPr id="74" name="角丸四角形 73"/>
+          <p:cNvSpPr/>
+          <p:nvPr/>
+        </p:nvSpPr>
+        <p:spPr>
+          <a:xfrm>
+            <a:off x="3034657" y="1720187"/>
+            <a:ext cx="797002" cy="165946"/>
+          </a:xfrm>
+          <a:prstGeom prst="roundRect">
+            <a:avLst/>
+          </a:prstGeom>
+          <a:noFill/>
+          <a:ln w="25400">
+            <a:solidFill>
+              <a:schemeClr val="tx1"/>
+            </a:solidFill>
+          </a:ln>
+          <a:effectLst/>
+        </p:spPr>
+        <p:style>
+          <a:lnRef idx="1">
+            <a:schemeClr val="accent1"/>
+          </a:lnRef>
+          <a:fillRef idx="3">
+            <a:schemeClr val="accent1"/>
+          </a:fillRef>
+          <a:effectRef idx="2">
+            <a:schemeClr val="accent1"/>
+          </a:effectRef>
+          <a:fontRef idx="minor">
+            <a:schemeClr val="lt1"/>
+          </a:fontRef>
+        </p:style>
+        <p:txBody>
+          <a:bodyPr rtlCol="0" anchor="ctr"/>
+          <a:lstStyle/>
+          <a:p>
+            <a:pPr algn="ctr"/>
+            <a:endParaRPr kumimoji="1" lang="ja-JP" altLang="en-US"/>
+          </a:p>
+        </p:txBody>
+      </p:sp>
+      <p:sp>
+        <p:nvSpPr>
+          <p:cNvPr id="76" name="角丸四角形 75"/>
+          <p:cNvSpPr/>
+          <p:nvPr/>
+        </p:nvSpPr>
+        <p:spPr>
+          <a:xfrm>
+            <a:off x="3877789" y="1722410"/>
+            <a:ext cx="602185" cy="165865"/>
+          </a:xfrm>
+          <a:prstGeom prst="roundRect">
+            <a:avLst/>
+          </a:prstGeom>
+          <a:noFill/>
+          <a:ln w="25400">
+            <a:solidFill>
+              <a:schemeClr val="tx1"/>
+            </a:solidFill>
+          </a:ln>
+          <a:effectLst/>
+        </p:spPr>
+        <p:style>
+          <a:lnRef idx="1">
+            <a:schemeClr val="accent1"/>
+          </a:lnRef>
+          <a:fillRef idx="3">
+            <a:schemeClr val="accent1"/>
+          </a:fillRef>
+          <a:effectRef idx="2">
+            <a:schemeClr val="accent1"/>
+          </a:effectRef>
+          <a:fontRef idx="minor">
+            <a:schemeClr val="lt1"/>
+          </a:fontRef>
+        </p:style>
+        <p:txBody>
+          <a:bodyPr rtlCol="0" anchor="ctr"/>
+          <a:lstStyle/>
+          <a:p>
+            <a:r>
+              <a:rPr kumimoji="1" lang="ja-JP" altLang="en-US" sz="800" dirty="0" smtClean="0">
+                <a:solidFill>
+                  <a:schemeClr val="tx1"/>
+                </a:solidFill>
+                <a:latin typeface="メイリオ"/>
+                <a:ea typeface="メイリオ"/>
+                <a:cs typeface="メイリオ"/>
+              </a:rPr>
+              <a:t>を含む</a:t>
+            </a:r>
+            <a:endParaRPr kumimoji="1" lang="ja-JP" altLang="en-US" sz="800" dirty="0">
+              <a:solidFill>
+                <a:schemeClr val="tx1"/>
+              </a:solidFill>
+              <a:latin typeface="メイリオ"/>
+              <a:ea typeface="メイリオ"/>
+              <a:cs typeface="メイリオ"/>
+            </a:endParaRPr>
+          </a:p>
+        </p:txBody>
+      </p:sp>
+      <p:sp>
+        <p:nvSpPr>
+          <p:cNvPr id="2" name="二等辺三角形 1"/>
+          <p:cNvSpPr/>
+          <p:nvPr/>
+        </p:nvSpPr>
+        <p:spPr>
+          <a:xfrm rot="10800000">
+            <a:off x="4322286" y="1761549"/>
+            <a:ext cx="108000" cy="108000"/>
+          </a:xfrm>
+          <a:prstGeom prst="triangle">
+            <a:avLst/>
+          </a:prstGeom>
+          <a:solidFill>
+            <a:schemeClr val="tx1"/>
+          </a:solidFill>
+          <a:ln>
+            <a:noFill/>
+          </a:ln>
+          <a:effectLst/>
+        </p:spPr>
+        <p:style>
+          <a:lnRef idx="1">
+            <a:schemeClr val="accent1"/>
+          </a:lnRef>
+          <a:fillRef idx="3">
+            <a:schemeClr val="accent1"/>
+          </a:fillRef>
+          <a:effectRef idx="2">
+            <a:schemeClr val="accent1"/>
+          </a:effectRef>
+          <a:fontRef idx="minor">
+            <a:schemeClr val="lt1"/>
+          </a:fontRef>
+        </p:style>
+        <p:txBody>
+          <a:bodyPr rtlCol="0" anchor="ctr"/>
+          <a:lstStyle/>
+          <a:p>
+            <a:pPr algn="ctr"/>
+            <a:endParaRPr kumimoji="1" lang="ja-JP" altLang="en-US"/>
+          </a:p>
+        </p:txBody>
+      </p:sp>
+      <p:sp>
+        <p:nvSpPr>
+          <p:cNvPr id="77" name="テキスト ボックス 76"/>
+          <p:cNvSpPr txBox="1"/>
+          <p:nvPr/>
+        </p:nvSpPr>
+        <p:spPr>
+          <a:xfrm>
+            <a:off x="4494298" y="1660170"/>
+            <a:ext cx="954107" cy="276999"/>
+          </a:xfrm>
+          <a:prstGeom prst="rect">
+            <a:avLst/>
+          </a:prstGeom>
+          <a:noFill/>
+        </p:spPr>
+        <p:txBody>
+          <a:bodyPr wrap="none" rtlCol="0">
+            <a:spAutoFit/>
+          </a:bodyPr>
+          <a:lstStyle/>
+          <a:p>
+            <a:r>
+              <a:rPr lang="ja-JP" altLang="en-US" sz="1200" dirty="0" smtClean="0">
+                <a:latin typeface="メイリオ"/>
+                <a:ea typeface="メイリオ"/>
+                <a:cs typeface="メイリオ"/>
+              </a:rPr>
+              <a:t>カテゴリ</a:t>
+            </a:r>
+            <a:r>
+              <a:rPr kumimoji="1" lang="ja-JP" altLang="en-US" sz="1200" dirty="0" smtClean="0">
+                <a:latin typeface="メイリオ"/>
+                <a:ea typeface="メイリオ"/>
+                <a:cs typeface="メイリオ"/>
+              </a:rPr>
+              <a:t>：</a:t>
+            </a:r>
+            <a:endParaRPr kumimoji="1" lang="ja-JP" altLang="en-US" sz="1200" dirty="0">
+              <a:latin typeface="メイリオ"/>
+              <a:ea typeface="メイリオ"/>
+              <a:cs typeface="メイリオ"/>
+            </a:endParaRPr>
+          </a:p>
+        </p:txBody>
+      </p:sp>
+      <p:sp>
+        <p:nvSpPr>
+          <p:cNvPr id="78" name="角丸四角形 77"/>
+          <p:cNvSpPr/>
+          <p:nvPr/>
+        </p:nvSpPr>
+        <p:spPr>
+          <a:xfrm>
+            <a:off x="5370510" y="1715149"/>
+            <a:ext cx="560480" cy="165946"/>
+          </a:xfrm>
+          <a:prstGeom prst="roundRect">
+            <a:avLst/>
+          </a:prstGeom>
+          <a:noFill/>
+          <a:ln w="25400">
+            <a:solidFill>
+              <a:schemeClr val="tx1"/>
+            </a:solidFill>
+          </a:ln>
+          <a:effectLst/>
+        </p:spPr>
+        <p:style>
+          <a:lnRef idx="1">
+            <a:schemeClr val="accent1"/>
+          </a:lnRef>
+          <a:fillRef idx="3">
+            <a:schemeClr val="accent1"/>
+          </a:fillRef>
+          <a:effectRef idx="2">
+            <a:schemeClr val="accent1"/>
+          </a:effectRef>
+          <a:fontRef idx="minor">
+            <a:schemeClr val="lt1"/>
+          </a:fontRef>
+        </p:style>
+        <p:txBody>
+          <a:bodyPr rtlCol="0" anchor="ctr"/>
+          <a:lstStyle/>
+          <a:p>
+            <a:pPr algn="ctr"/>
+            <a:endParaRPr kumimoji="1" lang="ja-JP" altLang="en-US"/>
+          </a:p>
+        </p:txBody>
+      </p:sp>
+      <p:sp>
+        <p:nvSpPr>
+          <p:cNvPr id="79" name="テキスト ボックス 78"/>
+          <p:cNvSpPr txBox="1"/>
+          <p:nvPr/>
+        </p:nvSpPr>
+        <p:spPr>
+          <a:xfrm>
+            <a:off x="5949540" y="1649229"/>
+            <a:ext cx="646331" cy="276999"/>
+          </a:xfrm>
+          <a:prstGeom prst="rect">
+            <a:avLst/>
+          </a:prstGeom>
+          <a:noFill/>
+        </p:spPr>
+        <p:txBody>
+          <a:bodyPr wrap="none" rtlCol="0">
+            <a:spAutoFit/>
+          </a:bodyPr>
+          <a:lstStyle/>
+          <a:p>
+            <a:r>
+              <a:rPr lang="ja-JP" altLang="en-US" sz="1200" dirty="0" smtClean="0">
+                <a:latin typeface="メイリオ"/>
+                <a:ea typeface="メイリオ"/>
+                <a:cs typeface="メイリオ"/>
+              </a:rPr>
+              <a:t>金額</a:t>
+            </a:r>
+            <a:r>
+              <a:rPr kumimoji="1" lang="ja-JP" altLang="en-US" sz="1200" dirty="0" smtClean="0">
+                <a:latin typeface="メイリオ"/>
+                <a:ea typeface="メイリオ"/>
+                <a:cs typeface="メイリオ"/>
+              </a:rPr>
+              <a:t>：</a:t>
+            </a:r>
+            <a:endParaRPr kumimoji="1" lang="ja-JP" altLang="en-US" sz="1200" dirty="0">
+              <a:latin typeface="メイリオ"/>
+              <a:ea typeface="メイリオ"/>
+              <a:cs typeface="メイリオ"/>
+            </a:endParaRPr>
+          </a:p>
+        </p:txBody>
+      </p:sp>
+      <p:sp>
+        <p:nvSpPr>
+          <p:cNvPr id="81" name="角丸四角形 80"/>
+          <p:cNvSpPr/>
+          <p:nvPr/>
+        </p:nvSpPr>
+        <p:spPr>
+          <a:xfrm>
+            <a:off x="2087658" y="1715007"/>
+            <a:ext cx="352321" cy="158766"/>
+          </a:xfrm>
+          <a:prstGeom prst="roundRect">
+            <a:avLst/>
+          </a:prstGeom>
+          <a:noFill/>
+          <a:ln w="25400">
+            <a:solidFill>
+              <a:schemeClr val="tx1"/>
+            </a:solidFill>
+          </a:ln>
+          <a:effectLst/>
+        </p:spPr>
+        <p:style>
+          <a:lnRef idx="1">
+            <a:schemeClr val="accent1"/>
+          </a:lnRef>
+          <a:fillRef idx="3">
+            <a:schemeClr val="accent1"/>
+          </a:fillRef>
+          <a:effectRef idx="2">
+            <a:schemeClr val="accent1"/>
+          </a:effectRef>
+          <a:fontRef idx="minor">
+            <a:schemeClr val="lt1"/>
+          </a:fontRef>
+        </p:style>
+        <p:txBody>
+          <a:bodyPr rtlCol="0" anchor="ctr"/>
+          <a:lstStyle/>
+          <a:p>
+            <a:pPr algn="ctr"/>
+            <a:endParaRPr kumimoji="1" lang="ja-JP" altLang="en-US"/>
+          </a:p>
+        </p:txBody>
+      </p:sp>
+      <p:sp>
+        <p:nvSpPr>
+          <p:cNvPr id="82" name="角丸四角形 81"/>
+          <p:cNvSpPr/>
+          <p:nvPr/>
+        </p:nvSpPr>
+        <p:spPr>
+          <a:xfrm>
+            <a:off x="6513621" y="1723285"/>
+            <a:ext cx="352321" cy="158766"/>
+          </a:xfrm>
+          <a:prstGeom prst="roundRect">
+            <a:avLst/>
+          </a:prstGeom>
+          <a:noFill/>
+          <a:ln w="25400">
+            <a:solidFill>
+              <a:schemeClr val="tx1"/>
+            </a:solidFill>
+          </a:ln>
+          <a:effectLst/>
+        </p:spPr>
+        <p:style>
+          <a:lnRef idx="1">
+            <a:schemeClr val="accent1"/>
+          </a:lnRef>
+          <a:fillRef idx="3">
+            <a:schemeClr val="accent1"/>
+          </a:fillRef>
+          <a:effectRef idx="2">
+            <a:schemeClr val="accent1"/>
+          </a:effectRef>
+          <a:fontRef idx="minor">
+            <a:schemeClr val="lt1"/>
+          </a:fontRef>
+        </p:style>
+        <p:txBody>
+          <a:bodyPr rtlCol="0" anchor="ctr"/>
+          <a:lstStyle/>
+          <a:p>
+            <a:pPr algn="ctr"/>
+            <a:endParaRPr kumimoji="1" lang="ja-JP" altLang="en-US"/>
+          </a:p>
+        </p:txBody>
+      </p:sp>
+      <p:sp>
+        <p:nvSpPr>
+          <p:cNvPr id="83" name="テキスト ボックス 82"/>
+          <p:cNvSpPr txBox="1"/>
+          <p:nvPr/>
+        </p:nvSpPr>
+        <p:spPr>
+          <a:xfrm>
+            <a:off x="6831097" y="1660522"/>
+            <a:ext cx="338554" cy="276999"/>
+          </a:xfrm>
+          <a:prstGeom prst="rect">
+            <a:avLst/>
+          </a:prstGeom>
+          <a:noFill/>
+        </p:spPr>
+        <p:txBody>
+          <a:bodyPr wrap="none" rtlCol="0">
+            <a:spAutoFit/>
+          </a:bodyPr>
+          <a:lstStyle/>
+          <a:p>
+            <a:r>
+              <a:rPr lang="en-US" altLang="en-US" sz="1200" dirty="0" smtClean="0">
+                <a:latin typeface="メイリオ"/>
+                <a:ea typeface="メイリオ"/>
+                <a:cs typeface="メイリオ"/>
+              </a:rPr>
+              <a:t>〜</a:t>
+            </a:r>
+            <a:endParaRPr kumimoji="1" lang="ja-JP" altLang="en-US" sz="1200" dirty="0">
+              <a:latin typeface="メイリオ"/>
+              <a:ea typeface="メイリオ"/>
+              <a:cs typeface="メイリオ"/>
+            </a:endParaRPr>
+          </a:p>
+        </p:txBody>
+      </p:sp>
+      <p:sp>
+        <p:nvSpPr>
+          <p:cNvPr id="84" name="角丸四角形 83"/>
+          <p:cNvSpPr/>
+          <p:nvPr/>
+        </p:nvSpPr>
+        <p:spPr>
+          <a:xfrm>
+            <a:off x="7132111" y="1715963"/>
+            <a:ext cx="352321" cy="158766"/>
+          </a:xfrm>
+          <a:prstGeom prst="roundRect">
+            <a:avLst/>
+          </a:prstGeom>
+          <a:noFill/>
+          <a:ln w="25400">
+            <a:solidFill>
+              <a:schemeClr val="tx1"/>
+            </a:solidFill>
+          </a:ln>
+          <a:effectLst/>
+        </p:spPr>
+        <p:style>
+          <a:lnRef idx="1">
+            <a:schemeClr val="accent1"/>
+          </a:lnRef>
+          <a:fillRef idx="3">
+            <a:schemeClr val="accent1"/>
+          </a:fillRef>
+          <a:effectRef idx="2">
+            <a:schemeClr val="accent1"/>
+          </a:effectRef>
+          <a:fontRef idx="minor">
+            <a:schemeClr val="lt1"/>
+          </a:fontRef>
+        </p:style>
+        <p:txBody>
+          <a:bodyPr rtlCol="0" anchor="ctr"/>
+          <a:lstStyle/>
+          <a:p>
+            <a:pPr algn="ctr"/>
+            <a:endParaRPr kumimoji="1" lang="ja-JP" altLang="en-US"/>
+          </a:p>
+        </p:txBody>
+      </p:sp>
+      <p:sp>
+        <p:nvSpPr>
+          <p:cNvPr id="85" name="角丸四角形 84"/>
+          <p:cNvSpPr/>
+          <p:nvPr/>
+        </p:nvSpPr>
+        <p:spPr>
+          <a:xfrm>
+            <a:off x="7553038" y="1639397"/>
+            <a:ext cx="550589" cy="299213"/>
+          </a:xfrm>
+          <a:prstGeom prst="roundRect">
+            <a:avLst/>
+          </a:prstGeom>
+          <a:noFill/>
+          <a:ln w="25400">
+            <a:solidFill>
+              <a:schemeClr val="tx1"/>
+            </a:solidFill>
+          </a:ln>
+          <a:effectLst/>
+        </p:spPr>
+        <p:style>
+          <a:lnRef idx="1">
+            <a:schemeClr val="accent1"/>
+          </a:lnRef>
+          <a:fillRef idx="3">
+            <a:schemeClr val="accent1"/>
+          </a:fillRef>
+          <a:effectRef idx="2">
+            <a:schemeClr val="accent1"/>
+          </a:effectRef>
+          <a:fontRef idx="minor">
+            <a:schemeClr val="lt1"/>
+          </a:fontRef>
+        </p:style>
+        <p:txBody>
+          <a:bodyPr rtlCol="0" anchor="ctr"/>
+          <a:lstStyle/>
+          <a:p>
+            <a:pPr algn="ctr"/>
+            <a:r>
+              <a:rPr lang="ja-JP" altLang="en-US" sz="1200" dirty="0" smtClean="0">
+                <a:solidFill>
+                  <a:schemeClr val="tx1"/>
+                </a:solidFill>
+                <a:latin typeface="メイリオ"/>
+                <a:ea typeface="メイリオ"/>
+                <a:cs typeface="メイリオ"/>
+              </a:rPr>
+              <a:t>検索</a:t>
+            </a:r>
+            <a:endParaRPr kumimoji="1" lang="ja-JP" altLang="en-US" sz="1200" dirty="0">
+              <a:solidFill>
+                <a:schemeClr val="tx1"/>
+              </a:solidFill>
+              <a:latin typeface="メイリオ"/>
+              <a:ea typeface="メイリオ"/>
+              <a:cs typeface="メイリオ"/>
+            </a:endParaRPr>
+          </a:p>
+        </p:txBody>
+      </p:sp>
     </p:spTree>
     <p:extLst>
       <p:ext uri="{BB962C8B-B14F-4D97-AF65-F5344CB8AC3E}">
         <p14:creationId xmlns:p14="http://schemas.microsoft.com/office/powerpoint/2010/main" val="376941403"/>
-      </p:ext>
-    </p:extLst>
-  </p:cSld>
-  <p:clrMapOvr>
-    <a:masterClrMapping/>
-  </p:clrMapOvr>
-</p:sld>
-</file>
-
-<file path=ppt/slides/slide5.xml><?xml version="1.0" encoding="utf-8"?>
-<p:sld xmlns:a="http://schemas.openxmlformats.org/drawingml/2006/main" xmlns:r="http://schemas.openxmlformats.org/officeDocument/2006/relationships" xmlns:p="http://schemas.openxmlformats.org/presentationml/2006/main">
-  <p:cSld>
-    <p:spTree>
-      <p:nvGrpSpPr>
-        <p:cNvPr id="1" name=""/>
-        <p:cNvGrpSpPr/>
-        <p:nvPr/>
-      </p:nvGrpSpPr>
-      <p:grpSpPr>
-        <a:xfrm>
-          <a:off x="0" y="0"/>
-          <a:ext cx="0" cy="0"/>
-          <a:chOff x="0" y="0"/>
-          <a:chExt cx="0" cy="0"/>
-        </a:xfrm>
-      </p:grpSpPr>
-      <p:sp>
-        <p:nvSpPr>
-          <p:cNvPr id="4" name="テキスト ボックス 3"/>
-          <p:cNvSpPr txBox="1"/>
-          <p:nvPr/>
-        </p:nvSpPr>
-        <p:spPr>
-          <a:xfrm>
-            <a:off x="200532" y="187161"/>
-            <a:ext cx="4852610" cy="523220"/>
-          </a:xfrm>
-          <a:prstGeom prst="rect">
-            <a:avLst/>
-          </a:prstGeom>
-          <a:noFill/>
-        </p:spPr>
-        <p:txBody>
-          <a:bodyPr wrap="none" rtlCol="0">
-            <a:spAutoFit/>
-          </a:bodyPr>
-          <a:lstStyle/>
-          <a:p>
-            <a:r>
-              <a:rPr lang="ja-JP" altLang="en-US" sz="2800" dirty="0" smtClean="0">
-                <a:latin typeface="メイリオ"/>
-                <a:ea typeface="メイリオ"/>
-                <a:cs typeface="メイリオ"/>
-              </a:rPr>
-              <a:t>管理画面（カレンダー表示）</a:t>
-            </a:r>
-            <a:endParaRPr kumimoji="1" lang="ja-JP" altLang="en-US" sz="2000" dirty="0">
-              <a:latin typeface="メイリオ"/>
-              <a:ea typeface="メイリオ"/>
-              <a:cs typeface="メイリオ"/>
-            </a:endParaRPr>
-          </a:p>
-        </p:txBody>
-      </p:sp>
-      <p:grpSp>
-        <p:nvGrpSpPr>
-          <p:cNvPr id="8" name="図形グループ 7"/>
-          <p:cNvGrpSpPr/>
-          <p:nvPr/>
-        </p:nvGrpSpPr>
-        <p:grpSpPr>
-          <a:xfrm>
-            <a:off x="450272" y="803189"/>
-            <a:ext cx="7666183" cy="5128055"/>
-            <a:chOff x="450272" y="803189"/>
-            <a:chExt cx="7666183" cy="5128055"/>
-          </a:xfrm>
-        </p:grpSpPr>
-        <p:pic>
-          <p:nvPicPr>
-            <p:cNvPr id="5" name="図 4" descr="スクリーンショット（0029-08-05 8.47.25）.png"/>
-            <p:cNvPicPr>
-              <a:picLocks noChangeAspect="1"/>
-            </p:cNvPicPr>
-            <p:nvPr/>
-          </p:nvPicPr>
-          <p:blipFill>
-            <a:blip r:embed="rId3">
-              <a:extLst>
-                <a:ext uri="{28A0092B-C50C-407E-A947-70E740481C1C}">
-                  <a14:useLocalDpi xmlns:a14="http://schemas.microsoft.com/office/drawing/2010/main" val="0"/>
-                </a:ext>
-              </a:extLst>
-            </a:blip>
-            <a:stretch>
-              <a:fillRect/>
-            </a:stretch>
-          </p:blipFill>
-          <p:spPr>
-            <a:xfrm>
-              <a:off x="450272" y="803189"/>
-              <a:ext cx="7666183" cy="5128055"/>
-            </a:xfrm>
-            <a:prstGeom prst="rect">
-              <a:avLst/>
-            </a:prstGeom>
-          </p:spPr>
-        </p:pic>
-        <p:grpSp>
-          <p:nvGrpSpPr>
-            <p:cNvPr id="7" name="図形グループ 6"/>
-            <p:cNvGrpSpPr/>
-            <p:nvPr/>
-          </p:nvGrpSpPr>
-          <p:grpSpPr>
-            <a:xfrm>
-              <a:off x="2708050" y="2078179"/>
-              <a:ext cx="2637496" cy="3127449"/>
-              <a:chOff x="2904322" y="2297543"/>
-              <a:chExt cx="2637496" cy="3127449"/>
-            </a:xfrm>
-          </p:grpSpPr>
-          <p:pic>
-            <p:nvPicPr>
-              <p:cNvPr id="3" name="図 2" descr="スクリーンショット（0029-08-05 8.37.51）.png"/>
-              <p:cNvPicPr>
-                <a:picLocks noChangeAspect="1"/>
-              </p:cNvPicPr>
-              <p:nvPr/>
-            </p:nvPicPr>
-            <p:blipFill>
-              <a:blip r:embed="rId4">
-                <a:extLst>
-                  <a:ext uri="{28A0092B-C50C-407E-A947-70E740481C1C}">
-                    <a14:useLocalDpi xmlns:a14="http://schemas.microsoft.com/office/drawing/2010/main" val="0"/>
-                  </a:ext>
-                </a:extLst>
-              </a:blip>
-              <a:stretch>
-                <a:fillRect/>
-              </a:stretch>
-            </p:blipFill>
-            <p:spPr>
-              <a:xfrm>
-                <a:off x="2904322" y="2424539"/>
-                <a:ext cx="2637496" cy="3000453"/>
-              </a:xfrm>
-              <a:prstGeom prst="rect">
-                <a:avLst/>
-              </a:prstGeom>
-              <a:effectLst>
-                <a:outerShdw blurRad="50800" dist="38100" dir="2700000" algn="tl" rotWithShape="0">
-                  <a:srgbClr val="000000">
-                    <a:alpha val="43000"/>
-                  </a:srgbClr>
-                </a:outerShdw>
-              </a:effectLst>
-            </p:spPr>
-          </p:pic>
-          <p:sp>
-            <p:nvSpPr>
-              <p:cNvPr id="6" name="二等辺三角形 5"/>
-              <p:cNvSpPr/>
-              <p:nvPr/>
-            </p:nvSpPr>
-            <p:spPr>
-              <a:xfrm>
-                <a:off x="3048000" y="2297543"/>
-                <a:ext cx="311727" cy="138541"/>
-              </a:xfrm>
-              <a:prstGeom prst="triangle">
-                <a:avLst/>
-              </a:prstGeom>
-              <a:solidFill>
-                <a:schemeClr val="bg1"/>
-              </a:solidFill>
-              <a:ln>
-                <a:solidFill>
-                  <a:schemeClr val="bg1"/>
-                </a:solidFill>
-              </a:ln>
-              <a:effectLst/>
-            </p:spPr>
-            <p:style>
-              <a:lnRef idx="1">
-                <a:schemeClr val="accent1"/>
-              </a:lnRef>
-              <a:fillRef idx="3">
-                <a:schemeClr val="accent1"/>
-              </a:fillRef>
-              <a:effectRef idx="2">
-                <a:schemeClr val="accent1"/>
-              </a:effectRef>
-              <a:fontRef idx="minor">
-                <a:schemeClr val="lt1"/>
-              </a:fontRef>
-            </p:style>
-            <p:txBody>
-              <a:bodyPr rtlCol="0" anchor="ctr"/>
-              <a:lstStyle/>
-              <a:p>
-                <a:pPr algn="ctr"/>
-                <a:endParaRPr kumimoji="1" lang="ja-JP" altLang="en-US"/>
-              </a:p>
-            </p:txBody>
-          </p:sp>
-        </p:grpSp>
-      </p:grpSp>
-    </p:spTree>
-    <p:extLst>
-      <p:ext uri="{BB962C8B-B14F-4D97-AF65-F5344CB8AC3E}">
-        <p14:creationId xmlns:p14="http://schemas.microsoft.com/office/powerpoint/2010/main" val="3659710789"/>
       </p:ext>
     </p:extLst>
   </p:cSld>
@@ -7941,6 +8797,36 @@
           <a:chExt cx="0" cy="0"/>
         </a:xfrm>
       </p:grpSpPr>
+      <p:pic>
+        <p:nvPicPr>
+          <p:cNvPr id="9" name="図 8" descr="スクリーンショット（0029-09-16 14.40.30）.png"/>
+          <p:cNvPicPr>
+            <a:picLocks noChangeAspect="1"/>
+          </p:cNvPicPr>
+          <p:nvPr/>
+        </p:nvPicPr>
+        <p:blipFill>
+          <a:blip r:embed="rId3">
+            <a:extLst>
+              <a:ext uri="{28A0092B-C50C-407E-A947-70E740481C1C}">
+                <a14:useLocalDpi xmlns:a14="http://schemas.microsoft.com/office/drawing/2010/main" val="0"/>
+              </a:ext>
+            </a:extLst>
+          </a:blip>
+          <a:stretch>
+            <a:fillRect/>
+          </a:stretch>
+        </p:blipFill>
+        <p:spPr>
+          <a:xfrm>
+            <a:off x="636154" y="946719"/>
+            <a:ext cx="6856846" cy="5220949"/>
+          </a:xfrm>
+          <a:prstGeom prst="rect">
+            <a:avLst/>
+          </a:prstGeom>
+        </p:spPr>
+      </p:pic>
       <p:sp>
         <p:nvSpPr>
           <p:cNvPr id="4" name="テキスト ボックス 3"/>
@@ -7950,7 +8836,7 @@
         <p:spPr>
           <a:xfrm>
             <a:off x="200532" y="187161"/>
-            <a:ext cx="4493538" cy="523220"/>
+            <a:ext cx="4852610" cy="523220"/>
           </a:xfrm>
           <a:prstGeom prst="rect">
             <a:avLst/>
@@ -7969,31 +8855,7 @@
                 <a:ea typeface="メイリオ"/>
                 <a:cs typeface="メイリオ"/>
               </a:rPr>
-              <a:t>管理画面</a:t>
-            </a:r>
-            <a:r>
-              <a:rPr lang="ja-JP" altLang="en-US" sz="2800" dirty="0" smtClean="0">
-                <a:latin typeface="メイリオ"/>
-                <a:ea typeface="メイリオ"/>
-                <a:cs typeface="メイリオ"/>
-              </a:rPr>
-              <a:t>（</a:t>
-            </a:r>
-            <a:r>
-              <a:rPr lang="ja-JP" altLang="en-US" sz="2800" dirty="0" smtClean="0">
-                <a:latin typeface="メイリオ"/>
-                <a:ea typeface="メイリオ"/>
-                <a:cs typeface="メイリオ"/>
-              </a:rPr>
-              <a:t>カテゴリ選択</a:t>
-            </a:r>
-            <a:r>
-              <a:rPr lang="ja-JP" altLang="en-US" sz="2800" dirty="0" smtClean="0">
-                <a:latin typeface="メイリオ"/>
-                <a:ea typeface="メイリオ"/>
-                <a:cs typeface="メイリオ"/>
-              </a:rPr>
-              <a:t>）</a:t>
+              <a:t>管理画面（カレンダー表示）</a:t>
             </a:r>
             <a:endParaRPr kumimoji="1" lang="ja-JP" altLang="en-US" sz="2000" dirty="0">
               <a:latin typeface="メイリオ"/>
@@ -8003,23 +8865,190 @@
           </a:p>
         </p:txBody>
       </p:sp>
+      <p:grpSp>
+        <p:nvGrpSpPr>
+          <p:cNvPr id="7" name="図形グループ 6"/>
+          <p:cNvGrpSpPr/>
+          <p:nvPr/>
+        </p:nvGrpSpPr>
+        <p:grpSpPr>
+          <a:xfrm>
+            <a:off x="3634252" y="2551542"/>
+            <a:ext cx="2637496" cy="3127449"/>
+            <a:chOff x="2904322" y="2297543"/>
+            <a:chExt cx="2637496" cy="3127449"/>
+          </a:xfrm>
+        </p:grpSpPr>
+        <p:pic>
+          <p:nvPicPr>
+            <p:cNvPr id="3" name="図 2" descr="スクリーンショット（0029-08-05 8.37.51）.png"/>
+            <p:cNvPicPr>
+              <a:picLocks noChangeAspect="1"/>
+            </p:cNvPicPr>
+            <p:nvPr/>
+          </p:nvPicPr>
+          <p:blipFill>
+            <a:blip r:embed="rId4">
+              <a:extLst>
+                <a:ext uri="{28A0092B-C50C-407E-A947-70E740481C1C}">
+                  <a14:useLocalDpi xmlns:a14="http://schemas.microsoft.com/office/drawing/2010/main" val="0"/>
+                </a:ext>
+              </a:extLst>
+            </a:blip>
+            <a:stretch>
+              <a:fillRect/>
+            </a:stretch>
+          </p:blipFill>
+          <p:spPr>
+            <a:xfrm>
+              <a:off x="2904322" y="2424539"/>
+              <a:ext cx="2637496" cy="3000453"/>
+            </a:xfrm>
+            <a:prstGeom prst="rect">
+              <a:avLst/>
+            </a:prstGeom>
+            <a:effectLst>
+              <a:outerShdw blurRad="50800" dist="38100" dir="2700000" algn="tl" rotWithShape="0">
+                <a:srgbClr val="000000">
+                  <a:alpha val="43000"/>
+                </a:srgbClr>
+              </a:outerShdw>
+            </a:effectLst>
+          </p:spPr>
+        </p:pic>
+        <p:sp>
+          <p:nvSpPr>
+            <p:cNvPr id="6" name="二等辺三角形 5"/>
+            <p:cNvSpPr/>
+            <p:nvPr/>
+          </p:nvSpPr>
+          <p:spPr>
+            <a:xfrm>
+              <a:off x="3048000" y="2297543"/>
+              <a:ext cx="311727" cy="138541"/>
+            </a:xfrm>
+            <a:prstGeom prst="triangle">
+              <a:avLst/>
+            </a:prstGeom>
+            <a:solidFill>
+              <a:schemeClr val="bg1"/>
+            </a:solidFill>
+            <a:ln>
+              <a:solidFill>
+                <a:schemeClr val="bg1"/>
+              </a:solidFill>
+            </a:ln>
+            <a:effectLst/>
+          </p:spPr>
+          <p:style>
+            <a:lnRef idx="1">
+              <a:schemeClr val="accent1"/>
+            </a:lnRef>
+            <a:fillRef idx="3">
+              <a:schemeClr val="accent1"/>
+            </a:fillRef>
+            <a:effectRef idx="2">
+              <a:schemeClr val="accent1"/>
+            </a:effectRef>
+            <a:fontRef idx="minor">
+              <a:schemeClr val="lt1"/>
+            </a:fontRef>
+          </p:style>
+          <p:txBody>
+            <a:bodyPr rtlCol="0" anchor="ctr"/>
+            <a:lstStyle/>
+            <a:p>
+              <a:pPr algn="ctr"/>
+              <a:endParaRPr kumimoji="1" lang="ja-JP" altLang="en-US"/>
+            </a:p>
+          </p:txBody>
+        </p:sp>
+      </p:grpSp>
+    </p:spTree>
+    <p:extLst>
+      <p:ext uri="{BB962C8B-B14F-4D97-AF65-F5344CB8AC3E}">
+        <p14:creationId xmlns:p14="http://schemas.microsoft.com/office/powerpoint/2010/main" val="3659710789"/>
+      </p:ext>
+    </p:extLst>
+  </p:cSld>
+  <p:clrMapOvr>
+    <a:masterClrMapping/>
+  </p:clrMapOvr>
+</p:sld>
+</file>
+
+<file path=ppt/slides/slide7.xml><?xml version="1.0" encoding="utf-8"?>
+<p:sld xmlns:a="http://schemas.openxmlformats.org/drawingml/2006/main" xmlns:r="http://schemas.openxmlformats.org/officeDocument/2006/relationships" xmlns:p="http://schemas.openxmlformats.org/presentationml/2006/main">
+  <p:cSld>
+    <p:spTree>
+      <p:nvGrpSpPr>
+        <p:cNvPr id="1" name=""/>
+        <p:cNvGrpSpPr/>
+        <p:nvPr/>
+      </p:nvGrpSpPr>
+      <p:grpSpPr>
+        <a:xfrm>
+          <a:off x="0" y="0"/>
+          <a:ext cx="0" cy="0"/>
+          <a:chOff x="0" y="0"/>
+          <a:chExt cx="0" cy="0"/>
+        </a:xfrm>
+      </p:grpSpPr>
+      <p:sp>
+        <p:nvSpPr>
+          <p:cNvPr id="4" name="テキスト ボックス 3"/>
+          <p:cNvSpPr txBox="1"/>
+          <p:nvPr/>
+        </p:nvSpPr>
+        <p:spPr>
+          <a:xfrm>
+            <a:off x="200532" y="187161"/>
+            <a:ext cx="4493538" cy="523220"/>
+          </a:xfrm>
+          <a:prstGeom prst="rect">
+            <a:avLst/>
+          </a:prstGeom>
+          <a:noFill/>
+        </p:spPr>
+        <p:txBody>
+          <a:bodyPr wrap="none" rtlCol="0">
+            <a:spAutoFit/>
+          </a:bodyPr>
+          <a:lstStyle/>
+          <a:p>
+            <a:r>
+              <a:rPr lang="ja-JP" altLang="en-US" sz="2800" dirty="0" smtClean="0">
+                <a:latin typeface="メイリオ"/>
+                <a:ea typeface="メイリオ"/>
+                <a:cs typeface="メイリオ"/>
+              </a:rPr>
+              <a:t>管理画面（カテゴリ選択）</a:t>
+            </a:r>
+            <a:endParaRPr kumimoji="1" lang="ja-JP" altLang="en-US" sz="2000" dirty="0">
+              <a:latin typeface="メイリオ"/>
+              <a:ea typeface="メイリオ"/>
+              <a:cs typeface="メイリオ"/>
+            </a:endParaRPr>
+          </a:p>
+        </p:txBody>
+      </p:sp>
       <p:graphicFrame>
         <p:nvGraphicFramePr>
-          <p:cNvPr id="43" name="表 42"/>
+          <p:cNvPr id="82" name="表 81"/>
           <p:cNvGraphicFramePr>
             <a:graphicFrameLocks noGrp="1"/>
           </p:cNvGraphicFramePr>
           <p:nvPr>
             <p:extLst>
               <p:ext uri="{D42A27DB-BD31-4B8C-83A1-F6EECF244321}">
-                <p14:modId xmlns:p14="http://schemas.microsoft.com/office/powerpoint/2010/main" val="1986830259"/>
+                <p14:modId xmlns:p14="http://schemas.microsoft.com/office/powerpoint/2010/main" val="18467814"/>
               </p:ext>
             </p:extLst>
           </p:nvPr>
         </p:nvGraphicFramePr>
         <p:xfrm>
-          <a:off x="993905" y="2031998"/>
-          <a:ext cx="6891640" cy="4248728"/>
+          <a:off x="993905" y="2447618"/>
+          <a:ext cx="6891640" cy="3862480"/>
         </p:xfrm>
         <a:graphic>
           <a:graphicData uri="http://schemas.openxmlformats.org/drawingml/2006/table">
@@ -8118,48 +9147,6 @@
                         <a:ea typeface="メイリオ"/>
                         <a:cs typeface="メイリオ"/>
                       </a:endParaRPr>
-                    </a:p>
-                  </a:txBody>
-                  <a:tcPr/>
-                </a:tc>
-              </a:tr>
-              <a:tr h="386248">
-                <a:tc>
-                  <a:txBody>
-                    <a:bodyPr/>
-                    <a:lstStyle/>
-                    <a:p>
-                      <a:endParaRPr kumimoji="1" lang="ja-JP" altLang="en-US"/>
-                    </a:p>
-                  </a:txBody>
-                  <a:tcPr/>
-                </a:tc>
-                <a:tc>
-                  <a:txBody>
-                    <a:bodyPr/>
-                    <a:lstStyle/>
-                    <a:p>
-                      <a:endParaRPr kumimoji="1" lang="ja-JP" altLang="en-US"/>
-                    </a:p>
-                  </a:txBody>
-                  <a:tcPr/>
-                </a:tc>
-                <a:tc>
-                  <a:txBody>
-                    <a:bodyPr/>
-                    <a:lstStyle/>
-                    <a:p>
-                      <a:endParaRPr kumimoji="1" lang="ja-JP" altLang="en-US"/>
-                    </a:p>
-                  </a:txBody>
-                  <a:tcPr/>
-                </a:tc>
-                <a:tc>
-                  <a:txBody>
-                    <a:bodyPr/>
-                    <a:lstStyle/>
-                    <a:p>
-                      <a:endParaRPr kumimoji="1" lang="ja-JP" altLang="en-US" dirty="0"/>
                     </a:p>
                   </a:txBody>
                   <a:tcPr/>
@@ -8549,7 +9536,7 @@
       </p:graphicFrame>
       <p:sp>
         <p:nvSpPr>
-          <p:cNvPr id="44" name="正方形/長方形 43"/>
+          <p:cNvPr id="83" name="正方形/長方形 82"/>
           <p:cNvSpPr/>
           <p:nvPr/>
         </p:nvSpPr>
@@ -8601,7 +9588,7 @@
       </p:sp>
       <p:sp>
         <p:nvSpPr>
-          <p:cNvPr id="45" name="角丸四角形 44"/>
+          <p:cNvPr id="84" name="角丸四角形 83"/>
           <p:cNvSpPr/>
           <p:nvPr/>
         </p:nvSpPr>
@@ -8646,7 +9633,7 @@
       </p:sp>
       <p:sp>
         <p:nvSpPr>
-          <p:cNvPr id="46" name="テキスト ボックス 45"/>
+          <p:cNvPr id="85" name="テキスト ボックス 84"/>
           <p:cNvSpPr txBox="1"/>
           <p:nvPr/>
         </p:nvSpPr>
@@ -8684,7 +9671,7 @@
       </p:sp>
       <p:sp>
         <p:nvSpPr>
-          <p:cNvPr id="47" name="角丸四角形 46"/>
+          <p:cNvPr id="86" name="角丸四角形 85"/>
           <p:cNvSpPr/>
           <p:nvPr/>
         </p:nvSpPr>
@@ -8729,7 +9716,7 @@
       </p:sp>
       <p:sp>
         <p:nvSpPr>
-          <p:cNvPr id="48" name="テキスト ボックス 47"/>
+          <p:cNvPr id="87" name="テキスト ボックス 86"/>
           <p:cNvSpPr txBox="1"/>
           <p:nvPr/>
         </p:nvSpPr>
@@ -8775,7 +9762,7 @@
       </p:sp>
       <p:sp>
         <p:nvSpPr>
-          <p:cNvPr id="49" name="角丸四角形 48"/>
+          <p:cNvPr id="88" name="角丸四角形 87"/>
           <p:cNvSpPr/>
           <p:nvPr/>
         </p:nvSpPr>
@@ -8820,7 +9807,7 @@
       </p:sp>
       <p:sp>
         <p:nvSpPr>
-          <p:cNvPr id="50" name="テキスト ボックス 49"/>
+          <p:cNvPr id="89" name="テキスト ボックス 88"/>
           <p:cNvSpPr txBox="1"/>
           <p:nvPr/>
         </p:nvSpPr>
@@ -8866,7 +9853,7 @@
       </p:sp>
       <p:sp>
         <p:nvSpPr>
-          <p:cNvPr id="51" name="角丸四角形 50"/>
+          <p:cNvPr id="90" name="角丸四角形 89"/>
           <p:cNvSpPr/>
           <p:nvPr/>
         </p:nvSpPr>
@@ -8911,7 +9898,7 @@
       </p:sp>
       <p:sp>
         <p:nvSpPr>
-          <p:cNvPr id="52" name="テキスト ボックス 51"/>
+          <p:cNvPr id="91" name="テキスト ボックス 90"/>
           <p:cNvSpPr txBox="1"/>
           <p:nvPr/>
         </p:nvSpPr>
@@ -8957,7 +9944,7 @@
       </p:sp>
       <p:sp>
         <p:nvSpPr>
-          <p:cNvPr id="53" name="角丸四角形 52"/>
+          <p:cNvPr id="92" name="角丸四角形 91"/>
           <p:cNvSpPr/>
           <p:nvPr/>
         </p:nvSpPr>
@@ -9020,7 +10007,7 @@
       </p:sp>
       <p:cxnSp>
         <p:nvCxnSpPr>
-          <p:cNvPr id="54" name="直線コネクタ 53"/>
+          <p:cNvPr id="93" name="直線コネクタ 92"/>
           <p:cNvCxnSpPr/>
           <p:nvPr/>
         </p:nvCxnSpPr>
@@ -9058,13 +10045,13 @@
       </p:cxnSp>
       <p:sp>
         <p:nvSpPr>
-          <p:cNvPr id="55" name="テキスト ボックス 54"/>
+          <p:cNvPr id="94" name="テキスト ボックス 93"/>
           <p:cNvSpPr txBox="1"/>
           <p:nvPr/>
         </p:nvSpPr>
         <p:spPr>
           <a:xfrm>
-            <a:off x="4124211" y="1630084"/>
+            <a:off x="4124211" y="2080339"/>
             <a:ext cx="296175" cy="307777"/>
           </a:xfrm>
           <a:prstGeom prst="rect">
@@ -9096,13 +10083,13 @@
       </p:sp>
       <p:sp>
         <p:nvSpPr>
-          <p:cNvPr id="56" name="テキスト ボックス 55"/>
+          <p:cNvPr id="95" name="テキスト ボックス 94"/>
           <p:cNvSpPr txBox="1"/>
           <p:nvPr/>
         </p:nvSpPr>
         <p:spPr>
           <a:xfrm>
-            <a:off x="4356158" y="1632399"/>
+            <a:off x="4356158" y="2082654"/>
             <a:ext cx="296175" cy="307777"/>
           </a:xfrm>
           <a:prstGeom prst="rect">
@@ -9134,13 +10121,13 @@
       </p:sp>
       <p:sp>
         <p:nvSpPr>
-          <p:cNvPr id="57" name="テキスト ボックス 56"/>
+          <p:cNvPr id="96" name="テキスト ボックス 95"/>
           <p:cNvSpPr txBox="1"/>
           <p:nvPr/>
         </p:nvSpPr>
         <p:spPr>
           <a:xfrm>
-            <a:off x="4597125" y="1632399"/>
+            <a:off x="4597125" y="2082654"/>
             <a:ext cx="494734" cy="307777"/>
           </a:xfrm>
           <a:prstGeom prst="rect">
@@ -9172,13 +10159,13 @@
       </p:sp>
       <p:sp>
         <p:nvSpPr>
-          <p:cNvPr id="58" name="二等辺三角形 57"/>
+          <p:cNvPr id="97" name="二等辺三角形 96"/>
           <p:cNvSpPr/>
           <p:nvPr/>
         </p:nvSpPr>
         <p:spPr>
           <a:xfrm rot="5400000">
-            <a:off x="5439130" y="1683849"/>
+            <a:off x="5439130" y="2134104"/>
             <a:ext cx="179370" cy="181212"/>
           </a:xfrm>
           <a:prstGeom prst="triangle">
@@ -9217,13 +10204,13 @@
       </p:sp>
       <p:sp>
         <p:nvSpPr>
-          <p:cNvPr id="59" name="二等辺三角形 58"/>
+          <p:cNvPr id="98" name="二等辺三角形 97"/>
           <p:cNvSpPr/>
           <p:nvPr/>
         </p:nvSpPr>
         <p:spPr>
           <a:xfrm rot="16200000">
-            <a:off x="3923520" y="1684770"/>
+            <a:off x="3923520" y="2135025"/>
             <a:ext cx="180000" cy="180000"/>
           </a:xfrm>
           <a:prstGeom prst="triangle">
@@ -9262,13 +10249,13 @@
       </p:sp>
       <p:sp>
         <p:nvSpPr>
-          <p:cNvPr id="60" name="テキスト ボックス 59"/>
+          <p:cNvPr id="99" name="テキスト ボックス 98"/>
           <p:cNvSpPr txBox="1"/>
           <p:nvPr/>
         </p:nvSpPr>
         <p:spPr>
           <a:xfrm>
-            <a:off x="5013885" y="1632399"/>
+            <a:off x="5013885" y="2082654"/>
             <a:ext cx="407684" cy="307777"/>
           </a:xfrm>
           <a:prstGeom prst="rect">
@@ -9300,13 +10287,13 @@
       </p:sp>
       <p:sp>
         <p:nvSpPr>
-          <p:cNvPr id="61" name="テキスト ボックス 60"/>
+          <p:cNvPr id="100" name="テキスト ボックス 99"/>
           <p:cNvSpPr txBox="1"/>
           <p:nvPr/>
         </p:nvSpPr>
         <p:spPr>
           <a:xfrm>
-            <a:off x="993905" y="1630084"/>
+            <a:off x="993905" y="2080339"/>
             <a:ext cx="2623046" cy="307777"/>
           </a:xfrm>
           <a:prstGeom prst="rect">
@@ -9394,13 +10381,13 @@
       </p:sp>
       <p:sp>
         <p:nvSpPr>
-          <p:cNvPr id="62" name="二等辺三角形 61"/>
+          <p:cNvPr id="101" name="二等辺三角形 100"/>
           <p:cNvSpPr/>
           <p:nvPr/>
         </p:nvSpPr>
         <p:spPr>
           <a:xfrm rot="16200000">
-            <a:off x="3596344" y="1684770"/>
+            <a:off x="3596344" y="2135025"/>
             <a:ext cx="180000" cy="180000"/>
           </a:xfrm>
           <a:prstGeom prst="triangle">
@@ -9439,13 +10426,13 @@
       </p:sp>
       <p:sp>
         <p:nvSpPr>
-          <p:cNvPr id="63" name="二等辺三角形 62"/>
+          <p:cNvPr id="102" name="二等辺三角形 101"/>
           <p:cNvSpPr/>
           <p:nvPr/>
         </p:nvSpPr>
         <p:spPr>
           <a:xfrm rot="16200000">
-            <a:off x="3693379" y="1684140"/>
+            <a:off x="3693379" y="2134395"/>
             <a:ext cx="180000" cy="180000"/>
           </a:xfrm>
           <a:prstGeom prst="triangle">
@@ -9484,13 +10471,13 @@
       </p:sp>
       <p:sp>
         <p:nvSpPr>
-          <p:cNvPr id="64" name="二等辺三角形 63"/>
+          <p:cNvPr id="103" name="二等辺三角形 102"/>
           <p:cNvSpPr/>
           <p:nvPr/>
         </p:nvSpPr>
         <p:spPr>
           <a:xfrm rot="5400000">
-            <a:off x="5764549" y="1684479"/>
+            <a:off x="5764549" y="2134734"/>
             <a:ext cx="179370" cy="181212"/>
           </a:xfrm>
           <a:prstGeom prst="triangle">
@@ -9529,13 +10516,13 @@
       </p:sp>
       <p:sp>
         <p:nvSpPr>
-          <p:cNvPr id="65" name="二等辺三角形 64"/>
+          <p:cNvPr id="104" name="二等辺三角形 103"/>
           <p:cNvSpPr/>
           <p:nvPr/>
         </p:nvSpPr>
         <p:spPr>
           <a:xfrm rot="5400000">
-            <a:off x="5673943" y="1684479"/>
+            <a:off x="5673943" y="2134734"/>
             <a:ext cx="179370" cy="181212"/>
           </a:xfrm>
           <a:prstGeom prst="triangle">
@@ -9574,7 +10561,7 @@
       </p:sp>
       <p:sp>
         <p:nvSpPr>
-          <p:cNvPr id="66" name="角丸四角形 65"/>
+          <p:cNvPr id="105" name="角丸四角形 104"/>
           <p:cNvSpPr/>
           <p:nvPr/>
         </p:nvSpPr>
@@ -9637,7 +10624,7 @@
       </p:sp>
       <p:pic>
         <p:nvPicPr>
-          <p:cNvPr id="67" name="図 66" descr="trash.png"/>
+          <p:cNvPr id="106" name="図 105" descr="trash.png"/>
           <p:cNvPicPr>
             <a:picLocks noChangeAspect="1"/>
           </p:cNvPicPr>
@@ -9667,7 +10654,7 @@
       </p:pic>
       <p:pic>
         <p:nvPicPr>
-          <p:cNvPr id="68" name="図 67" descr="trash.png"/>
+          <p:cNvPr id="107" name="図 106" descr="trash.png"/>
           <p:cNvPicPr>
             <a:picLocks noChangeAspect="1"/>
           </p:cNvPicPr>
@@ -9697,7 +10684,7 @@
       </p:pic>
       <p:pic>
         <p:nvPicPr>
-          <p:cNvPr id="69" name="図 68" descr="trash.png"/>
+          <p:cNvPr id="108" name="図 107" descr="trash.png"/>
           <p:cNvPicPr>
             <a:picLocks noChangeAspect="1"/>
           </p:cNvPicPr>
@@ -9727,7 +10714,7 @@
       </p:pic>
       <p:pic>
         <p:nvPicPr>
-          <p:cNvPr id="70" name="図 69" descr="trash.png"/>
+          <p:cNvPr id="109" name="図 108" descr="trash.png"/>
           <p:cNvPicPr>
             <a:picLocks noChangeAspect="1"/>
           </p:cNvPicPr>
@@ -9757,7 +10744,7 @@
       </p:pic>
       <p:pic>
         <p:nvPicPr>
-          <p:cNvPr id="71" name="図 70" descr="trash.png"/>
+          <p:cNvPr id="110" name="図 109" descr="trash.png"/>
           <p:cNvPicPr>
             <a:picLocks noChangeAspect="1"/>
           </p:cNvPicPr>
@@ -9787,7 +10774,7 @@
       </p:pic>
       <p:pic>
         <p:nvPicPr>
-          <p:cNvPr id="72" name="図 71" descr="trash.png"/>
+          <p:cNvPr id="111" name="図 110" descr="trash.png"/>
           <p:cNvPicPr>
             <a:picLocks noChangeAspect="1"/>
           </p:cNvPicPr>
@@ -9817,7 +10804,7 @@
       </p:pic>
       <p:pic>
         <p:nvPicPr>
-          <p:cNvPr id="73" name="図 72" descr="trash.png"/>
+          <p:cNvPr id="112" name="図 111" descr="trash.png"/>
           <p:cNvPicPr>
             <a:picLocks noChangeAspect="1"/>
           </p:cNvPicPr>
@@ -9847,7 +10834,7 @@
       </p:pic>
       <p:pic>
         <p:nvPicPr>
-          <p:cNvPr id="74" name="図 73" descr="trash.png"/>
+          <p:cNvPr id="113" name="図 112" descr="trash.png"/>
           <p:cNvPicPr>
             <a:picLocks noChangeAspect="1"/>
           </p:cNvPicPr>
@@ -9877,7 +10864,7 @@
       </p:pic>
       <p:pic>
         <p:nvPicPr>
-          <p:cNvPr id="75" name="図 74" descr="trash.png"/>
+          <p:cNvPr id="114" name="図 113" descr="trash.png"/>
           <p:cNvPicPr>
             <a:picLocks noChangeAspect="1"/>
           </p:cNvPicPr>
@@ -9907,7 +10894,7 @@
       </p:pic>
       <p:pic>
         <p:nvPicPr>
-          <p:cNvPr id="76" name="図 75" descr="trash.png"/>
+          <p:cNvPr id="115" name="図 114" descr="trash.png"/>
           <p:cNvPicPr>
             <a:picLocks noChangeAspect="1"/>
           </p:cNvPicPr>
@@ -9937,7 +10924,7 @@
       </p:pic>
       <p:sp>
         <p:nvSpPr>
-          <p:cNvPr id="77" name="角丸四角形 76"/>
+          <p:cNvPr id="116" name="角丸四角形 115"/>
           <p:cNvSpPr/>
           <p:nvPr/>
         </p:nvSpPr>
@@ -9986,7 +10973,7 @@
       </p:sp>
       <p:cxnSp>
         <p:nvCxnSpPr>
-          <p:cNvPr id="78" name="直線コネクタ 77"/>
+          <p:cNvPr id="117" name="直線コネクタ 116"/>
           <p:cNvCxnSpPr/>
           <p:nvPr/>
         </p:nvCxnSpPr>
@@ -10021,7 +11008,7 @@
       </p:cxnSp>
       <p:cxnSp>
         <p:nvCxnSpPr>
-          <p:cNvPr id="79" name="直線コネクタ 78"/>
+          <p:cNvPr id="118" name="直線コネクタ 117"/>
           <p:cNvCxnSpPr/>
           <p:nvPr/>
         </p:nvCxnSpPr>
@@ -10056,7 +11043,7 @@
       </p:cxnSp>
       <p:cxnSp>
         <p:nvCxnSpPr>
-          <p:cNvPr id="80" name="直線コネクタ 79"/>
+          <p:cNvPr id="119" name="直線コネクタ 118"/>
           <p:cNvCxnSpPr/>
           <p:nvPr/>
         </p:nvCxnSpPr>
@@ -10089,9 +11076,739 @@
           </a:fontRef>
         </p:style>
       </p:cxnSp>
-      <p:sp>
-        <p:nvSpPr>
-          <p:cNvPr id="81" name="正方形/長方形 80"/>
+      <p:cxnSp>
+        <p:nvCxnSpPr>
+          <p:cNvPr id="120" name="直線コネクタ 119"/>
+          <p:cNvCxnSpPr/>
+          <p:nvPr/>
+        </p:nvCxnSpPr>
+        <p:spPr>
+          <a:xfrm>
+            <a:off x="923931" y="2034307"/>
+            <a:ext cx="7250251" cy="0"/>
+          </a:xfrm>
+          <a:prstGeom prst="line">
+            <a:avLst/>
+          </a:prstGeom>
+          <a:ln>
+            <a:solidFill>
+              <a:schemeClr val="bg1">
+                <a:lumMod val="65000"/>
+              </a:schemeClr>
+            </a:solidFill>
+          </a:ln>
+          <a:effectLst/>
+        </p:spPr>
+        <p:style>
+          <a:lnRef idx="2">
+            <a:schemeClr val="accent1"/>
+          </a:lnRef>
+          <a:fillRef idx="0">
+            <a:schemeClr val="accent1"/>
+          </a:fillRef>
+          <a:effectRef idx="1">
+            <a:schemeClr val="accent1"/>
+          </a:effectRef>
+          <a:fontRef idx="minor">
+            <a:schemeClr val="tx1"/>
+          </a:fontRef>
+        </p:style>
+      </p:cxnSp>
+      <p:sp>
+        <p:nvSpPr>
+          <p:cNvPr id="121" name="テキスト ボックス 120"/>
+          <p:cNvSpPr txBox="1"/>
+          <p:nvPr/>
+        </p:nvSpPr>
+        <p:spPr>
+          <a:xfrm>
+            <a:off x="890993" y="1659566"/>
+            <a:ext cx="646331" cy="276999"/>
+          </a:xfrm>
+          <a:prstGeom prst="rect">
+            <a:avLst/>
+          </a:prstGeom>
+          <a:noFill/>
+        </p:spPr>
+        <p:txBody>
+          <a:bodyPr wrap="none" rtlCol="0">
+            <a:spAutoFit/>
+          </a:bodyPr>
+          <a:lstStyle/>
+          <a:p>
+            <a:r>
+              <a:rPr kumimoji="1" lang="ja-JP" altLang="en-US" sz="1200" dirty="0" smtClean="0">
+                <a:latin typeface="メイリオ"/>
+                <a:ea typeface="メイリオ"/>
+                <a:cs typeface="メイリオ"/>
+              </a:rPr>
+              <a:t>日付：</a:t>
+            </a:r>
+            <a:endParaRPr kumimoji="1" lang="ja-JP" altLang="en-US" sz="1200" dirty="0">
+              <a:latin typeface="メイリオ"/>
+              <a:ea typeface="メイリオ"/>
+              <a:cs typeface="メイリオ"/>
+            </a:endParaRPr>
+          </a:p>
+        </p:txBody>
+      </p:sp>
+      <p:sp>
+        <p:nvSpPr>
+          <p:cNvPr id="122" name="角丸四角形 121"/>
+          <p:cNvSpPr/>
+          <p:nvPr/>
+        </p:nvSpPr>
+        <p:spPr>
+          <a:xfrm>
+            <a:off x="1469168" y="1722329"/>
+            <a:ext cx="352321" cy="158766"/>
+          </a:xfrm>
+          <a:prstGeom prst="roundRect">
+            <a:avLst/>
+          </a:prstGeom>
+          <a:noFill/>
+          <a:ln w="25400">
+            <a:solidFill>
+              <a:schemeClr val="tx1"/>
+            </a:solidFill>
+          </a:ln>
+          <a:effectLst/>
+        </p:spPr>
+        <p:style>
+          <a:lnRef idx="1">
+            <a:schemeClr val="accent1"/>
+          </a:lnRef>
+          <a:fillRef idx="3">
+            <a:schemeClr val="accent1"/>
+          </a:fillRef>
+          <a:effectRef idx="2">
+            <a:schemeClr val="accent1"/>
+          </a:effectRef>
+          <a:fontRef idx="minor">
+            <a:schemeClr val="lt1"/>
+          </a:fontRef>
+        </p:style>
+        <p:txBody>
+          <a:bodyPr rtlCol="0" anchor="ctr"/>
+          <a:lstStyle/>
+          <a:p>
+            <a:pPr algn="ctr"/>
+            <a:endParaRPr kumimoji="1" lang="ja-JP" altLang="en-US"/>
+          </a:p>
+        </p:txBody>
+      </p:sp>
+      <p:sp>
+        <p:nvSpPr>
+          <p:cNvPr id="123" name="テキスト ボックス 122"/>
+          <p:cNvSpPr txBox="1"/>
+          <p:nvPr/>
+        </p:nvSpPr>
+        <p:spPr>
+          <a:xfrm>
+            <a:off x="1786644" y="1659566"/>
+            <a:ext cx="338554" cy="276999"/>
+          </a:xfrm>
+          <a:prstGeom prst="rect">
+            <a:avLst/>
+          </a:prstGeom>
+          <a:noFill/>
+        </p:spPr>
+        <p:txBody>
+          <a:bodyPr wrap="none" rtlCol="0">
+            <a:spAutoFit/>
+          </a:bodyPr>
+          <a:lstStyle/>
+          <a:p>
+            <a:r>
+              <a:rPr lang="en-US" altLang="en-US" sz="1200" dirty="0" smtClean="0">
+                <a:latin typeface="メイリオ"/>
+                <a:ea typeface="メイリオ"/>
+                <a:cs typeface="メイリオ"/>
+              </a:rPr>
+              <a:t>〜</a:t>
+            </a:r>
+            <a:endParaRPr kumimoji="1" lang="ja-JP" altLang="en-US" sz="1200" dirty="0">
+              <a:latin typeface="メイリオ"/>
+              <a:ea typeface="メイリオ"/>
+              <a:cs typeface="メイリオ"/>
+            </a:endParaRPr>
+          </a:p>
+        </p:txBody>
+      </p:sp>
+      <p:sp>
+        <p:nvSpPr>
+          <p:cNvPr id="124" name="テキスト ボックス 123"/>
+          <p:cNvSpPr txBox="1"/>
+          <p:nvPr/>
+        </p:nvSpPr>
+        <p:spPr>
+          <a:xfrm>
+            <a:off x="2465123" y="1656944"/>
+            <a:ext cx="646331" cy="276999"/>
+          </a:xfrm>
+          <a:prstGeom prst="rect">
+            <a:avLst/>
+          </a:prstGeom>
+          <a:noFill/>
+        </p:spPr>
+        <p:txBody>
+          <a:bodyPr wrap="none" rtlCol="0">
+            <a:spAutoFit/>
+          </a:bodyPr>
+          <a:lstStyle/>
+          <a:p>
+            <a:r>
+              <a:rPr lang="ja-JP" altLang="en-US" sz="1200" dirty="0" smtClean="0">
+                <a:latin typeface="メイリオ"/>
+                <a:ea typeface="メイリオ"/>
+                <a:cs typeface="メイリオ"/>
+              </a:rPr>
+              <a:t>内容</a:t>
+            </a:r>
+            <a:r>
+              <a:rPr kumimoji="1" lang="ja-JP" altLang="en-US" sz="1200" dirty="0" smtClean="0">
+                <a:latin typeface="メイリオ"/>
+                <a:ea typeface="メイリオ"/>
+                <a:cs typeface="メイリオ"/>
+              </a:rPr>
+              <a:t>：</a:t>
+            </a:r>
+            <a:endParaRPr kumimoji="1" lang="ja-JP" altLang="en-US" sz="1200" dirty="0">
+              <a:latin typeface="メイリオ"/>
+              <a:ea typeface="メイリオ"/>
+              <a:cs typeface="メイリオ"/>
+            </a:endParaRPr>
+          </a:p>
+        </p:txBody>
+      </p:sp>
+      <p:sp>
+        <p:nvSpPr>
+          <p:cNvPr id="125" name="角丸四角形 124"/>
+          <p:cNvSpPr/>
+          <p:nvPr/>
+        </p:nvSpPr>
+        <p:spPr>
+          <a:xfrm>
+            <a:off x="3034657" y="1720187"/>
+            <a:ext cx="797002" cy="165946"/>
+          </a:xfrm>
+          <a:prstGeom prst="roundRect">
+            <a:avLst/>
+          </a:prstGeom>
+          <a:noFill/>
+          <a:ln w="25400">
+            <a:solidFill>
+              <a:schemeClr val="tx1"/>
+            </a:solidFill>
+          </a:ln>
+          <a:effectLst/>
+        </p:spPr>
+        <p:style>
+          <a:lnRef idx="1">
+            <a:schemeClr val="accent1"/>
+          </a:lnRef>
+          <a:fillRef idx="3">
+            <a:schemeClr val="accent1"/>
+          </a:fillRef>
+          <a:effectRef idx="2">
+            <a:schemeClr val="accent1"/>
+          </a:effectRef>
+          <a:fontRef idx="minor">
+            <a:schemeClr val="lt1"/>
+          </a:fontRef>
+        </p:style>
+        <p:txBody>
+          <a:bodyPr rtlCol="0" anchor="ctr"/>
+          <a:lstStyle/>
+          <a:p>
+            <a:pPr algn="ctr"/>
+            <a:endParaRPr kumimoji="1" lang="ja-JP" altLang="en-US"/>
+          </a:p>
+        </p:txBody>
+      </p:sp>
+      <p:sp>
+        <p:nvSpPr>
+          <p:cNvPr id="126" name="角丸四角形 125"/>
+          <p:cNvSpPr/>
+          <p:nvPr/>
+        </p:nvSpPr>
+        <p:spPr>
+          <a:xfrm>
+            <a:off x="3877789" y="1722410"/>
+            <a:ext cx="602185" cy="165865"/>
+          </a:xfrm>
+          <a:prstGeom prst="roundRect">
+            <a:avLst/>
+          </a:prstGeom>
+          <a:noFill/>
+          <a:ln w="25400">
+            <a:solidFill>
+              <a:schemeClr val="tx1"/>
+            </a:solidFill>
+          </a:ln>
+          <a:effectLst/>
+        </p:spPr>
+        <p:style>
+          <a:lnRef idx="1">
+            <a:schemeClr val="accent1"/>
+          </a:lnRef>
+          <a:fillRef idx="3">
+            <a:schemeClr val="accent1"/>
+          </a:fillRef>
+          <a:effectRef idx="2">
+            <a:schemeClr val="accent1"/>
+          </a:effectRef>
+          <a:fontRef idx="minor">
+            <a:schemeClr val="lt1"/>
+          </a:fontRef>
+        </p:style>
+        <p:txBody>
+          <a:bodyPr rtlCol="0" anchor="ctr"/>
+          <a:lstStyle/>
+          <a:p>
+            <a:r>
+              <a:rPr kumimoji="1" lang="ja-JP" altLang="en-US" sz="800" dirty="0" smtClean="0">
+                <a:solidFill>
+                  <a:schemeClr val="tx1"/>
+                </a:solidFill>
+                <a:latin typeface="メイリオ"/>
+                <a:ea typeface="メイリオ"/>
+                <a:cs typeface="メイリオ"/>
+              </a:rPr>
+              <a:t>を含む</a:t>
+            </a:r>
+            <a:endParaRPr kumimoji="1" lang="ja-JP" altLang="en-US" sz="800" dirty="0">
+              <a:solidFill>
+                <a:schemeClr val="tx1"/>
+              </a:solidFill>
+              <a:latin typeface="メイリオ"/>
+              <a:ea typeface="メイリオ"/>
+              <a:cs typeface="メイリオ"/>
+            </a:endParaRPr>
+          </a:p>
+        </p:txBody>
+      </p:sp>
+      <p:sp>
+        <p:nvSpPr>
+          <p:cNvPr id="127" name="二等辺三角形 126"/>
+          <p:cNvSpPr/>
+          <p:nvPr/>
+        </p:nvSpPr>
+        <p:spPr>
+          <a:xfrm rot="10800000">
+            <a:off x="4322286" y="1761549"/>
+            <a:ext cx="108000" cy="108000"/>
+          </a:xfrm>
+          <a:prstGeom prst="triangle">
+            <a:avLst/>
+          </a:prstGeom>
+          <a:solidFill>
+            <a:schemeClr val="tx1"/>
+          </a:solidFill>
+          <a:ln>
+            <a:noFill/>
+          </a:ln>
+          <a:effectLst/>
+        </p:spPr>
+        <p:style>
+          <a:lnRef idx="1">
+            <a:schemeClr val="accent1"/>
+          </a:lnRef>
+          <a:fillRef idx="3">
+            <a:schemeClr val="accent1"/>
+          </a:fillRef>
+          <a:effectRef idx="2">
+            <a:schemeClr val="accent1"/>
+          </a:effectRef>
+          <a:fontRef idx="minor">
+            <a:schemeClr val="lt1"/>
+          </a:fontRef>
+        </p:style>
+        <p:txBody>
+          <a:bodyPr rtlCol="0" anchor="ctr"/>
+          <a:lstStyle/>
+          <a:p>
+            <a:pPr algn="ctr"/>
+            <a:endParaRPr kumimoji="1" lang="ja-JP" altLang="en-US"/>
+          </a:p>
+        </p:txBody>
+      </p:sp>
+      <p:sp>
+        <p:nvSpPr>
+          <p:cNvPr id="128" name="テキスト ボックス 127"/>
+          <p:cNvSpPr txBox="1"/>
+          <p:nvPr/>
+        </p:nvSpPr>
+        <p:spPr>
+          <a:xfrm>
+            <a:off x="4494298" y="1660170"/>
+            <a:ext cx="954107" cy="276999"/>
+          </a:xfrm>
+          <a:prstGeom prst="rect">
+            <a:avLst/>
+          </a:prstGeom>
+          <a:noFill/>
+        </p:spPr>
+        <p:txBody>
+          <a:bodyPr wrap="none" rtlCol="0">
+            <a:spAutoFit/>
+          </a:bodyPr>
+          <a:lstStyle/>
+          <a:p>
+            <a:r>
+              <a:rPr lang="ja-JP" altLang="en-US" sz="1200" dirty="0" smtClean="0">
+                <a:latin typeface="メイリオ"/>
+                <a:ea typeface="メイリオ"/>
+                <a:cs typeface="メイリオ"/>
+              </a:rPr>
+              <a:t>カテゴリ</a:t>
+            </a:r>
+            <a:r>
+              <a:rPr kumimoji="1" lang="ja-JP" altLang="en-US" sz="1200" dirty="0" smtClean="0">
+                <a:latin typeface="メイリオ"/>
+                <a:ea typeface="メイリオ"/>
+                <a:cs typeface="メイリオ"/>
+              </a:rPr>
+              <a:t>：</a:t>
+            </a:r>
+            <a:endParaRPr kumimoji="1" lang="ja-JP" altLang="en-US" sz="1200" dirty="0">
+              <a:latin typeface="メイリオ"/>
+              <a:ea typeface="メイリオ"/>
+              <a:cs typeface="メイリオ"/>
+            </a:endParaRPr>
+          </a:p>
+        </p:txBody>
+      </p:sp>
+      <p:sp>
+        <p:nvSpPr>
+          <p:cNvPr id="129" name="角丸四角形 128"/>
+          <p:cNvSpPr/>
+          <p:nvPr/>
+        </p:nvSpPr>
+        <p:spPr>
+          <a:xfrm>
+            <a:off x="5370510" y="1715149"/>
+            <a:ext cx="560480" cy="165946"/>
+          </a:xfrm>
+          <a:prstGeom prst="roundRect">
+            <a:avLst/>
+          </a:prstGeom>
+          <a:noFill/>
+          <a:ln w="25400">
+            <a:solidFill>
+              <a:schemeClr val="tx1"/>
+            </a:solidFill>
+          </a:ln>
+          <a:effectLst/>
+        </p:spPr>
+        <p:style>
+          <a:lnRef idx="1">
+            <a:schemeClr val="accent1"/>
+          </a:lnRef>
+          <a:fillRef idx="3">
+            <a:schemeClr val="accent1"/>
+          </a:fillRef>
+          <a:effectRef idx="2">
+            <a:schemeClr val="accent1"/>
+          </a:effectRef>
+          <a:fontRef idx="minor">
+            <a:schemeClr val="lt1"/>
+          </a:fontRef>
+        </p:style>
+        <p:txBody>
+          <a:bodyPr rtlCol="0" anchor="ctr"/>
+          <a:lstStyle/>
+          <a:p>
+            <a:pPr algn="ctr"/>
+            <a:endParaRPr kumimoji="1" lang="ja-JP" altLang="en-US"/>
+          </a:p>
+        </p:txBody>
+      </p:sp>
+      <p:sp>
+        <p:nvSpPr>
+          <p:cNvPr id="130" name="テキスト ボックス 129"/>
+          <p:cNvSpPr txBox="1"/>
+          <p:nvPr/>
+        </p:nvSpPr>
+        <p:spPr>
+          <a:xfrm>
+            <a:off x="5949540" y="1649229"/>
+            <a:ext cx="646331" cy="276999"/>
+          </a:xfrm>
+          <a:prstGeom prst="rect">
+            <a:avLst/>
+          </a:prstGeom>
+          <a:noFill/>
+        </p:spPr>
+        <p:txBody>
+          <a:bodyPr wrap="none" rtlCol="0">
+            <a:spAutoFit/>
+          </a:bodyPr>
+          <a:lstStyle/>
+          <a:p>
+            <a:r>
+              <a:rPr lang="ja-JP" altLang="en-US" sz="1200" dirty="0" smtClean="0">
+                <a:latin typeface="メイリオ"/>
+                <a:ea typeface="メイリオ"/>
+                <a:cs typeface="メイリオ"/>
+              </a:rPr>
+              <a:t>金額</a:t>
+            </a:r>
+            <a:r>
+              <a:rPr kumimoji="1" lang="ja-JP" altLang="en-US" sz="1200" dirty="0" smtClean="0">
+                <a:latin typeface="メイリオ"/>
+                <a:ea typeface="メイリオ"/>
+                <a:cs typeface="メイリオ"/>
+              </a:rPr>
+              <a:t>：</a:t>
+            </a:r>
+            <a:endParaRPr kumimoji="1" lang="ja-JP" altLang="en-US" sz="1200" dirty="0">
+              <a:latin typeface="メイリオ"/>
+              <a:ea typeface="メイリオ"/>
+              <a:cs typeface="メイリオ"/>
+            </a:endParaRPr>
+          </a:p>
+        </p:txBody>
+      </p:sp>
+      <p:sp>
+        <p:nvSpPr>
+          <p:cNvPr id="131" name="角丸四角形 130"/>
+          <p:cNvSpPr/>
+          <p:nvPr/>
+        </p:nvSpPr>
+        <p:spPr>
+          <a:xfrm>
+            <a:off x="2087658" y="1715007"/>
+            <a:ext cx="352321" cy="158766"/>
+          </a:xfrm>
+          <a:prstGeom prst="roundRect">
+            <a:avLst/>
+          </a:prstGeom>
+          <a:noFill/>
+          <a:ln w="25400">
+            <a:solidFill>
+              <a:schemeClr val="tx1"/>
+            </a:solidFill>
+          </a:ln>
+          <a:effectLst/>
+        </p:spPr>
+        <p:style>
+          <a:lnRef idx="1">
+            <a:schemeClr val="accent1"/>
+          </a:lnRef>
+          <a:fillRef idx="3">
+            <a:schemeClr val="accent1"/>
+          </a:fillRef>
+          <a:effectRef idx="2">
+            <a:schemeClr val="accent1"/>
+          </a:effectRef>
+          <a:fontRef idx="minor">
+            <a:schemeClr val="lt1"/>
+          </a:fontRef>
+        </p:style>
+        <p:txBody>
+          <a:bodyPr rtlCol="0" anchor="ctr"/>
+          <a:lstStyle/>
+          <a:p>
+            <a:pPr algn="ctr"/>
+            <a:endParaRPr kumimoji="1" lang="ja-JP" altLang="en-US"/>
+          </a:p>
+        </p:txBody>
+      </p:sp>
+      <p:sp>
+        <p:nvSpPr>
+          <p:cNvPr id="132" name="角丸四角形 131"/>
+          <p:cNvSpPr/>
+          <p:nvPr/>
+        </p:nvSpPr>
+        <p:spPr>
+          <a:xfrm>
+            <a:off x="6513621" y="1723285"/>
+            <a:ext cx="352321" cy="158766"/>
+          </a:xfrm>
+          <a:prstGeom prst="roundRect">
+            <a:avLst/>
+          </a:prstGeom>
+          <a:noFill/>
+          <a:ln w="25400">
+            <a:solidFill>
+              <a:schemeClr val="tx1"/>
+            </a:solidFill>
+          </a:ln>
+          <a:effectLst/>
+        </p:spPr>
+        <p:style>
+          <a:lnRef idx="1">
+            <a:schemeClr val="accent1"/>
+          </a:lnRef>
+          <a:fillRef idx="3">
+            <a:schemeClr val="accent1"/>
+          </a:fillRef>
+          <a:effectRef idx="2">
+            <a:schemeClr val="accent1"/>
+          </a:effectRef>
+          <a:fontRef idx="minor">
+            <a:schemeClr val="lt1"/>
+          </a:fontRef>
+        </p:style>
+        <p:txBody>
+          <a:bodyPr rtlCol="0" anchor="ctr"/>
+          <a:lstStyle/>
+          <a:p>
+            <a:pPr algn="ctr"/>
+            <a:endParaRPr kumimoji="1" lang="ja-JP" altLang="en-US"/>
+          </a:p>
+        </p:txBody>
+      </p:sp>
+      <p:sp>
+        <p:nvSpPr>
+          <p:cNvPr id="133" name="テキスト ボックス 132"/>
+          <p:cNvSpPr txBox="1"/>
+          <p:nvPr/>
+        </p:nvSpPr>
+        <p:spPr>
+          <a:xfrm>
+            <a:off x="6831097" y="1660522"/>
+            <a:ext cx="338554" cy="276999"/>
+          </a:xfrm>
+          <a:prstGeom prst="rect">
+            <a:avLst/>
+          </a:prstGeom>
+          <a:noFill/>
+        </p:spPr>
+        <p:txBody>
+          <a:bodyPr wrap="none" rtlCol="0">
+            <a:spAutoFit/>
+          </a:bodyPr>
+          <a:lstStyle/>
+          <a:p>
+            <a:r>
+              <a:rPr lang="en-US" altLang="en-US" sz="1200" dirty="0" smtClean="0">
+                <a:latin typeface="メイリオ"/>
+                <a:ea typeface="メイリオ"/>
+                <a:cs typeface="メイリオ"/>
+              </a:rPr>
+              <a:t>〜</a:t>
+            </a:r>
+            <a:endParaRPr kumimoji="1" lang="ja-JP" altLang="en-US" sz="1200" dirty="0">
+              <a:latin typeface="メイリオ"/>
+              <a:ea typeface="メイリオ"/>
+              <a:cs typeface="メイリオ"/>
+            </a:endParaRPr>
+          </a:p>
+        </p:txBody>
+      </p:sp>
+      <p:sp>
+        <p:nvSpPr>
+          <p:cNvPr id="134" name="角丸四角形 133"/>
+          <p:cNvSpPr/>
+          <p:nvPr/>
+        </p:nvSpPr>
+        <p:spPr>
+          <a:xfrm>
+            <a:off x="7132111" y="1715963"/>
+            <a:ext cx="352321" cy="158766"/>
+          </a:xfrm>
+          <a:prstGeom prst="roundRect">
+            <a:avLst/>
+          </a:prstGeom>
+          <a:noFill/>
+          <a:ln w="25400">
+            <a:solidFill>
+              <a:schemeClr val="tx1"/>
+            </a:solidFill>
+          </a:ln>
+          <a:effectLst/>
+        </p:spPr>
+        <p:style>
+          <a:lnRef idx="1">
+            <a:schemeClr val="accent1"/>
+          </a:lnRef>
+          <a:fillRef idx="3">
+            <a:schemeClr val="accent1"/>
+          </a:fillRef>
+          <a:effectRef idx="2">
+            <a:schemeClr val="accent1"/>
+          </a:effectRef>
+          <a:fontRef idx="minor">
+            <a:schemeClr val="lt1"/>
+          </a:fontRef>
+        </p:style>
+        <p:txBody>
+          <a:bodyPr rtlCol="0" anchor="ctr"/>
+          <a:lstStyle/>
+          <a:p>
+            <a:pPr algn="ctr"/>
+            <a:endParaRPr kumimoji="1" lang="ja-JP" altLang="en-US"/>
+          </a:p>
+        </p:txBody>
+      </p:sp>
+      <p:sp>
+        <p:nvSpPr>
+          <p:cNvPr id="135" name="角丸四角形 134"/>
+          <p:cNvSpPr/>
+          <p:nvPr/>
+        </p:nvSpPr>
+        <p:spPr>
+          <a:xfrm>
+            <a:off x="7553038" y="1639397"/>
+            <a:ext cx="550589" cy="299213"/>
+          </a:xfrm>
+          <a:prstGeom prst="roundRect">
+            <a:avLst/>
+          </a:prstGeom>
+          <a:noFill/>
+          <a:ln w="25400">
+            <a:solidFill>
+              <a:schemeClr val="tx1"/>
+            </a:solidFill>
+          </a:ln>
+          <a:effectLst/>
+        </p:spPr>
+        <p:style>
+          <a:lnRef idx="1">
+            <a:schemeClr val="accent1"/>
+          </a:lnRef>
+          <a:fillRef idx="3">
+            <a:schemeClr val="accent1"/>
+          </a:fillRef>
+          <a:effectRef idx="2">
+            <a:schemeClr val="accent1"/>
+          </a:effectRef>
+          <a:fontRef idx="minor">
+            <a:schemeClr val="lt1"/>
+          </a:fontRef>
+        </p:style>
+        <p:txBody>
+          <a:bodyPr rtlCol="0" anchor="ctr"/>
+          <a:lstStyle/>
+          <a:p>
+            <a:pPr algn="ctr"/>
+            <a:r>
+              <a:rPr lang="ja-JP" altLang="en-US" sz="1200" dirty="0" smtClean="0">
+                <a:solidFill>
+                  <a:schemeClr val="tx1"/>
+                </a:solidFill>
+                <a:latin typeface="メイリオ"/>
+                <a:ea typeface="メイリオ"/>
+                <a:cs typeface="メイリオ"/>
+              </a:rPr>
+              <a:t>検索</a:t>
+            </a:r>
+            <a:endParaRPr kumimoji="1" lang="ja-JP" altLang="en-US" sz="1200" dirty="0">
+              <a:solidFill>
+                <a:schemeClr val="tx1"/>
+              </a:solidFill>
+              <a:latin typeface="メイリオ"/>
+              <a:ea typeface="メイリオ"/>
+              <a:cs typeface="メイリオ"/>
+            </a:endParaRPr>
+          </a:p>
+        </p:txBody>
+      </p:sp>
+      <p:sp>
+        <p:nvSpPr>
+          <p:cNvPr id="136" name="正方形/長方形 135"/>
           <p:cNvSpPr/>
           <p:nvPr/>
         </p:nvSpPr>
@@ -10168,7 +11885,7 @@
         </p:blipFill>
         <p:spPr>
           <a:xfrm>
-            <a:off x="2526390" y="1627906"/>
+            <a:off x="2465123" y="1693157"/>
             <a:ext cx="4251885" cy="1856656"/>
           </a:xfrm>
           <a:prstGeom prst="rect">
@@ -10189,7 +11906,7 @@
 </p:sld>
 </file>
 
-<file path=ppt/slides/slide7.xml><?xml version="1.0" encoding="utf-8"?>
+<file path=ppt/slides/slide8.xml><?xml version="1.0" encoding="utf-8"?>
 <p:sld xmlns:a="http://schemas.openxmlformats.org/drawingml/2006/main" xmlns:r="http://schemas.openxmlformats.org/officeDocument/2006/relationships" xmlns:p="http://schemas.openxmlformats.org/presentationml/2006/main">
   <p:cSld>
     <p:spTree>
@@ -10206,61 +11923,23 @@
           <a:chExt cx="0" cy="0"/>
         </a:xfrm>
       </p:grpSpPr>
-      <p:sp>
-        <p:nvSpPr>
-          <p:cNvPr id="4" name="テキスト ボックス 3"/>
-          <p:cNvSpPr txBox="1"/>
-          <p:nvPr/>
-        </p:nvSpPr>
-        <p:spPr>
-          <a:xfrm>
-            <a:off x="200532" y="187161"/>
-            <a:ext cx="4134465" cy="523220"/>
-          </a:xfrm>
-          <a:prstGeom prst="rect">
-            <a:avLst/>
-          </a:prstGeom>
-          <a:noFill/>
-        </p:spPr>
-        <p:txBody>
-          <a:bodyPr wrap="none" rtlCol="0">
-            <a:spAutoFit/>
-          </a:bodyPr>
-          <a:lstStyle/>
-          <a:p>
-            <a:r>
-              <a:rPr lang="ja-JP" altLang="en-US" sz="2800" dirty="0" smtClean="0">
-                <a:latin typeface="メイリオ"/>
-                <a:ea typeface="メイリオ"/>
-                <a:cs typeface="メイリオ"/>
-              </a:rPr>
-              <a:t>管理画面（登録失敗時）</a:t>
-            </a:r>
-            <a:endParaRPr kumimoji="1" lang="ja-JP" altLang="en-US" sz="2000" dirty="0">
-              <a:latin typeface="メイリオ"/>
-              <a:ea typeface="メイリオ"/>
-              <a:cs typeface="メイリオ"/>
-            </a:endParaRPr>
-          </a:p>
-        </p:txBody>
-      </p:sp>
       <p:graphicFrame>
         <p:nvGraphicFramePr>
-          <p:cNvPr id="46" name="表 45"/>
+          <p:cNvPr id="55" name="表 54"/>
           <p:cNvGraphicFramePr>
             <a:graphicFrameLocks noGrp="1"/>
           </p:cNvGraphicFramePr>
           <p:nvPr>
             <p:extLst>
               <p:ext uri="{D42A27DB-BD31-4B8C-83A1-F6EECF244321}">
-                <p14:modId xmlns:p14="http://schemas.microsoft.com/office/powerpoint/2010/main" val="2536801937"/>
+                <p14:modId xmlns:p14="http://schemas.microsoft.com/office/powerpoint/2010/main" val="1613173921"/>
               </p:ext>
             </p:extLst>
           </p:nvPr>
         </p:nvGraphicFramePr>
         <p:xfrm>
-          <a:off x="993905" y="2031998"/>
-          <a:ext cx="6891640" cy="4248728"/>
+          <a:off x="993905" y="2447618"/>
+          <a:ext cx="6891640" cy="3862480"/>
         </p:xfrm>
         <a:graphic>
           <a:graphicData uri="http://schemas.openxmlformats.org/drawingml/2006/table">
@@ -10359,48 +12038,6 @@
                         <a:ea typeface="メイリオ"/>
                         <a:cs typeface="メイリオ"/>
                       </a:endParaRPr>
-                    </a:p>
-                  </a:txBody>
-                  <a:tcPr/>
-                </a:tc>
-              </a:tr>
-              <a:tr h="386248">
-                <a:tc>
-                  <a:txBody>
-                    <a:bodyPr/>
-                    <a:lstStyle/>
-                    <a:p>
-                      <a:endParaRPr kumimoji="1" lang="ja-JP" altLang="en-US"/>
-                    </a:p>
-                  </a:txBody>
-                  <a:tcPr/>
-                </a:tc>
-                <a:tc>
-                  <a:txBody>
-                    <a:bodyPr/>
-                    <a:lstStyle/>
-                    <a:p>
-                      <a:endParaRPr kumimoji="1" lang="ja-JP" altLang="en-US"/>
-                    </a:p>
-                  </a:txBody>
-                  <a:tcPr/>
-                </a:tc>
-                <a:tc>
-                  <a:txBody>
-                    <a:bodyPr/>
-                    <a:lstStyle/>
-                    <a:p>
-                      <a:endParaRPr kumimoji="1" lang="ja-JP" altLang="en-US"/>
-                    </a:p>
-                  </a:txBody>
-                  <a:tcPr/>
-                </a:tc>
-                <a:tc>
-                  <a:txBody>
-                    <a:bodyPr/>
-                    <a:lstStyle/>
-                    <a:p>
-                      <a:endParaRPr kumimoji="1" lang="ja-JP" altLang="en-US" dirty="0"/>
                     </a:p>
                   </a:txBody>
                   <a:tcPr/>
@@ -10790,7 +12427,7 @@
       </p:graphicFrame>
       <p:sp>
         <p:nvSpPr>
-          <p:cNvPr id="47" name="正方形/長方形 46"/>
+          <p:cNvPr id="64" name="正方形/長方形 63"/>
           <p:cNvSpPr/>
           <p:nvPr/>
         </p:nvSpPr>
@@ -10842,7 +12479,7 @@
       </p:sp>
       <p:sp>
         <p:nvSpPr>
-          <p:cNvPr id="48" name="角丸四角形 47"/>
+          <p:cNvPr id="65" name="角丸四角形 64"/>
           <p:cNvSpPr/>
           <p:nvPr/>
         </p:nvSpPr>
@@ -10887,7 +12524,7 @@
       </p:sp>
       <p:sp>
         <p:nvSpPr>
-          <p:cNvPr id="49" name="テキスト ボックス 48"/>
+          <p:cNvPr id="66" name="テキスト ボックス 65"/>
           <p:cNvSpPr txBox="1"/>
           <p:nvPr/>
         </p:nvSpPr>
@@ -10925,7 +12562,7 @@
       </p:sp>
       <p:sp>
         <p:nvSpPr>
-          <p:cNvPr id="50" name="角丸四角形 49"/>
+          <p:cNvPr id="67" name="角丸四角形 66"/>
           <p:cNvSpPr/>
           <p:nvPr/>
         </p:nvSpPr>
@@ -10970,7 +12607,7 @@
       </p:sp>
       <p:sp>
         <p:nvSpPr>
-          <p:cNvPr id="51" name="テキスト ボックス 50"/>
+          <p:cNvPr id="68" name="テキスト ボックス 67"/>
           <p:cNvSpPr txBox="1"/>
           <p:nvPr/>
         </p:nvSpPr>
@@ -11016,7 +12653,7 @@
       </p:sp>
       <p:sp>
         <p:nvSpPr>
-          <p:cNvPr id="52" name="角丸四角形 51"/>
+          <p:cNvPr id="69" name="角丸四角形 68"/>
           <p:cNvSpPr/>
           <p:nvPr/>
         </p:nvSpPr>
@@ -11061,7 +12698,7 @@
       </p:sp>
       <p:sp>
         <p:nvSpPr>
-          <p:cNvPr id="53" name="テキスト ボックス 52"/>
+          <p:cNvPr id="70" name="テキスト ボックス 69"/>
           <p:cNvSpPr txBox="1"/>
           <p:nvPr/>
         </p:nvSpPr>
@@ -11107,7 +12744,7 @@
       </p:sp>
       <p:sp>
         <p:nvSpPr>
-          <p:cNvPr id="54" name="角丸四角形 53"/>
+          <p:cNvPr id="71" name="角丸四角形 70"/>
           <p:cNvSpPr/>
           <p:nvPr/>
         </p:nvSpPr>
@@ -11152,7 +12789,7 @@
       </p:sp>
       <p:sp>
         <p:nvSpPr>
-          <p:cNvPr id="56" name="テキスト ボックス 55"/>
+          <p:cNvPr id="72" name="テキスト ボックス 71"/>
           <p:cNvSpPr txBox="1"/>
           <p:nvPr/>
         </p:nvSpPr>
@@ -11198,7 +12835,7 @@
       </p:sp>
       <p:sp>
         <p:nvSpPr>
-          <p:cNvPr id="57" name="角丸四角形 56"/>
+          <p:cNvPr id="73" name="角丸四角形 72"/>
           <p:cNvSpPr/>
           <p:nvPr/>
         </p:nvSpPr>
@@ -11261,7 +12898,7 @@
       </p:sp>
       <p:cxnSp>
         <p:nvCxnSpPr>
-          <p:cNvPr id="58" name="直線コネクタ 57"/>
+          <p:cNvPr id="74" name="直線コネクタ 73"/>
           <p:cNvCxnSpPr/>
           <p:nvPr/>
         </p:nvCxnSpPr>
@@ -11299,13 +12936,13 @@
       </p:cxnSp>
       <p:sp>
         <p:nvSpPr>
-          <p:cNvPr id="59" name="テキスト ボックス 58"/>
+          <p:cNvPr id="75" name="テキスト ボックス 74"/>
           <p:cNvSpPr txBox="1"/>
           <p:nvPr/>
         </p:nvSpPr>
         <p:spPr>
           <a:xfrm>
-            <a:off x="4124211" y="1630084"/>
+            <a:off x="4124211" y="2080339"/>
             <a:ext cx="296175" cy="307777"/>
           </a:xfrm>
           <a:prstGeom prst="rect">
@@ -11337,13 +12974,13 @@
       </p:sp>
       <p:sp>
         <p:nvSpPr>
-          <p:cNvPr id="60" name="テキスト ボックス 59"/>
+          <p:cNvPr id="76" name="テキスト ボックス 75"/>
           <p:cNvSpPr txBox="1"/>
           <p:nvPr/>
         </p:nvSpPr>
         <p:spPr>
           <a:xfrm>
-            <a:off x="4356158" y="1632399"/>
+            <a:off x="4356158" y="2082654"/>
             <a:ext cx="296175" cy="307777"/>
           </a:xfrm>
           <a:prstGeom prst="rect">
@@ -11375,13 +13012,13 @@
       </p:sp>
       <p:sp>
         <p:nvSpPr>
-          <p:cNvPr id="61" name="テキスト ボックス 60"/>
+          <p:cNvPr id="77" name="テキスト ボックス 76"/>
           <p:cNvSpPr txBox="1"/>
           <p:nvPr/>
         </p:nvSpPr>
         <p:spPr>
           <a:xfrm>
-            <a:off x="4597125" y="1632399"/>
+            <a:off x="4597125" y="2082654"/>
             <a:ext cx="494734" cy="307777"/>
           </a:xfrm>
           <a:prstGeom prst="rect">
@@ -11413,13 +13050,13 @@
       </p:sp>
       <p:sp>
         <p:nvSpPr>
-          <p:cNvPr id="62" name="二等辺三角形 61"/>
+          <p:cNvPr id="78" name="二等辺三角形 77"/>
           <p:cNvSpPr/>
           <p:nvPr/>
         </p:nvSpPr>
         <p:spPr>
           <a:xfrm rot="5400000">
-            <a:off x="5439130" y="1683849"/>
+            <a:off x="5439130" y="2134104"/>
             <a:ext cx="179370" cy="181212"/>
           </a:xfrm>
           <a:prstGeom prst="triangle">
@@ -11458,13 +13095,13 @@
       </p:sp>
       <p:sp>
         <p:nvSpPr>
-          <p:cNvPr id="63" name="二等辺三角形 62"/>
+          <p:cNvPr id="79" name="二等辺三角形 78"/>
           <p:cNvSpPr/>
           <p:nvPr/>
         </p:nvSpPr>
         <p:spPr>
           <a:xfrm rot="16200000">
-            <a:off x="3923520" y="1684770"/>
+            <a:off x="3923520" y="2135025"/>
             <a:ext cx="180000" cy="180000"/>
           </a:xfrm>
           <a:prstGeom prst="triangle">
@@ -11503,13 +13140,13 @@
       </p:sp>
       <p:sp>
         <p:nvSpPr>
-          <p:cNvPr id="80" name="テキスト ボックス 79"/>
+          <p:cNvPr id="102" name="テキスト ボックス 101"/>
           <p:cNvSpPr txBox="1"/>
           <p:nvPr/>
         </p:nvSpPr>
         <p:spPr>
           <a:xfrm>
-            <a:off x="5013885" y="1632399"/>
+            <a:off x="5013885" y="2082654"/>
             <a:ext cx="407684" cy="307777"/>
           </a:xfrm>
           <a:prstGeom prst="rect">
@@ -11541,13 +13178,13 @@
       </p:sp>
       <p:sp>
         <p:nvSpPr>
-          <p:cNvPr id="81" name="テキスト ボックス 80"/>
+          <p:cNvPr id="103" name="テキスト ボックス 102"/>
           <p:cNvSpPr txBox="1"/>
           <p:nvPr/>
         </p:nvSpPr>
         <p:spPr>
           <a:xfrm>
-            <a:off x="993905" y="1630084"/>
+            <a:off x="993905" y="2080339"/>
             <a:ext cx="2623046" cy="307777"/>
           </a:xfrm>
           <a:prstGeom prst="rect">
@@ -11635,13 +13272,13 @@
       </p:sp>
       <p:sp>
         <p:nvSpPr>
-          <p:cNvPr id="82" name="二等辺三角形 81"/>
+          <p:cNvPr id="104" name="二等辺三角形 103"/>
           <p:cNvSpPr/>
           <p:nvPr/>
         </p:nvSpPr>
         <p:spPr>
           <a:xfrm rot="16200000">
-            <a:off x="3596344" y="1684770"/>
+            <a:off x="3596344" y="2135025"/>
             <a:ext cx="180000" cy="180000"/>
           </a:xfrm>
           <a:prstGeom prst="triangle">
@@ -11680,13 +13317,13 @@
       </p:sp>
       <p:sp>
         <p:nvSpPr>
-          <p:cNvPr id="83" name="二等辺三角形 82"/>
+          <p:cNvPr id="105" name="二等辺三角形 104"/>
           <p:cNvSpPr/>
           <p:nvPr/>
         </p:nvSpPr>
         <p:spPr>
           <a:xfrm rot="16200000">
-            <a:off x="3693379" y="1684140"/>
+            <a:off x="3693379" y="2134395"/>
             <a:ext cx="180000" cy="180000"/>
           </a:xfrm>
           <a:prstGeom prst="triangle">
@@ -11725,13 +13362,13 @@
       </p:sp>
       <p:sp>
         <p:nvSpPr>
-          <p:cNvPr id="84" name="二等辺三角形 83"/>
+          <p:cNvPr id="106" name="二等辺三角形 105"/>
           <p:cNvSpPr/>
           <p:nvPr/>
         </p:nvSpPr>
         <p:spPr>
           <a:xfrm rot="5400000">
-            <a:off x="5764549" y="1684479"/>
+            <a:off x="5764549" y="2134734"/>
             <a:ext cx="179370" cy="181212"/>
           </a:xfrm>
           <a:prstGeom prst="triangle">
@@ -11770,13 +13407,13 @@
       </p:sp>
       <p:sp>
         <p:nvSpPr>
-          <p:cNvPr id="85" name="二等辺三角形 84"/>
+          <p:cNvPr id="107" name="二等辺三角形 106"/>
           <p:cNvSpPr/>
           <p:nvPr/>
         </p:nvSpPr>
         <p:spPr>
           <a:xfrm rot="5400000">
-            <a:off x="5673943" y="1684479"/>
+            <a:off x="5673943" y="2134734"/>
             <a:ext cx="179370" cy="181212"/>
           </a:xfrm>
           <a:prstGeom prst="triangle">
@@ -11815,7 +13452,7 @@
       </p:sp>
       <p:sp>
         <p:nvSpPr>
-          <p:cNvPr id="86" name="角丸四角形 85"/>
+          <p:cNvPr id="108" name="角丸四角形 107"/>
           <p:cNvSpPr/>
           <p:nvPr/>
         </p:nvSpPr>
@@ -11878,7 +13515,7 @@
       </p:sp>
       <p:pic>
         <p:nvPicPr>
-          <p:cNvPr id="87" name="図 86" descr="trash.png"/>
+          <p:cNvPr id="109" name="図 108" descr="trash.png"/>
           <p:cNvPicPr>
             <a:picLocks noChangeAspect="1"/>
           </p:cNvPicPr>
@@ -11908,7 +13545,7 @@
       </p:pic>
       <p:pic>
         <p:nvPicPr>
-          <p:cNvPr id="88" name="図 87" descr="trash.png"/>
+          <p:cNvPr id="110" name="図 109" descr="trash.png"/>
           <p:cNvPicPr>
             <a:picLocks noChangeAspect="1"/>
           </p:cNvPicPr>
@@ -11938,7 +13575,7 @@
       </p:pic>
       <p:pic>
         <p:nvPicPr>
-          <p:cNvPr id="89" name="図 88" descr="trash.png"/>
+          <p:cNvPr id="111" name="図 110" descr="trash.png"/>
           <p:cNvPicPr>
             <a:picLocks noChangeAspect="1"/>
           </p:cNvPicPr>
@@ -11968,7 +13605,7 @@
       </p:pic>
       <p:pic>
         <p:nvPicPr>
-          <p:cNvPr id="90" name="図 89" descr="trash.png"/>
+          <p:cNvPr id="112" name="図 111" descr="trash.png"/>
           <p:cNvPicPr>
             <a:picLocks noChangeAspect="1"/>
           </p:cNvPicPr>
@@ -11998,7 +13635,7 @@
       </p:pic>
       <p:pic>
         <p:nvPicPr>
-          <p:cNvPr id="91" name="図 90" descr="trash.png"/>
+          <p:cNvPr id="113" name="図 112" descr="trash.png"/>
           <p:cNvPicPr>
             <a:picLocks noChangeAspect="1"/>
           </p:cNvPicPr>
@@ -12028,7 +13665,7 @@
       </p:pic>
       <p:pic>
         <p:nvPicPr>
-          <p:cNvPr id="92" name="図 91" descr="trash.png"/>
+          <p:cNvPr id="114" name="図 113" descr="trash.png"/>
           <p:cNvPicPr>
             <a:picLocks noChangeAspect="1"/>
           </p:cNvPicPr>
@@ -12058,7 +13695,7 @@
       </p:pic>
       <p:pic>
         <p:nvPicPr>
-          <p:cNvPr id="93" name="図 92" descr="trash.png"/>
+          <p:cNvPr id="115" name="図 114" descr="trash.png"/>
           <p:cNvPicPr>
             <a:picLocks noChangeAspect="1"/>
           </p:cNvPicPr>
@@ -12088,7 +13725,7 @@
       </p:pic>
       <p:pic>
         <p:nvPicPr>
-          <p:cNvPr id="94" name="図 93" descr="trash.png"/>
+          <p:cNvPr id="116" name="図 115" descr="trash.png"/>
           <p:cNvPicPr>
             <a:picLocks noChangeAspect="1"/>
           </p:cNvPicPr>
@@ -12118,7 +13755,7 @@
       </p:pic>
       <p:pic>
         <p:nvPicPr>
-          <p:cNvPr id="95" name="図 94" descr="trash.png"/>
+          <p:cNvPr id="117" name="図 116" descr="trash.png"/>
           <p:cNvPicPr>
             <a:picLocks noChangeAspect="1"/>
           </p:cNvPicPr>
@@ -12148,7 +13785,7 @@
       </p:pic>
       <p:pic>
         <p:nvPicPr>
-          <p:cNvPr id="96" name="図 95" descr="trash.png"/>
+          <p:cNvPr id="118" name="図 117" descr="trash.png"/>
           <p:cNvPicPr>
             <a:picLocks noChangeAspect="1"/>
           </p:cNvPicPr>
@@ -12178,7 +13815,7 @@
       </p:pic>
       <p:sp>
         <p:nvSpPr>
-          <p:cNvPr id="97" name="角丸四角形 96"/>
+          <p:cNvPr id="119" name="角丸四角形 118"/>
           <p:cNvSpPr/>
           <p:nvPr/>
         </p:nvSpPr>
@@ -12227,7 +13864,7 @@
       </p:sp>
       <p:cxnSp>
         <p:nvCxnSpPr>
-          <p:cNvPr id="98" name="直線コネクタ 97"/>
+          <p:cNvPr id="120" name="直線コネクタ 119"/>
           <p:cNvCxnSpPr/>
           <p:nvPr/>
         </p:nvCxnSpPr>
@@ -12262,7 +13899,7 @@
       </p:cxnSp>
       <p:cxnSp>
         <p:nvCxnSpPr>
-          <p:cNvPr id="99" name="直線コネクタ 98"/>
+          <p:cNvPr id="121" name="直線コネクタ 120"/>
           <p:cNvCxnSpPr/>
           <p:nvPr/>
         </p:nvCxnSpPr>
@@ -12297,7 +13934,7 @@
       </p:cxnSp>
       <p:cxnSp>
         <p:nvCxnSpPr>
-          <p:cNvPr id="100" name="直線コネクタ 99"/>
+          <p:cNvPr id="122" name="直線コネクタ 121"/>
           <p:cNvCxnSpPr/>
           <p:nvPr/>
         </p:nvCxnSpPr>
@@ -12330,9 +13967,739 @@
           </a:fontRef>
         </p:style>
       </p:cxnSp>
-      <p:sp>
-        <p:nvSpPr>
-          <p:cNvPr id="101" name="正方形/長方形 100"/>
+      <p:cxnSp>
+        <p:nvCxnSpPr>
+          <p:cNvPr id="123" name="直線コネクタ 122"/>
+          <p:cNvCxnSpPr/>
+          <p:nvPr/>
+        </p:nvCxnSpPr>
+        <p:spPr>
+          <a:xfrm>
+            <a:off x="923931" y="2034307"/>
+            <a:ext cx="7250251" cy="0"/>
+          </a:xfrm>
+          <a:prstGeom prst="line">
+            <a:avLst/>
+          </a:prstGeom>
+          <a:ln>
+            <a:solidFill>
+              <a:schemeClr val="bg1">
+                <a:lumMod val="65000"/>
+              </a:schemeClr>
+            </a:solidFill>
+          </a:ln>
+          <a:effectLst/>
+        </p:spPr>
+        <p:style>
+          <a:lnRef idx="2">
+            <a:schemeClr val="accent1"/>
+          </a:lnRef>
+          <a:fillRef idx="0">
+            <a:schemeClr val="accent1"/>
+          </a:fillRef>
+          <a:effectRef idx="1">
+            <a:schemeClr val="accent1"/>
+          </a:effectRef>
+          <a:fontRef idx="minor">
+            <a:schemeClr val="tx1"/>
+          </a:fontRef>
+        </p:style>
+      </p:cxnSp>
+      <p:sp>
+        <p:nvSpPr>
+          <p:cNvPr id="124" name="テキスト ボックス 123"/>
+          <p:cNvSpPr txBox="1"/>
+          <p:nvPr/>
+        </p:nvSpPr>
+        <p:spPr>
+          <a:xfrm>
+            <a:off x="890993" y="1659566"/>
+            <a:ext cx="646331" cy="276999"/>
+          </a:xfrm>
+          <a:prstGeom prst="rect">
+            <a:avLst/>
+          </a:prstGeom>
+          <a:noFill/>
+        </p:spPr>
+        <p:txBody>
+          <a:bodyPr wrap="none" rtlCol="0">
+            <a:spAutoFit/>
+          </a:bodyPr>
+          <a:lstStyle/>
+          <a:p>
+            <a:r>
+              <a:rPr kumimoji="1" lang="ja-JP" altLang="en-US" sz="1200" dirty="0" smtClean="0">
+                <a:latin typeface="メイリオ"/>
+                <a:ea typeface="メイリオ"/>
+                <a:cs typeface="メイリオ"/>
+              </a:rPr>
+              <a:t>日付：</a:t>
+            </a:r>
+            <a:endParaRPr kumimoji="1" lang="ja-JP" altLang="en-US" sz="1200" dirty="0">
+              <a:latin typeface="メイリオ"/>
+              <a:ea typeface="メイリオ"/>
+              <a:cs typeface="メイリオ"/>
+            </a:endParaRPr>
+          </a:p>
+        </p:txBody>
+      </p:sp>
+      <p:sp>
+        <p:nvSpPr>
+          <p:cNvPr id="125" name="角丸四角形 124"/>
+          <p:cNvSpPr/>
+          <p:nvPr/>
+        </p:nvSpPr>
+        <p:spPr>
+          <a:xfrm>
+            <a:off x="1469168" y="1722329"/>
+            <a:ext cx="352321" cy="158766"/>
+          </a:xfrm>
+          <a:prstGeom prst="roundRect">
+            <a:avLst/>
+          </a:prstGeom>
+          <a:noFill/>
+          <a:ln w="25400">
+            <a:solidFill>
+              <a:schemeClr val="tx1"/>
+            </a:solidFill>
+          </a:ln>
+          <a:effectLst/>
+        </p:spPr>
+        <p:style>
+          <a:lnRef idx="1">
+            <a:schemeClr val="accent1"/>
+          </a:lnRef>
+          <a:fillRef idx="3">
+            <a:schemeClr val="accent1"/>
+          </a:fillRef>
+          <a:effectRef idx="2">
+            <a:schemeClr val="accent1"/>
+          </a:effectRef>
+          <a:fontRef idx="minor">
+            <a:schemeClr val="lt1"/>
+          </a:fontRef>
+        </p:style>
+        <p:txBody>
+          <a:bodyPr rtlCol="0" anchor="ctr"/>
+          <a:lstStyle/>
+          <a:p>
+            <a:pPr algn="ctr"/>
+            <a:endParaRPr kumimoji="1" lang="ja-JP" altLang="en-US"/>
+          </a:p>
+        </p:txBody>
+      </p:sp>
+      <p:sp>
+        <p:nvSpPr>
+          <p:cNvPr id="126" name="テキスト ボックス 125"/>
+          <p:cNvSpPr txBox="1"/>
+          <p:nvPr/>
+        </p:nvSpPr>
+        <p:spPr>
+          <a:xfrm>
+            <a:off x="1786644" y="1659566"/>
+            <a:ext cx="338554" cy="276999"/>
+          </a:xfrm>
+          <a:prstGeom prst="rect">
+            <a:avLst/>
+          </a:prstGeom>
+          <a:noFill/>
+        </p:spPr>
+        <p:txBody>
+          <a:bodyPr wrap="none" rtlCol="0">
+            <a:spAutoFit/>
+          </a:bodyPr>
+          <a:lstStyle/>
+          <a:p>
+            <a:r>
+              <a:rPr lang="en-US" altLang="en-US" sz="1200" dirty="0" smtClean="0">
+                <a:latin typeface="メイリオ"/>
+                <a:ea typeface="メイリオ"/>
+                <a:cs typeface="メイリオ"/>
+              </a:rPr>
+              <a:t>〜</a:t>
+            </a:r>
+            <a:endParaRPr kumimoji="1" lang="ja-JP" altLang="en-US" sz="1200" dirty="0">
+              <a:latin typeface="メイリオ"/>
+              <a:ea typeface="メイリオ"/>
+              <a:cs typeface="メイリオ"/>
+            </a:endParaRPr>
+          </a:p>
+        </p:txBody>
+      </p:sp>
+      <p:sp>
+        <p:nvSpPr>
+          <p:cNvPr id="127" name="テキスト ボックス 126"/>
+          <p:cNvSpPr txBox="1"/>
+          <p:nvPr/>
+        </p:nvSpPr>
+        <p:spPr>
+          <a:xfrm>
+            <a:off x="2465123" y="1656944"/>
+            <a:ext cx="646331" cy="276999"/>
+          </a:xfrm>
+          <a:prstGeom prst="rect">
+            <a:avLst/>
+          </a:prstGeom>
+          <a:noFill/>
+        </p:spPr>
+        <p:txBody>
+          <a:bodyPr wrap="none" rtlCol="0">
+            <a:spAutoFit/>
+          </a:bodyPr>
+          <a:lstStyle/>
+          <a:p>
+            <a:r>
+              <a:rPr lang="ja-JP" altLang="en-US" sz="1200" dirty="0" smtClean="0">
+                <a:latin typeface="メイリオ"/>
+                <a:ea typeface="メイリオ"/>
+                <a:cs typeface="メイリオ"/>
+              </a:rPr>
+              <a:t>内容</a:t>
+            </a:r>
+            <a:r>
+              <a:rPr kumimoji="1" lang="ja-JP" altLang="en-US" sz="1200" dirty="0" smtClean="0">
+                <a:latin typeface="メイリオ"/>
+                <a:ea typeface="メイリオ"/>
+                <a:cs typeface="メイリオ"/>
+              </a:rPr>
+              <a:t>：</a:t>
+            </a:r>
+            <a:endParaRPr kumimoji="1" lang="ja-JP" altLang="en-US" sz="1200" dirty="0">
+              <a:latin typeface="メイリオ"/>
+              <a:ea typeface="メイリオ"/>
+              <a:cs typeface="メイリオ"/>
+            </a:endParaRPr>
+          </a:p>
+        </p:txBody>
+      </p:sp>
+      <p:sp>
+        <p:nvSpPr>
+          <p:cNvPr id="128" name="角丸四角形 127"/>
+          <p:cNvSpPr/>
+          <p:nvPr/>
+        </p:nvSpPr>
+        <p:spPr>
+          <a:xfrm>
+            <a:off x="3034657" y="1720187"/>
+            <a:ext cx="797002" cy="165946"/>
+          </a:xfrm>
+          <a:prstGeom prst="roundRect">
+            <a:avLst/>
+          </a:prstGeom>
+          <a:noFill/>
+          <a:ln w="25400">
+            <a:solidFill>
+              <a:schemeClr val="tx1"/>
+            </a:solidFill>
+          </a:ln>
+          <a:effectLst/>
+        </p:spPr>
+        <p:style>
+          <a:lnRef idx="1">
+            <a:schemeClr val="accent1"/>
+          </a:lnRef>
+          <a:fillRef idx="3">
+            <a:schemeClr val="accent1"/>
+          </a:fillRef>
+          <a:effectRef idx="2">
+            <a:schemeClr val="accent1"/>
+          </a:effectRef>
+          <a:fontRef idx="minor">
+            <a:schemeClr val="lt1"/>
+          </a:fontRef>
+        </p:style>
+        <p:txBody>
+          <a:bodyPr rtlCol="0" anchor="ctr"/>
+          <a:lstStyle/>
+          <a:p>
+            <a:pPr algn="ctr"/>
+            <a:endParaRPr kumimoji="1" lang="ja-JP" altLang="en-US"/>
+          </a:p>
+        </p:txBody>
+      </p:sp>
+      <p:sp>
+        <p:nvSpPr>
+          <p:cNvPr id="129" name="角丸四角形 128"/>
+          <p:cNvSpPr/>
+          <p:nvPr/>
+        </p:nvSpPr>
+        <p:spPr>
+          <a:xfrm>
+            <a:off x="3877789" y="1722410"/>
+            <a:ext cx="602185" cy="165865"/>
+          </a:xfrm>
+          <a:prstGeom prst="roundRect">
+            <a:avLst/>
+          </a:prstGeom>
+          <a:noFill/>
+          <a:ln w="25400">
+            <a:solidFill>
+              <a:schemeClr val="tx1"/>
+            </a:solidFill>
+          </a:ln>
+          <a:effectLst/>
+        </p:spPr>
+        <p:style>
+          <a:lnRef idx="1">
+            <a:schemeClr val="accent1"/>
+          </a:lnRef>
+          <a:fillRef idx="3">
+            <a:schemeClr val="accent1"/>
+          </a:fillRef>
+          <a:effectRef idx="2">
+            <a:schemeClr val="accent1"/>
+          </a:effectRef>
+          <a:fontRef idx="minor">
+            <a:schemeClr val="lt1"/>
+          </a:fontRef>
+        </p:style>
+        <p:txBody>
+          <a:bodyPr rtlCol="0" anchor="ctr"/>
+          <a:lstStyle/>
+          <a:p>
+            <a:r>
+              <a:rPr kumimoji="1" lang="ja-JP" altLang="en-US" sz="800" dirty="0" smtClean="0">
+                <a:solidFill>
+                  <a:schemeClr val="tx1"/>
+                </a:solidFill>
+                <a:latin typeface="メイリオ"/>
+                <a:ea typeface="メイリオ"/>
+                <a:cs typeface="メイリオ"/>
+              </a:rPr>
+              <a:t>を含む</a:t>
+            </a:r>
+            <a:endParaRPr kumimoji="1" lang="ja-JP" altLang="en-US" sz="800" dirty="0">
+              <a:solidFill>
+                <a:schemeClr val="tx1"/>
+              </a:solidFill>
+              <a:latin typeface="メイリオ"/>
+              <a:ea typeface="メイリオ"/>
+              <a:cs typeface="メイリオ"/>
+            </a:endParaRPr>
+          </a:p>
+        </p:txBody>
+      </p:sp>
+      <p:sp>
+        <p:nvSpPr>
+          <p:cNvPr id="130" name="二等辺三角形 129"/>
+          <p:cNvSpPr/>
+          <p:nvPr/>
+        </p:nvSpPr>
+        <p:spPr>
+          <a:xfrm rot="10800000">
+            <a:off x="4322286" y="1761549"/>
+            <a:ext cx="108000" cy="108000"/>
+          </a:xfrm>
+          <a:prstGeom prst="triangle">
+            <a:avLst/>
+          </a:prstGeom>
+          <a:solidFill>
+            <a:schemeClr val="tx1"/>
+          </a:solidFill>
+          <a:ln>
+            <a:noFill/>
+          </a:ln>
+          <a:effectLst/>
+        </p:spPr>
+        <p:style>
+          <a:lnRef idx="1">
+            <a:schemeClr val="accent1"/>
+          </a:lnRef>
+          <a:fillRef idx="3">
+            <a:schemeClr val="accent1"/>
+          </a:fillRef>
+          <a:effectRef idx="2">
+            <a:schemeClr val="accent1"/>
+          </a:effectRef>
+          <a:fontRef idx="minor">
+            <a:schemeClr val="lt1"/>
+          </a:fontRef>
+        </p:style>
+        <p:txBody>
+          <a:bodyPr rtlCol="0" anchor="ctr"/>
+          <a:lstStyle/>
+          <a:p>
+            <a:pPr algn="ctr"/>
+            <a:endParaRPr kumimoji="1" lang="ja-JP" altLang="en-US"/>
+          </a:p>
+        </p:txBody>
+      </p:sp>
+      <p:sp>
+        <p:nvSpPr>
+          <p:cNvPr id="131" name="テキスト ボックス 130"/>
+          <p:cNvSpPr txBox="1"/>
+          <p:nvPr/>
+        </p:nvSpPr>
+        <p:spPr>
+          <a:xfrm>
+            <a:off x="4494298" y="1660170"/>
+            <a:ext cx="954107" cy="276999"/>
+          </a:xfrm>
+          <a:prstGeom prst="rect">
+            <a:avLst/>
+          </a:prstGeom>
+          <a:noFill/>
+        </p:spPr>
+        <p:txBody>
+          <a:bodyPr wrap="none" rtlCol="0">
+            <a:spAutoFit/>
+          </a:bodyPr>
+          <a:lstStyle/>
+          <a:p>
+            <a:r>
+              <a:rPr lang="ja-JP" altLang="en-US" sz="1200" dirty="0" smtClean="0">
+                <a:latin typeface="メイリオ"/>
+                <a:ea typeface="メイリオ"/>
+                <a:cs typeface="メイリオ"/>
+              </a:rPr>
+              <a:t>カテゴリ</a:t>
+            </a:r>
+            <a:r>
+              <a:rPr kumimoji="1" lang="ja-JP" altLang="en-US" sz="1200" dirty="0" smtClean="0">
+                <a:latin typeface="メイリオ"/>
+                <a:ea typeface="メイリオ"/>
+                <a:cs typeface="メイリオ"/>
+              </a:rPr>
+              <a:t>：</a:t>
+            </a:r>
+            <a:endParaRPr kumimoji="1" lang="ja-JP" altLang="en-US" sz="1200" dirty="0">
+              <a:latin typeface="メイリオ"/>
+              <a:ea typeface="メイリオ"/>
+              <a:cs typeface="メイリオ"/>
+            </a:endParaRPr>
+          </a:p>
+        </p:txBody>
+      </p:sp>
+      <p:sp>
+        <p:nvSpPr>
+          <p:cNvPr id="132" name="角丸四角形 131"/>
+          <p:cNvSpPr/>
+          <p:nvPr/>
+        </p:nvSpPr>
+        <p:spPr>
+          <a:xfrm>
+            <a:off x="5370510" y="1715149"/>
+            <a:ext cx="560480" cy="165946"/>
+          </a:xfrm>
+          <a:prstGeom prst="roundRect">
+            <a:avLst/>
+          </a:prstGeom>
+          <a:noFill/>
+          <a:ln w="25400">
+            <a:solidFill>
+              <a:schemeClr val="tx1"/>
+            </a:solidFill>
+          </a:ln>
+          <a:effectLst/>
+        </p:spPr>
+        <p:style>
+          <a:lnRef idx="1">
+            <a:schemeClr val="accent1"/>
+          </a:lnRef>
+          <a:fillRef idx="3">
+            <a:schemeClr val="accent1"/>
+          </a:fillRef>
+          <a:effectRef idx="2">
+            <a:schemeClr val="accent1"/>
+          </a:effectRef>
+          <a:fontRef idx="minor">
+            <a:schemeClr val="lt1"/>
+          </a:fontRef>
+        </p:style>
+        <p:txBody>
+          <a:bodyPr rtlCol="0" anchor="ctr"/>
+          <a:lstStyle/>
+          <a:p>
+            <a:pPr algn="ctr"/>
+            <a:endParaRPr kumimoji="1" lang="ja-JP" altLang="en-US"/>
+          </a:p>
+        </p:txBody>
+      </p:sp>
+      <p:sp>
+        <p:nvSpPr>
+          <p:cNvPr id="133" name="テキスト ボックス 132"/>
+          <p:cNvSpPr txBox="1"/>
+          <p:nvPr/>
+        </p:nvSpPr>
+        <p:spPr>
+          <a:xfrm>
+            <a:off x="5949540" y="1649229"/>
+            <a:ext cx="646331" cy="276999"/>
+          </a:xfrm>
+          <a:prstGeom prst="rect">
+            <a:avLst/>
+          </a:prstGeom>
+          <a:noFill/>
+        </p:spPr>
+        <p:txBody>
+          <a:bodyPr wrap="none" rtlCol="0">
+            <a:spAutoFit/>
+          </a:bodyPr>
+          <a:lstStyle/>
+          <a:p>
+            <a:r>
+              <a:rPr lang="ja-JP" altLang="en-US" sz="1200" dirty="0" smtClean="0">
+                <a:latin typeface="メイリオ"/>
+                <a:ea typeface="メイリオ"/>
+                <a:cs typeface="メイリオ"/>
+              </a:rPr>
+              <a:t>金額</a:t>
+            </a:r>
+            <a:r>
+              <a:rPr kumimoji="1" lang="ja-JP" altLang="en-US" sz="1200" dirty="0" smtClean="0">
+                <a:latin typeface="メイリオ"/>
+                <a:ea typeface="メイリオ"/>
+                <a:cs typeface="メイリオ"/>
+              </a:rPr>
+              <a:t>：</a:t>
+            </a:r>
+            <a:endParaRPr kumimoji="1" lang="ja-JP" altLang="en-US" sz="1200" dirty="0">
+              <a:latin typeface="メイリオ"/>
+              <a:ea typeface="メイリオ"/>
+              <a:cs typeface="メイリオ"/>
+            </a:endParaRPr>
+          </a:p>
+        </p:txBody>
+      </p:sp>
+      <p:sp>
+        <p:nvSpPr>
+          <p:cNvPr id="134" name="角丸四角形 133"/>
+          <p:cNvSpPr/>
+          <p:nvPr/>
+        </p:nvSpPr>
+        <p:spPr>
+          <a:xfrm>
+            <a:off x="2087658" y="1715007"/>
+            <a:ext cx="352321" cy="158766"/>
+          </a:xfrm>
+          <a:prstGeom prst="roundRect">
+            <a:avLst/>
+          </a:prstGeom>
+          <a:noFill/>
+          <a:ln w="25400">
+            <a:solidFill>
+              <a:schemeClr val="tx1"/>
+            </a:solidFill>
+          </a:ln>
+          <a:effectLst/>
+        </p:spPr>
+        <p:style>
+          <a:lnRef idx="1">
+            <a:schemeClr val="accent1"/>
+          </a:lnRef>
+          <a:fillRef idx="3">
+            <a:schemeClr val="accent1"/>
+          </a:fillRef>
+          <a:effectRef idx="2">
+            <a:schemeClr val="accent1"/>
+          </a:effectRef>
+          <a:fontRef idx="minor">
+            <a:schemeClr val="lt1"/>
+          </a:fontRef>
+        </p:style>
+        <p:txBody>
+          <a:bodyPr rtlCol="0" anchor="ctr"/>
+          <a:lstStyle/>
+          <a:p>
+            <a:pPr algn="ctr"/>
+            <a:endParaRPr kumimoji="1" lang="ja-JP" altLang="en-US"/>
+          </a:p>
+        </p:txBody>
+      </p:sp>
+      <p:sp>
+        <p:nvSpPr>
+          <p:cNvPr id="135" name="角丸四角形 134"/>
+          <p:cNvSpPr/>
+          <p:nvPr/>
+        </p:nvSpPr>
+        <p:spPr>
+          <a:xfrm>
+            <a:off x="6513621" y="1723285"/>
+            <a:ext cx="352321" cy="158766"/>
+          </a:xfrm>
+          <a:prstGeom prst="roundRect">
+            <a:avLst/>
+          </a:prstGeom>
+          <a:noFill/>
+          <a:ln w="25400">
+            <a:solidFill>
+              <a:schemeClr val="tx1"/>
+            </a:solidFill>
+          </a:ln>
+          <a:effectLst/>
+        </p:spPr>
+        <p:style>
+          <a:lnRef idx="1">
+            <a:schemeClr val="accent1"/>
+          </a:lnRef>
+          <a:fillRef idx="3">
+            <a:schemeClr val="accent1"/>
+          </a:fillRef>
+          <a:effectRef idx="2">
+            <a:schemeClr val="accent1"/>
+          </a:effectRef>
+          <a:fontRef idx="minor">
+            <a:schemeClr val="lt1"/>
+          </a:fontRef>
+        </p:style>
+        <p:txBody>
+          <a:bodyPr rtlCol="0" anchor="ctr"/>
+          <a:lstStyle/>
+          <a:p>
+            <a:pPr algn="ctr"/>
+            <a:endParaRPr kumimoji="1" lang="ja-JP" altLang="en-US"/>
+          </a:p>
+        </p:txBody>
+      </p:sp>
+      <p:sp>
+        <p:nvSpPr>
+          <p:cNvPr id="136" name="テキスト ボックス 135"/>
+          <p:cNvSpPr txBox="1"/>
+          <p:nvPr/>
+        </p:nvSpPr>
+        <p:spPr>
+          <a:xfrm>
+            <a:off x="6831097" y="1660522"/>
+            <a:ext cx="338554" cy="276999"/>
+          </a:xfrm>
+          <a:prstGeom prst="rect">
+            <a:avLst/>
+          </a:prstGeom>
+          <a:noFill/>
+        </p:spPr>
+        <p:txBody>
+          <a:bodyPr wrap="none" rtlCol="0">
+            <a:spAutoFit/>
+          </a:bodyPr>
+          <a:lstStyle/>
+          <a:p>
+            <a:r>
+              <a:rPr lang="en-US" altLang="en-US" sz="1200" dirty="0" smtClean="0">
+                <a:latin typeface="メイリオ"/>
+                <a:ea typeface="メイリオ"/>
+                <a:cs typeface="メイリオ"/>
+              </a:rPr>
+              <a:t>〜</a:t>
+            </a:r>
+            <a:endParaRPr kumimoji="1" lang="ja-JP" altLang="en-US" sz="1200" dirty="0">
+              <a:latin typeface="メイリオ"/>
+              <a:ea typeface="メイリオ"/>
+              <a:cs typeface="メイリオ"/>
+            </a:endParaRPr>
+          </a:p>
+        </p:txBody>
+      </p:sp>
+      <p:sp>
+        <p:nvSpPr>
+          <p:cNvPr id="137" name="角丸四角形 136"/>
+          <p:cNvSpPr/>
+          <p:nvPr/>
+        </p:nvSpPr>
+        <p:spPr>
+          <a:xfrm>
+            <a:off x="7132111" y="1715963"/>
+            <a:ext cx="352321" cy="158766"/>
+          </a:xfrm>
+          <a:prstGeom prst="roundRect">
+            <a:avLst/>
+          </a:prstGeom>
+          <a:noFill/>
+          <a:ln w="25400">
+            <a:solidFill>
+              <a:schemeClr val="tx1"/>
+            </a:solidFill>
+          </a:ln>
+          <a:effectLst/>
+        </p:spPr>
+        <p:style>
+          <a:lnRef idx="1">
+            <a:schemeClr val="accent1"/>
+          </a:lnRef>
+          <a:fillRef idx="3">
+            <a:schemeClr val="accent1"/>
+          </a:fillRef>
+          <a:effectRef idx="2">
+            <a:schemeClr val="accent1"/>
+          </a:effectRef>
+          <a:fontRef idx="minor">
+            <a:schemeClr val="lt1"/>
+          </a:fontRef>
+        </p:style>
+        <p:txBody>
+          <a:bodyPr rtlCol="0" anchor="ctr"/>
+          <a:lstStyle/>
+          <a:p>
+            <a:pPr algn="ctr"/>
+            <a:endParaRPr kumimoji="1" lang="ja-JP" altLang="en-US"/>
+          </a:p>
+        </p:txBody>
+      </p:sp>
+      <p:sp>
+        <p:nvSpPr>
+          <p:cNvPr id="138" name="角丸四角形 137"/>
+          <p:cNvSpPr/>
+          <p:nvPr/>
+        </p:nvSpPr>
+        <p:spPr>
+          <a:xfrm>
+            <a:off x="7553038" y="1639397"/>
+            <a:ext cx="550589" cy="299213"/>
+          </a:xfrm>
+          <a:prstGeom prst="roundRect">
+            <a:avLst/>
+          </a:prstGeom>
+          <a:noFill/>
+          <a:ln w="25400">
+            <a:solidFill>
+              <a:schemeClr val="tx1"/>
+            </a:solidFill>
+          </a:ln>
+          <a:effectLst/>
+        </p:spPr>
+        <p:style>
+          <a:lnRef idx="1">
+            <a:schemeClr val="accent1"/>
+          </a:lnRef>
+          <a:fillRef idx="3">
+            <a:schemeClr val="accent1"/>
+          </a:fillRef>
+          <a:effectRef idx="2">
+            <a:schemeClr val="accent1"/>
+          </a:effectRef>
+          <a:fontRef idx="minor">
+            <a:schemeClr val="lt1"/>
+          </a:fontRef>
+        </p:style>
+        <p:txBody>
+          <a:bodyPr rtlCol="0" anchor="ctr"/>
+          <a:lstStyle/>
+          <a:p>
+            <a:pPr algn="ctr"/>
+            <a:r>
+              <a:rPr lang="ja-JP" altLang="en-US" sz="1200" dirty="0" smtClean="0">
+                <a:solidFill>
+                  <a:schemeClr val="tx1"/>
+                </a:solidFill>
+                <a:latin typeface="メイリオ"/>
+                <a:ea typeface="メイリオ"/>
+                <a:cs typeface="メイリオ"/>
+              </a:rPr>
+              <a:t>検索</a:t>
+            </a:r>
+            <a:endParaRPr kumimoji="1" lang="ja-JP" altLang="en-US" sz="1200" dirty="0">
+              <a:solidFill>
+                <a:schemeClr val="tx1"/>
+              </a:solidFill>
+              <a:latin typeface="メイリオ"/>
+              <a:ea typeface="メイリオ"/>
+              <a:cs typeface="メイリオ"/>
+            </a:endParaRPr>
+          </a:p>
+        </p:txBody>
+      </p:sp>
+      <p:sp>
+        <p:nvSpPr>
+          <p:cNvPr id="139" name="正方形/長方形 138"/>
           <p:cNvSpPr/>
           <p:nvPr/>
         </p:nvSpPr>
@@ -12380,6 +14747,44 @@
               <a:solidFill>
                 <a:schemeClr val="tx1"/>
               </a:solidFill>
+              <a:latin typeface="メイリオ"/>
+              <a:ea typeface="メイリオ"/>
+              <a:cs typeface="メイリオ"/>
+            </a:endParaRPr>
+          </a:p>
+        </p:txBody>
+      </p:sp>
+      <p:sp>
+        <p:nvSpPr>
+          <p:cNvPr id="4" name="テキスト ボックス 3"/>
+          <p:cNvSpPr txBox="1"/>
+          <p:nvPr/>
+        </p:nvSpPr>
+        <p:spPr>
+          <a:xfrm>
+            <a:off x="200532" y="187161"/>
+            <a:ext cx="4134465" cy="523220"/>
+          </a:xfrm>
+          <a:prstGeom prst="rect">
+            <a:avLst/>
+          </a:prstGeom>
+          <a:noFill/>
+        </p:spPr>
+        <p:txBody>
+          <a:bodyPr wrap="none" rtlCol="0">
+            <a:spAutoFit/>
+          </a:bodyPr>
+          <a:lstStyle/>
+          <a:p>
+            <a:r>
+              <a:rPr lang="ja-JP" altLang="en-US" sz="2800" dirty="0" smtClean="0">
+                <a:latin typeface="メイリオ"/>
+                <a:ea typeface="メイリオ"/>
+                <a:cs typeface="メイリオ"/>
+              </a:rPr>
+              <a:t>管理画面（登録失敗時）</a:t>
+            </a:r>
+            <a:endParaRPr kumimoji="1" lang="ja-JP" altLang="en-US" sz="2000" dirty="0">
               <a:latin typeface="メイリオ"/>
               <a:ea typeface="メイリオ"/>
               <a:cs typeface="メイリオ"/>
@@ -12743,7 +15148,7 @@
 </p:sld>
 </file>
 
-<file path=ppt/slides/slide8.xml><?xml version="1.0" encoding="utf-8"?>
+<file path=ppt/slides/slide9.xml><?xml version="1.0" encoding="utf-8"?>
 <p:sld xmlns:a="http://schemas.openxmlformats.org/drawingml/2006/main" xmlns:r="http://schemas.openxmlformats.org/officeDocument/2006/relationships" xmlns:p="http://schemas.openxmlformats.org/presentationml/2006/main">
   <p:cSld>
     <p:spTree>
@@ -12760,118 +15165,23 @@
           <a:chExt cx="0" cy="0"/>
         </a:xfrm>
       </p:grpSpPr>
-      <p:sp>
-        <p:nvSpPr>
-          <p:cNvPr id="4" name="テキスト ボックス 3"/>
-          <p:cNvSpPr txBox="1"/>
-          <p:nvPr/>
-        </p:nvSpPr>
-        <p:spPr>
-          <a:xfrm>
-            <a:off x="200532" y="187161"/>
-            <a:ext cx="4134465" cy="523220"/>
-          </a:xfrm>
-          <a:prstGeom prst="rect">
-            <a:avLst/>
-          </a:prstGeom>
-          <a:noFill/>
-        </p:spPr>
-        <p:txBody>
-          <a:bodyPr wrap="none" rtlCol="0">
-            <a:spAutoFit/>
-          </a:bodyPr>
-          <a:lstStyle/>
-          <a:p>
-            <a:r>
-              <a:rPr lang="ja-JP" altLang="en-US" sz="2800" dirty="0" smtClean="0">
-                <a:latin typeface="メイリオ"/>
-                <a:ea typeface="メイリオ"/>
-                <a:cs typeface="メイリオ"/>
-              </a:rPr>
-              <a:t>管理画面（</a:t>
-            </a:r>
-            <a:r>
-              <a:rPr lang="en-US" altLang="en-US" sz="2800" dirty="0" smtClean="0">
-                <a:latin typeface="メイリオ"/>
-                <a:ea typeface="メイリオ"/>
-                <a:cs typeface="メイリオ"/>
-              </a:rPr>
-              <a:t>削除確認</a:t>
-            </a:r>
-            <a:r>
-              <a:rPr lang="ja-JP" altLang="en-US" sz="2800" dirty="0" smtClean="0">
-                <a:latin typeface="メイリオ"/>
-                <a:ea typeface="メイリオ"/>
-                <a:cs typeface="メイリオ"/>
-              </a:rPr>
-              <a:t>時）</a:t>
-            </a:r>
-            <a:endParaRPr kumimoji="1" lang="ja-JP" altLang="en-US" sz="2000" dirty="0">
-              <a:latin typeface="メイリオ"/>
-              <a:ea typeface="メイリオ"/>
-              <a:cs typeface="メイリオ"/>
-            </a:endParaRPr>
-          </a:p>
-        </p:txBody>
-      </p:sp>
-      <p:cxnSp>
-        <p:nvCxnSpPr>
-          <p:cNvPr id="43" name="直線コネクタ 42"/>
-          <p:cNvCxnSpPr>
-            <a:stCxn id="2" idx="1"/>
-            <a:endCxn id="2" idx="3"/>
-          </p:cNvCxnSpPr>
-          <p:nvPr/>
-        </p:nvCxnSpPr>
-        <p:spPr>
-          <a:xfrm>
-            <a:off x="2920983" y="2885255"/>
-            <a:ext cx="2989891" cy="0"/>
-          </a:xfrm>
-          <a:prstGeom prst="line">
-            <a:avLst/>
-          </a:prstGeom>
-          <a:ln>
-            <a:solidFill>
-              <a:schemeClr val="bg1">
-                <a:lumMod val="65000"/>
-              </a:schemeClr>
-            </a:solidFill>
-          </a:ln>
-          <a:effectLst/>
-        </p:spPr>
-        <p:style>
-          <a:lnRef idx="2">
-            <a:schemeClr val="accent1"/>
-          </a:lnRef>
-          <a:fillRef idx="0">
-            <a:schemeClr val="accent1"/>
-          </a:fillRef>
-          <a:effectRef idx="1">
-            <a:schemeClr val="accent1"/>
-          </a:effectRef>
-          <a:fontRef idx="minor">
-            <a:schemeClr val="tx1"/>
-          </a:fontRef>
-        </p:style>
-      </p:cxnSp>
       <p:graphicFrame>
         <p:nvGraphicFramePr>
-          <p:cNvPr id="45" name="表 44"/>
+          <p:cNvPr id="53" name="表 52"/>
           <p:cNvGraphicFramePr>
             <a:graphicFrameLocks noGrp="1"/>
           </p:cNvGraphicFramePr>
           <p:nvPr>
             <p:extLst>
               <p:ext uri="{D42A27DB-BD31-4B8C-83A1-F6EECF244321}">
-                <p14:modId xmlns:p14="http://schemas.microsoft.com/office/powerpoint/2010/main" val="4240997523"/>
+                <p14:modId xmlns:p14="http://schemas.microsoft.com/office/powerpoint/2010/main" val="2955095996"/>
               </p:ext>
             </p:extLst>
           </p:nvPr>
         </p:nvGraphicFramePr>
         <p:xfrm>
-          <a:off x="993905" y="2031998"/>
-          <a:ext cx="6891640" cy="4248728"/>
+          <a:off x="993905" y="2447618"/>
+          <a:ext cx="6891640" cy="3862480"/>
         </p:xfrm>
         <a:graphic>
           <a:graphicData uri="http://schemas.openxmlformats.org/drawingml/2006/table">
@@ -12970,48 +15280,6 @@
                         <a:ea typeface="メイリオ"/>
                         <a:cs typeface="メイリオ"/>
                       </a:endParaRPr>
-                    </a:p>
-                  </a:txBody>
-                  <a:tcPr/>
-                </a:tc>
-              </a:tr>
-              <a:tr h="386248">
-                <a:tc>
-                  <a:txBody>
-                    <a:bodyPr/>
-                    <a:lstStyle/>
-                    <a:p>
-                      <a:endParaRPr kumimoji="1" lang="ja-JP" altLang="en-US"/>
-                    </a:p>
-                  </a:txBody>
-                  <a:tcPr/>
-                </a:tc>
-                <a:tc>
-                  <a:txBody>
-                    <a:bodyPr/>
-                    <a:lstStyle/>
-                    <a:p>
-                      <a:endParaRPr kumimoji="1" lang="ja-JP" altLang="en-US"/>
-                    </a:p>
-                  </a:txBody>
-                  <a:tcPr/>
-                </a:tc>
-                <a:tc>
-                  <a:txBody>
-                    <a:bodyPr/>
-                    <a:lstStyle/>
-                    <a:p>
-                      <a:endParaRPr kumimoji="1" lang="ja-JP" altLang="en-US"/>
-                    </a:p>
-                  </a:txBody>
-                  <a:tcPr/>
-                </a:tc>
-                <a:tc>
-                  <a:txBody>
-                    <a:bodyPr/>
-                    <a:lstStyle/>
-                    <a:p>
-                      <a:endParaRPr kumimoji="1" lang="ja-JP" altLang="en-US" dirty="0"/>
                     </a:p>
                   </a:txBody>
                   <a:tcPr/>
@@ -13401,7 +15669,7 @@
       </p:graphicFrame>
       <p:sp>
         <p:nvSpPr>
-          <p:cNvPr id="46" name="正方形/長方形 45"/>
+          <p:cNvPr id="55" name="正方形/長方形 54"/>
           <p:cNvSpPr/>
           <p:nvPr/>
         </p:nvSpPr>
@@ -13453,7 +15721,7 @@
       </p:sp>
       <p:sp>
         <p:nvSpPr>
-          <p:cNvPr id="47" name="角丸四角形 46"/>
+          <p:cNvPr id="56" name="角丸四角形 55"/>
           <p:cNvSpPr/>
           <p:nvPr/>
         </p:nvSpPr>
@@ -13498,7 +15766,7 @@
       </p:sp>
       <p:sp>
         <p:nvSpPr>
-          <p:cNvPr id="48" name="テキスト ボックス 47"/>
+          <p:cNvPr id="57" name="テキスト ボックス 56"/>
           <p:cNvSpPr txBox="1"/>
           <p:nvPr/>
         </p:nvSpPr>
@@ -13536,7 +15804,7 @@
       </p:sp>
       <p:sp>
         <p:nvSpPr>
-          <p:cNvPr id="49" name="角丸四角形 48"/>
+          <p:cNvPr id="58" name="角丸四角形 57"/>
           <p:cNvSpPr/>
           <p:nvPr/>
         </p:nvSpPr>
@@ -13581,7 +15849,7 @@
       </p:sp>
       <p:sp>
         <p:nvSpPr>
-          <p:cNvPr id="50" name="テキスト ボックス 49"/>
+          <p:cNvPr id="59" name="テキスト ボックス 58"/>
           <p:cNvSpPr txBox="1"/>
           <p:nvPr/>
         </p:nvSpPr>
@@ -13627,7 +15895,7 @@
       </p:sp>
       <p:sp>
         <p:nvSpPr>
-          <p:cNvPr id="51" name="角丸四角形 50"/>
+          <p:cNvPr id="60" name="角丸四角形 59"/>
           <p:cNvSpPr/>
           <p:nvPr/>
         </p:nvSpPr>
@@ -13672,7 +15940,7 @@
       </p:sp>
       <p:sp>
         <p:nvSpPr>
-          <p:cNvPr id="54" name="テキスト ボックス 53"/>
+          <p:cNvPr id="61" name="テキスト ボックス 60"/>
           <p:cNvSpPr txBox="1"/>
           <p:nvPr/>
         </p:nvSpPr>
@@ -13718,7 +15986,7 @@
       </p:sp>
       <p:sp>
         <p:nvSpPr>
-          <p:cNvPr id="71" name="角丸四角形 70"/>
+          <p:cNvPr id="62" name="角丸四角形 61"/>
           <p:cNvSpPr/>
           <p:nvPr/>
         </p:nvSpPr>
@@ -13763,7 +16031,7 @@
       </p:sp>
       <p:sp>
         <p:nvSpPr>
-          <p:cNvPr id="72" name="テキスト ボックス 71"/>
+          <p:cNvPr id="63" name="テキスト ボックス 62"/>
           <p:cNvSpPr txBox="1"/>
           <p:nvPr/>
         </p:nvSpPr>
@@ -13809,7 +16077,7 @@
       </p:sp>
       <p:sp>
         <p:nvSpPr>
-          <p:cNvPr id="73" name="角丸四角形 72"/>
+          <p:cNvPr id="64" name="角丸四角形 63"/>
           <p:cNvSpPr/>
           <p:nvPr/>
         </p:nvSpPr>
@@ -13872,7 +16140,7 @@
       </p:sp>
       <p:cxnSp>
         <p:nvCxnSpPr>
-          <p:cNvPr id="74" name="直線コネクタ 73"/>
+          <p:cNvPr id="65" name="直線コネクタ 64"/>
           <p:cNvCxnSpPr/>
           <p:nvPr/>
         </p:nvCxnSpPr>
@@ -13910,13 +16178,13 @@
       </p:cxnSp>
       <p:sp>
         <p:nvSpPr>
-          <p:cNvPr id="75" name="テキスト ボックス 74"/>
+          <p:cNvPr id="66" name="テキスト ボックス 65"/>
           <p:cNvSpPr txBox="1"/>
           <p:nvPr/>
         </p:nvSpPr>
         <p:spPr>
           <a:xfrm>
-            <a:off x="4124211" y="1630084"/>
+            <a:off x="4124211" y="2080339"/>
             <a:ext cx="296175" cy="307777"/>
           </a:xfrm>
           <a:prstGeom prst="rect">
@@ -13948,13 +16216,13 @@
       </p:sp>
       <p:sp>
         <p:nvSpPr>
-          <p:cNvPr id="76" name="テキスト ボックス 75"/>
+          <p:cNvPr id="67" name="テキスト ボックス 66"/>
           <p:cNvSpPr txBox="1"/>
           <p:nvPr/>
         </p:nvSpPr>
         <p:spPr>
           <a:xfrm>
-            <a:off x="4356158" y="1632399"/>
+            <a:off x="4356158" y="2082654"/>
             <a:ext cx="296175" cy="307777"/>
           </a:xfrm>
           <a:prstGeom prst="rect">
@@ -13986,13 +16254,13 @@
       </p:sp>
       <p:sp>
         <p:nvSpPr>
-          <p:cNvPr id="77" name="テキスト ボックス 76"/>
+          <p:cNvPr id="68" name="テキスト ボックス 67"/>
           <p:cNvSpPr txBox="1"/>
           <p:nvPr/>
         </p:nvSpPr>
         <p:spPr>
           <a:xfrm>
-            <a:off x="4597125" y="1632399"/>
+            <a:off x="4597125" y="2082654"/>
             <a:ext cx="494734" cy="307777"/>
           </a:xfrm>
           <a:prstGeom prst="rect">
@@ -14024,13 +16292,13 @@
       </p:sp>
       <p:sp>
         <p:nvSpPr>
-          <p:cNvPr id="78" name="二等辺三角形 77"/>
+          <p:cNvPr id="69" name="二等辺三角形 68"/>
           <p:cNvSpPr/>
           <p:nvPr/>
         </p:nvSpPr>
         <p:spPr>
           <a:xfrm rot="5400000">
-            <a:off x="5439130" y="1683849"/>
+            <a:off x="5439130" y="2134104"/>
             <a:ext cx="179370" cy="181212"/>
           </a:xfrm>
           <a:prstGeom prst="triangle">
@@ -14069,13 +16337,13 @@
       </p:sp>
       <p:sp>
         <p:nvSpPr>
-          <p:cNvPr id="79" name="二等辺三角形 78"/>
+          <p:cNvPr id="70" name="二等辺三角形 69"/>
           <p:cNvSpPr/>
           <p:nvPr/>
         </p:nvSpPr>
         <p:spPr>
           <a:xfrm rot="16200000">
-            <a:off x="3923520" y="1684770"/>
+            <a:off x="3923520" y="2135025"/>
             <a:ext cx="180000" cy="180000"/>
           </a:xfrm>
           <a:prstGeom prst="triangle">
@@ -14114,13 +16382,13 @@
       </p:sp>
       <p:sp>
         <p:nvSpPr>
-          <p:cNvPr id="80" name="テキスト ボックス 79"/>
+          <p:cNvPr id="102" name="テキスト ボックス 101"/>
           <p:cNvSpPr txBox="1"/>
           <p:nvPr/>
         </p:nvSpPr>
         <p:spPr>
           <a:xfrm>
-            <a:off x="5013885" y="1632399"/>
+            <a:off x="5013885" y="2082654"/>
             <a:ext cx="407684" cy="307777"/>
           </a:xfrm>
           <a:prstGeom prst="rect">
@@ -14152,13 +16420,13 @@
       </p:sp>
       <p:sp>
         <p:nvSpPr>
-          <p:cNvPr id="81" name="テキスト ボックス 80"/>
+          <p:cNvPr id="103" name="テキスト ボックス 102"/>
           <p:cNvSpPr txBox="1"/>
           <p:nvPr/>
         </p:nvSpPr>
         <p:spPr>
           <a:xfrm>
-            <a:off x="993905" y="1630084"/>
+            <a:off x="993905" y="2080339"/>
             <a:ext cx="2623046" cy="307777"/>
           </a:xfrm>
           <a:prstGeom prst="rect">
@@ -14246,13 +16514,13 @@
       </p:sp>
       <p:sp>
         <p:nvSpPr>
-          <p:cNvPr id="82" name="二等辺三角形 81"/>
+          <p:cNvPr id="104" name="二等辺三角形 103"/>
           <p:cNvSpPr/>
           <p:nvPr/>
         </p:nvSpPr>
         <p:spPr>
           <a:xfrm rot="16200000">
-            <a:off x="3596344" y="1684770"/>
+            <a:off x="3596344" y="2135025"/>
             <a:ext cx="180000" cy="180000"/>
           </a:xfrm>
           <a:prstGeom prst="triangle">
@@ -14291,13 +16559,13 @@
       </p:sp>
       <p:sp>
         <p:nvSpPr>
-          <p:cNvPr id="83" name="二等辺三角形 82"/>
+          <p:cNvPr id="105" name="二等辺三角形 104"/>
           <p:cNvSpPr/>
           <p:nvPr/>
         </p:nvSpPr>
         <p:spPr>
           <a:xfrm rot="16200000">
-            <a:off x="3693379" y="1684140"/>
+            <a:off x="3693379" y="2134395"/>
             <a:ext cx="180000" cy="180000"/>
           </a:xfrm>
           <a:prstGeom prst="triangle">
@@ -14336,13 +16604,13 @@
       </p:sp>
       <p:sp>
         <p:nvSpPr>
-          <p:cNvPr id="84" name="二等辺三角形 83"/>
+          <p:cNvPr id="106" name="二等辺三角形 105"/>
           <p:cNvSpPr/>
           <p:nvPr/>
         </p:nvSpPr>
         <p:spPr>
           <a:xfrm rot="5400000">
-            <a:off x="5764549" y="1684479"/>
+            <a:off x="5764549" y="2134734"/>
             <a:ext cx="179370" cy="181212"/>
           </a:xfrm>
           <a:prstGeom prst="triangle">
@@ -14381,13 +16649,13 @@
       </p:sp>
       <p:sp>
         <p:nvSpPr>
-          <p:cNvPr id="85" name="二等辺三角形 84"/>
+          <p:cNvPr id="107" name="二等辺三角形 106"/>
           <p:cNvSpPr/>
           <p:nvPr/>
         </p:nvSpPr>
         <p:spPr>
           <a:xfrm rot="5400000">
-            <a:off x="5673943" y="1684479"/>
+            <a:off x="5673943" y="2134734"/>
             <a:ext cx="179370" cy="181212"/>
           </a:xfrm>
           <a:prstGeom prst="triangle">
@@ -14426,7 +16694,7 @@
       </p:sp>
       <p:sp>
         <p:nvSpPr>
-          <p:cNvPr id="86" name="角丸四角形 85"/>
+          <p:cNvPr id="108" name="角丸四角形 107"/>
           <p:cNvSpPr/>
           <p:nvPr/>
         </p:nvSpPr>
@@ -14489,7 +16757,7 @@
       </p:sp>
       <p:pic>
         <p:nvPicPr>
-          <p:cNvPr id="87" name="図 86" descr="trash.png"/>
+          <p:cNvPr id="109" name="図 108" descr="trash.png"/>
           <p:cNvPicPr>
             <a:picLocks noChangeAspect="1"/>
           </p:cNvPicPr>
@@ -14519,7 +16787,7 @@
       </p:pic>
       <p:pic>
         <p:nvPicPr>
-          <p:cNvPr id="88" name="図 87" descr="trash.png"/>
+          <p:cNvPr id="110" name="図 109" descr="trash.png"/>
           <p:cNvPicPr>
             <a:picLocks noChangeAspect="1"/>
           </p:cNvPicPr>
@@ -14549,7 +16817,7 @@
       </p:pic>
       <p:pic>
         <p:nvPicPr>
-          <p:cNvPr id="89" name="図 88" descr="trash.png"/>
+          <p:cNvPr id="111" name="図 110" descr="trash.png"/>
           <p:cNvPicPr>
             <a:picLocks noChangeAspect="1"/>
           </p:cNvPicPr>
@@ -14579,7 +16847,7 @@
       </p:pic>
       <p:pic>
         <p:nvPicPr>
-          <p:cNvPr id="90" name="図 89" descr="trash.png"/>
+          <p:cNvPr id="112" name="図 111" descr="trash.png"/>
           <p:cNvPicPr>
             <a:picLocks noChangeAspect="1"/>
           </p:cNvPicPr>
@@ -14609,7 +16877,7 @@
       </p:pic>
       <p:pic>
         <p:nvPicPr>
-          <p:cNvPr id="91" name="図 90" descr="trash.png"/>
+          <p:cNvPr id="113" name="図 112" descr="trash.png"/>
           <p:cNvPicPr>
             <a:picLocks noChangeAspect="1"/>
           </p:cNvPicPr>
@@ -14639,7 +16907,7 @@
       </p:pic>
       <p:pic>
         <p:nvPicPr>
-          <p:cNvPr id="92" name="図 91" descr="trash.png"/>
+          <p:cNvPr id="114" name="図 113" descr="trash.png"/>
           <p:cNvPicPr>
             <a:picLocks noChangeAspect="1"/>
           </p:cNvPicPr>
@@ -14669,7 +16937,7 @@
       </p:pic>
       <p:pic>
         <p:nvPicPr>
-          <p:cNvPr id="93" name="図 92" descr="trash.png"/>
+          <p:cNvPr id="115" name="図 114" descr="trash.png"/>
           <p:cNvPicPr>
             <a:picLocks noChangeAspect="1"/>
           </p:cNvPicPr>
@@ -14699,7 +16967,7 @@
       </p:pic>
       <p:pic>
         <p:nvPicPr>
-          <p:cNvPr id="94" name="図 93" descr="trash.png"/>
+          <p:cNvPr id="116" name="図 115" descr="trash.png"/>
           <p:cNvPicPr>
             <a:picLocks noChangeAspect="1"/>
           </p:cNvPicPr>
@@ -14729,7 +16997,7 @@
       </p:pic>
       <p:pic>
         <p:nvPicPr>
-          <p:cNvPr id="95" name="図 94" descr="trash.png"/>
+          <p:cNvPr id="117" name="図 116" descr="trash.png"/>
           <p:cNvPicPr>
             <a:picLocks noChangeAspect="1"/>
           </p:cNvPicPr>
@@ -14759,7 +17027,7 @@
       </p:pic>
       <p:pic>
         <p:nvPicPr>
-          <p:cNvPr id="96" name="図 95" descr="trash.png"/>
+          <p:cNvPr id="118" name="図 117" descr="trash.png"/>
           <p:cNvPicPr>
             <a:picLocks noChangeAspect="1"/>
           </p:cNvPicPr>
@@ -14789,7 +17057,7 @@
       </p:pic>
       <p:sp>
         <p:nvSpPr>
-          <p:cNvPr id="97" name="角丸四角形 96"/>
+          <p:cNvPr id="119" name="角丸四角形 118"/>
           <p:cNvSpPr/>
           <p:nvPr/>
         </p:nvSpPr>
@@ -14838,7 +17106,7 @@
       </p:sp>
       <p:cxnSp>
         <p:nvCxnSpPr>
-          <p:cNvPr id="98" name="直線コネクタ 97"/>
+          <p:cNvPr id="120" name="直線コネクタ 119"/>
           <p:cNvCxnSpPr/>
           <p:nvPr/>
         </p:nvCxnSpPr>
@@ -14873,7 +17141,7 @@
       </p:cxnSp>
       <p:cxnSp>
         <p:nvCxnSpPr>
-          <p:cNvPr id="99" name="直線コネクタ 98"/>
+          <p:cNvPr id="121" name="直線コネクタ 120"/>
           <p:cNvCxnSpPr/>
           <p:nvPr/>
         </p:nvCxnSpPr>
@@ -14908,7 +17176,7 @@
       </p:cxnSp>
       <p:cxnSp>
         <p:nvCxnSpPr>
-          <p:cNvPr id="100" name="直線コネクタ 99"/>
+          <p:cNvPr id="122" name="直線コネクタ 121"/>
           <p:cNvCxnSpPr/>
           <p:nvPr/>
         </p:nvCxnSpPr>
@@ -14941,9 +17209,739 @@
           </a:fontRef>
         </p:style>
       </p:cxnSp>
-      <p:sp>
-        <p:nvSpPr>
-          <p:cNvPr id="101" name="正方形/長方形 100"/>
+      <p:cxnSp>
+        <p:nvCxnSpPr>
+          <p:cNvPr id="123" name="直線コネクタ 122"/>
+          <p:cNvCxnSpPr/>
+          <p:nvPr/>
+        </p:nvCxnSpPr>
+        <p:spPr>
+          <a:xfrm>
+            <a:off x="923931" y="2034307"/>
+            <a:ext cx="7250251" cy="0"/>
+          </a:xfrm>
+          <a:prstGeom prst="line">
+            <a:avLst/>
+          </a:prstGeom>
+          <a:ln>
+            <a:solidFill>
+              <a:schemeClr val="bg1">
+                <a:lumMod val="65000"/>
+              </a:schemeClr>
+            </a:solidFill>
+          </a:ln>
+          <a:effectLst/>
+        </p:spPr>
+        <p:style>
+          <a:lnRef idx="2">
+            <a:schemeClr val="accent1"/>
+          </a:lnRef>
+          <a:fillRef idx="0">
+            <a:schemeClr val="accent1"/>
+          </a:fillRef>
+          <a:effectRef idx="1">
+            <a:schemeClr val="accent1"/>
+          </a:effectRef>
+          <a:fontRef idx="minor">
+            <a:schemeClr val="tx1"/>
+          </a:fontRef>
+        </p:style>
+      </p:cxnSp>
+      <p:sp>
+        <p:nvSpPr>
+          <p:cNvPr id="124" name="テキスト ボックス 123"/>
+          <p:cNvSpPr txBox="1"/>
+          <p:nvPr/>
+        </p:nvSpPr>
+        <p:spPr>
+          <a:xfrm>
+            <a:off x="890993" y="1659566"/>
+            <a:ext cx="646331" cy="276999"/>
+          </a:xfrm>
+          <a:prstGeom prst="rect">
+            <a:avLst/>
+          </a:prstGeom>
+          <a:noFill/>
+        </p:spPr>
+        <p:txBody>
+          <a:bodyPr wrap="none" rtlCol="0">
+            <a:spAutoFit/>
+          </a:bodyPr>
+          <a:lstStyle/>
+          <a:p>
+            <a:r>
+              <a:rPr kumimoji="1" lang="ja-JP" altLang="en-US" sz="1200" dirty="0" smtClean="0">
+                <a:latin typeface="メイリオ"/>
+                <a:ea typeface="メイリオ"/>
+                <a:cs typeface="メイリオ"/>
+              </a:rPr>
+              <a:t>日付：</a:t>
+            </a:r>
+            <a:endParaRPr kumimoji="1" lang="ja-JP" altLang="en-US" sz="1200" dirty="0">
+              <a:latin typeface="メイリオ"/>
+              <a:ea typeface="メイリオ"/>
+              <a:cs typeface="メイリオ"/>
+            </a:endParaRPr>
+          </a:p>
+        </p:txBody>
+      </p:sp>
+      <p:sp>
+        <p:nvSpPr>
+          <p:cNvPr id="125" name="角丸四角形 124"/>
+          <p:cNvSpPr/>
+          <p:nvPr/>
+        </p:nvSpPr>
+        <p:spPr>
+          <a:xfrm>
+            <a:off x="1469168" y="1722329"/>
+            <a:ext cx="352321" cy="158766"/>
+          </a:xfrm>
+          <a:prstGeom prst="roundRect">
+            <a:avLst/>
+          </a:prstGeom>
+          <a:noFill/>
+          <a:ln w="25400">
+            <a:solidFill>
+              <a:schemeClr val="tx1"/>
+            </a:solidFill>
+          </a:ln>
+          <a:effectLst/>
+        </p:spPr>
+        <p:style>
+          <a:lnRef idx="1">
+            <a:schemeClr val="accent1"/>
+          </a:lnRef>
+          <a:fillRef idx="3">
+            <a:schemeClr val="accent1"/>
+          </a:fillRef>
+          <a:effectRef idx="2">
+            <a:schemeClr val="accent1"/>
+          </a:effectRef>
+          <a:fontRef idx="minor">
+            <a:schemeClr val="lt1"/>
+          </a:fontRef>
+        </p:style>
+        <p:txBody>
+          <a:bodyPr rtlCol="0" anchor="ctr"/>
+          <a:lstStyle/>
+          <a:p>
+            <a:pPr algn="ctr"/>
+            <a:endParaRPr kumimoji="1" lang="ja-JP" altLang="en-US"/>
+          </a:p>
+        </p:txBody>
+      </p:sp>
+      <p:sp>
+        <p:nvSpPr>
+          <p:cNvPr id="126" name="テキスト ボックス 125"/>
+          <p:cNvSpPr txBox="1"/>
+          <p:nvPr/>
+        </p:nvSpPr>
+        <p:spPr>
+          <a:xfrm>
+            <a:off x="1786644" y="1659566"/>
+            <a:ext cx="338554" cy="276999"/>
+          </a:xfrm>
+          <a:prstGeom prst="rect">
+            <a:avLst/>
+          </a:prstGeom>
+          <a:noFill/>
+        </p:spPr>
+        <p:txBody>
+          <a:bodyPr wrap="none" rtlCol="0">
+            <a:spAutoFit/>
+          </a:bodyPr>
+          <a:lstStyle/>
+          <a:p>
+            <a:r>
+              <a:rPr lang="en-US" altLang="en-US" sz="1200" dirty="0" smtClean="0">
+                <a:latin typeface="メイリオ"/>
+                <a:ea typeface="メイリオ"/>
+                <a:cs typeface="メイリオ"/>
+              </a:rPr>
+              <a:t>〜</a:t>
+            </a:r>
+            <a:endParaRPr kumimoji="1" lang="ja-JP" altLang="en-US" sz="1200" dirty="0">
+              <a:latin typeface="メイリオ"/>
+              <a:ea typeface="メイリオ"/>
+              <a:cs typeface="メイリオ"/>
+            </a:endParaRPr>
+          </a:p>
+        </p:txBody>
+      </p:sp>
+      <p:sp>
+        <p:nvSpPr>
+          <p:cNvPr id="127" name="テキスト ボックス 126"/>
+          <p:cNvSpPr txBox="1"/>
+          <p:nvPr/>
+        </p:nvSpPr>
+        <p:spPr>
+          <a:xfrm>
+            <a:off x="2465123" y="1656944"/>
+            <a:ext cx="646331" cy="276999"/>
+          </a:xfrm>
+          <a:prstGeom prst="rect">
+            <a:avLst/>
+          </a:prstGeom>
+          <a:noFill/>
+        </p:spPr>
+        <p:txBody>
+          <a:bodyPr wrap="none" rtlCol="0">
+            <a:spAutoFit/>
+          </a:bodyPr>
+          <a:lstStyle/>
+          <a:p>
+            <a:r>
+              <a:rPr lang="ja-JP" altLang="en-US" sz="1200" dirty="0" smtClean="0">
+                <a:latin typeface="メイリオ"/>
+                <a:ea typeface="メイリオ"/>
+                <a:cs typeface="メイリオ"/>
+              </a:rPr>
+              <a:t>内容</a:t>
+            </a:r>
+            <a:r>
+              <a:rPr kumimoji="1" lang="ja-JP" altLang="en-US" sz="1200" dirty="0" smtClean="0">
+                <a:latin typeface="メイリオ"/>
+                <a:ea typeface="メイリオ"/>
+                <a:cs typeface="メイリオ"/>
+              </a:rPr>
+              <a:t>：</a:t>
+            </a:r>
+            <a:endParaRPr kumimoji="1" lang="ja-JP" altLang="en-US" sz="1200" dirty="0">
+              <a:latin typeface="メイリオ"/>
+              <a:ea typeface="メイリオ"/>
+              <a:cs typeface="メイリオ"/>
+            </a:endParaRPr>
+          </a:p>
+        </p:txBody>
+      </p:sp>
+      <p:sp>
+        <p:nvSpPr>
+          <p:cNvPr id="128" name="角丸四角形 127"/>
+          <p:cNvSpPr/>
+          <p:nvPr/>
+        </p:nvSpPr>
+        <p:spPr>
+          <a:xfrm>
+            <a:off x="3034657" y="1720187"/>
+            <a:ext cx="797002" cy="165946"/>
+          </a:xfrm>
+          <a:prstGeom prst="roundRect">
+            <a:avLst/>
+          </a:prstGeom>
+          <a:noFill/>
+          <a:ln w="25400">
+            <a:solidFill>
+              <a:schemeClr val="tx1"/>
+            </a:solidFill>
+          </a:ln>
+          <a:effectLst/>
+        </p:spPr>
+        <p:style>
+          <a:lnRef idx="1">
+            <a:schemeClr val="accent1"/>
+          </a:lnRef>
+          <a:fillRef idx="3">
+            <a:schemeClr val="accent1"/>
+          </a:fillRef>
+          <a:effectRef idx="2">
+            <a:schemeClr val="accent1"/>
+          </a:effectRef>
+          <a:fontRef idx="minor">
+            <a:schemeClr val="lt1"/>
+          </a:fontRef>
+        </p:style>
+        <p:txBody>
+          <a:bodyPr rtlCol="0" anchor="ctr"/>
+          <a:lstStyle/>
+          <a:p>
+            <a:pPr algn="ctr"/>
+            <a:endParaRPr kumimoji="1" lang="ja-JP" altLang="en-US"/>
+          </a:p>
+        </p:txBody>
+      </p:sp>
+      <p:sp>
+        <p:nvSpPr>
+          <p:cNvPr id="129" name="角丸四角形 128"/>
+          <p:cNvSpPr/>
+          <p:nvPr/>
+        </p:nvSpPr>
+        <p:spPr>
+          <a:xfrm>
+            <a:off x="3877789" y="1722410"/>
+            <a:ext cx="602185" cy="165865"/>
+          </a:xfrm>
+          <a:prstGeom prst="roundRect">
+            <a:avLst/>
+          </a:prstGeom>
+          <a:noFill/>
+          <a:ln w="25400">
+            <a:solidFill>
+              <a:schemeClr val="tx1"/>
+            </a:solidFill>
+          </a:ln>
+          <a:effectLst/>
+        </p:spPr>
+        <p:style>
+          <a:lnRef idx="1">
+            <a:schemeClr val="accent1"/>
+          </a:lnRef>
+          <a:fillRef idx="3">
+            <a:schemeClr val="accent1"/>
+          </a:fillRef>
+          <a:effectRef idx="2">
+            <a:schemeClr val="accent1"/>
+          </a:effectRef>
+          <a:fontRef idx="minor">
+            <a:schemeClr val="lt1"/>
+          </a:fontRef>
+        </p:style>
+        <p:txBody>
+          <a:bodyPr rtlCol="0" anchor="ctr"/>
+          <a:lstStyle/>
+          <a:p>
+            <a:r>
+              <a:rPr kumimoji="1" lang="ja-JP" altLang="en-US" sz="800" dirty="0" smtClean="0">
+                <a:solidFill>
+                  <a:schemeClr val="tx1"/>
+                </a:solidFill>
+                <a:latin typeface="メイリオ"/>
+                <a:ea typeface="メイリオ"/>
+                <a:cs typeface="メイリオ"/>
+              </a:rPr>
+              <a:t>を含む</a:t>
+            </a:r>
+            <a:endParaRPr kumimoji="1" lang="ja-JP" altLang="en-US" sz="800" dirty="0">
+              <a:solidFill>
+                <a:schemeClr val="tx1"/>
+              </a:solidFill>
+              <a:latin typeface="メイリオ"/>
+              <a:ea typeface="メイリオ"/>
+              <a:cs typeface="メイリオ"/>
+            </a:endParaRPr>
+          </a:p>
+        </p:txBody>
+      </p:sp>
+      <p:sp>
+        <p:nvSpPr>
+          <p:cNvPr id="130" name="二等辺三角形 129"/>
+          <p:cNvSpPr/>
+          <p:nvPr/>
+        </p:nvSpPr>
+        <p:spPr>
+          <a:xfrm rot="10800000">
+            <a:off x="4322286" y="1761549"/>
+            <a:ext cx="108000" cy="108000"/>
+          </a:xfrm>
+          <a:prstGeom prst="triangle">
+            <a:avLst/>
+          </a:prstGeom>
+          <a:solidFill>
+            <a:schemeClr val="tx1"/>
+          </a:solidFill>
+          <a:ln>
+            <a:noFill/>
+          </a:ln>
+          <a:effectLst/>
+        </p:spPr>
+        <p:style>
+          <a:lnRef idx="1">
+            <a:schemeClr val="accent1"/>
+          </a:lnRef>
+          <a:fillRef idx="3">
+            <a:schemeClr val="accent1"/>
+          </a:fillRef>
+          <a:effectRef idx="2">
+            <a:schemeClr val="accent1"/>
+          </a:effectRef>
+          <a:fontRef idx="minor">
+            <a:schemeClr val="lt1"/>
+          </a:fontRef>
+        </p:style>
+        <p:txBody>
+          <a:bodyPr rtlCol="0" anchor="ctr"/>
+          <a:lstStyle/>
+          <a:p>
+            <a:pPr algn="ctr"/>
+            <a:endParaRPr kumimoji="1" lang="ja-JP" altLang="en-US"/>
+          </a:p>
+        </p:txBody>
+      </p:sp>
+      <p:sp>
+        <p:nvSpPr>
+          <p:cNvPr id="131" name="テキスト ボックス 130"/>
+          <p:cNvSpPr txBox="1"/>
+          <p:nvPr/>
+        </p:nvSpPr>
+        <p:spPr>
+          <a:xfrm>
+            <a:off x="4494298" y="1660170"/>
+            <a:ext cx="954107" cy="276999"/>
+          </a:xfrm>
+          <a:prstGeom prst="rect">
+            <a:avLst/>
+          </a:prstGeom>
+          <a:noFill/>
+        </p:spPr>
+        <p:txBody>
+          <a:bodyPr wrap="none" rtlCol="0">
+            <a:spAutoFit/>
+          </a:bodyPr>
+          <a:lstStyle/>
+          <a:p>
+            <a:r>
+              <a:rPr lang="ja-JP" altLang="en-US" sz="1200" dirty="0" smtClean="0">
+                <a:latin typeface="メイリオ"/>
+                <a:ea typeface="メイリオ"/>
+                <a:cs typeface="メイリオ"/>
+              </a:rPr>
+              <a:t>カテゴリ</a:t>
+            </a:r>
+            <a:r>
+              <a:rPr kumimoji="1" lang="ja-JP" altLang="en-US" sz="1200" dirty="0" smtClean="0">
+                <a:latin typeface="メイリオ"/>
+                <a:ea typeface="メイリオ"/>
+                <a:cs typeface="メイリオ"/>
+              </a:rPr>
+              <a:t>：</a:t>
+            </a:r>
+            <a:endParaRPr kumimoji="1" lang="ja-JP" altLang="en-US" sz="1200" dirty="0">
+              <a:latin typeface="メイリオ"/>
+              <a:ea typeface="メイリオ"/>
+              <a:cs typeface="メイリオ"/>
+            </a:endParaRPr>
+          </a:p>
+        </p:txBody>
+      </p:sp>
+      <p:sp>
+        <p:nvSpPr>
+          <p:cNvPr id="132" name="角丸四角形 131"/>
+          <p:cNvSpPr/>
+          <p:nvPr/>
+        </p:nvSpPr>
+        <p:spPr>
+          <a:xfrm>
+            <a:off x="5370510" y="1715149"/>
+            <a:ext cx="560480" cy="165946"/>
+          </a:xfrm>
+          <a:prstGeom prst="roundRect">
+            <a:avLst/>
+          </a:prstGeom>
+          <a:noFill/>
+          <a:ln w="25400">
+            <a:solidFill>
+              <a:schemeClr val="tx1"/>
+            </a:solidFill>
+          </a:ln>
+          <a:effectLst/>
+        </p:spPr>
+        <p:style>
+          <a:lnRef idx="1">
+            <a:schemeClr val="accent1"/>
+          </a:lnRef>
+          <a:fillRef idx="3">
+            <a:schemeClr val="accent1"/>
+          </a:fillRef>
+          <a:effectRef idx="2">
+            <a:schemeClr val="accent1"/>
+          </a:effectRef>
+          <a:fontRef idx="minor">
+            <a:schemeClr val="lt1"/>
+          </a:fontRef>
+        </p:style>
+        <p:txBody>
+          <a:bodyPr rtlCol="0" anchor="ctr"/>
+          <a:lstStyle/>
+          <a:p>
+            <a:pPr algn="ctr"/>
+            <a:endParaRPr kumimoji="1" lang="ja-JP" altLang="en-US"/>
+          </a:p>
+        </p:txBody>
+      </p:sp>
+      <p:sp>
+        <p:nvSpPr>
+          <p:cNvPr id="133" name="テキスト ボックス 132"/>
+          <p:cNvSpPr txBox="1"/>
+          <p:nvPr/>
+        </p:nvSpPr>
+        <p:spPr>
+          <a:xfrm>
+            <a:off x="5949540" y="1649229"/>
+            <a:ext cx="646331" cy="276999"/>
+          </a:xfrm>
+          <a:prstGeom prst="rect">
+            <a:avLst/>
+          </a:prstGeom>
+          <a:noFill/>
+        </p:spPr>
+        <p:txBody>
+          <a:bodyPr wrap="none" rtlCol="0">
+            <a:spAutoFit/>
+          </a:bodyPr>
+          <a:lstStyle/>
+          <a:p>
+            <a:r>
+              <a:rPr lang="ja-JP" altLang="en-US" sz="1200" dirty="0" smtClean="0">
+                <a:latin typeface="メイリオ"/>
+                <a:ea typeface="メイリオ"/>
+                <a:cs typeface="メイリオ"/>
+              </a:rPr>
+              <a:t>金額</a:t>
+            </a:r>
+            <a:r>
+              <a:rPr kumimoji="1" lang="ja-JP" altLang="en-US" sz="1200" dirty="0" smtClean="0">
+                <a:latin typeface="メイリオ"/>
+                <a:ea typeface="メイリオ"/>
+                <a:cs typeface="メイリオ"/>
+              </a:rPr>
+              <a:t>：</a:t>
+            </a:r>
+            <a:endParaRPr kumimoji="1" lang="ja-JP" altLang="en-US" sz="1200" dirty="0">
+              <a:latin typeface="メイリオ"/>
+              <a:ea typeface="メイリオ"/>
+              <a:cs typeface="メイリオ"/>
+            </a:endParaRPr>
+          </a:p>
+        </p:txBody>
+      </p:sp>
+      <p:sp>
+        <p:nvSpPr>
+          <p:cNvPr id="134" name="角丸四角形 133"/>
+          <p:cNvSpPr/>
+          <p:nvPr/>
+        </p:nvSpPr>
+        <p:spPr>
+          <a:xfrm>
+            <a:off x="2087658" y="1715007"/>
+            <a:ext cx="352321" cy="158766"/>
+          </a:xfrm>
+          <a:prstGeom prst="roundRect">
+            <a:avLst/>
+          </a:prstGeom>
+          <a:noFill/>
+          <a:ln w="25400">
+            <a:solidFill>
+              <a:schemeClr val="tx1"/>
+            </a:solidFill>
+          </a:ln>
+          <a:effectLst/>
+        </p:spPr>
+        <p:style>
+          <a:lnRef idx="1">
+            <a:schemeClr val="accent1"/>
+          </a:lnRef>
+          <a:fillRef idx="3">
+            <a:schemeClr val="accent1"/>
+          </a:fillRef>
+          <a:effectRef idx="2">
+            <a:schemeClr val="accent1"/>
+          </a:effectRef>
+          <a:fontRef idx="minor">
+            <a:schemeClr val="lt1"/>
+          </a:fontRef>
+        </p:style>
+        <p:txBody>
+          <a:bodyPr rtlCol="0" anchor="ctr"/>
+          <a:lstStyle/>
+          <a:p>
+            <a:pPr algn="ctr"/>
+            <a:endParaRPr kumimoji="1" lang="ja-JP" altLang="en-US"/>
+          </a:p>
+        </p:txBody>
+      </p:sp>
+      <p:sp>
+        <p:nvSpPr>
+          <p:cNvPr id="135" name="角丸四角形 134"/>
+          <p:cNvSpPr/>
+          <p:nvPr/>
+        </p:nvSpPr>
+        <p:spPr>
+          <a:xfrm>
+            <a:off x="6513621" y="1723285"/>
+            <a:ext cx="352321" cy="158766"/>
+          </a:xfrm>
+          <a:prstGeom prst="roundRect">
+            <a:avLst/>
+          </a:prstGeom>
+          <a:noFill/>
+          <a:ln w="25400">
+            <a:solidFill>
+              <a:schemeClr val="tx1"/>
+            </a:solidFill>
+          </a:ln>
+          <a:effectLst/>
+        </p:spPr>
+        <p:style>
+          <a:lnRef idx="1">
+            <a:schemeClr val="accent1"/>
+          </a:lnRef>
+          <a:fillRef idx="3">
+            <a:schemeClr val="accent1"/>
+          </a:fillRef>
+          <a:effectRef idx="2">
+            <a:schemeClr val="accent1"/>
+          </a:effectRef>
+          <a:fontRef idx="minor">
+            <a:schemeClr val="lt1"/>
+          </a:fontRef>
+        </p:style>
+        <p:txBody>
+          <a:bodyPr rtlCol="0" anchor="ctr"/>
+          <a:lstStyle/>
+          <a:p>
+            <a:pPr algn="ctr"/>
+            <a:endParaRPr kumimoji="1" lang="ja-JP" altLang="en-US"/>
+          </a:p>
+        </p:txBody>
+      </p:sp>
+      <p:sp>
+        <p:nvSpPr>
+          <p:cNvPr id="136" name="テキスト ボックス 135"/>
+          <p:cNvSpPr txBox="1"/>
+          <p:nvPr/>
+        </p:nvSpPr>
+        <p:spPr>
+          <a:xfrm>
+            <a:off x="6831097" y="1660522"/>
+            <a:ext cx="338554" cy="276999"/>
+          </a:xfrm>
+          <a:prstGeom prst="rect">
+            <a:avLst/>
+          </a:prstGeom>
+          <a:noFill/>
+        </p:spPr>
+        <p:txBody>
+          <a:bodyPr wrap="none" rtlCol="0">
+            <a:spAutoFit/>
+          </a:bodyPr>
+          <a:lstStyle/>
+          <a:p>
+            <a:r>
+              <a:rPr lang="en-US" altLang="en-US" sz="1200" dirty="0" smtClean="0">
+                <a:latin typeface="メイリオ"/>
+                <a:ea typeface="メイリオ"/>
+                <a:cs typeface="メイリオ"/>
+              </a:rPr>
+              <a:t>〜</a:t>
+            </a:r>
+            <a:endParaRPr kumimoji="1" lang="ja-JP" altLang="en-US" sz="1200" dirty="0">
+              <a:latin typeface="メイリオ"/>
+              <a:ea typeface="メイリオ"/>
+              <a:cs typeface="メイリオ"/>
+            </a:endParaRPr>
+          </a:p>
+        </p:txBody>
+      </p:sp>
+      <p:sp>
+        <p:nvSpPr>
+          <p:cNvPr id="137" name="角丸四角形 136"/>
+          <p:cNvSpPr/>
+          <p:nvPr/>
+        </p:nvSpPr>
+        <p:spPr>
+          <a:xfrm>
+            <a:off x="7132111" y="1715963"/>
+            <a:ext cx="352321" cy="158766"/>
+          </a:xfrm>
+          <a:prstGeom prst="roundRect">
+            <a:avLst/>
+          </a:prstGeom>
+          <a:noFill/>
+          <a:ln w="25400">
+            <a:solidFill>
+              <a:schemeClr val="tx1"/>
+            </a:solidFill>
+          </a:ln>
+          <a:effectLst/>
+        </p:spPr>
+        <p:style>
+          <a:lnRef idx="1">
+            <a:schemeClr val="accent1"/>
+          </a:lnRef>
+          <a:fillRef idx="3">
+            <a:schemeClr val="accent1"/>
+          </a:fillRef>
+          <a:effectRef idx="2">
+            <a:schemeClr val="accent1"/>
+          </a:effectRef>
+          <a:fontRef idx="minor">
+            <a:schemeClr val="lt1"/>
+          </a:fontRef>
+        </p:style>
+        <p:txBody>
+          <a:bodyPr rtlCol="0" anchor="ctr"/>
+          <a:lstStyle/>
+          <a:p>
+            <a:pPr algn="ctr"/>
+            <a:endParaRPr kumimoji="1" lang="ja-JP" altLang="en-US"/>
+          </a:p>
+        </p:txBody>
+      </p:sp>
+      <p:sp>
+        <p:nvSpPr>
+          <p:cNvPr id="138" name="角丸四角形 137"/>
+          <p:cNvSpPr/>
+          <p:nvPr/>
+        </p:nvSpPr>
+        <p:spPr>
+          <a:xfrm>
+            <a:off x="7553038" y="1639397"/>
+            <a:ext cx="550589" cy="299213"/>
+          </a:xfrm>
+          <a:prstGeom prst="roundRect">
+            <a:avLst/>
+          </a:prstGeom>
+          <a:noFill/>
+          <a:ln w="25400">
+            <a:solidFill>
+              <a:schemeClr val="tx1"/>
+            </a:solidFill>
+          </a:ln>
+          <a:effectLst/>
+        </p:spPr>
+        <p:style>
+          <a:lnRef idx="1">
+            <a:schemeClr val="accent1"/>
+          </a:lnRef>
+          <a:fillRef idx="3">
+            <a:schemeClr val="accent1"/>
+          </a:fillRef>
+          <a:effectRef idx="2">
+            <a:schemeClr val="accent1"/>
+          </a:effectRef>
+          <a:fontRef idx="minor">
+            <a:schemeClr val="lt1"/>
+          </a:fontRef>
+        </p:style>
+        <p:txBody>
+          <a:bodyPr rtlCol="0" anchor="ctr"/>
+          <a:lstStyle/>
+          <a:p>
+            <a:pPr algn="ctr"/>
+            <a:r>
+              <a:rPr lang="ja-JP" altLang="en-US" sz="1200" dirty="0" smtClean="0">
+                <a:solidFill>
+                  <a:schemeClr val="tx1"/>
+                </a:solidFill>
+                <a:latin typeface="メイリオ"/>
+                <a:ea typeface="メイリオ"/>
+                <a:cs typeface="メイリオ"/>
+              </a:rPr>
+              <a:t>検索</a:t>
+            </a:r>
+            <a:endParaRPr kumimoji="1" lang="ja-JP" altLang="en-US" sz="1200" dirty="0">
+              <a:solidFill>
+                <a:schemeClr val="tx1"/>
+              </a:solidFill>
+              <a:latin typeface="メイリオ"/>
+              <a:ea typeface="メイリオ"/>
+              <a:cs typeface="メイリオ"/>
+            </a:endParaRPr>
+          </a:p>
+        </p:txBody>
+      </p:sp>
+      <p:sp>
+        <p:nvSpPr>
+          <p:cNvPr id="139" name="正方形/長方形 138"/>
           <p:cNvSpPr/>
           <p:nvPr/>
         </p:nvSpPr>
@@ -14991,6 +17989,60 @@
               <a:solidFill>
                 <a:schemeClr val="tx1"/>
               </a:solidFill>
+              <a:latin typeface="メイリオ"/>
+              <a:ea typeface="メイリオ"/>
+              <a:cs typeface="メイリオ"/>
+            </a:endParaRPr>
+          </a:p>
+        </p:txBody>
+      </p:sp>
+      <p:sp>
+        <p:nvSpPr>
+          <p:cNvPr id="4" name="テキスト ボックス 3"/>
+          <p:cNvSpPr txBox="1"/>
+          <p:nvPr/>
+        </p:nvSpPr>
+        <p:spPr>
+          <a:xfrm>
+            <a:off x="200532" y="187161"/>
+            <a:ext cx="4134465" cy="523220"/>
+          </a:xfrm>
+          <a:prstGeom prst="rect">
+            <a:avLst/>
+          </a:prstGeom>
+          <a:noFill/>
+        </p:spPr>
+        <p:txBody>
+          <a:bodyPr wrap="none" rtlCol="0">
+            <a:spAutoFit/>
+          </a:bodyPr>
+          <a:lstStyle/>
+          <a:p>
+            <a:r>
+              <a:rPr lang="ja-JP" altLang="en-US" sz="2800" dirty="0" smtClean="0">
+                <a:latin typeface="メイリオ"/>
+                <a:ea typeface="メイリオ"/>
+                <a:cs typeface="メイリオ"/>
+              </a:rPr>
+              <a:t>管理画面（</a:t>
+            </a:r>
+            <a:r>
+              <a:rPr lang="en-US" altLang="en-US" sz="2800" dirty="0" smtClean="0">
+                <a:latin typeface="メイリオ"/>
+                <a:ea typeface="メイリオ"/>
+                <a:cs typeface="メイリオ"/>
+              </a:rPr>
+              <a:t>削除確認</a:t>
+            </a:r>
+            <a:r>
+              <a:rPr lang="ja-JP" altLang="en-US" sz="2800" dirty="0" smtClean="0">
+                <a:latin typeface="メイリオ"/>
+                <a:ea typeface="メイリオ"/>
+                <a:cs typeface="メイリオ"/>
+              </a:rPr>
+              <a:t>時）</a:t>
+            </a:r>
+            <a:endParaRPr kumimoji="1" lang="ja-JP" altLang="en-US" sz="2000" dirty="0">
               <a:latin typeface="メイリオ"/>
               <a:ea typeface="メイリオ"/>
               <a:cs typeface="メイリオ"/>

--- a/payment_manager/bin/algieba.pptx
+++ b/payment_manager/bin/algieba.pptx
@@ -6002,7 +6002,7 @@
           <p:nvPr>
             <p:extLst>
               <p:ext uri="{D42A27DB-BD31-4B8C-83A1-F6EECF244321}">
-                <p14:modId xmlns:p14="http://schemas.microsoft.com/office/powerpoint/2010/main" val="580272451"/>
+                <p14:modId xmlns:p14="http://schemas.microsoft.com/office/powerpoint/2010/main" val="2911963052"/>
               </p:ext>
             </p:extLst>
           </p:nvPr>
@@ -9041,7 +9041,7 @@
           <p:nvPr>
             <p:extLst>
               <p:ext uri="{D42A27DB-BD31-4B8C-83A1-F6EECF244321}">
-                <p14:modId xmlns:p14="http://schemas.microsoft.com/office/powerpoint/2010/main" val="18467814"/>
+                <p14:modId xmlns:p14="http://schemas.microsoft.com/office/powerpoint/2010/main" val="3183742681"/>
               </p:ext>
             </p:extLst>
           </p:nvPr>
@@ -11932,7 +11932,7 @@
           <p:nvPr>
             <p:extLst>
               <p:ext uri="{D42A27DB-BD31-4B8C-83A1-F6EECF244321}">
-                <p14:modId xmlns:p14="http://schemas.microsoft.com/office/powerpoint/2010/main" val="1613173921"/>
+                <p14:modId xmlns:p14="http://schemas.microsoft.com/office/powerpoint/2010/main" val="1867620562"/>
               </p:ext>
             </p:extLst>
           </p:nvPr>
@@ -15174,7 +15174,7 @@
           <p:nvPr>
             <p:extLst>
               <p:ext uri="{D42A27DB-BD31-4B8C-83A1-F6EECF244321}">
-                <p14:modId xmlns:p14="http://schemas.microsoft.com/office/powerpoint/2010/main" val="2955095996"/>
+                <p14:modId xmlns:p14="http://schemas.microsoft.com/office/powerpoint/2010/main" val="456833480"/>
               </p:ext>
             </p:extLst>
           </p:nvPr>

--- a/payment_manager/bin/algieba.pptx
+++ b/payment_manager/bin/algieba.pptx
@@ -5,17 +5,18 @@
     <p:sldMasterId id="2147483648" r:id="rId1"/>
   </p:sldMasterIdLst>
   <p:notesMasterIdLst>
-    <p:notesMasterId r:id="rId10"/>
+    <p:notesMasterId r:id="rId11"/>
   </p:notesMasterIdLst>
   <p:sldIdLst>
     <p:sldId id="256" r:id="rId2"/>
-    <p:sldId id="263" r:id="rId3"/>
-    <p:sldId id="266" r:id="rId4"/>
-    <p:sldId id="265" r:id="rId5"/>
-    <p:sldId id="269" r:id="rId6"/>
-    <p:sldId id="270" r:id="rId7"/>
-    <p:sldId id="267" r:id="rId8"/>
-    <p:sldId id="268" r:id="rId9"/>
+    <p:sldId id="271" r:id="rId3"/>
+    <p:sldId id="263" r:id="rId4"/>
+    <p:sldId id="266" r:id="rId5"/>
+    <p:sldId id="265" r:id="rId6"/>
+    <p:sldId id="269" r:id="rId7"/>
+    <p:sldId id="270" r:id="rId8"/>
+    <p:sldId id="267" r:id="rId9"/>
+    <p:sldId id="268" r:id="rId10"/>
   </p:sldIdLst>
   <p:sldSz cx="9144000" cy="6858000" type="screen4x3"/>
   <p:notesSz cx="6858000" cy="9144000"/>
@@ -199,7 +200,7 @@
           <a:p>
             <a:fld id="{EE82FEE5-269B-9B49-A8C4-823C45BE6055}" type="datetimeFigureOut">
               <a:rPr kumimoji="1" lang="ja-JP" altLang="en-US" smtClean="0"/>
-              <a:t>17/08/12</a:t>
+              <a:t>17/09/10</a:t>
             </a:fld>
             <a:endParaRPr kumimoji="1" lang="ja-JP" altLang="en-US"/>
           </a:p>
@@ -1087,6 +1088,90 @@
 </p:notes>
 </file>
 
+<file path=ppt/notesSlides/notesSlide8.xml><?xml version="1.0" encoding="utf-8"?>
+<p:notes xmlns:a="http://schemas.openxmlformats.org/drawingml/2006/main" xmlns:r="http://schemas.openxmlformats.org/officeDocument/2006/relationships" xmlns:p="http://schemas.openxmlformats.org/presentationml/2006/main">
+  <p:cSld>
+    <p:spTree>
+      <p:nvGrpSpPr>
+        <p:cNvPr id="1" name=""/>
+        <p:cNvGrpSpPr/>
+        <p:nvPr/>
+      </p:nvGrpSpPr>
+      <p:grpSpPr>
+        <a:xfrm>
+          <a:off x="0" y="0"/>
+          <a:ext cx="0" cy="0"/>
+          <a:chOff x="0" y="0"/>
+          <a:chExt cx="0" cy="0"/>
+        </a:xfrm>
+      </p:grpSpPr>
+      <p:sp>
+        <p:nvSpPr>
+          <p:cNvPr id="2" name="スライド イメージ プレースホルダー 1"/>
+          <p:cNvSpPr>
+            <a:spLocks noGrp="1" noRot="1" noChangeAspect="1"/>
+          </p:cNvSpPr>
+          <p:nvPr>
+            <p:ph type="sldImg"/>
+          </p:nvPr>
+        </p:nvSpPr>
+        <p:spPr/>
+      </p:sp>
+      <p:sp>
+        <p:nvSpPr>
+          <p:cNvPr id="3" name="ノート プレースホルダー 2"/>
+          <p:cNvSpPr>
+            <a:spLocks noGrp="1"/>
+          </p:cNvSpPr>
+          <p:nvPr>
+            <p:ph type="body" idx="1"/>
+          </p:nvPr>
+        </p:nvSpPr>
+        <p:spPr/>
+        <p:txBody>
+          <a:bodyPr/>
+          <a:lstStyle/>
+          <a:p>
+            <a:endParaRPr kumimoji="1" lang="ja-JP" altLang="en-US" dirty="0"/>
+          </a:p>
+        </p:txBody>
+      </p:sp>
+      <p:sp>
+        <p:nvSpPr>
+          <p:cNvPr id="4" name="スライド番号プレースホルダー 3"/>
+          <p:cNvSpPr>
+            <a:spLocks noGrp="1"/>
+          </p:cNvSpPr>
+          <p:nvPr>
+            <p:ph type="sldNum" sz="quarter" idx="10"/>
+          </p:nvPr>
+        </p:nvSpPr>
+        <p:spPr/>
+        <p:txBody>
+          <a:bodyPr/>
+          <a:lstStyle/>
+          <a:p>
+            <a:fld id="{A9E1B25B-30E5-7A42-A56A-DF1A6F86BC06}" type="slidenum">
+              <a:rPr kumimoji="1" lang="ja-JP" altLang="en-US" smtClean="0"/>
+              <a:t>9</a:t>
+            </a:fld>
+            <a:endParaRPr kumimoji="1" lang="ja-JP" altLang="en-US"/>
+          </a:p>
+        </p:txBody>
+      </p:sp>
+    </p:spTree>
+    <p:extLst>
+      <p:ext uri="{BB962C8B-B14F-4D97-AF65-F5344CB8AC3E}">
+        <p14:creationId xmlns:p14="http://schemas.microsoft.com/office/powerpoint/2010/main" val="3631066132"/>
+      </p:ext>
+    </p:extLst>
+  </p:cSld>
+  <p:clrMapOvr>
+    <a:masterClrMapping/>
+  </p:clrMapOvr>
+</p:notes>
+</file>
+
 <file path=ppt/slideLayouts/slideLayout1.xml><?xml version="1.0" encoding="utf-8"?>
 <p:sldLayout xmlns:a="http://schemas.openxmlformats.org/drawingml/2006/main" xmlns:r="http://schemas.openxmlformats.org/officeDocument/2006/relationships" xmlns:p="http://schemas.openxmlformats.org/presentationml/2006/main" type="title" preserve="1">
   <p:cSld name="タイトル スライド">
@@ -1268,7 +1353,7 @@
           <a:p>
             <a:fld id="{3ABA01A1-4899-9944-833D-6A66CDE659CB}" type="datetimeFigureOut">
               <a:rPr kumimoji="1" lang="ja-JP" altLang="en-US" smtClean="0"/>
-              <a:t>17/08/12</a:t>
+              <a:t>17/09/10</a:t>
             </a:fld>
             <a:endParaRPr kumimoji="1" lang="ja-JP" altLang="en-US"/>
           </a:p>
@@ -1470,7 +1555,7 @@
           <a:p>
             <a:fld id="{3ABA01A1-4899-9944-833D-6A66CDE659CB}" type="datetimeFigureOut">
               <a:rPr kumimoji="1" lang="ja-JP" altLang="en-US" smtClean="0"/>
-              <a:t>17/08/12</a:t>
+              <a:t>17/09/10</a:t>
             </a:fld>
             <a:endParaRPr kumimoji="1" lang="ja-JP" altLang="en-US"/>
           </a:p>
@@ -1682,7 +1767,7 @@
           <a:p>
             <a:fld id="{3ABA01A1-4899-9944-833D-6A66CDE659CB}" type="datetimeFigureOut">
               <a:rPr kumimoji="1" lang="ja-JP" altLang="en-US" smtClean="0"/>
-              <a:t>17/08/12</a:t>
+              <a:t>17/09/10</a:t>
             </a:fld>
             <a:endParaRPr kumimoji="1" lang="ja-JP" altLang="en-US"/>
           </a:p>
@@ -1884,7 +1969,7 @@
           <a:p>
             <a:fld id="{3ABA01A1-4899-9944-833D-6A66CDE659CB}" type="datetimeFigureOut">
               <a:rPr kumimoji="1" lang="ja-JP" altLang="en-US" smtClean="0"/>
-              <a:t>17/08/12</a:t>
+              <a:t>17/09/10</a:t>
             </a:fld>
             <a:endParaRPr kumimoji="1" lang="ja-JP" altLang="en-US"/>
           </a:p>
@@ -2130,7 +2215,7 @@
           <a:p>
             <a:fld id="{3ABA01A1-4899-9944-833D-6A66CDE659CB}" type="datetimeFigureOut">
               <a:rPr kumimoji="1" lang="ja-JP" altLang="en-US" smtClean="0"/>
-              <a:t>17/08/12</a:t>
+              <a:t>17/09/10</a:t>
             </a:fld>
             <a:endParaRPr kumimoji="1" lang="ja-JP" altLang="en-US"/>
           </a:p>
@@ -2482,7 +2567,7 @@
           <a:p>
             <a:fld id="{3ABA01A1-4899-9944-833D-6A66CDE659CB}" type="datetimeFigureOut">
               <a:rPr kumimoji="1" lang="ja-JP" altLang="en-US" smtClean="0"/>
-              <a:t>17/08/12</a:t>
+              <a:t>17/09/10</a:t>
             </a:fld>
             <a:endParaRPr kumimoji="1" lang="ja-JP" altLang="en-US"/>
           </a:p>
@@ -2968,7 +3053,7 @@
           <a:p>
             <a:fld id="{3ABA01A1-4899-9944-833D-6A66CDE659CB}" type="datetimeFigureOut">
               <a:rPr kumimoji="1" lang="ja-JP" altLang="en-US" smtClean="0"/>
-              <a:t>17/08/12</a:t>
+              <a:t>17/09/10</a:t>
             </a:fld>
             <a:endParaRPr kumimoji="1" lang="ja-JP" altLang="en-US"/>
           </a:p>
@@ -3086,7 +3171,7 @@
           <a:p>
             <a:fld id="{3ABA01A1-4899-9944-833D-6A66CDE659CB}" type="datetimeFigureOut">
               <a:rPr kumimoji="1" lang="ja-JP" altLang="en-US" smtClean="0"/>
-              <a:t>17/08/12</a:t>
+              <a:t>17/09/10</a:t>
             </a:fld>
             <a:endParaRPr kumimoji="1" lang="ja-JP" altLang="en-US"/>
           </a:p>
@@ -3181,7 +3266,7 @@
           <a:p>
             <a:fld id="{3ABA01A1-4899-9944-833D-6A66CDE659CB}" type="datetimeFigureOut">
               <a:rPr kumimoji="1" lang="ja-JP" altLang="en-US" smtClean="0"/>
-              <a:t>17/08/12</a:t>
+              <a:t>17/09/10</a:t>
             </a:fld>
             <a:endParaRPr kumimoji="1" lang="ja-JP" altLang="en-US"/>
           </a:p>
@@ -3490,7 +3575,7 @@
           <a:p>
             <a:fld id="{3ABA01A1-4899-9944-833D-6A66CDE659CB}" type="datetimeFigureOut">
               <a:rPr kumimoji="1" lang="ja-JP" altLang="en-US" smtClean="0"/>
-              <a:t>17/08/12</a:t>
+              <a:t>17/09/10</a:t>
             </a:fld>
             <a:endParaRPr kumimoji="1" lang="ja-JP" altLang="en-US"/>
           </a:p>
@@ -3743,7 +3828,7 @@
           <a:p>
             <a:fld id="{3ABA01A1-4899-9944-833D-6A66CDE659CB}" type="datetimeFigureOut">
               <a:rPr kumimoji="1" lang="ja-JP" altLang="en-US" smtClean="0"/>
-              <a:t>17/08/12</a:t>
+              <a:t>17/09/10</a:t>
             </a:fld>
             <a:endParaRPr kumimoji="1" lang="ja-JP" altLang="en-US"/>
           </a:p>
@@ -3988,7 +4073,7 @@
           <a:p>
             <a:fld id="{3ABA01A1-4899-9944-833D-6A66CDE659CB}" type="datetimeFigureOut">
               <a:rPr kumimoji="1" lang="ja-JP" altLang="en-US" smtClean="0"/>
-              <a:t>17/08/12</a:t>
+              <a:t>17/09/10</a:t>
             </a:fld>
             <a:endParaRPr kumimoji="1" lang="ja-JP" altLang="en-US"/>
           </a:p>
@@ -4432,15 +4517,11 @@
             </a:r>
             <a:r>
               <a:rPr lang="en-US" altLang="ja-JP" sz="2800" dirty="0" smtClean="0"/>
-              <a:t>2017/08</a:t>
+              <a:t>2017/</a:t>
             </a:r>
             <a:r>
               <a:rPr lang="en-US" altLang="ja-JP" sz="2800" dirty="0" smtClean="0"/>
-              <a:t>/</a:t>
-            </a:r>
-            <a:r>
-              <a:rPr lang="en-US" altLang="ja-JP" sz="2800" dirty="0" smtClean="0"/>
-              <a:t>13</a:t>
+              <a:t>09/16</a:t>
             </a:r>
             <a:r>
               <a:rPr lang="en-US" altLang="ja-JP" sz="2800" dirty="0" smtClean="0"/>
@@ -4459,7 +4540,7 @@
             </a:r>
             <a:r>
               <a:rPr lang="en-US" altLang="ja-JP" sz="2800" dirty="0" smtClean="0"/>
-              <a:t>2.8.0</a:t>
+              <a:t>2.9.0</a:t>
             </a:r>
             <a:endParaRPr kumimoji="1" lang="ja-JP" altLang="en-US" dirty="0"/>
           </a:p>
@@ -4542,7 +4623,7 @@
         <p:spPr>
           <a:xfrm>
             <a:off x="646545" y="969818"/>
-            <a:ext cx="7866256" cy="5355313"/>
+            <a:ext cx="5070619" cy="646331"/>
           </a:xfrm>
           <a:prstGeom prst="rect">
             <a:avLst/>
@@ -4565,7 +4646,259 @@
                 <a:ea typeface="メイリオ"/>
                 <a:cs typeface="メイリオ"/>
               </a:rPr>
-              <a:t>認証画面と管理画面がある</a:t>
+              <a:t>認証画面と管理画面が</a:t>
+            </a:r>
+            <a:r>
+              <a:rPr lang="ja-JP" altLang="en-US" dirty="0" smtClean="0">
+                <a:latin typeface="メイリオ"/>
+                <a:ea typeface="メイリオ"/>
+                <a:cs typeface="メイリオ"/>
+              </a:rPr>
+              <a:t>ある</a:t>
+            </a:r>
+            <a:endParaRPr lang="en-US" altLang="ja-JP" dirty="0" smtClean="0">
+              <a:latin typeface="メイリオ"/>
+              <a:ea typeface="メイリオ"/>
+              <a:cs typeface="メイリオ"/>
+            </a:endParaRPr>
+          </a:p>
+          <a:p>
+            <a:pPr marL="285750" indent="-285750">
+              <a:buFont typeface="Arial"/>
+              <a:buChar char="•"/>
+            </a:pPr>
+            <a:r>
+              <a:rPr lang="ja-JP" altLang="en-US" dirty="0" smtClean="0">
+                <a:latin typeface="メイリオ"/>
+                <a:ea typeface="メイリオ"/>
+                <a:cs typeface="メイリオ"/>
+              </a:rPr>
+              <a:t>認証に成功すると管理画面にアクセスできる</a:t>
+            </a:r>
+            <a:endParaRPr lang="en-US" altLang="ja-JP" dirty="0" smtClean="0">
+              <a:latin typeface="メイリオ"/>
+              <a:ea typeface="メイリオ"/>
+              <a:cs typeface="メイリオ"/>
+            </a:endParaRPr>
+          </a:p>
+        </p:txBody>
+      </p:sp>
+      <p:sp>
+        <p:nvSpPr>
+          <p:cNvPr id="5" name="テキスト ボックス 4"/>
+          <p:cNvSpPr txBox="1"/>
+          <p:nvPr/>
+        </p:nvSpPr>
+        <p:spPr>
+          <a:xfrm>
+            <a:off x="200532" y="1863547"/>
+            <a:ext cx="1620957" cy="523220"/>
+          </a:xfrm>
+          <a:prstGeom prst="rect">
+            <a:avLst/>
+          </a:prstGeom>
+          <a:noFill/>
+        </p:spPr>
+        <p:txBody>
+          <a:bodyPr wrap="none" rtlCol="0">
+            <a:spAutoFit/>
+          </a:bodyPr>
+          <a:lstStyle/>
+          <a:p>
+            <a:r>
+              <a:rPr lang="en-US" altLang="en-US" sz="2800" dirty="0" smtClean="0">
+                <a:latin typeface="メイリオ"/>
+                <a:ea typeface="メイリオ"/>
+                <a:cs typeface="メイリオ"/>
+              </a:rPr>
+              <a:t>認証画面</a:t>
+            </a:r>
+            <a:endParaRPr kumimoji="1" lang="ja-JP" altLang="en-US" sz="2000" dirty="0">
+              <a:latin typeface="メイリオ"/>
+              <a:ea typeface="メイリオ"/>
+              <a:cs typeface="メイリオ"/>
+            </a:endParaRPr>
+          </a:p>
+        </p:txBody>
+      </p:sp>
+      <p:sp>
+        <p:nvSpPr>
+          <p:cNvPr id="6" name="テキスト ボックス 5"/>
+          <p:cNvSpPr txBox="1"/>
+          <p:nvPr/>
+        </p:nvSpPr>
+        <p:spPr>
+          <a:xfrm>
+            <a:off x="646545" y="2542325"/>
+            <a:ext cx="5070619" cy="646331"/>
+          </a:xfrm>
+          <a:prstGeom prst="rect">
+            <a:avLst/>
+          </a:prstGeom>
+          <a:noFill/>
+        </p:spPr>
+        <p:txBody>
+          <a:bodyPr wrap="none" rtlCol="0">
+            <a:spAutoFit/>
+          </a:bodyPr>
+          <a:lstStyle/>
+          <a:p>
+            <a:pPr marL="285750" indent="-285750">
+              <a:buFont typeface="Arial"/>
+              <a:buChar char="•"/>
+            </a:pPr>
+            <a:r>
+              <a:rPr lang="ja-JP" altLang="en-US" dirty="0" smtClean="0">
+                <a:latin typeface="メイリオ"/>
+                <a:ea typeface="メイリオ"/>
+                <a:cs typeface="メイリオ"/>
+              </a:rPr>
+              <a:t>未認証</a:t>
+            </a:r>
+            <a:r>
+              <a:rPr lang="ja-JP" altLang="en-US" dirty="0" smtClean="0">
+                <a:latin typeface="メイリオ"/>
+                <a:ea typeface="メイリオ"/>
+                <a:cs typeface="メイリオ"/>
+              </a:rPr>
+              <a:t>時は認証画面にリダイレクトされる</a:t>
+            </a:r>
+            <a:endParaRPr lang="en-US" altLang="ja-JP" dirty="0" smtClean="0">
+              <a:latin typeface="メイリオ"/>
+              <a:ea typeface="メイリオ"/>
+              <a:cs typeface="メイリオ"/>
+            </a:endParaRPr>
+          </a:p>
+          <a:p>
+            <a:pPr marL="285750" indent="-285750">
+              <a:buFont typeface="Arial"/>
+              <a:buChar char="•"/>
+            </a:pPr>
+            <a:r>
+              <a:rPr lang="ja-JP" altLang="en-US" dirty="0" smtClean="0">
+                <a:latin typeface="メイリオ"/>
+                <a:ea typeface="メイリオ"/>
+                <a:cs typeface="メイリオ"/>
+              </a:rPr>
+              <a:t>認証に成功すると管理画面にアクセス</a:t>
+            </a:r>
+            <a:r>
+              <a:rPr lang="ja-JP" altLang="en-US" dirty="0" smtClean="0">
+                <a:latin typeface="メイリオ"/>
+                <a:ea typeface="メイリオ"/>
+                <a:cs typeface="メイリオ"/>
+              </a:rPr>
+              <a:t>できる</a:t>
+            </a:r>
+            <a:endParaRPr lang="en-US" altLang="ja-JP" dirty="0" smtClean="0">
+              <a:latin typeface="メイリオ"/>
+              <a:ea typeface="メイリオ"/>
+              <a:cs typeface="メイリオ"/>
+            </a:endParaRPr>
+          </a:p>
+        </p:txBody>
+      </p:sp>
+    </p:spTree>
+    <p:extLst>
+      <p:ext uri="{BB962C8B-B14F-4D97-AF65-F5344CB8AC3E}">
+        <p14:creationId xmlns:p14="http://schemas.microsoft.com/office/powerpoint/2010/main" val="2349225952"/>
+      </p:ext>
+    </p:extLst>
+  </p:cSld>
+  <p:clrMapOvr>
+    <a:masterClrMapping/>
+  </p:clrMapOvr>
+</p:sld>
+</file>
+
+<file path=ppt/slides/slide3.xml><?xml version="1.0" encoding="utf-8"?>
+<p:sld xmlns:a="http://schemas.openxmlformats.org/drawingml/2006/main" xmlns:r="http://schemas.openxmlformats.org/officeDocument/2006/relationships" xmlns:p="http://schemas.openxmlformats.org/presentationml/2006/main">
+  <p:cSld>
+    <p:spTree>
+      <p:nvGrpSpPr>
+        <p:cNvPr id="1" name=""/>
+        <p:cNvGrpSpPr/>
+        <p:nvPr/>
+      </p:nvGrpSpPr>
+      <p:grpSpPr>
+        <a:xfrm>
+          <a:off x="0" y="0"/>
+          <a:ext cx="0" cy="0"/>
+          <a:chOff x="0" y="0"/>
+          <a:chExt cx="0" cy="0"/>
+        </a:xfrm>
+      </p:grpSpPr>
+      <p:sp>
+        <p:nvSpPr>
+          <p:cNvPr id="4" name="テキスト ボックス 3"/>
+          <p:cNvSpPr txBox="1"/>
+          <p:nvPr/>
+        </p:nvSpPr>
+        <p:spPr>
+          <a:xfrm>
+            <a:off x="200532" y="187161"/>
+            <a:ext cx="1620957" cy="523220"/>
+          </a:xfrm>
+          <a:prstGeom prst="rect">
+            <a:avLst/>
+          </a:prstGeom>
+          <a:noFill/>
+        </p:spPr>
+        <p:txBody>
+          <a:bodyPr wrap="none" rtlCol="0">
+            <a:spAutoFit/>
+          </a:bodyPr>
+          <a:lstStyle/>
+          <a:p>
+            <a:r>
+              <a:rPr lang="ja-JP" altLang="en-US" sz="2800" dirty="0" smtClean="0">
+                <a:latin typeface="メイリオ"/>
+                <a:ea typeface="メイリオ"/>
+                <a:cs typeface="メイリオ"/>
+              </a:rPr>
+              <a:t>管理画面</a:t>
+            </a:r>
+            <a:endParaRPr kumimoji="1" lang="ja-JP" altLang="en-US" sz="2000" dirty="0">
+              <a:latin typeface="メイリオ"/>
+              <a:ea typeface="メイリオ"/>
+              <a:cs typeface="メイリオ"/>
+            </a:endParaRPr>
+          </a:p>
+        </p:txBody>
+      </p:sp>
+      <p:sp>
+        <p:nvSpPr>
+          <p:cNvPr id="11" name="テキスト ボックス 10"/>
+          <p:cNvSpPr txBox="1"/>
+          <p:nvPr/>
+        </p:nvSpPr>
+        <p:spPr>
+          <a:xfrm>
+            <a:off x="646545" y="969818"/>
+            <a:ext cx="7635424" cy="5632312"/>
+          </a:xfrm>
+          <a:prstGeom prst="rect">
+            <a:avLst/>
+          </a:prstGeom>
+          <a:noFill/>
+        </p:spPr>
+        <p:txBody>
+          <a:bodyPr wrap="none" rtlCol="0">
+            <a:spAutoFit/>
+          </a:bodyPr>
+          <a:lstStyle/>
+          <a:p>
+            <a:pPr marL="285750" indent="-285750">
+              <a:buFont typeface="Arial"/>
+              <a:buChar char="•"/>
+            </a:pPr>
+            <a:r>
+              <a:rPr lang="ja-JP" altLang="en-US" dirty="0" smtClean="0">
+                <a:latin typeface="メイリオ"/>
+                <a:ea typeface="メイリオ"/>
+                <a:cs typeface="メイリオ"/>
+              </a:rPr>
+              <a:t>登録フォーム、検索フォーム、一覧画面から構成される</a:t>
             </a:r>
             <a:endParaRPr lang="en-US" altLang="ja-JP" dirty="0" smtClean="0">
               <a:latin typeface="メイリオ"/>
@@ -4595,7 +4928,7 @@
                 <a:ea typeface="メイリオ"/>
                 <a:cs typeface="メイリオ"/>
               </a:rPr>
-              <a:t>認証画面</a:t>
+              <a:t>登録フォームから収支情報を登録する</a:t>
             </a:r>
             <a:endParaRPr lang="en-US" altLang="ja-JP" dirty="0" smtClean="0">
               <a:latin typeface="メイリオ"/>
@@ -4614,7 +4947,15 @@
                 <a:ea typeface="メイリオ"/>
                 <a:cs typeface="メイリオ"/>
               </a:rPr>
-              <a:t>未認証時は認証画面にリダイレクトされる</a:t>
+              <a:t>日付</a:t>
+            </a:r>
+            <a:r>
+              <a:rPr lang="ja-JP" altLang="en-US" dirty="0" smtClean="0">
+                <a:latin typeface="メイリオ"/>
+                <a:ea typeface="メイリオ"/>
+                <a:cs typeface="メイリオ"/>
+              </a:rPr>
+              <a:t>は表示されるカレンダーから選択する</a:t>
             </a:r>
             <a:endParaRPr lang="en-US" altLang="ja-JP" dirty="0" smtClean="0">
               <a:latin typeface="メイリオ"/>
@@ -4633,7 +4974,147 @@
                 <a:ea typeface="メイリオ"/>
                 <a:cs typeface="メイリオ"/>
               </a:rPr>
-              <a:t>認証に成功すると管理画面にアクセスできる</a:t>
+              <a:t>カテゴリは既に登録されているものが一覧表示されるので、</a:t>
+            </a:r>
+            <a:r>
+              <a:rPr lang="en-US" altLang="ja-JP" dirty="0">
+                <a:latin typeface="メイリオ"/>
+                <a:ea typeface="メイリオ"/>
+                <a:cs typeface="メイリオ"/>
+              </a:rPr>
+              <a:t/>
+            </a:r>
+            <a:br>
+              <a:rPr lang="en-US" altLang="ja-JP" dirty="0">
+                <a:latin typeface="メイリオ"/>
+                <a:ea typeface="メイリオ"/>
+                <a:cs typeface="メイリオ"/>
+              </a:rPr>
+            </a:br>
+            <a:r>
+              <a:rPr lang="ja-JP" altLang="en-US" dirty="0" smtClean="0">
+                <a:latin typeface="メイリオ"/>
+                <a:ea typeface="メイリオ"/>
+                <a:cs typeface="メイリオ"/>
+              </a:rPr>
+              <a:t>その中から選択する（新規カテゴリを入力するのも可）</a:t>
+            </a:r>
+            <a:endParaRPr lang="en-US" altLang="ja-JP" dirty="0">
+              <a:latin typeface="メイリオ"/>
+              <a:ea typeface="メイリオ"/>
+              <a:cs typeface="メイリオ"/>
+            </a:endParaRPr>
+          </a:p>
+          <a:p>
+            <a:pPr marL="285750" indent="-285750">
+              <a:buFont typeface="Arial"/>
+              <a:buChar char="•"/>
+            </a:pPr>
+            <a:r>
+              <a:rPr lang="ja-JP" altLang="en-US" dirty="0" smtClean="0">
+                <a:latin typeface="メイリオ"/>
+                <a:ea typeface="メイリオ"/>
+                <a:cs typeface="メイリオ"/>
+              </a:rPr>
+              <a:t>収支情報を入力後、登録ボタンを押す</a:t>
+            </a:r>
+            <a:r>
+              <a:rPr lang="ja-JP" altLang="en-US" dirty="0">
+                <a:latin typeface="メイリオ"/>
+                <a:ea typeface="メイリオ"/>
+                <a:cs typeface="メイリオ"/>
+              </a:rPr>
+              <a:t>と</a:t>
+            </a:r>
+            <a:r>
+              <a:rPr lang="ja-JP" altLang="en-US" dirty="0" smtClean="0">
+                <a:latin typeface="メイリオ"/>
+                <a:ea typeface="メイリオ"/>
+                <a:cs typeface="メイリオ"/>
+              </a:rPr>
+              <a:t>収支情報が登録され</a:t>
+            </a:r>
+            <a:r>
+              <a:rPr lang="ja-JP" altLang="en-US" dirty="0" smtClean="0">
+                <a:latin typeface="メイリオ"/>
+                <a:ea typeface="メイリオ"/>
+                <a:cs typeface="メイリオ"/>
+              </a:rPr>
+              <a:t>、</a:t>
+            </a:r>
+            <a:r>
+              <a:rPr lang="ja-JP" altLang="en-US" dirty="0" smtClean="0">
+                <a:latin typeface="メイリオ"/>
+                <a:ea typeface="メイリオ"/>
+                <a:cs typeface="メイリオ"/>
+              </a:rPr>
+              <a:t>一覧</a:t>
+            </a:r>
+            <a:r>
+              <a:rPr lang="ja-JP" altLang="en-US" dirty="0" smtClean="0">
+                <a:latin typeface="メイリオ"/>
+                <a:ea typeface="メイリオ"/>
+                <a:cs typeface="メイリオ"/>
+              </a:rPr>
+              <a:t>が</a:t>
+            </a:r>
+            <a:r>
+              <a:rPr lang="en-US" altLang="ja-JP" dirty="0">
+                <a:latin typeface="メイリオ"/>
+                <a:ea typeface="メイリオ"/>
+                <a:cs typeface="メイリオ"/>
+              </a:rPr>
+              <a:t/>
+            </a:r>
+            <a:br>
+              <a:rPr lang="en-US" altLang="ja-JP" dirty="0">
+                <a:latin typeface="メイリオ"/>
+                <a:ea typeface="メイリオ"/>
+                <a:cs typeface="メイリオ"/>
+              </a:rPr>
+            </a:br>
+            <a:r>
+              <a:rPr lang="ja-JP" altLang="en-US" dirty="0" smtClean="0">
+                <a:latin typeface="メイリオ"/>
+                <a:ea typeface="メイリオ"/>
+                <a:cs typeface="メイリオ"/>
+              </a:rPr>
+              <a:t>更新</a:t>
+            </a:r>
+            <a:r>
+              <a:rPr lang="ja-JP" altLang="en-US" dirty="0" smtClean="0">
+                <a:latin typeface="メイリオ"/>
+                <a:ea typeface="メイリオ"/>
+                <a:cs typeface="メイリオ"/>
+              </a:rPr>
+              <a:t>される</a:t>
+            </a:r>
+            <a:endParaRPr lang="en-US" altLang="ja-JP" dirty="0" smtClean="0">
+              <a:latin typeface="メイリオ"/>
+              <a:ea typeface="メイリオ"/>
+              <a:cs typeface="メイリオ"/>
+            </a:endParaRPr>
+          </a:p>
+          <a:p>
+            <a:pPr marL="285750" indent="-285750">
+              <a:buFont typeface="Arial"/>
+              <a:buChar char="•"/>
+            </a:pPr>
+            <a:r>
+              <a:rPr lang="ja-JP" altLang="en-US" dirty="0">
+                <a:latin typeface="メイリオ"/>
+                <a:ea typeface="メイリオ"/>
+                <a:cs typeface="メイリオ"/>
+              </a:rPr>
+              <a:t>収支情報が不正な場合、エラーを通知</a:t>
+            </a:r>
+            <a:r>
+              <a:rPr lang="ja-JP" altLang="en-US" dirty="0" smtClean="0">
+                <a:latin typeface="メイリオ"/>
+                <a:ea typeface="メイリオ"/>
+                <a:cs typeface="メイリオ"/>
+              </a:rPr>
+              <a:t>する</a:t>
             </a:r>
             <a:endParaRPr lang="en-US" altLang="ja-JP" dirty="0" smtClean="0">
               <a:latin typeface="メイリオ"/>
@@ -4663,7 +5144,7 @@
                 <a:ea typeface="メイリオ"/>
                 <a:cs typeface="メイリオ"/>
               </a:rPr>
-              <a:t>管理画面</a:t>
+              <a:t>検索フォームから収支情報を検索する</a:t>
             </a:r>
             <a:endParaRPr lang="en-US" altLang="ja-JP" dirty="0" smtClean="0">
               <a:latin typeface="メイリオ"/>
@@ -4682,7 +5163,30 @@
                 <a:ea typeface="メイリオ"/>
                 <a:cs typeface="メイリオ"/>
               </a:rPr>
-              <a:t>画面上部の入力フォームから収支情報を入力する</a:t>
+              <a:t>検索条件を入力後、検索ボタンを押すと条件を満たす収支情報</a:t>
+            </a:r>
+            <a:r>
+              <a:rPr lang="en-US" altLang="ja-JP" dirty="0" smtClean="0">
+                <a:latin typeface="メイリオ"/>
+                <a:ea typeface="メイリオ"/>
+                <a:cs typeface="メイリオ"/>
+              </a:rPr>
+              <a:t/>
+            </a:r>
+            <a:br>
+              <a:rPr lang="en-US" altLang="ja-JP" dirty="0" smtClean="0">
+                <a:latin typeface="メイリオ"/>
+                <a:ea typeface="メイリオ"/>
+                <a:cs typeface="メイリオ"/>
+              </a:rPr>
+            </a:br>
+            <a:r>
+              <a:rPr lang="ja-JP" altLang="en-US" dirty="0" smtClean="0">
+                <a:latin typeface="メイリオ"/>
+                <a:ea typeface="メイリオ"/>
+                <a:cs typeface="メイリオ"/>
+              </a:rPr>
+              <a:t>の一覧が表示される</a:t>
             </a:r>
             <a:endParaRPr lang="en-US" altLang="ja-JP" dirty="0" smtClean="0">
               <a:latin typeface="メイリオ"/>
@@ -4691,7 +5195,7 @@
             </a:endParaRPr>
           </a:p>
           <a:p>
-            <a:pPr marL="1200150" lvl="2" indent="-285750">
+            <a:pPr marL="742950" lvl="1" indent="-285750">
               <a:buFont typeface="Arial"/>
               <a:buChar char="•"/>
             </a:pPr>
@@ -4701,7 +5205,7 @@
                 <a:ea typeface="メイリオ"/>
                 <a:cs typeface="メイリオ"/>
               </a:rPr>
-              <a:t>日付</a:t>
+              <a:t>リセットボタンを押下すると検索条件をリセット</a:t>
             </a:r>
             <a:r>
               <a:rPr lang="ja-JP" altLang="en-US" dirty="0" smtClean="0">
@@ -4709,23 +5213,7 @@
                 <a:ea typeface="メイリオ"/>
                 <a:cs typeface="メイリオ"/>
               </a:rPr>
-              <a:t>は表示</a:t>
-            </a:r>
-            <a:r>
-              <a:rPr lang="ja-JP" altLang="en-US" dirty="0" smtClean="0">
-                <a:latin typeface="メイリオ"/>
-                <a:ea typeface="メイリオ"/>
-                <a:cs typeface="メイリオ"/>
-              </a:rPr>
-              <a:t>されるカレンダーから選択</a:t>
-            </a:r>
-            <a:r>
-              <a:rPr lang="ja-JP" altLang="en-US" dirty="0" smtClean="0">
-                <a:latin typeface="メイリオ"/>
-                <a:ea typeface="メイリオ"/>
-                <a:cs typeface="メイリオ"/>
-              </a:rPr>
-              <a:t>する</a:t>
+              <a:t>される</a:t>
             </a:r>
             <a:endParaRPr lang="en-US" altLang="ja-JP" dirty="0" smtClean="0">
               <a:latin typeface="メイリオ"/>
@@ -4734,40 +5222,68 @@
             </a:endParaRPr>
           </a:p>
           <a:p>
-            <a:pPr marL="1200150" lvl="2" indent="-285750">
+            <a:pPr marL="285750" indent="-285750">
               <a:buFont typeface="Arial"/>
               <a:buChar char="•"/>
             </a:pPr>
+            <a:endParaRPr lang="en-US" altLang="ja-JP" dirty="0" smtClean="0">
+              <a:latin typeface="メイリオ"/>
+              <a:ea typeface="メイリオ"/>
+              <a:cs typeface="メイリオ"/>
+            </a:endParaRPr>
+          </a:p>
+          <a:p>
+            <a:pPr marL="285750" indent="-285750">
+              <a:buFont typeface="Arial"/>
+              <a:buChar char="•"/>
+            </a:pPr>
             <a:r>
               <a:rPr lang="ja-JP" altLang="en-US" dirty="0" smtClean="0">
                 <a:latin typeface="メイリオ"/>
                 <a:ea typeface="メイリオ"/>
                 <a:cs typeface="メイリオ"/>
               </a:rPr>
-              <a:t>カテゴリは既に登録されているものが一覧表示されるので、</a:t>
-            </a:r>
-            <a:r>
-              <a:rPr lang="en-US" altLang="ja-JP" dirty="0">
+              <a:t>一覧画面には</a:t>
+            </a:r>
+            <a:r>
+              <a:rPr lang="ja-JP" altLang="en-US" dirty="0" smtClean="0">
                 <a:latin typeface="メイリオ"/>
                 <a:ea typeface="メイリオ"/>
                 <a:cs typeface="メイリオ"/>
               </a:rPr>
-              <a:t/>
-            </a:r>
-            <a:br>
-              <a:rPr lang="en-US" altLang="ja-JP" dirty="0">
+              <a:t>１ページ</a:t>
+            </a:r>
+            <a:r>
+              <a:rPr lang="ja-JP" altLang="en-US" dirty="0" smtClean="0">
                 <a:latin typeface="メイリオ"/>
                 <a:ea typeface="メイリオ"/>
                 <a:cs typeface="メイリオ"/>
               </a:rPr>
-            </a:br>
+              <a:t>あたり</a:t>
+            </a:r>
+            <a:r>
+              <a:rPr lang="en-US" altLang="ja-JP" dirty="0" smtClean="0">
+                <a:latin typeface="メイリオ"/>
+                <a:ea typeface="メイリオ"/>
+                <a:cs typeface="メイリオ"/>
+              </a:rPr>
+              <a:t>50</a:t>
+            </a:r>
             <a:r>
               <a:rPr lang="ja-JP" altLang="en-US" dirty="0" smtClean="0">
                 <a:latin typeface="メイリオ"/>
                 <a:ea typeface="メイリオ"/>
                 <a:cs typeface="メイリオ"/>
               </a:rPr>
-              <a:t>その中から選択する（</a:t>
+              <a:t>件の収支情報が</a:t>
+            </a:r>
+            <a:r>
+              <a:rPr lang="ja-JP" altLang="en-US" dirty="0">
+                <a:latin typeface="メイリオ"/>
+                <a:ea typeface="メイリオ"/>
+                <a:cs typeface="メイリオ"/>
+              </a:rPr>
+              <a:t>表示</a:t>
             </a:r>
             <a:r>
               <a:rPr lang="ja-JP" altLang="en-US" dirty="0" smtClean="0">
@@ -4775,7 +5291,7 @@
                 <a:ea typeface="メイリオ"/>
                 <a:cs typeface="メイリオ"/>
               </a:rPr>
-              <a:t>新規カテゴリを入力するのも可）</a:t>
+              <a:t>される</a:t>
             </a:r>
             <a:endParaRPr lang="en-US" altLang="ja-JP" dirty="0">
               <a:latin typeface="メイリオ"/>
@@ -4784,7 +5300,7 @@
             </a:endParaRPr>
           </a:p>
           <a:p>
-            <a:pPr marL="742950" lvl="1" indent="-285750">
+            <a:pPr marL="285750" indent="-285750">
               <a:buFont typeface="Arial"/>
               <a:buChar char="•"/>
             </a:pPr>
@@ -4794,7 +5310,7 @@
                 <a:ea typeface="メイリオ"/>
                 <a:cs typeface="メイリオ"/>
               </a:rPr>
-              <a:t>収支情報を入力後、登録ボタンを押す</a:t>
+              <a:t>最新</a:t>
             </a:r>
             <a:r>
               <a:rPr lang="ja-JP" altLang="en-US" dirty="0">
@@ -4802,7 +5318,7 @@
                 <a:ea typeface="メイリオ"/>
                 <a:cs typeface="メイリオ"/>
               </a:rPr>
-              <a:t>と</a:t>
+              <a:t>から順番に表示</a:t>
             </a:r>
             <a:r>
               <a:rPr lang="ja-JP" altLang="en-US" dirty="0" smtClean="0">
@@ -4810,30 +5326,7 @@
                 <a:ea typeface="メイリオ"/>
                 <a:cs typeface="メイリオ"/>
               </a:rPr>
-              <a:t>収支情報が登録され、表が</a:t>
-            </a:r>
-            <a:r>
-              <a:rPr lang="en-US" altLang="ja-JP" dirty="0">
-                <a:latin typeface="メイリオ"/>
-                <a:ea typeface="メイリオ"/>
-                <a:cs typeface="メイリオ"/>
-              </a:rPr>
-              <a:t/>
-            </a:r>
-            <a:br>
-              <a:rPr lang="en-US" altLang="ja-JP" dirty="0">
-                <a:latin typeface="メイリオ"/>
-                <a:ea typeface="メイリオ"/>
-                <a:cs typeface="メイリオ"/>
-              </a:rPr>
-            </a:br>
-            <a:r>
-              <a:rPr lang="ja-JP" altLang="en-US" dirty="0" smtClean="0">
-                <a:latin typeface="メイリオ"/>
-                <a:ea typeface="メイリオ"/>
-                <a:cs typeface="メイリオ"/>
-              </a:rPr>
-              <a:t>更新される</a:t>
+              <a:t>される</a:t>
             </a:r>
             <a:endParaRPr lang="en-US" altLang="ja-JP" dirty="0" smtClean="0">
               <a:latin typeface="メイリオ"/>
@@ -4842,25 +5335,17 @@
             </a:endParaRPr>
           </a:p>
           <a:p>
-            <a:pPr marL="742950" lvl="1" indent="-285750">
+            <a:pPr marL="285750" indent="-285750">
               <a:buFont typeface="Arial"/>
               <a:buChar char="•"/>
             </a:pPr>
             <a:r>
-              <a:rPr lang="ja-JP" altLang="en-US" dirty="0">
+              <a:rPr lang="ja-JP" altLang="en-US" dirty="0" smtClean="0">
                 <a:latin typeface="メイリオ"/>
                 <a:ea typeface="メイリオ"/>
                 <a:cs typeface="メイリオ"/>
               </a:rPr>
-              <a:t>収支情報</a:t>
-            </a:r>
-            <a:r>
-              <a:rPr lang="ja-JP" altLang="en-US" dirty="0" smtClean="0">
-                <a:latin typeface="メイリオ"/>
-                <a:ea typeface="メイリオ"/>
-                <a:cs typeface="メイリオ"/>
-              </a:rPr>
-              <a:t>が不正な場合、エラーを通知する</a:t>
+              <a:t>削除ボタンを押すと、削除確認画面が表示される</a:t>
             </a:r>
             <a:endParaRPr lang="en-US" altLang="ja-JP" dirty="0" smtClean="0">
               <a:latin typeface="メイリオ"/>
@@ -4879,74 +5364,7 @@
                 <a:ea typeface="メイリオ"/>
                 <a:cs typeface="メイリオ"/>
               </a:rPr>
-              <a:t>１ページあたり</a:t>
-            </a:r>
-            <a:r>
-              <a:rPr lang="en-US" altLang="ja-JP" dirty="0" smtClean="0">
-                <a:latin typeface="メイリオ"/>
-                <a:ea typeface="メイリオ"/>
-                <a:cs typeface="メイリオ"/>
-              </a:rPr>
-              <a:t>50</a:t>
-            </a:r>
-            <a:r>
-              <a:rPr lang="ja-JP" altLang="en-US" dirty="0" smtClean="0">
-                <a:latin typeface="メイリオ"/>
-                <a:ea typeface="メイリオ"/>
-                <a:cs typeface="メイリオ"/>
-              </a:rPr>
-              <a:t>件の収支情報が</a:t>
-            </a:r>
-            <a:r>
-              <a:rPr lang="ja-JP" altLang="en-US" dirty="0">
-                <a:latin typeface="メイリオ"/>
-                <a:ea typeface="メイリオ"/>
-                <a:cs typeface="メイリオ"/>
-              </a:rPr>
-              <a:t>表示</a:t>
-            </a:r>
-            <a:r>
-              <a:rPr lang="ja-JP" altLang="en-US" dirty="0" smtClean="0">
-                <a:latin typeface="メイリオ"/>
-                <a:ea typeface="メイリオ"/>
-                <a:cs typeface="メイリオ"/>
-              </a:rPr>
-              <a:t>される</a:t>
-            </a:r>
-            <a:endParaRPr lang="en-US" altLang="ja-JP" dirty="0">
-              <a:latin typeface="メイリオ"/>
-              <a:ea typeface="メイリオ"/>
-              <a:cs typeface="メイリオ"/>
-            </a:endParaRPr>
-          </a:p>
-          <a:p>
-            <a:pPr marL="742950" lvl="1" indent="-285750">
-              <a:buFont typeface="Arial"/>
-              <a:buChar char="•"/>
-            </a:pPr>
-            <a:r>
-              <a:rPr lang="ja-JP" altLang="en-US" dirty="0" smtClean="0">
-                <a:latin typeface="メイリオ"/>
-                <a:ea typeface="メイリオ"/>
-                <a:cs typeface="メイリオ"/>
-              </a:rPr>
-              <a:t>最新</a:t>
-            </a:r>
-            <a:r>
-              <a:rPr lang="ja-JP" altLang="en-US" dirty="0">
-                <a:latin typeface="メイリオ"/>
-                <a:ea typeface="メイリオ"/>
-                <a:cs typeface="メイリオ"/>
-              </a:rPr>
-              <a:t>から順番に表示</a:t>
-            </a:r>
-            <a:r>
-              <a:rPr lang="ja-JP" altLang="en-US" dirty="0" smtClean="0">
-                <a:latin typeface="メイリオ"/>
-                <a:ea typeface="メイリオ"/>
-                <a:cs typeface="メイリオ"/>
-              </a:rPr>
-              <a:t>される</a:t>
+              <a:t>「はい」を選択すると対応する収支情報が削除される</a:t>
             </a:r>
             <a:endParaRPr lang="en-US" altLang="ja-JP" dirty="0" smtClean="0">
               <a:latin typeface="メイリオ"/>
@@ -4956,44 +5374,6 @@
           </a:p>
           <a:p>
             <a:pPr marL="742950" lvl="1" indent="-285750">
-              <a:buFont typeface="Arial"/>
-              <a:buChar char="•"/>
-            </a:pPr>
-            <a:r>
-              <a:rPr lang="ja-JP" altLang="en-US" dirty="0" smtClean="0">
-                <a:latin typeface="メイリオ"/>
-                <a:ea typeface="メイリオ"/>
-                <a:cs typeface="メイリオ"/>
-              </a:rPr>
-              <a:t>削除ボタンを押すと、削除確認画面が表示される</a:t>
-            </a:r>
-            <a:endParaRPr lang="en-US" altLang="ja-JP" dirty="0" smtClean="0">
-              <a:latin typeface="メイリオ"/>
-              <a:ea typeface="メイリオ"/>
-              <a:cs typeface="メイリオ"/>
-            </a:endParaRPr>
-          </a:p>
-          <a:p>
-            <a:pPr marL="1200150" lvl="2" indent="-285750">
-              <a:buFont typeface="Arial"/>
-              <a:buChar char="•"/>
-            </a:pPr>
-            <a:r>
-              <a:rPr lang="ja-JP" altLang="en-US" dirty="0" smtClean="0">
-                <a:latin typeface="メイリオ"/>
-                <a:ea typeface="メイリオ"/>
-                <a:cs typeface="メイリオ"/>
-              </a:rPr>
-              <a:t>「はい」を選択すると対応する収支情報が削除される</a:t>
-            </a:r>
-            <a:endParaRPr lang="en-US" altLang="ja-JP" dirty="0" smtClean="0">
-              <a:latin typeface="メイリオ"/>
-              <a:ea typeface="メイリオ"/>
-              <a:cs typeface="メイリオ"/>
-            </a:endParaRPr>
-          </a:p>
-          <a:p>
-            <a:pPr marL="1200150" lvl="2" indent="-285750">
               <a:buFont typeface="Arial"/>
               <a:buChar char="•"/>
             </a:pPr>
@@ -5026,7 +5406,7 @@
 </p:sld>
 </file>
 
-<file path=ppt/slides/slide3.xml><?xml version="1.0" encoding="utf-8"?>
+<file path=ppt/slides/slide4.xml><?xml version="1.0" encoding="utf-8"?>
 <p:sld xmlns:a="http://schemas.openxmlformats.org/drawingml/2006/main" xmlns:r="http://schemas.openxmlformats.org/officeDocument/2006/relationships" xmlns:p="http://schemas.openxmlformats.org/presentationml/2006/main">
   <p:cSld>
     <p:spTree>
@@ -5558,7 +5938,7 @@
 </p:sld>
 </file>
 
-<file path=ppt/slides/slide4.xml><?xml version="1.0" encoding="utf-8"?>
+<file path=ppt/slides/slide5.xml><?xml version="1.0" encoding="utf-8"?>
 <p:sld xmlns:a="http://schemas.openxmlformats.org/drawingml/2006/main" xmlns:r="http://schemas.openxmlformats.org/officeDocument/2006/relationships" xmlns:p="http://schemas.openxmlformats.org/presentationml/2006/main">
   <p:cSld>
     <p:spTree>
@@ -5622,14 +6002,14 @@
           <p:nvPr>
             <p:extLst>
               <p:ext uri="{D42A27DB-BD31-4B8C-83A1-F6EECF244321}">
-                <p14:modId xmlns:p14="http://schemas.microsoft.com/office/powerpoint/2010/main" val="2794378192"/>
+                <p14:modId xmlns:p14="http://schemas.microsoft.com/office/powerpoint/2010/main" val="2911963052"/>
               </p:ext>
             </p:extLst>
           </p:nvPr>
         </p:nvGraphicFramePr>
         <p:xfrm>
-          <a:off x="993905" y="2031998"/>
-          <a:ext cx="6891640" cy="4248728"/>
+          <a:off x="993905" y="2447618"/>
+          <a:ext cx="6891640" cy="3862480"/>
         </p:xfrm>
         <a:graphic>
           <a:graphicData uri="http://schemas.openxmlformats.org/drawingml/2006/table">
@@ -5728,48 +6108,6 @@
                         <a:ea typeface="メイリオ"/>
                         <a:cs typeface="メイリオ"/>
                       </a:endParaRPr>
-                    </a:p>
-                  </a:txBody>
-                  <a:tcPr/>
-                </a:tc>
-              </a:tr>
-              <a:tr h="386248">
-                <a:tc>
-                  <a:txBody>
-                    <a:bodyPr/>
-                    <a:lstStyle/>
-                    <a:p>
-                      <a:endParaRPr kumimoji="1" lang="ja-JP" altLang="en-US"/>
-                    </a:p>
-                  </a:txBody>
-                  <a:tcPr/>
-                </a:tc>
-                <a:tc>
-                  <a:txBody>
-                    <a:bodyPr/>
-                    <a:lstStyle/>
-                    <a:p>
-                      <a:endParaRPr kumimoji="1" lang="ja-JP" altLang="en-US"/>
-                    </a:p>
-                  </a:txBody>
-                  <a:tcPr/>
-                </a:tc>
-                <a:tc>
-                  <a:txBody>
-                    <a:bodyPr/>
-                    <a:lstStyle/>
-                    <a:p>
-                      <a:endParaRPr kumimoji="1" lang="ja-JP" altLang="en-US"/>
-                    </a:p>
-                  </a:txBody>
-                  <a:tcPr/>
-                </a:tc>
-                <a:tc>
-                  <a:txBody>
-                    <a:bodyPr/>
-                    <a:lstStyle/>
-                    <a:p>
-                      <a:endParaRPr kumimoji="1" lang="ja-JP" altLang="en-US" dirty="0"/>
                     </a:p>
                   </a:txBody>
                   <a:tcPr/>
@@ -6674,7 +7012,7 @@
         </p:nvSpPr>
         <p:spPr>
           <a:xfrm>
-            <a:off x="4124211" y="1630084"/>
+            <a:off x="4124211" y="2080339"/>
             <a:ext cx="296175" cy="307777"/>
           </a:xfrm>
           <a:prstGeom prst="rect">
@@ -6712,7 +7050,7 @@
         </p:nvSpPr>
         <p:spPr>
           <a:xfrm>
-            <a:off x="4356158" y="1632399"/>
+            <a:off x="4356158" y="2082654"/>
             <a:ext cx="296175" cy="307777"/>
           </a:xfrm>
           <a:prstGeom prst="rect">
@@ -6750,7 +7088,7 @@
         </p:nvSpPr>
         <p:spPr>
           <a:xfrm>
-            <a:off x="4597125" y="1632399"/>
+            <a:off x="4597125" y="2082654"/>
             <a:ext cx="494734" cy="307777"/>
           </a:xfrm>
           <a:prstGeom prst="rect">
@@ -6788,7 +7126,7 @@
         </p:nvSpPr>
         <p:spPr>
           <a:xfrm rot="5400000">
-            <a:off x="5439130" y="1683849"/>
+            <a:off x="5439130" y="2134104"/>
             <a:ext cx="179370" cy="181212"/>
           </a:xfrm>
           <a:prstGeom prst="triangle">
@@ -6833,7 +7171,7 @@
         </p:nvSpPr>
         <p:spPr>
           <a:xfrm rot="16200000">
-            <a:off x="3923520" y="1684770"/>
+            <a:off x="3923520" y="2135025"/>
             <a:ext cx="180000" cy="180000"/>
           </a:xfrm>
           <a:prstGeom prst="triangle">
@@ -6878,7 +7216,7 @@
         </p:nvSpPr>
         <p:spPr>
           <a:xfrm>
-            <a:off x="5013885" y="1632399"/>
+            <a:off x="5013885" y="2082654"/>
             <a:ext cx="407684" cy="307777"/>
           </a:xfrm>
           <a:prstGeom prst="rect">
@@ -6916,7 +7254,7 @@
         </p:nvSpPr>
         <p:spPr>
           <a:xfrm>
-            <a:off x="993905" y="1630084"/>
+            <a:off x="993905" y="2080339"/>
             <a:ext cx="2623046" cy="307777"/>
           </a:xfrm>
           <a:prstGeom prst="rect">
@@ -7010,7 +7348,7 @@
         </p:nvSpPr>
         <p:spPr>
           <a:xfrm rot="16200000">
-            <a:off x="3596344" y="1684770"/>
+            <a:off x="3596344" y="2135025"/>
             <a:ext cx="180000" cy="180000"/>
           </a:xfrm>
           <a:prstGeom prst="triangle">
@@ -7055,7 +7393,7 @@
         </p:nvSpPr>
         <p:spPr>
           <a:xfrm rot="16200000">
-            <a:off x="3693379" y="1684140"/>
+            <a:off x="3693379" y="2134395"/>
             <a:ext cx="180000" cy="180000"/>
           </a:xfrm>
           <a:prstGeom prst="triangle">
@@ -7100,7 +7438,7 @@
         </p:nvSpPr>
         <p:spPr>
           <a:xfrm rot="5400000">
-            <a:off x="5764549" y="1684479"/>
+            <a:off x="5764549" y="2134734"/>
             <a:ext cx="179370" cy="181212"/>
           </a:xfrm>
           <a:prstGeom prst="triangle">
@@ -7145,7 +7483,7 @@
         </p:nvSpPr>
         <p:spPr>
           <a:xfrm rot="5400000">
-            <a:off x="5673943" y="1684479"/>
+            <a:off x="5673943" y="2134734"/>
             <a:ext cx="179370" cy="181212"/>
           </a:xfrm>
           <a:prstGeom prst="triangle">
@@ -7699,222 +8037,740 @@
           </a:fontRef>
         </p:style>
       </p:cxnSp>
+      <p:cxnSp>
+        <p:nvCxnSpPr>
+          <p:cNvPr id="50" name="直線コネクタ 49"/>
+          <p:cNvCxnSpPr/>
+          <p:nvPr/>
+        </p:nvCxnSpPr>
+        <p:spPr>
+          <a:xfrm>
+            <a:off x="923931" y="2034307"/>
+            <a:ext cx="7250251" cy="0"/>
+          </a:xfrm>
+          <a:prstGeom prst="line">
+            <a:avLst/>
+          </a:prstGeom>
+          <a:ln>
+            <a:solidFill>
+              <a:schemeClr val="bg1">
+                <a:lumMod val="65000"/>
+              </a:schemeClr>
+            </a:solidFill>
+          </a:ln>
+          <a:effectLst/>
+        </p:spPr>
+        <p:style>
+          <a:lnRef idx="2">
+            <a:schemeClr val="accent1"/>
+          </a:lnRef>
+          <a:fillRef idx="0">
+            <a:schemeClr val="accent1"/>
+          </a:fillRef>
+          <a:effectRef idx="1">
+            <a:schemeClr val="accent1"/>
+          </a:effectRef>
+          <a:fontRef idx="minor">
+            <a:schemeClr val="tx1"/>
+          </a:fontRef>
+        </p:style>
+      </p:cxnSp>
+      <p:sp>
+        <p:nvSpPr>
+          <p:cNvPr id="51" name="テキスト ボックス 50"/>
+          <p:cNvSpPr txBox="1"/>
+          <p:nvPr/>
+        </p:nvSpPr>
+        <p:spPr>
+          <a:xfrm>
+            <a:off x="890993" y="1659566"/>
+            <a:ext cx="646331" cy="276999"/>
+          </a:xfrm>
+          <a:prstGeom prst="rect">
+            <a:avLst/>
+          </a:prstGeom>
+          <a:noFill/>
+        </p:spPr>
+        <p:txBody>
+          <a:bodyPr wrap="none" rtlCol="0">
+            <a:spAutoFit/>
+          </a:bodyPr>
+          <a:lstStyle/>
+          <a:p>
+            <a:r>
+              <a:rPr kumimoji="1" lang="ja-JP" altLang="en-US" sz="1200" dirty="0" smtClean="0">
+                <a:latin typeface="メイリオ"/>
+                <a:ea typeface="メイリオ"/>
+                <a:cs typeface="メイリオ"/>
+              </a:rPr>
+              <a:t>日付：</a:t>
+            </a:r>
+            <a:endParaRPr kumimoji="1" lang="ja-JP" altLang="en-US" sz="1200" dirty="0">
+              <a:latin typeface="メイリオ"/>
+              <a:ea typeface="メイリオ"/>
+              <a:cs typeface="メイリオ"/>
+            </a:endParaRPr>
+          </a:p>
+        </p:txBody>
+      </p:sp>
+      <p:sp>
+        <p:nvSpPr>
+          <p:cNvPr id="70" name="角丸四角形 69"/>
+          <p:cNvSpPr/>
+          <p:nvPr/>
+        </p:nvSpPr>
+        <p:spPr>
+          <a:xfrm>
+            <a:off x="1469168" y="1722329"/>
+            <a:ext cx="352321" cy="158766"/>
+          </a:xfrm>
+          <a:prstGeom prst="roundRect">
+            <a:avLst/>
+          </a:prstGeom>
+          <a:noFill/>
+          <a:ln w="25400">
+            <a:solidFill>
+              <a:schemeClr val="tx1"/>
+            </a:solidFill>
+          </a:ln>
+          <a:effectLst/>
+        </p:spPr>
+        <p:style>
+          <a:lnRef idx="1">
+            <a:schemeClr val="accent1"/>
+          </a:lnRef>
+          <a:fillRef idx="3">
+            <a:schemeClr val="accent1"/>
+          </a:fillRef>
+          <a:effectRef idx="2">
+            <a:schemeClr val="accent1"/>
+          </a:effectRef>
+          <a:fontRef idx="minor">
+            <a:schemeClr val="lt1"/>
+          </a:fontRef>
+        </p:style>
+        <p:txBody>
+          <a:bodyPr rtlCol="0" anchor="ctr"/>
+          <a:lstStyle/>
+          <a:p>
+            <a:pPr algn="ctr"/>
+            <a:endParaRPr kumimoji="1" lang="ja-JP" altLang="en-US"/>
+          </a:p>
+        </p:txBody>
+      </p:sp>
+      <p:sp>
+        <p:nvSpPr>
+          <p:cNvPr id="72" name="テキスト ボックス 71"/>
+          <p:cNvSpPr txBox="1"/>
+          <p:nvPr/>
+        </p:nvSpPr>
+        <p:spPr>
+          <a:xfrm>
+            <a:off x="1786644" y="1659566"/>
+            <a:ext cx="338554" cy="276999"/>
+          </a:xfrm>
+          <a:prstGeom prst="rect">
+            <a:avLst/>
+          </a:prstGeom>
+          <a:noFill/>
+        </p:spPr>
+        <p:txBody>
+          <a:bodyPr wrap="none" rtlCol="0">
+            <a:spAutoFit/>
+          </a:bodyPr>
+          <a:lstStyle/>
+          <a:p>
+            <a:r>
+              <a:rPr lang="en-US" altLang="en-US" sz="1200" dirty="0" smtClean="0">
+                <a:latin typeface="メイリオ"/>
+                <a:ea typeface="メイリオ"/>
+                <a:cs typeface="メイリオ"/>
+              </a:rPr>
+              <a:t>〜</a:t>
+            </a:r>
+            <a:endParaRPr kumimoji="1" lang="ja-JP" altLang="en-US" sz="1200" dirty="0">
+              <a:latin typeface="メイリオ"/>
+              <a:ea typeface="メイリオ"/>
+              <a:cs typeface="メイリオ"/>
+            </a:endParaRPr>
+          </a:p>
+        </p:txBody>
+      </p:sp>
+      <p:sp>
+        <p:nvSpPr>
+          <p:cNvPr id="73" name="テキスト ボックス 72"/>
+          <p:cNvSpPr txBox="1"/>
+          <p:nvPr/>
+        </p:nvSpPr>
+        <p:spPr>
+          <a:xfrm>
+            <a:off x="2465123" y="1656944"/>
+            <a:ext cx="646331" cy="276999"/>
+          </a:xfrm>
+          <a:prstGeom prst="rect">
+            <a:avLst/>
+          </a:prstGeom>
+          <a:noFill/>
+        </p:spPr>
+        <p:txBody>
+          <a:bodyPr wrap="none" rtlCol="0">
+            <a:spAutoFit/>
+          </a:bodyPr>
+          <a:lstStyle/>
+          <a:p>
+            <a:r>
+              <a:rPr lang="ja-JP" altLang="en-US" sz="1200" dirty="0" smtClean="0">
+                <a:latin typeface="メイリオ"/>
+                <a:ea typeface="メイリオ"/>
+                <a:cs typeface="メイリオ"/>
+              </a:rPr>
+              <a:t>内容</a:t>
+            </a:r>
+            <a:r>
+              <a:rPr kumimoji="1" lang="ja-JP" altLang="en-US" sz="1200" dirty="0" smtClean="0">
+                <a:latin typeface="メイリオ"/>
+                <a:ea typeface="メイリオ"/>
+                <a:cs typeface="メイリオ"/>
+              </a:rPr>
+              <a:t>：</a:t>
+            </a:r>
+            <a:endParaRPr kumimoji="1" lang="ja-JP" altLang="en-US" sz="1200" dirty="0">
+              <a:latin typeface="メイリオ"/>
+              <a:ea typeface="メイリオ"/>
+              <a:cs typeface="メイリオ"/>
+            </a:endParaRPr>
+          </a:p>
+        </p:txBody>
+      </p:sp>
+      <p:sp>
+        <p:nvSpPr>
+          <p:cNvPr id="74" name="角丸四角形 73"/>
+          <p:cNvSpPr/>
+          <p:nvPr/>
+        </p:nvSpPr>
+        <p:spPr>
+          <a:xfrm>
+            <a:off x="3034657" y="1720187"/>
+            <a:ext cx="797002" cy="165946"/>
+          </a:xfrm>
+          <a:prstGeom prst="roundRect">
+            <a:avLst/>
+          </a:prstGeom>
+          <a:noFill/>
+          <a:ln w="25400">
+            <a:solidFill>
+              <a:schemeClr val="tx1"/>
+            </a:solidFill>
+          </a:ln>
+          <a:effectLst/>
+        </p:spPr>
+        <p:style>
+          <a:lnRef idx="1">
+            <a:schemeClr val="accent1"/>
+          </a:lnRef>
+          <a:fillRef idx="3">
+            <a:schemeClr val="accent1"/>
+          </a:fillRef>
+          <a:effectRef idx="2">
+            <a:schemeClr val="accent1"/>
+          </a:effectRef>
+          <a:fontRef idx="minor">
+            <a:schemeClr val="lt1"/>
+          </a:fontRef>
+        </p:style>
+        <p:txBody>
+          <a:bodyPr rtlCol="0" anchor="ctr"/>
+          <a:lstStyle/>
+          <a:p>
+            <a:pPr algn="ctr"/>
+            <a:endParaRPr kumimoji="1" lang="ja-JP" altLang="en-US"/>
+          </a:p>
+        </p:txBody>
+      </p:sp>
+      <p:sp>
+        <p:nvSpPr>
+          <p:cNvPr id="76" name="角丸四角形 75"/>
+          <p:cNvSpPr/>
+          <p:nvPr/>
+        </p:nvSpPr>
+        <p:spPr>
+          <a:xfrm>
+            <a:off x="3877789" y="1722410"/>
+            <a:ext cx="602185" cy="165865"/>
+          </a:xfrm>
+          <a:prstGeom prst="roundRect">
+            <a:avLst/>
+          </a:prstGeom>
+          <a:noFill/>
+          <a:ln w="25400">
+            <a:solidFill>
+              <a:schemeClr val="tx1"/>
+            </a:solidFill>
+          </a:ln>
+          <a:effectLst/>
+        </p:spPr>
+        <p:style>
+          <a:lnRef idx="1">
+            <a:schemeClr val="accent1"/>
+          </a:lnRef>
+          <a:fillRef idx="3">
+            <a:schemeClr val="accent1"/>
+          </a:fillRef>
+          <a:effectRef idx="2">
+            <a:schemeClr val="accent1"/>
+          </a:effectRef>
+          <a:fontRef idx="minor">
+            <a:schemeClr val="lt1"/>
+          </a:fontRef>
+        </p:style>
+        <p:txBody>
+          <a:bodyPr rtlCol="0" anchor="ctr"/>
+          <a:lstStyle/>
+          <a:p>
+            <a:r>
+              <a:rPr kumimoji="1" lang="ja-JP" altLang="en-US" sz="800" dirty="0" smtClean="0">
+                <a:solidFill>
+                  <a:schemeClr val="tx1"/>
+                </a:solidFill>
+                <a:latin typeface="メイリオ"/>
+                <a:ea typeface="メイリオ"/>
+                <a:cs typeface="メイリオ"/>
+              </a:rPr>
+              <a:t>を含む</a:t>
+            </a:r>
+            <a:endParaRPr kumimoji="1" lang="ja-JP" altLang="en-US" sz="800" dirty="0">
+              <a:solidFill>
+                <a:schemeClr val="tx1"/>
+              </a:solidFill>
+              <a:latin typeface="メイリオ"/>
+              <a:ea typeface="メイリオ"/>
+              <a:cs typeface="メイリオ"/>
+            </a:endParaRPr>
+          </a:p>
+        </p:txBody>
+      </p:sp>
+      <p:sp>
+        <p:nvSpPr>
+          <p:cNvPr id="2" name="二等辺三角形 1"/>
+          <p:cNvSpPr/>
+          <p:nvPr/>
+        </p:nvSpPr>
+        <p:spPr>
+          <a:xfrm rot="10800000">
+            <a:off x="4322286" y="1761549"/>
+            <a:ext cx="108000" cy="108000"/>
+          </a:xfrm>
+          <a:prstGeom prst="triangle">
+            <a:avLst/>
+          </a:prstGeom>
+          <a:solidFill>
+            <a:schemeClr val="tx1"/>
+          </a:solidFill>
+          <a:ln>
+            <a:noFill/>
+          </a:ln>
+          <a:effectLst/>
+        </p:spPr>
+        <p:style>
+          <a:lnRef idx="1">
+            <a:schemeClr val="accent1"/>
+          </a:lnRef>
+          <a:fillRef idx="3">
+            <a:schemeClr val="accent1"/>
+          </a:fillRef>
+          <a:effectRef idx="2">
+            <a:schemeClr val="accent1"/>
+          </a:effectRef>
+          <a:fontRef idx="minor">
+            <a:schemeClr val="lt1"/>
+          </a:fontRef>
+        </p:style>
+        <p:txBody>
+          <a:bodyPr rtlCol="0" anchor="ctr"/>
+          <a:lstStyle/>
+          <a:p>
+            <a:pPr algn="ctr"/>
+            <a:endParaRPr kumimoji="1" lang="ja-JP" altLang="en-US"/>
+          </a:p>
+        </p:txBody>
+      </p:sp>
+      <p:sp>
+        <p:nvSpPr>
+          <p:cNvPr id="77" name="テキスト ボックス 76"/>
+          <p:cNvSpPr txBox="1"/>
+          <p:nvPr/>
+        </p:nvSpPr>
+        <p:spPr>
+          <a:xfrm>
+            <a:off x="4494298" y="1660170"/>
+            <a:ext cx="954107" cy="276999"/>
+          </a:xfrm>
+          <a:prstGeom prst="rect">
+            <a:avLst/>
+          </a:prstGeom>
+          <a:noFill/>
+        </p:spPr>
+        <p:txBody>
+          <a:bodyPr wrap="none" rtlCol="0">
+            <a:spAutoFit/>
+          </a:bodyPr>
+          <a:lstStyle/>
+          <a:p>
+            <a:r>
+              <a:rPr lang="ja-JP" altLang="en-US" sz="1200" dirty="0" smtClean="0">
+                <a:latin typeface="メイリオ"/>
+                <a:ea typeface="メイリオ"/>
+                <a:cs typeface="メイリオ"/>
+              </a:rPr>
+              <a:t>カテゴリ</a:t>
+            </a:r>
+            <a:r>
+              <a:rPr kumimoji="1" lang="ja-JP" altLang="en-US" sz="1200" dirty="0" smtClean="0">
+                <a:latin typeface="メイリオ"/>
+                <a:ea typeface="メイリオ"/>
+                <a:cs typeface="メイリオ"/>
+              </a:rPr>
+              <a:t>：</a:t>
+            </a:r>
+            <a:endParaRPr kumimoji="1" lang="ja-JP" altLang="en-US" sz="1200" dirty="0">
+              <a:latin typeface="メイリオ"/>
+              <a:ea typeface="メイリオ"/>
+              <a:cs typeface="メイリオ"/>
+            </a:endParaRPr>
+          </a:p>
+        </p:txBody>
+      </p:sp>
+      <p:sp>
+        <p:nvSpPr>
+          <p:cNvPr id="78" name="角丸四角形 77"/>
+          <p:cNvSpPr/>
+          <p:nvPr/>
+        </p:nvSpPr>
+        <p:spPr>
+          <a:xfrm>
+            <a:off x="5370510" y="1715149"/>
+            <a:ext cx="560480" cy="165946"/>
+          </a:xfrm>
+          <a:prstGeom prst="roundRect">
+            <a:avLst/>
+          </a:prstGeom>
+          <a:noFill/>
+          <a:ln w="25400">
+            <a:solidFill>
+              <a:schemeClr val="tx1"/>
+            </a:solidFill>
+          </a:ln>
+          <a:effectLst/>
+        </p:spPr>
+        <p:style>
+          <a:lnRef idx="1">
+            <a:schemeClr val="accent1"/>
+          </a:lnRef>
+          <a:fillRef idx="3">
+            <a:schemeClr val="accent1"/>
+          </a:fillRef>
+          <a:effectRef idx="2">
+            <a:schemeClr val="accent1"/>
+          </a:effectRef>
+          <a:fontRef idx="minor">
+            <a:schemeClr val="lt1"/>
+          </a:fontRef>
+        </p:style>
+        <p:txBody>
+          <a:bodyPr rtlCol="0" anchor="ctr"/>
+          <a:lstStyle/>
+          <a:p>
+            <a:pPr algn="ctr"/>
+            <a:endParaRPr kumimoji="1" lang="ja-JP" altLang="en-US"/>
+          </a:p>
+        </p:txBody>
+      </p:sp>
+      <p:sp>
+        <p:nvSpPr>
+          <p:cNvPr id="79" name="テキスト ボックス 78"/>
+          <p:cNvSpPr txBox="1"/>
+          <p:nvPr/>
+        </p:nvSpPr>
+        <p:spPr>
+          <a:xfrm>
+            <a:off x="5949540" y="1649229"/>
+            <a:ext cx="646331" cy="276999"/>
+          </a:xfrm>
+          <a:prstGeom prst="rect">
+            <a:avLst/>
+          </a:prstGeom>
+          <a:noFill/>
+        </p:spPr>
+        <p:txBody>
+          <a:bodyPr wrap="none" rtlCol="0">
+            <a:spAutoFit/>
+          </a:bodyPr>
+          <a:lstStyle/>
+          <a:p>
+            <a:r>
+              <a:rPr lang="ja-JP" altLang="en-US" sz="1200" dirty="0" smtClean="0">
+                <a:latin typeface="メイリオ"/>
+                <a:ea typeface="メイリオ"/>
+                <a:cs typeface="メイリオ"/>
+              </a:rPr>
+              <a:t>金額</a:t>
+            </a:r>
+            <a:r>
+              <a:rPr kumimoji="1" lang="ja-JP" altLang="en-US" sz="1200" dirty="0" smtClean="0">
+                <a:latin typeface="メイリオ"/>
+                <a:ea typeface="メイリオ"/>
+                <a:cs typeface="メイリオ"/>
+              </a:rPr>
+              <a:t>：</a:t>
+            </a:r>
+            <a:endParaRPr kumimoji="1" lang="ja-JP" altLang="en-US" sz="1200" dirty="0">
+              <a:latin typeface="メイリオ"/>
+              <a:ea typeface="メイリオ"/>
+              <a:cs typeface="メイリオ"/>
+            </a:endParaRPr>
+          </a:p>
+        </p:txBody>
+      </p:sp>
+      <p:sp>
+        <p:nvSpPr>
+          <p:cNvPr id="81" name="角丸四角形 80"/>
+          <p:cNvSpPr/>
+          <p:nvPr/>
+        </p:nvSpPr>
+        <p:spPr>
+          <a:xfrm>
+            <a:off x="2087658" y="1715007"/>
+            <a:ext cx="352321" cy="158766"/>
+          </a:xfrm>
+          <a:prstGeom prst="roundRect">
+            <a:avLst/>
+          </a:prstGeom>
+          <a:noFill/>
+          <a:ln w="25400">
+            <a:solidFill>
+              <a:schemeClr val="tx1"/>
+            </a:solidFill>
+          </a:ln>
+          <a:effectLst/>
+        </p:spPr>
+        <p:style>
+          <a:lnRef idx="1">
+            <a:schemeClr val="accent1"/>
+          </a:lnRef>
+          <a:fillRef idx="3">
+            <a:schemeClr val="accent1"/>
+          </a:fillRef>
+          <a:effectRef idx="2">
+            <a:schemeClr val="accent1"/>
+          </a:effectRef>
+          <a:fontRef idx="minor">
+            <a:schemeClr val="lt1"/>
+          </a:fontRef>
+        </p:style>
+        <p:txBody>
+          <a:bodyPr rtlCol="0" anchor="ctr"/>
+          <a:lstStyle/>
+          <a:p>
+            <a:pPr algn="ctr"/>
+            <a:endParaRPr kumimoji="1" lang="ja-JP" altLang="en-US"/>
+          </a:p>
+        </p:txBody>
+      </p:sp>
+      <p:sp>
+        <p:nvSpPr>
+          <p:cNvPr id="82" name="角丸四角形 81"/>
+          <p:cNvSpPr/>
+          <p:nvPr/>
+        </p:nvSpPr>
+        <p:spPr>
+          <a:xfrm>
+            <a:off x="6513621" y="1723285"/>
+            <a:ext cx="352321" cy="158766"/>
+          </a:xfrm>
+          <a:prstGeom prst="roundRect">
+            <a:avLst/>
+          </a:prstGeom>
+          <a:noFill/>
+          <a:ln w="25400">
+            <a:solidFill>
+              <a:schemeClr val="tx1"/>
+            </a:solidFill>
+          </a:ln>
+          <a:effectLst/>
+        </p:spPr>
+        <p:style>
+          <a:lnRef idx="1">
+            <a:schemeClr val="accent1"/>
+          </a:lnRef>
+          <a:fillRef idx="3">
+            <a:schemeClr val="accent1"/>
+          </a:fillRef>
+          <a:effectRef idx="2">
+            <a:schemeClr val="accent1"/>
+          </a:effectRef>
+          <a:fontRef idx="minor">
+            <a:schemeClr val="lt1"/>
+          </a:fontRef>
+        </p:style>
+        <p:txBody>
+          <a:bodyPr rtlCol="0" anchor="ctr"/>
+          <a:lstStyle/>
+          <a:p>
+            <a:pPr algn="ctr"/>
+            <a:endParaRPr kumimoji="1" lang="ja-JP" altLang="en-US"/>
+          </a:p>
+        </p:txBody>
+      </p:sp>
+      <p:sp>
+        <p:nvSpPr>
+          <p:cNvPr id="83" name="テキスト ボックス 82"/>
+          <p:cNvSpPr txBox="1"/>
+          <p:nvPr/>
+        </p:nvSpPr>
+        <p:spPr>
+          <a:xfrm>
+            <a:off x="6831097" y="1660522"/>
+            <a:ext cx="338554" cy="276999"/>
+          </a:xfrm>
+          <a:prstGeom prst="rect">
+            <a:avLst/>
+          </a:prstGeom>
+          <a:noFill/>
+        </p:spPr>
+        <p:txBody>
+          <a:bodyPr wrap="none" rtlCol="0">
+            <a:spAutoFit/>
+          </a:bodyPr>
+          <a:lstStyle/>
+          <a:p>
+            <a:r>
+              <a:rPr lang="en-US" altLang="en-US" sz="1200" dirty="0" smtClean="0">
+                <a:latin typeface="メイリオ"/>
+                <a:ea typeface="メイリオ"/>
+                <a:cs typeface="メイリオ"/>
+              </a:rPr>
+              <a:t>〜</a:t>
+            </a:r>
+            <a:endParaRPr kumimoji="1" lang="ja-JP" altLang="en-US" sz="1200" dirty="0">
+              <a:latin typeface="メイリオ"/>
+              <a:ea typeface="メイリオ"/>
+              <a:cs typeface="メイリオ"/>
+            </a:endParaRPr>
+          </a:p>
+        </p:txBody>
+      </p:sp>
+      <p:sp>
+        <p:nvSpPr>
+          <p:cNvPr id="84" name="角丸四角形 83"/>
+          <p:cNvSpPr/>
+          <p:nvPr/>
+        </p:nvSpPr>
+        <p:spPr>
+          <a:xfrm>
+            <a:off x="7132111" y="1715963"/>
+            <a:ext cx="352321" cy="158766"/>
+          </a:xfrm>
+          <a:prstGeom prst="roundRect">
+            <a:avLst/>
+          </a:prstGeom>
+          <a:noFill/>
+          <a:ln w="25400">
+            <a:solidFill>
+              <a:schemeClr val="tx1"/>
+            </a:solidFill>
+          </a:ln>
+          <a:effectLst/>
+        </p:spPr>
+        <p:style>
+          <a:lnRef idx="1">
+            <a:schemeClr val="accent1"/>
+          </a:lnRef>
+          <a:fillRef idx="3">
+            <a:schemeClr val="accent1"/>
+          </a:fillRef>
+          <a:effectRef idx="2">
+            <a:schemeClr val="accent1"/>
+          </a:effectRef>
+          <a:fontRef idx="minor">
+            <a:schemeClr val="lt1"/>
+          </a:fontRef>
+        </p:style>
+        <p:txBody>
+          <a:bodyPr rtlCol="0" anchor="ctr"/>
+          <a:lstStyle/>
+          <a:p>
+            <a:pPr algn="ctr"/>
+            <a:endParaRPr kumimoji="1" lang="ja-JP" altLang="en-US"/>
+          </a:p>
+        </p:txBody>
+      </p:sp>
+      <p:sp>
+        <p:nvSpPr>
+          <p:cNvPr id="85" name="角丸四角形 84"/>
+          <p:cNvSpPr/>
+          <p:nvPr/>
+        </p:nvSpPr>
+        <p:spPr>
+          <a:xfrm>
+            <a:off x="7553038" y="1639397"/>
+            <a:ext cx="550589" cy="299213"/>
+          </a:xfrm>
+          <a:prstGeom prst="roundRect">
+            <a:avLst/>
+          </a:prstGeom>
+          <a:noFill/>
+          <a:ln w="25400">
+            <a:solidFill>
+              <a:schemeClr val="tx1"/>
+            </a:solidFill>
+          </a:ln>
+          <a:effectLst/>
+        </p:spPr>
+        <p:style>
+          <a:lnRef idx="1">
+            <a:schemeClr val="accent1"/>
+          </a:lnRef>
+          <a:fillRef idx="3">
+            <a:schemeClr val="accent1"/>
+          </a:fillRef>
+          <a:effectRef idx="2">
+            <a:schemeClr val="accent1"/>
+          </a:effectRef>
+          <a:fontRef idx="minor">
+            <a:schemeClr val="lt1"/>
+          </a:fontRef>
+        </p:style>
+        <p:txBody>
+          <a:bodyPr rtlCol="0" anchor="ctr"/>
+          <a:lstStyle/>
+          <a:p>
+            <a:pPr algn="ctr"/>
+            <a:r>
+              <a:rPr lang="ja-JP" altLang="en-US" sz="1200" dirty="0" smtClean="0">
+                <a:solidFill>
+                  <a:schemeClr val="tx1"/>
+                </a:solidFill>
+                <a:latin typeface="メイリオ"/>
+                <a:ea typeface="メイリオ"/>
+                <a:cs typeface="メイリオ"/>
+              </a:rPr>
+              <a:t>検索</a:t>
+            </a:r>
+            <a:endParaRPr kumimoji="1" lang="ja-JP" altLang="en-US" sz="1200" dirty="0">
+              <a:solidFill>
+                <a:schemeClr val="tx1"/>
+              </a:solidFill>
+              <a:latin typeface="メイリオ"/>
+              <a:ea typeface="メイリオ"/>
+              <a:cs typeface="メイリオ"/>
+            </a:endParaRPr>
+          </a:p>
+        </p:txBody>
+      </p:sp>
     </p:spTree>
     <p:extLst>
       <p:ext uri="{BB962C8B-B14F-4D97-AF65-F5344CB8AC3E}">
         <p14:creationId xmlns:p14="http://schemas.microsoft.com/office/powerpoint/2010/main" val="376941403"/>
-      </p:ext>
-    </p:extLst>
-  </p:cSld>
-  <p:clrMapOvr>
-    <a:masterClrMapping/>
-  </p:clrMapOvr>
-</p:sld>
-</file>
-
-<file path=ppt/slides/slide5.xml><?xml version="1.0" encoding="utf-8"?>
-<p:sld xmlns:a="http://schemas.openxmlformats.org/drawingml/2006/main" xmlns:r="http://schemas.openxmlformats.org/officeDocument/2006/relationships" xmlns:p="http://schemas.openxmlformats.org/presentationml/2006/main">
-  <p:cSld>
-    <p:spTree>
-      <p:nvGrpSpPr>
-        <p:cNvPr id="1" name=""/>
-        <p:cNvGrpSpPr/>
-        <p:nvPr/>
-      </p:nvGrpSpPr>
-      <p:grpSpPr>
-        <a:xfrm>
-          <a:off x="0" y="0"/>
-          <a:ext cx="0" cy="0"/>
-          <a:chOff x="0" y="0"/>
-          <a:chExt cx="0" cy="0"/>
-        </a:xfrm>
-      </p:grpSpPr>
-      <p:sp>
-        <p:nvSpPr>
-          <p:cNvPr id="4" name="テキスト ボックス 3"/>
-          <p:cNvSpPr txBox="1"/>
-          <p:nvPr/>
-        </p:nvSpPr>
-        <p:spPr>
-          <a:xfrm>
-            <a:off x="200532" y="187161"/>
-            <a:ext cx="4852610" cy="523220"/>
-          </a:xfrm>
-          <a:prstGeom prst="rect">
-            <a:avLst/>
-          </a:prstGeom>
-          <a:noFill/>
-        </p:spPr>
-        <p:txBody>
-          <a:bodyPr wrap="none" rtlCol="0">
-            <a:spAutoFit/>
-          </a:bodyPr>
-          <a:lstStyle/>
-          <a:p>
-            <a:r>
-              <a:rPr lang="ja-JP" altLang="en-US" sz="2800" dirty="0" smtClean="0">
-                <a:latin typeface="メイリオ"/>
-                <a:ea typeface="メイリオ"/>
-                <a:cs typeface="メイリオ"/>
-              </a:rPr>
-              <a:t>管理画面（カレンダー表示）</a:t>
-            </a:r>
-            <a:endParaRPr kumimoji="1" lang="ja-JP" altLang="en-US" sz="2000" dirty="0">
-              <a:latin typeface="メイリオ"/>
-              <a:ea typeface="メイリオ"/>
-              <a:cs typeface="メイリオ"/>
-            </a:endParaRPr>
-          </a:p>
-        </p:txBody>
-      </p:sp>
-      <p:grpSp>
-        <p:nvGrpSpPr>
-          <p:cNvPr id="8" name="図形グループ 7"/>
-          <p:cNvGrpSpPr/>
-          <p:nvPr/>
-        </p:nvGrpSpPr>
-        <p:grpSpPr>
-          <a:xfrm>
-            <a:off x="450272" y="803189"/>
-            <a:ext cx="7666183" cy="5128055"/>
-            <a:chOff x="450272" y="803189"/>
-            <a:chExt cx="7666183" cy="5128055"/>
-          </a:xfrm>
-        </p:grpSpPr>
-        <p:pic>
-          <p:nvPicPr>
-            <p:cNvPr id="5" name="図 4" descr="スクリーンショット（0029-08-05 8.47.25）.png"/>
-            <p:cNvPicPr>
-              <a:picLocks noChangeAspect="1"/>
-            </p:cNvPicPr>
-            <p:nvPr/>
-          </p:nvPicPr>
-          <p:blipFill>
-            <a:blip r:embed="rId3">
-              <a:extLst>
-                <a:ext uri="{28A0092B-C50C-407E-A947-70E740481C1C}">
-                  <a14:useLocalDpi xmlns:a14="http://schemas.microsoft.com/office/drawing/2010/main" val="0"/>
-                </a:ext>
-              </a:extLst>
-            </a:blip>
-            <a:stretch>
-              <a:fillRect/>
-            </a:stretch>
-          </p:blipFill>
-          <p:spPr>
-            <a:xfrm>
-              <a:off x="450272" y="803189"/>
-              <a:ext cx="7666183" cy="5128055"/>
-            </a:xfrm>
-            <a:prstGeom prst="rect">
-              <a:avLst/>
-            </a:prstGeom>
-          </p:spPr>
-        </p:pic>
-        <p:grpSp>
-          <p:nvGrpSpPr>
-            <p:cNvPr id="7" name="図形グループ 6"/>
-            <p:cNvGrpSpPr/>
-            <p:nvPr/>
-          </p:nvGrpSpPr>
-          <p:grpSpPr>
-            <a:xfrm>
-              <a:off x="2708050" y="2078179"/>
-              <a:ext cx="2637496" cy="3127449"/>
-              <a:chOff x="2904322" y="2297543"/>
-              <a:chExt cx="2637496" cy="3127449"/>
-            </a:xfrm>
-          </p:grpSpPr>
-          <p:pic>
-            <p:nvPicPr>
-              <p:cNvPr id="3" name="図 2" descr="スクリーンショット（0029-08-05 8.37.51）.png"/>
-              <p:cNvPicPr>
-                <a:picLocks noChangeAspect="1"/>
-              </p:cNvPicPr>
-              <p:nvPr/>
-            </p:nvPicPr>
-            <p:blipFill>
-              <a:blip r:embed="rId4">
-                <a:extLst>
-                  <a:ext uri="{28A0092B-C50C-407E-A947-70E740481C1C}">
-                    <a14:useLocalDpi xmlns:a14="http://schemas.microsoft.com/office/drawing/2010/main" val="0"/>
-                  </a:ext>
-                </a:extLst>
-              </a:blip>
-              <a:stretch>
-                <a:fillRect/>
-              </a:stretch>
-            </p:blipFill>
-            <p:spPr>
-              <a:xfrm>
-                <a:off x="2904322" y="2424539"/>
-                <a:ext cx="2637496" cy="3000453"/>
-              </a:xfrm>
-              <a:prstGeom prst="rect">
-                <a:avLst/>
-              </a:prstGeom>
-              <a:effectLst>
-                <a:outerShdw blurRad="50800" dist="38100" dir="2700000" algn="tl" rotWithShape="0">
-                  <a:srgbClr val="000000">
-                    <a:alpha val="43000"/>
-                  </a:srgbClr>
-                </a:outerShdw>
-              </a:effectLst>
-            </p:spPr>
-          </p:pic>
-          <p:sp>
-            <p:nvSpPr>
-              <p:cNvPr id="6" name="二等辺三角形 5"/>
-              <p:cNvSpPr/>
-              <p:nvPr/>
-            </p:nvSpPr>
-            <p:spPr>
-              <a:xfrm>
-                <a:off x="3048000" y="2297543"/>
-                <a:ext cx="311727" cy="138541"/>
-              </a:xfrm>
-              <a:prstGeom prst="triangle">
-                <a:avLst/>
-              </a:prstGeom>
-              <a:solidFill>
-                <a:schemeClr val="bg1"/>
-              </a:solidFill>
-              <a:ln>
-                <a:solidFill>
-                  <a:schemeClr val="bg1"/>
-                </a:solidFill>
-              </a:ln>
-              <a:effectLst/>
-            </p:spPr>
-            <p:style>
-              <a:lnRef idx="1">
-                <a:schemeClr val="accent1"/>
-              </a:lnRef>
-              <a:fillRef idx="3">
-                <a:schemeClr val="accent1"/>
-              </a:fillRef>
-              <a:effectRef idx="2">
-                <a:schemeClr val="accent1"/>
-              </a:effectRef>
-              <a:fontRef idx="minor">
-                <a:schemeClr val="lt1"/>
-              </a:fontRef>
-            </p:style>
-            <p:txBody>
-              <a:bodyPr rtlCol="0" anchor="ctr"/>
-              <a:lstStyle/>
-              <a:p>
-                <a:pPr algn="ctr"/>
-                <a:endParaRPr kumimoji="1" lang="ja-JP" altLang="en-US"/>
-              </a:p>
-            </p:txBody>
-          </p:sp>
-        </p:grpSp>
-      </p:grpSp>
-    </p:spTree>
-    <p:extLst>
-      <p:ext uri="{BB962C8B-B14F-4D97-AF65-F5344CB8AC3E}">
-        <p14:creationId xmlns:p14="http://schemas.microsoft.com/office/powerpoint/2010/main" val="3659710789"/>
       </p:ext>
     </p:extLst>
   </p:cSld>
@@ -7941,6 +8797,36 @@
           <a:chExt cx="0" cy="0"/>
         </a:xfrm>
       </p:grpSpPr>
+      <p:pic>
+        <p:nvPicPr>
+          <p:cNvPr id="9" name="図 8" descr="スクリーンショット（0029-09-16 14.40.30）.png"/>
+          <p:cNvPicPr>
+            <a:picLocks noChangeAspect="1"/>
+          </p:cNvPicPr>
+          <p:nvPr/>
+        </p:nvPicPr>
+        <p:blipFill>
+          <a:blip r:embed="rId3">
+            <a:extLst>
+              <a:ext uri="{28A0092B-C50C-407E-A947-70E740481C1C}">
+                <a14:useLocalDpi xmlns:a14="http://schemas.microsoft.com/office/drawing/2010/main" val="0"/>
+              </a:ext>
+            </a:extLst>
+          </a:blip>
+          <a:stretch>
+            <a:fillRect/>
+          </a:stretch>
+        </p:blipFill>
+        <p:spPr>
+          <a:xfrm>
+            <a:off x="636154" y="946719"/>
+            <a:ext cx="6856846" cy="5220949"/>
+          </a:xfrm>
+          <a:prstGeom prst="rect">
+            <a:avLst/>
+          </a:prstGeom>
+        </p:spPr>
+      </p:pic>
       <p:sp>
         <p:nvSpPr>
           <p:cNvPr id="4" name="テキスト ボックス 3"/>
@@ -7950,7 +8836,7 @@
         <p:spPr>
           <a:xfrm>
             <a:off x="200532" y="187161"/>
-            <a:ext cx="4493538" cy="523220"/>
+            <a:ext cx="4852610" cy="523220"/>
           </a:xfrm>
           <a:prstGeom prst="rect">
             <a:avLst/>
@@ -7969,31 +8855,7 @@
                 <a:ea typeface="メイリオ"/>
                 <a:cs typeface="メイリオ"/>
               </a:rPr>
-              <a:t>管理画面</a:t>
-            </a:r>
-            <a:r>
-              <a:rPr lang="ja-JP" altLang="en-US" sz="2800" dirty="0" smtClean="0">
-                <a:latin typeface="メイリオ"/>
-                <a:ea typeface="メイリオ"/>
-                <a:cs typeface="メイリオ"/>
-              </a:rPr>
-              <a:t>（</a:t>
-            </a:r>
-            <a:r>
-              <a:rPr lang="ja-JP" altLang="en-US" sz="2800" dirty="0" smtClean="0">
-                <a:latin typeface="メイリオ"/>
-                <a:ea typeface="メイリオ"/>
-                <a:cs typeface="メイリオ"/>
-              </a:rPr>
-              <a:t>カテゴリ選択</a:t>
-            </a:r>
-            <a:r>
-              <a:rPr lang="ja-JP" altLang="en-US" sz="2800" dirty="0" smtClean="0">
-                <a:latin typeface="メイリオ"/>
-                <a:ea typeface="メイリオ"/>
-                <a:cs typeface="メイリオ"/>
-              </a:rPr>
-              <a:t>）</a:t>
+              <a:t>管理画面（カレンダー表示）</a:t>
             </a:r>
             <a:endParaRPr kumimoji="1" lang="ja-JP" altLang="en-US" sz="2000" dirty="0">
               <a:latin typeface="メイリオ"/>
@@ -8003,23 +8865,190 @@
           </a:p>
         </p:txBody>
       </p:sp>
+      <p:grpSp>
+        <p:nvGrpSpPr>
+          <p:cNvPr id="7" name="図形グループ 6"/>
+          <p:cNvGrpSpPr/>
+          <p:nvPr/>
+        </p:nvGrpSpPr>
+        <p:grpSpPr>
+          <a:xfrm>
+            <a:off x="3634252" y="2551542"/>
+            <a:ext cx="2637496" cy="3127449"/>
+            <a:chOff x="2904322" y="2297543"/>
+            <a:chExt cx="2637496" cy="3127449"/>
+          </a:xfrm>
+        </p:grpSpPr>
+        <p:pic>
+          <p:nvPicPr>
+            <p:cNvPr id="3" name="図 2" descr="スクリーンショット（0029-08-05 8.37.51）.png"/>
+            <p:cNvPicPr>
+              <a:picLocks noChangeAspect="1"/>
+            </p:cNvPicPr>
+            <p:nvPr/>
+          </p:nvPicPr>
+          <p:blipFill>
+            <a:blip r:embed="rId4">
+              <a:extLst>
+                <a:ext uri="{28A0092B-C50C-407E-A947-70E740481C1C}">
+                  <a14:useLocalDpi xmlns:a14="http://schemas.microsoft.com/office/drawing/2010/main" val="0"/>
+                </a:ext>
+              </a:extLst>
+            </a:blip>
+            <a:stretch>
+              <a:fillRect/>
+            </a:stretch>
+          </p:blipFill>
+          <p:spPr>
+            <a:xfrm>
+              <a:off x="2904322" y="2424539"/>
+              <a:ext cx="2637496" cy="3000453"/>
+            </a:xfrm>
+            <a:prstGeom prst="rect">
+              <a:avLst/>
+            </a:prstGeom>
+            <a:effectLst>
+              <a:outerShdw blurRad="50800" dist="38100" dir="2700000" algn="tl" rotWithShape="0">
+                <a:srgbClr val="000000">
+                  <a:alpha val="43000"/>
+                </a:srgbClr>
+              </a:outerShdw>
+            </a:effectLst>
+          </p:spPr>
+        </p:pic>
+        <p:sp>
+          <p:nvSpPr>
+            <p:cNvPr id="6" name="二等辺三角形 5"/>
+            <p:cNvSpPr/>
+            <p:nvPr/>
+          </p:nvSpPr>
+          <p:spPr>
+            <a:xfrm>
+              <a:off x="3048000" y="2297543"/>
+              <a:ext cx="311727" cy="138541"/>
+            </a:xfrm>
+            <a:prstGeom prst="triangle">
+              <a:avLst/>
+            </a:prstGeom>
+            <a:solidFill>
+              <a:schemeClr val="bg1"/>
+            </a:solidFill>
+            <a:ln>
+              <a:solidFill>
+                <a:schemeClr val="bg1"/>
+              </a:solidFill>
+            </a:ln>
+            <a:effectLst/>
+          </p:spPr>
+          <p:style>
+            <a:lnRef idx="1">
+              <a:schemeClr val="accent1"/>
+            </a:lnRef>
+            <a:fillRef idx="3">
+              <a:schemeClr val="accent1"/>
+            </a:fillRef>
+            <a:effectRef idx="2">
+              <a:schemeClr val="accent1"/>
+            </a:effectRef>
+            <a:fontRef idx="minor">
+              <a:schemeClr val="lt1"/>
+            </a:fontRef>
+          </p:style>
+          <p:txBody>
+            <a:bodyPr rtlCol="0" anchor="ctr"/>
+            <a:lstStyle/>
+            <a:p>
+              <a:pPr algn="ctr"/>
+              <a:endParaRPr kumimoji="1" lang="ja-JP" altLang="en-US"/>
+            </a:p>
+          </p:txBody>
+        </p:sp>
+      </p:grpSp>
+    </p:spTree>
+    <p:extLst>
+      <p:ext uri="{BB962C8B-B14F-4D97-AF65-F5344CB8AC3E}">
+        <p14:creationId xmlns:p14="http://schemas.microsoft.com/office/powerpoint/2010/main" val="3659710789"/>
+      </p:ext>
+    </p:extLst>
+  </p:cSld>
+  <p:clrMapOvr>
+    <a:masterClrMapping/>
+  </p:clrMapOvr>
+</p:sld>
+</file>
+
+<file path=ppt/slides/slide7.xml><?xml version="1.0" encoding="utf-8"?>
+<p:sld xmlns:a="http://schemas.openxmlformats.org/drawingml/2006/main" xmlns:r="http://schemas.openxmlformats.org/officeDocument/2006/relationships" xmlns:p="http://schemas.openxmlformats.org/presentationml/2006/main">
+  <p:cSld>
+    <p:spTree>
+      <p:nvGrpSpPr>
+        <p:cNvPr id="1" name=""/>
+        <p:cNvGrpSpPr/>
+        <p:nvPr/>
+      </p:nvGrpSpPr>
+      <p:grpSpPr>
+        <a:xfrm>
+          <a:off x="0" y="0"/>
+          <a:ext cx="0" cy="0"/>
+          <a:chOff x="0" y="0"/>
+          <a:chExt cx="0" cy="0"/>
+        </a:xfrm>
+      </p:grpSpPr>
+      <p:sp>
+        <p:nvSpPr>
+          <p:cNvPr id="4" name="テキスト ボックス 3"/>
+          <p:cNvSpPr txBox="1"/>
+          <p:nvPr/>
+        </p:nvSpPr>
+        <p:spPr>
+          <a:xfrm>
+            <a:off x="200532" y="187161"/>
+            <a:ext cx="4493538" cy="523220"/>
+          </a:xfrm>
+          <a:prstGeom prst="rect">
+            <a:avLst/>
+          </a:prstGeom>
+          <a:noFill/>
+        </p:spPr>
+        <p:txBody>
+          <a:bodyPr wrap="none" rtlCol="0">
+            <a:spAutoFit/>
+          </a:bodyPr>
+          <a:lstStyle/>
+          <a:p>
+            <a:r>
+              <a:rPr lang="ja-JP" altLang="en-US" sz="2800" dirty="0" smtClean="0">
+                <a:latin typeface="メイリオ"/>
+                <a:ea typeface="メイリオ"/>
+                <a:cs typeface="メイリオ"/>
+              </a:rPr>
+              <a:t>管理画面（カテゴリ選択）</a:t>
+            </a:r>
+            <a:endParaRPr kumimoji="1" lang="ja-JP" altLang="en-US" sz="2000" dirty="0">
+              <a:latin typeface="メイリオ"/>
+              <a:ea typeface="メイリオ"/>
+              <a:cs typeface="メイリオ"/>
+            </a:endParaRPr>
+          </a:p>
+        </p:txBody>
+      </p:sp>
       <p:graphicFrame>
         <p:nvGraphicFramePr>
-          <p:cNvPr id="43" name="表 42"/>
+          <p:cNvPr id="82" name="表 81"/>
           <p:cNvGraphicFramePr>
             <a:graphicFrameLocks noGrp="1"/>
           </p:cNvGraphicFramePr>
           <p:nvPr>
             <p:extLst>
               <p:ext uri="{D42A27DB-BD31-4B8C-83A1-F6EECF244321}">
-                <p14:modId xmlns:p14="http://schemas.microsoft.com/office/powerpoint/2010/main" val="1986830259"/>
+                <p14:modId xmlns:p14="http://schemas.microsoft.com/office/powerpoint/2010/main" val="3183742681"/>
               </p:ext>
             </p:extLst>
           </p:nvPr>
         </p:nvGraphicFramePr>
         <p:xfrm>
-          <a:off x="993905" y="2031998"/>
-          <a:ext cx="6891640" cy="4248728"/>
+          <a:off x="993905" y="2447618"/>
+          <a:ext cx="6891640" cy="3862480"/>
         </p:xfrm>
         <a:graphic>
           <a:graphicData uri="http://schemas.openxmlformats.org/drawingml/2006/table">
@@ -8118,48 +9147,6 @@
                         <a:ea typeface="メイリオ"/>
                         <a:cs typeface="メイリオ"/>
                       </a:endParaRPr>
-                    </a:p>
-                  </a:txBody>
-                  <a:tcPr/>
-                </a:tc>
-              </a:tr>
-              <a:tr h="386248">
-                <a:tc>
-                  <a:txBody>
-                    <a:bodyPr/>
-                    <a:lstStyle/>
-                    <a:p>
-                      <a:endParaRPr kumimoji="1" lang="ja-JP" altLang="en-US"/>
-                    </a:p>
-                  </a:txBody>
-                  <a:tcPr/>
-                </a:tc>
-                <a:tc>
-                  <a:txBody>
-                    <a:bodyPr/>
-                    <a:lstStyle/>
-                    <a:p>
-                      <a:endParaRPr kumimoji="1" lang="ja-JP" altLang="en-US"/>
-                    </a:p>
-                  </a:txBody>
-                  <a:tcPr/>
-                </a:tc>
-                <a:tc>
-                  <a:txBody>
-                    <a:bodyPr/>
-                    <a:lstStyle/>
-                    <a:p>
-                      <a:endParaRPr kumimoji="1" lang="ja-JP" altLang="en-US"/>
-                    </a:p>
-                  </a:txBody>
-                  <a:tcPr/>
-                </a:tc>
-                <a:tc>
-                  <a:txBody>
-                    <a:bodyPr/>
-                    <a:lstStyle/>
-                    <a:p>
-                      <a:endParaRPr kumimoji="1" lang="ja-JP" altLang="en-US" dirty="0"/>
                     </a:p>
                   </a:txBody>
                   <a:tcPr/>
@@ -8549,7 +9536,7 @@
       </p:graphicFrame>
       <p:sp>
         <p:nvSpPr>
-          <p:cNvPr id="44" name="正方形/長方形 43"/>
+          <p:cNvPr id="83" name="正方形/長方形 82"/>
           <p:cNvSpPr/>
           <p:nvPr/>
         </p:nvSpPr>
@@ -8601,7 +9588,7 @@
       </p:sp>
       <p:sp>
         <p:nvSpPr>
-          <p:cNvPr id="45" name="角丸四角形 44"/>
+          <p:cNvPr id="84" name="角丸四角形 83"/>
           <p:cNvSpPr/>
           <p:nvPr/>
         </p:nvSpPr>
@@ -8646,7 +9633,7 @@
       </p:sp>
       <p:sp>
         <p:nvSpPr>
-          <p:cNvPr id="46" name="テキスト ボックス 45"/>
+          <p:cNvPr id="85" name="テキスト ボックス 84"/>
           <p:cNvSpPr txBox="1"/>
           <p:nvPr/>
         </p:nvSpPr>
@@ -8684,7 +9671,7 @@
       </p:sp>
       <p:sp>
         <p:nvSpPr>
-          <p:cNvPr id="47" name="角丸四角形 46"/>
+          <p:cNvPr id="86" name="角丸四角形 85"/>
           <p:cNvSpPr/>
           <p:nvPr/>
         </p:nvSpPr>
@@ -8729,7 +9716,7 @@
       </p:sp>
       <p:sp>
         <p:nvSpPr>
-          <p:cNvPr id="48" name="テキスト ボックス 47"/>
+          <p:cNvPr id="87" name="テキスト ボックス 86"/>
           <p:cNvSpPr txBox="1"/>
           <p:nvPr/>
         </p:nvSpPr>
@@ -8775,7 +9762,7 @@
       </p:sp>
       <p:sp>
         <p:nvSpPr>
-          <p:cNvPr id="49" name="角丸四角形 48"/>
+          <p:cNvPr id="88" name="角丸四角形 87"/>
           <p:cNvSpPr/>
           <p:nvPr/>
         </p:nvSpPr>
@@ -8820,7 +9807,7 @@
       </p:sp>
       <p:sp>
         <p:nvSpPr>
-          <p:cNvPr id="50" name="テキスト ボックス 49"/>
+          <p:cNvPr id="89" name="テキスト ボックス 88"/>
           <p:cNvSpPr txBox="1"/>
           <p:nvPr/>
         </p:nvSpPr>
@@ -8866,7 +9853,7 @@
       </p:sp>
       <p:sp>
         <p:nvSpPr>
-          <p:cNvPr id="51" name="角丸四角形 50"/>
+          <p:cNvPr id="90" name="角丸四角形 89"/>
           <p:cNvSpPr/>
           <p:nvPr/>
         </p:nvSpPr>
@@ -8911,7 +9898,7 @@
       </p:sp>
       <p:sp>
         <p:nvSpPr>
-          <p:cNvPr id="52" name="テキスト ボックス 51"/>
+          <p:cNvPr id="91" name="テキスト ボックス 90"/>
           <p:cNvSpPr txBox="1"/>
           <p:nvPr/>
         </p:nvSpPr>
@@ -8957,7 +9944,7 @@
       </p:sp>
       <p:sp>
         <p:nvSpPr>
-          <p:cNvPr id="53" name="角丸四角形 52"/>
+          <p:cNvPr id="92" name="角丸四角形 91"/>
           <p:cNvSpPr/>
           <p:nvPr/>
         </p:nvSpPr>
@@ -9020,7 +10007,7 @@
       </p:sp>
       <p:cxnSp>
         <p:nvCxnSpPr>
-          <p:cNvPr id="54" name="直線コネクタ 53"/>
+          <p:cNvPr id="93" name="直線コネクタ 92"/>
           <p:cNvCxnSpPr/>
           <p:nvPr/>
         </p:nvCxnSpPr>
@@ -9058,13 +10045,13 @@
       </p:cxnSp>
       <p:sp>
         <p:nvSpPr>
-          <p:cNvPr id="55" name="テキスト ボックス 54"/>
+          <p:cNvPr id="94" name="テキスト ボックス 93"/>
           <p:cNvSpPr txBox="1"/>
           <p:nvPr/>
         </p:nvSpPr>
         <p:spPr>
           <a:xfrm>
-            <a:off x="4124211" y="1630084"/>
+            <a:off x="4124211" y="2080339"/>
             <a:ext cx="296175" cy="307777"/>
           </a:xfrm>
           <a:prstGeom prst="rect">
@@ -9096,13 +10083,13 @@
       </p:sp>
       <p:sp>
         <p:nvSpPr>
-          <p:cNvPr id="56" name="テキスト ボックス 55"/>
+          <p:cNvPr id="95" name="テキスト ボックス 94"/>
           <p:cNvSpPr txBox="1"/>
           <p:nvPr/>
         </p:nvSpPr>
         <p:spPr>
           <a:xfrm>
-            <a:off x="4356158" y="1632399"/>
+            <a:off x="4356158" y="2082654"/>
             <a:ext cx="296175" cy="307777"/>
           </a:xfrm>
           <a:prstGeom prst="rect">
@@ -9134,13 +10121,13 @@
       </p:sp>
       <p:sp>
         <p:nvSpPr>
-          <p:cNvPr id="57" name="テキスト ボックス 56"/>
+          <p:cNvPr id="96" name="テキスト ボックス 95"/>
           <p:cNvSpPr txBox="1"/>
           <p:nvPr/>
         </p:nvSpPr>
         <p:spPr>
           <a:xfrm>
-            <a:off x="4597125" y="1632399"/>
+            <a:off x="4597125" y="2082654"/>
             <a:ext cx="494734" cy="307777"/>
           </a:xfrm>
           <a:prstGeom prst="rect">
@@ -9172,13 +10159,13 @@
       </p:sp>
       <p:sp>
         <p:nvSpPr>
-          <p:cNvPr id="58" name="二等辺三角形 57"/>
+          <p:cNvPr id="97" name="二等辺三角形 96"/>
           <p:cNvSpPr/>
           <p:nvPr/>
         </p:nvSpPr>
         <p:spPr>
           <a:xfrm rot="5400000">
-            <a:off x="5439130" y="1683849"/>
+            <a:off x="5439130" y="2134104"/>
             <a:ext cx="179370" cy="181212"/>
           </a:xfrm>
           <a:prstGeom prst="triangle">
@@ -9217,13 +10204,13 @@
       </p:sp>
       <p:sp>
         <p:nvSpPr>
-          <p:cNvPr id="59" name="二等辺三角形 58"/>
+          <p:cNvPr id="98" name="二等辺三角形 97"/>
           <p:cNvSpPr/>
           <p:nvPr/>
         </p:nvSpPr>
         <p:spPr>
           <a:xfrm rot="16200000">
-            <a:off x="3923520" y="1684770"/>
+            <a:off x="3923520" y="2135025"/>
             <a:ext cx="180000" cy="180000"/>
           </a:xfrm>
           <a:prstGeom prst="triangle">
@@ -9262,13 +10249,13 @@
       </p:sp>
       <p:sp>
         <p:nvSpPr>
-          <p:cNvPr id="60" name="テキスト ボックス 59"/>
+          <p:cNvPr id="99" name="テキスト ボックス 98"/>
           <p:cNvSpPr txBox="1"/>
           <p:nvPr/>
         </p:nvSpPr>
         <p:spPr>
           <a:xfrm>
-            <a:off x="5013885" y="1632399"/>
+            <a:off x="5013885" y="2082654"/>
             <a:ext cx="407684" cy="307777"/>
           </a:xfrm>
           <a:prstGeom prst="rect">
@@ -9300,13 +10287,13 @@
       </p:sp>
       <p:sp>
         <p:nvSpPr>
-          <p:cNvPr id="61" name="テキスト ボックス 60"/>
+          <p:cNvPr id="100" name="テキスト ボックス 99"/>
           <p:cNvSpPr txBox="1"/>
           <p:nvPr/>
         </p:nvSpPr>
         <p:spPr>
           <a:xfrm>
-            <a:off x="993905" y="1630084"/>
+            <a:off x="993905" y="2080339"/>
             <a:ext cx="2623046" cy="307777"/>
           </a:xfrm>
           <a:prstGeom prst="rect">
@@ -9394,13 +10381,13 @@
       </p:sp>
       <p:sp>
         <p:nvSpPr>
-          <p:cNvPr id="62" name="二等辺三角形 61"/>
+          <p:cNvPr id="101" name="二等辺三角形 100"/>
           <p:cNvSpPr/>
           <p:nvPr/>
         </p:nvSpPr>
         <p:spPr>
           <a:xfrm rot="16200000">
-            <a:off x="3596344" y="1684770"/>
+            <a:off x="3596344" y="2135025"/>
             <a:ext cx="180000" cy="180000"/>
           </a:xfrm>
           <a:prstGeom prst="triangle">
@@ -9439,13 +10426,13 @@
       </p:sp>
       <p:sp>
         <p:nvSpPr>
-          <p:cNvPr id="63" name="二等辺三角形 62"/>
+          <p:cNvPr id="102" name="二等辺三角形 101"/>
           <p:cNvSpPr/>
           <p:nvPr/>
         </p:nvSpPr>
         <p:spPr>
           <a:xfrm rot="16200000">
-            <a:off x="3693379" y="1684140"/>
+            <a:off x="3693379" y="2134395"/>
             <a:ext cx="180000" cy="180000"/>
           </a:xfrm>
           <a:prstGeom prst="triangle">
@@ -9484,13 +10471,13 @@
       </p:sp>
       <p:sp>
         <p:nvSpPr>
-          <p:cNvPr id="64" name="二等辺三角形 63"/>
+          <p:cNvPr id="103" name="二等辺三角形 102"/>
           <p:cNvSpPr/>
           <p:nvPr/>
         </p:nvSpPr>
         <p:spPr>
           <a:xfrm rot="5400000">
-            <a:off x="5764549" y="1684479"/>
+            <a:off x="5764549" y="2134734"/>
             <a:ext cx="179370" cy="181212"/>
           </a:xfrm>
           <a:prstGeom prst="triangle">
@@ -9529,13 +10516,13 @@
       </p:sp>
       <p:sp>
         <p:nvSpPr>
-          <p:cNvPr id="65" name="二等辺三角形 64"/>
+          <p:cNvPr id="104" name="二等辺三角形 103"/>
           <p:cNvSpPr/>
           <p:nvPr/>
         </p:nvSpPr>
         <p:spPr>
           <a:xfrm rot="5400000">
-            <a:off x="5673943" y="1684479"/>
+            <a:off x="5673943" y="2134734"/>
             <a:ext cx="179370" cy="181212"/>
           </a:xfrm>
           <a:prstGeom prst="triangle">
@@ -9574,7 +10561,7 @@
       </p:sp>
       <p:sp>
         <p:nvSpPr>
-          <p:cNvPr id="66" name="角丸四角形 65"/>
+          <p:cNvPr id="105" name="角丸四角形 104"/>
           <p:cNvSpPr/>
           <p:nvPr/>
         </p:nvSpPr>
@@ -9637,7 +10624,7 @@
       </p:sp>
       <p:pic>
         <p:nvPicPr>
-          <p:cNvPr id="67" name="図 66" descr="trash.png"/>
+          <p:cNvPr id="106" name="図 105" descr="trash.png"/>
           <p:cNvPicPr>
             <a:picLocks noChangeAspect="1"/>
           </p:cNvPicPr>
@@ -9667,7 +10654,7 @@
       </p:pic>
       <p:pic>
         <p:nvPicPr>
-          <p:cNvPr id="68" name="図 67" descr="trash.png"/>
+          <p:cNvPr id="107" name="図 106" descr="trash.png"/>
           <p:cNvPicPr>
             <a:picLocks noChangeAspect="1"/>
           </p:cNvPicPr>
@@ -9697,7 +10684,7 @@
       </p:pic>
       <p:pic>
         <p:nvPicPr>
-          <p:cNvPr id="69" name="図 68" descr="trash.png"/>
+          <p:cNvPr id="108" name="図 107" descr="trash.png"/>
           <p:cNvPicPr>
             <a:picLocks noChangeAspect="1"/>
           </p:cNvPicPr>
@@ -9727,7 +10714,7 @@
       </p:pic>
       <p:pic>
         <p:nvPicPr>
-          <p:cNvPr id="70" name="図 69" descr="trash.png"/>
+          <p:cNvPr id="109" name="図 108" descr="trash.png"/>
           <p:cNvPicPr>
             <a:picLocks noChangeAspect="1"/>
           </p:cNvPicPr>
@@ -9757,7 +10744,7 @@
       </p:pic>
       <p:pic>
         <p:nvPicPr>
-          <p:cNvPr id="71" name="図 70" descr="trash.png"/>
+          <p:cNvPr id="110" name="図 109" descr="trash.png"/>
           <p:cNvPicPr>
             <a:picLocks noChangeAspect="1"/>
           </p:cNvPicPr>
@@ -9787,7 +10774,7 @@
       </p:pic>
       <p:pic>
         <p:nvPicPr>
-          <p:cNvPr id="72" name="図 71" descr="trash.png"/>
+          <p:cNvPr id="111" name="図 110" descr="trash.png"/>
           <p:cNvPicPr>
             <a:picLocks noChangeAspect="1"/>
           </p:cNvPicPr>
@@ -9817,7 +10804,7 @@
       </p:pic>
       <p:pic>
         <p:nvPicPr>
-          <p:cNvPr id="73" name="図 72" descr="trash.png"/>
+          <p:cNvPr id="112" name="図 111" descr="trash.png"/>
           <p:cNvPicPr>
             <a:picLocks noChangeAspect="1"/>
           </p:cNvPicPr>
@@ -9847,7 +10834,7 @@
       </p:pic>
       <p:pic>
         <p:nvPicPr>
-          <p:cNvPr id="74" name="図 73" descr="trash.png"/>
+          <p:cNvPr id="113" name="図 112" descr="trash.png"/>
           <p:cNvPicPr>
             <a:picLocks noChangeAspect="1"/>
           </p:cNvPicPr>
@@ -9877,7 +10864,7 @@
       </p:pic>
       <p:pic>
         <p:nvPicPr>
-          <p:cNvPr id="75" name="図 74" descr="trash.png"/>
+          <p:cNvPr id="114" name="図 113" descr="trash.png"/>
           <p:cNvPicPr>
             <a:picLocks noChangeAspect="1"/>
           </p:cNvPicPr>
@@ -9907,7 +10894,7 @@
       </p:pic>
       <p:pic>
         <p:nvPicPr>
-          <p:cNvPr id="76" name="図 75" descr="trash.png"/>
+          <p:cNvPr id="115" name="図 114" descr="trash.png"/>
           <p:cNvPicPr>
             <a:picLocks noChangeAspect="1"/>
           </p:cNvPicPr>
@@ -9937,7 +10924,7 @@
       </p:pic>
       <p:sp>
         <p:nvSpPr>
-          <p:cNvPr id="77" name="角丸四角形 76"/>
+          <p:cNvPr id="116" name="角丸四角形 115"/>
           <p:cNvSpPr/>
           <p:nvPr/>
         </p:nvSpPr>
@@ -9986,7 +10973,7 @@
       </p:sp>
       <p:cxnSp>
         <p:nvCxnSpPr>
-          <p:cNvPr id="78" name="直線コネクタ 77"/>
+          <p:cNvPr id="117" name="直線コネクタ 116"/>
           <p:cNvCxnSpPr/>
           <p:nvPr/>
         </p:nvCxnSpPr>
@@ -10021,7 +11008,7 @@
       </p:cxnSp>
       <p:cxnSp>
         <p:nvCxnSpPr>
-          <p:cNvPr id="79" name="直線コネクタ 78"/>
+          <p:cNvPr id="118" name="直線コネクタ 117"/>
           <p:cNvCxnSpPr/>
           <p:nvPr/>
         </p:nvCxnSpPr>
@@ -10056,7 +11043,7 @@
       </p:cxnSp>
       <p:cxnSp>
         <p:nvCxnSpPr>
-          <p:cNvPr id="80" name="直線コネクタ 79"/>
+          <p:cNvPr id="119" name="直線コネクタ 118"/>
           <p:cNvCxnSpPr/>
           <p:nvPr/>
         </p:nvCxnSpPr>
@@ -10089,9 +11076,739 @@
           </a:fontRef>
         </p:style>
       </p:cxnSp>
-      <p:sp>
-        <p:nvSpPr>
-          <p:cNvPr id="81" name="正方形/長方形 80"/>
+      <p:cxnSp>
+        <p:nvCxnSpPr>
+          <p:cNvPr id="120" name="直線コネクタ 119"/>
+          <p:cNvCxnSpPr/>
+          <p:nvPr/>
+        </p:nvCxnSpPr>
+        <p:spPr>
+          <a:xfrm>
+            <a:off x="923931" y="2034307"/>
+            <a:ext cx="7250251" cy="0"/>
+          </a:xfrm>
+          <a:prstGeom prst="line">
+            <a:avLst/>
+          </a:prstGeom>
+          <a:ln>
+            <a:solidFill>
+              <a:schemeClr val="bg1">
+                <a:lumMod val="65000"/>
+              </a:schemeClr>
+            </a:solidFill>
+          </a:ln>
+          <a:effectLst/>
+        </p:spPr>
+        <p:style>
+          <a:lnRef idx="2">
+            <a:schemeClr val="accent1"/>
+          </a:lnRef>
+          <a:fillRef idx="0">
+            <a:schemeClr val="accent1"/>
+          </a:fillRef>
+          <a:effectRef idx="1">
+            <a:schemeClr val="accent1"/>
+          </a:effectRef>
+          <a:fontRef idx="minor">
+            <a:schemeClr val="tx1"/>
+          </a:fontRef>
+        </p:style>
+      </p:cxnSp>
+      <p:sp>
+        <p:nvSpPr>
+          <p:cNvPr id="121" name="テキスト ボックス 120"/>
+          <p:cNvSpPr txBox="1"/>
+          <p:nvPr/>
+        </p:nvSpPr>
+        <p:spPr>
+          <a:xfrm>
+            <a:off x="890993" y="1659566"/>
+            <a:ext cx="646331" cy="276999"/>
+          </a:xfrm>
+          <a:prstGeom prst="rect">
+            <a:avLst/>
+          </a:prstGeom>
+          <a:noFill/>
+        </p:spPr>
+        <p:txBody>
+          <a:bodyPr wrap="none" rtlCol="0">
+            <a:spAutoFit/>
+          </a:bodyPr>
+          <a:lstStyle/>
+          <a:p>
+            <a:r>
+              <a:rPr kumimoji="1" lang="ja-JP" altLang="en-US" sz="1200" dirty="0" smtClean="0">
+                <a:latin typeface="メイリオ"/>
+                <a:ea typeface="メイリオ"/>
+                <a:cs typeface="メイリオ"/>
+              </a:rPr>
+              <a:t>日付：</a:t>
+            </a:r>
+            <a:endParaRPr kumimoji="1" lang="ja-JP" altLang="en-US" sz="1200" dirty="0">
+              <a:latin typeface="メイリオ"/>
+              <a:ea typeface="メイリオ"/>
+              <a:cs typeface="メイリオ"/>
+            </a:endParaRPr>
+          </a:p>
+        </p:txBody>
+      </p:sp>
+      <p:sp>
+        <p:nvSpPr>
+          <p:cNvPr id="122" name="角丸四角形 121"/>
+          <p:cNvSpPr/>
+          <p:nvPr/>
+        </p:nvSpPr>
+        <p:spPr>
+          <a:xfrm>
+            <a:off x="1469168" y="1722329"/>
+            <a:ext cx="352321" cy="158766"/>
+          </a:xfrm>
+          <a:prstGeom prst="roundRect">
+            <a:avLst/>
+          </a:prstGeom>
+          <a:noFill/>
+          <a:ln w="25400">
+            <a:solidFill>
+              <a:schemeClr val="tx1"/>
+            </a:solidFill>
+          </a:ln>
+          <a:effectLst/>
+        </p:spPr>
+        <p:style>
+          <a:lnRef idx="1">
+            <a:schemeClr val="accent1"/>
+          </a:lnRef>
+          <a:fillRef idx="3">
+            <a:schemeClr val="accent1"/>
+          </a:fillRef>
+          <a:effectRef idx="2">
+            <a:schemeClr val="accent1"/>
+          </a:effectRef>
+          <a:fontRef idx="minor">
+            <a:schemeClr val="lt1"/>
+          </a:fontRef>
+        </p:style>
+        <p:txBody>
+          <a:bodyPr rtlCol="0" anchor="ctr"/>
+          <a:lstStyle/>
+          <a:p>
+            <a:pPr algn="ctr"/>
+            <a:endParaRPr kumimoji="1" lang="ja-JP" altLang="en-US"/>
+          </a:p>
+        </p:txBody>
+      </p:sp>
+      <p:sp>
+        <p:nvSpPr>
+          <p:cNvPr id="123" name="テキスト ボックス 122"/>
+          <p:cNvSpPr txBox="1"/>
+          <p:nvPr/>
+        </p:nvSpPr>
+        <p:spPr>
+          <a:xfrm>
+            <a:off x="1786644" y="1659566"/>
+            <a:ext cx="338554" cy="276999"/>
+          </a:xfrm>
+          <a:prstGeom prst="rect">
+            <a:avLst/>
+          </a:prstGeom>
+          <a:noFill/>
+        </p:spPr>
+        <p:txBody>
+          <a:bodyPr wrap="none" rtlCol="0">
+            <a:spAutoFit/>
+          </a:bodyPr>
+          <a:lstStyle/>
+          <a:p>
+            <a:r>
+              <a:rPr lang="en-US" altLang="en-US" sz="1200" dirty="0" smtClean="0">
+                <a:latin typeface="メイリオ"/>
+                <a:ea typeface="メイリオ"/>
+                <a:cs typeface="メイリオ"/>
+              </a:rPr>
+              <a:t>〜</a:t>
+            </a:r>
+            <a:endParaRPr kumimoji="1" lang="ja-JP" altLang="en-US" sz="1200" dirty="0">
+              <a:latin typeface="メイリオ"/>
+              <a:ea typeface="メイリオ"/>
+              <a:cs typeface="メイリオ"/>
+            </a:endParaRPr>
+          </a:p>
+        </p:txBody>
+      </p:sp>
+      <p:sp>
+        <p:nvSpPr>
+          <p:cNvPr id="124" name="テキスト ボックス 123"/>
+          <p:cNvSpPr txBox="1"/>
+          <p:nvPr/>
+        </p:nvSpPr>
+        <p:spPr>
+          <a:xfrm>
+            <a:off x="2465123" y="1656944"/>
+            <a:ext cx="646331" cy="276999"/>
+          </a:xfrm>
+          <a:prstGeom prst="rect">
+            <a:avLst/>
+          </a:prstGeom>
+          <a:noFill/>
+        </p:spPr>
+        <p:txBody>
+          <a:bodyPr wrap="none" rtlCol="0">
+            <a:spAutoFit/>
+          </a:bodyPr>
+          <a:lstStyle/>
+          <a:p>
+            <a:r>
+              <a:rPr lang="ja-JP" altLang="en-US" sz="1200" dirty="0" smtClean="0">
+                <a:latin typeface="メイリオ"/>
+                <a:ea typeface="メイリオ"/>
+                <a:cs typeface="メイリオ"/>
+              </a:rPr>
+              <a:t>内容</a:t>
+            </a:r>
+            <a:r>
+              <a:rPr kumimoji="1" lang="ja-JP" altLang="en-US" sz="1200" dirty="0" smtClean="0">
+                <a:latin typeface="メイリオ"/>
+                <a:ea typeface="メイリオ"/>
+                <a:cs typeface="メイリオ"/>
+              </a:rPr>
+              <a:t>：</a:t>
+            </a:r>
+            <a:endParaRPr kumimoji="1" lang="ja-JP" altLang="en-US" sz="1200" dirty="0">
+              <a:latin typeface="メイリオ"/>
+              <a:ea typeface="メイリオ"/>
+              <a:cs typeface="メイリオ"/>
+            </a:endParaRPr>
+          </a:p>
+        </p:txBody>
+      </p:sp>
+      <p:sp>
+        <p:nvSpPr>
+          <p:cNvPr id="125" name="角丸四角形 124"/>
+          <p:cNvSpPr/>
+          <p:nvPr/>
+        </p:nvSpPr>
+        <p:spPr>
+          <a:xfrm>
+            <a:off x="3034657" y="1720187"/>
+            <a:ext cx="797002" cy="165946"/>
+          </a:xfrm>
+          <a:prstGeom prst="roundRect">
+            <a:avLst/>
+          </a:prstGeom>
+          <a:noFill/>
+          <a:ln w="25400">
+            <a:solidFill>
+              <a:schemeClr val="tx1"/>
+            </a:solidFill>
+          </a:ln>
+          <a:effectLst/>
+        </p:spPr>
+        <p:style>
+          <a:lnRef idx="1">
+            <a:schemeClr val="accent1"/>
+          </a:lnRef>
+          <a:fillRef idx="3">
+            <a:schemeClr val="accent1"/>
+          </a:fillRef>
+          <a:effectRef idx="2">
+            <a:schemeClr val="accent1"/>
+          </a:effectRef>
+          <a:fontRef idx="minor">
+            <a:schemeClr val="lt1"/>
+          </a:fontRef>
+        </p:style>
+        <p:txBody>
+          <a:bodyPr rtlCol="0" anchor="ctr"/>
+          <a:lstStyle/>
+          <a:p>
+            <a:pPr algn="ctr"/>
+            <a:endParaRPr kumimoji="1" lang="ja-JP" altLang="en-US"/>
+          </a:p>
+        </p:txBody>
+      </p:sp>
+      <p:sp>
+        <p:nvSpPr>
+          <p:cNvPr id="126" name="角丸四角形 125"/>
+          <p:cNvSpPr/>
+          <p:nvPr/>
+        </p:nvSpPr>
+        <p:spPr>
+          <a:xfrm>
+            <a:off x="3877789" y="1722410"/>
+            <a:ext cx="602185" cy="165865"/>
+          </a:xfrm>
+          <a:prstGeom prst="roundRect">
+            <a:avLst/>
+          </a:prstGeom>
+          <a:noFill/>
+          <a:ln w="25400">
+            <a:solidFill>
+              <a:schemeClr val="tx1"/>
+            </a:solidFill>
+          </a:ln>
+          <a:effectLst/>
+        </p:spPr>
+        <p:style>
+          <a:lnRef idx="1">
+            <a:schemeClr val="accent1"/>
+          </a:lnRef>
+          <a:fillRef idx="3">
+            <a:schemeClr val="accent1"/>
+          </a:fillRef>
+          <a:effectRef idx="2">
+            <a:schemeClr val="accent1"/>
+          </a:effectRef>
+          <a:fontRef idx="minor">
+            <a:schemeClr val="lt1"/>
+          </a:fontRef>
+        </p:style>
+        <p:txBody>
+          <a:bodyPr rtlCol="0" anchor="ctr"/>
+          <a:lstStyle/>
+          <a:p>
+            <a:r>
+              <a:rPr kumimoji="1" lang="ja-JP" altLang="en-US" sz="800" dirty="0" smtClean="0">
+                <a:solidFill>
+                  <a:schemeClr val="tx1"/>
+                </a:solidFill>
+                <a:latin typeface="メイリオ"/>
+                <a:ea typeface="メイリオ"/>
+                <a:cs typeface="メイリオ"/>
+              </a:rPr>
+              <a:t>を含む</a:t>
+            </a:r>
+            <a:endParaRPr kumimoji="1" lang="ja-JP" altLang="en-US" sz="800" dirty="0">
+              <a:solidFill>
+                <a:schemeClr val="tx1"/>
+              </a:solidFill>
+              <a:latin typeface="メイリオ"/>
+              <a:ea typeface="メイリオ"/>
+              <a:cs typeface="メイリオ"/>
+            </a:endParaRPr>
+          </a:p>
+        </p:txBody>
+      </p:sp>
+      <p:sp>
+        <p:nvSpPr>
+          <p:cNvPr id="127" name="二等辺三角形 126"/>
+          <p:cNvSpPr/>
+          <p:nvPr/>
+        </p:nvSpPr>
+        <p:spPr>
+          <a:xfrm rot="10800000">
+            <a:off x="4322286" y="1761549"/>
+            <a:ext cx="108000" cy="108000"/>
+          </a:xfrm>
+          <a:prstGeom prst="triangle">
+            <a:avLst/>
+          </a:prstGeom>
+          <a:solidFill>
+            <a:schemeClr val="tx1"/>
+          </a:solidFill>
+          <a:ln>
+            <a:noFill/>
+          </a:ln>
+          <a:effectLst/>
+        </p:spPr>
+        <p:style>
+          <a:lnRef idx="1">
+            <a:schemeClr val="accent1"/>
+          </a:lnRef>
+          <a:fillRef idx="3">
+            <a:schemeClr val="accent1"/>
+          </a:fillRef>
+          <a:effectRef idx="2">
+            <a:schemeClr val="accent1"/>
+          </a:effectRef>
+          <a:fontRef idx="minor">
+            <a:schemeClr val="lt1"/>
+          </a:fontRef>
+        </p:style>
+        <p:txBody>
+          <a:bodyPr rtlCol="0" anchor="ctr"/>
+          <a:lstStyle/>
+          <a:p>
+            <a:pPr algn="ctr"/>
+            <a:endParaRPr kumimoji="1" lang="ja-JP" altLang="en-US"/>
+          </a:p>
+        </p:txBody>
+      </p:sp>
+      <p:sp>
+        <p:nvSpPr>
+          <p:cNvPr id="128" name="テキスト ボックス 127"/>
+          <p:cNvSpPr txBox="1"/>
+          <p:nvPr/>
+        </p:nvSpPr>
+        <p:spPr>
+          <a:xfrm>
+            <a:off x="4494298" y="1660170"/>
+            <a:ext cx="954107" cy="276999"/>
+          </a:xfrm>
+          <a:prstGeom prst="rect">
+            <a:avLst/>
+          </a:prstGeom>
+          <a:noFill/>
+        </p:spPr>
+        <p:txBody>
+          <a:bodyPr wrap="none" rtlCol="0">
+            <a:spAutoFit/>
+          </a:bodyPr>
+          <a:lstStyle/>
+          <a:p>
+            <a:r>
+              <a:rPr lang="ja-JP" altLang="en-US" sz="1200" dirty="0" smtClean="0">
+                <a:latin typeface="メイリオ"/>
+                <a:ea typeface="メイリオ"/>
+                <a:cs typeface="メイリオ"/>
+              </a:rPr>
+              <a:t>カテゴリ</a:t>
+            </a:r>
+            <a:r>
+              <a:rPr kumimoji="1" lang="ja-JP" altLang="en-US" sz="1200" dirty="0" smtClean="0">
+                <a:latin typeface="メイリオ"/>
+                <a:ea typeface="メイリオ"/>
+                <a:cs typeface="メイリオ"/>
+              </a:rPr>
+              <a:t>：</a:t>
+            </a:r>
+            <a:endParaRPr kumimoji="1" lang="ja-JP" altLang="en-US" sz="1200" dirty="0">
+              <a:latin typeface="メイリオ"/>
+              <a:ea typeface="メイリオ"/>
+              <a:cs typeface="メイリオ"/>
+            </a:endParaRPr>
+          </a:p>
+        </p:txBody>
+      </p:sp>
+      <p:sp>
+        <p:nvSpPr>
+          <p:cNvPr id="129" name="角丸四角形 128"/>
+          <p:cNvSpPr/>
+          <p:nvPr/>
+        </p:nvSpPr>
+        <p:spPr>
+          <a:xfrm>
+            <a:off x="5370510" y="1715149"/>
+            <a:ext cx="560480" cy="165946"/>
+          </a:xfrm>
+          <a:prstGeom prst="roundRect">
+            <a:avLst/>
+          </a:prstGeom>
+          <a:noFill/>
+          <a:ln w="25400">
+            <a:solidFill>
+              <a:schemeClr val="tx1"/>
+            </a:solidFill>
+          </a:ln>
+          <a:effectLst/>
+        </p:spPr>
+        <p:style>
+          <a:lnRef idx="1">
+            <a:schemeClr val="accent1"/>
+          </a:lnRef>
+          <a:fillRef idx="3">
+            <a:schemeClr val="accent1"/>
+          </a:fillRef>
+          <a:effectRef idx="2">
+            <a:schemeClr val="accent1"/>
+          </a:effectRef>
+          <a:fontRef idx="minor">
+            <a:schemeClr val="lt1"/>
+          </a:fontRef>
+        </p:style>
+        <p:txBody>
+          <a:bodyPr rtlCol="0" anchor="ctr"/>
+          <a:lstStyle/>
+          <a:p>
+            <a:pPr algn="ctr"/>
+            <a:endParaRPr kumimoji="1" lang="ja-JP" altLang="en-US"/>
+          </a:p>
+        </p:txBody>
+      </p:sp>
+      <p:sp>
+        <p:nvSpPr>
+          <p:cNvPr id="130" name="テキスト ボックス 129"/>
+          <p:cNvSpPr txBox="1"/>
+          <p:nvPr/>
+        </p:nvSpPr>
+        <p:spPr>
+          <a:xfrm>
+            <a:off x="5949540" y="1649229"/>
+            <a:ext cx="646331" cy="276999"/>
+          </a:xfrm>
+          <a:prstGeom prst="rect">
+            <a:avLst/>
+          </a:prstGeom>
+          <a:noFill/>
+        </p:spPr>
+        <p:txBody>
+          <a:bodyPr wrap="none" rtlCol="0">
+            <a:spAutoFit/>
+          </a:bodyPr>
+          <a:lstStyle/>
+          <a:p>
+            <a:r>
+              <a:rPr lang="ja-JP" altLang="en-US" sz="1200" dirty="0" smtClean="0">
+                <a:latin typeface="メイリオ"/>
+                <a:ea typeface="メイリオ"/>
+                <a:cs typeface="メイリオ"/>
+              </a:rPr>
+              <a:t>金額</a:t>
+            </a:r>
+            <a:r>
+              <a:rPr kumimoji="1" lang="ja-JP" altLang="en-US" sz="1200" dirty="0" smtClean="0">
+                <a:latin typeface="メイリオ"/>
+                <a:ea typeface="メイリオ"/>
+                <a:cs typeface="メイリオ"/>
+              </a:rPr>
+              <a:t>：</a:t>
+            </a:r>
+            <a:endParaRPr kumimoji="1" lang="ja-JP" altLang="en-US" sz="1200" dirty="0">
+              <a:latin typeface="メイリオ"/>
+              <a:ea typeface="メイリオ"/>
+              <a:cs typeface="メイリオ"/>
+            </a:endParaRPr>
+          </a:p>
+        </p:txBody>
+      </p:sp>
+      <p:sp>
+        <p:nvSpPr>
+          <p:cNvPr id="131" name="角丸四角形 130"/>
+          <p:cNvSpPr/>
+          <p:nvPr/>
+        </p:nvSpPr>
+        <p:spPr>
+          <a:xfrm>
+            <a:off x="2087658" y="1715007"/>
+            <a:ext cx="352321" cy="158766"/>
+          </a:xfrm>
+          <a:prstGeom prst="roundRect">
+            <a:avLst/>
+          </a:prstGeom>
+          <a:noFill/>
+          <a:ln w="25400">
+            <a:solidFill>
+              <a:schemeClr val="tx1"/>
+            </a:solidFill>
+          </a:ln>
+          <a:effectLst/>
+        </p:spPr>
+        <p:style>
+          <a:lnRef idx="1">
+            <a:schemeClr val="accent1"/>
+          </a:lnRef>
+          <a:fillRef idx="3">
+            <a:schemeClr val="accent1"/>
+          </a:fillRef>
+          <a:effectRef idx="2">
+            <a:schemeClr val="accent1"/>
+          </a:effectRef>
+          <a:fontRef idx="minor">
+            <a:schemeClr val="lt1"/>
+          </a:fontRef>
+        </p:style>
+        <p:txBody>
+          <a:bodyPr rtlCol="0" anchor="ctr"/>
+          <a:lstStyle/>
+          <a:p>
+            <a:pPr algn="ctr"/>
+            <a:endParaRPr kumimoji="1" lang="ja-JP" altLang="en-US"/>
+          </a:p>
+        </p:txBody>
+      </p:sp>
+      <p:sp>
+        <p:nvSpPr>
+          <p:cNvPr id="132" name="角丸四角形 131"/>
+          <p:cNvSpPr/>
+          <p:nvPr/>
+        </p:nvSpPr>
+        <p:spPr>
+          <a:xfrm>
+            <a:off x="6513621" y="1723285"/>
+            <a:ext cx="352321" cy="158766"/>
+          </a:xfrm>
+          <a:prstGeom prst="roundRect">
+            <a:avLst/>
+          </a:prstGeom>
+          <a:noFill/>
+          <a:ln w="25400">
+            <a:solidFill>
+              <a:schemeClr val="tx1"/>
+            </a:solidFill>
+          </a:ln>
+          <a:effectLst/>
+        </p:spPr>
+        <p:style>
+          <a:lnRef idx="1">
+            <a:schemeClr val="accent1"/>
+          </a:lnRef>
+          <a:fillRef idx="3">
+            <a:schemeClr val="accent1"/>
+          </a:fillRef>
+          <a:effectRef idx="2">
+            <a:schemeClr val="accent1"/>
+          </a:effectRef>
+          <a:fontRef idx="minor">
+            <a:schemeClr val="lt1"/>
+          </a:fontRef>
+        </p:style>
+        <p:txBody>
+          <a:bodyPr rtlCol="0" anchor="ctr"/>
+          <a:lstStyle/>
+          <a:p>
+            <a:pPr algn="ctr"/>
+            <a:endParaRPr kumimoji="1" lang="ja-JP" altLang="en-US"/>
+          </a:p>
+        </p:txBody>
+      </p:sp>
+      <p:sp>
+        <p:nvSpPr>
+          <p:cNvPr id="133" name="テキスト ボックス 132"/>
+          <p:cNvSpPr txBox="1"/>
+          <p:nvPr/>
+        </p:nvSpPr>
+        <p:spPr>
+          <a:xfrm>
+            <a:off x="6831097" y="1660522"/>
+            <a:ext cx="338554" cy="276999"/>
+          </a:xfrm>
+          <a:prstGeom prst="rect">
+            <a:avLst/>
+          </a:prstGeom>
+          <a:noFill/>
+        </p:spPr>
+        <p:txBody>
+          <a:bodyPr wrap="none" rtlCol="0">
+            <a:spAutoFit/>
+          </a:bodyPr>
+          <a:lstStyle/>
+          <a:p>
+            <a:r>
+              <a:rPr lang="en-US" altLang="en-US" sz="1200" dirty="0" smtClean="0">
+                <a:latin typeface="メイリオ"/>
+                <a:ea typeface="メイリオ"/>
+                <a:cs typeface="メイリオ"/>
+              </a:rPr>
+              <a:t>〜</a:t>
+            </a:r>
+            <a:endParaRPr kumimoji="1" lang="ja-JP" altLang="en-US" sz="1200" dirty="0">
+              <a:latin typeface="メイリオ"/>
+              <a:ea typeface="メイリオ"/>
+              <a:cs typeface="メイリオ"/>
+            </a:endParaRPr>
+          </a:p>
+        </p:txBody>
+      </p:sp>
+      <p:sp>
+        <p:nvSpPr>
+          <p:cNvPr id="134" name="角丸四角形 133"/>
+          <p:cNvSpPr/>
+          <p:nvPr/>
+        </p:nvSpPr>
+        <p:spPr>
+          <a:xfrm>
+            <a:off x="7132111" y="1715963"/>
+            <a:ext cx="352321" cy="158766"/>
+          </a:xfrm>
+          <a:prstGeom prst="roundRect">
+            <a:avLst/>
+          </a:prstGeom>
+          <a:noFill/>
+          <a:ln w="25400">
+            <a:solidFill>
+              <a:schemeClr val="tx1"/>
+            </a:solidFill>
+          </a:ln>
+          <a:effectLst/>
+        </p:spPr>
+        <p:style>
+          <a:lnRef idx="1">
+            <a:schemeClr val="accent1"/>
+          </a:lnRef>
+          <a:fillRef idx="3">
+            <a:schemeClr val="accent1"/>
+          </a:fillRef>
+          <a:effectRef idx="2">
+            <a:schemeClr val="accent1"/>
+          </a:effectRef>
+          <a:fontRef idx="minor">
+            <a:schemeClr val="lt1"/>
+          </a:fontRef>
+        </p:style>
+        <p:txBody>
+          <a:bodyPr rtlCol="0" anchor="ctr"/>
+          <a:lstStyle/>
+          <a:p>
+            <a:pPr algn="ctr"/>
+            <a:endParaRPr kumimoji="1" lang="ja-JP" altLang="en-US"/>
+          </a:p>
+        </p:txBody>
+      </p:sp>
+      <p:sp>
+        <p:nvSpPr>
+          <p:cNvPr id="135" name="角丸四角形 134"/>
+          <p:cNvSpPr/>
+          <p:nvPr/>
+        </p:nvSpPr>
+        <p:spPr>
+          <a:xfrm>
+            <a:off x="7553038" y="1639397"/>
+            <a:ext cx="550589" cy="299213"/>
+          </a:xfrm>
+          <a:prstGeom prst="roundRect">
+            <a:avLst/>
+          </a:prstGeom>
+          <a:noFill/>
+          <a:ln w="25400">
+            <a:solidFill>
+              <a:schemeClr val="tx1"/>
+            </a:solidFill>
+          </a:ln>
+          <a:effectLst/>
+        </p:spPr>
+        <p:style>
+          <a:lnRef idx="1">
+            <a:schemeClr val="accent1"/>
+          </a:lnRef>
+          <a:fillRef idx="3">
+            <a:schemeClr val="accent1"/>
+          </a:fillRef>
+          <a:effectRef idx="2">
+            <a:schemeClr val="accent1"/>
+          </a:effectRef>
+          <a:fontRef idx="minor">
+            <a:schemeClr val="lt1"/>
+          </a:fontRef>
+        </p:style>
+        <p:txBody>
+          <a:bodyPr rtlCol="0" anchor="ctr"/>
+          <a:lstStyle/>
+          <a:p>
+            <a:pPr algn="ctr"/>
+            <a:r>
+              <a:rPr lang="ja-JP" altLang="en-US" sz="1200" dirty="0" smtClean="0">
+                <a:solidFill>
+                  <a:schemeClr val="tx1"/>
+                </a:solidFill>
+                <a:latin typeface="メイリオ"/>
+                <a:ea typeface="メイリオ"/>
+                <a:cs typeface="メイリオ"/>
+              </a:rPr>
+              <a:t>検索</a:t>
+            </a:r>
+            <a:endParaRPr kumimoji="1" lang="ja-JP" altLang="en-US" sz="1200" dirty="0">
+              <a:solidFill>
+                <a:schemeClr val="tx1"/>
+              </a:solidFill>
+              <a:latin typeface="メイリオ"/>
+              <a:ea typeface="メイリオ"/>
+              <a:cs typeface="メイリオ"/>
+            </a:endParaRPr>
+          </a:p>
+        </p:txBody>
+      </p:sp>
+      <p:sp>
+        <p:nvSpPr>
+          <p:cNvPr id="136" name="正方形/長方形 135"/>
           <p:cNvSpPr/>
           <p:nvPr/>
         </p:nvSpPr>
@@ -10168,7 +11885,7 @@
         </p:blipFill>
         <p:spPr>
           <a:xfrm>
-            <a:off x="2526390" y="1627906"/>
+            <a:off x="2465123" y="1693157"/>
             <a:ext cx="4251885" cy="1856656"/>
           </a:xfrm>
           <a:prstGeom prst="rect">
@@ -10189,7 +11906,7 @@
 </p:sld>
 </file>
 
-<file path=ppt/slides/slide7.xml><?xml version="1.0" encoding="utf-8"?>
+<file path=ppt/slides/slide8.xml><?xml version="1.0" encoding="utf-8"?>
 <p:sld xmlns:a="http://schemas.openxmlformats.org/drawingml/2006/main" xmlns:r="http://schemas.openxmlformats.org/officeDocument/2006/relationships" xmlns:p="http://schemas.openxmlformats.org/presentationml/2006/main">
   <p:cSld>
     <p:spTree>
@@ -10206,61 +11923,23 @@
           <a:chExt cx="0" cy="0"/>
         </a:xfrm>
       </p:grpSpPr>
-      <p:sp>
-        <p:nvSpPr>
-          <p:cNvPr id="4" name="テキスト ボックス 3"/>
-          <p:cNvSpPr txBox="1"/>
-          <p:nvPr/>
-        </p:nvSpPr>
-        <p:spPr>
-          <a:xfrm>
-            <a:off x="200532" y="187161"/>
-            <a:ext cx="4134465" cy="523220"/>
-          </a:xfrm>
-          <a:prstGeom prst="rect">
-            <a:avLst/>
-          </a:prstGeom>
-          <a:noFill/>
-        </p:spPr>
-        <p:txBody>
-          <a:bodyPr wrap="none" rtlCol="0">
-            <a:spAutoFit/>
-          </a:bodyPr>
-          <a:lstStyle/>
-          <a:p>
-            <a:r>
-              <a:rPr lang="ja-JP" altLang="en-US" sz="2800" dirty="0" smtClean="0">
-                <a:latin typeface="メイリオ"/>
-                <a:ea typeface="メイリオ"/>
-                <a:cs typeface="メイリオ"/>
-              </a:rPr>
-              <a:t>管理画面（登録失敗時）</a:t>
-            </a:r>
-            <a:endParaRPr kumimoji="1" lang="ja-JP" altLang="en-US" sz="2000" dirty="0">
-              <a:latin typeface="メイリオ"/>
-              <a:ea typeface="メイリオ"/>
-              <a:cs typeface="メイリオ"/>
-            </a:endParaRPr>
-          </a:p>
-        </p:txBody>
-      </p:sp>
       <p:graphicFrame>
         <p:nvGraphicFramePr>
-          <p:cNvPr id="46" name="表 45"/>
+          <p:cNvPr id="55" name="表 54"/>
           <p:cNvGraphicFramePr>
             <a:graphicFrameLocks noGrp="1"/>
           </p:cNvGraphicFramePr>
           <p:nvPr>
             <p:extLst>
               <p:ext uri="{D42A27DB-BD31-4B8C-83A1-F6EECF244321}">
-                <p14:modId xmlns:p14="http://schemas.microsoft.com/office/powerpoint/2010/main" val="2536801937"/>
+                <p14:modId xmlns:p14="http://schemas.microsoft.com/office/powerpoint/2010/main" val="1867620562"/>
               </p:ext>
             </p:extLst>
           </p:nvPr>
         </p:nvGraphicFramePr>
         <p:xfrm>
-          <a:off x="993905" y="2031998"/>
-          <a:ext cx="6891640" cy="4248728"/>
+          <a:off x="993905" y="2447618"/>
+          <a:ext cx="6891640" cy="3862480"/>
         </p:xfrm>
         <a:graphic>
           <a:graphicData uri="http://schemas.openxmlformats.org/drawingml/2006/table">
@@ -10359,48 +12038,6 @@
                         <a:ea typeface="メイリオ"/>
                         <a:cs typeface="メイリオ"/>
                       </a:endParaRPr>
-                    </a:p>
-                  </a:txBody>
-                  <a:tcPr/>
-                </a:tc>
-              </a:tr>
-              <a:tr h="386248">
-                <a:tc>
-                  <a:txBody>
-                    <a:bodyPr/>
-                    <a:lstStyle/>
-                    <a:p>
-                      <a:endParaRPr kumimoji="1" lang="ja-JP" altLang="en-US"/>
-                    </a:p>
-                  </a:txBody>
-                  <a:tcPr/>
-                </a:tc>
-                <a:tc>
-                  <a:txBody>
-                    <a:bodyPr/>
-                    <a:lstStyle/>
-                    <a:p>
-                      <a:endParaRPr kumimoji="1" lang="ja-JP" altLang="en-US"/>
-                    </a:p>
-                  </a:txBody>
-                  <a:tcPr/>
-                </a:tc>
-                <a:tc>
-                  <a:txBody>
-                    <a:bodyPr/>
-                    <a:lstStyle/>
-                    <a:p>
-                      <a:endParaRPr kumimoji="1" lang="ja-JP" altLang="en-US"/>
-                    </a:p>
-                  </a:txBody>
-                  <a:tcPr/>
-                </a:tc>
-                <a:tc>
-                  <a:txBody>
-                    <a:bodyPr/>
-                    <a:lstStyle/>
-                    <a:p>
-                      <a:endParaRPr kumimoji="1" lang="ja-JP" altLang="en-US" dirty="0"/>
                     </a:p>
                   </a:txBody>
                   <a:tcPr/>
@@ -10790,7 +12427,7 @@
       </p:graphicFrame>
       <p:sp>
         <p:nvSpPr>
-          <p:cNvPr id="47" name="正方形/長方形 46"/>
+          <p:cNvPr id="64" name="正方形/長方形 63"/>
           <p:cNvSpPr/>
           <p:nvPr/>
         </p:nvSpPr>
@@ -10842,7 +12479,7 @@
       </p:sp>
       <p:sp>
         <p:nvSpPr>
-          <p:cNvPr id="48" name="角丸四角形 47"/>
+          <p:cNvPr id="65" name="角丸四角形 64"/>
           <p:cNvSpPr/>
           <p:nvPr/>
         </p:nvSpPr>
@@ -10887,7 +12524,7 @@
       </p:sp>
       <p:sp>
         <p:nvSpPr>
-          <p:cNvPr id="49" name="テキスト ボックス 48"/>
+          <p:cNvPr id="66" name="テキスト ボックス 65"/>
           <p:cNvSpPr txBox="1"/>
           <p:nvPr/>
         </p:nvSpPr>
@@ -10925,7 +12562,7 @@
       </p:sp>
       <p:sp>
         <p:nvSpPr>
-          <p:cNvPr id="50" name="角丸四角形 49"/>
+          <p:cNvPr id="67" name="角丸四角形 66"/>
           <p:cNvSpPr/>
           <p:nvPr/>
         </p:nvSpPr>
@@ -10970,7 +12607,7 @@
       </p:sp>
       <p:sp>
         <p:nvSpPr>
-          <p:cNvPr id="51" name="テキスト ボックス 50"/>
+          <p:cNvPr id="68" name="テキスト ボックス 67"/>
           <p:cNvSpPr txBox="1"/>
           <p:nvPr/>
         </p:nvSpPr>
@@ -11016,7 +12653,7 @@
       </p:sp>
       <p:sp>
         <p:nvSpPr>
-          <p:cNvPr id="52" name="角丸四角形 51"/>
+          <p:cNvPr id="69" name="角丸四角形 68"/>
           <p:cNvSpPr/>
           <p:nvPr/>
         </p:nvSpPr>
@@ -11061,7 +12698,7 @@
       </p:sp>
       <p:sp>
         <p:nvSpPr>
-          <p:cNvPr id="53" name="テキスト ボックス 52"/>
+          <p:cNvPr id="70" name="テキスト ボックス 69"/>
           <p:cNvSpPr txBox="1"/>
           <p:nvPr/>
         </p:nvSpPr>
@@ -11107,7 +12744,7 @@
       </p:sp>
       <p:sp>
         <p:nvSpPr>
-          <p:cNvPr id="54" name="角丸四角形 53"/>
+          <p:cNvPr id="71" name="角丸四角形 70"/>
           <p:cNvSpPr/>
           <p:nvPr/>
         </p:nvSpPr>
@@ -11152,7 +12789,7 @@
       </p:sp>
       <p:sp>
         <p:nvSpPr>
-          <p:cNvPr id="56" name="テキスト ボックス 55"/>
+          <p:cNvPr id="72" name="テキスト ボックス 71"/>
           <p:cNvSpPr txBox="1"/>
           <p:nvPr/>
         </p:nvSpPr>
@@ -11198,7 +12835,7 @@
       </p:sp>
       <p:sp>
         <p:nvSpPr>
-          <p:cNvPr id="57" name="角丸四角形 56"/>
+          <p:cNvPr id="73" name="角丸四角形 72"/>
           <p:cNvSpPr/>
           <p:nvPr/>
         </p:nvSpPr>
@@ -11261,7 +12898,7 @@
       </p:sp>
       <p:cxnSp>
         <p:nvCxnSpPr>
-          <p:cNvPr id="58" name="直線コネクタ 57"/>
+          <p:cNvPr id="74" name="直線コネクタ 73"/>
           <p:cNvCxnSpPr/>
           <p:nvPr/>
         </p:nvCxnSpPr>
@@ -11299,13 +12936,13 @@
       </p:cxnSp>
       <p:sp>
         <p:nvSpPr>
-          <p:cNvPr id="59" name="テキスト ボックス 58"/>
+          <p:cNvPr id="75" name="テキスト ボックス 74"/>
           <p:cNvSpPr txBox="1"/>
           <p:nvPr/>
         </p:nvSpPr>
         <p:spPr>
           <a:xfrm>
-            <a:off x="4124211" y="1630084"/>
+            <a:off x="4124211" y="2080339"/>
             <a:ext cx="296175" cy="307777"/>
           </a:xfrm>
           <a:prstGeom prst="rect">
@@ -11337,13 +12974,13 @@
       </p:sp>
       <p:sp>
         <p:nvSpPr>
-          <p:cNvPr id="60" name="テキスト ボックス 59"/>
+          <p:cNvPr id="76" name="テキスト ボックス 75"/>
           <p:cNvSpPr txBox="1"/>
           <p:nvPr/>
         </p:nvSpPr>
         <p:spPr>
           <a:xfrm>
-            <a:off x="4356158" y="1632399"/>
+            <a:off x="4356158" y="2082654"/>
             <a:ext cx="296175" cy="307777"/>
           </a:xfrm>
           <a:prstGeom prst="rect">
@@ -11375,13 +13012,13 @@
       </p:sp>
       <p:sp>
         <p:nvSpPr>
-          <p:cNvPr id="61" name="テキスト ボックス 60"/>
+          <p:cNvPr id="77" name="テキスト ボックス 76"/>
           <p:cNvSpPr txBox="1"/>
           <p:nvPr/>
         </p:nvSpPr>
         <p:spPr>
           <a:xfrm>
-            <a:off x="4597125" y="1632399"/>
+            <a:off x="4597125" y="2082654"/>
             <a:ext cx="494734" cy="307777"/>
           </a:xfrm>
           <a:prstGeom prst="rect">
@@ -11413,13 +13050,13 @@
       </p:sp>
       <p:sp>
         <p:nvSpPr>
-          <p:cNvPr id="62" name="二等辺三角形 61"/>
+          <p:cNvPr id="78" name="二等辺三角形 77"/>
           <p:cNvSpPr/>
           <p:nvPr/>
         </p:nvSpPr>
         <p:spPr>
           <a:xfrm rot="5400000">
-            <a:off x="5439130" y="1683849"/>
+            <a:off x="5439130" y="2134104"/>
             <a:ext cx="179370" cy="181212"/>
           </a:xfrm>
           <a:prstGeom prst="triangle">
@@ -11458,13 +13095,13 @@
       </p:sp>
       <p:sp>
         <p:nvSpPr>
-          <p:cNvPr id="63" name="二等辺三角形 62"/>
+          <p:cNvPr id="79" name="二等辺三角形 78"/>
           <p:cNvSpPr/>
           <p:nvPr/>
         </p:nvSpPr>
         <p:spPr>
           <a:xfrm rot="16200000">
-            <a:off x="3923520" y="1684770"/>
+            <a:off x="3923520" y="2135025"/>
             <a:ext cx="180000" cy="180000"/>
           </a:xfrm>
           <a:prstGeom prst="triangle">
@@ -11503,13 +13140,13 @@
       </p:sp>
       <p:sp>
         <p:nvSpPr>
-          <p:cNvPr id="80" name="テキスト ボックス 79"/>
+          <p:cNvPr id="102" name="テキスト ボックス 101"/>
           <p:cNvSpPr txBox="1"/>
           <p:nvPr/>
         </p:nvSpPr>
         <p:spPr>
           <a:xfrm>
-            <a:off x="5013885" y="1632399"/>
+            <a:off x="5013885" y="2082654"/>
             <a:ext cx="407684" cy="307777"/>
           </a:xfrm>
           <a:prstGeom prst="rect">
@@ -11541,13 +13178,13 @@
       </p:sp>
       <p:sp>
         <p:nvSpPr>
-          <p:cNvPr id="81" name="テキスト ボックス 80"/>
+          <p:cNvPr id="103" name="テキスト ボックス 102"/>
           <p:cNvSpPr txBox="1"/>
           <p:nvPr/>
         </p:nvSpPr>
         <p:spPr>
           <a:xfrm>
-            <a:off x="993905" y="1630084"/>
+            <a:off x="993905" y="2080339"/>
             <a:ext cx="2623046" cy="307777"/>
           </a:xfrm>
           <a:prstGeom prst="rect">
@@ -11635,13 +13272,13 @@
       </p:sp>
       <p:sp>
         <p:nvSpPr>
-          <p:cNvPr id="82" name="二等辺三角形 81"/>
+          <p:cNvPr id="104" name="二等辺三角形 103"/>
           <p:cNvSpPr/>
           <p:nvPr/>
         </p:nvSpPr>
         <p:spPr>
           <a:xfrm rot="16200000">
-            <a:off x="3596344" y="1684770"/>
+            <a:off x="3596344" y="2135025"/>
             <a:ext cx="180000" cy="180000"/>
           </a:xfrm>
           <a:prstGeom prst="triangle">
@@ -11680,13 +13317,13 @@
       </p:sp>
       <p:sp>
         <p:nvSpPr>
-          <p:cNvPr id="83" name="二等辺三角形 82"/>
+          <p:cNvPr id="105" name="二等辺三角形 104"/>
           <p:cNvSpPr/>
           <p:nvPr/>
         </p:nvSpPr>
         <p:spPr>
           <a:xfrm rot="16200000">
-            <a:off x="3693379" y="1684140"/>
+            <a:off x="3693379" y="2134395"/>
             <a:ext cx="180000" cy="180000"/>
           </a:xfrm>
           <a:prstGeom prst="triangle">
@@ -11725,13 +13362,13 @@
       </p:sp>
       <p:sp>
         <p:nvSpPr>
-          <p:cNvPr id="84" name="二等辺三角形 83"/>
+          <p:cNvPr id="106" name="二等辺三角形 105"/>
           <p:cNvSpPr/>
           <p:nvPr/>
         </p:nvSpPr>
         <p:spPr>
           <a:xfrm rot="5400000">
-            <a:off x="5764549" y="1684479"/>
+            <a:off x="5764549" y="2134734"/>
             <a:ext cx="179370" cy="181212"/>
           </a:xfrm>
           <a:prstGeom prst="triangle">
@@ -11770,13 +13407,13 @@
       </p:sp>
       <p:sp>
         <p:nvSpPr>
-          <p:cNvPr id="85" name="二等辺三角形 84"/>
+          <p:cNvPr id="107" name="二等辺三角形 106"/>
           <p:cNvSpPr/>
           <p:nvPr/>
         </p:nvSpPr>
         <p:spPr>
           <a:xfrm rot="5400000">
-            <a:off x="5673943" y="1684479"/>
+            <a:off x="5673943" y="2134734"/>
             <a:ext cx="179370" cy="181212"/>
           </a:xfrm>
           <a:prstGeom prst="triangle">
@@ -11815,7 +13452,7 @@
       </p:sp>
       <p:sp>
         <p:nvSpPr>
-          <p:cNvPr id="86" name="角丸四角形 85"/>
+          <p:cNvPr id="108" name="角丸四角形 107"/>
           <p:cNvSpPr/>
           <p:nvPr/>
         </p:nvSpPr>
@@ -11878,7 +13515,7 @@
       </p:sp>
       <p:pic>
         <p:nvPicPr>
-          <p:cNvPr id="87" name="図 86" descr="trash.png"/>
+          <p:cNvPr id="109" name="図 108" descr="trash.png"/>
           <p:cNvPicPr>
             <a:picLocks noChangeAspect="1"/>
           </p:cNvPicPr>
@@ -11908,7 +13545,7 @@
       </p:pic>
       <p:pic>
         <p:nvPicPr>
-          <p:cNvPr id="88" name="図 87" descr="trash.png"/>
+          <p:cNvPr id="110" name="図 109" descr="trash.png"/>
           <p:cNvPicPr>
             <a:picLocks noChangeAspect="1"/>
           </p:cNvPicPr>
@@ -11938,7 +13575,7 @@
       </p:pic>
       <p:pic>
         <p:nvPicPr>
-          <p:cNvPr id="89" name="図 88" descr="trash.png"/>
+          <p:cNvPr id="111" name="図 110" descr="trash.png"/>
           <p:cNvPicPr>
             <a:picLocks noChangeAspect="1"/>
           </p:cNvPicPr>
@@ -11968,7 +13605,7 @@
       </p:pic>
       <p:pic>
         <p:nvPicPr>
-          <p:cNvPr id="90" name="図 89" descr="trash.png"/>
+          <p:cNvPr id="112" name="図 111" descr="trash.png"/>
           <p:cNvPicPr>
             <a:picLocks noChangeAspect="1"/>
           </p:cNvPicPr>
@@ -11998,7 +13635,7 @@
       </p:pic>
       <p:pic>
         <p:nvPicPr>
-          <p:cNvPr id="91" name="図 90" descr="trash.png"/>
+          <p:cNvPr id="113" name="図 112" descr="trash.png"/>
           <p:cNvPicPr>
             <a:picLocks noChangeAspect="1"/>
           </p:cNvPicPr>
@@ -12028,7 +13665,7 @@
       </p:pic>
       <p:pic>
         <p:nvPicPr>
-          <p:cNvPr id="92" name="図 91" descr="trash.png"/>
+          <p:cNvPr id="114" name="図 113" descr="trash.png"/>
           <p:cNvPicPr>
             <a:picLocks noChangeAspect="1"/>
           </p:cNvPicPr>
@@ -12058,7 +13695,7 @@
       </p:pic>
       <p:pic>
         <p:nvPicPr>
-          <p:cNvPr id="93" name="図 92" descr="trash.png"/>
+          <p:cNvPr id="115" name="図 114" descr="trash.png"/>
           <p:cNvPicPr>
             <a:picLocks noChangeAspect="1"/>
           </p:cNvPicPr>
@@ -12088,7 +13725,7 @@
       </p:pic>
       <p:pic>
         <p:nvPicPr>
-          <p:cNvPr id="94" name="図 93" descr="trash.png"/>
+          <p:cNvPr id="116" name="図 115" descr="trash.png"/>
           <p:cNvPicPr>
             <a:picLocks noChangeAspect="1"/>
           </p:cNvPicPr>
@@ -12118,7 +13755,7 @@
       </p:pic>
       <p:pic>
         <p:nvPicPr>
-          <p:cNvPr id="95" name="図 94" descr="trash.png"/>
+          <p:cNvPr id="117" name="図 116" descr="trash.png"/>
           <p:cNvPicPr>
             <a:picLocks noChangeAspect="1"/>
           </p:cNvPicPr>
@@ -12148,7 +13785,7 @@
       </p:pic>
       <p:pic>
         <p:nvPicPr>
-          <p:cNvPr id="96" name="図 95" descr="trash.png"/>
+          <p:cNvPr id="118" name="図 117" descr="trash.png"/>
           <p:cNvPicPr>
             <a:picLocks noChangeAspect="1"/>
           </p:cNvPicPr>
@@ -12178,7 +13815,7 @@
       </p:pic>
       <p:sp>
         <p:nvSpPr>
-          <p:cNvPr id="97" name="角丸四角形 96"/>
+          <p:cNvPr id="119" name="角丸四角形 118"/>
           <p:cNvSpPr/>
           <p:nvPr/>
         </p:nvSpPr>
@@ -12227,7 +13864,7 @@
       </p:sp>
       <p:cxnSp>
         <p:nvCxnSpPr>
-          <p:cNvPr id="98" name="直線コネクタ 97"/>
+          <p:cNvPr id="120" name="直線コネクタ 119"/>
           <p:cNvCxnSpPr/>
           <p:nvPr/>
         </p:nvCxnSpPr>
@@ -12262,7 +13899,7 @@
       </p:cxnSp>
       <p:cxnSp>
         <p:nvCxnSpPr>
-          <p:cNvPr id="99" name="直線コネクタ 98"/>
+          <p:cNvPr id="121" name="直線コネクタ 120"/>
           <p:cNvCxnSpPr/>
           <p:nvPr/>
         </p:nvCxnSpPr>
@@ -12297,7 +13934,7 @@
       </p:cxnSp>
       <p:cxnSp>
         <p:nvCxnSpPr>
-          <p:cNvPr id="100" name="直線コネクタ 99"/>
+          <p:cNvPr id="122" name="直線コネクタ 121"/>
           <p:cNvCxnSpPr/>
           <p:nvPr/>
         </p:nvCxnSpPr>
@@ -12330,9 +13967,739 @@
           </a:fontRef>
         </p:style>
       </p:cxnSp>
-      <p:sp>
-        <p:nvSpPr>
-          <p:cNvPr id="101" name="正方形/長方形 100"/>
+      <p:cxnSp>
+        <p:nvCxnSpPr>
+          <p:cNvPr id="123" name="直線コネクタ 122"/>
+          <p:cNvCxnSpPr/>
+          <p:nvPr/>
+        </p:nvCxnSpPr>
+        <p:spPr>
+          <a:xfrm>
+            <a:off x="923931" y="2034307"/>
+            <a:ext cx="7250251" cy="0"/>
+          </a:xfrm>
+          <a:prstGeom prst="line">
+            <a:avLst/>
+          </a:prstGeom>
+          <a:ln>
+            <a:solidFill>
+              <a:schemeClr val="bg1">
+                <a:lumMod val="65000"/>
+              </a:schemeClr>
+            </a:solidFill>
+          </a:ln>
+          <a:effectLst/>
+        </p:spPr>
+        <p:style>
+          <a:lnRef idx="2">
+            <a:schemeClr val="accent1"/>
+          </a:lnRef>
+          <a:fillRef idx="0">
+            <a:schemeClr val="accent1"/>
+          </a:fillRef>
+          <a:effectRef idx="1">
+            <a:schemeClr val="accent1"/>
+          </a:effectRef>
+          <a:fontRef idx="minor">
+            <a:schemeClr val="tx1"/>
+          </a:fontRef>
+        </p:style>
+      </p:cxnSp>
+      <p:sp>
+        <p:nvSpPr>
+          <p:cNvPr id="124" name="テキスト ボックス 123"/>
+          <p:cNvSpPr txBox="1"/>
+          <p:nvPr/>
+        </p:nvSpPr>
+        <p:spPr>
+          <a:xfrm>
+            <a:off x="890993" y="1659566"/>
+            <a:ext cx="646331" cy="276999"/>
+          </a:xfrm>
+          <a:prstGeom prst="rect">
+            <a:avLst/>
+          </a:prstGeom>
+          <a:noFill/>
+        </p:spPr>
+        <p:txBody>
+          <a:bodyPr wrap="none" rtlCol="0">
+            <a:spAutoFit/>
+          </a:bodyPr>
+          <a:lstStyle/>
+          <a:p>
+            <a:r>
+              <a:rPr kumimoji="1" lang="ja-JP" altLang="en-US" sz="1200" dirty="0" smtClean="0">
+                <a:latin typeface="メイリオ"/>
+                <a:ea typeface="メイリオ"/>
+                <a:cs typeface="メイリオ"/>
+              </a:rPr>
+              <a:t>日付：</a:t>
+            </a:r>
+            <a:endParaRPr kumimoji="1" lang="ja-JP" altLang="en-US" sz="1200" dirty="0">
+              <a:latin typeface="メイリオ"/>
+              <a:ea typeface="メイリオ"/>
+              <a:cs typeface="メイリオ"/>
+            </a:endParaRPr>
+          </a:p>
+        </p:txBody>
+      </p:sp>
+      <p:sp>
+        <p:nvSpPr>
+          <p:cNvPr id="125" name="角丸四角形 124"/>
+          <p:cNvSpPr/>
+          <p:nvPr/>
+        </p:nvSpPr>
+        <p:spPr>
+          <a:xfrm>
+            <a:off x="1469168" y="1722329"/>
+            <a:ext cx="352321" cy="158766"/>
+          </a:xfrm>
+          <a:prstGeom prst="roundRect">
+            <a:avLst/>
+          </a:prstGeom>
+          <a:noFill/>
+          <a:ln w="25400">
+            <a:solidFill>
+              <a:schemeClr val="tx1"/>
+            </a:solidFill>
+          </a:ln>
+          <a:effectLst/>
+        </p:spPr>
+        <p:style>
+          <a:lnRef idx="1">
+            <a:schemeClr val="accent1"/>
+          </a:lnRef>
+          <a:fillRef idx="3">
+            <a:schemeClr val="accent1"/>
+          </a:fillRef>
+          <a:effectRef idx="2">
+            <a:schemeClr val="accent1"/>
+          </a:effectRef>
+          <a:fontRef idx="minor">
+            <a:schemeClr val="lt1"/>
+          </a:fontRef>
+        </p:style>
+        <p:txBody>
+          <a:bodyPr rtlCol="0" anchor="ctr"/>
+          <a:lstStyle/>
+          <a:p>
+            <a:pPr algn="ctr"/>
+            <a:endParaRPr kumimoji="1" lang="ja-JP" altLang="en-US"/>
+          </a:p>
+        </p:txBody>
+      </p:sp>
+      <p:sp>
+        <p:nvSpPr>
+          <p:cNvPr id="126" name="テキスト ボックス 125"/>
+          <p:cNvSpPr txBox="1"/>
+          <p:nvPr/>
+        </p:nvSpPr>
+        <p:spPr>
+          <a:xfrm>
+            <a:off x="1786644" y="1659566"/>
+            <a:ext cx="338554" cy="276999"/>
+          </a:xfrm>
+          <a:prstGeom prst="rect">
+            <a:avLst/>
+          </a:prstGeom>
+          <a:noFill/>
+        </p:spPr>
+        <p:txBody>
+          <a:bodyPr wrap="none" rtlCol="0">
+            <a:spAutoFit/>
+          </a:bodyPr>
+          <a:lstStyle/>
+          <a:p>
+            <a:r>
+              <a:rPr lang="en-US" altLang="en-US" sz="1200" dirty="0" smtClean="0">
+                <a:latin typeface="メイリオ"/>
+                <a:ea typeface="メイリオ"/>
+                <a:cs typeface="メイリオ"/>
+              </a:rPr>
+              <a:t>〜</a:t>
+            </a:r>
+            <a:endParaRPr kumimoji="1" lang="ja-JP" altLang="en-US" sz="1200" dirty="0">
+              <a:latin typeface="メイリオ"/>
+              <a:ea typeface="メイリオ"/>
+              <a:cs typeface="メイリオ"/>
+            </a:endParaRPr>
+          </a:p>
+        </p:txBody>
+      </p:sp>
+      <p:sp>
+        <p:nvSpPr>
+          <p:cNvPr id="127" name="テキスト ボックス 126"/>
+          <p:cNvSpPr txBox="1"/>
+          <p:nvPr/>
+        </p:nvSpPr>
+        <p:spPr>
+          <a:xfrm>
+            <a:off x="2465123" y="1656944"/>
+            <a:ext cx="646331" cy="276999"/>
+          </a:xfrm>
+          <a:prstGeom prst="rect">
+            <a:avLst/>
+          </a:prstGeom>
+          <a:noFill/>
+        </p:spPr>
+        <p:txBody>
+          <a:bodyPr wrap="none" rtlCol="0">
+            <a:spAutoFit/>
+          </a:bodyPr>
+          <a:lstStyle/>
+          <a:p>
+            <a:r>
+              <a:rPr lang="ja-JP" altLang="en-US" sz="1200" dirty="0" smtClean="0">
+                <a:latin typeface="メイリオ"/>
+                <a:ea typeface="メイリオ"/>
+                <a:cs typeface="メイリオ"/>
+              </a:rPr>
+              <a:t>内容</a:t>
+            </a:r>
+            <a:r>
+              <a:rPr kumimoji="1" lang="ja-JP" altLang="en-US" sz="1200" dirty="0" smtClean="0">
+                <a:latin typeface="メイリオ"/>
+                <a:ea typeface="メイリオ"/>
+                <a:cs typeface="メイリオ"/>
+              </a:rPr>
+              <a:t>：</a:t>
+            </a:r>
+            <a:endParaRPr kumimoji="1" lang="ja-JP" altLang="en-US" sz="1200" dirty="0">
+              <a:latin typeface="メイリオ"/>
+              <a:ea typeface="メイリオ"/>
+              <a:cs typeface="メイリオ"/>
+            </a:endParaRPr>
+          </a:p>
+        </p:txBody>
+      </p:sp>
+      <p:sp>
+        <p:nvSpPr>
+          <p:cNvPr id="128" name="角丸四角形 127"/>
+          <p:cNvSpPr/>
+          <p:nvPr/>
+        </p:nvSpPr>
+        <p:spPr>
+          <a:xfrm>
+            <a:off x="3034657" y="1720187"/>
+            <a:ext cx="797002" cy="165946"/>
+          </a:xfrm>
+          <a:prstGeom prst="roundRect">
+            <a:avLst/>
+          </a:prstGeom>
+          <a:noFill/>
+          <a:ln w="25400">
+            <a:solidFill>
+              <a:schemeClr val="tx1"/>
+            </a:solidFill>
+          </a:ln>
+          <a:effectLst/>
+        </p:spPr>
+        <p:style>
+          <a:lnRef idx="1">
+            <a:schemeClr val="accent1"/>
+          </a:lnRef>
+          <a:fillRef idx="3">
+            <a:schemeClr val="accent1"/>
+          </a:fillRef>
+          <a:effectRef idx="2">
+            <a:schemeClr val="accent1"/>
+          </a:effectRef>
+          <a:fontRef idx="minor">
+            <a:schemeClr val="lt1"/>
+          </a:fontRef>
+        </p:style>
+        <p:txBody>
+          <a:bodyPr rtlCol="0" anchor="ctr"/>
+          <a:lstStyle/>
+          <a:p>
+            <a:pPr algn="ctr"/>
+            <a:endParaRPr kumimoji="1" lang="ja-JP" altLang="en-US"/>
+          </a:p>
+        </p:txBody>
+      </p:sp>
+      <p:sp>
+        <p:nvSpPr>
+          <p:cNvPr id="129" name="角丸四角形 128"/>
+          <p:cNvSpPr/>
+          <p:nvPr/>
+        </p:nvSpPr>
+        <p:spPr>
+          <a:xfrm>
+            <a:off x="3877789" y="1722410"/>
+            <a:ext cx="602185" cy="165865"/>
+          </a:xfrm>
+          <a:prstGeom prst="roundRect">
+            <a:avLst/>
+          </a:prstGeom>
+          <a:noFill/>
+          <a:ln w="25400">
+            <a:solidFill>
+              <a:schemeClr val="tx1"/>
+            </a:solidFill>
+          </a:ln>
+          <a:effectLst/>
+        </p:spPr>
+        <p:style>
+          <a:lnRef idx="1">
+            <a:schemeClr val="accent1"/>
+          </a:lnRef>
+          <a:fillRef idx="3">
+            <a:schemeClr val="accent1"/>
+          </a:fillRef>
+          <a:effectRef idx="2">
+            <a:schemeClr val="accent1"/>
+          </a:effectRef>
+          <a:fontRef idx="minor">
+            <a:schemeClr val="lt1"/>
+          </a:fontRef>
+        </p:style>
+        <p:txBody>
+          <a:bodyPr rtlCol="0" anchor="ctr"/>
+          <a:lstStyle/>
+          <a:p>
+            <a:r>
+              <a:rPr kumimoji="1" lang="ja-JP" altLang="en-US" sz="800" dirty="0" smtClean="0">
+                <a:solidFill>
+                  <a:schemeClr val="tx1"/>
+                </a:solidFill>
+                <a:latin typeface="メイリオ"/>
+                <a:ea typeface="メイリオ"/>
+                <a:cs typeface="メイリオ"/>
+              </a:rPr>
+              <a:t>を含む</a:t>
+            </a:r>
+            <a:endParaRPr kumimoji="1" lang="ja-JP" altLang="en-US" sz="800" dirty="0">
+              <a:solidFill>
+                <a:schemeClr val="tx1"/>
+              </a:solidFill>
+              <a:latin typeface="メイリオ"/>
+              <a:ea typeface="メイリオ"/>
+              <a:cs typeface="メイリオ"/>
+            </a:endParaRPr>
+          </a:p>
+        </p:txBody>
+      </p:sp>
+      <p:sp>
+        <p:nvSpPr>
+          <p:cNvPr id="130" name="二等辺三角形 129"/>
+          <p:cNvSpPr/>
+          <p:nvPr/>
+        </p:nvSpPr>
+        <p:spPr>
+          <a:xfrm rot="10800000">
+            <a:off x="4322286" y="1761549"/>
+            <a:ext cx="108000" cy="108000"/>
+          </a:xfrm>
+          <a:prstGeom prst="triangle">
+            <a:avLst/>
+          </a:prstGeom>
+          <a:solidFill>
+            <a:schemeClr val="tx1"/>
+          </a:solidFill>
+          <a:ln>
+            <a:noFill/>
+          </a:ln>
+          <a:effectLst/>
+        </p:spPr>
+        <p:style>
+          <a:lnRef idx="1">
+            <a:schemeClr val="accent1"/>
+          </a:lnRef>
+          <a:fillRef idx="3">
+            <a:schemeClr val="accent1"/>
+          </a:fillRef>
+          <a:effectRef idx="2">
+            <a:schemeClr val="accent1"/>
+          </a:effectRef>
+          <a:fontRef idx="minor">
+            <a:schemeClr val="lt1"/>
+          </a:fontRef>
+        </p:style>
+        <p:txBody>
+          <a:bodyPr rtlCol="0" anchor="ctr"/>
+          <a:lstStyle/>
+          <a:p>
+            <a:pPr algn="ctr"/>
+            <a:endParaRPr kumimoji="1" lang="ja-JP" altLang="en-US"/>
+          </a:p>
+        </p:txBody>
+      </p:sp>
+      <p:sp>
+        <p:nvSpPr>
+          <p:cNvPr id="131" name="テキスト ボックス 130"/>
+          <p:cNvSpPr txBox="1"/>
+          <p:nvPr/>
+        </p:nvSpPr>
+        <p:spPr>
+          <a:xfrm>
+            <a:off x="4494298" y="1660170"/>
+            <a:ext cx="954107" cy="276999"/>
+          </a:xfrm>
+          <a:prstGeom prst="rect">
+            <a:avLst/>
+          </a:prstGeom>
+          <a:noFill/>
+        </p:spPr>
+        <p:txBody>
+          <a:bodyPr wrap="none" rtlCol="0">
+            <a:spAutoFit/>
+          </a:bodyPr>
+          <a:lstStyle/>
+          <a:p>
+            <a:r>
+              <a:rPr lang="ja-JP" altLang="en-US" sz="1200" dirty="0" smtClean="0">
+                <a:latin typeface="メイリオ"/>
+                <a:ea typeface="メイリオ"/>
+                <a:cs typeface="メイリオ"/>
+              </a:rPr>
+              <a:t>カテゴリ</a:t>
+            </a:r>
+            <a:r>
+              <a:rPr kumimoji="1" lang="ja-JP" altLang="en-US" sz="1200" dirty="0" smtClean="0">
+                <a:latin typeface="メイリオ"/>
+                <a:ea typeface="メイリオ"/>
+                <a:cs typeface="メイリオ"/>
+              </a:rPr>
+              <a:t>：</a:t>
+            </a:r>
+            <a:endParaRPr kumimoji="1" lang="ja-JP" altLang="en-US" sz="1200" dirty="0">
+              <a:latin typeface="メイリオ"/>
+              <a:ea typeface="メイリオ"/>
+              <a:cs typeface="メイリオ"/>
+            </a:endParaRPr>
+          </a:p>
+        </p:txBody>
+      </p:sp>
+      <p:sp>
+        <p:nvSpPr>
+          <p:cNvPr id="132" name="角丸四角形 131"/>
+          <p:cNvSpPr/>
+          <p:nvPr/>
+        </p:nvSpPr>
+        <p:spPr>
+          <a:xfrm>
+            <a:off x="5370510" y="1715149"/>
+            <a:ext cx="560480" cy="165946"/>
+          </a:xfrm>
+          <a:prstGeom prst="roundRect">
+            <a:avLst/>
+          </a:prstGeom>
+          <a:noFill/>
+          <a:ln w="25400">
+            <a:solidFill>
+              <a:schemeClr val="tx1"/>
+            </a:solidFill>
+          </a:ln>
+          <a:effectLst/>
+        </p:spPr>
+        <p:style>
+          <a:lnRef idx="1">
+            <a:schemeClr val="accent1"/>
+          </a:lnRef>
+          <a:fillRef idx="3">
+            <a:schemeClr val="accent1"/>
+          </a:fillRef>
+          <a:effectRef idx="2">
+            <a:schemeClr val="accent1"/>
+          </a:effectRef>
+          <a:fontRef idx="minor">
+            <a:schemeClr val="lt1"/>
+          </a:fontRef>
+        </p:style>
+        <p:txBody>
+          <a:bodyPr rtlCol="0" anchor="ctr"/>
+          <a:lstStyle/>
+          <a:p>
+            <a:pPr algn="ctr"/>
+            <a:endParaRPr kumimoji="1" lang="ja-JP" altLang="en-US"/>
+          </a:p>
+        </p:txBody>
+      </p:sp>
+      <p:sp>
+        <p:nvSpPr>
+          <p:cNvPr id="133" name="テキスト ボックス 132"/>
+          <p:cNvSpPr txBox="1"/>
+          <p:nvPr/>
+        </p:nvSpPr>
+        <p:spPr>
+          <a:xfrm>
+            <a:off x="5949540" y="1649229"/>
+            <a:ext cx="646331" cy="276999"/>
+          </a:xfrm>
+          <a:prstGeom prst="rect">
+            <a:avLst/>
+          </a:prstGeom>
+          <a:noFill/>
+        </p:spPr>
+        <p:txBody>
+          <a:bodyPr wrap="none" rtlCol="0">
+            <a:spAutoFit/>
+          </a:bodyPr>
+          <a:lstStyle/>
+          <a:p>
+            <a:r>
+              <a:rPr lang="ja-JP" altLang="en-US" sz="1200" dirty="0" smtClean="0">
+                <a:latin typeface="メイリオ"/>
+                <a:ea typeface="メイリオ"/>
+                <a:cs typeface="メイリオ"/>
+              </a:rPr>
+              <a:t>金額</a:t>
+            </a:r>
+            <a:r>
+              <a:rPr kumimoji="1" lang="ja-JP" altLang="en-US" sz="1200" dirty="0" smtClean="0">
+                <a:latin typeface="メイリオ"/>
+                <a:ea typeface="メイリオ"/>
+                <a:cs typeface="メイリオ"/>
+              </a:rPr>
+              <a:t>：</a:t>
+            </a:r>
+            <a:endParaRPr kumimoji="1" lang="ja-JP" altLang="en-US" sz="1200" dirty="0">
+              <a:latin typeface="メイリオ"/>
+              <a:ea typeface="メイリオ"/>
+              <a:cs typeface="メイリオ"/>
+            </a:endParaRPr>
+          </a:p>
+        </p:txBody>
+      </p:sp>
+      <p:sp>
+        <p:nvSpPr>
+          <p:cNvPr id="134" name="角丸四角形 133"/>
+          <p:cNvSpPr/>
+          <p:nvPr/>
+        </p:nvSpPr>
+        <p:spPr>
+          <a:xfrm>
+            <a:off x="2087658" y="1715007"/>
+            <a:ext cx="352321" cy="158766"/>
+          </a:xfrm>
+          <a:prstGeom prst="roundRect">
+            <a:avLst/>
+          </a:prstGeom>
+          <a:noFill/>
+          <a:ln w="25400">
+            <a:solidFill>
+              <a:schemeClr val="tx1"/>
+            </a:solidFill>
+          </a:ln>
+          <a:effectLst/>
+        </p:spPr>
+        <p:style>
+          <a:lnRef idx="1">
+            <a:schemeClr val="accent1"/>
+          </a:lnRef>
+          <a:fillRef idx="3">
+            <a:schemeClr val="accent1"/>
+          </a:fillRef>
+          <a:effectRef idx="2">
+            <a:schemeClr val="accent1"/>
+          </a:effectRef>
+          <a:fontRef idx="minor">
+            <a:schemeClr val="lt1"/>
+          </a:fontRef>
+        </p:style>
+        <p:txBody>
+          <a:bodyPr rtlCol="0" anchor="ctr"/>
+          <a:lstStyle/>
+          <a:p>
+            <a:pPr algn="ctr"/>
+            <a:endParaRPr kumimoji="1" lang="ja-JP" altLang="en-US"/>
+          </a:p>
+        </p:txBody>
+      </p:sp>
+      <p:sp>
+        <p:nvSpPr>
+          <p:cNvPr id="135" name="角丸四角形 134"/>
+          <p:cNvSpPr/>
+          <p:nvPr/>
+        </p:nvSpPr>
+        <p:spPr>
+          <a:xfrm>
+            <a:off x="6513621" y="1723285"/>
+            <a:ext cx="352321" cy="158766"/>
+          </a:xfrm>
+          <a:prstGeom prst="roundRect">
+            <a:avLst/>
+          </a:prstGeom>
+          <a:noFill/>
+          <a:ln w="25400">
+            <a:solidFill>
+              <a:schemeClr val="tx1"/>
+            </a:solidFill>
+          </a:ln>
+          <a:effectLst/>
+        </p:spPr>
+        <p:style>
+          <a:lnRef idx="1">
+            <a:schemeClr val="accent1"/>
+          </a:lnRef>
+          <a:fillRef idx="3">
+            <a:schemeClr val="accent1"/>
+          </a:fillRef>
+          <a:effectRef idx="2">
+            <a:schemeClr val="accent1"/>
+          </a:effectRef>
+          <a:fontRef idx="minor">
+            <a:schemeClr val="lt1"/>
+          </a:fontRef>
+        </p:style>
+        <p:txBody>
+          <a:bodyPr rtlCol="0" anchor="ctr"/>
+          <a:lstStyle/>
+          <a:p>
+            <a:pPr algn="ctr"/>
+            <a:endParaRPr kumimoji="1" lang="ja-JP" altLang="en-US"/>
+          </a:p>
+        </p:txBody>
+      </p:sp>
+      <p:sp>
+        <p:nvSpPr>
+          <p:cNvPr id="136" name="テキスト ボックス 135"/>
+          <p:cNvSpPr txBox="1"/>
+          <p:nvPr/>
+        </p:nvSpPr>
+        <p:spPr>
+          <a:xfrm>
+            <a:off x="6831097" y="1660522"/>
+            <a:ext cx="338554" cy="276999"/>
+          </a:xfrm>
+          <a:prstGeom prst="rect">
+            <a:avLst/>
+          </a:prstGeom>
+          <a:noFill/>
+        </p:spPr>
+        <p:txBody>
+          <a:bodyPr wrap="none" rtlCol="0">
+            <a:spAutoFit/>
+          </a:bodyPr>
+          <a:lstStyle/>
+          <a:p>
+            <a:r>
+              <a:rPr lang="en-US" altLang="en-US" sz="1200" dirty="0" smtClean="0">
+                <a:latin typeface="メイリオ"/>
+                <a:ea typeface="メイリオ"/>
+                <a:cs typeface="メイリオ"/>
+              </a:rPr>
+              <a:t>〜</a:t>
+            </a:r>
+            <a:endParaRPr kumimoji="1" lang="ja-JP" altLang="en-US" sz="1200" dirty="0">
+              <a:latin typeface="メイリオ"/>
+              <a:ea typeface="メイリオ"/>
+              <a:cs typeface="メイリオ"/>
+            </a:endParaRPr>
+          </a:p>
+        </p:txBody>
+      </p:sp>
+      <p:sp>
+        <p:nvSpPr>
+          <p:cNvPr id="137" name="角丸四角形 136"/>
+          <p:cNvSpPr/>
+          <p:nvPr/>
+        </p:nvSpPr>
+        <p:spPr>
+          <a:xfrm>
+            <a:off x="7132111" y="1715963"/>
+            <a:ext cx="352321" cy="158766"/>
+          </a:xfrm>
+          <a:prstGeom prst="roundRect">
+            <a:avLst/>
+          </a:prstGeom>
+          <a:noFill/>
+          <a:ln w="25400">
+            <a:solidFill>
+              <a:schemeClr val="tx1"/>
+            </a:solidFill>
+          </a:ln>
+          <a:effectLst/>
+        </p:spPr>
+        <p:style>
+          <a:lnRef idx="1">
+            <a:schemeClr val="accent1"/>
+          </a:lnRef>
+          <a:fillRef idx="3">
+            <a:schemeClr val="accent1"/>
+          </a:fillRef>
+          <a:effectRef idx="2">
+            <a:schemeClr val="accent1"/>
+          </a:effectRef>
+          <a:fontRef idx="minor">
+            <a:schemeClr val="lt1"/>
+          </a:fontRef>
+        </p:style>
+        <p:txBody>
+          <a:bodyPr rtlCol="0" anchor="ctr"/>
+          <a:lstStyle/>
+          <a:p>
+            <a:pPr algn="ctr"/>
+            <a:endParaRPr kumimoji="1" lang="ja-JP" altLang="en-US"/>
+          </a:p>
+        </p:txBody>
+      </p:sp>
+      <p:sp>
+        <p:nvSpPr>
+          <p:cNvPr id="138" name="角丸四角形 137"/>
+          <p:cNvSpPr/>
+          <p:nvPr/>
+        </p:nvSpPr>
+        <p:spPr>
+          <a:xfrm>
+            <a:off x="7553038" y="1639397"/>
+            <a:ext cx="550589" cy="299213"/>
+          </a:xfrm>
+          <a:prstGeom prst="roundRect">
+            <a:avLst/>
+          </a:prstGeom>
+          <a:noFill/>
+          <a:ln w="25400">
+            <a:solidFill>
+              <a:schemeClr val="tx1"/>
+            </a:solidFill>
+          </a:ln>
+          <a:effectLst/>
+        </p:spPr>
+        <p:style>
+          <a:lnRef idx="1">
+            <a:schemeClr val="accent1"/>
+          </a:lnRef>
+          <a:fillRef idx="3">
+            <a:schemeClr val="accent1"/>
+          </a:fillRef>
+          <a:effectRef idx="2">
+            <a:schemeClr val="accent1"/>
+          </a:effectRef>
+          <a:fontRef idx="minor">
+            <a:schemeClr val="lt1"/>
+          </a:fontRef>
+        </p:style>
+        <p:txBody>
+          <a:bodyPr rtlCol="0" anchor="ctr"/>
+          <a:lstStyle/>
+          <a:p>
+            <a:pPr algn="ctr"/>
+            <a:r>
+              <a:rPr lang="ja-JP" altLang="en-US" sz="1200" dirty="0" smtClean="0">
+                <a:solidFill>
+                  <a:schemeClr val="tx1"/>
+                </a:solidFill>
+                <a:latin typeface="メイリオ"/>
+                <a:ea typeface="メイリオ"/>
+                <a:cs typeface="メイリオ"/>
+              </a:rPr>
+              <a:t>検索</a:t>
+            </a:r>
+            <a:endParaRPr kumimoji="1" lang="ja-JP" altLang="en-US" sz="1200" dirty="0">
+              <a:solidFill>
+                <a:schemeClr val="tx1"/>
+              </a:solidFill>
+              <a:latin typeface="メイリオ"/>
+              <a:ea typeface="メイリオ"/>
+              <a:cs typeface="メイリオ"/>
+            </a:endParaRPr>
+          </a:p>
+        </p:txBody>
+      </p:sp>
+      <p:sp>
+        <p:nvSpPr>
+          <p:cNvPr id="139" name="正方形/長方形 138"/>
           <p:cNvSpPr/>
           <p:nvPr/>
         </p:nvSpPr>
@@ -12380,6 +14747,44 @@
               <a:solidFill>
                 <a:schemeClr val="tx1"/>
               </a:solidFill>
+              <a:latin typeface="メイリオ"/>
+              <a:ea typeface="メイリオ"/>
+              <a:cs typeface="メイリオ"/>
+            </a:endParaRPr>
+          </a:p>
+        </p:txBody>
+      </p:sp>
+      <p:sp>
+        <p:nvSpPr>
+          <p:cNvPr id="4" name="テキスト ボックス 3"/>
+          <p:cNvSpPr txBox="1"/>
+          <p:nvPr/>
+        </p:nvSpPr>
+        <p:spPr>
+          <a:xfrm>
+            <a:off x="200532" y="187161"/>
+            <a:ext cx="4134465" cy="523220"/>
+          </a:xfrm>
+          <a:prstGeom prst="rect">
+            <a:avLst/>
+          </a:prstGeom>
+          <a:noFill/>
+        </p:spPr>
+        <p:txBody>
+          <a:bodyPr wrap="none" rtlCol="0">
+            <a:spAutoFit/>
+          </a:bodyPr>
+          <a:lstStyle/>
+          <a:p>
+            <a:r>
+              <a:rPr lang="ja-JP" altLang="en-US" sz="2800" dirty="0" smtClean="0">
+                <a:latin typeface="メイリオ"/>
+                <a:ea typeface="メイリオ"/>
+                <a:cs typeface="メイリオ"/>
+              </a:rPr>
+              <a:t>管理画面（登録失敗時）</a:t>
+            </a:r>
+            <a:endParaRPr kumimoji="1" lang="ja-JP" altLang="en-US" sz="2000" dirty="0">
               <a:latin typeface="メイリオ"/>
               <a:ea typeface="メイリオ"/>
               <a:cs typeface="メイリオ"/>
@@ -12743,7 +15148,7 @@
 </p:sld>
 </file>
 
-<file path=ppt/slides/slide8.xml><?xml version="1.0" encoding="utf-8"?>
+<file path=ppt/slides/slide9.xml><?xml version="1.0" encoding="utf-8"?>
 <p:sld xmlns:a="http://schemas.openxmlformats.org/drawingml/2006/main" xmlns:r="http://schemas.openxmlformats.org/officeDocument/2006/relationships" xmlns:p="http://schemas.openxmlformats.org/presentationml/2006/main">
   <p:cSld>
     <p:spTree>
@@ -12760,118 +15165,23 @@
           <a:chExt cx="0" cy="0"/>
         </a:xfrm>
       </p:grpSpPr>
-      <p:sp>
-        <p:nvSpPr>
-          <p:cNvPr id="4" name="テキスト ボックス 3"/>
-          <p:cNvSpPr txBox="1"/>
-          <p:nvPr/>
-        </p:nvSpPr>
-        <p:spPr>
-          <a:xfrm>
-            <a:off x="200532" y="187161"/>
-            <a:ext cx="4134465" cy="523220"/>
-          </a:xfrm>
-          <a:prstGeom prst="rect">
-            <a:avLst/>
-          </a:prstGeom>
-          <a:noFill/>
-        </p:spPr>
-        <p:txBody>
-          <a:bodyPr wrap="none" rtlCol="0">
-            <a:spAutoFit/>
-          </a:bodyPr>
-          <a:lstStyle/>
-          <a:p>
-            <a:r>
-              <a:rPr lang="ja-JP" altLang="en-US" sz="2800" dirty="0" smtClean="0">
-                <a:latin typeface="メイリオ"/>
-                <a:ea typeface="メイリオ"/>
-                <a:cs typeface="メイリオ"/>
-              </a:rPr>
-              <a:t>管理画面（</a:t>
-            </a:r>
-            <a:r>
-              <a:rPr lang="en-US" altLang="en-US" sz="2800" dirty="0" smtClean="0">
-                <a:latin typeface="メイリオ"/>
-                <a:ea typeface="メイリオ"/>
-                <a:cs typeface="メイリオ"/>
-              </a:rPr>
-              <a:t>削除確認</a:t>
-            </a:r>
-            <a:r>
-              <a:rPr lang="ja-JP" altLang="en-US" sz="2800" dirty="0" smtClean="0">
-                <a:latin typeface="メイリオ"/>
-                <a:ea typeface="メイリオ"/>
-                <a:cs typeface="メイリオ"/>
-              </a:rPr>
-              <a:t>時）</a:t>
-            </a:r>
-            <a:endParaRPr kumimoji="1" lang="ja-JP" altLang="en-US" sz="2000" dirty="0">
-              <a:latin typeface="メイリオ"/>
-              <a:ea typeface="メイリオ"/>
-              <a:cs typeface="メイリオ"/>
-            </a:endParaRPr>
-          </a:p>
-        </p:txBody>
-      </p:sp>
-      <p:cxnSp>
-        <p:nvCxnSpPr>
-          <p:cNvPr id="43" name="直線コネクタ 42"/>
-          <p:cNvCxnSpPr>
-            <a:stCxn id="2" idx="1"/>
-            <a:endCxn id="2" idx="3"/>
-          </p:cNvCxnSpPr>
-          <p:nvPr/>
-        </p:nvCxnSpPr>
-        <p:spPr>
-          <a:xfrm>
-            <a:off x="2920983" y="2885255"/>
-            <a:ext cx="2989891" cy="0"/>
-          </a:xfrm>
-          <a:prstGeom prst="line">
-            <a:avLst/>
-          </a:prstGeom>
-          <a:ln>
-            <a:solidFill>
-              <a:schemeClr val="bg1">
-                <a:lumMod val="65000"/>
-              </a:schemeClr>
-            </a:solidFill>
-          </a:ln>
-          <a:effectLst/>
-        </p:spPr>
-        <p:style>
-          <a:lnRef idx="2">
-            <a:schemeClr val="accent1"/>
-          </a:lnRef>
-          <a:fillRef idx="0">
-            <a:schemeClr val="accent1"/>
-          </a:fillRef>
-          <a:effectRef idx="1">
-            <a:schemeClr val="accent1"/>
-          </a:effectRef>
-          <a:fontRef idx="minor">
-            <a:schemeClr val="tx1"/>
-          </a:fontRef>
-        </p:style>
-      </p:cxnSp>
       <p:graphicFrame>
         <p:nvGraphicFramePr>
-          <p:cNvPr id="45" name="表 44"/>
+          <p:cNvPr id="53" name="表 52"/>
           <p:cNvGraphicFramePr>
             <a:graphicFrameLocks noGrp="1"/>
           </p:cNvGraphicFramePr>
           <p:nvPr>
             <p:extLst>
               <p:ext uri="{D42A27DB-BD31-4B8C-83A1-F6EECF244321}">
-                <p14:modId xmlns:p14="http://schemas.microsoft.com/office/powerpoint/2010/main" val="4240997523"/>
+                <p14:modId xmlns:p14="http://schemas.microsoft.com/office/powerpoint/2010/main" val="456833480"/>
               </p:ext>
             </p:extLst>
           </p:nvPr>
         </p:nvGraphicFramePr>
         <p:xfrm>
-          <a:off x="993905" y="2031998"/>
-          <a:ext cx="6891640" cy="4248728"/>
+          <a:off x="993905" y="2447618"/>
+          <a:ext cx="6891640" cy="3862480"/>
         </p:xfrm>
         <a:graphic>
           <a:graphicData uri="http://schemas.openxmlformats.org/drawingml/2006/table">
@@ -12970,48 +15280,6 @@
                         <a:ea typeface="メイリオ"/>
                         <a:cs typeface="メイリオ"/>
                       </a:endParaRPr>
-                    </a:p>
-                  </a:txBody>
-                  <a:tcPr/>
-                </a:tc>
-              </a:tr>
-              <a:tr h="386248">
-                <a:tc>
-                  <a:txBody>
-                    <a:bodyPr/>
-                    <a:lstStyle/>
-                    <a:p>
-                      <a:endParaRPr kumimoji="1" lang="ja-JP" altLang="en-US"/>
-                    </a:p>
-                  </a:txBody>
-                  <a:tcPr/>
-                </a:tc>
-                <a:tc>
-                  <a:txBody>
-                    <a:bodyPr/>
-                    <a:lstStyle/>
-                    <a:p>
-                      <a:endParaRPr kumimoji="1" lang="ja-JP" altLang="en-US"/>
-                    </a:p>
-                  </a:txBody>
-                  <a:tcPr/>
-                </a:tc>
-                <a:tc>
-                  <a:txBody>
-                    <a:bodyPr/>
-                    <a:lstStyle/>
-                    <a:p>
-                      <a:endParaRPr kumimoji="1" lang="ja-JP" altLang="en-US"/>
-                    </a:p>
-                  </a:txBody>
-                  <a:tcPr/>
-                </a:tc>
-                <a:tc>
-                  <a:txBody>
-                    <a:bodyPr/>
-                    <a:lstStyle/>
-                    <a:p>
-                      <a:endParaRPr kumimoji="1" lang="ja-JP" altLang="en-US" dirty="0"/>
                     </a:p>
                   </a:txBody>
                   <a:tcPr/>
@@ -13401,7 +15669,7 @@
       </p:graphicFrame>
       <p:sp>
         <p:nvSpPr>
-          <p:cNvPr id="46" name="正方形/長方形 45"/>
+          <p:cNvPr id="55" name="正方形/長方形 54"/>
           <p:cNvSpPr/>
           <p:nvPr/>
         </p:nvSpPr>
@@ -13453,7 +15721,7 @@
       </p:sp>
       <p:sp>
         <p:nvSpPr>
-          <p:cNvPr id="47" name="角丸四角形 46"/>
+          <p:cNvPr id="56" name="角丸四角形 55"/>
           <p:cNvSpPr/>
           <p:nvPr/>
         </p:nvSpPr>
@@ -13498,7 +15766,7 @@
       </p:sp>
       <p:sp>
         <p:nvSpPr>
-          <p:cNvPr id="48" name="テキスト ボックス 47"/>
+          <p:cNvPr id="57" name="テキスト ボックス 56"/>
           <p:cNvSpPr txBox="1"/>
           <p:nvPr/>
         </p:nvSpPr>
@@ -13536,7 +15804,7 @@
       </p:sp>
       <p:sp>
         <p:nvSpPr>
-          <p:cNvPr id="49" name="角丸四角形 48"/>
+          <p:cNvPr id="58" name="角丸四角形 57"/>
           <p:cNvSpPr/>
           <p:nvPr/>
         </p:nvSpPr>
@@ -13581,7 +15849,7 @@
       </p:sp>
       <p:sp>
         <p:nvSpPr>
-          <p:cNvPr id="50" name="テキスト ボックス 49"/>
+          <p:cNvPr id="59" name="テキスト ボックス 58"/>
           <p:cNvSpPr txBox="1"/>
           <p:nvPr/>
         </p:nvSpPr>
@@ -13627,7 +15895,7 @@
       </p:sp>
       <p:sp>
         <p:nvSpPr>
-          <p:cNvPr id="51" name="角丸四角形 50"/>
+          <p:cNvPr id="60" name="角丸四角形 59"/>
           <p:cNvSpPr/>
           <p:nvPr/>
         </p:nvSpPr>
@@ -13672,7 +15940,7 @@
       </p:sp>
       <p:sp>
         <p:nvSpPr>
-          <p:cNvPr id="54" name="テキスト ボックス 53"/>
+          <p:cNvPr id="61" name="テキスト ボックス 60"/>
           <p:cNvSpPr txBox="1"/>
           <p:nvPr/>
         </p:nvSpPr>
@@ -13718,7 +15986,7 @@
       </p:sp>
       <p:sp>
         <p:nvSpPr>
-          <p:cNvPr id="71" name="角丸四角形 70"/>
+          <p:cNvPr id="62" name="角丸四角形 61"/>
           <p:cNvSpPr/>
           <p:nvPr/>
         </p:nvSpPr>
@@ -13763,7 +16031,7 @@
       </p:sp>
       <p:sp>
         <p:nvSpPr>
-          <p:cNvPr id="72" name="テキスト ボックス 71"/>
+          <p:cNvPr id="63" name="テキスト ボックス 62"/>
           <p:cNvSpPr txBox="1"/>
           <p:nvPr/>
         </p:nvSpPr>
@@ -13809,7 +16077,7 @@
       </p:sp>
       <p:sp>
         <p:nvSpPr>
-          <p:cNvPr id="73" name="角丸四角形 72"/>
+          <p:cNvPr id="64" name="角丸四角形 63"/>
           <p:cNvSpPr/>
           <p:nvPr/>
         </p:nvSpPr>
@@ -13872,7 +16140,7 @@
       </p:sp>
       <p:cxnSp>
         <p:nvCxnSpPr>
-          <p:cNvPr id="74" name="直線コネクタ 73"/>
+          <p:cNvPr id="65" name="直線コネクタ 64"/>
           <p:cNvCxnSpPr/>
           <p:nvPr/>
         </p:nvCxnSpPr>
@@ -13910,13 +16178,13 @@
       </p:cxnSp>
       <p:sp>
         <p:nvSpPr>
-          <p:cNvPr id="75" name="テキスト ボックス 74"/>
+          <p:cNvPr id="66" name="テキスト ボックス 65"/>
           <p:cNvSpPr txBox="1"/>
           <p:nvPr/>
         </p:nvSpPr>
         <p:spPr>
           <a:xfrm>
-            <a:off x="4124211" y="1630084"/>
+            <a:off x="4124211" y="2080339"/>
             <a:ext cx="296175" cy="307777"/>
           </a:xfrm>
           <a:prstGeom prst="rect">
@@ -13948,13 +16216,13 @@
       </p:sp>
       <p:sp>
         <p:nvSpPr>
-          <p:cNvPr id="76" name="テキスト ボックス 75"/>
+          <p:cNvPr id="67" name="テキスト ボックス 66"/>
           <p:cNvSpPr txBox="1"/>
           <p:nvPr/>
         </p:nvSpPr>
         <p:spPr>
           <a:xfrm>
-            <a:off x="4356158" y="1632399"/>
+            <a:off x="4356158" y="2082654"/>
             <a:ext cx="296175" cy="307777"/>
           </a:xfrm>
           <a:prstGeom prst="rect">
@@ -13986,13 +16254,13 @@
       </p:sp>
       <p:sp>
         <p:nvSpPr>
-          <p:cNvPr id="77" name="テキスト ボックス 76"/>
+          <p:cNvPr id="68" name="テキスト ボックス 67"/>
           <p:cNvSpPr txBox="1"/>
           <p:nvPr/>
         </p:nvSpPr>
         <p:spPr>
           <a:xfrm>
-            <a:off x="4597125" y="1632399"/>
+            <a:off x="4597125" y="2082654"/>
             <a:ext cx="494734" cy="307777"/>
           </a:xfrm>
           <a:prstGeom prst="rect">
@@ -14024,13 +16292,13 @@
       </p:sp>
       <p:sp>
         <p:nvSpPr>
-          <p:cNvPr id="78" name="二等辺三角形 77"/>
+          <p:cNvPr id="69" name="二等辺三角形 68"/>
           <p:cNvSpPr/>
           <p:nvPr/>
         </p:nvSpPr>
         <p:spPr>
           <a:xfrm rot="5400000">
-            <a:off x="5439130" y="1683849"/>
+            <a:off x="5439130" y="2134104"/>
             <a:ext cx="179370" cy="181212"/>
           </a:xfrm>
           <a:prstGeom prst="triangle">
@@ -14069,13 +16337,13 @@
       </p:sp>
       <p:sp>
         <p:nvSpPr>
-          <p:cNvPr id="79" name="二等辺三角形 78"/>
+          <p:cNvPr id="70" name="二等辺三角形 69"/>
           <p:cNvSpPr/>
           <p:nvPr/>
         </p:nvSpPr>
         <p:spPr>
           <a:xfrm rot="16200000">
-            <a:off x="3923520" y="1684770"/>
+            <a:off x="3923520" y="2135025"/>
             <a:ext cx="180000" cy="180000"/>
           </a:xfrm>
           <a:prstGeom prst="triangle">
@@ -14114,13 +16382,13 @@
       </p:sp>
       <p:sp>
         <p:nvSpPr>
-          <p:cNvPr id="80" name="テキスト ボックス 79"/>
+          <p:cNvPr id="102" name="テキスト ボックス 101"/>
           <p:cNvSpPr txBox="1"/>
           <p:nvPr/>
         </p:nvSpPr>
         <p:spPr>
           <a:xfrm>
-            <a:off x="5013885" y="1632399"/>
+            <a:off x="5013885" y="2082654"/>
             <a:ext cx="407684" cy="307777"/>
           </a:xfrm>
           <a:prstGeom prst="rect">
@@ -14152,13 +16420,13 @@
       </p:sp>
       <p:sp>
         <p:nvSpPr>
-          <p:cNvPr id="81" name="テキスト ボックス 80"/>
+          <p:cNvPr id="103" name="テキスト ボックス 102"/>
           <p:cNvSpPr txBox="1"/>
           <p:nvPr/>
         </p:nvSpPr>
         <p:spPr>
           <a:xfrm>
-            <a:off x="993905" y="1630084"/>
+            <a:off x="993905" y="2080339"/>
             <a:ext cx="2623046" cy="307777"/>
           </a:xfrm>
           <a:prstGeom prst="rect">
@@ -14246,13 +16514,13 @@
       </p:sp>
       <p:sp>
         <p:nvSpPr>
-          <p:cNvPr id="82" name="二等辺三角形 81"/>
+          <p:cNvPr id="104" name="二等辺三角形 103"/>
           <p:cNvSpPr/>
           <p:nvPr/>
         </p:nvSpPr>
         <p:spPr>
           <a:xfrm rot="16200000">
-            <a:off x="3596344" y="1684770"/>
+            <a:off x="3596344" y="2135025"/>
             <a:ext cx="180000" cy="180000"/>
           </a:xfrm>
           <a:prstGeom prst="triangle">
@@ -14291,13 +16559,13 @@
       </p:sp>
       <p:sp>
         <p:nvSpPr>
-          <p:cNvPr id="83" name="二等辺三角形 82"/>
+          <p:cNvPr id="105" name="二等辺三角形 104"/>
           <p:cNvSpPr/>
           <p:nvPr/>
         </p:nvSpPr>
         <p:spPr>
           <a:xfrm rot="16200000">
-            <a:off x="3693379" y="1684140"/>
+            <a:off x="3693379" y="2134395"/>
             <a:ext cx="180000" cy="180000"/>
           </a:xfrm>
           <a:prstGeom prst="triangle">
@@ -14336,13 +16604,13 @@
       </p:sp>
       <p:sp>
         <p:nvSpPr>
-          <p:cNvPr id="84" name="二等辺三角形 83"/>
+          <p:cNvPr id="106" name="二等辺三角形 105"/>
           <p:cNvSpPr/>
           <p:nvPr/>
         </p:nvSpPr>
         <p:spPr>
           <a:xfrm rot="5400000">
-            <a:off x="5764549" y="1684479"/>
+            <a:off x="5764549" y="2134734"/>
             <a:ext cx="179370" cy="181212"/>
           </a:xfrm>
           <a:prstGeom prst="triangle">
@@ -14381,13 +16649,13 @@
       </p:sp>
       <p:sp>
         <p:nvSpPr>
-          <p:cNvPr id="85" name="二等辺三角形 84"/>
+          <p:cNvPr id="107" name="二等辺三角形 106"/>
           <p:cNvSpPr/>
           <p:nvPr/>
         </p:nvSpPr>
         <p:spPr>
           <a:xfrm rot="5400000">
-            <a:off x="5673943" y="1684479"/>
+            <a:off x="5673943" y="2134734"/>
             <a:ext cx="179370" cy="181212"/>
           </a:xfrm>
           <a:prstGeom prst="triangle">
@@ -14426,7 +16694,7 @@
       </p:sp>
       <p:sp>
         <p:nvSpPr>
-          <p:cNvPr id="86" name="角丸四角形 85"/>
+          <p:cNvPr id="108" name="角丸四角形 107"/>
           <p:cNvSpPr/>
           <p:nvPr/>
         </p:nvSpPr>
@@ -14489,7 +16757,7 @@
       </p:sp>
       <p:pic>
         <p:nvPicPr>
-          <p:cNvPr id="87" name="図 86" descr="trash.png"/>
+          <p:cNvPr id="109" name="図 108" descr="trash.png"/>
           <p:cNvPicPr>
             <a:picLocks noChangeAspect="1"/>
           </p:cNvPicPr>
@@ -14519,7 +16787,7 @@
       </p:pic>
       <p:pic>
         <p:nvPicPr>
-          <p:cNvPr id="88" name="図 87" descr="trash.png"/>
+          <p:cNvPr id="110" name="図 109" descr="trash.png"/>
           <p:cNvPicPr>
             <a:picLocks noChangeAspect="1"/>
           </p:cNvPicPr>
@@ -14549,7 +16817,7 @@
       </p:pic>
       <p:pic>
         <p:nvPicPr>
-          <p:cNvPr id="89" name="図 88" descr="trash.png"/>
+          <p:cNvPr id="111" name="図 110" descr="trash.png"/>
           <p:cNvPicPr>
             <a:picLocks noChangeAspect="1"/>
           </p:cNvPicPr>
@@ -14579,7 +16847,7 @@
       </p:pic>
       <p:pic>
         <p:nvPicPr>
-          <p:cNvPr id="90" name="図 89" descr="trash.png"/>
+          <p:cNvPr id="112" name="図 111" descr="trash.png"/>
           <p:cNvPicPr>
             <a:picLocks noChangeAspect="1"/>
           </p:cNvPicPr>
@@ -14609,7 +16877,7 @@
       </p:pic>
       <p:pic>
         <p:nvPicPr>
-          <p:cNvPr id="91" name="図 90" descr="trash.png"/>
+          <p:cNvPr id="113" name="図 112" descr="trash.png"/>
           <p:cNvPicPr>
             <a:picLocks noChangeAspect="1"/>
           </p:cNvPicPr>
@@ -14639,7 +16907,7 @@
       </p:pic>
       <p:pic>
         <p:nvPicPr>
-          <p:cNvPr id="92" name="図 91" descr="trash.png"/>
+          <p:cNvPr id="114" name="図 113" descr="trash.png"/>
           <p:cNvPicPr>
             <a:picLocks noChangeAspect="1"/>
           </p:cNvPicPr>
@@ -14669,7 +16937,7 @@
       </p:pic>
       <p:pic>
         <p:nvPicPr>
-          <p:cNvPr id="93" name="図 92" descr="trash.png"/>
+          <p:cNvPr id="115" name="図 114" descr="trash.png"/>
           <p:cNvPicPr>
             <a:picLocks noChangeAspect="1"/>
           </p:cNvPicPr>
@@ -14699,7 +16967,7 @@
       </p:pic>
       <p:pic>
         <p:nvPicPr>
-          <p:cNvPr id="94" name="図 93" descr="trash.png"/>
+          <p:cNvPr id="116" name="図 115" descr="trash.png"/>
           <p:cNvPicPr>
             <a:picLocks noChangeAspect="1"/>
           </p:cNvPicPr>
@@ -14729,7 +16997,7 @@
       </p:pic>
       <p:pic>
         <p:nvPicPr>
-          <p:cNvPr id="95" name="図 94" descr="trash.png"/>
+          <p:cNvPr id="117" name="図 116" descr="trash.png"/>
           <p:cNvPicPr>
             <a:picLocks noChangeAspect="1"/>
           </p:cNvPicPr>
@@ -14759,7 +17027,7 @@
       </p:pic>
       <p:pic>
         <p:nvPicPr>
-          <p:cNvPr id="96" name="図 95" descr="trash.png"/>
+          <p:cNvPr id="118" name="図 117" descr="trash.png"/>
           <p:cNvPicPr>
             <a:picLocks noChangeAspect="1"/>
           </p:cNvPicPr>
@@ -14789,7 +17057,7 @@
       </p:pic>
       <p:sp>
         <p:nvSpPr>
-          <p:cNvPr id="97" name="角丸四角形 96"/>
+          <p:cNvPr id="119" name="角丸四角形 118"/>
           <p:cNvSpPr/>
           <p:nvPr/>
         </p:nvSpPr>
@@ -14838,7 +17106,7 @@
       </p:sp>
       <p:cxnSp>
         <p:nvCxnSpPr>
-          <p:cNvPr id="98" name="直線コネクタ 97"/>
+          <p:cNvPr id="120" name="直線コネクタ 119"/>
           <p:cNvCxnSpPr/>
           <p:nvPr/>
         </p:nvCxnSpPr>
@@ -14873,7 +17141,7 @@
       </p:cxnSp>
       <p:cxnSp>
         <p:nvCxnSpPr>
-          <p:cNvPr id="99" name="直線コネクタ 98"/>
+          <p:cNvPr id="121" name="直線コネクタ 120"/>
           <p:cNvCxnSpPr/>
           <p:nvPr/>
         </p:nvCxnSpPr>
@@ -14908,7 +17176,7 @@
       </p:cxnSp>
       <p:cxnSp>
         <p:nvCxnSpPr>
-          <p:cNvPr id="100" name="直線コネクタ 99"/>
+          <p:cNvPr id="122" name="直線コネクタ 121"/>
           <p:cNvCxnSpPr/>
           <p:nvPr/>
         </p:nvCxnSpPr>
@@ -14941,9 +17209,739 @@
           </a:fontRef>
         </p:style>
       </p:cxnSp>
-      <p:sp>
-        <p:nvSpPr>
-          <p:cNvPr id="101" name="正方形/長方形 100"/>
+      <p:cxnSp>
+        <p:nvCxnSpPr>
+          <p:cNvPr id="123" name="直線コネクタ 122"/>
+          <p:cNvCxnSpPr/>
+          <p:nvPr/>
+        </p:nvCxnSpPr>
+        <p:spPr>
+          <a:xfrm>
+            <a:off x="923931" y="2034307"/>
+            <a:ext cx="7250251" cy="0"/>
+          </a:xfrm>
+          <a:prstGeom prst="line">
+            <a:avLst/>
+          </a:prstGeom>
+          <a:ln>
+            <a:solidFill>
+              <a:schemeClr val="bg1">
+                <a:lumMod val="65000"/>
+              </a:schemeClr>
+            </a:solidFill>
+          </a:ln>
+          <a:effectLst/>
+        </p:spPr>
+        <p:style>
+          <a:lnRef idx="2">
+            <a:schemeClr val="accent1"/>
+          </a:lnRef>
+          <a:fillRef idx="0">
+            <a:schemeClr val="accent1"/>
+          </a:fillRef>
+          <a:effectRef idx="1">
+            <a:schemeClr val="accent1"/>
+          </a:effectRef>
+          <a:fontRef idx="minor">
+            <a:schemeClr val="tx1"/>
+          </a:fontRef>
+        </p:style>
+      </p:cxnSp>
+      <p:sp>
+        <p:nvSpPr>
+          <p:cNvPr id="124" name="テキスト ボックス 123"/>
+          <p:cNvSpPr txBox="1"/>
+          <p:nvPr/>
+        </p:nvSpPr>
+        <p:spPr>
+          <a:xfrm>
+            <a:off x="890993" y="1659566"/>
+            <a:ext cx="646331" cy="276999"/>
+          </a:xfrm>
+          <a:prstGeom prst="rect">
+            <a:avLst/>
+          </a:prstGeom>
+          <a:noFill/>
+        </p:spPr>
+        <p:txBody>
+          <a:bodyPr wrap="none" rtlCol="0">
+            <a:spAutoFit/>
+          </a:bodyPr>
+          <a:lstStyle/>
+          <a:p>
+            <a:r>
+              <a:rPr kumimoji="1" lang="ja-JP" altLang="en-US" sz="1200" dirty="0" smtClean="0">
+                <a:latin typeface="メイリオ"/>
+                <a:ea typeface="メイリオ"/>
+                <a:cs typeface="メイリオ"/>
+              </a:rPr>
+              <a:t>日付：</a:t>
+            </a:r>
+            <a:endParaRPr kumimoji="1" lang="ja-JP" altLang="en-US" sz="1200" dirty="0">
+              <a:latin typeface="メイリオ"/>
+              <a:ea typeface="メイリオ"/>
+              <a:cs typeface="メイリオ"/>
+            </a:endParaRPr>
+          </a:p>
+        </p:txBody>
+      </p:sp>
+      <p:sp>
+        <p:nvSpPr>
+          <p:cNvPr id="125" name="角丸四角形 124"/>
+          <p:cNvSpPr/>
+          <p:nvPr/>
+        </p:nvSpPr>
+        <p:spPr>
+          <a:xfrm>
+            <a:off x="1469168" y="1722329"/>
+            <a:ext cx="352321" cy="158766"/>
+          </a:xfrm>
+          <a:prstGeom prst="roundRect">
+            <a:avLst/>
+          </a:prstGeom>
+          <a:noFill/>
+          <a:ln w="25400">
+            <a:solidFill>
+              <a:schemeClr val="tx1"/>
+            </a:solidFill>
+          </a:ln>
+          <a:effectLst/>
+        </p:spPr>
+        <p:style>
+          <a:lnRef idx="1">
+            <a:schemeClr val="accent1"/>
+          </a:lnRef>
+          <a:fillRef idx="3">
+            <a:schemeClr val="accent1"/>
+          </a:fillRef>
+          <a:effectRef idx="2">
+            <a:schemeClr val="accent1"/>
+          </a:effectRef>
+          <a:fontRef idx="minor">
+            <a:schemeClr val="lt1"/>
+          </a:fontRef>
+        </p:style>
+        <p:txBody>
+          <a:bodyPr rtlCol="0" anchor="ctr"/>
+          <a:lstStyle/>
+          <a:p>
+            <a:pPr algn="ctr"/>
+            <a:endParaRPr kumimoji="1" lang="ja-JP" altLang="en-US"/>
+          </a:p>
+        </p:txBody>
+      </p:sp>
+      <p:sp>
+        <p:nvSpPr>
+          <p:cNvPr id="126" name="テキスト ボックス 125"/>
+          <p:cNvSpPr txBox="1"/>
+          <p:nvPr/>
+        </p:nvSpPr>
+        <p:spPr>
+          <a:xfrm>
+            <a:off x="1786644" y="1659566"/>
+            <a:ext cx="338554" cy="276999"/>
+          </a:xfrm>
+          <a:prstGeom prst="rect">
+            <a:avLst/>
+          </a:prstGeom>
+          <a:noFill/>
+        </p:spPr>
+        <p:txBody>
+          <a:bodyPr wrap="none" rtlCol="0">
+            <a:spAutoFit/>
+          </a:bodyPr>
+          <a:lstStyle/>
+          <a:p>
+            <a:r>
+              <a:rPr lang="en-US" altLang="en-US" sz="1200" dirty="0" smtClean="0">
+                <a:latin typeface="メイリオ"/>
+                <a:ea typeface="メイリオ"/>
+                <a:cs typeface="メイリオ"/>
+              </a:rPr>
+              <a:t>〜</a:t>
+            </a:r>
+            <a:endParaRPr kumimoji="1" lang="ja-JP" altLang="en-US" sz="1200" dirty="0">
+              <a:latin typeface="メイリオ"/>
+              <a:ea typeface="メイリオ"/>
+              <a:cs typeface="メイリオ"/>
+            </a:endParaRPr>
+          </a:p>
+        </p:txBody>
+      </p:sp>
+      <p:sp>
+        <p:nvSpPr>
+          <p:cNvPr id="127" name="テキスト ボックス 126"/>
+          <p:cNvSpPr txBox="1"/>
+          <p:nvPr/>
+        </p:nvSpPr>
+        <p:spPr>
+          <a:xfrm>
+            <a:off x="2465123" y="1656944"/>
+            <a:ext cx="646331" cy="276999"/>
+          </a:xfrm>
+          <a:prstGeom prst="rect">
+            <a:avLst/>
+          </a:prstGeom>
+          <a:noFill/>
+        </p:spPr>
+        <p:txBody>
+          <a:bodyPr wrap="none" rtlCol="0">
+            <a:spAutoFit/>
+          </a:bodyPr>
+          <a:lstStyle/>
+          <a:p>
+            <a:r>
+              <a:rPr lang="ja-JP" altLang="en-US" sz="1200" dirty="0" smtClean="0">
+                <a:latin typeface="メイリオ"/>
+                <a:ea typeface="メイリオ"/>
+                <a:cs typeface="メイリオ"/>
+              </a:rPr>
+              <a:t>内容</a:t>
+            </a:r>
+            <a:r>
+              <a:rPr kumimoji="1" lang="ja-JP" altLang="en-US" sz="1200" dirty="0" smtClean="0">
+                <a:latin typeface="メイリオ"/>
+                <a:ea typeface="メイリオ"/>
+                <a:cs typeface="メイリオ"/>
+              </a:rPr>
+              <a:t>：</a:t>
+            </a:r>
+            <a:endParaRPr kumimoji="1" lang="ja-JP" altLang="en-US" sz="1200" dirty="0">
+              <a:latin typeface="メイリオ"/>
+              <a:ea typeface="メイリオ"/>
+              <a:cs typeface="メイリオ"/>
+            </a:endParaRPr>
+          </a:p>
+        </p:txBody>
+      </p:sp>
+      <p:sp>
+        <p:nvSpPr>
+          <p:cNvPr id="128" name="角丸四角形 127"/>
+          <p:cNvSpPr/>
+          <p:nvPr/>
+        </p:nvSpPr>
+        <p:spPr>
+          <a:xfrm>
+            <a:off x="3034657" y="1720187"/>
+            <a:ext cx="797002" cy="165946"/>
+          </a:xfrm>
+          <a:prstGeom prst="roundRect">
+            <a:avLst/>
+          </a:prstGeom>
+          <a:noFill/>
+          <a:ln w="25400">
+            <a:solidFill>
+              <a:schemeClr val="tx1"/>
+            </a:solidFill>
+          </a:ln>
+          <a:effectLst/>
+        </p:spPr>
+        <p:style>
+          <a:lnRef idx="1">
+            <a:schemeClr val="accent1"/>
+          </a:lnRef>
+          <a:fillRef idx="3">
+            <a:schemeClr val="accent1"/>
+          </a:fillRef>
+          <a:effectRef idx="2">
+            <a:schemeClr val="accent1"/>
+          </a:effectRef>
+          <a:fontRef idx="minor">
+            <a:schemeClr val="lt1"/>
+          </a:fontRef>
+        </p:style>
+        <p:txBody>
+          <a:bodyPr rtlCol="0" anchor="ctr"/>
+          <a:lstStyle/>
+          <a:p>
+            <a:pPr algn="ctr"/>
+            <a:endParaRPr kumimoji="1" lang="ja-JP" altLang="en-US"/>
+          </a:p>
+        </p:txBody>
+      </p:sp>
+      <p:sp>
+        <p:nvSpPr>
+          <p:cNvPr id="129" name="角丸四角形 128"/>
+          <p:cNvSpPr/>
+          <p:nvPr/>
+        </p:nvSpPr>
+        <p:spPr>
+          <a:xfrm>
+            <a:off x="3877789" y="1722410"/>
+            <a:ext cx="602185" cy="165865"/>
+          </a:xfrm>
+          <a:prstGeom prst="roundRect">
+            <a:avLst/>
+          </a:prstGeom>
+          <a:noFill/>
+          <a:ln w="25400">
+            <a:solidFill>
+              <a:schemeClr val="tx1"/>
+            </a:solidFill>
+          </a:ln>
+          <a:effectLst/>
+        </p:spPr>
+        <p:style>
+          <a:lnRef idx="1">
+            <a:schemeClr val="accent1"/>
+          </a:lnRef>
+          <a:fillRef idx="3">
+            <a:schemeClr val="accent1"/>
+          </a:fillRef>
+          <a:effectRef idx="2">
+            <a:schemeClr val="accent1"/>
+          </a:effectRef>
+          <a:fontRef idx="minor">
+            <a:schemeClr val="lt1"/>
+          </a:fontRef>
+        </p:style>
+        <p:txBody>
+          <a:bodyPr rtlCol="0" anchor="ctr"/>
+          <a:lstStyle/>
+          <a:p>
+            <a:r>
+              <a:rPr kumimoji="1" lang="ja-JP" altLang="en-US" sz="800" dirty="0" smtClean="0">
+                <a:solidFill>
+                  <a:schemeClr val="tx1"/>
+                </a:solidFill>
+                <a:latin typeface="メイリオ"/>
+                <a:ea typeface="メイリオ"/>
+                <a:cs typeface="メイリオ"/>
+              </a:rPr>
+              <a:t>を含む</a:t>
+            </a:r>
+            <a:endParaRPr kumimoji="1" lang="ja-JP" altLang="en-US" sz="800" dirty="0">
+              <a:solidFill>
+                <a:schemeClr val="tx1"/>
+              </a:solidFill>
+              <a:latin typeface="メイリオ"/>
+              <a:ea typeface="メイリオ"/>
+              <a:cs typeface="メイリオ"/>
+            </a:endParaRPr>
+          </a:p>
+        </p:txBody>
+      </p:sp>
+      <p:sp>
+        <p:nvSpPr>
+          <p:cNvPr id="130" name="二等辺三角形 129"/>
+          <p:cNvSpPr/>
+          <p:nvPr/>
+        </p:nvSpPr>
+        <p:spPr>
+          <a:xfrm rot="10800000">
+            <a:off x="4322286" y="1761549"/>
+            <a:ext cx="108000" cy="108000"/>
+          </a:xfrm>
+          <a:prstGeom prst="triangle">
+            <a:avLst/>
+          </a:prstGeom>
+          <a:solidFill>
+            <a:schemeClr val="tx1"/>
+          </a:solidFill>
+          <a:ln>
+            <a:noFill/>
+          </a:ln>
+          <a:effectLst/>
+        </p:spPr>
+        <p:style>
+          <a:lnRef idx="1">
+            <a:schemeClr val="accent1"/>
+          </a:lnRef>
+          <a:fillRef idx="3">
+            <a:schemeClr val="accent1"/>
+          </a:fillRef>
+          <a:effectRef idx="2">
+            <a:schemeClr val="accent1"/>
+          </a:effectRef>
+          <a:fontRef idx="minor">
+            <a:schemeClr val="lt1"/>
+          </a:fontRef>
+        </p:style>
+        <p:txBody>
+          <a:bodyPr rtlCol="0" anchor="ctr"/>
+          <a:lstStyle/>
+          <a:p>
+            <a:pPr algn="ctr"/>
+            <a:endParaRPr kumimoji="1" lang="ja-JP" altLang="en-US"/>
+          </a:p>
+        </p:txBody>
+      </p:sp>
+      <p:sp>
+        <p:nvSpPr>
+          <p:cNvPr id="131" name="テキスト ボックス 130"/>
+          <p:cNvSpPr txBox="1"/>
+          <p:nvPr/>
+        </p:nvSpPr>
+        <p:spPr>
+          <a:xfrm>
+            <a:off x="4494298" y="1660170"/>
+            <a:ext cx="954107" cy="276999"/>
+          </a:xfrm>
+          <a:prstGeom prst="rect">
+            <a:avLst/>
+          </a:prstGeom>
+          <a:noFill/>
+        </p:spPr>
+        <p:txBody>
+          <a:bodyPr wrap="none" rtlCol="0">
+            <a:spAutoFit/>
+          </a:bodyPr>
+          <a:lstStyle/>
+          <a:p>
+            <a:r>
+              <a:rPr lang="ja-JP" altLang="en-US" sz="1200" dirty="0" smtClean="0">
+                <a:latin typeface="メイリオ"/>
+                <a:ea typeface="メイリオ"/>
+                <a:cs typeface="メイリオ"/>
+              </a:rPr>
+              <a:t>カテゴリ</a:t>
+            </a:r>
+            <a:r>
+              <a:rPr kumimoji="1" lang="ja-JP" altLang="en-US" sz="1200" dirty="0" smtClean="0">
+                <a:latin typeface="メイリオ"/>
+                <a:ea typeface="メイリオ"/>
+                <a:cs typeface="メイリオ"/>
+              </a:rPr>
+              <a:t>：</a:t>
+            </a:r>
+            <a:endParaRPr kumimoji="1" lang="ja-JP" altLang="en-US" sz="1200" dirty="0">
+              <a:latin typeface="メイリオ"/>
+              <a:ea typeface="メイリオ"/>
+              <a:cs typeface="メイリオ"/>
+            </a:endParaRPr>
+          </a:p>
+        </p:txBody>
+      </p:sp>
+      <p:sp>
+        <p:nvSpPr>
+          <p:cNvPr id="132" name="角丸四角形 131"/>
+          <p:cNvSpPr/>
+          <p:nvPr/>
+        </p:nvSpPr>
+        <p:spPr>
+          <a:xfrm>
+            <a:off x="5370510" y="1715149"/>
+            <a:ext cx="560480" cy="165946"/>
+          </a:xfrm>
+          <a:prstGeom prst="roundRect">
+            <a:avLst/>
+          </a:prstGeom>
+          <a:noFill/>
+          <a:ln w="25400">
+            <a:solidFill>
+              <a:schemeClr val="tx1"/>
+            </a:solidFill>
+          </a:ln>
+          <a:effectLst/>
+        </p:spPr>
+        <p:style>
+          <a:lnRef idx="1">
+            <a:schemeClr val="accent1"/>
+          </a:lnRef>
+          <a:fillRef idx="3">
+            <a:schemeClr val="accent1"/>
+          </a:fillRef>
+          <a:effectRef idx="2">
+            <a:schemeClr val="accent1"/>
+          </a:effectRef>
+          <a:fontRef idx="minor">
+            <a:schemeClr val="lt1"/>
+          </a:fontRef>
+        </p:style>
+        <p:txBody>
+          <a:bodyPr rtlCol="0" anchor="ctr"/>
+          <a:lstStyle/>
+          <a:p>
+            <a:pPr algn="ctr"/>
+            <a:endParaRPr kumimoji="1" lang="ja-JP" altLang="en-US"/>
+          </a:p>
+        </p:txBody>
+      </p:sp>
+      <p:sp>
+        <p:nvSpPr>
+          <p:cNvPr id="133" name="テキスト ボックス 132"/>
+          <p:cNvSpPr txBox="1"/>
+          <p:nvPr/>
+        </p:nvSpPr>
+        <p:spPr>
+          <a:xfrm>
+            <a:off x="5949540" y="1649229"/>
+            <a:ext cx="646331" cy="276999"/>
+          </a:xfrm>
+          <a:prstGeom prst="rect">
+            <a:avLst/>
+          </a:prstGeom>
+          <a:noFill/>
+        </p:spPr>
+        <p:txBody>
+          <a:bodyPr wrap="none" rtlCol="0">
+            <a:spAutoFit/>
+          </a:bodyPr>
+          <a:lstStyle/>
+          <a:p>
+            <a:r>
+              <a:rPr lang="ja-JP" altLang="en-US" sz="1200" dirty="0" smtClean="0">
+                <a:latin typeface="メイリオ"/>
+                <a:ea typeface="メイリオ"/>
+                <a:cs typeface="メイリオ"/>
+              </a:rPr>
+              <a:t>金額</a:t>
+            </a:r>
+            <a:r>
+              <a:rPr kumimoji="1" lang="ja-JP" altLang="en-US" sz="1200" dirty="0" smtClean="0">
+                <a:latin typeface="メイリオ"/>
+                <a:ea typeface="メイリオ"/>
+                <a:cs typeface="メイリオ"/>
+              </a:rPr>
+              <a:t>：</a:t>
+            </a:r>
+            <a:endParaRPr kumimoji="1" lang="ja-JP" altLang="en-US" sz="1200" dirty="0">
+              <a:latin typeface="メイリオ"/>
+              <a:ea typeface="メイリオ"/>
+              <a:cs typeface="メイリオ"/>
+            </a:endParaRPr>
+          </a:p>
+        </p:txBody>
+      </p:sp>
+      <p:sp>
+        <p:nvSpPr>
+          <p:cNvPr id="134" name="角丸四角形 133"/>
+          <p:cNvSpPr/>
+          <p:nvPr/>
+        </p:nvSpPr>
+        <p:spPr>
+          <a:xfrm>
+            <a:off x="2087658" y="1715007"/>
+            <a:ext cx="352321" cy="158766"/>
+          </a:xfrm>
+          <a:prstGeom prst="roundRect">
+            <a:avLst/>
+          </a:prstGeom>
+          <a:noFill/>
+          <a:ln w="25400">
+            <a:solidFill>
+              <a:schemeClr val="tx1"/>
+            </a:solidFill>
+          </a:ln>
+          <a:effectLst/>
+        </p:spPr>
+        <p:style>
+          <a:lnRef idx="1">
+            <a:schemeClr val="accent1"/>
+          </a:lnRef>
+          <a:fillRef idx="3">
+            <a:schemeClr val="accent1"/>
+          </a:fillRef>
+          <a:effectRef idx="2">
+            <a:schemeClr val="accent1"/>
+          </a:effectRef>
+          <a:fontRef idx="minor">
+            <a:schemeClr val="lt1"/>
+          </a:fontRef>
+        </p:style>
+        <p:txBody>
+          <a:bodyPr rtlCol="0" anchor="ctr"/>
+          <a:lstStyle/>
+          <a:p>
+            <a:pPr algn="ctr"/>
+            <a:endParaRPr kumimoji="1" lang="ja-JP" altLang="en-US"/>
+          </a:p>
+        </p:txBody>
+      </p:sp>
+      <p:sp>
+        <p:nvSpPr>
+          <p:cNvPr id="135" name="角丸四角形 134"/>
+          <p:cNvSpPr/>
+          <p:nvPr/>
+        </p:nvSpPr>
+        <p:spPr>
+          <a:xfrm>
+            <a:off x="6513621" y="1723285"/>
+            <a:ext cx="352321" cy="158766"/>
+          </a:xfrm>
+          <a:prstGeom prst="roundRect">
+            <a:avLst/>
+          </a:prstGeom>
+          <a:noFill/>
+          <a:ln w="25400">
+            <a:solidFill>
+              <a:schemeClr val="tx1"/>
+            </a:solidFill>
+          </a:ln>
+          <a:effectLst/>
+        </p:spPr>
+        <p:style>
+          <a:lnRef idx="1">
+            <a:schemeClr val="accent1"/>
+          </a:lnRef>
+          <a:fillRef idx="3">
+            <a:schemeClr val="accent1"/>
+          </a:fillRef>
+          <a:effectRef idx="2">
+            <a:schemeClr val="accent1"/>
+          </a:effectRef>
+          <a:fontRef idx="minor">
+            <a:schemeClr val="lt1"/>
+          </a:fontRef>
+        </p:style>
+        <p:txBody>
+          <a:bodyPr rtlCol="0" anchor="ctr"/>
+          <a:lstStyle/>
+          <a:p>
+            <a:pPr algn="ctr"/>
+            <a:endParaRPr kumimoji="1" lang="ja-JP" altLang="en-US"/>
+          </a:p>
+        </p:txBody>
+      </p:sp>
+      <p:sp>
+        <p:nvSpPr>
+          <p:cNvPr id="136" name="テキスト ボックス 135"/>
+          <p:cNvSpPr txBox="1"/>
+          <p:nvPr/>
+        </p:nvSpPr>
+        <p:spPr>
+          <a:xfrm>
+            <a:off x="6831097" y="1660522"/>
+            <a:ext cx="338554" cy="276999"/>
+          </a:xfrm>
+          <a:prstGeom prst="rect">
+            <a:avLst/>
+          </a:prstGeom>
+          <a:noFill/>
+        </p:spPr>
+        <p:txBody>
+          <a:bodyPr wrap="none" rtlCol="0">
+            <a:spAutoFit/>
+          </a:bodyPr>
+          <a:lstStyle/>
+          <a:p>
+            <a:r>
+              <a:rPr lang="en-US" altLang="en-US" sz="1200" dirty="0" smtClean="0">
+                <a:latin typeface="メイリオ"/>
+                <a:ea typeface="メイリオ"/>
+                <a:cs typeface="メイリオ"/>
+              </a:rPr>
+              <a:t>〜</a:t>
+            </a:r>
+            <a:endParaRPr kumimoji="1" lang="ja-JP" altLang="en-US" sz="1200" dirty="0">
+              <a:latin typeface="メイリオ"/>
+              <a:ea typeface="メイリオ"/>
+              <a:cs typeface="メイリオ"/>
+            </a:endParaRPr>
+          </a:p>
+        </p:txBody>
+      </p:sp>
+      <p:sp>
+        <p:nvSpPr>
+          <p:cNvPr id="137" name="角丸四角形 136"/>
+          <p:cNvSpPr/>
+          <p:nvPr/>
+        </p:nvSpPr>
+        <p:spPr>
+          <a:xfrm>
+            <a:off x="7132111" y="1715963"/>
+            <a:ext cx="352321" cy="158766"/>
+          </a:xfrm>
+          <a:prstGeom prst="roundRect">
+            <a:avLst/>
+          </a:prstGeom>
+          <a:noFill/>
+          <a:ln w="25400">
+            <a:solidFill>
+              <a:schemeClr val="tx1"/>
+            </a:solidFill>
+          </a:ln>
+          <a:effectLst/>
+        </p:spPr>
+        <p:style>
+          <a:lnRef idx="1">
+            <a:schemeClr val="accent1"/>
+          </a:lnRef>
+          <a:fillRef idx="3">
+            <a:schemeClr val="accent1"/>
+          </a:fillRef>
+          <a:effectRef idx="2">
+            <a:schemeClr val="accent1"/>
+          </a:effectRef>
+          <a:fontRef idx="minor">
+            <a:schemeClr val="lt1"/>
+          </a:fontRef>
+        </p:style>
+        <p:txBody>
+          <a:bodyPr rtlCol="0" anchor="ctr"/>
+          <a:lstStyle/>
+          <a:p>
+            <a:pPr algn="ctr"/>
+            <a:endParaRPr kumimoji="1" lang="ja-JP" altLang="en-US"/>
+          </a:p>
+        </p:txBody>
+      </p:sp>
+      <p:sp>
+        <p:nvSpPr>
+          <p:cNvPr id="138" name="角丸四角形 137"/>
+          <p:cNvSpPr/>
+          <p:nvPr/>
+        </p:nvSpPr>
+        <p:spPr>
+          <a:xfrm>
+            <a:off x="7553038" y="1639397"/>
+            <a:ext cx="550589" cy="299213"/>
+          </a:xfrm>
+          <a:prstGeom prst="roundRect">
+            <a:avLst/>
+          </a:prstGeom>
+          <a:noFill/>
+          <a:ln w="25400">
+            <a:solidFill>
+              <a:schemeClr val="tx1"/>
+            </a:solidFill>
+          </a:ln>
+          <a:effectLst/>
+        </p:spPr>
+        <p:style>
+          <a:lnRef idx="1">
+            <a:schemeClr val="accent1"/>
+          </a:lnRef>
+          <a:fillRef idx="3">
+            <a:schemeClr val="accent1"/>
+          </a:fillRef>
+          <a:effectRef idx="2">
+            <a:schemeClr val="accent1"/>
+          </a:effectRef>
+          <a:fontRef idx="minor">
+            <a:schemeClr val="lt1"/>
+          </a:fontRef>
+        </p:style>
+        <p:txBody>
+          <a:bodyPr rtlCol="0" anchor="ctr"/>
+          <a:lstStyle/>
+          <a:p>
+            <a:pPr algn="ctr"/>
+            <a:r>
+              <a:rPr lang="ja-JP" altLang="en-US" sz="1200" dirty="0" smtClean="0">
+                <a:solidFill>
+                  <a:schemeClr val="tx1"/>
+                </a:solidFill>
+                <a:latin typeface="メイリオ"/>
+                <a:ea typeface="メイリオ"/>
+                <a:cs typeface="メイリオ"/>
+              </a:rPr>
+              <a:t>検索</a:t>
+            </a:r>
+            <a:endParaRPr kumimoji="1" lang="ja-JP" altLang="en-US" sz="1200" dirty="0">
+              <a:solidFill>
+                <a:schemeClr val="tx1"/>
+              </a:solidFill>
+              <a:latin typeface="メイリオ"/>
+              <a:ea typeface="メイリオ"/>
+              <a:cs typeface="メイリオ"/>
+            </a:endParaRPr>
+          </a:p>
+        </p:txBody>
+      </p:sp>
+      <p:sp>
+        <p:nvSpPr>
+          <p:cNvPr id="139" name="正方形/長方形 138"/>
           <p:cNvSpPr/>
           <p:nvPr/>
         </p:nvSpPr>
@@ -14991,6 +17989,60 @@
               <a:solidFill>
                 <a:schemeClr val="tx1"/>
               </a:solidFill>
+              <a:latin typeface="メイリオ"/>
+              <a:ea typeface="メイリオ"/>
+              <a:cs typeface="メイリオ"/>
+            </a:endParaRPr>
+          </a:p>
+        </p:txBody>
+      </p:sp>
+      <p:sp>
+        <p:nvSpPr>
+          <p:cNvPr id="4" name="テキスト ボックス 3"/>
+          <p:cNvSpPr txBox="1"/>
+          <p:nvPr/>
+        </p:nvSpPr>
+        <p:spPr>
+          <a:xfrm>
+            <a:off x="200532" y="187161"/>
+            <a:ext cx="4134465" cy="523220"/>
+          </a:xfrm>
+          <a:prstGeom prst="rect">
+            <a:avLst/>
+          </a:prstGeom>
+          <a:noFill/>
+        </p:spPr>
+        <p:txBody>
+          <a:bodyPr wrap="none" rtlCol="0">
+            <a:spAutoFit/>
+          </a:bodyPr>
+          <a:lstStyle/>
+          <a:p>
+            <a:r>
+              <a:rPr lang="ja-JP" altLang="en-US" sz="2800" dirty="0" smtClean="0">
+                <a:latin typeface="メイリオ"/>
+                <a:ea typeface="メイリオ"/>
+                <a:cs typeface="メイリオ"/>
+              </a:rPr>
+              <a:t>管理画面（</a:t>
+            </a:r>
+            <a:r>
+              <a:rPr lang="en-US" altLang="en-US" sz="2800" dirty="0" smtClean="0">
+                <a:latin typeface="メイリオ"/>
+                <a:ea typeface="メイリオ"/>
+                <a:cs typeface="メイリオ"/>
+              </a:rPr>
+              <a:t>削除確認</a:t>
+            </a:r>
+            <a:r>
+              <a:rPr lang="ja-JP" altLang="en-US" sz="2800" dirty="0" smtClean="0">
+                <a:latin typeface="メイリオ"/>
+                <a:ea typeface="メイリオ"/>
+                <a:cs typeface="メイリオ"/>
+              </a:rPr>
+              <a:t>時）</a:t>
+            </a:r>
+            <a:endParaRPr kumimoji="1" lang="ja-JP" altLang="en-US" sz="2000" dirty="0">
               <a:latin typeface="メイリオ"/>
               <a:ea typeface="メイリオ"/>
               <a:cs typeface="メイリオ"/>

--- a/payment_manager/bin/algieba.pptx
+++ b/payment_manager/bin/algieba.pptx
@@ -200,7 +200,7 @@
           <a:p>
             <a:fld id="{EE82FEE5-269B-9B49-A8C4-823C45BE6055}" type="datetimeFigureOut">
               <a:rPr kumimoji="1" lang="ja-JP" altLang="en-US" smtClean="0"/>
-              <a:t>17/09/10</a:t>
+              <a:t>17/10/11</a:t>
             </a:fld>
             <a:endParaRPr kumimoji="1" lang="ja-JP" altLang="en-US"/>
           </a:p>
@@ -1353,7 +1353,7 @@
           <a:p>
             <a:fld id="{3ABA01A1-4899-9944-833D-6A66CDE659CB}" type="datetimeFigureOut">
               <a:rPr kumimoji="1" lang="ja-JP" altLang="en-US" smtClean="0"/>
-              <a:t>17/09/10</a:t>
+              <a:t>17/10/11</a:t>
             </a:fld>
             <a:endParaRPr kumimoji="1" lang="ja-JP" altLang="en-US"/>
           </a:p>
@@ -1555,7 +1555,7 @@
           <a:p>
             <a:fld id="{3ABA01A1-4899-9944-833D-6A66CDE659CB}" type="datetimeFigureOut">
               <a:rPr kumimoji="1" lang="ja-JP" altLang="en-US" smtClean="0"/>
-              <a:t>17/09/10</a:t>
+              <a:t>17/10/11</a:t>
             </a:fld>
             <a:endParaRPr kumimoji="1" lang="ja-JP" altLang="en-US"/>
           </a:p>
@@ -1767,7 +1767,7 @@
           <a:p>
             <a:fld id="{3ABA01A1-4899-9944-833D-6A66CDE659CB}" type="datetimeFigureOut">
               <a:rPr kumimoji="1" lang="ja-JP" altLang="en-US" smtClean="0"/>
-              <a:t>17/09/10</a:t>
+              <a:t>17/10/11</a:t>
             </a:fld>
             <a:endParaRPr kumimoji="1" lang="ja-JP" altLang="en-US"/>
           </a:p>
@@ -1969,7 +1969,7 @@
           <a:p>
             <a:fld id="{3ABA01A1-4899-9944-833D-6A66CDE659CB}" type="datetimeFigureOut">
               <a:rPr kumimoji="1" lang="ja-JP" altLang="en-US" smtClean="0"/>
-              <a:t>17/09/10</a:t>
+              <a:t>17/10/11</a:t>
             </a:fld>
             <a:endParaRPr kumimoji="1" lang="ja-JP" altLang="en-US"/>
           </a:p>
@@ -2215,7 +2215,7 @@
           <a:p>
             <a:fld id="{3ABA01A1-4899-9944-833D-6A66CDE659CB}" type="datetimeFigureOut">
               <a:rPr kumimoji="1" lang="ja-JP" altLang="en-US" smtClean="0"/>
-              <a:t>17/09/10</a:t>
+              <a:t>17/10/11</a:t>
             </a:fld>
             <a:endParaRPr kumimoji="1" lang="ja-JP" altLang="en-US"/>
           </a:p>
@@ -2567,7 +2567,7 @@
           <a:p>
             <a:fld id="{3ABA01A1-4899-9944-833D-6A66CDE659CB}" type="datetimeFigureOut">
               <a:rPr kumimoji="1" lang="ja-JP" altLang="en-US" smtClean="0"/>
-              <a:t>17/09/10</a:t>
+              <a:t>17/10/11</a:t>
             </a:fld>
             <a:endParaRPr kumimoji="1" lang="ja-JP" altLang="en-US"/>
           </a:p>
@@ -3053,7 +3053,7 @@
           <a:p>
             <a:fld id="{3ABA01A1-4899-9944-833D-6A66CDE659CB}" type="datetimeFigureOut">
               <a:rPr kumimoji="1" lang="ja-JP" altLang="en-US" smtClean="0"/>
-              <a:t>17/09/10</a:t>
+              <a:t>17/10/11</a:t>
             </a:fld>
             <a:endParaRPr kumimoji="1" lang="ja-JP" altLang="en-US"/>
           </a:p>
@@ -3171,7 +3171,7 @@
           <a:p>
             <a:fld id="{3ABA01A1-4899-9944-833D-6A66CDE659CB}" type="datetimeFigureOut">
               <a:rPr kumimoji="1" lang="ja-JP" altLang="en-US" smtClean="0"/>
-              <a:t>17/09/10</a:t>
+              <a:t>17/10/11</a:t>
             </a:fld>
             <a:endParaRPr kumimoji="1" lang="ja-JP" altLang="en-US"/>
           </a:p>
@@ -3266,7 +3266,7 @@
           <a:p>
             <a:fld id="{3ABA01A1-4899-9944-833D-6A66CDE659CB}" type="datetimeFigureOut">
               <a:rPr kumimoji="1" lang="ja-JP" altLang="en-US" smtClean="0"/>
-              <a:t>17/09/10</a:t>
+              <a:t>17/10/11</a:t>
             </a:fld>
             <a:endParaRPr kumimoji="1" lang="ja-JP" altLang="en-US"/>
           </a:p>
@@ -3575,7 +3575,7 @@
           <a:p>
             <a:fld id="{3ABA01A1-4899-9944-833D-6A66CDE659CB}" type="datetimeFigureOut">
               <a:rPr kumimoji="1" lang="ja-JP" altLang="en-US" smtClean="0"/>
-              <a:t>17/09/10</a:t>
+              <a:t>17/10/11</a:t>
             </a:fld>
             <a:endParaRPr kumimoji="1" lang="ja-JP" altLang="en-US"/>
           </a:p>
@@ -3828,7 +3828,7 @@
           <a:p>
             <a:fld id="{3ABA01A1-4899-9944-833D-6A66CDE659CB}" type="datetimeFigureOut">
               <a:rPr kumimoji="1" lang="ja-JP" altLang="en-US" smtClean="0"/>
-              <a:t>17/09/10</a:t>
+              <a:t>17/10/11</a:t>
             </a:fld>
             <a:endParaRPr kumimoji="1" lang="ja-JP" altLang="en-US"/>
           </a:p>
@@ -4073,7 +4073,7 @@
           <a:p>
             <a:fld id="{3ABA01A1-4899-9944-833D-6A66CDE659CB}" type="datetimeFigureOut">
               <a:rPr kumimoji="1" lang="ja-JP" altLang="en-US" smtClean="0"/>
-              <a:t>17/09/10</a:t>
+              <a:t>17/10/11</a:t>
             </a:fld>
             <a:endParaRPr kumimoji="1" lang="ja-JP" altLang="en-US"/>
           </a:p>
@@ -4517,15 +4517,19 @@
             </a:r>
             <a:r>
               <a:rPr lang="en-US" altLang="ja-JP" sz="2800" dirty="0" smtClean="0"/>
-              <a:t>2017/</a:t>
+              <a:t>2017</a:t>
             </a:r>
             <a:r>
               <a:rPr lang="en-US" altLang="ja-JP" sz="2800" dirty="0" smtClean="0"/>
-              <a:t>09/16</a:t>
+              <a:t>/</a:t>
             </a:r>
             <a:r>
               <a:rPr lang="en-US" altLang="ja-JP" sz="2800" dirty="0" smtClean="0"/>
-              <a:t/>
+              <a:t>10</a:t>
+            </a:r>
+            <a:r>
+              <a:rPr lang="en-US" altLang="ja-JP" sz="2800" dirty="0" smtClean="0"/>
+              <a:t>/12</a:t>
             </a:r>
             <a:br>
               <a:rPr lang="en-US" altLang="ja-JP" sz="2800" dirty="0" smtClean="0"/>
@@ -4536,11 +4540,7 @@
             </a:r>
             <a:r>
               <a:rPr lang="en-US" altLang="ja-JP" sz="2800" dirty="0" smtClean="0"/>
-              <a:t> </a:t>
-            </a:r>
-            <a:r>
-              <a:rPr lang="en-US" altLang="ja-JP" sz="2800" dirty="0" smtClean="0"/>
-              <a:t>2.9.0</a:t>
+              <a:t> 2.11.0</a:t>
             </a:r>
             <a:endParaRPr kumimoji="1" lang="ja-JP" altLang="en-US" dirty="0"/>
           </a:p>
@@ -4646,15 +4646,7 @@
                 <a:ea typeface="メイリオ"/>
                 <a:cs typeface="メイリオ"/>
               </a:rPr>
-              <a:t>認証画面と管理画面が</a:t>
-            </a:r>
-            <a:r>
-              <a:rPr lang="ja-JP" altLang="en-US" dirty="0" smtClean="0">
-                <a:latin typeface="メイリオ"/>
-                <a:ea typeface="メイリオ"/>
-                <a:cs typeface="メイリオ"/>
-              </a:rPr>
-              <a:t>ある</a:t>
+              <a:t>認証画面と管理画面がある</a:t>
             </a:r>
             <a:endParaRPr lang="en-US" altLang="ja-JP" dirty="0" smtClean="0">
               <a:latin typeface="メイリオ"/>
@@ -4753,42 +4745,26 @@
                 <a:ea typeface="メイリオ"/>
                 <a:cs typeface="メイリオ"/>
               </a:rPr>
-              <a:t>未認証</a:t>
-            </a:r>
+              <a:t>未認証時は認証画面にリダイレクトされる</a:t>
+            </a:r>
+            <a:endParaRPr lang="en-US" altLang="ja-JP" dirty="0" smtClean="0">
+              <a:latin typeface="メイリオ"/>
+              <a:ea typeface="メイリオ"/>
+              <a:cs typeface="メイリオ"/>
+            </a:endParaRPr>
+          </a:p>
+          <a:p>
+            <a:pPr marL="285750" indent="-285750">
+              <a:buFont typeface="Arial"/>
+              <a:buChar char="•"/>
+            </a:pPr>
             <a:r>
               <a:rPr lang="ja-JP" altLang="en-US" dirty="0" smtClean="0">
                 <a:latin typeface="メイリオ"/>
                 <a:ea typeface="メイリオ"/>
                 <a:cs typeface="メイリオ"/>
               </a:rPr>
-              <a:t>時は認証画面にリダイレクトされる</a:t>
-            </a:r>
-            <a:endParaRPr lang="en-US" altLang="ja-JP" dirty="0" smtClean="0">
-              <a:latin typeface="メイリオ"/>
-              <a:ea typeface="メイリオ"/>
-              <a:cs typeface="メイリオ"/>
-            </a:endParaRPr>
-          </a:p>
-          <a:p>
-            <a:pPr marL="285750" indent="-285750">
-              <a:buFont typeface="Arial"/>
-              <a:buChar char="•"/>
-            </a:pPr>
-            <a:r>
-              <a:rPr lang="ja-JP" altLang="en-US" dirty="0" smtClean="0">
-                <a:latin typeface="メイリオ"/>
-                <a:ea typeface="メイリオ"/>
-                <a:cs typeface="メイリオ"/>
-              </a:rPr>
-              <a:t>認証に成功すると管理画面にアクセス</a:t>
-            </a:r>
-            <a:r>
-              <a:rPr lang="ja-JP" altLang="en-US" dirty="0" smtClean="0">
-                <a:latin typeface="メイリオ"/>
-                <a:ea typeface="メイリオ"/>
-                <a:cs typeface="メイリオ"/>
-              </a:rPr>
-              <a:t>できる</a:t>
+              <a:t>認証に成功すると管理画面にアクセスできる</a:t>
             </a:r>
             <a:endParaRPr lang="en-US" altLang="ja-JP" dirty="0" smtClean="0">
               <a:latin typeface="メイリオ"/>
@@ -4947,15 +4923,7 @@
                 <a:ea typeface="メイリオ"/>
                 <a:cs typeface="メイリオ"/>
               </a:rPr>
-              <a:t>日付</a:t>
-            </a:r>
-            <a:r>
-              <a:rPr lang="ja-JP" altLang="en-US" dirty="0" smtClean="0">
-                <a:latin typeface="メイリオ"/>
-                <a:ea typeface="メイリオ"/>
-                <a:cs typeface="メイリオ"/>
-              </a:rPr>
-              <a:t>は表示されるカレンダーから選択する</a:t>
+              <a:t>日付は表示されるカレンダーから選択する</a:t>
             </a:r>
             <a:endParaRPr lang="en-US" altLang="ja-JP" dirty="0" smtClean="0">
               <a:latin typeface="メイリオ"/>
@@ -5032,31 +5000,7 @@
                 <a:ea typeface="メイリオ"/>
                 <a:cs typeface="メイリオ"/>
               </a:rPr>
-              <a:t>収支情報が登録され</a:t>
-            </a:r>
-            <a:r>
-              <a:rPr lang="ja-JP" altLang="en-US" dirty="0" smtClean="0">
-                <a:latin typeface="メイリオ"/>
-                <a:ea typeface="メイリオ"/>
-                <a:cs typeface="メイリオ"/>
-              </a:rPr>
-              <a:t>、</a:t>
-            </a:r>
-            <a:r>
-              <a:rPr lang="ja-JP" altLang="en-US" dirty="0" smtClean="0">
-                <a:latin typeface="メイリオ"/>
-                <a:ea typeface="メイリオ"/>
-                <a:cs typeface="メイリオ"/>
-              </a:rPr>
-              <a:t>一覧</a:t>
-            </a:r>
-            <a:r>
-              <a:rPr lang="ja-JP" altLang="en-US" dirty="0" smtClean="0">
-                <a:latin typeface="メイリオ"/>
-                <a:ea typeface="メイリオ"/>
-                <a:cs typeface="メイリオ"/>
-              </a:rPr>
-              <a:t>が</a:t>
+              <a:t>収支情報が登録され、一覧が</a:t>
             </a:r>
             <a:r>
               <a:rPr lang="en-US" altLang="ja-JP" dirty="0">
@@ -5079,15 +5023,7 @@
                 <a:ea typeface="メイリオ"/>
                 <a:cs typeface="メイリオ"/>
               </a:rPr>
-              <a:t>更新</a:t>
-            </a:r>
-            <a:r>
-              <a:rPr lang="ja-JP" altLang="en-US" dirty="0" smtClean="0">
-                <a:latin typeface="メイリオ"/>
-                <a:ea typeface="メイリオ"/>
-                <a:cs typeface="メイリオ"/>
-              </a:rPr>
-              <a:t>される</a:t>
+              <a:t>更新される</a:t>
             </a:r>
             <a:endParaRPr lang="en-US" altLang="ja-JP" dirty="0" smtClean="0">
               <a:latin typeface="メイリオ"/>
@@ -5205,15 +5141,7 @@
                 <a:ea typeface="メイリオ"/>
                 <a:cs typeface="メイリオ"/>
               </a:rPr>
-              <a:t>リセットボタンを押下すると検索条件をリセット</a:t>
-            </a:r>
-            <a:r>
-              <a:rPr lang="ja-JP" altLang="en-US" dirty="0" smtClean="0">
-                <a:latin typeface="メイリオ"/>
-                <a:ea typeface="メイリオ"/>
-                <a:cs typeface="メイリオ"/>
-              </a:rPr>
-              <a:t>される</a:t>
+              <a:t>リセットボタンを押下すると検索条件をリセットされる</a:t>
             </a:r>
             <a:endParaRPr lang="en-US" altLang="ja-JP" dirty="0" smtClean="0">
               <a:latin typeface="メイリオ"/>
@@ -5243,23 +5171,7 @@
                 <a:ea typeface="メイリオ"/>
                 <a:cs typeface="メイリオ"/>
               </a:rPr>
-              <a:t>一覧画面には</a:t>
-            </a:r>
-            <a:r>
-              <a:rPr lang="ja-JP" altLang="en-US" dirty="0" smtClean="0">
-                <a:latin typeface="メイリオ"/>
-                <a:ea typeface="メイリオ"/>
-                <a:cs typeface="メイリオ"/>
-              </a:rPr>
-              <a:t>１ページ</a:t>
-            </a:r>
-            <a:r>
-              <a:rPr lang="ja-JP" altLang="en-US" dirty="0" smtClean="0">
-                <a:latin typeface="メイリオ"/>
-                <a:ea typeface="メイリオ"/>
-                <a:cs typeface="メイリオ"/>
-              </a:rPr>
-              <a:t>あたり</a:t>
+              <a:t>一覧画面には１ページあたり</a:t>
             </a:r>
             <a:r>
               <a:rPr lang="en-US" altLang="ja-JP" dirty="0" smtClean="0">
@@ -6002,7 +5914,7 @@
           <p:nvPr>
             <p:extLst>
               <p:ext uri="{D42A27DB-BD31-4B8C-83A1-F6EECF244321}">
-                <p14:modId xmlns:p14="http://schemas.microsoft.com/office/powerpoint/2010/main" val="2911963052"/>
+                <p14:modId xmlns:p14="http://schemas.microsoft.com/office/powerpoint/2010/main" val="3093406797"/>
               </p:ext>
             </p:extLst>
           </p:nvPr>
@@ -6503,8 +6415,8 @@
         </p:nvSpPr>
         <p:spPr>
           <a:xfrm>
-            <a:off x="783269" y="935182"/>
-            <a:ext cx="7575640" cy="5541817"/>
+            <a:off x="529279" y="935182"/>
+            <a:ext cx="8095186" cy="5541817"/>
           </a:xfrm>
           <a:prstGeom prst="rect">
             <a:avLst/>
@@ -6555,7 +6467,7 @@
         </p:nvSpPr>
         <p:spPr>
           <a:xfrm>
-            <a:off x="1469168" y="1187601"/>
+            <a:off x="1111273" y="1187601"/>
             <a:ext cx="562830" cy="165946"/>
           </a:xfrm>
           <a:prstGeom prst="roundRect">
@@ -6600,8 +6512,8 @@
         </p:nvSpPr>
         <p:spPr>
           <a:xfrm>
-            <a:off x="890993" y="1114621"/>
-            <a:ext cx="646331" cy="276999"/>
+            <a:off x="590823" y="1136452"/>
+            <a:ext cx="569387" cy="246221"/>
           </a:xfrm>
           <a:prstGeom prst="rect">
             <a:avLst/>
@@ -6615,14 +6527,14 @@
           <a:lstStyle/>
           <a:p>
             <a:r>
-              <a:rPr kumimoji="1" lang="ja-JP" altLang="en-US" sz="1200" dirty="0" smtClean="0">
+              <a:rPr kumimoji="1" lang="ja-JP" altLang="en-US" sz="1000" dirty="0" smtClean="0">
                 <a:latin typeface="メイリオ"/>
                 <a:ea typeface="メイリオ"/>
                 <a:cs typeface="メイリオ"/>
               </a:rPr>
               <a:t>日付：</a:t>
             </a:r>
-            <a:endParaRPr kumimoji="1" lang="ja-JP" altLang="en-US" sz="1200" dirty="0">
+            <a:endParaRPr kumimoji="1" lang="ja-JP" altLang="en-US" sz="1000" dirty="0">
               <a:latin typeface="メイリオ"/>
               <a:ea typeface="メイリオ"/>
               <a:cs typeface="メイリオ"/>
@@ -6638,7 +6550,7 @@
         </p:nvSpPr>
         <p:spPr>
           <a:xfrm>
-            <a:off x="2646774" y="1187601"/>
+            <a:off x="2208064" y="1187601"/>
             <a:ext cx="797002" cy="165946"/>
           </a:xfrm>
           <a:prstGeom prst="roundRect">
@@ -6683,8 +6595,8 @@
         </p:nvSpPr>
         <p:spPr>
           <a:xfrm>
-            <a:off x="2046815" y="1111063"/>
-            <a:ext cx="646331" cy="276999"/>
+            <a:off x="1698033" y="1133027"/>
+            <a:ext cx="569387" cy="246221"/>
           </a:xfrm>
           <a:prstGeom prst="rect">
             <a:avLst/>
@@ -6698,7 +6610,7 @@
           <a:lstStyle/>
           <a:p>
             <a:r>
-              <a:rPr lang="ja-JP" altLang="en-US" sz="1200" dirty="0" smtClean="0">
+              <a:rPr lang="ja-JP" altLang="en-US" sz="1000" dirty="0" smtClean="0">
                 <a:latin typeface="メイリオ"/>
                 <a:ea typeface="メイリオ"/>
                 <a:cs typeface="メイリオ"/>
@@ -6706,14 +6618,14 @@
               <a:t>内容</a:t>
             </a:r>
             <a:r>
-              <a:rPr kumimoji="1" lang="ja-JP" altLang="en-US" sz="1200" dirty="0" smtClean="0">
+              <a:rPr kumimoji="1" lang="ja-JP" altLang="en-US" sz="1000" dirty="0" smtClean="0">
                 <a:latin typeface="メイリオ"/>
                 <a:ea typeface="メイリオ"/>
                 <a:cs typeface="メイリオ"/>
               </a:rPr>
               <a:t>：</a:t>
             </a:r>
-            <a:endParaRPr kumimoji="1" lang="ja-JP" altLang="en-US" sz="1200" dirty="0">
+            <a:endParaRPr kumimoji="1" lang="ja-JP" altLang="en-US" sz="1000" dirty="0">
               <a:latin typeface="メイリオ"/>
               <a:ea typeface="メイリオ"/>
               <a:cs typeface="メイリオ"/>
@@ -6729,7 +6641,7 @@
         </p:nvSpPr>
         <p:spPr>
           <a:xfrm>
-            <a:off x="4346659" y="1187601"/>
+            <a:off x="3780954" y="1187601"/>
             <a:ext cx="560480" cy="165946"/>
           </a:xfrm>
           <a:prstGeom prst="roundRect">
@@ -6774,8 +6686,8 @@
         </p:nvSpPr>
         <p:spPr>
           <a:xfrm>
-            <a:off x="3461822" y="1118689"/>
-            <a:ext cx="954107" cy="276999"/>
+            <a:off x="3011567" y="1141779"/>
+            <a:ext cx="825867" cy="246221"/>
           </a:xfrm>
           <a:prstGeom prst="rect">
             <a:avLst/>
@@ -6789,7 +6701,7 @@
           <a:lstStyle/>
           <a:p>
             <a:r>
-              <a:rPr lang="ja-JP" altLang="en-US" sz="1200" dirty="0" smtClean="0">
+              <a:rPr lang="ja-JP" altLang="en-US" sz="1000" dirty="0" smtClean="0">
                 <a:latin typeface="メイリオ"/>
                 <a:ea typeface="メイリオ"/>
                 <a:cs typeface="メイリオ"/>
@@ -6797,14 +6709,14 @@
               <a:t>カテゴリ</a:t>
             </a:r>
             <a:r>
-              <a:rPr kumimoji="1" lang="ja-JP" altLang="en-US" sz="1200" dirty="0" smtClean="0">
+              <a:rPr kumimoji="1" lang="ja-JP" altLang="en-US" sz="1000" dirty="0" smtClean="0">
                 <a:latin typeface="メイリオ"/>
                 <a:ea typeface="メイリオ"/>
                 <a:cs typeface="メイリオ"/>
               </a:rPr>
               <a:t>：</a:t>
             </a:r>
-            <a:endParaRPr kumimoji="1" lang="ja-JP" altLang="en-US" sz="1200" dirty="0">
+            <a:endParaRPr kumimoji="1" lang="ja-JP" altLang="en-US" sz="1000" dirty="0">
               <a:latin typeface="メイリオ"/>
               <a:ea typeface="メイリオ"/>
               <a:cs typeface="メイリオ"/>
@@ -6820,7 +6732,7 @@
         </p:nvSpPr>
         <p:spPr>
           <a:xfrm>
-            <a:off x="5799922" y="1187601"/>
+            <a:off x="5211127" y="1187601"/>
             <a:ext cx="561630" cy="165946"/>
           </a:xfrm>
           <a:prstGeom prst="roundRect">
@@ -6865,8 +6777,8 @@
         </p:nvSpPr>
         <p:spPr>
           <a:xfrm>
-            <a:off x="5234406" y="1128924"/>
-            <a:ext cx="646331" cy="276999"/>
+            <a:off x="4691791" y="1152014"/>
+            <a:ext cx="569387" cy="246221"/>
           </a:xfrm>
           <a:prstGeom prst="rect">
             <a:avLst/>
@@ -6880,7 +6792,7 @@
           <a:lstStyle/>
           <a:p>
             <a:r>
-              <a:rPr lang="ja-JP" altLang="en-US" sz="1200" dirty="0" smtClean="0">
+              <a:rPr lang="ja-JP" altLang="en-US" sz="1000" dirty="0" smtClean="0">
                 <a:latin typeface="メイリオ"/>
                 <a:ea typeface="メイリオ"/>
                 <a:cs typeface="メイリオ"/>
@@ -6888,14 +6800,14 @@
               <a:t>金額</a:t>
             </a:r>
             <a:r>
-              <a:rPr kumimoji="1" lang="ja-JP" altLang="en-US" sz="1200" dirty="0" smtClean="0">
+              <a:rPr kumimoji="1" lang="ja-JP" altLang="en-US" sz="1000" dirty="0" smtClean="0">
                 <a:latin typeface="メイリオ"/>
                 <a:ea typeface="メイリオ"/>
                 <a:cs typeface="メイリオ"/>
               </a:rPr>
               <a:t>：</a:t>
             </a:r>
-            <a:endParaRPr kumimoji="1" lang="ja-JP" altLang="en-US" sz="1200" dirty="0">
+            <a:endParaRPr kumimoji="1" lang="ja-JP" altLang="en-US" sz="1000" dirty="0">
               <a:latin typeface="メイリオ"/>
               <a:ea typeface="メイリオ"/>
               <a:cs typeface="メイリオ"/>
@@ -6911,8 +6823,8 @@
         </p:nvSpPr>
         <p:spPr>
           <a:xfrm>
-            <a:off x="6515245" y="1118689"/>
-            <a:ext cx="550589" cy="299213"/>
+            <a:off x="6989782" y="1153142"/>
+            <a:ext cx="550589" cy="234858"/>
           </a:xfrm>
           <a:prstGeom prst="roundRect">
             <a:avLst/>
@@ -6945,7 +6857,7 @@
           <a:p>
             <a:pPr algn="ctr"/>
             <a:r>
-              <a:rPr kumimoji="1" lang="ja-JP" altLang="en-US" sz="1200" dirty="0" smtClean="0">
+              <a:rPr kumimoji="1" lang="ja-JP" altLang="en-US" sz="1000" dirty="0" smtClean="0">
                 <a:solidFill>
                   <a:schemeClr val="tx1"/>
                 </a:solidFill>
@@ -6955,7 +6867,7 @@
               </a:rPr>
               <a:t>登録</a:t>
             </a:r>
-            <a:endParaRPr kumimoji="1" lang="ja-JP" altLang="en-US" sz="1200" dirty="0">
+            <a:endParaRPr kumimoji="1" lang="ja-JP" altLang="en-US" sz="1000" dirty="0">
               <a:solidFill>
                 <a:schemeClr val="tx1"/>
               </a:solidFill>
@@ -6974,8 +6886,8 @@
         </p:nvCxnSpPr>
         <p:spPr>
           <a:xfrm>
-            <a:off x="923931" y="1547091"/>
-            <a:ext cx="7250251" cy="0"/>
+            <a:off x="658396" y="1547091"/>
+            <a:ext cx="7827513" cy="0"/>
           </a:xfrm>
           <a:prstGeom prst="line">
             <a:avLst/>
@@ -7528,8 +7440,8 @@
         </p:nvSpPr>
         <p:spPr>
           <a:xfrm>
-            <a:off x="7239002" y="1121482"/>
-            <a:ext cx="864625" cy="299213"/>
+            <a:off x="7621284" y="1153142"/>
+            <a:ext cx="864625" cy="233094"/>
           </a:xfrm>
           <a:prstGeom prst="roundRect">
             <a:avLst/>
@@ -7562,7 +7474,7 @@
           <a:p>
             <a:pPr algn="ctr"/>
             <a:r>
-              <a:rPr lang="en-US" altLang="en-US" sz="1200" dirty="0" smtClean="0">
+              <a:rPr lang="en-US" altLang="en-US" sz="1000" dirty="0" smtClean="0">
                 <a:solidFill>
                   <a:schemeClr val="tx1"/>
                 </a:solidFill>
@@ -7572,7 +7484,7 @@
               </a:rPr>
               <a:t>リセット</a:t>
             </a:r>
-            <a:endParaRPr kumimoji="1" lang="ja-JP" altLang="en-US" sz="1200" dirty="0">
+            <a:endParaRPr kumimoji="1" lang="ja-JP" altLang="en-US" sz="1000" dirty="0">
               <a:solidFill>
                 <a:schemeClr val="tx1"/>
               </a:solidFill>
@@ -7883,160 +7795,175 @@
           </a:prstGeom>
         </p:spPr>
       </p:pic>
-      <p:sp>
-        <p:nvSpPr>
-          <p:cNvPr id="37" name="角丸四角形 36"/>
-          <p:cNvSpPr/>
-          <p:nvPr/>
-        </p:nvSpPr>
-        <p:spPr>
-          <a:xfrm>
-            <a:off x="4954166" y="1192639"/>
+      <p:grpSp>
+        <p:nvGrpSpPr>
+          <p:cNvPr id="6" name="図形グループ 5"/>
+          <p:cNvGrpSpPr/>
+          <p:nvPr/>
+        </p:nvGrpSpPr>
+        <p:grpSpPr>
+          <a:xfrm>
+            <a:off x="4388461" y="1192639"/>
             <a:ext cx="280240" cy="165946"/>
-          </a:xfrm>
-          <a:prstGeom prst="roundRect">
-            <a:avLst/>
-          </a:prstGeom>
-          <a:noFill/>
-          <a:ln w="25400">
-            <a:solidFill>
-              <a:schemeClr val="tx1"/>
-            </a:solidFill>
-          </a:ln>
-          <a:effectLst/>
-        </p:spPr>
-        <p:style>
-          <a:lnRef idx="1">
-            <a:schemeClr val="accent1"/>
-          </a:lnRef>
-          <a:fillRef idx="3">
-            <a:schemeClr val="accent1"/>
-          </a:fillRef>
-          <a:effectRef idx="2">
-            <a:schemeClr val="accent1"/>
-          </a:effectRef>
-          <a:fontRef idx="minor">
-            <a:schemeClr val="lt1"/>
-          </a:fontRef>
-        </p:style>
-        <p:txBody>
-          <a:bodyPr rtlCol="0" anchor="ctr"/>
-          <a:lstStyle/>
-          <a:p>
-            <a:pPr algn="ctr"/>
-            <a:endParaRPr kumimoji="1" lang="ja-JP" altLang="en-US" sz="800" dirty="0">
+            <a:chOff x="4954166" y="1192639"/>
+            <a:chExt cx="280240" cy="165946"/>
+          </a:xfrm>
+        </p:grpSpPr>
+        <p:sp>
+          <p:nvSpPr>
+            <p:cNvPr id="37" name="角丸四角形 36"/>
+            <p:cNvSpPr/>
+            <p:nvPr/>
+          </p:nvSpPr>
+          <p:spPr>
+            <a:xfrm>
+              <a:off x="4954166" y="1192639"/>
+              <a:ext cx="280240" cy="165946"/>
+            </a:xfrm>
+            <a:prstGeom prst="roundRect">
+              <a:avLst/>
+            </a:prstGeom>
+            <a:noFill/>
+            <a:ln w="25400">
               <a:solidFill>
                 <a:schemeClr val="tx1"/>
               </a:solidFill>
-            </a:endParaRPr>
-          </a:p>
-        </p:txBody>
-      </p:sp>
-      <p:cxnSp>
-        <p:nvCxnSpPr>
-          <p:cNvPr id="3" name="直線コネクタ 2"/>
-          <p:cNvCxnSpPr/>
-          <p:nvPr/>
-        </p:nvCxnSpPr>
-        <p:spPr>
-          <a:xfrm>
-            <a:off x="5001261" y="1238058"/>
-            <a:ext cx="181196" cy="0"/>
-          </a:xfrm>
-          <a:prstGeom prst="line">
-            <a:avLst/>
-          </a:prstGeom>
-          <a:ln w="3175">
-            <a:solidFill>
+            </a:ln>
+            <a:effectLst/>
+          </p:spPr>
+          <p:style>
+            <a:lnRef idx="1">
+              <a:schemeClr val="accent1"/>
+            </a:lnRef>
+            <a:fillRef idx="3">
+              <a:schemeClr val="accent1"/>
+            </a:fillRef>
+            <a:effectRef idx="2">
+              <a:schemeClr val="accent1"/>
+            </a:effectRef>
+            <a:fontRef idx="minor">
+              <a:schemeClr val="lt1"/>
+            </a:fontRef>
+          </p:style>
+          <p:txBody>
+            <a:bodyPr rtlCol="0" anchor="ctr"/>
+            <a:lstStyle/>
+            <a:p>
+              <a:pPr algn="ctr"/>
+              <a:endParaRPr kumimoji="1" lang="ja-JP" altLang="en-US" sz="800" dirty="0">
+                <a:solidFill>
+                  <a:schemeClr val="tx1"/>
+                </a:solidFill>
+              </a:endParaRPr>
+            </a:p>
+          </p:txBody>
+        </p:sp>
+        <p:cxnSp>
+          <p:nvCxnSpPr>
+            <p:cNvPr id="3" name="直線コネクタ 2"/>
+            <p:cNvCxnSpPr/>
+            <p:nvPr/>
+          </p:nvCxnSpPr>
+          <p:spPr>
+            <a:xfrm>
+              <a:off x="5001261" y="1238058"/>
+              <a:ext cx="181196" cy="0"/>
+            </a:xfrm>
+            <a:prstGeom prst="line">
+              <a:avLst/>
+            </a:prstGeom>
+            <a:ln w="3175">
+              <a:solidFill>
+                <a:schemeClr val="tx1"/>
+              </a:solidFill>
+            </a:ln>
+          </p:spPr>
+          <p:style>
+            <a:lnRef idx="2">
+              <a:schemeClr val="accent1"/>
+            </a:lnRef>
+            <a:fillRef idx="0">
+              <a:schemeClr val="accent1"/>
+            </a:fillRef>
+            <a:effectRef idx="1">
+              <a:schemeClr val="accent1"/>
+            </a:effectRef>
+            <a:fontRef idx="minor">
               <a:schemeClr val="tx1"/>
-            </a:solidFill>
-          </a:ln>
-        </p:spPr>
-        <p:style>
-          <a:lnRef idx="2">
-            <a:schemeClr val="accent1"/>
-          </a:lnRef>
-          <a:fillRef idx="0">
-            <a:schemeClr val="accent1"/>
-          </a:fillRef>
-          <a:effectRef idx="1">
-            <a:schemeClr val="accent1"/>
-          </a:effectRef>
-          <a:fontRef idx="minor">
-            <a:schemeClr val="tx1"/>
-          </a:fontRef>
-        </p:style>
-      </p:cxnSp>
-      <p:cxnSp>
-        <p:nvCxnSpPr>
-          <p:cNvPr id="48" name="直線コネクタ 47"/>
-          <p:cNvCxnSpPr/>
-          <p:nvPr/>
-        </p:nvCxnSpPr>
-        <p:spPr>
-          <a:xfrm>
-            <a:off x="5001261" y="1277697"/>
-            <a:ext cx="181196" cy="0"/>
-          </a:xfrm>
-          <a:prstGeom prst="line">
-            <a:avLst/>
-          </a:prstGeom>
-          <a:ln w="3175">
-            <a:solidFill>
+            </a:fontRef>
+          </p:style>
+        </p:cxnSp>
+        <p:cxnSp>
+          <p:nvCxnSpPr>
+            <p:cNvPr id="48" name="直線コネクタ 47"/>
+            <p:cNvCxnSpPr/>
+            <p:nvPr/>
+          </p:nvCxnSpPr>
+          <p:spPr>
+            <a:xfrm>
+              <a:off x="5001261" y="1277697"/>
+              <a:ext cx="181196" cy="0"/>
+            </a:xfrm>
+            <a:prstGeom prst="line">
+              <a:avLst/>
+            </a:prstGeom>
+            <a:ln w="3175">
+              <a:solidFill>
+                <a:schemeClr val="tx1"/>
+              </a:solidFill>
+            </a:ln>
+          </p:spPr>
+          <p:style>
+            <a:lnRef idx="2">
+              <a:schemeClr val="accent1"/>
+            </a:lnRef>
+            <a:fillRef idx="0">
+              <a:schemeClr val="accent1"/>
+            </a:fillRef>
+            <a:effectRef idx="1">
+              <a:schemeClr val="accent1"/>
+            </a:effectRef>
+            <a:fontRef idx="minor">
               <a:schemeClr val="tx1"/>
-            </a:solidFill>
-          </a:ln>
-        </p:spPr>
-        <p:style>
-          <a:lnRef idx="2">
-            <a:schemeClr val="accent1"/>
-          </a:lnRef>
-          <a:fillRef idx="0">
-            <a:schemeClr val="accent1"/>
-          </a:fillRef>
-          <a:effectRef idx="1">
-            <a:schemeClr val="accent1"/>
-          </a:effectRef>
-          <a:fontRef idx="minor">
-            <a:schemeClr val="tx1"/>
-          </a:fontRef>
-        </p:style>
-      </p:cxnSp>
-      <p:cxnSp>
-        <p:nvCxnSpPr>
-          <p:cNvPr id="49" name="直線コネクタ 48"/>
-          <p:cNvCxnSpPr/>
-          <p:nvPr/>
-        </p:nvCxnSpPr>
-        <p:spPr>
-          <a:xfrm>
-            <a:off x="5003884" y="1310793"/>
-            <a:ext cx="181196" cy="0"/>
-          </a:xfrm>
-          <a:prstGeom prst="line">
-            <a:avLst/>
-          </a:prstGeom>
-          <a:ln w="3175">
-            <a:solidFill>
+            </a:fontRef>
+          </p:style>
+        </p:cxnSp>
+        <p:cxnSp>
+          <p:nvCxnSpPr>
+            <p:cNvPr id="49" name="直線コネクタ 48"/>
+            <p:cNvCxnSpPr/>
+            <p:nvPr/>
+          </p:nvCxnSpPr>
+          <p:spPr>
+            <a:xfrm>
+              <a:off x="5003884" y="1310793"/>
+              <a:ext cx="181196" cy="0"/>
+            </a:xfrm>
+            <a:prstGeom prst="line">
+              <a:avLst/>
+            </a:prstGeom>
+            <a:ln w="3175">
+              <a:solidFill>
+                <a:schemeClr val="tx1"/>
+              </a:solidFill>
+            </a:ln>
+          </p:spPr>
+          <p:style>
+            <a:lnRef idx="2">
+              <a:schemeClr val="accent1"/>
+            </a:lnRef>
+            <a:fillRef idx="0">
+              <a:schemeClr val="accent1"/>
+            </a:fillRef>
+            <a:effectRef idx="1">
+              <a:schemeClr val="accent1"/>
+            </a:effectRef>
+            <a:fontRef idx="minor">
               <a:schemeClr val="tx1"/>
-            </a:solidFill>
-          </a:ln>
-        </p:spPr>
-        <p:style>
-          <a:lnRef idx="2">
-            <a:schemeClr val="accent1"/>
-          </a:lnRef>
-          <a:fillRef idx="0">
-            <a:schemeClr val="accent1"/>
-          </a:fillRef>
-          <a:effectRef idx="1">
-            <a:schemeClr val="accent1"/>
-          </a:effectRef>
-          <a:fontRef idx="minor">
-            <a:schemeClr val="tx1"/>
-          </a:fontRef>
-        </p:style>
-      </p:cxnSp>
+            </a:fontRef>
+          </p:style>
+        </p:cxnSp>
+      </p:grpSp>
       <p:cxnSp>
         <p:nvCxnSpPr>
           <p:cNvPr id="50" name="直線コネクタ 49"/>
@@ -8045,8 +7972,8 @@
         </p:nvCxnSpPr>
         <p:spPr>
           <a:xfrm>
-            <a:off x="923931" y="2034307"/>
-            <a:ext cx="7250251" cy="0"/>
+            <a:off x="658396" y="2034307"/>
+            <a:ext cx="7827513" cy="0"/>
           </a:xfrm>
           <a:prstGeom prst="line">
             <a:avLst/>
@@ -8083,8 +8010,8 @@
         </p:nvSpPr>
         <p:spPr>
           <a:xfrm>
-            <a:off x="890993" y="1659566"/>
-            <a:ext cx="646331" cy="276999"/>
+            <a:off x="590823" y="1671111"/>
+            <a:ext cx="569387" cy="246221"/>
           </a:xfrm>
           <a:prstGeom prst="rect">
             <a:avLst/>
@@ -8098,14 +8025,14 @@
           <a:lstStyle/>
           <a:p>
             <a:r>
-              <a:rPr kumimoji="1" lang="ja-JP" altLang="en-US" sz="1200" dirty="0" smtClean="0">
+              <a:rPr kumimoji="1" lang="ja-JP" altLang="en-US" sz="1000" dirty="0" smtClean="0">
                 <a:latin typeface="メイリオ"/>
                 <a:ea typeface="メイリオ"/>
                 <a:cs typeface="メイリオ"/>
               </a:rPr>
               <a:t>日付：</a:t>
             </a:r>
-            <a:endParaRPr kumimoji="1" lang="ja-JP" altLang="en-US" sz="1200" dirty="0">
+            <a:endParaRPr kumimoji="1" lang="ja-JP" altLang="en-US" sz="1000" dirty="0">
               <a:latin typeface="メイリオ"/>
               <a:ea typeface="メイリオ"/>
               <a:cs typeface="メイリオ"/>
@@ -8121,7 +8048,7 @@
         </p:nvSpPr>
         <p:spPr>
           <a:xfrm>
-            <a:off x="1469168" y="1722329"/>
+            <a:off x="1099728" y="1722329"/>
             <a:ext cx="352321" cy="158766"/>
           </a:xfrm>
           <a:prstGeom prst="roundRect">
@@ -8166,7 +8093,7 @@
         </p:nvSpPr>
         <p:spPr>
           <a:xfrm>
-            <a:off x="1786644" y="1659566"/>
+            <a:off x="1417204" y="1659566"/>
             <a:ext cx="338554" cy="276999"/>
           </a:xfrm>
           <a:prstGeom prst="rect">
@@ -8204,8 +8131,8 @@
         </p:nvSpPr>
         <p:spPr>
           <a:xfrm>
-            <a:off x="2465123" y="1656944"/>
-            <a:ext cx="646331" cy="276999"/>
+            <a:off x="2107228" y="1668489"/>
+            <a:ext cx="569387" cy="246221"/>
           </a:xfrm>
           <a:prstGeom prst="rect">
             <a:avLst/>
@@ -8219,7 +8146,7 @@
           <a:lstStyle/>
           <a:p>
             <a:r>
-              <a:rPr lang="ja-JP" altLang="en-US" sz="1200" dirty="0" smtClean="0">
+              <a:rPr lang="ja-JP" altLang="en-US" sz="1000" dirty="0" smtClean="0">
                 <a:latin typeface="メイリオ"/>
                 <a:ea typeface="メイリオ"/>
                 <a:cs typeface="メイリオ"/>
@@ -8227,14 +8154,14 @@
               <a:t>内容</a:t>
             </a:r>
             <a:r>
-              <a:rPr kumimoji="1" lang="ja-JP" altLang="en-US" sz="1200" dirty="0" smtClean="0">
+              <a:rPr kumimoji="1" lang="ja-JP" altLang="en-US" sz="1000" dirty="0" smtClean="0">
                 <a:latin typeface="メイリオ"/>
                 <a:ea typeface="メイリオ"/>
                 <a:cs typeface="メイリオ"/>
               </a:rPr>
               <a:t>：</a:t>
             </a:r>
-            <a:endParaRPr kumimoji="1" lang="ja-JP" altLang="en-US" sz="1200" dirty="0">
+            <a:endParaRPr kumimoji="1" lang="ja-JP" altLang="en-US" sz="1000" dirty="0">
               <a:latin typeface="メイリオ"/>
               <a:ea typeface="メイリオ"/>
               <a:cs typeface="メイリオ"/>
@@ -8250,8 +8177,8 @@
         </p:nvSpPr>
         <p:spPr>
           <a:xfrm>
-            <a:off x="3034657" y="1720187"/>
-            <a:ext cx="797002" cy="165946"/>
+            <a:off x="2607492" y="1720187"/>
+            <a:ext cx="536114" cy="149362"/>
           </a:xfrm>
           <a:prstGeom prst="roundRect">
             <a:avLst/>
@@ -8287,16 +8214,184 @@
           </a:p>
         </p:txBody>
       </p:sp>
-      <p:sp>
-        <p:nvSpPr>
-          <p:cNvPr id="76" name="角丸四角形 75"/>
+      <p:grpSp>
+        <p:nvGrpSpPr>
+          <p:cNvPr id="8" name="図形グループ 7"/>
+          <p:cNvGrpSpPr/>
+          <p:nvPr/>
+        </p:nvGrpSpPr>
+        <p:grpSpPr>
+          <a:xfrm>
+            <a:off x="3219724" y="1710865"/>
+            <a:ext cx="602185" cy="165865"/>
+            <a:chOff x="3681524" y="1722410"/>
+            <a:chExt cx="602185" cy="165865"/>
+          </a:xfrm>
+        </p:grpSpPr>
+        <p:sp>
+          <p:nvSpPr>
+            <p:cNvPr id="76" name="角丸四角形 75"/>
+            <p:cNvSpPr/>
+            <p:nvPr/>
+          </p:nvSpPr>
+          <p:spPr>
+            <a:xfrm>
+              <a:off x="3681524" y="1722410"/>
+              <a:ext cx="602185" cy="165865"/>
+            </a:xfrm>
+            <a:prstGeom prst="roundRect">
+              <a:avLst/>
+            </a:prstGeom>
+            <a:noFill/>
+            <a:ln w="25400">
+              <a:solidFill>
+                <a:schemeClr val="tx1"/>
+              </a:solidFill>
+            </a:ln>
+            <a:effectLst/>
+          </p:spPr>
+          <p:style>
+            <a:lnRef idx="1">
+              <a:schemeClr val="accent1"/>
+            </a:lnRef>
+            <a:fillRef idx="3">
+              <a:schemeClr val="accent1"/>
+            </a:fillRef>
+            <a:effectRef idx="2">
+              <a:schemeClr val="accent1"/>
+            </a:effectRef>
+            <a:fontRef idx="minor">
+              <a:schemeClr val="lt1"/>
+            </a:fontRef>
+          </p:style>
+          <p:txBody>
+            <a:bodyPr rtlCol="0" anchor="ctr"/>
+            <a:lstStyle/>
+            <a:p>
+              <a:r>
+                <a:rPr kumimoji="1" lang="ja-JP" altLang="en-US" sz="800" dirty="0" smtClean="0">
+                  <a:solidFill>
+                    <a:schemeClr val="tx1"/>
+                  </a:solidFill>
+                  <a:latin typeface="メイリオ"/>
+                  <a:ea typeface="メイリオ"/>
+                  <a:cs typeface="メイリオ"/>
+                </a:rPr>
+                <a:t>を含む</a:t>
+              </a:r>
+              <a:endParaRPr kumimoji="1" lang="ja-JP" altLang="en-US" sz="800" dirty="0">
+                <a:solidFill>
+                  <a:schemeClr val="tx1"/>
+                </a:solidFill>
+                <a:latin typeface="メイリオ"/>
+                <a:ea typeface="メイリオ"/>
+                <a:cs typeface="メイリオ"/>
+              </a:endParaRPr>
+            </a:p>
+          </p:txBody>
+        </p:sp>
+        <p:sp>
+          <p:nvSpPr>
+            <p:cNvPr id="2" name="二等辺三角形 1"/>
+            <p:cNvSpPr/>
+            <p:nvPr/>
+          </p:nvSpPr>
+          <p:spPr>
+            <a:xfrm rot="10800000">
+              <a:off x="4126021" y="1761549"/>
+              <a:ext cx="108000" cy="108000"/>
+            </a:xfrm>
+            <a:prstGeom prst="triangle">
+              <a:avLst/>
+            </a:prstGeom>
+            <a:solidFill>
+              <a:schemeClr val="tx1"/>
+            </a:solidFill>
+            <a:ln>
+              <a:noFill/>
+            </a:ln>
+            <a:effectLst/>
+          </p:spPr>
+          <p:style>
+            <a:lnRef idx="1">
+              <a:schemeClr val="accent1"/>
+            </a:lnRef>
+            <a:fillRef idx="3">
+              <a:schemeClr val="accent1"/>
+            </a:fillRef>
+            <a:effectRef idx="2">
+              <a:schemeClr val="accent1"/>
+            </a:effectRef>
+            <a:fontRef idx="minor">
+              <a:schemeClr val="lt1"/>
+            </a:fontRef>
+          </p:style>
+          <p:txBody>
+            <a:bodyPr rtlCol="0" anchor="ctr"/>
+            <a:lstStyle/>
+            <a:p>
+              <a:pPr algn="ctr"/>
+              <a:endParaRPr kumimoji="1" lang="ja-JP" altLang="en-US"/>
+            </a:p>
+          </p:txBody>
+        </p:sp>
+      </p:grpSp>
+      <p:sp>
+        <p:nvSpPr>
+          <p:cNvPr id="77" name="テキスト ボックス 76"/>
+          <p:cNvSpPr txBox="1"/>
+          <p:nvPr/>
+        </p:nvSpPr>
+        <p:spPr>
+          <a:xfrm>
+            <a:off x="3813143" y="1671715"/>
+            <a:ext cx="825867" cy="246221"/>
+          </a:xfrm>
+          <a:prstGeom prst="rect">
+            <a:avLst/>
+          </a:prstGeom>
+          <a:noFill/>
+        </p:spPr>
+        <p:txBody>
+          <a:bodyPr wrap="none" rtlCol="0">
+            <a:spAutoFit/>
+          </a:bodyPr>
+          <a:lstStyle/>
+          <a:p>
+            <a:r>
+              <a:rPr lang="ja-JP" altLang="en-US" sz="1000" dirty="0" smtClean="0">
+                <a:latin typeface="メイリオ"/>
+                <a:ea typeface="メイリオ"/>
+                <a:cs typeface="メイリオ"/>
+              </a:rPr>
+              <a:t>カテゴリ</a:t>
+            </a:r>
+            <a:r>
+              <a:rPr kumimoji="1" lang="ja-JP" altLang="en-US" sz="1000" dirty="0" smtClean="0">
+                <a:latin typeface="メイリオ"/>
+                <a:ea typeface="メイリオ"/>
+                <a:cs typeface="メイリオ"/>
+              </a:rPr>
+              <a:t>：</a:t>
+            </a:r>
+            <a:endParaRPr kumimoji="1" lang="ja-JP" altLang="en-US" sz="1000" dirty="0">
+              <a:latin typeface="メイリオ"/>
+              <a:ea typeface="メイリオ"/>
+              <a:cs typeface="メイリオ"/>
+            </a:endParaRPr>
+          </a:p>
+        </p:txBody>
+      </p:sp>
+      <p:sp>
+        <p:nvSpPr>
+          <p:cNvPr id="78" name="角丸四角形 77"/>
           <p:cNvSpPr/>
           <p:nvPr/>
         </p:nvSpPr>
         <p:spPr>
           <a:xfrm>
-            <a:off x="3877789" y="1722410"/>
-            <a:ext cx="602185" cy="165865"/>
+            <a:off x="4573905" y="1715149"/>
+            <a:ext cx="402504" cy="166902"/>
           </a:xfrm>
           <a:prstGeom prst="roundRect">
             <a:avLst/>
@@ -8327,112 +8422,50 @@
           <a:bodyPr rtlCol="0" anchor="ctr"/>
           <a:lstStyle/>
           <a:p>
-            <a:r>
-              <a:rPr kumimoji="1" lang="ja-JP" altLang="en-US" sz="800" dirty="0" smtClean="0">
-                <a:solidFill>
-                  <a:schemeClr val="tx1"/>
-                </a:solidFill>
+            <a:pPr algn="ctr"/>
+            <a:endParaRPr kumimoji="1" lang="ja-JP" altLang="en-US"/>
+          </a:p>
+        </p:txBody>
+      </p:sp>
+      <p:sp>
+        <p:nvSpPr>
+          <p:cNvPr id="79" name="テキスト ボックス 78"/>
+          <p:cNvSpPr txBox="1"/>
+          <p:nvPr/>
+        </p:nvSpPr>
+        <p:spPr>
+          <a:xfrm>
+            <a:off x="5303020" y="1672319"/>
+            <a:ext cx="569387" cy="246221"/>
+          </a:xfrm>
+          <a:prstGeom prst="rect">
+            <a:avLst/>
+          </a:prstGeom>
+          <a:noFill/>
+        </p:spPr>
+        <p:txBody>
+          <a:bodyPr wrap="none" rtlCol="0">
+            <a:spAutoFit/>
+          </a:bodyPr>
+          <a:lstStyle/>
+          <a:p>
+            <a:r>
+              <a:rPr lang="ja-JP" altLang="en-US" sz="1000" dirty="0" smtClean="0">
                 <a:latin typeface="メイリオ"/>
                 <a:ea typeface="メイリオ"/>
                 <a:cs typeface="メイリオ"/>
               </a:rPr>
-              <a:t>を含む</a:t>
-            </a:r>
-            <a:endParaRPr kumimoji="1" lang="ja-JP" altLang="en-US" sz="800" dirty="0">
-              <a:solidFill>
-                <a:schemeClr val="tx1"/>
-              </a:solidFill>
-              <a:latin typeface="メイリオ"/>
-              <a:ea typeface="メイリオ"/>
-              <a:cs typeface="メイリオ"/>
-            </a:endParaRPr>
-          </a:p>
-        </p:txBody>
-      </p:sp>
-      <p:sp>
-        <p:nvSpPr>
-          <p:cNvPr id="2" name="二等辺三角形 1"/>
-          <p:cNvSpPr/>
-          <p:nvPr/>
-        </p:nvSpPr>
-        <p:spPr>
-          <a:xfrm rot="10800000">
-            <a:off x="4322286" y="1761549"/>
-            <a:ext cx="108000" cy="108000"/>
-          </a:xfrm>
-          <a:prstGeom prst="triangle">
-            <a:avLst/>
-          </a:prstGeom>
-          <a:solidFill>
-            <a:schemeClr val="tx1"/>
-          </a:solidFill>
-          <a:ln>
-            <a:noFill/>
-          </a:ln>
-          <a:effectLst/>
-        </p:spPr>
-        <p:style>
-          <a:lnRef idx="1">
-            <a:schemeClr val="accent1"/>
-          </a:lnRef>
-          <a:fillRef idx="3">
-            <a:schemeClr val="accent1"/>
-          </a:fillRef>
-          <a:effectRef idx="2">
-            <a:schemeClr val="accent1"/>
-          </a:effectRef>
-          <a:fontRef idx="minor">
-            <a:schemeClr val="lt1"/>
-          </a:fontRef>
-        </p:style>
-        <p:txBody>
-          <a:bodyPr rtlCol="0" anchor="ctr"/>
-          <a:lstStyle/>
-          <a:p>
-            <a:pPr algn="ctr"/>
-            <a:endParaRPr kumimoji="1" lang="ja-JP" altLang="en-US"/>
-          </a:p>
-        </p:txBody>
-      </p:sp>
-      <p:sp>
-        <p:nvSpPr>
-          <p:cNvPr id="77" name="テキスト ボックス 76"/>
-          <p:cNvSpPr txBox="1"/>
-          <p:nvPr/>
-        </p:nvSpPr>
-        <p:spPr>
-          <a:xfrm>
-            <a:off x="4494298" y="1660170"/>
-            <a:ext cx="954107" cy="276999"/>
-          </a:xfrm>
-          <a:prstGeom prst="rect">
-            <a:avLst/>
-          </a:prstGeom>
-          <a:noFill/>
-        </p:spPr>
-        <p:txBody>
-          <a:bodyPr wrap="none" rtlCol="0">
-            <a:spAutoFit/>
-          </a:bodyPr>
-          <a:lstStyle/>
-          <a:p>
-            <a:r>
-              <a:rPr lang="ja-JP" altLang="en-US" sz="1200" dirty="0" smtClean="0">
-                <a:latin typeface="メイリオ"/>
-                <a:ea typeface="メイリオ"/>
-                <a:cs typeface="メイリオ"/>
-              </a:rPr>
-              <a:t>カテゴリ</a:t>
-            </a:r>
-            <a:r>
-              <a:rPr kumimoji="1" lang="ja-JP" altLang="en-US" sz="1200" dirty="0" smtClean="0">
+              <a:t>金額</a:t>
+            </a:r>
+            <a:r>
+              <a:rPr kumimoji="1" lang="ja-JP" altLang="en-US" sz="1000" dirty="0" smtClean="0">
                 <a:latin typeface="メイリオ"/>
                 <a:ea typeface="メイリオ"/>
                 <a:cs typeface="メイリオ"/>
               </a:rPr>
               <a:t>：</a:t>
             </a:r>
-            <a:endParaRPr kumimoji="1" lang="ja-JP" altLang="en-US" sz="1200" dirty="0">
+            <a:endParaRPr kumimoji="1" lang="ja-JP" altLang="en-US" sz="1000" dirty="0">
               <a:latin typeface="メイリオ"/>
               <a:ea typeface="メイリオ"/>
               <a:cs typeface="メイリオ"/>
@@ -8442,14 +8475,14 @@
       </p:sp>
       <p:sp>
         <p:nvSpPr>
-          <p:cNvPr id="78" name="角丸四角形 77"/>
+          <p:cNvPr id="81" name="角丸四角形 80"/>
           <p:cNvSpPr/>
           <p:nvPr/>
         </p:nvSpPr>
         <p:spPr>
           <a:xfrm>
-            <a:off x="5370510" y="1715149"/>
-            <a:ext cx="560480" cy="165946"/>
+            <a:off x="1741308" y="1715007"/>
+            <a:ext cx="352321" cy="158766"/>
           </a:xfrm>
           <a:prstGeom prst="roundRect">
             <a:avLst/>
@@ -8487,59 +8520,13 @@
       </p:sp>
       <p:sp>
         <p:nvSpPr>
-          <p:cNvPr id="79" name="テキスト ボックス 78"/>
-          <p:cNvSpPr txBox="1"/>
-          <p:nvPr/>
-        </p:nvSpPr>
-        <p:spPr>
-          <a:xfrm>
-            <a:off x="5949540" y="1649229"/>
-            <a:ext cx="646331" cy="276999"/>
-          </a:xfrm>
-          <a:prstGeom prst="rect">
-            <a:avLst/>
-          </a:prstGeom>
-          <a:noFill/>
-        </p:spPr>
-        <p:txBody>
-          <a:bodyPr wrap="none" rtlCol="0">
-            <a:spAutoFit/>
-          </a:bodyPr>
-          <a:lstStyle/>
-          <a:p>
-            <a:r>
-              <a:rPr lang="ja-JP" altLang="en-US" sz="1200" dirty="0" smtClean="0">
-                <a:latin typeface="メイリオ"/>
-                <a:ea typeface="メイリオ"/>
-                <a:cs typeface="メイリオ"/>
-              </a:rPr>
-              <a:t>金額</a:t>
-            </a:r>
-            <a:r>
-              <a:rPr kumimoji="1" lang="ja-JP" altLang="en-US" sz="1200" dirty="0" smtClean="0">
-                <a:latin typeface="メイリオ"/>
-                <a:ea typeface="メイリオ"/>
-                <a:cs typeface="メイリオ"/>
-              </a:rPr>
-              <a:t>：</a:t>
-            </a:r>
-            <a:endParaRPr kumimoji="1" lang="ja-JP" altLang="en-US" sz="1200" dirty="0">
-              <a:latin typeface="メイリオ"/>
-              <a:ea typeface="メイリオ"/>
-              <a:cs typeface="メイリオ"/>
-            </a:endParaRPr>
-          </a:p>
-        </p:txBody>
-      </p:sp>
-      <p:sp>
-        <p:nvSpPr>
-          <p:cNvPr id="81" name="角丸四角形 80"/>
+          <p:cNvPr id="82" name="角丸四角形 81"/>
           <p:cNvSpPr/>
           <p:nvPr/>
         </p:nvSpPr>
         <p:spPr>
           <a:xfrm>
-            <a:off x="2087658" y="1715007"/>
+            <a:off x="5797831" y="1723285"/>
             <a:ext cx="352321" cy="158766"/>
           </a:xfrm>
           <a:prstGeom prst="roundRect">
@@ -8578,13 +8565,51 @@
       </p:sp>
       <p:sp>
         <p:nvSpPr>
-          <p:cNvPr id="82" name="角丸四角形 81"/>
+          <p:cNvPr id="83" name="テキスト ボックス 82"/>
+          <p:cNvSpPr txBox="1"/>
+          <p:nvPr/>
+        </p:nvSpPr>
+        <p:spPr>
+          <a:xfrm>
+            <a:off x="6115307" y="1660522"/>
+            <a:ext cx="338554" cy="276999"/>
+          </a:xfrm>
+          <a:prstGeom prst="rect">
+            <a:avLst/>
+          </a:prstGeom>
+          <a:noFill/>
+        </p:spPr>
+        <p:txBody>
+          <a:bodyPr wrap="none" rtlCol="0">
+            <a:spAutoFit/>
+          </a:bodyPr>
+          <a:lstStyle/>
+          <a:p>
+            <a:r>
+              <a:rPr lang="en-US" altLang="en-US" sz="1200" dirty="0" smtClean="0">
+                <a:latin typeface="メイリオ"/>
+                <a:ea typeface="メイリオ"/>
+                <a:cs typeface="メイリオ"/>
+              </a:rPr>
+              <a:t>〜</a:t>
+            </a:r>
+            <a:endParaRPr kumimoji="1" lang="ja-JP" altLang="en-US" sz="1200" dirty="0">
+              <a:latin typeface="メイリオ"/>
+              <a:ea typeface="メイリオ"/>
+              <a:cs typeface="メイリオ"/>
+            </a:endParaRPr>
+          </a:p>
+        </p:txBody>
+      </p:sp>
+      <p:sp>
+        <p:nvSpPr>
+          <p:cNvPr id="84" name="角丸四角形 83"/>
           <p:cNvSpPr/>
           <p:nvPr/>
         </p:nvSpPr>
         <p:spPr>
           <a:xfrm>
-            <a:off x="6513621" y="1723285"/>
+            <a:off x="6416321" y="1715963"/>
             <a:ext cx="352321" cy="158766"/>
           </a:xfrm>
           <a:prstGeom prst="roundRect">
@@ -8623,52 +8648,14 @@
       </p:sp>
       <p:sp>
         <p:nvSpPr>
-          <p:cNvPr id="83" name="テキスト ボックス 82"/>
-          <p:cNvSpPr txBox="1"/>
-          <p:nvPr/>
-        </p:nvSpPr>
-        <p:spPr>
-          <a:xfrm>
-            <a:off x="6831097" y="1660522"/>
-            <a:ext cx="338554" cy="276999"/>
-          </a:xfrm>
-          <a:prstGeom prst="rect">
-            <a:avLst/>
-          </a:prstGeom>
-          <a:noFill/>
-        </p:spPr>
-        <p:txBody>
-          <a:bodyPr wrap="none" rtlCol="0">
-            <a:spAutoFit/>
-          </a:bodyPr>
-          <a:lstStyle/>
-          <a:p>
-            <a:r>
-              <a:rPr lang="en-US" altLang="en-US" sz="1200" dirty="0" smtClean="0">
-                <a:latin typeface="メイリオ"/>
-                <a:ea typeface="メイリオ"/>
-                <a:cs typeface="メイリオ"/>
-              </a:rPr>
-              <a:t>〜</a:t>
-            </a:r>
-            <a:endParaRPr kumimoji="1" lang="ja-JP" altLang="en-US" sz="1200" dirty="0">
-              <a:latin typeface="メイリオ"/>
-              <a:ea typeface="メイリオ"/>
-              <a:cs typeface="メイリオ"/>
-            </a:endParaRPr>
-          </a:p>
-        </p:txBody>
-      </p:sp>
-      <p:sp>
-        <p:nvSpPr>
-          <p:cNvPr id="84" name="角丸四角形 83"/>
+          <p:cNvPr id="85" name="角丸四角形 84"/>
           <p:cNvSpPr/>
           <p:nvPr/>
         </p:nvSpPr>
         <p:spPr>
           <a:xfrm>
-            <a:off x="7132111" y="1715963"/>
-            <a:ext cx="352321" cy="158766"/>
+            <a:off x="7931715" y="1685552"/>
+            <a:ext cx="529807" cy="231780"/>
           </a:xfrm>
           <a:prstGeom prst="roundRect">
             <a:avLst/>
@@ -8700,53 +8687,8 @@
           <a:lstStyle/>
           <a:p>
             <a:pPr algn="ctr"/>
-            <a:endParaRPr kumimoji="1" lang="ja-JP" altLang="en-US"/>
-          </a:p>
-        </p:txBody>
-      </p:sp>
-      <p:sp>
-        <p:nvSpPr>
-          <p:cNvPr id="85" name="角丸四角形 84"/>
-          <p:cNvSpPr/>
-          <p:nvPr/>
-        </p:nvSpPr>
-        <p:spPr>
-          <a:xfrm>
-            <a:off x="7553038" y="1639397"/>
-            <a:ext cx="550589" cy="299213"/>
-          </a:xfrm>
-          <a:prstGeom prst="roundRect">
-            <a:avLst/>
-          </a:prstGeom>
-          <a:noFill/>
-          <a:ln w="25400">
-            <a:solidFill>
-              <a:schemeClr val="tx1"/>
-            </a:solidFill>
-          </a:ln>
-          <a:effectLst/>
-        </p:spPr>
-        <p:style>
-          <a:lnRef idx="1">
-            <a:schemeClr val="accent1"/>
-          </a:lnRef>
-          <a:fillRef idx="3">
-            <a:schemeClr val="accent1"/>
-          </a:fillRef>
-          <a:effectRef idx="2">
-            <a:schemeClr val="accent1"/>
-          </a:effectRef>
-          <a:fontRef idx="minor">
-            <a:schemeClr val="lt1"/>
-          </a:fontRef>
-        </p:style>
-        <p:txBody>
-          <a:bodyPr rtlCol="0" anchor="ctr"/>
-          <a:lstStyle/>
-          <a:p>
-            <a:pPr algn="ctr"/>
-            <a:r>
-              <a:rPr lang="ja-JP" altLang="en-US" sz="1200" dirty="0" smtClean="0">
+            <a:r>
+              <a:rPr lang="ja-JP" altLang="en-US" sz="1000" dirty="0" smtClean="0">
                 <a:solidFill>
                   <a:schemeClr val="tx1"/>
                 </a:solidFill>
@@ -8756,7 +8698,7 @@
               </a:rPr>
               <a:t>検索</a:t>
             </a:r>
-            <a:endParaRPr kumimoji="1" lang="ja-JP" altLang="en-US" sz="1200" dirty="0">
+            <a:endParaRPr kumimoji="1" lang="ja-JP" altLang="en-US" sz="1000" dirty="0">
               <a:solidFill>
                 <a:schemeClr val="tx1"/>
               </a:solidFill>
@@ -8764,6 +8706,507 @@
               <a:ea typeface="メイリオ"/>
               <a:cs typeface="メイリオ"/>
             </a:endParaRPr>
+          </a:p>
+        </p:txBody>
+      </p:sp>
+      <p:grpSp>
+        <p:nvGrpSpPr>
+          <p:cNvPr id="71" name="図形グループ 70"/>
+          <p:cNvGrpSpPr/>
+          <p:nvPr/>
+        </p:nvGrpSpPr>
+        <p:grpSpPr>
+          <a:xfrm>
+            <a:off x="5017501" y="1715007"/>
+            <a:ext cx="280240" cy="165946"/>
+            <a:chOff x="4954166" y="1192639"/>
+            <a:chExt cx="280240" cy="165946"/>
+          </a:xfrm>
+        </p:grpSpPr>
+        <p:sp>
+          <p:nvSpPr>
+            <p:cNvPr id="75" name="角丸四角形 74"/>
+            <p:cNvSpPr/>
+            <p:nvPr/>
+          </p:nvSpPr>
+          <p:spPr>
+            <a:xfrm>
+              <a:off x="4954166" y="1192639"/>
+              <a:ext cx="280240" cy="165946"/>
+            </a:xfrm>
+            <a:prstGeom prst="roundRect">
+              <a:avLst/>
+            </a:prstGeom>
+            <a:noFill/>
+            <a:ln w="25400">
+              <a:solidFill>
+                <a:schemeClr val="tx1"/>
+              </a:solidFill>
+            </a:ln>
+            <a:effectLst/>
+          </p:spPr>
+          <p:style>
+            <a:lnRef idx="1">
+              <a:schemeClr val="accent1"/>
+            </a:lnRef>
+            <a:fillRef idx="3">
+              <a:schemeClr val="accent1"/>
+            </a:fillRef>
+            <a:effectRef idx="2">
+              <a:schemeClr val="accent1"/>
+            </a:effectRef>
+            <a:fontRef idx="minor">
+              <a:schemeClr val="lt1"/>
+            </a:fontRef>
+          </p:style>
+          <p:txBody>
+            <a:bodyPr rtlCol="0" anchor="ctr"/>
+            <a:lstStyle/>
+            <a:p>
+              <a:pPr algn="ctr"/>
+              <a:endParaRPr kumimoji="1" lang="ja-JP" altLang="en-US" sz="800" dirty="0">
+                <a:solidFill>
+                  <a:schemeClr val="tx1"/>
+                </a:solidFill>
+              </a:endParaRPr>
+            </a:p>
+          </p:txBody>
+        </p:sp>
+        <p:cxnSp>
+          <p:nvCxnSpPr>
+            <p:cNvPr id="80" name="直線コネクタ 79"/>
+            <p:cNvCxnSpPr/>
+            <p:nvPr/>
+          </p:nvCxnSpPr>
+          <p:spPr>
+            <a:xfrm>
+              <a:off x="5001261" y="1238058"/>
+              <a:ext cx="181196" cy="0"/>
+            </a:xfrm>
+            <a:prstGeom prst="line">
+              <a:avLst/>
+            </a:prstGeom>
+            <a:ln w="3175">
+              <a:solidFill>
+                <a:schemeClr val="tx1"/>
+              </a:solidFill>
+            </a:ln>
+          </p:spPr>
+          <p:style>
+            <a:lnRef idx="2">
+              <a:schemeClr val="accent1"/>
+            </a:lnRef>
+            <a:fillRef idx="0">
+              <a:schemeClr val="accent1"/>
+            </a:fillRef>
+            <a:effectRef idx="1">
+              <a:schemeClr val="accent1"/>
+            </a:effectRef>
+            <a:fontRef idx="minor">
+              <a:schemeClr val="tx1"/>
+            </a:fontRef>
+          </p:style>
+        </p:cxnSp>
+        <p:cxnSp>
+          <p:nvCxnSpPr>
+            <p:cNvPr id="86" name="直線コネクタ 85"/>
+            <p:cNvCxnSpPr/>
+            <p:nvPr/>
+          </p:nvCxnSpPr>
+          <p:spPr>
+            <a:xfrm>
+              <a:off x="5001261" y="1277697"/>
+              <a:ext cx="181196" cy="0"/>
+            </a:xfrm>
+            <a:prstGeom prst="line">
+              <a:avLst/>
+            </a:prstGeom>
+            <a:ln w="3175">
+              <a:solidFill>
+                <a:schemeClr val="tx1"/>
+              </a:solidFill>
+            </a:ln>
+          </p:spPr>
+          <p:style>
+            <a:lnRef idx="2">
+              <a:schemeClr val="accent1"/>
+            </a:lnRef>
+            <a:fillRef idx="0">
+              <a:schemeClr val="accent1"/>
+            </a:fillRef>
+            <a:effectRef idx="1">
+              <a:schemeClr val="accent1"/>
+            </a:effectRef>
+            <a:fontRef idx="minor">
+              <a:schemeClr val="tx1"/>
+            </a:fontRef>
+          </p:style>
+        </p:cxnSp>
+        <p:cxnSp>
+          <p:nvCxnSpPr>
+            <p:cNvPr id="87" name="直線コネクタ 86"/>
+            <p:cNvCxnSpPr/>
+            <p:nvPr/>
+          </p:nvCxnSpPr>
+          <p:spPr>
+            <a:xfrm>
+              <a:off x="5003884" y="1310793"/>
+              <a:ext cx="181196" cy="0"/>
+            </a:xfrm>
+            <a:prstGeom prst="line">
+              <a:avLst/>
+            </a:prstGeom>
+            <a:ln w="3175">
+              <a:solidFill>
+                <a:schemeClr val="tx1"/>
+              </a:solidFill>
+            </a:ln>
+          </p:spPr>
+          <p:style>
+            <a:lnRef idx="2">
+              <a:schemeClr val="accent1"/>
+            </a:lnRef>
+            <a:fillRef idx="0">
+              <a:schemeClr val="accent1"/>
+            </a:fillRef>
+            <a:effectRef idx="1">
+              <a:schemeClr val="accent1"/>
+            </a:effectRef>
+            <a:fontRef idx="minor">
+              <a:schemeClr val="tx1"/>
+            </a:fontRef>
+          </p:style>
+        </p:cxnSp>
+      </p:grpSp>
+      <p:sp>
+        <p:nvSpPr>
+          <p:cNvPr id="88" name="テキスト ボックス 87"/>
+          <p:cNvSpPr txBox="1"/>
+          <p:nvPr/>
+        </p:nvSpPr>
+        <p:spPr>
+          <a:xfrm>
+            <a:off x="5772888" y="1141779"/>
+            <a:ext cx="441146" cy="246221"/>
+          </a:xfrm>
+          <a:prstGeom prst="rect">
+            <a:avLst/>
+          </a:prstGeom>
+          <a:noFill/>
+        </p:spPr>
+        <p:txBody>
+          <a:bodyPr wrap="none" rtlCol="0">
+            <a:spAutoFit/>
+          </a:bodyPr>
+          <a:lstStyle/>
+          <a:p>
+            <a:r>
+              <a:rPr lang="en-US" altLang="en-US" sz="1000" dirty="0" smtClean="0">
+                <a:latin typeface="メイリオ"/>
+                <a:ea typeface="メイリオ"/>
+                <a:cs typeface="メイリオ"/>
+              </a:rPr>
+              <a:t>収入</a:t>
+            </a:r>
+            <a:endParaRPr kumimoji="1" lang="ja-JP" altLang="en-US" sz="1000" dirty="0">
+              <a:latin typeface="メイリオ"/>
+              <a:ea typeface="メイリオ"/>
+              <a:cs typeface="メイリオ"/>
+            </a:endParaRPr>
+          </a:p>
+        </p:txBody>
+      </p:sp>
+      <p:sp>
+        <p:nvSpPr>
+          <p:cNvPr id="89" name="テキスト ボックス 88"/>
+          <p:cNvSpPr txBox="1"/>
+          <p:nvPr/>
+        </p:nvSpPr>
+        <p:spPr>
+          <a:xfrm>
+            <a:off x="6327496" y="1133027"/>
+            <a:ext cx="441146" cy="246221"/>
+          </a:xfrm>
+          <a:prstGeom prst="rect">
+            <a:avLst/>
+          </a:prstGeom>
+          <a:noFill/>
+        </p:spPr>
+        <p:txBody>
+          <a:bodyPr wrap="none" rtlCol="0">
+            <a:spAutoFit/>
+          </a:bodyPr>
+          <a:lstStyle/>
+          <a:p>
+            <a:r>
+              <a:rPr lang="ja-JP" altLang="en-US" sz="1000" dirty="0" smtClean="0">
+                <a:latin typeface="メイリオ"/>
+                <a:ea typeface="メイリオ"/>
+                <a:cs typeface="メイリオ"/>
+              </a:rPr>
+              <a:t>支出</a:t>
+            </a:r>
+            <a:endParaRPr kumimoji="1" lang="ja-JP" altLang="en-US" sz="1000" dirty="0">
+              <a:latin typeface="メイリオ"/>
+              <a:ea typeface="メイリオ"/>
+              <a:cs typeface="メイリオ"/>
+            </a:endParaRPr>
+          </a:p>
+        </p:txBody>
+      </p:sp>
+      <p:sp>
+        <p:nvSpPr>
+          <p:cNvPr id="11" name="円/楕円 10"/>
+          <p:cNvSpPr/>
+          <p:nvPr/>
+        </p:nvSpPr>
+        <p:spPr>
+          <a:xfrm flipH="1">
+            <a:off x="6164699" y="1187777"/>
+            <a:ext cx="162796" cy="157651"/>
+          </a:xfrm>
+          <a:prstGeom prst="ellipse">
+            <a:avLst/>
+          </a:prstGeom>
+          <a:noFill/>
+          <a:ln w="38100">
+            <a:solidFill>
+              <a:schemeClr val="tx1"/>
+            </a:solidFill>
+          </a:ln>
+          <a:effectLst/>
+        </p:spPr>
+        <p:style>
+          <a:lnRef idx="1">
+            <a:schemeClr val="accent1"/>
+          </a:lnRef>
+          <a:fillRef idx="3">
+            <a:schemeClr val="accent1"/>
+          </a:fillRef>
+          <a:effectRef idx="2">
+            <a:schemeClr val="accent1"/>
+          </a:effectRef>
+          <a:fontRef idx="minor">
+            <a:schemeClr val="lt1"/>
+          </a:fontRef>
+        </p:style>
+        <p:txBody>
+          <a:bodyPr rtlCol="0" anchor="ctr"/>
+          <a:lstStyle/>
+          <a:p>
+            <a:pPr algn="ctr"/>
+            <a:endParaRPr kumimoji="1" lang="ja-JP" altLang="en-US"/>
+          </a:p>
+        </p:txBody>
+      </p:sp>
+      <p:sp>
+        <p:nvSpPr>
+          <p:cNvPr id="90" name="円/楕円 89"/>
+          <p:cNvSpPr/>
+          <p:nvPr/>
+        </p:nvSpPr>
+        <p:spPr>
+          <a:xfrm flipH="1">
+            <a:off x="6734007" y="1190624"/>
+            <a:ext cx="162796" cy="157651"/>
+          </a:xfrm>
+          <a:prstGeom prst="ellipse">
+            <a:avLst/>
+          </a:prstGeom>
+          <a:noFill/>
+          <a:ln w="38100">
+            <a:solidFill>
+              <a:schemeClr val="tx1"/>
+            </a:solidFill>
+          </a:ln>
+          <a:effectLst/>
+        </p:spPr>
+        <p:style>
+          <a:lnRef idx="1">
+            <a:schemeClr val="accent1"/>
+          </a:lnRef>
+          <a:fillRef idx="3">
+            <a:schemeClr val="accent1"/>
+          </a:fillRef>
+          <a:effectRef idx="2">
+            <a:schemeClr val="accent1"/>
+          </a:effectRef>
+          <a:fontRef idx="minor">
+            <a:schemeClr val="lt1"/>
+          </a:fontRef>
+        </p:style>
+        <p:txBody>
+          <a:bodyPr rtlCol="0" anchor="ctr"/>
+          <a:lstStyle/>
+          <a:p>
+            <a:pPr algn="ctr"/>
+            <a:endParaRPr kumimoji="1" lang="ja-JP" altLang="en-US"/>
+          </a:p>
+        </p:txBody>
+      </p:sp>
+      <p:sp>
+        <p:nvSpPr>
+          <p:cNvPr id="91" name="テキスト ボックス 90"/>
+          <p:cNvSpPr txBox="1"/>
+          <p:nvPr/>
+        </p:nvSpPr>
+        <p:spPr>
+          <a:xfrm>
+            <a:off x="6753316" y="1665409"/>
+            <a:ext cx="441146" cy="246221"/>
+          </a:xfrm>
+          <a:prstGeom prst="rect">
+            <a:avLst/>
+          </a:prstGeom>
+          <a:noFill/>
+        </p:spPr>
+        <p:txBody>
+          <a:bodyPr wrap="none" rtlCol="0">
+            <a:spAutoFit/>
+          </a:bodyPr>
+          <a:lstStyle/>
+          <a:p>
+            <a:r>
+              <a:rPr lang="en-US" altLang="en-US" sz="1000" dirty="0" smtClean="0">
+                <a:latin typeface="メイリオ"/>
+                <a:ea typeface="メイリオ"/>
+                <a:cs typeface="メイリオ"/>
+              </a:rPr>
+              <a:t>収入</a:t>
+            </a:r>
+            <a:endParaRPr kumimoji="1" lang="ja-JP" altLang="en-US" sz="1000" dirty="0">
+              <a:latin typeface="メイリオ"/>
+              <a:ea typeface="メイリオ"/>
+              <a:cs typeface="メイリオ"/>
+            </a:endParaRPr>
+          </a:p>
+        </p:txBody>
+      </p:sp>
+      <p:sp>
+        <p:nvSpPr>
+          <p:cNvPr id="92" name="テキスト ボックス 91"/>
+          <p:cNvSpPr txBox="1"/>
+          <p:nvPr/>
+        </p:nvSpPr>
+        <p:spPr>
+          <a:xfrm>
+            <a:off x="7307924" y="1656657"/>
+            <a:ext cx="441146" cy="246221"/>
+          </a:xfrm>
+          <a:prstGeom prst="rect">
+            <a:avLst/>
+          </a:prstGeom>
+          <a:noFill/>
+        </p:spPr>
+        <p:txBody>
+          <a:bodyPr wrap="none" rtlCol="0">
+            <a:spAutoFit/>
+          </a:bodyPr>
+          <a:lstStyle/>
+          <a:p>
+            <a:r>
+              <a:rPr lang="ja-JP" altLang="en-US" sz="1000" dirty="0" smtClean="0">
+                <a:latin typeface="メイリオ"/>
+                <a:ea typeface="メイリオ"/>
+                <a:cs typeface="メイリオ"/>
+              </a:rPr>
+              <a:t>支出</a:t>
+            </a:r>
+            <a:endParaRPr kumimoji="1" lang="ja-JP" altLang="en-US" sz="1000" dirty="0">
+              <a:latin typeface="メイリオ"/>
+              <a:ea typeface="メイリオ"/>
+              <a:cs typeface="メイリオ"/>
+            </a:endParaRPr>
+          </a:p>
+        </p:txBody>
+      </p:sp>
+      <p:sp>
+        <p:nvSpPr>
+          <p:cNvPr id="93" name="円/楕円 92"/>
+          <p:cNvSpPr/>
+          <p:nvPr/>
+        </p:nvSpPr>
+        <p:spPr>
+          <a:xfrm flipH="1">
+            <a:off x="7145127" y="1711407"/>
+            <a:ext cx="162796" cy="157651"/>
+          </a:xfrm>
+          <a:prstGeom prst="ellipse">
+            <a:avLst/>
+          </a:prstGeom>
+          <a:noFill/>
+          <a:ln w="38100">
+            <a:solidFill>
+              <a:schemeClr val="tx1"/>
+            </a:solidFill>
+          </a:ln>
+          <a:effectLst/>
+        </p:spPr>
+        <p:style>
+          <a:lnRef idx="1">
+            <a:schemeClr val="accent1"/>
+          </a:lnRef>
+          <a:fillRef idx="3">
+            <a:schemeClr val="accent1"/>
+          </a:fillRef>
+          <a:effectRef idx="2">
+            <a:schemeClr val="accent1"/>
+          </a:effectRef>
+          <a:fontRef idx="minor">
+            <a:schemeClr val="lt1"/>
+          </a:fontRef>
+        </p:style>
+        <p:txBody>
+          <a:bodyPr rtlCol="0" anchor="ctr"/>
+          <a:lstStyle/>
+          <a:p>
+            <a:pPr algn="ctr"/>
+            <a:endParaRPr kumimoji="1" lang="ja-JP" altLang="en-US"/>
+          </a:p>
+        </p:txBody>
+      </p:sp>
+      <p:sp>
+        <p:nvSpPr>
+          <p:cNvPr id="94" name="円/楕円 93"/>
+          <p:cNvSpPr/>
+          <p:nvPr/>
+        </p:nvSpPr>
+        <p:spPr>
+          <a:xfrm flipH="1">
+            <a:off x="7714435" y="1714254"/>
+            <a:ext cx="162796" cy="157651"/>
+          </a:xfrm>
+          <a:prstGeom prst="ellipse">
+            <a:avLst/>
+          </a:prstGeom>
+          <a:noFill/>
+          <a:ln w="38100">
+            <a:solidFill>
+              <a:schemeClr val="tx1"/>
+            </a:solidFill>
+          </a:ln>
+          <a:effectLst/>
+        </p:spPr>
+        <p:style>
+          <a:lnRef idx="1">
+            <a:schemeClr val="accent1"/>
+          </a:lnRef>
+          <a:fillRef idx="3">
+            <a:schemeClr val="accent1"/>
+          </a:fillRef>
+          <a:effectRef idx="2">
+            <a:schemeClr val="accent1"/>
+          </a:effectRef>
+          <a:fontRef idx="minor">
+            <a:schemeClr val="lt1"/>
+          </a:fontRef>
+        </p:style>
+        <p:txBody>
+          <a:bodyPr rtlCol="0" anchor="ctr"/>
+          <a:lstStyle/>
+          <a:p>
+            <a:pPr algn="ctr"/>
+            <a:endParaRPr kumimoji="1" lang="ja-JP" altLang="en-US"/>
           </a:p>
         </p:txBody>
       </p:sp>
@@ -9034,14 +9477,14 @@
       </p:sp>
       <p:graphicFrame>
         <p:nvGraphicFramePr>
-          <p:cNvPr id="82" name="表 81"/>
+          <p:cNvPr id="59" name="表 58"/>
           <p:cNvGraphicFramePr>
             <a:graphicFrameLocks noGrp="1"/>
           </p:cNvGraphicFramePr>
           <p:nvPr>
             <p:extLst>
               <p:ext uri="{D42A27DB-BD31-4B8C-83A1-F6EECF244321}">
-                <p14:modId xmlns:p14="http://schemas.microsoft.com/office/powerpoint/2010/main" val="3183742681"/>
+                <p14:modId xmlns:p14="http://schemas.microsoft.com/office/powerpoint/2010/main" val="1939765180"/>
               </p:ext>
             </p:extLst>
           </p:nvPr>
@@ -9536,14 +9979,14 @@
       </p:graphicFrame>
       <p:sp>
         <p:nvSpPr>
-          <p:cNvPr id="83" name="正方形/長方形 82"/>
+          <p:cNvPr id="60" name="正方形/長方形 59"/>
           <p:cNvSpPr/>
           <p:nvPr/>
         </p:nvSpPr>
         <p:spPr>
           <a:xfrm>
-            <a:off x="783269" y="935182"/>
-            <a:ext cx="7575640" cy="5541817"/>
+            <a:off x="529279" y="935182"/>
+            <a:ext cx="8095186" cy="5541817"/>
           </a:xfrm>
           <a:prstGeom prst="rect">
             <a:avLst/>
@@ -9588,13 +10031,13 @@
       </p:sp>
       <p:sp>
         <p:nvSpPr>
-          <p:cNvPr id="84" name="角丸四角形 83"/>
+          <p:cNvPr id="61" name="角丸四角形 60"/>
           <p:cNvSpPr/>
           <p:nvPr/>
         </p:nvSpPr>
         <p:spPr>
           <a:xfrm>
-            <a:off x="1469168" y="1187601"/>
+            <a:off x="1111273" y="1187601"/>
             <a:ext cx="562830" cy="165946"/>
           </a:xfrm>
           <a:prstGeom prst="roundRect">
@@ -9633,14 +10076,14 @@
       </p:sp>
       <p:sp>
         <p:nvSpPr>
-          <p:cNvPr id="85" name="テキスト ボックス 84"/>
+          <p:cNvPr id="62" name="テキスト ボックス 61"/>
           <p:cNvSpPr txBox="1"/>
           <p:nvPr/>
         </p:nvSpPr>
         <p:spPr>
           <a:xfrm>
-            <a:off x="890993" y="1114621"/>
-            <a:ext cx="646331" cy="276999"/>
+            <a:off x="590823" y="1136452"/>
+            <a:ext cx="569387" cy="246221"/>
           </a:xfrm>
           <a:prstGeom prst="rect">
             <a:avLst/>
@@ -9654,14 +10097,14 @@
           <a:lstStyle/>
           <a:p>
             <a:r>
-              <a:rPr kumimoji="1" lang="ja-JP" altLang="en-US" sz="1200" dirty="0" smtClean="0">
+              <a:rPr kumimoji="1" lang="ja-JP" altLang="en-US" sz="1000" dirty="0" smtClean="0">
                 <a:latin typeface="メイリオ"/>
                 <a:ea typeface="メイリオ"/>
                 <a:cs typeface="メイリオ"/>
               </a:rPr>
               <a:t>日付：</a:t>
             </a:r>
-            <a:endParaRPr kumimoji="1" lang="ja-JP" altLang="en-US" sz="1200" dirty="0">
+            <a:endParaRPr kumimoji="1" lang="ja-JP" altLang="en-US" sz="1000" dirty="0">
               <a:latin typeface="メイリオ"/>
               <a:ea typeface="メイリオ"/>
               <a:cs typeface="メイリオ"/>
@@ -9671,13 +10114,13 @@
       </p:sp>
       <p:sp>
         <p:nvSpPr>
-          <p:cNvPr id="86" name="角丸四角形 85"/>
+          <p:cNvPr id="63" name="角丸四角形 62"/>
           <p:cNvSpPr/>
           <p:nvPr/>
         </p:nvSpPr>
         <p:spPr>
           <a:xfrm>
-            <a:off x="2646774" y="1187601"/>
+            <a:off x="2208064" y="1187601"/>
             <a:ext cx="797002" cy="165946"/>
           </a:xfrm>
           <a:prstGeom prst="roundRect">
@@ -9716,14 +10159,14 @@
       </p:sp>
       <p:sp>
         <p:nvSpPr>
-          <p:cNvPr id="87" name="テキスト ボックス 86"/>
+          <p:cNvPr id="64" name="テキスト ボックス 63"/>
           <p:cNvSpPr txBox="1"/>
           <p:nvPr/>
         </p:nvSpPr>
         <p:spPr>
           <a:xfrm>
-            <a:off x="2046815" y="1111063"/>
-            <a:ext cx="646331" cy="276999"/>
+            <a:off x="1698033" y="1133027"/>
+            <a:ext cx="569387" cy="246221"/>
           </a:xfrm>
           <a:prstGeom prst="rect">
             <a:avLst/>
@@ -9737,7 +10180,7 @@
           <a:lstStyle/>
           <a:p>
             <a:r>
-              <a:rPr lang="ja-JP" altLang="en-US" sz="1200" dirty="0" smtClean="0">
+              <a:rPr lang="ja-JP" altLang="en-US" sz="1000" dirty="0" smtClean="0">
                 <a:latin typeface="メイリオ"/>
                 <a:ea typeface="メイリオ"/>
                 <a:cs typeface="メイリオ"/>
@@ -9745,14 +10188,14 @@
               <a:t>内容</a:t>
             </a:r>
             <a:r>
-              <a:rPr kumimoji="1" lang="ja-JP" altLang="en-US" sz="1200" dirty="0" smtClean="0">
+              <a:rPr kumimoji="1" lang="ja-JP" altLang="en-US" sz="1000" dirty="0" smtClean="0">
                 <a:latin typeface="メイリオ"/>
                 <a:ea typeface="メイリオ"/>
                 <a:cs typeface="メイリオ"/>
               </a:rPr>
               <a:t>：</a:t>
             </a:r>
-            <a:endParaRPr kumimoji="1" lang="ja-JP" altLang="en-US" sz="1200" dirty="0">
+            <a:endParaRPr kumimoji="1" lang="ja-JP" altLang="en-US" sz="1000" dirty="0">
               <a:latin typeface="メイリオ"/>
               <a:ea typeface="メイリオ"/>
               <a:cs typeface="メイリオ"/>
@@ -9762,13 +10205,13 @@
       </p:sp>
       <p:sp>
         <p:nvSpPr>
-          <p:cNvPr id="88" name="角丸四角形 87"/>
+          <p:cNvPr id="65" name="角丸四角形 64"/>
           <p:cNvSpPr/>
           <p:nvPr/>
         </p:nvSpPr>
         <p:spPr>
           <a:xfrm>
-            <a:off x="4346659" y="1187601"/>
+            <a:off x="3780954" y="1187601"/>
             <a:ext cx="560480" cy="165946"/>
           </a:xfrm>
           <a:prstGeom prst="roundRect">
@@ -9807,14 +10250,14 @@
       </p:sp>
       <p:sp>
         <p:nvSpPr>
-          <p:cNvPr id="89" name="テキスト ボックス 88"/>
+          <p:cNvPr id="66" name="テキスト ボックス 65"/>
           <p:cNvSpPr txBox="1"/>
           <p:nvPr/>
         </p:nvSpPr>
         <p:spPr>
           <a:xfrm>
-            <a:off x="3461822" y="1118689"/>
-            <a:ext cx="954107" cy="276999"/>
+            <a:off x="3011567" y="1141779"/>
+            <a:ext cx="825867" cy="246221"/>
           </a:xfrm>
           <a:prstGeom prst="rect">
             <a:avLst/>
@@ -9828,7 +10271,7 @@
           <a:lstStyle/>
           <a:p>
             <a:r>
-              <a:rPr lang="ja-JP" altLang="en-US" sz="1200" dirty="0" smtClean="0">
+              <a:rPr lang="ja-JP" altLang="en-US" sz="1000" dirty="0" smtClean="0">
                 <a:latin typeface="メイリオ"/>
                 <a:ea typeface="メイリオ"/>
                 <a:cs typeface="メイリオ"/>
@@ -9836,14 +10279,14 @@
               <a:t>カテゴリ</a:t>
             </a:r>
             <a:r>
-              <a:rPr kumimoji="1" lang="ja-JP" altLang="en-US" sz="1200" dirty="0" smtClean="0">
+              <a:rPr kumimoji="1" lang="ja-JP" altLang="en-US" sz="1000" dirty="0" smtClean="0">
                 <a:latin typeface="メイリオ"/>
                 <a:ea typeface="メイリオ"/>
                 <a:cs typeface="メイリオ"/>
               </a:rPr>
               <a:t>：</a:t>
             </a:r>
-            <a:endParaRPr kumimoji="1" lang="ja-JP" altLang="en-US" sz="1200" dirty="0">
+            <a:endParaRPr kumimoji="1" lang="ja-JP" altLang="en-US" sz="1000" dirty="0">
               <a:latin typeface="メイリオ"/>
               <a:ea typeface="メイリオ"/>
               <a:cs typeface="メイリオ"/>
@@ -9853,13 +10296,13 @@
       </p:sp>
       <p:sp>
         <p:nvSpPr>
-          <p:cNvPr id="90" name="角丸四角形 89"/>
+          <p:cNvPr id="67" name="角丸四角形 66"/>
           <p:cNvSpPr/>
           <p:nvPr/>
         </p:nvSpPr>
         <p:spPr>
           <a:xfrm>
-            <a:off x="5799922" y="1187601"/>
+            <a:off x="5211127" y="1187601"/>
             <a:ext cx="561630" cy="165946"/>
           </a:xfrm>
           <a:prstGeom prst="roundRect">
@@ -9898,14 +10341,14 @@
       </p:sp>
       <p:sp>
         <p:nvSpPr>
-          <p:cNvPr id="91" name="テキスト ボックス 90"/>
+          <p:cNvPr id="68" name="テキスト ボックス 67"/>
           <p:cNvSpPr txBox="1"/>
           <p:nvPr/>
         </p:nvSpPr>
         <p:spPr>
           <a:xfrm>
-            <a:off x="5234406" y="1128924"/>
-            <a:ext cx="646331" cy="276999"/>
+            <a:off x="4691791" y="1152014"/>
+            <a:ext cx="569387" cy="246221"/>
           </a:xfrm>
           <a:prstGeom prst="rect">
             <a:avLst/>
@@ -9919,7 +10362,7 @@
           <a:lstStyle/>
           <a:p>
             <a:r>
-              <a:rPr lang="ja-JP" altLang="en-US" sz="1200" dirty="0" smtClean="0">
+              <a:rPr lang="ja-JP" altLang="en-US" sz="1000" dirty="0" smtClean="0">
                 <a:latin typeface="メイリオ"/>
                 <a:ea typeface="メイリオ"/>
                 <a:cs typeface="メイリオ"/>
@@ -9927,14 +10370,14 @@
               <a:t>金額</a:t>
             </a:r>
             <a:r>
-              <a:rPr kumimoji="1" lang="ja-JP" altLang="en-US" sz="1200" dirty="0" smtClean="0">
+              <a:rPr kumimoji="1" lang="ja-JP" altLang="en-US" sz="1000" dirty="0" smtClean="0">
                 <a:latin typeface="メイリオ"/>
                 <a:ea typeface="メイリオ"/>
                 <a:cs typeface="メイリオ"/>
               </a:rPr>
               <a:t>：</a:t>
             </a:r>
-            <a:endParaRPr kumimoji="1" lang="ja-JP" altLang="en-US" sz="1200" dirty="0">
+            <a:endParaRPr kumimoji="1" lang="ja-JP" altLang="en-US" sz="1000" dirty="0">
               <a:latin typeface="メイリオ"/>
               <a:ea typeface="メイリオ"/>
               <a:cs typeface="メイリオ"/>
@@ -9944,14 +10387,14 @@
       </p:sp>
       <p:sp>
         <p:nvSpPr>
-          <p:cNvPr id="92" name="角丸四角形 91"/>
+          <p:cNvPr id="69" name="角丸四角形 68"/>
           <p:cNvSpPr/>
           <p:nvPr/>
         </p:nvSpPr>
         <p:spPr>
           <a:xfrm>
-            <a:off x="6515245" y="1118689"/>
-            <a:ext cx="550589" cy="299213"/>
+            <a:off x="6989782" y="1153142"/>
+            <a:ext cx="550589" cy="234858"/>
           </a:xfrm>
           <a:prstGeom prst="roundRect">
             <a:avLst/>
@@ -9984,7 +10427,7 @@
           <a:p>
             <a:pPr algn="ctr"/>
             <a:r>
-              <a:rPr kumimoji="1" lang="ja-JP" altLang="en-US" sz="1200" dirty="0" smtClean="0">
+              <a:rPr kumimoji="1" lang="ja-JP" altLang="en-US" sz="1000" dirty="0" smtClean="0">
                 <a:solidFill>
                   <a:schemeClr val="tx1"/>
                 </a:solidFill>
@@ -9994,7 +10437,7 @@
               </a:rPr>
               <a:t>登録</a:t>
             </a:r>
-            <a:endParaRPr kumimoji="1" lang="ja-JP" altLang="en-US" sz="1200" dirty="0">
+            <a:endParaRPr kumimoji="1" lang="ja-JP" altLang="en-US" sz="1000" dirty="0">
               <a:solidFill>
                 <a:schemeClr val="tx1"/>
               </a:solidFill>
@@ -10007,14 +10450,14 @@
       </p:sp>
       <p:cxnSp>
         <p:nvCxnSpPr>
-          <p:cNvPr id="93" name="直線コネクタ 92"/>
+          <p:cNvPr id="70" name="直線コネクタ 69"/>
           <p:cNvCxnSpPr/>
           <p:nvPr/>
         </p:nvCxnSpPr>
         <p:spPr>
           <a:xfrm>
-            <a:off x="923931" y="1547091"/>
-            <a:ext cx="7250251" cy="0"/>
+            <a:off x="658396" y="1547091"/>
+            <a:ext cx="7827513" cy="0"/>
           </a:xfrm>
           <a:prstGeom prst="line">
             <a:avLst/>
@@ -10045,7 +10488,7 @@
       </p:cxnSp>
       <p:sp>
         <p:nvSpPr>
-          <p:cNvPr id="94" name="テキスト ボックス 93"/>
+          <p:cNvPr id="71" name="テキスト ボックス 70"/>
           <p:cNvSpPr txBox="1"/>
           <p:nvPr/>
         </p:nvSpPr>
@@ -10083,7 +10526,7 @@
       </p:sp>
       <p:sp>
         <p:nvSpPr>
-          <p:cNvPr id="95" name="テキスト ボックス 94"/>
+          <p:cNvPr id="72" name="テキスト ボックス 71"/>
           <p:cNvSpPr txBox="1"/>
           <p:nvPr/>
         </p:nvSpPr>
@@ -10121,7 +10564,7 @@
       </p:sp>
       <p:sp>
         <p:nvSpPr>
-          <p:cNvPr id="96" name="テキスト ボックス 95"/>
+          <p:cNvPr id="73" name="テキスト ボックス 72"/>
           <p:cNvSpPr txBox="1"/>
           <p:nvPr/>
         </p:nvSpPr>
@@ -10159,7 +10602,7 @@
       </p:sp>
       <p:sp>
         <p:nvSpPr>
-          <p:cNvPr id="97" name="二等辺三角形 96"/>
+          <p:cNvPr id="74" name="二等辺三角形 73"/>
           <p:cNvSpPr/>
           <p:nvPr/>
         </p:nvSpPr>
@@ -10204,7 +10647,7 @@
       </p:sp>
       <p:sp>
         <p:nvSpPr>
-          <p:cNvPr id="98" name="二等辺三角形 97"/>
+          <p:cNvPr id="75" name="二等辺三角形 74"/>
           <p:cNvSpPr/>
           <p:nvPr/>
         </p:nvSpPr>
@@ -10249,7 +10692,7 @@
       </p:sp>
       <p:sp>
         <p:nvSpPr>
-          <p:cNvPr id="99" name="テキスト ボックス 98"/>
+          <p:cNvPr id="76" name="テキスト ボックス 75"/>
           <p:cNvSpPr txBox="1"/>
           <p:nvPr/>
         </p:nvSpPr>
@@ -10287,7 +10730,7 @@
       </p:sp>
       <p:sp>
         <p:nvSpPr>
-          <p:cNvPr id="100" name="テキスト ボックス 99"/>
+          <p:cNvPr id="77" name="テキスト ボックス 76"/>
           <p:cNvSpPr txBox="1"/>
           <p:nvPr/>
         </p:nvSpPr>
@@ -10381,7 +10824,7 @@
       </p:sp>
       <p:sp>
         <p:nvSpPr>
-          <p:cNvPr id="101" name="二等辺三角形 100"/>
+          <p:cNvPr id="78" name="二等辺三角形 77"/>
           <p:cNvSpPr/>
           <p:nvPr/>
         </p:nvSpPr>
@@ -10426,7 +10869,7 @@
       </p:sp>
       <p:sp>
         <p:nvSpPr>
-          <p:cNvPr id="102" name="二等辺三角形 101"/>
+          <p:cNvPr id="79" name="二等辺三角形 78"/>
           <p:cNvSpPr/>
           <p:nvPr/>
         </p:nvSpPr>
@@ -10471,7 +10914,7 @@
       </p:sp>
       <p:sp>
         <p:nvSpPr>
-          <p:cNvPr id="103" name="二等辺三角形 102"/>
+          <p:cNvPr id="80" name="二等辺三角形 79"/>
           <p:cNvSpPr/>
           <p:nvPr/>
         </p:nvSpPr>
@@ -10516,7 +10959,7 @@
       </p:sp>
       <p:sp>
         <p:nvSpPr>
-          <p:cNvPr id="104" name="二等辺三角形 103"/>
+          <p:cNvPr id="81" name="二等辺三角形 80"/>
           <p:cNvSpPr/>
           <p:nvPr/>
         </p:nvSpPr>
@@ -10561,14 +11004,14 @@
       </p:sp>
       <p:sp>
         <p:nvSpPr>
-          <p:cNvPr id="105" name="角丸四角形 104"/>
+          <p:cNvPr id="137" name="角丸四角形 136"/>
           <p:cNvSpPr/>
           <p:nvPr/>
         </p:nvSpPr>
         <p:spPr>
           <a:xfrm>
-            <a:off x="7239002" y="1121482"/>
-            <a:ext cx="864625" cy="299213"/>
+            <a:off x="7621284" y="1153142"/>
+            <a:ext cx="864625" cy="233094"/>
           </a:xfrm>
           <a:prstGeom prst="roundRect">
             <a:avLst/>
@@ -10601,7 +11044,7 @@
           <a:p>
             <a:pPr algn="ctr"/>
             <a:r>
-              <a:rPr lang="en-US" altLang="en-US" sz="1200" dirty="0" smtClean="0">
+              <a:rPr lang="en-US" altLang="en-US" sz="1000" dirty="0" smtClean="0">
                 <a:solidFill>
                   <a:schemeClr val="tx1"/>
                 </a:solidFill>
@@ -10611,7 +11054,7 @@
               </a:rPr>
               <a:t>リセット</a:t>
             </a:r>
-            <a:endParaRPr kumimoji="1" lang="ja-JP" altLang="en-US" sz="1200" dirty="0">
+            <a:endParaRPr kumimoji="1" lang="ja-JP" altLang="en-US" sz="1000" dirty="0">
               <a:solidFill>
                 <a:schemeClr val="tx1"/>
               </a:solidFill>
@@ -10624,7 +11067,7 @@
       </p:sp>
       <p:pic>
         <p:nvPicPr>
-          <p:cNvPr id="106" name="図 105" descr="trash.png"/>
+          <p:cNvPr id="138" name="図 137" descr="trash.png"/>
           <p:cNvPicPr>
             <a:picLocks noChangeAspect="1"/>
           </p:cNvPicPr>
@@ -10654,7 +11097,7 @@
       </p:pic>
       <p:pic>
         <p:nvPicPr>
-          <p:cNvPr id="107" name="図 106" descr="trash.png"/>
+          <p:cNvPr id="139" name="図 138" descr="trash.png"/>
           <p:cNvPicPr>
             <a:picLocks noChangeAspect="1"/>
           </p:cNvPicPr>
@@ -10684,7 +11127,7 @@
       </p:pic>
       <p:pic>
         <p:nvPicPr>
-          <p:cNvPr id="108" name="図 107" descr="trash.png"/>
+          <p:cNvPr id="140" name="図 139" descr="trash.png"/>
           <p:cNvPicPr>
             <a:picLocks noChangeAspect="1"/>
           </p:cNvPicPr>
@@ -10714,7 +11157,7 @@
       </p:pic>
       <p:pic>
         <p:nvPicPr>
-          <p:cNvPr id="109" name="図 108" descr="trash.png"/>
+          <p:cNvPr id="141" name="図 140" descr="trash.png"/>
           <p:cNvPicPr>
             <a:picLocks noChangeAspect="1"/>
           </p:cNvPicPr>
@@ -10744,7 +11187,7 @@
       </p:pic>
       <p:pic>
         <p:nvPicPr>
-          <p:cNvPr id="110" name="図 109" descr="trash.png"/>
+          <p:cNvPr id="142" name="図 141" descr="trash.png"/>
           <p:cNvPicPr>
             <a:picLocks noChangeAspect="1"/>
           </p:cNvPicPr>
@@ -10774,7 +11217,7 @@
       </p:pic>
       <p:pic>
         <p:nvPicPr>
-          <p:cNvPr id="111" name="図 110" descr="trash.png"/>
+          <p:cNvPr id="143" name="図 142" descr="trash.png"/>
           <p:cNvPicPr>
             <a:picLocks noChangeAspect="1"/>
           </p:cNvPicPr>
@@ -10804,7 +11247,7 @@
       </p:pic>
       <p:pic>
         <p:nvPicPr>
-          <p:cNvPr id="112" name="図 111" descr="trash.png"/>
+          <p:cNvPr id="144" name="図 143" descr="trash.png"/>
           <p:cNvPicPr>
             <a:picLocks noChangeAspect="1"/>
           </p:cNvPicPr>
@@ -10834,7 +11277,7 @@
       </p:pic>
       <p:pic>
         <p:nvPicPr>
-          <p:cNvPr id="113" name="図 112" descr="trash.png"/>
+          <p:cNvPr id="145" name="図 144" descr="trash.png"/>
           <p:cNvPicPr>
             <a:picLocks noChangeAspect="1"/>
           </p:cNvPicPr>
@@ -10864,7 +11307,7 @@
       </p:pic>
       <p:pic>
         <p:nvPicPr>
-          <p:cNvPr id="114" name="図 113" descr="trash.png"/>
+          <p:cNvPr id="146" name="図 145" descr="trash.png"/>
           <p:cNvPicPr>
             <a:picLocks noChangeAspect="1"/>
           </p:cNvPicPr>
@@ -10894,7 +11337,7 @@
       </p:pic>
       <p:pic>
         <p:nvPicPr>
-          <p:cNvPr id="115" name="図 114" descr="trash.png"/>
+          <p:cNvPr id="147" name="図 146" descr="trash.png"/>
           <p:cNvPicPr>
             <a:picLocks noChangeAspect="1"/>
           </p:cNvPicPr>
@@ -10922,170 +11365,185 @@
           </a:prstGeom>
         </p:spPr>
       </p:pic>
-      <p:sp>
-        <p:nvSpPr>
-          <p:cNvPr id="116" name="角丸四角形 115"/>
-          <p:cNvSpPr/>
-          <p:nvPr/>
-        </p:nvSpPr>
-        <p:spPr>
-          <a:xfrm>
-            <a:off x="4954166" y="1192639"/>
+      <p:grpSp>
+        <p:nvGrpSpPr>
+          <p:cNvPr id="148" name="図形グループ 147"/>
+          <p:cNvGrpSpPr/>
+          <p:nvPr/>
+        </p:nvGrpSpPr>
+        <p:grpSpPr>
+          <a:xfrm>
+            <a:off x="4388461" y="1192639"/>
             <a:ext cx="280240" cy="165946"/>
-          </a:xfrm>
-          <a:prstGeom prst="roundRect">
-            <a:avLst/>
-          </a:prstGeom>
-          <a:noFill/>
-          <a:ln w="25400">
-            <a:solidFill>
-              <a:schemeClr val="tx1"/>
-            </a:solidFill>
-          </a:ln>
-          <a:effectLst/>
-        </p:spPr>
-        <p:style>
-          <a:lnRef idx="1">
-            <a:schemeClr val="accent1"/>
-          </a:lnRef>
-          <a:fillRef idx="3">
-            <a:schemeClr val="accent1"/>
-          </a:fillRef>
-          <a:effectRef idx="2">
-            <a:schemeClr val="accent1"/>
-          </a:effectRef>
-          <a:fontRef idx="minor">
-            <a:schemeClr val="lt1"/>
-          </a:fontRef>
-        </p:style>
-        <p:txBody>
-          <a:bodyPr rtlCol="0" anchor="ctr"/>
-          <a:lstStyle/>
-          <a:p>
-            <a:pPr algn="ctr"/>
-            <a:endParaRPr kumimoji="1" lang="ja-JP" altLang="en-US" sz="800" dirty="0">
+            <a:chOff x="4954166" y="1192639"/>
+            <a:chExt cx="280240" cy="165946"/>
+          </a:xfrm>
+        </p:grpSpPr>
+        <p:sp>
+          <p:nvSpPr>
+            <p:cNvPr id="149" name="角丸四角形 148"/>
+            <p:cNvSpPr/>
+            <p:nvPr/>
+          </p:nvSpPr>
+          <p:spPr>
+            <a:xfrm>
+              <a:off x="4954166" y="1192639"/>
+              <a:ext cx="280240" cy="165946"/>
+            </a:xfrm>
+            <a:prstGeom prst="roundRect">
+              <a:avLst/>
+            </a:prstGeom>
+            <a:noFill/>
+            <a:ln w="25400">
               <a:solidFill>
                 <a:schemeClr val="tx1"/>
               </a:solidFill>
-            </a:endParaRPr>
-          </a:p>
-        </p:txBody>
-      </p:sp>
+            </a:ln>
+            <a:effectLst/>
+          </p:spPr>
+          <p:style>
+            <a:lnRef idx="1">
+              <a:schemeClr val="accent1"/>
+            </a:lnRef>
+            <a:fillRef idx="3">
+              <a:schemeClr val="accent1"/>
+            </a:fillRef>
+            <a:effectRef idx="2">
+              <a:schemeClr val="accent1"/>
+            </a:effectRef>
+            <a:fontRef idx="minor">
+              <a:schemeClr val="lt1"/>
+            </a:fontRef>
+          </p:style>
+          <p:txBody>
+            <a:bodyPr rtlCol="0" anchor="ctr"/>
+            <a:lstStyle/>
+            <a:p>
+              <a:pPr algn="ctr"/>
+              <a:endParaRPr kumimoji="1" lang="ja-JP" altLang="en-US" sz="800" dirty="0">
+                <a:solidFill>
+                  <a:schemeClr val="tx1"/>
+                </a:solidFill>
+              </a:endParaRPr>
+            </a:p>
+          </p:txBody>
+        </p:sp>
+        <p:cxnSp>
+          <p:nvCxnSpPr>
+            <p:cNvPr id="150" name="直線コネクタ 149"/>
+            <p:cNvCxnSpPr/>
+            <p:nvPr/>
+          </p:nvCxnSpPr>
+          <p:spPr>
+            <a:xfrm>
+              <a:off x="5001261" y="1238058"/>
+              <a:ext cx="181196" cy="0"/>
+            </a:xfrm>
+            <a:prstGeom prst="line">
+              <a:avLst/>
+            </a:prstGeom>
+            <a:ln w="3175">
+              <a:solidFill>
+                <a:schemeClr val="tx1"/>
+              </a:solidFill>
+            </a:ln>
+          </p:spPr>
+          <p:style>
+            <a:lnRef idx="2">
+              <a:schemeClr val="accent1"/>
+            </a:lnRef>
+            <a:fillRef idx="0">
+              <a:schemeClr val="accent1"/>
+            </a:fillRef>
+            <a:effectRef idx="1">
+              <a:schemeClr val="accent1"/>
+            </a:effectRef>
+            <a:fontRef idx="minor">
+              <a:schemeClr val="tx1"/>
+            </a:fontRef>
+          </p:style>
+        </p:cxnSp>
+        <p:cxnSp>
+          <p:nvCxnSpPr>
+            <p:cNvPr id="151" name="直線コネクタ 150"/>
+            <p:cNvCxnSpPr/>
+            <p:nvPr/>
+          </p:nvCxnSpPr>
+          <p:spPr>
+            <a:xfrm>
+              <a:off x="5001261" y="1277697"/>
+              <a:ext cx="181196" cy="0"/>
+            </a:xfrm>
+            <a:prstGeom prst="line">
+              <a:avLst/>
+            </a:prstGeom>
+            <a:ln w="3175">
+              <a:solidFill>
+                <a:schemeClr val="tx1"/>
+              </a:solidFill>
+            </a:ln>
+          </p:spPr>
+          <p:style>
+            <a:lnRef idx="2">
+              <a:schemeClr val="accent1"/>
+            </a:lnRef>
+            <a:fillRef idx="0">
+              <a:schemeClr val="accent1"/>
+            </a:fillRef>
+            <a:effectRef idx="1">
+              <a:schemeClr val="accent1"/>
+            </a:effectRef>
+            <a:fontRef idx="minor">
+              <a:schemeClr val="tx1"/>
+            </a:fontRef>
+          </p:style>
+        </p:cxnSp>
+        <p:cxnSp>
+          <p:nvCxnSpPr>
+            <p:cNvPr id="152" name="直線コネクタ 151"/>
+            <p:cNvCxnSpPr/>
+            <p:nvPr/>
+          </p:nvCxnSpPr>
+          <p:spPr>
+            <a:xfrm>
+              <a:off x="5003884" y="1310793"/>
+              <a:ext cx="181196" cy="0"/>
+            </a:xfrm>
+            <a:prstGeom prst="line">
+              <a:avLst/>
+            </a:prstGeom>
+            <a:ln w="3175">
+              <a:solidFill>
+                <a:schemeClr val="tx1"/>
+              </a:solidFill>
+            </a:ln>
+          </p:spPr>
+          <p:style>
+            <a:lnRef idx="2">
+              <a:schemeClr val="accent1"/>
+            </a:lnRef>
+            <a:fillRef idx="0">
+              <a:schemeClr val="accent1"/>
+            </a:fillRef>
+            <a:effectRef idx="1">
+              <a:schemeClr val="accent1"/>
+            </a:effectRef>
+            <a:fontRef idx="minor">
+              <a:schemeClr val="tx1"/>
+            </a:fontRef>
+          </p:style>
+        </p:cxnSp>
+      </p:grpSp>
       <p:cxnSp>
         <p:nvCxnSpPr>
-          <p:cNvPr id="117" name="直線コネクタ 116"/>
+          <p:cNvPr id="153" name="直線コネクタ 152"/>
           <p:cNvCxnSpPr/>
           <p:nvPr/>
         </p:nvCxnSpPr>
         <p:spPr>
           <a:xfrm>
-            <a:off x="5001261" y="1238058"/>
-            <a:ext cx="181196" cy="0"/>
-          </a:xfrm>
-          <a:prstGeom prst="line">
-            <a:avLst/>
-          </a:prstGeom>
-          <a:ln w="3175">
-            <a:solidFill>
-              <a:schemeClr val="tx1"/>
-            </a:solidFill>
-          </a:ln>
-        </p:spPr>
-        <p:style>
-          <a:lnRef idx="2">
-            <a:schemeClr val="accent1"/>
-          </a:lnRef>
-          <a:fillRef idx="0">
-            <a:schemeClr val="accent1"/>
-          </a:fillRef>
-          <a:effectRef idx="1">
-            <a:schemeClr val="accent1"/>
-          </a:effectRef>
-          <a:fontRef idx="minor">
-            <a:schemeClr val="tx1"/>
-          </a:fontRef>
-        </p:style>
-      </p:cxnSp>
-      <p:cxnSp>
-        <p:nvCxnSpPr>
-          <p:cNvPr id="118" name="直線コネクタ 117"/>
-          <p:cNvCxnSpPr/>
-          <p:nvPr/>
-        </p:nvCxnSpPr>
-        <p:spPr>
-          <a:xfrm>
-            <a:off x="5001261" y="1277697"/>
-            <a:ext cx="181196" cy="0"/>
-          </a:xfrm>
-          <a:prstGeom prst="line">
-            <a:avLst/>
-          </a:prstGeom>
-          <a:ln w="3175">
-            <a:solidFill>
-              <a:schemeClr val="tx1"/>
-            </a:solidFill>
-          </a:ln>
-        </p:spPr>
-        <p:style>
-          <a:lnRef idx="2">
-            <a:schemeClr val="accent1"/>
-          </a:lnRef>
-          <a:fillRef idx="0">
-            <a:schemeClr val="accent1"/>
-          </a:fillRef>
-          <a:effectRef idx="1">
-            <a:schemeClr val="accent1"/>
-          </a:effectRef>
-          <a:fontRef idx="minor">
-            <a:schemeClr val="tx1"/>
-          </a:fontRef>
-        </p:style>
-      </p:cxnSp>
-      <p:cxnSp>
-        <p:nvCxnSpPr>
-          <p:cNvPr id="119" name="直線コネクタ 118"/>
-          <p:cNvCxnSpPr/>
-          <p:nvPr/>
-        </p:nvCxnSpPr>
-        <p:spPr>
-          <a:xfrm>
-            <a:off x="5003884" y="1310793"/>
-            <a:ext cx="181196" cy="0"/>
-          </a:xfrm>
-          <a:prstGeom prst="line">
-            <a:avLst/>
-          </a:prstGeom>
-          <a:ln w="3175">
-            <a:solidFill>
-              <a:schemeClr val="tx1"/>
-            </a:solidFill>
-          </a:ln>
-        </p:spPr>
-        <p:style>
-          <a:lnRef idx="2">
-            <a:schemeClr val="accent1"/>
-          </a:lnRef>
-          <a:fillRef idx="0">
-            <a:schemeClr val="accent1"/>
-          </a:fillRef>
-          <a:effectRef idx="1">
-            <a:schemeClr val="accent1"/>
-          </a:effectRef>
-          <a:fontRef idx="minor">
-            <a:schemeClr val="tx1"/>
-          </a:fontRef>
-        </p:style>
-      </p:cxnSp>
-      <p:cxnSp>
-        <p:nvCxnSpPr>
-          <p:cNvPr id="120" name="直線コネクタ 119"/>
-          <p:cNvCxnSpPr/>
-          <p:nvPr/>
-        </p:nvCxnSpPr>
-        <p:spPr>
-          <a:xfrm>
-            <a:off x="923931" y="2034307"/>
-            <a:ext cx="7250251" cy="0"/>
+            <a:off x="658396" y="2034307"/>
+            <a:ext cx="7827513" cy="0"/>
           </a:xfrm>
           <a:prstGeom prst="line">
             <a:avLst/>
@@ -11116,14 +11574,14 @@
       </p:cxnSp>
       <p:sp>
         <p:nvSpPr>
-          <p:cNvPr id="121" name="テキスト ボックス 120"/>
+          <p:cNvPr id="154" name="テキスト ボックス 153"/>
           <p:cNvSpPr txBox="1"/>
           <p:nvPr/>
         </p:nvSpPr>
         <p:spPr>
           <a:xfrm>
-            <a:off x="890993" y="1659566"/>
-            <a:ext cx="646331" cy="276999"/>
+            <a:off x="590823" y="1671111"/>
+            <a:ext cx="569387" cy="246221"/>
           </a:xfrm>
           <a:prstGeom prst="rect">
             <a:avLst/>
@@ -11137,14 +11595,14 @@
           <a:lstStyle/>
           <a:p>
             <a:r>
-              <a:rPr kumimoji="1" lang="ja-JP" altLang="en-US" sz="1200" dirty="0" smtClean="0">
+              <a:rPr kumimoji="1" lang="ja-JP" altLang="en-US" sz="1000" dirty="0" smtClean="0">
                 <a:latin typeface="メイリオ"/>
                 <a:ea typeface="メイリオ"/>
                 <a:cs typeface="メイリオ"/>
               </a:rPr>
               <a:t>日付：</a:t>
             </a:r>
-            <a:endParaRPr kumimoji="1" lang="ja-JP" altLang="en-US" sz="1200" dirty="0">
+            <a:endParaRPr kumimoji="1" lang="ja-JP" altLang="en-US" sz="1000" dirty="0">
               <a:latin typeface="メイリオ"/>
               <a:ea typeface="メイリオ"/>
               <a:cs typeface="メイリオ"/>
@@ -11154,13 +11612,13 @@
       </p:sp>
       <p:sp>
         <p:nvSpPr>
-          <p:cNvPr id="122" name="角丸四角形 121"/>
+          <p:cNvPr id="155" name="角丸四角形 154"/>
           <p:cNvSpPr/>
           <p:nvPr/>
         </p:nvSpPr>
         <p:spPr>
           <a:xfrm>
-            <a:off x="1469168" y="1722329"/>
+            <a:off x="1099728" y="1722329"/>
             <a:ext cx="352321" cy="158766"/>
           </a:xfrm>
           <a:prstGeom prst="roundRect">
@@ -11199,13 +11657,13 @@
       </p:sp>
       <p:sp>
         <p:nvSpPr>
-          <p:cNvPr id="123" name="テキスト ボックス 122"/>
+          <p:cNvPr id="156" name="テキスト ボックス 155"/>
           <p:cNvSpPr txBox="1"/>
           <p:nvPr/>
         </p:nvSpPr>
         <p:spPr>
           <a:xfrm>
-            <a:off x="1786644" y="1659566"/>
+            <a:off x="1417204" y="1659566"/>
             <a:ext cx="338554" cy="276999"/>
           </a:xfrm>
           <a:prstGeom prst="rect">
@@ -11237,14 +11695,14 @@
       </p:sp>
       <p:sp>
         <p:nvSpPr>
-          <p:cNvPr id="124" name="テキスト ボックス 123"/>
+          <p:cNvPr id="157" name="テキスト ボックス 156"/>
           <p:cNvSpPr txBox="1"/>
           <p:nvPr/>
         </p:nvSpPr>
         <p:spPr>
           <a:xfrm>
-            <a:off x="2465123" y="1656944"/>
-            <a:ext cx="646331" cy="276999"/>
+            <a:off x="2107228" y="1668489"/>
+            <a:ext cx="569387" cy="246221"/>
           </a:xfrm>
           <a:prstGeom prst="rect">
             <a:avLst/>
@@ -11258,7 +11716,7 @@
           <a:lstStyle/>
           <a:p>
             <a:r>
-              <a:rPr lang="ja-JP" altLang="en-US" sz="1200" dirty="0" smtClean="0">
+              <a:rPr lang="ja-JP" altLang="en-US" sz="1000" dirty="0" smtClean="0">
                 <a:latin typeface="メイリオ"/>
                 <a:ea typeface="メイリオ"/>
                 <a:cs typeface="メイリオ"/>
@@ -11266,14 +11724,14 @@
               <a:t>内容</a:t>
             </a:r>
             <a:r>
-              <a:rPr kumimoji="1" lang="ja-JP" altLang="en-US" sz="1200" dirty="0" smtClean="0">
+              <a:rPr kumimoji="1" lang="ja-JP" altLang="en-US" sz="1000" dirty="0" smtClean="0">
                 <a:latin typeface="メイリオ"/>
                 <a:ea typeface="メイリオ"/>
                 <a:cs typeface="メイリオ"/>
               </a:rPr>
               <a:t>：</a:t>
             </a:r>
-            <a:endParaRPr kumimoji="1" lang="ja-JP" altLang="en-US" sz="1200" dirty="0">
+            <a:endParaRPr kumimoji="1" lang="ja-JP" altLang="en-US" sz="1000" dirty="0">
               <a:latin typeface="メイリオ"/>
               <a:ea typeface="メイリオ"/>
               <a:cs typeface="メイリオ"/>
@@ -11283,14 +11741,14 @@
       </p:sp>
       <p:sp>
         <p:nvSpPr>
-          <p:cNvPr id="125" name="角丸四角形 124"/>
+          <p:cNvPr id="158" name="角丸四角形 157"/>
           <p:cNvSpPr/>
           <p:nvPr/>
         </p:nvSpPr>
         <p:spPr>
           <a:xfrm>
-            <a:off x="3034657" y="1720187"/>
-            <a:ext cx="797002" cy="165946"/>
+            <a:off x="2607492" y="1720187"/>
+            <a:ext cx="536114" cy="149362"/>
           </a:xfrm>
           <a:prstGeom prst="roundRect">
             <a:avLst/>
@@ -11326,16 +11784,184 @@
           </a:p>
         </p:txBody>
       </p:sp>
-      <p:sp>
-        <p:nvSpPr>
-          <p:cNvPr id="126" name="角丸四角形 125"/>
+      <p:grpSp>
+        <p:nvGrpSpPr>
+          <p:cNvPr id="159" name="図形グループ 158"/>
+          <p:cNvGrpSpPr/>
+          <p:nvPr/>
+        </p:nvGrpSpPr>
+        <p:grpSpPr>
+          <a:xfrm>
+            <a:off x="3219724" y="1710865"/>
+            <a:ext cx="602185" cy="165865"/>
+            <a:chOff x="3681524" y="1722410"/>
+            <a:chExt cx="602185" cy="165865"/>
+          </a:xfrm>
+        </p:grpSpPr>
+        <p:sp>
+          <p:nvSpPr>
+            <p:cNvPr id="160" name="角丸四角形 159"/>
+            <p:cNvSpPr/>
+            <p:nvPr/>
+          </p:nvSpPr>
+          <p:spPr>
+            <a:xfrm>
+              <a:off x="3681524" y="1722410"/>
+              <a:ext cx="602185" cy="165865"/>
+            </a:xfrm>
+            <a:prstGeom prst="roundRect">
+              <a:avLst/>
+            </a:prstGeom>
+            <a:noFill/>
+            <a:ln w="25400">
+              <a:solidFill>
+                <a:schemeClr val="tx1"/>
+              </a:solidFill>
+            </a:ln>
+            <a:effectLst/>
+          </p:spPr>
+          <p:style>
+            <a:lnRef idx="1">
+              <a:schemeClr val="accent1"/>
+            </a:lnRef>
+            <a:fillRef idx="3">
+              <a:schemeClr val="accent1"/>
+            </a:fillRef>
+            <a:effectRef idx="2">
+              <a:schemeClr val="accent1"/>
+            </a:effectRef>
+            <a:fontRef idx="minor">
+              <a:schemeClr val="lt1"/>
+            </a:fontRef>
+          </p:style>
+          <p:txBody>
+            <a:bodyPr rtlCol="0" anchor="ctr"/>
+            <a:lstStyle/>
+            <a:p>
+              <a:r>
+                <a:rPr kumimoji="1" lang="ja-JP" altLang="en-US" sz="800" dirty="0" smtClean="0">
+                  <a:solidFill>
+                    <a:schemeClr val="tx1"/>
+                  </a:solidFill>
+                  <a:latin typeface="メイリオ"/>
+                  <a:ea typeface="メイリオ"/>
+                  <a:cs typeface="メイリオ"/>
+                </a:rPr>
+                <a:t>を含む</a:t>
+              </a:r>
+              <a:endParaRPr kumimoji="1" lang="ja-JP" altLang="en-US" sz="800" dirty="0">
+                <a:solidFill>
+                  <a:schemeClr val="tx1"/>
+                </a:solidFill>
+                <a:latin typeface="メイリオ"/>
+                <a:ea typeface="メイリオ"/>
+                <a:cs typeface="メイリオ"/>
+              </a:endParaRPr>
+            </a:p>
+          </p:txBody>
+        </p:sp>
+        <p:sp>
+          <p:nvSpPr>
+            <p:cNvPr id="161" name="二等辺三角形 160"/>
+            <p:cNvSpPr/>
+            <p:nvPr/>
+          </p:nvSpPr>
+          <p:spPr>
+            <a:xfrm rot="10800000">
+              <a:off x="4126021" y="1761549"/>
+              <a:ext cx="108000" cy="108000"/>
+            </a:xfrm>
+            <a:prstGeom prst="triangle">
+              <a:avLst/>
+            </a:prstGeom>
+            <a:solidFill>
+              <a:schemeClr val="tx1"/>
+            </a:solidFill>
+            <a:ln>
+              <a:noFill/>
+            </a:ln>
+            <a:effectLst/>
+          </p:spPr>
+          <p:style>
+            <a:lnRef idx="1">
+              <a:schemeClr val="accent1"/>
+            </a:lnRef>
+            <a:fillRef idx="3">
+              <a:schemeClr val="accent1"/>
+            </a:fillRef>
+            <a:effectRef idx="2">
+              <a:schemeClr val="accent1"/>
+            </a:effectRef>
+            <a:fontRef idx="minor">
+              <a:schemeClr val="lt1"/>
+            </a:fontRef>
+          </p:style>
+          <p:txBody>
+            <a:bodyPr rtlCol="0" anchor="ctr"/>
+            <a:lstStyle/>
+            <a:p>
+              <a:pPr algn="ctr"/>
+              <a:endParaRPr kumimoji="1" lang="ja-JP" altLang="en-US"/>
+            </a:p>
+          </p:txBody>
+        </p:sp>
+      </p:grpSp>
+      <p:sp>
+        <p:nvSpPr>
+          <p:cNvPr id="162" name="テキスト ボックス 161"/>
+          <p:cNvSpPr txBox="1"/>
+          <p:nvPr/>
+        </p:nvSpPr>
+        <p:spPr>
+          <a:xfrm>
+            <a:off x="3813143" y="1671715"/>
+            <a:ext cx="825867" cy="246221"/>
+          </a:xfrm>
+          <a:prstGeom prst="rect">
+            <a:avLst/>
+          </a:prstGeom>
+          <a:noFill/>
+        </p:spPr>
+        <p:txBody>
+          <a:bodyPr wrap="none" rtlCol="0">
+            <a:spAutoFit/>
+          </a:bodyPr>
+          <a:lstStyle/>
+          <a:p>
+            <a:r>
+              <a:rPr lang="ja-JP" altLang="en-US" sz="1000" dirty="0" smtClean="0">
+                <a:latin typeface="メイリオ"/>
+                <a:ea typeface="メイリオ"/>
+                <a:cs typeface="メイリオ"/>
+              </a:rPr>
+              <a:t>カテゴリ</a:t>
+            </a:r>
+            <a:r>
+              <a:rPr kumimoji="1" lang="ja-JP" altLang="en-US" sz="1000" dirty="0" smtClean="0">
+                <a:latin typeface="メイリオ"/>
+                <a:ea typeface="メイリオ"/>
+                <a:cs typeface="メイリオ"/>
+              </a:rPr>
+              <a:t>：</a:t>
+            </a:r>
+            <a:endParaRPr kumimoji="1" lang="ja-JP" altLang="en-US" sz="1000" dirty="0">
+              <a:latin typeface="メイリオ"/>
+              <a:ea typeface="メイリオ"/>
+              <a:cs typeface="メイリオ"/>
+            </a:endParaRPr>
+          </a:p>
+        </p:txBody>
+      </p:sp>
+      <p:sp>
+        <p:nvSpPr>
+          <p:cNvPr id="163" name="角丸四角形 162"/>
           <p:cNvSpPr/>
           <p:nvPr/>
         </p:nvSpPr>
         <p:spPr>
           <a:xfrm>
-            <a:off x="3877789" y="1722410"/>
-            <a:ext cx="602185" cy="165865"/>
+            <a:off x="4573905" y="1715149"/>
+            <a:ext cx="402504" cy="166902"/>
           </a:xfrm>
           <a:prstGeom prst="roundRect">
             <a:avLst/>
@@ -11366,112 +11992,50 @@
           <a:bodyPr rtlCol="0" anchor="ctr"/>
           <a:lstStyle/>
           <a:p>
-            <a:r>
-              <a:rPr kumimoji="1" lang="ja-JP" altLang="en-US" sz="800" dirty="0" smtClean="0">
-                <a:solidFill>
-                  <a:schemeClr val="tx1"/>
-                </a:solidFill>
+            <a:pPr algn="ctr"/>
+            <a:endParaRPr kumimoji="1" lang="ja-JP" altLang="en-US"/>
+          </a:p>
+        </p:txBody>
+      </p:sp>
+      <p:sp>
+        <p:nvSpPr>
+          <p:cNvPr id="164" name="テキスト ボックス 163"/>
+          <p:cNvSpPr txBox="1"/>
+          <p:nvPr/>
+        </p:nvSpPr>
+        <p:spPr>
+          <a:xfrm>
+            <a:off x="5303020" y="1672319"/>
+            <a:ext cx="569387" cy="246221"/>
+          </a:xfrm>
+          <a:prstGeom prst="rect">
+            <a:avLst/>
+          </a:prstGeom>
+          <a:noFill/>
+        </p:spPr>
+        <p:txBody>
+          <a:bodyPr wrap="none" rtlCol="0">
+            <a:spAutoFit/>
+          </a:bodyPr>
+          <a:lstStyle/>
+          <a:p>
+            <a:r>
+              <a:rPr lang="ja-JP" altLang="en-US" sz="1000" dirty="0" smtClean="0">
                 <a:latin typeface="メイリオ"/>
                 <a:ea typeface="メイリオ"/>
                 <a:cs typeface="メイリオ"/>
               </a:rPr>
-              <a:t>を含む</a:t>
-            </a:r>
-            <a:endParaRPr kumimoji="1" lang="ja-JP" altLang="en-US" sz="800" dirty="0">
-              <a:solidFill>
-                <a:schemeClr val="tx1"/>
-              </a:solidFill>
-              <a:latin typeface="メイリオ"/>
-              <a:ea typeface="メイリオ"/>
-              <a:cs typeface="メイリオ"/>
-            </a:endParaRPr>
-          </a:p>
-        </p:txBody>
-      </p:sp>
-      <p:sp>
-        <p:nvSpPr>
-          <p:cNvPr id="127" name="二等辺三角形 126"/>
-          <p:cNvSpPr/>
-          <p:nvPr/>
-        </p:nvSpPr>
-        <p:spPr>
-          <a:xfrm rot="10800000">
-            <a:off x="4322286" y="1761549"/>
-            <a:ext cx="108000" cy="108000"/>
-          </a:xfrm>
-          <a:prstGeom prst="triangle">
-            <a:avLst/>
-          </a:prstGeom>
-          <a:solidFill>
-            <a:schemeClr val="tx1"/>
-          </a:solidFill>
-          <a:ln>
-            <a:noFill/>
-          </a:ln>
-          <a:effectLst/>
-        </p:spPr>
-        <p:style>
-          <a:lnRef idx="1">
-            <a:schemeClr val="accent1"/>
-          </a:lnRef>
-          <a:fillRef idx="3">
-            <a:schemeClr val="accent1"/>
-          </a:fillRef>
-          <a:effectRef idx="2">
-            <a:schemeClr val="accent1"/>
-          </a:effectRef>
-          <a:fontRef idx="minor">
-            <a:schemeClr val="lt1"/>
-          </a:fontRef>
-        </p:style>
-        <p:txBody>
-          <a:bodyPr rtlCol="0" anchor="ctr"/>
-          <a:lstStyle/>
-          <a:p>
-            <a:pPr algn="ctr"/>
-            <a:endParaRPr kumimoji="1" lang="ja-JP" altLang="en-US"/>
-          </a:p>
-        </p:txBody>
-      </p:sp>
-      <p:sp>
-        <p:nvSpPr>
-          <p:cNvPr id="128" name="テキスト ボックス 127"/>
-          <p:cNvSpPr txBox="1"/>
-          <p:nvPr/>
-        </p:nvSpPr>
-        <p:spPr>
-          <a:xfrm>
-            <a:off x="4494298" y="1660170"/>
-            <a:ext cx="954107" cy="276999"/>
-          </a:xfrm>
-          <a:prstGeom prst="rect">
-            <a:avLst/>
-          </a:prstGeom>
-          <a:noFill/>
-        </p:spPr>
-        <p:txBody>
-          <a:bodyPr wrap="none" rtlCol="0">
-            <a:spAutoFit/>
-          </a:bodyPr>
-          <a:lstStyle/>
-          <a:p>
-            <a:r>
-              <a:rPr lang="ja-JP" altLang="en-US" sz="1200" dirty="0" smtClean="0">
-                <a:latin typeface="メイリオ"/>
-                <a:ea typeface="メイリオ"/>
-                <a:cs typeface="メイリオ"/>
-              </a:rPr>
-              <a:t>カテゴリ</a:t>
-            </a:r>
-            <a:r>
-              <a:rPr kumimoji="1" lang="ja-JP" altLang="en-US" sz="1200" dirty="0" smtClean="0">
+              <a:t>金額</a:t>
+            </a:r>
+            <a:r>
+              <a:rPr kumimoji="1" lang="ja-JP" altLang="en-US" sz="1000" dirty="0" smtClean="0">
                 <a:latin typeface="メイリオ"/>
                 <a:ea typeface="メイリオ"/>
                 <a:cs typeface="メイリオ"/>
               </a:rPr>
               <a:t>：</a:t>
             </a:r>
-            <a:endParaRPr kumimoji="1" lang="ja-JP" altLang="en-US" sz="1200" dirty="0">
+            <a:endParaRPr kumimoji="1" lang="ja-JP" altLang="en-US" sz="1000" dirty="0">
               <a:latin typeface="メイリオ"/>
               <a:ea typeface="メイリオ"/>
               <a:cs typeface="メイリオ"/>
@@ -11481,14 +12045,14 @@
       </p:sp>
       <p:sp>
         <p:nvSpPr>
-          <p:cNvPr id="129" name="角丸四角形 128"/>
+          <p:cNvPr id="165" name="角丸四角形 164"/>
           <p:cNvSpPr/>
           <p:nvPr/>
         </p:nvSpPr>
         <p:spPr>
           <a:xfrm>
-            <a:off x="5370510" y="1715149"/>
-            <a:ext cx="560480" cy="165946"/>
+            <a:off x="1741308" y="1715007"/>
+            <a:ext cx="352321" cy="158766"/>
           </a:xfrm>
           <a:prstGeom prst="roundRect">
             <a:avLst/>
@@ -11526,59 +12090,13 @@
       </p:sp>
       <p:sp>
         <p:nvSpPr>
-          <p:cNvPr id="130" name="テキスト ボックス 129"/>
-          <p:cNvSpPr txBox="1"/>
-          <p:nvPr/>
-        </p:nvSpPr>
-        <p:spPr>
-          <a:xfrm>
-            <a:off x="5949540" y="1649229"/>
-            <a:ext cx="646331" cy="276999"/>
-          </a:xfrm>
-          <a:prstGeom prst="rect">
-            <a:avLst/>
-          </a:prstGeom>
-          <a:noFill/>
-        </p:spPr>
-        <p:txBody>
-          <a:bodyPr wrap="none" rtlCol="0">
-            <a:spAutoFit/>
-          </a:bodyPr>
-          <a:lstStyle/>
-          <a:p>
-            <a:r>
-              <a:rPr lang="ja-JP" altLang="en-US" sz="1200" dirty="0" smtClean="0">
-                <a:latin typeface="メイリオ"/>
-                <a:ea typeface="メイリオ"/>
-                <a:cs typeface="メイリオ"/>
-              </a:rPr>
-              <a:t>金額</a:t>
-            </a:r>
-            <a:r>
-              <a:rPr kumimoji="1" lang="ja-JP" altLang="en-US" sz="1200" dirty="0" smtClean="0">
-                <a:latin typeface="メイリオ"/>
-                <a:ea typeface="メイリオ"/>
-                <a:cs typeface="メイリオ"/>
-              </a:rPr>
-              <a:t>：</a:t>
-            </a:r>
-            <a:endParaRPr kumimoji="1" lang="ja-JP" altLang="en-US" sz="1200" dirty="0">
-              <a:latin typeface="メイリオ"/>
-              <a:ea typeface="メイリオ"/>
-              <a:cs typeface="メイリオ"/>
-            </a:endParaRPr>
-          </a:p>
-        </p:txBody>
-      </p:sp>
-      <p:sp>
-        <p:nvSpPr>
-          <p:cNvPr id="131" name="角丸四角形 130"/>
+          <p:cNvPr id="166" name="角丸四角形 165"/>
           <p:cNvSpPr/>
           <p:nvPr/>
         </p:nvSpPr>
         <p:spPr>
           <a:xfrm>
-            <a:off x="2087658" y="1715007"/>
+            <a:off x="5797831" y="1723285"/>
             <a:ext cx="352321" cy="158766"/>
           </a:xfrm>
           <a:prstGeom prst="roundRect">
@@ -11617,13 +12135,51 @@
       </p:sp>
       <p:sp>
         <p:nvSpPr>
-          <p:cNvPr id="132" name="角丸四角形 131"/>
+          <p:cNvPr id="167" name="テキスト ボックス 166"/>
+          <p:cNvSpPr txBox="1"/>
+          <p:nvPr/>
+        </p:nvSpPr>
+        <p:spPr>
+          <a:xfrm>
+            <a:off x="6115307" y="1660522"/>
+            <a:ext cx="338554" cy="276999"/>
+          </a:xfrm>
+          <a:prstGeom prst="rect">
+            <a:avLst/>
+          </a:prstGeom>
+          <a:noFill/>
+        </p:spPr>
+        <p:txBody>
+          <a:bodyPr wrap="none" rtlCol="0">
+            <a:spAutoFit/>
+          </a:bodyPr>
+          <a:lstStyle/>
+          <a:p>
+            <a:r>
+              <a:rPr lang="en-US" altLang="en-US" sz="1200" dirty="0" smtClean="0">
+                <a:latin typeface="メイリオ"/>
+                <a:ea typeface="メイリオ"/>
+                <a:cs typeface="メイリオ"/>
+              </a:rPr>
+              <a:t>〜</a:t>
+            </a:r>
+            <a:endParaRPr kumimoji="1" lang="ja-JP" altLang="en-US" sz="1200" dirty="0">
+              <a:latin typeface="メイリオ"/>
+              <a:ea typeface="メイリオ"/>
+              <a:cs typeface="メイリオ"/>
+            </a:endParaRPr>
+          </a:p>
+        </p:txBody>
+      </p:sp>
+      <p:sp>
+        <p:nvSpPr>
+          <p:cNvPr id="168" name="角丸四角形 167"/>
           <p:cNvSpPr/>
           <p:nvPr/>
         </p:nvSpPr>
         <p:spPr>
           <a:xfrm>
-            <a:off x="6513621" y="1723285"/>
+            <a:off x="6416321" y="1715963"/>
             <a:ext cx="352321" cy="158766"/>
           </a:xfrm>
           <a:prstGeom prst="roundRect">
@@ -11662,52 +12218,14 @@
       </p:sp>
       <p:sp>
         <p:nvSpPr>
-          <p:cNvPr id="133" name="テキスト ボックス 132"/>
-          <p:cNvSpPr txBox="1"/>
-          <p:nvPr/>
-        </p:nvSpPr>
-        <p:spPr>
-          <a:xfrm>
-            <a:off x="6831097" y="1660522"/>
-            <a:ext cx="338554" cy="276999"/>
-          </a:xfrm>
-          <a:prstGeom prst="rect">
-            <a:avLst/>
-          </a:prstGeom>
-          <a:noFill/>
-        </p:spPr>
-        <p:txBody>
-          <a:bodyPr wrap="none" rtlCol="0">
-            <a:spAutoFit/>
-          </a:bodyPr>
-          <a:lstStyle/>
-          <a:p>
-            <a:r>
-              <a:rPr lang="en-US" altLang="en-US" sz="1200" dirty="0" smtClean="0">
-                <a:latin typeface="メイリオ"/>
-                <a:ea typeface="メイリオ"/>
-                <a:cs typeface="メイリオ"/>
-              </a:rPr>
-              <a:t>〜</a:t>
-            </a:r>
-            <a:endParaRPr kumimoji="1" lang="ja-JP" altLang="en-US" sz="1200" dirty="0">
-              <a:latin typeface="メイリオ"/>
-              <a:ea typeface="メイリオ"/>
-              <a:cs typeface="メイリオ"/>
-            </a:endParaRPr>
-          </a:p>
-        </p:txBody>
-      </p:sp>
-      <p:sp>
-        <p:nvSpPr>
-          <p:cNvPr id="134" name="角丸四角形 133"/>
+          <p:cNvPr id="169" name="角丸四角形 168"/>
           <p:cNvSpPr/>
           <p:nvPr/>
         </p:nvSpPr>
         <p:spPr>
           <a:xfrm>
-            <a:off x="7132111" y="1715963"/>
-            <a:ext cx="352321" cy="158766"/>
+            <a:off x="7931715" y="1685552"/>
+            <a:ext cx="529807" cy="231780"/>
           </a:xfrm>
           <a:prstGeom prst="roundRect">
             <a:avLst/>
@@ -11739,53 +12257,8 @@
           <a:lstStyle/>
           <a:p>
             <a:pPr algn="ctr"/>
-            <a:endParaRPr kumimoji="1" lang="ja-JP" altLang="en-US"/>
-          </a:p>
-        </p:txBody>
-      </p:sp>
-      <p:sp>
-        <p:nvSpPr>
-          <p:cNvPr id="135" name="角丸四角形 134"/>
-          <p:cNvSpPr/>
-          <p:nvPr/>
-        </p:nvSpPr>
-        <p:spPr>
-          <a:xfrm>
-            <a:off x="7553038" y="1639397"/>
-            <a:ext cx="550589" cy="299213"/>
-          </a:xfrm>
-          <a:prstGeom prst="roundRect">
-            <a:avLst/>
-          </a:prstGeom>
-          <a:noFill/>
-          <a:ln w="25400">
-            <a:solidFill>
-              <a:schemeClr val="tx1"/>
-            </a:solidFill>
-          </a:ln>
-          <a:effectLst/>
-        </p:spPr>
-        <p:style>
-          <a:lnRef idx="1">
-            <a:schemeClr val="accent1"/>
-          </a:lnRef>
-          <a:fillRef idx="3">
-            <a:schemeClr val="accent1"/>
-          </a:fillRef>
-          <a:effectRef idx="2">
-            <a:schemeClr val="accent1"/>
-          </a:effectRef>
-          <a:fontRef idx="minor">
-            <a:schemeClr val="lt1"/>
-          </a:fontRef>
-        </p:style>
-        <p:txBody>
-          <a:bodyPr rtlCol="0" anchor="ctr"/>
-          <a:lstStyle/>
-          <a:p>
-            <a:pPr algn="ctr"/>
-            <a:r>
-              <a:rPr lang="ja-JP" altLang="en-US" sz="1200" dirty="0" smtClean="0">
+            <a:r>
+              <a:rPr lang="ja-JP" altLang="en-US" sz="1000" dirty="0" smtClean="0">
                 <a:solidFill>
                   <a:schemeClr val="tx1"/>
                 </a:solidFill>
@@ -11795,7 +12268,7 @@
               </a:rPr>
               <a:t>検索</a:t>
             </a:r>
-            <a:endParaRPr kumimoji="1" lang="ja-JP" altLang="en-US" sz="1200" dirty="0">
+            <a:endParaRPr kumimoji="1" lang="ja-JP" altLang="en-US" sz="1000" dirty="0">
               <a:solidFill>
                 <a:schemeClr val="tx1"/>
               </a:solidFill>
@@ -11806,16 +12279,517 @@
           </a:p>
         </p:txBody>
       </p:sp>
-      <p:sp>
-        <p:nvSpPr>
-          <p:cNvPr id="136" name="正方形/長方形 135"/>
+      <p:grpSp>
+        <p:nvGrpSpPr>
+          <p:cNvPr id="170" name="図形グループ 169"/>
+          <p:cNvGrpSpPr/>
+          <p:nvPr/>
+        </p:nvGrpSpPr>
+        <p:grpSpPr>
+          <a:xfrm>
+            <a:off x="5017501" y="1715007"/>
+            <a:ext cx="280240" cy="165946"/>
+            <a:chOff x="4954166" y="1192639"/>
+            <a:chExt cx="280240" cy="165946"/>
+          </a:xfrm>
+        </p:grpSpPr>
+        <p:sp>
+          <p:nvSpPr>
+            <p:cNvPr id="171" name="角丸四角形 170"/>
+            <p:cNvSpPr/>
+            <p:nvPr/>
+          </p:nvSpPr>
+          <p:spPr>
+            <a:xfrm>
+              <a:off x="4954166" y="1192639"/>
+              <a:ext cx="280240" cy="165946"/>
+            </a:xfrm>
+            <a:prstGeom prst="roundRect">
+              <a:avLst/>
+            </a:prstGeom>
+            <a:noFill/>
+            <a:ln w="25400">
+              <a:solidFill>
+                <a:schemeClr val="tx1"/>
+              </a:solidFill>
+            </a:ln>
+            <a:effectLst/>
+          </p:spPr>
+          <p:style>
+            <a:lnRef idx="1">
+              <a:schemeClr val="accent1"/>
+            </a:lnRef>
+            <a:fillRef idx="3">
+              <a:schemeClr val="accent1"/>
+            </a:fillRef>
+            <a:effectRef idx="2">
+              <a:schemeClr val="accent1"/>
+            </a:effectRef>
+            <a:fontRef idx="minor">
+              <a:schemeClr val="lt1"/>
+            </a:fontRef>
+          </p:style>
+          <p:txBody>
+            <a:bodyPr rtlCol="0" anchor="ctr"/>
+            <a:lstStyle/>
+            <a:p>
+              <a:pPr algn="ctr"/>
+              <a:endParaRPr kumimoji="1" lang="ja-JP" altLang="en-US" sz="800" dirty="0">
+                <a:solidFill>
+                  <a:schemeClr val="tx1"/>
+                </a:solidFill>
+              </a:endParaRPr>
+            </a:p>
+          </p:txBody>
+        </p:sp>
+        <p:cxnSp>
+          <p:nvCxnSpPr>
+            <p:cNvPr id="172" name="直線コネクタ 171"/>
+            <p:cNvCxnSpPr/>
+            <p:nvPr/>
+          </p:nvCxnSpPr>
+          <p:spPr>
+            <a:xfrm>
+              <a:off x="5001261" y="1238058"/>
+              <a:ext cx="181196" cy="0"/>
+            </a:xfrm>
+            <a:prstGeom prst="line">
+              <a:avLst/>
+            </a:prstGeom>
+            <a:ln w="3175">
+              <a:solidFill>
+                <a:schemeClr val="tx1"/>
+              </a:solidFill>
+            </a:ln>
+          </p:spPr>
+          <p:style>
+            <a:lnRef idx="2">
+              <a:schemeClr val="accent1"/>
+            </a:lnRef>
+            <a:fillRef idx="0">
+              <a:schemeClr val="accent1"/>
+            </a:fillRef>
+            <a:effectRef idx="1">
+              <a:schemeClr val="accent1"/>
+            </a:effectRef>
+            <a:fontRef idx="minor">
+              <a:schemeClr val="tx1"/>
+            </a:fontRef>
+          </p:style>
+        </p:cxnSp>
+        <p:cxnSp>
+          <p:nvCxnSpPr>
+            <p:cNvPr id="173" name="直線コネクタ 172"/>
+            <p:cNvCxnSpPr/>
+            <p:nvPr/>
+          </p:nvCxnSpPr>
+          <p:spPr>
+            <a:xfrm>
+              <a:off x="5001261" y="1277697"/>
+              <a:ext cx="181196" cy="0"/>
+            </a:xfrm>
+            <a:prstGeom prst="line">
+              <a:avLst/>
+            </a:prstGeom>
+            <a:ln w="3175">
+              <a:solidFill>
+                <a:schemeClr val="tx1"/>
+              </a:solidFill>
+            </a:ln>
+          </p:spPr>
+          <p:style>
+            <a:lnRef idx="2">
+              <a:schemeClr val="accent1"/>
+            </a:lnRef>
+            <a:fillRef idx="0">
+              <a:schemeClr val="accent1"/>
+            </a:fillRef>
+            <a:effectRef idx="1">
+              <a:schemeClr val="accent1"/>
+            </a:effectRef>
+            <a:fontRef idx="minor">
+              <a:schemeClr val="tx1"/>
+            </a:fontRef>
+          </p:style>
+        </p:cxnSp>
+        <p:cxnSp>
+          <p:nvCxnSpPr>
+            <p:cNvPr id="174" name="直線コネクタ 173"/>
+            <p:cNvCxnSpPr/>
+            <p:nvPr/>
+          </p:nvCxnSpPr>
+          <p:spPr>
+            <a:xfrm>
+              <a:off x="5003884" y="1310793"/>
+              <a:ext cx="181196" cy="0"/>
+            </a:xfrm>
+            <a:prstGeom prst="line">
+              <a:avLst/>
+            </a:prstGeom>
+            <a:ln w="3175">
+              <a:solidFill>
+                <a:schemeClr val="tx1"/>
+              </a:solidFill>
+            </a:ln>
+          </p:spPr>
+          <p:style>
+            <a:lnRef idx="2">
+              <a:schemeClr val="accent1"/>
+            </a:lnRef>
+            <a:fillRef idx="0">
+              <a:schemeClr val="accent1"/>
+            </a:fillRef>
+            <a:effectRef idx="1">
+              <a:schemeClr val="accent1"/>
+            </a:effectRef>
+            <a:fontRef idx="minor">
+              <a:schemeClr val="tx1"/>
+            </a:fontRef>
+          </p:style>
+        </p:cxnSp>
+      </p:grpSp>
+      <p:sp>
+        <p:nvSpPr>
+          <p:cNvPr id="175" name="テキスト ボックス 174"/>
+          <p:cNvSpPr txBox="1"/>
+          <p:nvPr/>
+        </p:nvSpPr>
+        <p:spPr>
+          <a:xfrm>
+            <a:off x="5772888" y="1141779"/>
+            <a:ext cx="441146" cy="246221"/>
+          </a:xfrm>
+          <a:prstGeom prst="rect">
+            <a:avLst/>
+          </a:prstGeom>
+          <a:noFill/>
+        </p:spPr>
+        <p:txBody>
+          <a:bodyPr wrap="none" rtlCol="0">
+            <a:spAutoFit/>
+          </a:bodyPr>
+          <a:lstStyle/>
+          <a:p>
+            <a:r>
+              <a:rPr lang="en-US" altLang="en-US" sz="1000" dirty="0" smtClean="0">
+                <a:latin typeface="メイリオ"/>
+                <a:ea typeface="メイリオ"/>
+                <a:cs typeface="メイリオ"/>
+              </a:rPr>
+              <a:t>収入</a:t>
+            </a:r>
+            <a:endParaRPr kumimoji="1" lang="ja-JP" altLang="en-US" sz="1000" dirty="0">
+              <a:latin typeface="メイリオ"/>
+              <a:ea typeface="メイリオ"/>
+              <a:cs typeface="メイリオ"/>
+            </a:endParaRPr>
+          </a:p>
+        </p:txBody>
+      </p:sp>
+      <p:sp>
+        <p:nvSpPr>
+          <p:cNvPr id="176" name="テキスト ボックス 175"/>
+          <p:cNvSpPr txBox="1"/>
+          <p:nvPr/>
+        </p:nvSpPr>
+        <p:spPr>
+          <a:xfrm>
+            <a:off x="6327496" y="1133027"/>
+            <a:ext cx="441146" cy="246221"/>
+          </a:xfrm>
+          <a:prstGeom prst="rect">
+            <a:avLst/>
+          </a:prstGeom>
+          <a:noFill/>
+        </p:spPr>
+        <p:txBody>
+          <a:bodyPr wrap="none" rtlCol="0">
+            <a:spAutoFit/>
+          </a:bodyPr>
+          <a:lstStyle/>
+          <a:p>
+            <a:r>
+              <a:rPr lang="ja-JP" altLang="en-US" sz="1000" dirty="0" smtClean="0">
+                <a:latin typeface="メイリオ"/>
+                <a:ea typeface="メイリオ"/>
+                <a:cs typeface="メイリオ"/>
+              </a:rPr>
+              <a:t>支出</a:t>
+            </a:r>
+            <a:endParaRPr kumimoji="1" lang="ja-JP" altLang="en-US" sz="1000" dirty="0">
+              <a:latin typeface="メイリオ"/>
+              <a:ea typeface="メイリオ"/>
+              <a:cs typeface="メイリオ"/>
+            </a:endParaRPr>
+          </a:p>
+        </p:txBody>
+      </p:sp>
+      <p:sp>
+        <p:nvSpPr>
+          <p:cNvPr id="177" name="円/楕円 176"/>
           <p:cNvSpPr/>
           <p:nvPr/>
         </p:nvSpPr>
         <p:spPr>
-          <a:xfrm>
-            <a:off x="785584" y="937497"/>
-            <a:ext cx="7575640" cy="5541817"/>
+          <a:xfrm flipH="1">
+            <a:off x="6164699" y="1187777"/>
+            <a:ext cx="162796" cy="157651"/>
+          </a:xfrm>
+          <a:prstGeom prst="ellipse">
+            <a:avLst/>
+          </a:prstGeom>
+          <a:noFill/>
+          <a:ln w="38100">
+            <a:solidFill>
+              <a:schemeClr val="tx1"/>
+            </a:solidFill>
+          </a:ln>
+          <a:effectLst/>
+        </p:spPr>
+        <p:style>
+          <a:lnRef idx="1">
+            <a:schemeClr val="accent1"/>
+          </a:lnRef>
+          <a:fillRef idx="3">
+            <a:schemeClr val="accent1"/>
+          </a:fillRef>
+          <a:effectRef idx="2">
+            <a:schemeClr val="accent1"/>
+          </a:effectRef>
+          <a:fontRef idx="minor">
+            <a:schemeClr val="lt1"/>
+          </a:fontRef>
+        </p:style>
+        <p:txBody>
+          <a:bodyPr rtlCol="0" anchor="ctr"/>
+          <a:lstStyle/>
+          <a:p>
+            <a:pPr algn="ctr"/>
+            <a:endParaRPr kumimoji="1" lang="ja-JP" altLang="en-US"/>
+          </a:p>
+        </p:txBody>
+      </p:sp>
+      <p:sp>
+        <p:nvSpPr>
+          <p:cNvPr id="178" name="円/楕円 177"/>
+          <p:cNvSpPr/>
+          <p:nvPr/>
+        </p:nvSpPr>
+        <p:spPr>
+          <a:xfrm flipH="1">
+            <a:off x="6734007" y="1190624"/>
+            <a:ext cx="162796" cy="157651"/>
+          </a:xfrm>
+          <a:prstGeom prst="ellipse">
+            <a:avLst/>
+          </a:prstGeom>
+          <a:noFill/>
+          <a:ln w="38100">
+            <a:solidFill>
+              <a:schemeClr val="tx1"/>
+            </a:solidFill>
+          </a:ln>
+          <a:effectLst/>
+        </p:spPr>
+        <p:style>
+          <a:lnRef idx="1">
+            <a:schemeClr val="accent1"/>
+          </a:lnRef>
+          <a:fillRef idx="3">
+            <a:schemeClr val="accent1"/>
+          </a:fillRef>
+          <a:effectRef idx="2">
+            <a:schemeClr val="accent1"/>
+          </a:effectRef>
+          <a:fontRef idx="minor">
+            <a:schemeClr val="lt1"/>
+          </a:fontRef>
+        </p:style>
+        <p:txBody>
+          <a:bodyPr rtlCol="0" anchor="ctr"/>
+          <a:lstStyle/>
+          <a:p>
+            <a:pPr algn="ctr"/>
+            <a:endParaRPr kumimoji="1" lang="ja-JP" altLang="en-US"/>
+          </a:p>
+        </p:txBody>
+      </p:sp>
+      <p:sp>
+        <p:nvSpPr>
+          <p:cNvPr id="179" name="テキスト ボックス 178"/>
+          <p:cNvSpPr txBox="1"/>
+          <p:nvPr/>
+        </p:nvSpPr>
+        <p:spPr>
+          <a:xfrm>
+            <a:off x="6753316" y="1665409"/>
+            <a:ext cx="441146" cy="246221"/>
+          </a:xfrm>
+          <a:prstGeom prst="rect">
+            <a:avLst/>
+          </a:prstGeom>
+          <a:noFill/>
+        </p:spPr>
+        <p:txBody>
+          <a:bodyPr wrap="none" rtlCol="0">
+            <a:spAutoFit/>
+          </a:bodyPr>
+          <a:lstStyle/>
+          <a:p>
+            <a:r>
+              <a:rPr lang="en-US" altLang="en-US" sz="1000" dirty="0" smtClean="0">
+                <a:latin typeface="メイリオ"/>
+                <a:ea typeface="メイリオ"/>
+                <a:cs typeface="メイリオ"/>
+              </a:rPr>
+              <a:t>収入</a:t>
+            </a:r>
+            <a:endParaRPr kumimoji="1" lang="ja-JP" altLang="en-US" sz="1000" dirty="0">
+              <a:latin typeface="メイリオ"/>
+              <a:ea typeface="メイリオ"/>
+              <a:cs typeface="メイリオ"/>
+            </a:endParaRPr>
+          </a:p>
+        </p:txBody>
+      </p:sp>
+      <p:sp>
+        <p:nvSpPr>
+          <p:cNvPr id="180" name="テキスト ボックス 179"/>
+          <p:cNvSpPr txBox="1"/>
+          <p:nvPr/>
+        </p:nvSpPr>
+        <p:spPr>
+          <a:xfrm>
+            <a:off x="7307924" y="1656657"/>
+            <a:ext cx="441146" cy="246221"/>
+          </a:xfrm>
+          <a:prstGeom prst="rect">
+            <a:avLst/>
+          </a:prstGeom>
+          <a:noFill/>
+        </p:spPr>
+        <p:txBody>
+          <a:bodyPr wrap="none" rtlCol="0">
+            <a:spAutoFit/>
+          </a:bodyPr>
+          <a:lstStyle/>
+          <a:p>
+            <a:r>
+              <a:rPr lang="ja-JP" altLang="en-US" sz="1000" dirty="0" smtClean="0">
+                <a:latin typeface="メイリオ"/>
+                <a:ea typeface="メイリオ"/>
+                <a:cs typeface="メイリオ"/>
+              </a:rPr>
+              <a:t>支出</a:t>
+            </a:r>
+            <a:endParaRPr kumimoji="1" lang="ja-JP" altLang="en-US" sz="1000" dirty="0">
+              <a:latin typeface="メイリオ"/>
+              <a:ea typeface="メイリオ"/>
+              <a:cs typeface="メイリオ"/>
+            </a:endParaRPr>
+          </a:p>
+        </p:txBody>
+      </p:sp>
+      <p:sp>
+        <p:nvSpPr>
+          <p:cNvPr id="181" name="円/楕円 180"/>
+          <p:cNvSpPr/>
+          <p:nvPr/>
+        </p:nvSpPr>
+        <p:spPr>
+          <a:xfrm flipH="1">
+            <a:off x="7145127" y="1711407"/>
+            <a:ext cx="162796" cy="157651"/>
+          </a:xfrm>
+          <a:prstGeom prst="ellipse">
+            <a:avLst/>
+          </a:prstGeom>
+          <a:noFill/>
+          <a:ln w="38100">
+            <a:solidFill>
+              <a:schemeClr val="tx1"/>
+            </a:solidFill>
+          </a:ln>
+          <a:effectLst/>
+        </p:spPr>
+        <p:style>
+          <a:lnRef idx="1">
+            <a:schemeClr val="accent1"/>
+          </a:lnRef>
+          <a:fillRef idx="3">
+            <a:schemeClr val="accent1"/>
+          </a:fillRef>
+          <a:effectRef idx="2">
+            <a:schemeClr val="accent1"/>
+          </a:effectRef>
+          <a:fontRef idx="minor">
+            <a:schemeClr val="lt1"/>
+          </a:fontRef>
+        </p:style>
+        <p:txBody>
+          <a:bodyPr rtlCol="0" anchor="ctr"/>
+          <a:lstStyle/>
+          <a:p>
+            <a:pPr algn="ctr"/>
+            <a:endParaRPr kumimoji="1" lang="ja-JP" altLang="en-US"/>
+          </a:p>
+        </p:txBody>
+      </p:sp>
+      <p:sp>
+        <p:nvSpPr>
+          <p:cNvPr id="182" name="円/楕円 181"/>
+          <p:cNvSpPr/>
+          <p:nvPr/>
+        </p:nvSpPr>
+        <p:spPr>
+          <a:xfrm flipH="1">
+            <a:off x="7714435" y="1714254"/>
+            <a:ext cx="162796" cy="157651"/>
+          </a:xfrm>
+          <a:prstGeom prst="ellipse">
+            <a:avLst/>
+          </a:prstGeom>
+          <a:noFill/>
+          <a:ln w="38100">
+            <a:solidFill>
+              <a:schemeClr val="tx1"/>
+            </a:solidFill>
+          </a:ln>
+          <a:effectLst/>
+        </p:spPr>
+        <p:style>
+          <a:lnRef idx="1">
+            <a:schemeClr val="accent1"/>
+          </a:lnRef>
+          <a:fillRef idx="3">
+            <a:schemeClr val="accent1"/>
+          </a:fillRef>
+          <a:effectRef idx="2">
+            <a:schemeClr val="accent1"/>
+          </a:effectRef>
+          <a:fontRef idx="minor">
+            <a:schemeClr val="lt1"/>
+          </a:fontRef>
+        </p:style>
+        <p:txBody>
+          <a:bodyPr rtlCol="0" anchor="ctr"/>
+          <a:lstStyle/>
+          <a:p>
+            <a:pPr algn="ctr"/>
+            <a:endParaRPr kumimoji="1" lang="ja-JP" altLang="en-US"/>
+          </a:p>
+        </p:txBody>
+      </p:sp>
+      <p:sp>
+        <p:nvSpPr>
+          <p:cNvPr id="183" name="正方形/長方形 182"/>
+          <p:cNvSpPr/>
+          <p:nvPr/>
+        </p:nvSpPr>
+        <p:spPr>
+          <a:xfrm>
+            <a:off x="529279" y="937497"/>
+            <a:ext cx="8095186" cy="5541817"/>
           </a:xfrm>
           <a:prstGeom prst="rect">
             <a:avLst/>
@@ -11865,7 +12839,7 @@
       </p:sp>
       <p:pic>
         <p:nvPicPr>
-          <p:cNvPr id="2" name="図 1" descr="スクリーンショット（0029-08-13 15.04.02）.png"/>
+          <p:cNvPr id="184" name="図 183" descr="スクリーンショット（0029-08-13 15.04.02）.png"/>
           <p:cNvPicPr>
             <a:picLocks noChangeAspect="1"/>
           </p:cNvPicPr>
@@ -11923,16 +12897,54 @@
           <a:chExt cx="0" cy="0"/>
         </a:xfrm>
       </p:grpSpPr>
+      <p:sp>
+        <p:nvSpPr>
+          <p:cNvPr id="4" name="テキスト ボックス 3"/>
+          <p:cNvSpPr txBox="1"/>
+          <p:nvPr/>
+        </p:nvSpPr>
+        <p:spPr>
+          <a:xfrm>
+            <a:off x="200532" y="187161"/>
+            <a:ext cx="4134465" cy="523220"/>
+          </a:xfrm>
+          <a:prstGeom prst="rect">
+            <a:avLst/>
+          </a:prstGeom>
+          <a:noFill/>
+        </p:spPr>
+        <p:txBody>
+          <a:bodyPr wrap="none" rtlCol="0">
+            <a:spAutoFit/>
+          </a:bodyPr>
+          <a:lstStyle/>
+          <a:p>
+            <a:r>
+              <a:rPr lang="ja-JP" altLang="en-US" sz="2800" dirty="0" smtClean="0">
+                <a:latin typeface="メイリオ"/>
+                <a:ea typeface="メイリオ"/>
+                <a:cs typeface="メイリオ"/>
+              </a:rPr>
+              <a:t>管理画面（登録失敗時）</a:t>
+            </a:r>
+            <a:endParaRPr kumimoji="1" lang="ja-JP" altLang="en-US" sz="2000" dirty="0">
+              <a:latin typeface="メイリオ"/>
+              <a:ea typeface="メイリオ"/>
+              <a:cs typeface="メイリオ"/>
+            </a:endParaRPr>
+          </a:p>
+        </p:txBody>
+      </p:sp>
       <p:graphicFrame>
         <p:nvGraphicFramePr>
-          <p:cNvPr id="55" name="表 54"/>
+          <p:cNvPr id="80" name="表 79"/>
           <p:cNvGraphicFramePr>
             <a:graphicFrameLocks noGrp="1"/>
           </p:cNvGraphicFramePr>
           <p:nvPr>
             <p:extLst>
               <p:ext uri="{D42A27DB-BD31-4B8C-83A1-F6EECF244321}">
-                <p14:modId xmlns:p14="http://schemas.microsoft.com/office/powerpoint/2010/main" val="1867620562"/>
+                <p14:modId xmlns:p14="http://schemas.microsoft.com/office/powerpoint/2010/main" val="2813874527"/>
               </p:ext>
             </p:extLst>
           </p:nvPr>
@@ -12427,14 +13439,14 @@
       </p:graphicFrame>
       <p:sp>
         <p:nvSpPr>
-          <p:cNvPr id="64" name="正方形/長方形 63"/>
+          <p:cNvPr id="81" name="正方形/長方形 80"/>
           <p:cNvSpPr/>
           <p:nvPr/>
         </p:nvSpPr>
         <p:spPr>
           <a:xfrm>
-            <a:off x="783269" y="935182"/>
-            <a:ext cx="7575640" cy="5541817"/>
+            <a:off x="529279" y="935182"/>
+            <a:ext cx="8095186" cy="5541817"/>
           </a:xfrm>
           <a:prstGeom prst="rect">
             <a:avLst/>
@@ -12479,13 +13491,13 @@
       </p:sp>
       <p:sp>
         <p:nvSpPr>
-          <p:cNvPr id="65" name="角丸四角形 64"/>
+          <p:cNvPr id="82" name="角丸四角形 81"/>
           <p:cNvSpPr/>
           <p:nvPr/>
         </p:nvSpPr>
         <p:spPr>
           <a:xfrm>
-            <a:off x="1469168" y="1187601"/>
+            <a:off x="1111273" y="1187601"/>
             <a:ext cx="562830" cy="165946"/>
           </a:xfrm>
           <a:prstGeom prst="roundRect">
@@ -12524,14 +13536,14 @@
       </p:sp>
       <p:sp>
         <p:nvSpPr>
-          <p:cNvPr id="66" name="テキスト ボックス 65"/>
+          <p:cNvPr id="83" name="テキスト ボックス 82"/>
           <p:cNvSpPr txBox="1"/>
           <p:nvPr/>
         </p:nvSpPr>
         <p:spPr>
           <a:xfrm>
-            <a:off x="890993" y="1114621"/>
-            <a:ext cx="646331" cy="276999"/>
+            <a:off x="590823" y="1136452"/>
+            <a:ext cx="569387" cy="246221"/>
           </a:xfrm>
           <a:prstGeom prst="rect">
             <a:avLst/>
@@ -12545,14 +13557,14 @@
           <a:lstStyle/>
           <a:p>
             <a:r>
-              <a:rPr kumimoji="1" lang="ja-JP" altLang="en-US" sz="1200" dirty="0" smtClean="0">
+              <a:rPr kumimoji="1" lang="ja-JP" altLang="en-US" sz="1000" dirty="0" smtClean="0">
                 <a:latin typeface="メイリオ"/>
                 <a:ea typeface="メイリオ"/>
                 <a:cs typeface="メイリオ"/>
               </a:rPr>
               <a:t>日付：</a:t>
             </a:r>
-            <a:endParaRPr kumimoji="1" lang="ja-JP" altLang="en-US" sz="1200" dirty="0">
+            <a:endParaRPr kumimoji="1" lang="ja-JP" altLang="en-US" sz="1000" dirty="0">
               <a:latin typeface="メイリオ"/>
               <a:ea typeface="メイリオ"/>
               <a:cs typeface="メイリオ"/>
@@ -12562,13 +13574,13 @@
       </p:sp>
       <p:sp>
         <p:nvSpPr>
-          <p:cNvPr id="67" name="角丸四角形 66"/>
+          <p:cNvPr id="84" name="角丸四角形 83"/>
           <p:cNvSpPr/>
           <p:nvPr/>
         </p:nvSpPr>
         <p:spPr>
           <a:xfrm>
-            <a:off x="2646774" y="1187601"/>
+            <a:off x="2208064" y="1187601"/>
             <a:ext cx="797002" cy="165946"/>
           </a:xfrm>
           <a:prstGeom prst="roundRect">
@@ -12607,14 +13619,14 @@
       </p:sp>
       <p:sp>
         <p:nvSpPr>
-          <p:cNvPr id="68" name="テキスト ボックス 67"/>
+          <p:cNvPr id="85" name="テキスト ボックス 84"/>
           <p:cNvSpPr txBox="1"/>
           <p:nvPr/>
         </p:nvSpPr>
         <p:spPr>
           <a:xfrm>
-            <a:off x="2046815" y="1111063"/>
-            <a:ext cx="646331" cy="276999"/>
+            <a:off x="1698033" y="1133027"/>
+            <a:ext cx="569387" cy="246221"/>
           </a:xfrm>
           <a:prstGeom prst="rect">
             <a:avLst/>
@@ -12628,7 +13640,7 @@
           <a:lstStyle/>
           <a:p>
             <a:r>
-              <a:rPr lang="ja-JP" altLang="en-US" sz="1200" dirty="0" smtClean="0">
+              <a:rPr lang="ja-JP" altLang="en-US" sz="1000" dirty="0" smtClean="0">
                 <a:latin typeface="メイリオ"/>
                 <a:ea typeface="メイリオ"/>
                 <a:cs typeface="メイリオ"/>
@@ -12636,14 +13648,14 @@
               <a:t>内容</a:t>
             </a:r>
             <a:r>
-              <a:rPr kumimoji="1" lang="ja-JP" altLang="en-US" sz="1200" dirty="0" smtClean="0">
+              <a:rPr kumimoji="1" lang="ja-JP" altLang="en-US" sz="1000" dirty="0" smtClean="0">
                 <a:latin typeface="メイリオ"/>
                 <a:ea typeface="メイリオ"/>
                 <a:cs typeface="メイリオ"/>
               </a:rPr>
               <a:t>：</a:t>
             </a:r>
-            <a:endParaRPr kumimoji="1" lang="ja-JP" altLang="en-US" sz="1200" dirty="0">
+            <a:endParaRPr kumimoji="1" lang="ja-JP" altLang="en-US" sz="1000" dirty="0">
               <a:latin typeface="メイリオ"/>
               <a:ea typeface="メイリオ"/>
               <a:cs typeface="メイリオ"/>
@@ -12653,13 +13665,13 @@
       </p:sp>
       <p:sp>
         <p:nvSpPr>
-          <p:cNvPr id="69" name="角丸四角形 68"/>
+          <p:cNvPr id="86" name="角丸四角形 85"/>
           <p:cNvSpPr/>
           <p:nvPr/>
         </p:nvSpPr>
         <p:spPr>
           <a:xfrm>
-            <a:off x="4346659" y="1187601"/>
+            <a:off x="3780954" y="1187601"/>
             <a:ext cx="560480" cy="165946"/>
           </a:xfrm>
           <a:prstGeom prst="roundRect">
@@ -12698,14 +13710,14 @@
       </p:sp>
       <p:sp>
         <p:nvSpPr>
-          <p:cNvPr id="70" name="テキスト ボックス 69"/>
+          <p:cNvPr id="87" name="テキスト ボックス 86"/>
           <p:cNvSpPr txBox="1"/>
           <p:nvPr/>
         </p:nvSpPr>
         <p:spPr>
           <a:xfrm>
-            <a:off x="3461822" y="1118689"/>
-            <a:ext cx="954107" cy="276999"/>
+            <a:off x="3011567" y="1141779"/>
+            <a:ext cx="825867" cy="246221"/>
           </a:xfrm>
           <a:prstGeom prst="rect">
             <a:avLst/>
@@ -12719,7 +13731,7 @@
           <a:lstStyle/>
           <a:p>
             <a:r>
-              <a:rPr lang="ja-JP" altLang="en-US" sz="1200" dirty="0" smtClean="0">
+              <a:rPr lang="ja-JP" altLang="en-US" sz="1000" dirty="0" smtClean="0">
                 <a:latin typeface="メイリオ"/>
                 <a:ea typeface="メイリオ"/>
                 <a:cs typeface="メイリオ"/>
@@ -12727,14 +13739,14 @@
               <a:t>カテゴリ</a:t>
             </a:r>
             <a:r>
-              <a:rPr kumimoji="1" lang="ja-JP" altLang="en-US" sz="1200" dirty="0" smtClean="0">
+              <a:rPr kumimoji="1" lang="ja-JP" altLang="en-US" sz="1000" dirty="0" smtClean="0">
                 <a:latin typeface="メイリオ"/>
                 <a:ea typeface="メイリオ"/>
                 <a:cs typeface="メイリオ"/>
               </a:rPr>
               <a:t>：</a:t>
             </a:r>
-            <a:endParaRPr kumimoji="1" lang="ja-JP" altLang="en-US" sz="1200" dirty="0">
+            <a:endParaRPr kumimoji="1" lang="ja-JP" altLang="en-US" sz="1000" dirty="0">
               <a:latin typeface="メイリオ"/>
               <a:ea typeface="メイリオ"/>
               <a:cs typeface="メイリオ"/>
@@ -12744,13 +13756,13 @@
       </p:sp>
       <p:sp>
         <p:nvSpPr>
-          <p:cNvPr id="71" name="角丸四角形 70"/>
+          <p:cNvPr id="88" name="角丸四角形 87"/>
           <p:cNvSpPr/>
           <p:nvPr/>
         </p:nvSpPr>
         <p:spPr>
           <a:xfrm>
-            <a:off x="5799922" y="1187601"/>
+            <a:off x="5211127" y="1187601"/>
             <a:ext cx="561630" cy="165946"/>
           </a:xfrm>
           <a:prstGeom prst="roundRect">
@@ -12789,14 +13801,14 @@
       </p:sp>
       <p:sp>
         <p:nvSpPr>
-          <p:cNvPr id="72" name="テキスト ボックス 71"/>
+          <p:cNvPr id="89" name="テキスト ボックス 88"/>
           <p:cNvSpPr txBox="1"/>
           <p:nvPr/>
         </p:nvSpPr>
         <p:spPr>
           <a:xfrm>
-            <a:off x="5234406" y="1128924"/>
-            <a:ext cx="646331" cy="276999"/>
+            <a:off x="4691791" y="1152014"/>
+            <a:ext cx="569387" cy="246221"/>
           </a:xfrm>
           <a:prstGeom prst="rect">
             <a:avLst/>
@@ -12810,7 +13822,7 @@
           <a:lstStyle/>
           <a:p>
             <a:r>
-              <a:rPr lang="ja-JP" altLang="en-US" sz="1200" dirty="0" smtClean="0">
+              <a:rPr lang="ja-JP" altLang="en-US" sz="1000" dirty="0" smtClean="0">
                 <a:latin typeface="メイリオ"/>
                 <a:ea typeface="メイリオ"/>
                 <a:cs typeface="メイリオ"/>
@@ -12818,14 +13830,14 @@
               <a:t>金額</a:t>
             </a:r>
             <a:r>
-              <a:rPr kumimoji="1" lang="ja-JP" altLang="en-US" sz="1200" dirty="0" smtClean="0">
+              <a:rPr kumimoji="1" lang="ja-JP" altLang="en-US" sz="1000" dirty="0" smtClean="0">
                 <a:latin typeface="メイリオ"/>
                 <a:ea typeface="メイリオ"/>
                 <a:cs typeface="メイリオ"/>
               </a:rPr>
               <a:t>：</a:t>
             </a:r>
-            <a:endParaRPr kumimoji="1" lang="ja-JP" altLang="en-US" sz="1200" dirty="0">
+            <a:endParaRPr kumimoji="1" lang="ja-JP" altLang="en-US" sz="1000" dirty="0">
               <a:latin typeface="メイリオ"/>
               <a:ea typeface="メイリオ"/>
               <a:cs typeface="メイリオ"/>
@@ -12835,14 +13847,14 @@
       </p:sp>
       <p:sp>
         <p:nvSpPr>
-          <p:cNvPr id="73" name="角丸四角形 72"/>
+          <p:cNvPr id="90" name="角丸四角形 89"/>
           <p:cNvSpPr/>
           <p:nvPr/>
         </p:nvSpPr>
         <p:spPr>
           <a:xfrm>
-            <a:off x="6515245" y="1118689"/>
-            <a:ext cx="550589" cy="299213"/>
+            <a:off x="6989782" y="1153142"/>
+            <a:ext cx="550589" cy="234858"/>
           </a:xfrm>
           <a:prstGeom prst="roundRect">
             <a:avLst/>
@@ -12875,7 +13887,7 @@
           <a:p>
             <a:pPr algn="ctr"/>
             <a:r>
-              <a:rPr kumimoji="1" lang="ja-JP" altLang="en-US" sz="1200" dirty="0" smtClean="0">
+              <a:rPr kumimoji="1" lang="ja-JP" altLang="en-US" sz="1000" dirty="0" smtClean="0">
                 <a:solidFill>
                   <a:schemeClr val="tx1"/>
                 </a:solidFill>
@@ -12885,7 +13897,7 @@
               </a:rPr>
               <a:t>登録</a:t>
             </a:r>
-            <a:endParaRPr kumimoji="1" lang="ja-JP" altLang="en-US" sz="1200" dirty="0">
+            <a:endParaRPr kumimoji="1" lang="ja-JP" altLang="en-US" sz="1000" dirty="0">
               <a:solidFill>
                 <a:schemeClr val="tx1"/>
               </a:solidFill>
@@ -12898,14 +13910,14 @@
       </p:sp>
       <p:cxnSp>
         <p:nvCxnSpPr>
-          <p:cNvPr id="74" name="直線コネクタ 73"/>
+          <p:cNvPr id="91" name="直線コネクタ 90"/>
           <p:cNvCxnSpPr/>
           <p:nvPr/>
         </p:nvCxnSpPr>
         <p:spPr>
           <a:xfrm>
-            <a:off x="923931" y="1547091"/>
-            <a:ext cx="7250251" cy="0"/>
+            <a:off x="658396" y="1547091"/>
+            <a:ext cx="7827513" cy="0"/>
           </a:xfrm>
           <a:prstGeom prst="line">
             <a:avLst/>
@@ -12936,7 +13948,7 @@
       </p:cxnSp>
       <p:sp>
         <p:nvSpPr>
-          <p:cNvPr id="75" name="テキスト ボックス 74"/>
+          <p:cNvPr id="92" name="テキスト ボックス 91"/>
           <p:cNvSpPr txBox="1"/>
           <p:nvPr/>
         </p:nvSpPr>
@@ -12974,7 +13986,7 @@
       </p:sp>
       <p:sp>
         <p:nvSpPr>
-          <p:cNvPr id="76" name="テキスト ボックス 75"/>
+          <p:cNvPr id="93" name="テキスト ボックス 92"/>
           <p:cNvSpPr txBox="1"/>
           <p:nvPr/>
         </p:nvSpPr>
@@ -13012,7 +14024,7 @@
       </p:sp>
       <p:sp>
         <p:nvSpPr>
-          <p:cNvPr id="77" name="テキスト ボックス 76"/>
+          <p:cNvPr id="94" name="テキスト ボックス 93"/>
           <p:cNvSpPr txBox="1"/>
           <p:nvPr/>
         </p:nvSpPr>
@@ -13050,7 +14062,7 @@
       </p:sp>
       <p:sp>
         <p:nvSpPr>
-          <p:cNvPr id="78" name="二等辺三角形 77"/>
+          <p:cNvPr id="95" name="二等辺三角形 94"/>
           <p:cNvSpPr/>
           <p:nvPr/>
         </p:nvSpPr>
@@ -13095,7 +14107,7 @@
       </p:sp>
       <p:sp>
         <p:nvSpPr>
-          <p:cNvPr id="79" name="二等辺三角形 78"/>
+          <p:cNvPr id="96" name="二等辺三角形 95"/>
           <p:cNvSpPr/>
           <p:nvPr/>
         </p:nvSpPr>
@@ -13140,7 +14152,7 @@
       </p:sp>
       <p:sp>
         <p:nvSpPr>
-          <p:cNvPr id="102" name="テキスト ボックス 101"/>
+          <p:cNvPr id="97" name="テキスト ボックス 96"/>
           <p:cNvSpPr txBox="1"/>
           <p:nvPr/>
         </p:nvSpPr>
@@ -13178,7 +14190,7 @@
       </p:sp>
       <p:sp>
         <p:nvSpPr>
-          <p:cNvPr id="103" name="テキスト ボックス 102"/>
+          <p:cNvPr id="98" name="テキスト ボックス 97"/>
           <p:cNvSpPr txBox="1"/>
           <p:nvPr/>
         </p:nvSpPr>
@@ -13272,7 +14284,7 @@
       </p:sp>
       <p:sp>
         <p:nvSpPr>
-          <p:cNvPr id="104" name="二等辺三角形 103"/>
+          <p:cNvPr id="99" name="二等辺三角形 98"/>
           <p:cNvSpPr/>
           <p:nvPr/>
         </p:nvSpPr>
@@ -13317,7 +14329,7 @@
       </p:sp>
       <p:sp>
         <p:nvSpPr>
-          <p:cNvPr id="105" name="二等辺三角形 104"/>
+          <p:cNvPr id="100" name="二等辺三角形 99"/>
           <p:cNvSpPr/>
           <p:nvPr/>
         </p:nvSpPr>
@@ -13362,7 +14374,7 @@
       </p:sp>
       <p:sp>
         <p:nvSpPr>
-          <p:cNvPr id="106" name="二等辺三角形 105"/>
+          <p:cNvPr id="101" name="二等辺三角形 100"/>
           <p:cNvSpPr/>
           <p:nvPr/>
         </p:nvSpPr>
@@ -13407,7 +14419,7 @@
       </p:sp>
       <p:sp>
         <p:nvSpPr>
-          <p:cNvPr id="107" name="二等辺三角形 106"/>
+          <p:cNvPr id="140" name="二等辺三角形 139"/>
           <p:cNvSpPr/>
           <p:nvPr/>
         </p:nvSpPr>
@@ -13452,14 +14464,14 @@
       </p:sp>
       <p:sp>
         <p:nvSpPr>
-          <p:cNvPr id="108" name="角丸四角形 107"/>
+          <p:cNvPr id="141" name="角丸四角形 140"/>
           <p:cNvSpPr/>
           <p:nvPr/>
         </p:nvSpPr>
         <p:spPr>
           <a:xfrm>
-            <a:off x="7239002" y="1121482"/>
-            <a:ext cx="864625" cy="299213"/>
+            <a:off x="7621284" y="1153142"/>
+            <a:ext cx="864625" cy="233094"/>
           </a:xfrm>
           <a:prstGeom prst="roundRect">
             <a:avLst/>
@@ -13492,7 +14504,7 @@
           <a:p>
             <a:pPr algn="ctr"/>
             <a:r>
-              <a:rPr lang="en-US" altLang="en-US" sz="1200" dirty="0" smtClean="0">
+              <a:rPr lang="en-US" altLang="en-US" sz="1000" dirty="0" smtClean="0">
                 <a:solidFill>
                   <a:schemeClr val="tx1"/>
                 </a:solidFill>
@@ -13502,7 +14514,7 @@
               </a:rPr>
               <a:t>リセット</a:t>
             </a:r>
-            <a:endParaRPr kumimoji="1" lang="ja-JP" altLang="en-US" sz="1200" dirty="0">
+            <a:endParaRPr kumimoji="1" lang="ja-JP" altLang="en-US" sz="1000" dirty="0">
               <a:solidFill>
                 <a:schemeClr val="tx1"/>
               </a:solidFill>
@@ -13515,7 +14527,7 @@
       </p:sp>
       <p:pic>
         <p:nvPicPr>
-          <p:cNvPr id="109" name="図 108" descr="trash.png"/>
+          <p:cNvPr id="142" name="図 141" descr="trash.png"/>
           <p:cNvPicPr>
             <a:picLocks noChangeAspect="1"/>
           </p:cNvPicPr>
@@ -13545,7 +14557,7 @@
       </p:pic>
       <p:pic>
         <p:nvPicPr>
-          <p:cNvPr id="110" name="図 109" descr="trash.png"/>
+          <p:cNvPr id="143" name="図 142" descr="trash.png"/>
           <p:cNvPicPr>
             <a:picLocks noChangeAspect="1"/>
           </p:cNvPicPr>
@@ -13575,7 +14587,7 @@
       </p:pic>
       <p:pic>
         <p:nvPicPr>
-          <p:cNvPr id="111" name="図 110" descr="trash.png"/>
+          <p:cNvPr id="144" name="図 143" descr="trash.png"/>
           <p:cNvPicPr>
             <a:picLocks noChangeAspect="1"/>
           </p:cNvPicPr>
@@ -13605,7 +14617,7 @@
       </p:pic>
       <p:pic>
         <p:nvPicPr>
-          <p:cNvPr id="112" name="図 111" descr="trash.png"/>
+          <p:cNvPr id="145" name="図 144" descr="trash.png"/>
           <p:cNvPicPr>
             <a:picLocks noChangeAspect="1"/>
           </p:cNvPicPr>
@@ -13635,7 +14647,7 @@
       </p:pic>
       <p:pic>
         <p:nvPicPr>
-          <p:cNvPr id="113" name="図 112" descr="trash.png"/>
+          <p:cNvPr id="146" name="図 145" descr="trash.png"/>
           <p:cNvPicPr>
             <a:picLocks noChangeAspect="1"/>
           </p:cNvPicPr>
@@ -13665,7 +14677,7 @@
       </p:pic>
       <p:pic>
         <p:nvPicPr>
-          <p:cNvPr id="114" name="図 113" descr="trash.png"/>
+          <p:cNvPr id="147" name="図 146" descr="trash.png"/>
           <p:cNvPicPr>
             <a:picLocks noChangeAspect="1"/>
           </p:cNvPicPr>
@@ -13695,7 +14707,7 @@
       </p:pic>
       <p:pic>
         <p:nvPicPr>
-          <p:cNvPr id="115" name="図 114" descr="trash.png"/>
+          <p:cNvPr id="148" name="図 147" descr="trash.png"/>
           <p:cNvPicPr>
             <a:picLocks noChangeAspect="1"/>
           </p:cNvPicPr>
@@ -13725,7 +14737,7 @@
       </p:pic>
       <p:pic>
         <p:nvPicPr>
-          <p:cNvPr id="116" name="図 115" descr="trash.png"/>
+          <p:cNvPr id="149" name="図 148" descr="trash.png"/>
           <p:cNvPicPr>
             <a:picLocks noChangeAspect="1"/>
           </p:cNvPicPr>
@@ -13755,7 +14767,7 @@
       </p:pic>
       <p:pic>
         <p:nvPicPr>
-          <p:cNvPr id="117" name="図 116" descr="trash.png"/>
+          <p:cNvPr id="150" name="図 149" descr="trash.png"/>
           <p:cNvPicPr>
             <a:picLocks noChangeAspect="1"/>
           </p:cNvPicPr>
@@ -13785,7 +14797,7 @@
       </p:pic>
       <p:pic>
         <p:nvPicPr>
-          <p:cNvPr id="118" name="図 117" descr="trash.png"/>
+          <p:cNvPr id="151" name="図 150" descr="trash.png"/>
           <p:cNvPicPr>
             <a:picLocks noChangeAspect="1"/>
           </p:cNvPicPr>
@@ -13813,170 +14825,185 @@
           </a:prstGeom>
         </p:spPr>
       </p:pic>
-      <p:sp>
-        <p:nvSpPr>
-          <p:cNvPr id="119" name="角丸四角形 118"/>
-          <p:cNvSpPr/>
-          <p:nvPr/>
-        </p:nvSpPr>
-        <p:spPr>
-          <a:xfrm>
-            <a:off x="4954166" y="1192639"/>
+      <p:grpSp>
+        <p:nvGrpSpPr>
+          <p:cNvPr id="152" name="図形グループ 151"/>
+          <p:cNvGrpSpPr/>
+          <p:nvPr/>
+        </p:nvGrpSpPr>
+        <p:grpSpPr>
+          <a:xfrm>
+            <a:off x="4388461" y="1192639"/>
             <a:ext cx="280240" cy="165946"/>
-          </a:xfrm>
-          <a:prstGeom prst="roundRect">
-            <a:avLst/>
-          </a:prstGeom>
-          <a:noFill/>
-          <a:ln w="25400">
-            <a:solidFill>
-              <a:schemeClr val="tx1"/>
-            </a:solidFill>
-          </a:ln>
-          <a:effectLst/>
-        </p:spPr>
-        <p:style>
-          <a:lnRef idx="1">
-            <a:schemeClr val="accent1"/>
-          </a:lnRef>
-          <a:fillRef idx="3">
-            <a:schemeClr val="accent1"/>
-          </a:fillRef>
-          <a:effectRef idx="2">
-            <a:schemeClr val="accent1"/>
-          </a:effectRef>
-          <a:fontRef idx="minor">
-            <a:schemeClr val="lt1"/>
-          </a:fontRef>
-        </p:style>
-        <p:txBody>
-          <a:bodyPr rtlCol="0" anchor="ctr"/>
-          <a:lstStyle/>
-          <a:p>
-            <a:pPr algn="ctr"/>
-            <a:endParaRPr kumimoji="1" lang="ja-JP" altLang="en-US" sz="800" dirty="0">
+            <a:chOff x="4954166" y="1192639"/>
+            <a:chExt cx="280240" cy="165946"/>
+          </a:xfrm>
+        </p:grpSpPr>
+        <p:sp>
+          <p:nvSpPr>
+            <p:cNvPr id="153" name="角丸四角形 152"/>
+            <p:cNvSpPr/>
+            <p:nvPr/>
+          </p:nvSpPr>
+          <p:spPr>
+            <a:xfrm>
+              <a:off x="4954166" y="1192639"/>
+              <a:ext cx="280240" cy="165946"/>
+            </a:xfrm>
+            <a:prstGeom prst="roundRect">
+              <a:avLst/>
+            </a:prstGeom>
+            <a:noFill/>
+            <a:ln w="25400">
               <a:solidFill>
                 <a:schemeClr val="tx1"/>
               </a:solidFill>
-            </a:endParaRPr>
-          </a:p>
-        </p:txBody>
-      </p:sp>
+            </a:ln>
+            <a:effectLst/>
+          </p:spPr>
+          <p:style>
+            <a:lnRef idx="1">
+              <a:schemeClr val="accent1"/>
+            </a:lnRef>
+            <a:fillRef idx="3">
+              <a:schemeClr val="accent1"/>
+            </a:fillRef>
+            <a:effectRef idx="2">
+              <a:schemeClr val="accent1"/>
+            </a:effectRef>
+            <a:fontRef idx="minor">
+              <a:schemeClr val="lt1"/>
+            </a:fontRef>
+          </p:style>
+          <p:txBody>
+            <a:bodyPr rtlCol="0" anchor="ctr"/>
+            <a:lstStyle/>
+            <a:p>
+              <a:pPr algn="ctr"/>
+              <a:endParaRPr kumimoji="1" lang="ja-JP" altLang="en-US" sz="800" dirty="0">
+                <a:solidFill>
+                  <a:schemeClr val="tx1"/>
+                </a:solidFill>
+              </a:endParaRPr>
+            </a:p>
+          </p:txBody>
+        </p:sp>
+        <p:cxnSp>
+          <p:nvCxnSpPr>
+            <p:cNvPr id="154" name="直線コネクタ 153"/>
+            <p:cNvCxnSpPr/>
+            <p:nvPr/>
+          </p:nvCxnSpPr>
+          <p:spPr>
+            <a:xfrm>
+              <a:off x="5001261" y="1238058"/>
+              <a:ext cx="181196" cy="0"/>
+            </a:xfrm>
+            <a:prstGeom prst="line">
+              <a:avLst/>
+            </a:prstGeom>
+            <a:ln w="3175">
+              <a:solidFill>
+                <a:schemeClr val="tx1"/>
+              </a:solidFill>
+            </a:ln>
+          </p:spPr>
+          <p:style>
+            <a:lnRef idx="2">
+              <a:schemeClr val="accent1"/>
+            </a:lnRef>
+            <a:fillRef idx="0">
+              <a:schemeClr val="accent1"/>
+            </a:fillRef>
+            <a:effectRef idx="1">
+              <a:schemeClr val="accent1"/>
+            </a:effectRef>
+            <a:fontRef idx="minor">
+              <a:schemeClr val="tx1"/>
+            </a:fontRef>
+          </p:style>
+        </p:cxnSp>
+        <p:cxnSp>
+          <p:nvCxnSpPr>
+            <p:cNvPr id="155" name="直線コネクタ 154"/>
+            <p:cNvCxnSpPr/>
+            <p:nvPr/>
+          </p:nvCxnSpPr>
+          <p:spPr>
+            <a:xfrm>
+              <a:off x="5001261" y="1277697"/>
+              <a:ext cx="181196" cy="0"/>
+            </a:xfrm>
+            <a:prstGeom prst="line">
+              <a:avLst/>
+            </a:prstGeom>
+            <a:ln w="3175">
+              <a:solidFill>
+                <a:schemeClr val="tx1"/>
+              </a:solidFill>
+            </a:ln>
+          </p:spPr>
+          <p:style>
+            <a:lnRef idx="2">
+              <a:schemeClr val="accent1"/>
+            </a:lnRef>
+            <a:fillRef idx="0">
+              <a:schemeClr val="accent1"/>
+            </a:fillRef>
+            <a:effectRef idx="1">
+              <a:schemeClr val="accent1"/>
+            </a:effectRef>
+            <a:fontRef idx="minor">
+              <a:schemeClr val="tx1"/>
+            </a:fontRef>
+          </p:style>
+        </p:cxnSp>
+        <p:cxnSp>
+          <p:nvCxnSpPr>
+            <p:cNvPr id="156" name="直線コネクタ 155"/>
+            <p:cNvCxnSpPr/>
+            <p:nvPr/>
+          </p:nvCxnSpPr>
+          <p:spPr>
+            <a:xfrm>
+              <a:off x="5003884" y="1310793"/>
+              <a:ext cx="181196" cy="0"/>
+            </a:xfrm>
+            <a:prstGeom prst="line">
+              <a:avLst/>
+            </a:prstGeom>
+            <a:ln w="3175">
+              <a:solidFill>
+                <a:schemeClr val="tx1"/>
+              </a:solidFill>
+            </a:ln>
+          </p:spPr>
+          <p:style>
+            <a:lnRef idx="2">
+              <a:schemeClr val="accent1"/>
+            </a:lnRef>
+            <a:fillRef idx="0">
+              <a:schemeClr val="accent1"/>
+            </a:fillRef>
+            <a:effectRef idx="1">
+              <a:schemeClr val="accent1"/>
+            </a:effectRef>
+            <a:fontRef idx="minor">
+              <a:schemeClr val="tx1"/>
+            </a:fontRef>
+          </p:style>
+        </p:cxnSp>
+      </p:grpSp>
       <p:cxnSp>
         <p:nvCxnSpPr>
-          <p:cNvPr id="120" name="直線コネクタ 119"/>
+          <p:cNvPr id="157" name="直線コネクタ 156"/>
           <p:cNvCxnSpPr/>
           <p:nvPr/>
         </p:nvCxnSpPr>
         <p:spPr>
           <a:xfrm>
-            <a:off x="5001261" y="1238058"/>
-            <a:ext cx="181196" cy="0"/>
-          </a:xfrm>
-          <a:prstGeom prst="line">
-            <a:avLst/>
-          </a:prstGeom>
-          <a:ln w="3175">
-            <a:solidFill>
-              <a:schemeClr val="tx1"/>
-            </a:solidFill>
-          </a:ln>
-        </p:spPr>
-        <p:style>
-          <a:lnRef idx="2">
-            <a:schemeClr val="accent1"/>
-          </a:lnRef>
-          <a:fillRef idx="0">
-            <a:schemeClr val="accent1"/>
-          </a:fillRef>
-          <a:effectRef idx="1">
-            <a:schemeClr val="accent1"/>
-          </a:effectRef>
-          <a:fontRef idx="minor">
-            <a:schemeClr val="tx1"/>
-          </a:fontRef>
-        </p:style>
-      </p:cxnSp>
-      <p:cxnSp>
-        <p:nvCxnSpPr>
-          <p:cNvPr id="121" name="直線コネクタ 120"/>
-          <p:cNvCxnSpPr/>
-          <p:nvPr/>
-        </p:nvCxnSpPr>
-        <p:spPr>
-          <a:xfrm>
-            <a:off x="5001261" y="1277697"/>
-            <a:ext cx="181196" cy="0"/>
-          </a:xfrm>
-          <a:prstGeom prst="line">
-            <a:avLst/>
-          </a:prstGeom>
-          <a:ln w="3175">
-            <a:solidFill>
-              <a:schemeClr val="tx1"/>
-            </a:solidFill>
-          </a:ln>
-        </p:spPr>
-        <p:style>
-          <a:lnRef idx="2">
-            <a:schemeClr val="accent1"/>
-          </a:lnRef>
-          <a:fillRef idx="0">
-            <a:schemeClr val="accent1"/>
-          </a:fillRef>
-          <a:effectRef idx="1">
-            <a:schemeClr val="accent1"/>
-          </a:effectRef>
-          <a:fontRef idx="minor">
-            <a:schemeClr val="tx1"/>
-          </a:fontRef>
-        </p:style>
-      </p:cxnSp>
-      <p:cxnSp>
-        <p:nvCxnSpPr>
-          <p:cNvPr id="122" name="直線コネクタ 121"/>
-          <p:cNvCxnSpPr/>
-          <p:nvPr/>
-        </p:nvCxnSpPr>
-        <p:spPr>
-          <a:xfrm>
-            <a:off x="5003884" y="1310793"/>
-            <a:ext cx="181196" cy="0"/>
-          </a:xfrm>
-          <a:prstGeom prst="line">
-            <a:avLst/>
-          </a:prstGeom>
-          <a:ln w="3175">
-            <a:solidFill>
-              <a:schemeClr val="tx1"/>
-            </a:solidFill>
-          </a:ln>
-        </p:spPr>
-        <p:style>
-          <a:lnRef idx="2">
-            <a:schemeClr val="accent1"/>
-          </a:lnRef>
-          <a:fillRef idx="0">
-            <a:schemeClr val="accent1"/>
-          </a:fillRef>
-          <a:effectRef idx="1">
-            <a:schemeClr val="accent1"/>
-          </a:effectRef>
-          <a:fontRef idx="minor">
-            <a:schemeClr val="tx1"/>
-          </a:fontRef>
-        </p:style>
-      </p:cxnSp>
-      <p:cxnSp>
-        <p:nvCxnSpPr>
-          <p:cNvPr id="123" name="直線コネクタ 122"/>
-          <p:cNvCxnSpPr/>
-          <p:nvPr/>
-        </p:nvCxnSpPr>
-        <p:spPr>
-          <a:xfrm>
-            <a:off x="923931" y="2034307"/>
-            <a:ext cx="7250251" cy="0"/>
+            <a:off x="658396" y="2034307"/>
+            <a:ext cx="7827513" cy="0"/>
           </a:xfrm>
           <a:prstGeom prst="line">
             <a:avLst/>
@@ -14007,14 +15034,14 @@
       </p:cxnSp>
       <p:sp>
         <p:nvSpPr>
-          <p:cNvPr id="124" name="テキスト ボックス 123"/>
+          <p:cNvPr id="158" name="テキスト ボックス 157"/>
           <p:cNvSpPr txBox="1"/>
           <p:nvPr/>
         </p:nvSpPr>
         <p:spPr>
           <a:xfrm>
-            <a:off x="890993" y="1659566"/>
-            <a:ext cx="646331" cy="276999"/>
+            <a:off x="590823" y="1671111"/>
+            <a:ext cx="569387" cy="246221"/>
           </a:xfrm>
           <a:prstGeom prst="rect">
             <a:avLst/>
@@ -14028,14 +15055,14 @@
           <a:lstStyle/>
           <a:p>
             <a:r>
-              <a:rPr kumimoji="1" lang="ja-JP" altLang="en-US" sz="1200" dirty="0" smtClean="0">
+              <a:rPr kumimoji="1" lang="ja-JP" altLang="en-US" sz="1000" dirty="0" smtClean="0">
                 <a:latin typeface="メイリオ"/>
                 <a:ea typeface="メイリオ"/>
                 <a:cs typeface="メイリオ"/>
               </a:rPr>
               <a:t>日付：</a:t>
             </a:r>
-            <a:endParaRPr kumimoji="1" lang="ja-JP" altLang="en-US" sz="1200" dirty="0">
+            <a:endParaRPr kumimoji="1" lang="ja-JP" altLang="en-US" sz="1000" dirty="0">
               <a:latin typeface="メイリオ"/>
               <a:ea typeface="メイリオ"/>
               <a:cs typeface="メイリオ"/>
@@ -14045,13 +15072,13 @@
       </p:sp>
       <p:sp>
         <p:nvSpPr>
-          <p:cNvPr id="125" name="角丸四角形 124"/>
+          <p:cNvPr id="159" name="角丸四角形 158"/>
           <p:cNvSpPr/>
           <p:nvPr/>
         </p:nvSpPr>
         <p:spPr>
           <a:xfrm>
-            <a:off x="1469168" y="1722329"/>
+            <a:off x="1099728" y="1722329"/>
             <a:ext cx="352321" cy="158766"/>
           </a:xfrm>
           <a:prstGeom prst="roundRect">
@@ -14090,13 +15117,13 @@
       </p:sp>
       <p:sp>
         <p:nvSpPr>
-          <p:cNvPr id="126" name="テキスト ボックス 125"/>
+          <p:cNvPr id="160" name="テキスト ボックス 159"/>
           <p:cNvSpPr txBox="1"/>
           <p:nvPr/>
         </p:nvSpPr>
         <p:spPr>
           <a:xfrm>
-            <a:off x="1786644" y="1659566"/>
+            <a:off x="1417204" y="1659566"/>
             <a:ext cx="338554" cy="276999"/>
           </a:xfrm>
           <a:prstGeom prst="rect">
@@ -14128,14 +15155,14 @@
       </p:sp>
       <p:sp>
         <p:nvSpPr>
-          <p:cNvPr id="127" name="テキスト ボックス 126"/>
+          <p:cNvPr id="161" name="テキスト ボックス 160"/>
           <p:cNvSpPr txBox="1"/>
           <p:nvPr/>
         </p:nvSpPr>
         <p:spPr>
           <a:xfrm>
-            <a:off x="2465123" y="1656944"/>
-            <a:ext cx="646331" cy="276999"/>
+            <a:off x="2107228" y="1668489"/>
+            <a:ext cx="569387" cy="246221"/>
           </a:xfrm>
           <a:prstGeom prst="rect">
             <a:avLst/>
@@ -14149,7 +15176,7 @@
           <a:lstStyle/>
           <a:p>
             <a:r>
-              <a:rPr lang="ja-JP" altLang="en-US" sz="1200" dirty="0" smtClean="0">
+              <a:rPr lang="ja-JP" altLang="en-US" sz="1000" dirty="0" smtClean="0">
                 <a:latin typeface="メイリオ"/>
                 <a:ea typeface="メイリオ"/>
                 <a:cs typeface="メイリオ"/>
@@ -14157,14 +15184,14 @@
               <a:t>内容</a:t>
             </a:r>
             <a:r>
-              <a:rPr kumimoji="1" lang="ja-JP" altLang="en-US" sz="1200" dirty="0" smtClean="0">
+              <a:rPr kumimoji="1" lang="ja-JP" altLang="en-US" sz="1000" dirty="0" smtClean="0">
                 <a:latin typeface="メイリオ"/>
                 <a:ea typeface="メイリオ"/>
                 <a:cs typeface="メイリオ"/>
               </a:rPr>
               <a:t>：</a:t>
             </a:r>
-            <a:endParaRPr kumimoji="1" lang="ja-JP" altLang="en-US" sz="1200" dirty="0">
+            <a:endParaRPr kumimoji="1" lang="ja-JP" altLang="en-US" sz="1000" dirty="0">
               <a:latin typeface="メイリオ"/>
               <a:ea typeface="メイリオ"/>
               <a:cs typeface="メイリオ"/>
@@ -14174,14 +15201,14 @@
       </p:sp>
       <p:sp>
         <p:nvSpPr>
-          <p:cNvPr id="128" name="角丸四角形 127"/>
+          <p:cNvPr id="162" name="角丸四角形 161"/>
           <p:cNvSpPr/>
           <p:nvPr/>
         </p:nvSpPr>
         <p:spPr>
           <a:xfrm>
-            <a:off x="3034657" y="1720187"/>
-            <a:ext cx="797002" cy="165946"/>
+            <a:off x="2607492" y="1720187"/>
+            <a:ext cx="536114" cy="149362"/>
           </a:xfrm>
           <a:prstGeom prst="roundRect">
             <a:avLst/>
@@ -14217,16 +15244,184 @@
           </a:p>
         </p:txBody>
       </p:sp>
-      <p:sp>
-        <p:nvSpPr>
-          <p:cNvPr id="129" name="角丸四角形 128"/>
+      <p:grpSp>
+        <p:nvGrpSpPr>
+          <p:cNvPr id="163" name="図形グループ 162"/>
+          <p:cNvGrpSpPr/>
+          <p:nvPr/>
+        </p:nvGrpSpPr>
+        <p:grpSpPr>
+          <a:xfrm>
+            <a:off x="3219724" y="1710865"/>
+            <a:ext cx="602185" cy="165865"/>
+            <a:chOff x="3681524" y="1722410"/>
+            <a:chExt cx="602185" cy="165865"/>
+          </a:xfrm>
+        </p:grpSpPr>
+        <p:sp>
+          <p:nvSpPr>
+            <p:cNvPr id="164" name="角丸四角形 163"/>
+            <p:cNvSpPr/>
+            <p:nvPr/>
+          </p:nvSpPr>
+          <p:spPr>
+            <a:xfrm>
+              <a:off x="3681524" y="1722410"/>
+              <a:ext cx="602185" cy="165865"/>
+            </a:xfrm>
+            <a:prstGeom prst="roundRect">
+              <a:avLst/>
+            </a:prstGeom>
+            <a:noFill/>
+            <a:ln w="25400">
+              <a:solidFill>
+                <a:schemeClr val="tx1"/>
+              </a:solidFill>
+            </a:ln>
+            <a:effectLst/>
+          </p:spPr>
+          <p:style>
+            <a:lnRef idx="1">
+              <a:schemeClr val="accent1"/>
+            </a:lnRef>
+            <a:fillRef idx="3">
+              <a:schemeClr val="accent1"/>
+            </a:fillRef>
+            <a:effectRef idx="2">
+              <a:schemeClr val="accent1"/>
+            </a:effectRef>
+            <a:fontRef idx="minor">
+              <a:schemeClr val="lt1"/>
+            </a:fontRef>
+          </p:style>
+          <p:txBody>
+            <a:bodyPr rtlCol="0" anchor="ctr"/>
+            <a:lstStyle/>
+            <a:p>
+              <a:r>
+                <a:rPr kumimoji="1" lang="ja-JP" altLang="en-US" sz="800" dirty="0" smtClean="0">
+                  <a:solidFill>
+                    <a:schemeClr val="tx1"/>
+                  </a:solidFill>
+                  <a:latin typeface="メイリオ"/>
+                  <a:ea typeface="メイリオ"/>
+                  <a:cs typeface="メイリオ"/>
+                </a:rPr>
+                <a:t>を含む</a:t>
+              </a:r>
+              <a:endParaRPr kumimoji="1" lang="ja-JP" altLang="en-US" sz="800" dirty="0">
+                <a:solidFill>
+                  <a:schemeClr val="tx1"/>
+                </a:solidFill>
+                <a:latin typeface="メイリオ"/>
+                <a:ea typeface="メイリオ"/>
+                <a:cs typeface="メイリオ"/>
+              </a:endParaRPr>
+            </a:p>
+          </p:txBody>
+        </p:sp>
+        <p:sp>
+          <p:nvSpPr>
+            <p:cNvPr id="165" name="二等辺三角形 164"/>
+            <p:cNvSpPr/>
+            <p:nvPr/>
+          </p:nvSpPr>
+          <p:spPr>
+            <a:xfrm rot="10800000">
+              <a:off x="4126021" y="1761549"/>
+              <a:ext cx="108000" cy="108000"/>
+            </a:xfrm>
+            <a:prstGeom prst="triangle">
+              <a:avLst/>
+            </a:prstGeom>
+            <a:solidFill>
+              <a:schemeClr val="tx1"/>
+            </a:solidFill>
+            <a:ln>
+              <a:noFill/>
+            </a:ln>
+            <a:effectLst/>
+          </p:spPr>
+          <p:style>
+            <a:lnRef idx="1">
+              <a:schemeClr val="accent1"/>
+            </a:lnRef>
+            <a:fillRef idx="3">
+              <a:schemeClr val="accent1"/>
+            </a:fillRef>
+            <a:effectRef idx="2">
+              <a:schemeClr val="accent1"/>
+            </a:effectRef>
+            <a:fontRef idx="minor">
+              <a:schemeClr val="lt1"/>
+            </a:fontRef>
+          </p:style>
+          <p:txBody>
+            <a:bodyPr rtlCol="0" anchor="ctr"/>
+            <a:lstStyle/>
+            <a:p>
+              <a:pPr algn="ctr"/>
+              <a:endParaRPr kumimoji="1" lang="ja-JP" altLang="en-US"/>
+            </a:p>
+          </p:txBody>
+        </p:sp>
+      </p:grpSp>
+      <p:sp>
+        <p:nvSpPr>
+          <p:cNvPr id="166" name="テキスト ボックス 165"/>
+          <p:cNvSpPr txBox="1"/>
+          <p:nvPr/>
+        </p:nvSpPr>
+        <p:spPr>
+          <a:xfrm>
+            <a:off x="3813143" y="1671715"/>
+            <a:ext cx="825867" cy="246221"/>
+          </a:xfrm>
+          <a:prstGeom prst="rect">
+            <a:avLst/>
+          </a:prstGeom>
+          <a:noFill/>
+        </p:spPr>
+        <p:txBody>
+          <a:bodyPr wrap="none" rtlCol="0">
+            <a:spAutoFit/>
+          </a:bodyPr>
+          <a:lstStyle/>
+          <a:p>
+            <a:r>
+              <a:rPr lang="ja-JP" altLang="en-US" sz="1000" dirty="0" smtClean="0">
+                <a:latin typeface="メイリオ"/>
+                <a:ea typeface="メイリオ"/>
+                <a:cs typeface="メイリオ"/>
+              </a:rPr>
+              <a:t>カテゴリ</a:t>
+            </a:r>
+            <a:r>
+              <a:rPr kumimoji="1" lang="ja-JP" altLang="en-US" sz="1000" dirty="0" smtClean="0">
+                <a:latin typeface="メイリオ"/>
+                <a:ea typeface="メイリオ"/>
+                <a:cs typeface="メイリオ"/>
+              </a:rPr>
+              <a:t>：</a:t>
+            </a:r>
+            <a:endParaRPr kumimoji="1" lang="ja-JP" altLang="en-US" sz="1000" dirty="0">
+              <a:latin typeface="メイリオ"/>
+              <a:ea typeface="メイリオ"/>
+              <a:cs typeface="メイリオ"/>
+            </a:endParaRPr>
+          </a:p>
+        </p:txBody>
+      </p:sp>
+      <p:sp>
+        <p:nvSpPr>
+          <p:cNvPr id="167" name="角丸四角形 166"/>
           <p:cNvSpPr/>
           <p:nvPr/>
         </p:nvSpPr>
         <p:spPr>
           <a:xfrm>
-            <a:off x="3877789" y="1722410"/>
-            <a:ext cx="602185" cy="165865"/>
+            <a:off x="4573905" y="1715149"/>
+            <a:ext cx="402504" cy="166902"/>
           </a:xfrm>
           <a:prstGeom prst="roundRect">
             <a:avLst/>
@@ -14257,112 +15452,50 @@
           <a:bodyPr rtlCol="0" anchor="ctr"/>
           <a:lstStyle/>
           <a:p>
-            <a:r>
-              <a:rPr kumimoji="1" lang="ja-JP" altLang="en-US" sz="800" dirty="0" smtClean="0">
-                <a:solidFill>
-                  <a:schemeClr val="tx1"/>
-                </a:solidFill>
+            <a:pPr algn="ctr"/>
+            <a:endParaRPr kumimoji="1" lang="ja-JP" altLang="en-US"/>
+          </a:p>
+        </p:txBody>
+      </p:sp>
+      <p:sp>
+        <p:nvSpPr>
+          <p:cNvPr id="168" name="テキスト ボックス 167"/>
+          <p:cNvSpPr txBox="1"/>
+          <p:nvPr/>
+        </p:nvSpPr>
+        <p:spPr>
+          <a:xfrm>
+            <a:off x="5303020" y="1672319"/>
+            <a:ext cx="569387" cy="246221"/>
+          </a:xfrm>
+          <a:prstGeom prst="rect">
+            <a:avLst/>
+          </a:prstGeom>
+          <a:noFill/>
+        </p:spPr>
+        <p:txBody>
+          <a:bodyPr wrap="none" rtlCol="0">
+            <a:spAutoFit/>
+          </a:bodyPr>
+          <a:lstStyle/>
+          <a:p>
+            <a:r>
+              <a:rPr lang="ja-JP" altLang="en-US" sz="1000" dirty="0" smtClean="0">
                 <a:latin typeface="メイリオ"/>
                 <a:ea typeface="メイリオ"/>
                 <a:cs typeface="メイリオ"/>
               </a:rPr>
-              <a:t>を含む</a:t>
-            </a:r>
-            <a:endParaRPr kumimoji="1" lang="ja-JP" altLang="en-US" sz="800" dirty="0">
-              <a:solidFill>
-                <a:schemeClr val="tx1"/>
-              </a:solidFill>
-              <a:latin typeface="メイリオ"/>
-              <a:ea typeface="メイリオ"/>
-              <a:cs typeface="メイリオ"/>
-            </a:endParaRPr>
-          </a:p>
-        </p:txBody>
-      </p:sp>
-      <p:sp>
-        <p:nvSpPr>
-          <p:cNvPr id="130" name="二等辺三角形 129"/>
-          <p:cNvSpPr/>
-          <p:nvPr/>
-        </p:nvSpPr>
-        <p:spPr>
-          <a:xfrm rot="10800000">
-            <a:off x="4322286" y="1761549"/>
-            <a:ext cx="108000" cy="108000"/>
-          </a:xfrm>
-          <a:prstGeom prst="triangle">
-            <a:avLst/>
-          </a:prstGeom>
-          <a:solidFill>
-            <a:schemeClr val="tx1"/>
-          </a:solidFill>
-          <a:ln>
-            <a:noFill/>
-          </a:ln>
-          <a:effectLst/>
-        </p:spPr>
-        <p:style>
-          <a:lnRef idx="1">
-            <a:schemeClr val="accent1"/>
-          </a:lnRef>
-          <a:fillRef idx="3">
-            <a:schemeClr val="accent1"/>
-          </a:fillRef>
-          <a:effectRef idx="2">
-            <a:schemeClr val="accent1"/>
-          </a:effectRef>
-          <a:fontRef idx="minor">
-            <a:schemeClr val="lt1"/>
-          </a:fontRef>
-        </p:style>
-        <p:txBody>
-          <a:bodyPr rtlCol="0" anchor="ctr"/>
-          <a:lstStyle/>
-          <a:p>
-            <a:pPr algn="ctr"/>
-            <a:endParaRPr kumimoji="1" lang="ja-JP" altLang="en-US"/>
-          </a:p>
-        </p:txBody>
-      </p:sp>
-      <p:sp>
-        <p:nvSpPr>
-          <p:cNvPr id="131" name="テキスト ボックス 130"/>
-          <p:cNvSpPr txBox="1"/>
-          <p:nvPr/>
-        </p:nvSpPr>
-        <p:spPr>
-          <a:xfrm>
-            <a:off x="4494298" y="1660170"/>
-            <a:ext cx="954107" cy="276999"/>
-          </a:xfrm>
-          <a:prstGeom prst="rect">
-            <a:avLst/>
-          </a:prstGeom>
-          <a:noFill/>
-        </p:spPr>
-        <p:txBody>
-          <a:bodyPr wrap="none" rtlCol="0">
-            <a:spAutoFit/>
-          </a:bodyPr>
-          <a:lstStyle/>
-          <a:p>
-            <a:r>
-              <a:rPr lang="ja-JP" altLang="en-US" sz="1200" dirty="0" smtClean="0">
-                <a:latin typeface="メイリオ"/>
-                <a:ea typeface="メイリオ"/>
-                <a:cs typeface="メイリオ"/>
-              </a:rPr>
-              <a:t>カテゴリ</a:t>
-            </a:r>
-            <a:r>
-              <a:rPr kumimoji="1" lang="ja-JP" altLang="en-US" sz="1200" dirty="0" smtClean="0">
+              <a:t>金額</a:t>
+            </a:r>
+            <a:r>
+              <a:rPr kumimoji="1" lang="ja-JP" altLang="en-US" sz="1000" dirty="0" smtClean="0">
                 <a:latin typeface="メイリオ"/>
                 <a:ea typeface="メイリオ"/>
                 <a:cs typeface="メイリオ"/>
               </a:rPr>
               <a:t>：</a:t>
             </a:r>
-            <a:endParaRPr kumimoji="1" lang="ja-JP" altLang="en-US" sz="1200" dirty="0">
+            <a:endParaRPr kumimoji="1" lang="ja-JP" altLang="en-US" sz="1000" dirty="0">
               <a:latin typeface="メイリオ"/>
               <a:ea typeface="メイリオ"/>
               <a:cs typeface="メイリオ"/>
@@ -14372,14 +15505,14 @@
       </p:sp>
       <p:sp>
         <p:nvSpPr>
-          <p:cNvPr id="132" name="角丸四角形 131"/>
+          <p:cNvPr id="169" name="角丸四角形 168"/>
           <p:cNvSpPr/>
           <p:nvPr/>
         </p:nvSpPr>
         <p:spPr>
           <a:xfrm>
-            <a:off x="5370510" y="1715149"/>
-            <a:ext cx="560480" cy="165946"/>
+            <a:off x="1741308" y="1715007"/>
+            <a:ext cx="352321" cy="158766"/>
           </a:xfrm>
           <a:prstGeom prst="roundRect">
             <a:avLst/>
@@ -14417,59 +15550,13 @@
       </p:sp>
       <p:sp>
         <p:nvSpPr>
-          <p:cNvPr id="133" name="テキスト ボックス 132"/>
-          <p:cNvSpPr txBox="1"/>
-          <p:nvPr/>
-        </p:nvSpPr>
-        <p:spPr>
-          <a:xfrm>
-            <a:off x="5949540" y="1649229"/>
-            <a:ext cx="646331" cy="276999"/>
-          </a:xfrm>
-          <a:prstGeom prst="rect">
-            <a:avLst/>
-          </a:prstGeom>
-          <a:noFill/>
-        </p:spPr>
-        <p:txBody>
-          <a:bodyPr wrap="none" rtlCol="0">
-            <a:spAutoFit/>
-          </a:bodyPr>
-          <a:lstStyle/>
-          <a:p>
-            <a:r>
-              <a:rPr lang="ja-JP" altLang="en-US" sz="1200" dirty="0" smtClean="0">
-                <a:latin typeface="メイリオ"/>
-                <a:ea typeface="メイリオ"/>
-                <a:cs typeface="メイリオ"/>
-              </a:rPr>
-              <a:t>金額</a:t>
-            </a:r>
-            <a:r>
-              <a:rPr kumimoji="1" lang="ja-JP" altLang="en-US" sz="1200" dirty="0" smtClean="0">
-                <a:latin typeface="メイリオ"/>
-                <a:ea typeface="メイリオ"/>
-                <a:cs typeface="メイリオ"/>
-              </a:rPr>
-              <a:t>：</a:t>
-            </a:r>
-            <a:endParaRPr kumimoji="1" lang="ja-JP" altLang="en-US" sz="1200" dirty="0">
-              <a:latin typeface="メイリオ"/>
-              <a:ea typeface="メイリオ"/>
-              <a:cs typeface="メイリオ"/>
-            </a:endParaRPr>
-          </a:p>
-        </p:txBody>
-      </p:sp>
-      <p:sp>
-        <p:nvSpPr>
-          <p:cNvPr id="134" name="角丸四角形 133"/>
+          <p:cNvPr id="170" name="角丸四角形 169"/>
           <p:cNvSpPr/>
           <p:nvPr/>
         </p:nvSpPr>
         <p:spPr>
           <a:xfrm>
-            <a:off x="2087658" y="1715007"/>
+            <a:off x="5797831" y="1723285"/>
             <a:ext cx="352321" cy="158766"/>
           </a:xfrm>
           <a:prstGeom prst="roundRect">
@@ -14508,13 +15595,51 @@
       </p:sp>
       <p:sp>
         <p:nvSpPr>
-          <p:cNvPr id="135" name="角丸四角形 134"/>
+          <p:cNvPr id="171" name="テキスト ボックス 170"/>
+          <p:cNvSpPr txBox="1"/>
+          <p:nvPr/>
+        </p:nvSpPr>
+        <p:spPr>
+          <a:xfrm>
+            <a:off x="6115307" y="1660522"/>
+            <a:ext cx="338554" cy="276999"/>
+          </a:xfrm>
+          <a:prstGeom prst="rect">
+            <a:avLst/>
+          </a:prstGeom>
+          <a:noFill/>
+        </p:spPr>
+        <p:txBody>
+          <a:bodyPr wrap="none" rtlCol="0">
+            <a:spAutoFit/>
+          </a:bodyPr>
+          <a:lstStyle/>
+          <a:p>
+            <a:r>
+              <a:rPr lang="en-US" altLang="en-US" sz="1200" dirty="0" smtClean="0">
+                <a:latin typeface="メイリオ"/>
+                <a:ea typeface="メイリオ"/>
+                <a:cs typeface="メイリオ"/>
+              </a:rPr>
+              <a:t>〜</a:t>
+            </a:r>
+            <a:endParaRPr kumimoji="1" lang="ja-JP" altLang="en-US" sz="1200" dirty="0">
+              <a:latin typeface="メイリオ"/>
+              <a:ea typeface="メイリオ"/>
+              <a:cs typeface="メイリオ"/>
+            </a:endParaRPr>
+          </a:p>
+        </p:txBody>
+      </p:sp>
+      <p:sp>
+        <p:nvSpPr>
+          <p:cNvPr id="172" name="角丸四角形 171"/>
           <p:cNvSpPr/>
           <p:nvPr/>
         </p:nvSpPr>
         <p:spPr>
           <a:xfrm>
-            <a:off x="6513621" y="1723285"/>
+            <a:off x="6416321" y="1715963"/>
             <a:ext cx="352321" cy="158766"/>
           </a:xfrm>
           <a:prstGeom prst="roundRect">
@@ -14553,52 +15678,14 @@
       </p:sp>
       <p:sp>
         <p:nvSpPr>
-          <p:cNvPr id="136" name="テキスト ボックス 135"/>
-          <p:cNvSpPr txBox="1"/>
-          <p:nvPr/>
-        </p:nvSpPr>
-        <p:spPr>
-          <a:xfrm>
-            <a:off x="6831097" y="1660522"/>
-            <a:ext cx="338554" cy="276999"/>
-          </a:xfrm>
-          <a:prstGeom prst="rect">
-            <a:avLst/>
-          </a:prstGeom>
-          <a:noFill/>
-        </p:spPr>
-        <p:txBody>
-          <a:bodyPr wrap="none" rtlCol="0">
-            <a:spAutoFit/>
-          </a:bodyPr>
-          <a:lstStyle/>
-          <a:p>
-            <a:r>
-              <a:rPr lang="en-US" altLang="en-US" sz="1200" dirty="0" smtClean="0">
-                <a:latin typeface="メイリオ"/>
-                <a:ea typeface="メイリオ"/>
-                <a:cs typeface="メイリオ"/>
-              </a:rPr>
-              <a:t>〜</a:t>
-            </a:r>
-            <a:endParaRPr kumimoji="1" lang="ja-JP" altLang="en-US" sz="1200" dirty="0">
-              <a:latin typeface="メイリオ"/>
-              <a:ea typeface="メイリオ"/>
-              <a:cs typeface="メイリオ"/>
-            </a:endParaRPr>
-          </a:p>
-        </p:txBody>
-      </p:sp>
-      <p:sp>
-        <p:nvSpPr>
-          <p:cNvPr id="137" name="角丸四角形 136"/>
+          <p:cNvPr id="173" name="角丸四角形 172"/>
           <p:cNvSpPr/>
           <p:nvPr/>
         </p:nvSpPr>
         <p:spPr>
           <a:xfrm>
-            <a:off x="7132111" y="1715963"/>
-            <a:ext cx="352321" cy="158766"/>
+            <a:off x="7931715" y="1685552"/>
+            <a:ext cx="529807" cy="231780"/>
           </a:xfrm>
           <a:prstGeom prst="roundRect">
             <a:avLst/>
@@ -14630,53 +15717,8 @@
           <a:lstStyle/>
           <a:p>
             <a:pPr algn="ctr"/>
-            <a:endParaRPr kumimoji="1" lang="ja-JP" altLang="en-US"/>
-          </a:p>
-        </p:txBody>
-      </p:sp>
-      <p:sp>
-        <p:nvSpPr>
-          <p:cNvPr id="138" name="角丸四角形 137"/>
-          <p:cNvSpPr/>
-          <p:nvPr/>
-        </p:nvSpPr>
-        <p:spPr>
-          <a:xfrm>
-            <a:off x="7553038" y="1639397"/>
-            <a:ext cx="550589" cy="299213"/>
-          </a:xfrm>
-          <a:prstGeom prst="roundRect">
-            <a:avLst/>
-          </a:prstGeom>
-          <a:noFill/>
-          <a:ln w="25400">
-            <a:solidFill>
-              <a:schemeClr val="tx1"/>
-            </a:solidFill>
-          </a:ln>
-          <a:effectLst/>
-        </p:spPr>
-        <p:style>
-          <a:lnRef idx="1">
-            <a:schemeClr val="accent1"/>
-          </a:lnRef>
-          <a:fillRef idx="3">
-            <a:schemeClr val="accent1"/>
-          </a:fillRef>
-          <a:effectRef idx="2">
-            <a:schemeClr val="accent1"/>
-          </a:effectRef>
-          <a:fontRef idx="minor">
-            <a:schemeClr val="lt1"/>
-          </a:fontRef>
-        </p:style>
-        <p:txBody>
-          <a:bodyPr rtlCol="0" anchor="ctr"/>
-          <a:lstStyle/>
-          <a:p>
-            <a:pPr algn="ctr"/>
-            <a:r>
-              <a:rPr lang="ja-JP" altLang="en-US" sz="1200" dirty="0" smtClean="0">
+            <a:r>
+              <a:rPr lang="ja-JP" altLang="en-US" sz="1000" dirty="0" smtClean="0">
                 <a:solidFill>
                   <a:schemeClr val="tx1"/>
                 </a:solidFill>
@@ -14686,7 +15728,7 @@
               </a:rPr>
               <a:t>検索</a:t>
             </a:r>
-            <a:endParaRPr kumimoji="1" lang="ja-JP" altLang="en-US" sz="1200" dirty="0">
+            <a:endParaRPr kumimoji="1" lang="ja-JP" altLang="en-US" sz="1000" dirty="0">
               <a:solidFill>
                 <a:schemeClr val="tx1"/>
               </a:solidFill>
@@ -14697,16 +15739,517 @@
           </a:p>
         </p:txBody>
       </p:sp>
-      <p:sp>
-        <p:nvSpPr>
-          <p:cNvPr id="139" name="正方形/長方形 138"/>
+      <p:grpSp>
+        <p:nvGrpSpPr>
+          <p:cNvPr id="174" name="図形グループ 173"/>
+          <p:cNvGrpSpPr/>
+          <p:nvPr/>
+        </p:nvGrpSpPr>
+        <p:grpSpPr>
+          <a:xfrm>
+            <a:off x="5017501" y="1715007"/>
+            <a:ext cx="280240" cy="165946"/>
+            <a:chOff x="4954166" y="1192639"/>
+            <a:chExt cx="280240" cy="165946"/>
+          </a:xfrm>
+        </p:grpSpPr>
+        <p:sp>
+          <p:nvSpPr>
+            <p:cNvPr id="175" name="角丸四角形 174"/>
+            <p:cNvSpPr/>
+            <p:nvPr/>
+          </p:nvSpPr>
+          <p:spPr>
+            <a:xfrm>
+              <a:off x="4954166" y="1192639"/>
+              <a:ext cx="280240" cy="165946"/>
+            </a:xfrm>
+            <a:prstGeom prst="roundRect">
+              <a:avLst/>
+            </a:prstGeom>
+            <a:noFill/>
+            <a:ln w="25400">
+              <a:solidFill>
+                <a:schemeClr val="tx1"/>
+              </a:solidFill>
+            </a:ln>
+            <a:effectLst/>
+          </p:spPr>
+          <p:style>
+            <a:lnRef idx="1">
+              <a:schemeClr val="accent1"/>
+            </a:lnRef>
+            <a:fillRef idx="3">
+              <a:schemeClr val="accent1"/>
+            </a:fillRef>
+            <a:effectRef idx="2">
+              <a:schemeClr val="accent1"/>
+            </a:effectRef>
+            <a:fontRef idx="minor">
+              <a:schemeClr val="lt1"/>
+            </a:fontRef>
+          </p:style>
+          <p:txBody>
+            <a:bodyPr rtlCol="0" anchor="ctr"/>
+            <a:lstStyle/>
+            <a:p>
+              <a:pPr algn="ctr"/>
+              <a:endParaRPr kumimoji="1" lang="ja-JP" altLang="en-US" sz="800" dirty="0">
+                <a:solidFill>
+                  <a:schemeClr val="tx1"/>
+                </a:solidFill>
+              </a:endParaRPr>
+            </a:p>
+          </p:txBody>
+        </p:sp>
+        <p:cxnSp>
+          <p:nvCxnSpPr>
+            <p:cNvPr id="176" name="直線コネクタ 175"/>
+            <p:cNvCxnSpPr/>
+            <p:nvPr/>
+          </p:nvCxnSpPr>
+          <p:spPr>
+            <a:xfrm>
+              <a:off x="5001261" y="1238058"/>
+              <a:ext cx="181196" cy="0"/>
+            </a:xfrm>
+            <a:prstGeom prst="line">
+              <a:avLst/>
+            </a:prstGeom>
+            <a:ln w="3175">
+              <a:solidFill>
+                <a:schemeClr val="tx1"/>
+              </a:solidFill>
+            </a:ln>
+          </p:spPr>
+          <p:style>
+            <a:lnRef idx="2">
+              <a:schemeClr val="accent1"/>
+            </a:lnRef>
+            <a:fillRef idx="0">
+              <a:schemeClr val="accent1"/>
+            </a:fillRef>
+            <a:effectRef idx="1">
+              <a:schemeClr val="accent1"/>
+            </a:effectRef>
+            <a:fontRef idx="minor">
+              <a:schemeClr val="tx1"/>
+            </a:fontRef>
+          </p:style>
+        </p:cxnSp>
+        <p:cxnSp>
+          <p:nvCxnSpPr>
+            <p:cNvPr id="177" name="直線コネクタ 176"/>
+            <p:cNvCxnSpPr/>
+            <p:nvPr/>
+          </p:nvCxnSpPr>
+          <p:spPr>
+            <a:xfrm>
+              <a:off x="5001261" y="1277697"/>
+              <a:ext cx="181196" cy="0"/>
+            </a:xfrm>
+            <a:prstGeom prst="line">
+              <a:avLst/>
+            </a:prstGeom>
+            <a:ln w="3175">
+              <a:solidFill>
+                <a:schemeClr val="tx1"/>
+              </a:solidFill>
+            </a:ln>
+          </p:spPr>
+          <p:style>
+            <a:lnRef idx="2">
+              <a:schemeClr val="accent1"/>
+            </a:lnRef>
+            <a:fillRef idx="0">
+              <a:schemeClr val="accent1"/>
+            </a:fillRef>
+            <a:effectRef idx="1">
+              <a:schemeClr val="accent1"/>
+            </a:effectRef>
+            <a:fontRef idx="minor">
+              <a:schemeClr val="tx1"/>
+            </a:fontRef>
+          </p:style>
+        </p:cxnSp>
+        <p:cxnSp>
+          <p:nvCxnSpPr>
+            <p:cNvPr id="178" name="直線コネクタ 177"/>
+            <p:cNvCxnSpPr/>
+            <p:nvPr/>
+          </p:nvCxnSpPr>
+          <p:spPr>
+            <a:xfrm>
+              <a:off x="5003884" y="1310793"/>
+              <a:ext cx="181196" cy="0"/>
+            </a:xfrm>
+            <a:prstGeom prst="line">
+              <a:avLst/>
+            </a:prstGeom>
+            <a:ln w="3175">
+              <a:solidFill>
+                <a:schemeClr val="tx1"/>
+              </a:solidFill>
+            </a:ln>
+          </p:spPr>
+          <p:style>
+            <a:lnRef idx="2">
+              <a:schemeClr val="accent1"/>
+            </a:lnRef>
+            <a:fillRef idx="0">
+              <a:schemeClr val="accent1"/>
+            </a:fillRef>
+            <a:effectRef idx="1">
+              <a:schemeClr val="accent1"/>
+            </a:effectRef>
+            <a:fontRef idx="minor">
+              <a:schemeClr val="tx1"/>
+            </a:fontRef>
+          </p:style>
+        </p:cxnSp>
+      </p:grpSp>
+      <p:sp>
+        <p:nvSpPr>
+          <p:cNvPr id="179" name="テキスト ボックス 178"/>
+          <p:cNvSpPr txBox="1"/>
+          <p:nvPr/>
+        </p:nvSpPr>
+        <p:spPr>
+          <a:xfrm>
+            <a:off x="5772888" y="1141779"/>
+            <a:ext cx="441146" cy="246221"/>
+          </a:xfrm>
+          <a:prstGeom prst="rect">
+            <a:avLst/>
+          </a:prstGeom>
+          <a:noFill/>
+        </p:spPr>
+        <p:txBody>
+          <a:bodyPr wrap="none" rtlCol="0">
+            <a:spAutoFit/>
+          </a:bodyPr>
+          <a:lstStyle/>
+          <a:p>
+            <a:r>
+              <a:rPr lang="en-US" altLang="en-US" sz="1000" dirty="0" smtClean="0">
+                <a:latin typeface="メイリオ"/>
+                <a:ea typeface="メイリオ"/>
+                <a:cs typeface="メイリオ"/>
+              </a:rPr>
+              <a:t>収入</a:t>
+            </a:r>
+            <a:endParaRPr kumimoji="1" lang="ja-JP" altLang="en-US" sz="1000" dirty="0">
+              <a:latin typeface="メイリオ"/>
+              <a:ea typeface="メイリオ"/>
+              <a:cs typeface="メイリオ"/>
+            </a:endParaRPr>
+          </a:p>
+        </p:txBody>
+      </p:sp>
+      <p:sp>
+        <p:nvSpPr>
+          <p:cNvPr id="180" name="テキスト ボックス 179"/>
+          <p:cNvSpPr txBox="1"/>
+          <p:nvPr/>
+        </p:nvSpPr>
+        <p:spPr>
+          <a:xfrm>
+            <a:off x="6327496" y="1133027"/>
+            <a:ext cx="441146" cy="246221"/>
+          </a:xfrm>
+          <a:prstGeom prst="rect">
+            <a:avLst/>
+          </a:prstGeom>
+          <a:noFill/>
+        </p:spPr>
+        <p:txBody>
+          <a:bodyPr wrap="none" rtlCol="0">
+            <a:spAutoFit/>
+          </a:bodyPr>
+          <a:lstStyle/>
+          <a:p>
+            <a:r>
+              <a:rPr lang="ja-JP" altLang="en-US" sz="1000" dirty="0" smtClean="0">
+                <a:latin typeface="メイリオ"/>
+                <a:ea typeface="メイリオ"/>
+                <a:cs typeface="メイリオ"/>
+              </a:rPr>
+              <a:t>支出</a:t>
+            </a:r>
+            <a:endParaRPr kumimoji="1" lang="ja-JP" altLang="en-US" sz="1000" dirty="0">
+              <a:latin typeface="メイリオ"/>
+              <a:ea typeface="メイリオ"/>
+              <a:cs typeface="メイリオ"/>
+            </a:endParaRPr>
+          </a:p>
+        </p:txBody>
+      </p:sp>
+      <p:sp>
+        <p:nvSpPr>
+          <p:cNvPr id="181" name="円/楕円 180"/>
           <p:cNvSpPr/>
           <p:nvPr/>
         </p:nvSpPr>
         <p:spPr>
-          <a:xfrm>
-            <a:off x="785584" y="937497"/>
-            <a:ext cx="7575640" cy="5541817"/>
+          <a:xfrm flipH="1">
+            <a:off x="6164699" y="1187777"/>
+            <a:ext cx="162796" cy="157651"/>
+          </a:xfrm>
+          <a:prstGeom prst="ellipse">
+            <a:avLst/>
+          </a:prstGeom>
+          <a:noFill/>
+          <a:ln w="38100">
+            <a:solidFill>
+              <a:schemeClr val="tx1"/>
+            </a:solidFill>
+          </a:ln>
+          <a:effectLst/>
+        </p:spPr>
+        <p:style>
+          <a:lnRef idx="1">
+            <a:schemeClr val="accent1"/>
+          </a:lnRef>
+          <a:fillRef idx="3">
+            <a:schemeClr val="accent1"/>
+          </a:fillRef>
+          <a:effectRef idx="2">
+            <a:schemeClr val="accent1"/>
+          </a:effectRef>
+          <a:fontRef idx="minor">
+            <a:schemeClr val="lt1"/>
+          </a:fontRef>
+        </p:style>
+        <p:txBody>
+          <a:bodyPr rtlCol="0" anchor="ctr"/>
+          <a:lstStyle/>
+          <a:p>
+            <a:pPr algn="ctr"/>
+            <a:endParaRPr kumimoji="1" lang="ja-JP" altLang="en-US"/>
+          </a:p>
+        </p:txBody>
+      </p:sp>
+      <p:sp>
+        <p:nvSpPr>
+          <p:cNvPr id="182" name="円/楕円 181"/>
+          <p:cNvSpPr/>
+          <p:nvPr/>
+        </p:nvSpPr>
+        <p:spPr>
+          <a:xfrm flipH="1">
+            <a:off x="6734007" y="1190624"/>
+            <a:ext cx="162796" cy="157651"/>
+          </a:xfrm>
+          <a:prstGeom prst="ellipse">
+            <a:avLst/>
+          </a:prstGeom>
+          <a:noFill/>
+          <a:ln w="38100">
+            <a:solidFill>
+              <a:schemeClr val="tx1"/>
+            </a:solidFill>
+          </a:ln>
+          <a:effectLst/>
+        </p:spPr>
+        <p:style>
+          <a:lnRef idx="1">
+            <a:schemeClr val="accent1"/>
+          </a:lnRef>
+          <a:fillRef idx="3">
+            <a:schemeClr val="accent1"/>
+          </a:fillRef>
+          <a:effectRef idx="2">
+            <a:schemeClr val="accent1"/>
+          </a:effectRef>
+          <a:fontRef idx="minor">
+            <a:schemeClr val="lt1"/>
+          </a:fontRef>
+        </p:style>
+        <p:txBody>
+          <a:bodyPr rtlCol="0" anchor="ctr"/>
+          <a:lstStyle/>
+          <a:p>
+            <a:pPr algn="ctr"/>
+            <a:endParaRPr kumimoji="1" lang="ja-JP" altLang="en-US"/>
+          </a:p>
+        </p:txBody>
+      </p:sp>
+      <p:sp>
+        <p:nvSpPr>
+          <p:cNvPr id="183" name="テキスト ボックス 182"/>
+          <p:cNvSpPr txBox="1"/>
+          <p:nvPr/>
+        </p:nvSpPr>
+        <p:spPr>
+          <a:xfrm>
+            <a:off x="6753316" y="1665409"/>
+            <a:ext cx="441146" cy="246221"/>
+          </a:xfrm>
+          <a:prstGeom prst="rect">
+            <a:avLst/>
+          </a:prstGeom>
+          <a:noFill/>
+        </p:spPr>
+        <p:txBody>
+          <a:bodyPr wrap="none" rtlCol="0">
+            <a:spAutoFit/>
+          </a:bodyPr>
+          <a:lstStyle/>
+          <a:p>
+            <a:r>
+              <a:rPr lang="en-US" altLang="en-US" sz="1000" dirty="0" smtClean="0">
+                <a:latin typeface="メイリオ"/>
+                <a:ea typeface="メイリオ"/>
+                <a:cs typeface="メイリオ"/>
+              </a:rPr>
+              <a:t>収入</a:t>
+            </a:r>
+            <a:endParaRPr kumimoji="1" lang="ja-JP" altLang="en-US" sz="1000" dirty="0">
+              <a:latin typeface="メイリオ"/>
+              <a:ea typeface="メイリオ"/>
+              <a:cs typeface="メイリオ"/>
+            </a:endParaRPr>
+          </a:p>
+        </p:txBody>
+      </p:sp>
+      <p:sp>
+        <p:nvSpPr>
+          <p:cNvPr id="184" name="テキスト ボックス 183"/>
+          <p:cNvSpPr txBox="1"/>
+          <p:nvPr/>
+        </p:nvSpPr>
+        <p:spPr>
+          <a:xfrm>
+            <a:off x="7307924" y="1656657"/>
+            <a:ext cx="441146" cy="246221"/>
+          </a:xfrm>
+          <a:prstGeom prst="rect">
+            <a:avLst/>
+          </a:prstGeom>
+          <a:noFill/>
+        </p:spPr>
+        <p:txBody>
+          <a:bodyPr wrap="none" rtlCol="0">
+            <a:spAutoFit/>
+          </a:bodyPr>
+          <a:lstStyle/>
+          <a:p>
+            <a:r>
+              <a:rPr lang="ja-JP" altLang="en-US" sz="1000" dirty="0" smtClean="0">
+                <a:latin typeface="メイリオ"/>
+                <a:ea typeface="メイリオ"/>
+                <a:cs typeface="メイリオ"/>
+              </a:rPr>
+              <a:t>支出</a:t>
+            </a:r>
+            <a:endParaRPr kumimoji="1" lang="ja-JP" altLang="en-US" sz="1000" dirty="0">
+              <a:latin typeface="メイリオ"/>
+              <a:ea typeface="メイリオ"/>
+              <a:cs typeface="メイリオ"/>
+            </a:endParaRPr>
+          </a:p>
+        </p:txBody>
+      </p:sp>
+      <p:sp>
+        <p:nvSpPr>
+          <p:cNvPr id="185" name="円/楕円 184"/>
+          <p:cNvSpPr/>
+          <p:nvPr/>
+        </p:nvSpPr>
+        <p:spPr>
+          <a:xfrm flipH="1">
+            <a:off x="7145127" y="1711407"/>
+            <a:ext cx="162796" cy="157651"/>
+          </a:xfrm>
+          <a:prstGeom prst="ellipse">
+            <a:avLst/>
+          </a:prstGeom>
+          <a:noFill/>
+          <a:ln w="38100">
+            <a:solidFill>
+              <a:schemeClr val="tx1"/>
+            </a:solidFill>
+          </a:ln>
+          <a:effectLst/>
+        </p:spPr>
+        <p:style>
+          <a:lnRef idx="1">
+            <a:schemeClr val="accent1"/>
+          </a:lnRef>
+          <a:fillRef idx="3">
+            <a:schemeClr val="accent1"/>
+          </a:fillRef>
+          <a:effectRef idx="2">
+            <a:schemeClr val="accent1"/>
+          </a:effectRef>
+          <a:fontRef idx="minor">
+            <a:schemeClr val="lt1"/>
+          </a:fontRef>
+        </p:style>
+        <p:txBody>
+          <a:bodyPr rtlCol="0" anchor="ctr"/>
+          <a:lstStyle/>
+          <a:p>
+            <a:pPr algn="ctr"/>
+            <a:endParaRPr kumimoji="1" lang="ja-JP" altLang="en-US"/>
+          </a:p>
+        </p:txBody>
+      </p:sp>
+      <p:sp>
+        <p:nvSpPr>
+          <p:cNvPr id="186" name="円/楕円 185"/>
+          <p:cNvSpPr/>
+          <p:nvPr/>
+        </p:nvSpPr>
+        <p:spPr>
+          <a:xfrm flipH="1">
+            <a:off x="7714435" y="1714254"/>
+            <a:ext cx="162796" cy="157651"/>
+          </a:xfrm>
+          <a:prstGeom prst="ellipse">
+            <a:avLst/>
+          </a:prstGeom>
+          <a:noFill/>
+          <a:ln w="38100">
+            <a:solidFill>
+              <a:schemeClr val="tx1"/>
+            </a:solidFill>
+          </a:ln>
+          <a:effectLst/>
+        </p:spPr>
+        <p:style>
+          <a:lnRef idx="1">
+            <a:schemeClr val="accent1"/>
+          </a:lnRef>
+          <a:fillRef idx="3">
+            <a:schemeClr val="accent1"/>
+          </a:fillRef>
+          <a:effectRef idx="2">
+            <a:schemeClr val="accent1"/>
+          </a:effectRef>
+          <a:fontRef idx="minor">
+            <a:schemeClr val="lt1"/>
+          </a:fontRef>
+        </p:style>
+        <p:txBody>
+          <a:bodyPr rtlCol="0" anchor="ctr"/>
+          <a:lstStyle/>
+          <a:p>
+            <a:pPr algn="ctr"/>
+            <a:endParaRPr kumimoji="1" lang="ja-JP" altLang="en-US"/>
+          </a:p>
+        </p:txBody>
+      </p:sp>
+      <p:sp>
+        <p:nvSpPr>
+          <p:cNvPr id="187" name="正方形/長方形 186"/>
+          <p:cNvSpPr/>
+          <p:nvPr/>
+        </p:nvSpPr>
+        <p:spPr>
+          <a:xfrm>
+            <a:off x="529279" y="937497"/>
+            <a:ext cx="8095186" cy="5541817"/>
           </a:xfrm>
           <a:prstGeom prst="rect">
             <a:avLst/>
@@ -14754,47 +16297,9 @@
           </a:p>
         </p:txBody>
       </p:sp>
-      <p:sp>
-        <p:nvSpPr>
-          <p:cNvPr id="4" name="テキスト ボックス 3"/>
-          <p:cNvSpPr txBox="1"/>
-          <p:nvPr/>
-        </p:nvSpPr>
-        <p:spPr>
-          <a:xfrm>
-            <a:off x="200532" y="187161"/>
-            <a:ext cx="4134465" cy="523220"/>
-          </a:xfrm>
-          <a:prstGeom prst="rect">
-            <a:avLst/>
-          </a:prstGeom>
-          <a:noFill/>
-        </p:spPr>
-        <p:txBody>
-          <a:bodyPr wrap="none" rtlCol="0">
-            <a:spAutoFit/>
-          </a:bodyPr>
-          <a:lstStyle/>
-          <a:p>
-            <a:r>
-              <a:rPr lang="ja-JP" altLang="en-US" sz="2800" dirty="0" smtClean="0">
-                <a:latin typeface="メイリオ"/>
-                <a:ea typeface="メイリオ"/>
-                <a:cs typeface="メイリオ"/>
-              </a:rPr>
-              <a:t>管理画面（登録失敗時）</a:t>
-            </a:r>
-            <a:endParaRPr kumimoji="1" lang="ja-JP" altLang="en-US" sz="2000" dirty="0">
-              <a:latin typeface="メイリオ"/>
-              <a:ea typeface="メイリオ"/>
-              <a:cs typeface="メイリオ"/>
-            </a:endParaRPr>
-          </a:p>
-        </p:txBody>
-      </p:sp>
       <p:grpSp>
         <p:nvGrpSpPr>
-          <p:cNvPr id="6" name="図形グループ 5"/>
+          <p:cNvPr id="188" name="図形グループ 187"/>
           <p:cNvGrpSpPr/>
           <p:nvPr/>
         </p:nvGrpSpPr>
@@ -14808,7 +16313,7 @@
         </p:grpSpPr>
         <p:sp>
           <p:nvSpPr>
-            <p:cNvPr id="2" name="角丸四角形 1"/>
+            <p:cNvPr id="189" name="角丸四角形 188"/>
             <p:cNvSpPr/>
             <p:nvPr/>
           </p:nvSpPr>
@@ -14854,7 +16359,7 @@
         </p:sp>
         <p:sp>
           <p:nvSpPr>
-            <p:cNvPr id="26" name="角丸四角形 25"/>
+            <p:cNvPr id="190" name="角丸四角形 189"/>
             <p:cNvSpPr/>
             <p:nvPr/>
           </p:nvSpPr>
@@ -14954,7 +16459,7 @@
         </p:sp>
         <p:sp>
           <p:nvSpPr>
-            <p:cNvPr id="27" name="角丸四角形 26"/>
+            <p:cNvPr id="191" name="角丸四角形 190"/>
             <p:cNvSpPr/>
             <p:nvPr/>
           </p:nvSpPr>
@@ -15022,7 +16527,7 @@
         </p:sp>
         <p:cxnSp>
           <p:nvCxnSpPr>
-            <p:cNvPr id="40" name="直線コネクタ 39"/>
+            <p:cNvPr id="192" name="直線コネクタ 191"/>
             <p:cNvCxnSpPr/>
             <p:nvPr/>
           </p:nvCxnSpPr>
@@ -15060,7 +16565,7 @@
         </p:cxnSp>
         <p:cxnSp>
           <p:nvCxnSpPr>
-            <p:cNvPr id="43" name="直線コネクタ 42"/>
+            <p:cNvPr id="193" name="直線コネクタ 192"/>
             <p:cNvCxnSpPr/>
             <p:nvPr/>
           </p:nvCxnSpPr>
@@ -15098,7 +16603,7 @@
         </p:cxnSp>
         <p:sp>
           <p:nvSpPr>
-            <p:cNvPr id="44" name="テキスト ボックス 43"/>
+            <p:cNvPr id="194" name="テキスト ボックス 193"/>
             <p:cNvSpPr txBox="1"/>
             <p:nvPr/>
           </p:nvSpPr>
@@ -15165,16 +16670,70 @@
           <a:chExt cx="0" cy="0"/>
         </a:xfrm>
       </p:grpSpPr>
+      <p:sp>
+        <p:nvSpPr>
+          <p:cNvPr id="4" name="テキスト ボックス 3"/>
+          <p:cNvSpPr txBox="1"/>
+          <p:nvPr/>
+        </p:nvSpPr>
+        <p:spPr>
+          <a:xfrm>
+            <a:off x="200532" y="187161"/>
+            <a:ext cx="4134465" cy="523220"/>
+          </a:xfrm>
+          <a:prstGeom prst="rect">
+            <a:avLst/>
+          </a:prstGeom>
+          <a:noFill/>
+        </p:spPr>
+        <p:txBody>
+          <a:bodyPr wrap="none" rtlCol="0">
+            <a:spAutoFit/>
+          </a:bodyPr>
+          <a:lstStyle/>
+          <a:p>
+            <a:r>
+              <a:rPr lang="ja-JP" altLang="en-US" sz="2800" dirty="0" smtClean="0">
+                <a:latin typeface="メイリオ"/>
+                <a:ea typeface="メイリオ"/>
+                <a:cs typeface="メイリオ"/>
+              </a:rPr>
+              <a:t>管理画面（</a:t>
+            </a:r>
+            <a:r>
+              <a:rPr lang="en-US" altLang="en-US" sz="2800" dirty="0" smtClean="0">
+                <a:latin typeface="メイリオ"/>
+                <a:ea typeface="メイリオ"/>
+                <a:cs typeface="メイリオ"/>
+              </a:rPr>
+              <a:t>削除確認</a:t>
+            </a:r>
+            <a:r>
+              <a:rPr lang="ja-JP" altLang="en-US" sz="2800" dirty="0" smtClean="0">
+                <a:latin typeface="メイリオ"/>
+                <a:ea typeface="メイリオ"/>
+                <a:cs typeface="メイリオ"/>
+              </a:rPr>
+              <a:t>時）</a:t>
+            </a:r>
+            <a:endParaRPr kumimoji="1" lang="ja-JP" altLang="en-US" sz="2000" dirty="0">
+              <a:latin typeface="メイリオ"/>
+              <a:ea typeface="メイリオ"/>
+              <a:cs typeface="メイリオ"/>
+            </a:endParaRPr>
+          </a:p>
+        </p:txBody>
+      </p:sp>
       <p:graphicFrame>
         <p:nvGraphicFramePr>
-          <p:cNvPr id="53" name="表 52"/>
+          <p:cNvPr id="71" name="表 70"/>
           <p:cNvGraphicFramePr>
             <a:graphicFrameLocks noGrp="1"/>
           </p:cNvGraphicFramePr>
           <p:nvPr>
             <p:extLst>
               <p:ext uri="{D42A27DB-BD31-4B8C-83A1-F6EECF244321}">
-                <p14:modId xmlns:p14="http://schemas.microsoft.com/office/powerpoint/2010/main" val="456833480"/>
+                <p14:modId xmlns:p14="http://schemas.microsoft.com/office/powerpoint/2010/main" val="1777082201"/>
               </p:ext>
             </p:extLst>
           </p:nvPr>
@@ -15669,14 +17228,14 @@
       </p:graphicFrame>
       <p:sp>
         <p:nvSpPr>
-          <p:cNvPr id="55" name="正方形/長方形 54"/>
+          <p:cNvPr id="72" name="正方形/長方形 71"/>
           <p:cNvSpPr/>
           <p:nvPr/>
         </p:nvSpPr>
         <p:spPr>
           <a:xfrm>
-            <a:off x="783269" y="935182"/>
-            <a:ext cx="7575640" cy="5541817"/>
+            <a:off x="529279" y="935182"/>
+            <a:ext cx="8095186" cy="5541817"/>
           </a:xfrm>
           <a:prstGeom prst="rect">
             <a:avLst/>
@@ -15721,13 +17280,13 @@
       </p:sp>
       <p:sp>
         <p:nvSpPr>
-          <p:cNvPr id="56" name="角丸四角形 55"/>
+          <p:cNvPr id="73" name="角丸四角形 72"/>
           <p:cNvSpPr/>
           <p:nvPr/>
         </p:nvSpPr>
         <p:spPr>
           <a:xfrm>
-            <a:off x="1469168" y="1187601"/>
+            <a:off x="1111273" y="1187601"/>
             <a:ext cx="562830" cy="165946"/>
           </a:xfrm>
           <a:prstGeom prst="roundRect">
@@ -15766,14 +17325,14 @@
       </p:sp>
       <p:sp>
         <p:nvSpPr>
-          <p:cNvPr id="57" name="テキスト ボックス 56"/>
+          <p:cNvPr id="74" name="テキスト ボックス 73"/>
           <p:cNvSpPr txBox="1"/>
           <p:nvPr/>
         </p:nvSpPr>
         <p:spPr>
           <a:xfrm>
-            <a:off x="890993" y="1114621"/>
-            <a:ext cx="646331" cy="276999"/>
+            <a:off x="590823" y="1136452"/>
+            <a:ext cx="569387" cy="246221"/>
           </a:xfrm>
           <a:prstGeom prst="rect">
             <a:avLst/>
@@ -15787,14 +17346,14 @@
           <a:lstStyle/>
           <a:p>
             <a:r>
-              <a:rPr kumimoji="1" lang="ja-JP" altLang="en-US" sz="1200" dirty="0" smtClean="0">
+              <a:rPr kumimoji="1" lang="ja-JP" altLang="en-US" sz="1000" dirty="0" smtClean="0">
                 <a:latin typeface="メイリオ"/>
                 <a:ea typeface="メイリオ"/>
                 <a:cs typeface="メイリオ"/>
               </a:rPr>
               <a:t>日付：</a:t>
             </a:r>
-            <a:endParaRPr kumimoji="1" lang="ja-JP" altLang="en-US" sz="1200" dirty="0">
+            <a:endParaRPr kumimoji="1" lang="ja-JP" altLang="en-US" sz="1000" dirty="0">
               <a:latin typeface="メイリオ"/>
               <a:ea typeface="メイリオ"/>
               <a:cs typeface="メイリオ"/>
@@ -15804,13 +17363,13 @@
       </p:sp>
       <p:sp>
         <p:nvSpPr>
-          <p:cNvPr id="58" name="角丸四角形 57"/>
+          <p:cNvPr id="75" name="角丸四角形 74"/>
           <p:cNvSpPr/>
           <p:nvPr/>
         </p:nvSpPr>
         <p:spPr>
           <a:xfrm>
-            <a:off x="2646774" y="1187601"/>
+            <a:off x="2208064" y="1187601"/>
             <a:ext cx="797002" cy="165946"/>
           </a:xfrm>
           <a:prstGeom prst="roundRect">
@@ -15849,14 +17408,14 @@
       </p:sp>
       <p:sp>
         <p:nvSpPr>
-          <p:cNvPr id="59" name="テキスト ボックス 58"/>
+          <p:cNvPr id="76" name="テキスト ボックス 75"/>
           <p:cNvSpPr txBox="1"/>
           <p:nvPr/>
         </p:nvSpPr>
         <p:spPr>
           <a:xfrm>
-            <a:off x="2046815" y="1111063"/>
-            <a:ext cx="646331" cy="276999"/>
+            <a:off x="1698033" y="1133027"/>
+            <a:ext cx="569387" cy="246221"/>
           </a:xfrm>
           <a:prstGeom prst="rect">
             <a:avLst/>
@@ -15870,7 +17429,7 @@
           <a:lstStyle/>
           <a:p>
             <a:r>
-              <a:rPr lang="ja-JP" altLang="en-US" sz="1200" dirty="0" smtClean="0">
+              <a:rPr lang="ja-JP" altLang="en-US" sz="1000" dirty="0" smtClean="0">
                 <a:latin typeface="メイリオ"/>
                 <a:ea typeface="メイリオ"/>
                 <a:cs typeface="メイリオ"/>
@@ -15878,14 +17437,14 @@
               <a:t>内容</a:t>
             </a:r>
             <a:r>
-              <a:rPr kumimoji="1" lang="ja-JP" altLang="en-US" sz="1200" dirty="0" smtClean="0">
+              <a:rPr kumimoji="1" lang="ja-JP" altLang="en-US" sz="1000" dirty="0" smtClean="0">
                 <a:latin typeface="メイリオ"/>
                 <a:ea typeface="メイリオ"/>
                 <a:cs typeface="メイリオ"/>
               </a:rPr>
               <a:t>：</a:t>
             </a:r>
-            <a:endParaRPr kumimoji="1" lang="ja-JP" altLang="en-US" sz="1200" dirty="0">
+            <a:endParaRPr kumimoji="1" lang="ja-JP" altLang="en-US" sz="1000" dirty="0">
               <a:latin typeface="メイリオ"/>
               <a:ea typeface="メイリオ"/>
               <a:cs typeface="メイリオ"/>
@@ -15895,13 +17454,13 @@
       </p:sp>
       <p:sp>
         <p:nvSpPr>
-          <p:cNvPr id="60" name="角丸四角形 59"/>
+          <p:cNvPr id="77" name="角丸四角形 76"/>
           <p:cNvSpPr/>
           <p:nvPr/>
         </p:nvSpPr>
         <p:spPr>
           <a:xfrm>
-            <a:off x="4346659" y="1187601"/>
+            <a:off x="3780954" y="1187601"/>
             <a:ext cx="560480" cy="165946"/>
           </a:xfrm>
           <a:prstGeom prst="roundRect">
@@ -15940,14 +17499,14 @@
       </p:sp>
       <p:sp>
         <p:nvSpPr>
-          <p:cNvPr id="61" name="テキスト ボックス 60"/>
+          <p:cNvPr id="78" name="テキスト ボックス 77"/>
           <p:cNvSpPr txBox="1"/>
           <p:nvPr/>
         </p:nvSpPr>
         <p:spPr>
           <a:xfrm>
-            <a:off x="3461822" y="1118689"/>
-            <a:ext cx="954107" cy="276999"/>
+            <a:off x="3011567" y="1141779"/>
+            <a:ext cx="825867" cy="246221"/>
           </a:xfrm>
           <a:prstGeom prst="rect">
             <a:avLst/>
@@ -15961,7 +17520,7 @@
           <a:lstStyle/>
           <a:p>
             <a:r>
-              <a:rPr lang="ja-JP" altLang="en-US" sz="1200" dirty="0" smtClean="0">
+              <a:rPr lang="ja-JP" altLang="en-US" sz="1000" dirty="0" smtClean="0">
                 <a:latin typeface="メイリオ"/>
                 <a:ea typeface="メイリオ"/>
                 <a:cs typeface="メイリオ"/>
@@ -15969,14 +17528,14 @@
               <a:t>カテゴリ</a:t>
             </a:r>
             <a:r>
-              <a:rPr kumimoji="1" lang="ja-JP" altLang="en-US" sz="1200" dirty="0" smtClean="0">
+              <a:rPr kumimoji="1" lang="ja-JP" altLang="en-US" sz="1000" dirty="0" smtClean="0">
                 <a:latin typeface="メイリオ"/>
                 <a:ea typeface="メイリオ"/>
                 <a:cs typeface="メイリオ"/>
               </a:rPr>
               <a:t>：</a:t>
             </a:r>
-            <a:endParaRPr kumimoji="1" lang="ja-JP" altLang="en-US" sz="1200" dirty="0">
+            <a:endParaRPr kumimoji="1" lang="ja-JP" altLang="en-US" sz="1000" dirty="0">
               <a:latin typeface="メイリオ"/>
               <a:ea typeface="メイリオ"/>
               <a:cs typeface="メイリオ"/>
@@ -15986,13 +17545,13 @@
       </p:sp>
       <p:sp>
         <p:nvSpPr>
-          <p:cNvPr id="62" name="角丸四角形 61"/>
+          <p:cNvPr id="79" name="角丸四角形 78"/>
           <p:cNvSpPr/>
           <p:nvPr/>
         </p:nvSpPr>
         <p:spPr>
           <a:xfrm>
-            <a:off x="5799922" y="1187601"/>
+            <a:off x="5211127" y="1187601"/>
             <a:ext cx="561630" cy="165946"/>
           </a:xfrm>
           <a:prstGeom prst="roundRect">
@@ -16031,14 +17590,14 @@
       </p:sp>
       <p:sp>
         <p:nvSpPr>
-          <p:cNvPr id="63" name="テキスト ボックス 62"/>
+          <p:cNvPr id="80" name="テキスト ボックス 79"/>
           <p:cNvSpPr txBox="1"/>
           <p:nvPr/>
         </p:nvSpPr>
         <p:spPr>
           <a:xfrm>
-            <a:off x="5234406" y="1128924"/>
-            <a:ext cx="646331" cy="276999"/>
+            <a:off x="4691791" y="1152014"/>
+            <a:ext cx="569387" cy="246221"/>
           </a:xfrm>
           <a:prstGeom prst="rect">
             <a:avLst/>
@@ -16052,7 +17611,7 @@
           <a:lstStyle/>
           <a:p>
             <a:r>
-              <a:rPr lang="ja-JP" altLang="en-US" sz="1200" dirty="0" smtClean="0">
+              <a:rPr lang="ja-JP" altLang="en-US" sz="1000" dirty="0" smtClean="0">
                 <a:latin typeface="メイリオ"/>
                 <a:ea typeface="メイリオ"/>
                 <a:cs typeface="メイリオ"/>
@@ -16060,14 +17619,14 @@
               <a:t>金額</a:t>
             </a:r>
             <a:r>
-              <a:rPr kumimoji="1" lang="ja-JP" altLang="en-US" sz="1200" dirty="0" smtClean="0">
+              <a:rPr kumimoji="1" lang="ja-JP" altLang="en-US" sz="1000" dirty="0" smtClean="0">
                 <a:latin typeface="メイリオ"/>
                 <a:ea typeface="メイリオ"/>
                 <a:cs typeface="メイリオ"/>
               </a:rPr>
               <a:t>：</a:t>
             </a:r>
-            <a:endParaRPr kumimoji="1" lang="ja-JP" altLang="en-US" sz="1200" dirty="0">
+            <a:endParaRPr kumimoji="1" lang="ja-JP" altLang="en-US" sz="1000" dirty="0">
               <a:latin typeface="メイリオ"/>
               <a:ea typeface="メイリオ"/>
               <a:cs typeface="メイリオ"/>
@@ -16077,14 +17636,14 @@
       </p:sp>
       <p:sp>
         <p:nvSpPr>
-          <p:cNvPr id="64" name="角丸四角形 63"/>
+          <p:cNvPr id="81" name="角丸四角形 80"/>
           <p:cNvSpPr/>
           <p:nvPr/>
         </p:nvSpPr>
         <p:spPr>
           <a:xfrm>
-            <a:off x="6515245" y="1118689"/>
-            <a:ext cx="550589" cy="299213"/>
+            <a:off x="6989782" y="1153142"/>
+            <a:ext cx="550589" cy="234858"/>
           </a:xfrm>
           <a:prstGeom prst="roundRect">
             <a:avLst/>
@@ -16117,7 +17676,7 @@
           <a:p>
             <a:pPr algn="ctr"/>
             <a:r>
-              <a:rPr kumimoji="1" lang="ja-JP" altLang="en-US" sz="1200" dirty="0" smtClean="0">
+              <a:rPr kumimoji="1" lang="ja-JP" altLang="en-US" sz="1000" dirty="0" smtClean="0">
                 <a:solidFill>
                   <a:schemeClr val="tx1"/>
                 </a:solidFill>
@@ -16127,7 +17686,7 @@
               </a:rPr>
               <a:t>登録</a:t>
             </a:r>
-            <a:endParaRPr kumimoji="1" lang="ja-JP" altLang="en-US" sz="1200" dirty="0">
+            <a:endParaRPr kumimoji="1" lang="ja-JP" altLang="en-US" sz="1000" dirty="0">
               <a:solidFill>
                 <a:schemeClr val="tx1"/>
               </a:solidFill>
@@ -16140,14 +17699,14 @@
       </p:sp>
       <p:cxnSp>
         <p:nvCxnSpPr>
-          <p:cNvPr id="65" name="直線コネクタ 64"/>
+          <p:cNvPr id="82" name="直線コネクタ 81"/>
           <p:cNvCxnSpPr/>
           <p:nvPr/>
         </p:nvCxnSpPr>
         <p:spPr>
           <a:xfrm>
-            <a:off x="923931" y="1547091"/>
-            <a:ext cx="7250251" cy="0"/>
+            <a:off x="658396" y="1547091"/>
+            <a:ext cx="7827513" cy="0"/>
           </a:xfrm>
           <a:prstGeom prst="line">
             <a:avLst/>
@@ -16178,7 +17737,7 @@
       </p:cxnSp>
       <p:sp>
         <p:nvSpPr>
-          <p:cNvPr id="66" name="テキスト ボックス 65"/>
+          <p:cNvPr id="83" name="テキスト ボックス 82"/>
           <p:cNvSpPr txBox="1"/>
           <p:nvPr/>
         </p:nvSpPr>
@@ -16216,7 +17775,7 @@
       </p:sp>
       <p:sp>
         <p:nvSpPr>
-          <p:cNvPr id="67" name="テキスト ボックス 66"/>
+          <p:cNvPr id="84" name="テキスト ボックス 83"/>
           <p:cNvSpPr txBox="1"/>
           <p:nvPr/>
         </p:nvSpPr>
@@ -16254,7 +17813,7 @@
       </p:sp>
       <p:sp>
         <p:nvSpPr>
-          <p:cNvPr id="68" name="テキスト ボックス 67"/>
+          <p:cNvPr id="85" name="テキスト ボックス 84"/>
           <p:cNvSpPr txBox="1"/>
           <p:nvPr/>
         </p:nvSpPr>
@@ -16292,7 +17851,7 @@
       </p:sp>
       <p:sp>
         <p:nvSpPr>
-          <p:cNvPr id="69" name="二等辺三角形 68"/>
+          <p:cNvPr id="86" name="二等辺三角形 85"/>
           <p:cNvSpPr/>
           <p:nvPr/>
         </p:nvSpPr>
@@ -16337,7 +17896,7 @@
       </p:sp>
       <p:sp>
         <p:nvSpPr>
-          <p:cNvPr id="70" name="二等辺三角形 69"/>
+          <p:cNvPr id="87" name="二等辺三角形 86"/>
           <p:cNvSpPr/>
           <p:nvPr/>
         </p:nvSpPr>
@@ -16382,7 +17941,7 @@
       </p:sp>
       <p:sp>
         <p:nvSpPr>
-          <p:cNvPr id="102" name="テキスト ボックス 101"/>
+          <p:cNvPr id="88" name="テキスト ボックス 87"/>
           <p:cNvSpPr txBox="1"/>
           <p:nvPr/>
         </p:nvSpPr>
@@ -16420,7 +17979,7 @@
       </p:sp>
       <p:sp>
         <p:nvSpPr>
-          <p:cNvPr id="103" name="テキスト ボックス 102"/>
+          <p:cNvPr id="89" name="テキスト ボックス 88"/>
           <p:cNvSpPr txBox="1"/>
           <p:nvPr/>
         </p:nvSpPr>
@@ -16514,7 +18073,7 @@
       </p:sp>
       <p:sp>
         <p:nvSpPr>
-          <p:cNvPr id="104" name="二等辺三角形 103"/>
+          <p:cNvPr id="90" name="二等辺三角形 89"/>
           <p:cNvSpPr/>
           <p:nvPr/>
         </p:nvSpPr>
@@ -16559,7 +18118,7 @@
       </p:sp>
       <p:sp>
         <p:nvSpPr>
-          <p:cNvPr id="105" name="二等辺三角形 104"/>
+          <p:cNvPr id="91" name="二等辺三角形 90"/>
           <p:cNvSpPr/>
           <p:nvPr/>
         </p:nvSpPr>
@@ -16604,7 +18163,7 @@
       </p:sp>
       <p:sp>
         <p:nvSpPr>
-          <p:cNvPr id="106" name="二等辺三角形 105"/>
+          <p:cNvPr id="92" name="二等辺三角形 91"/>
           <p:cNvSpPr/>
           <p:nvPr/>
         </p:nvSpPr>
@@ -16649,7 +18208,7 @@
       </p:sp>
       <p:sp>
         <p:nvSpPr>
-          <p:cNvPr id="107" name="二等辺三角形 106"/>
+          <p:cNvPr id="93" name="二等辺三角形 92"/>
           <p:cNvSpPr/>
           <p:nvPr/>
         </p:nvSpPr>
@@ -16694,14 +18253,14 @@
       </p:sp>
       <p:sp>
         <p:nvSpPr>
-          <p:cNvPr id="108" name="角丸四角形 107"/>
+          <p:cNvPr id="94" name="角丸四角形 93"/>
           <p:cNvSpPr/>
           <p:nvPr/>
         </p:nvSpPr>
         <p:spPr>
           <a:xfrm>
-            <a:off x="7239002" y="1121482"/>
-            <a:ext cx="864625" cy="299213"/>
+            <a:off x="7621284" y="1153142"/>
+            <a:ext cx="864625" cy="233094"/>
           </a:xfrm>
           <a:prstGeom prst="roundRect">
             <a:avLst/>
@@ -16734,7 +18293,7 @@
           <a:p>
             <a:pPr algn="ctr"/>
             <a:r>
-              <a:rPr lang="en-US" altLang="en-US" sz="1200" dirty="0" smtClean="0">
+              <a:rPr lang="en-US" altLang="en-US" sz="1000" dirty="0" smtClean="0">
                 <a:solidFill>
                   <a:schemeClr val="tx1"/>
                 </a:solidFill>
@@ -16744,7 +18303,7 @@
               </a:rPr>
               <a:t>リセット</a:t>
             </a:r>
-            <a:endParaRPr kumimoji="1" lang="ja-JP" altLang="en-US" sz="1200" dirty="0">
+            <a:endParaRPr kumimoji="1" lang="ja-JP" altLang="en-US" sz="1000" dirty="0">
               <a:solidFill>
                 <a:schemeClr val="tx1"/>
               </a:solidFill>
@@ -16757,7 +18316,7 @@
       </p:sp>
       <p:pic>
         <p:nvPicPr>
-          <p:cNvPr id="109" name="図 108" descr="trash.png"/>
+          <p:cNvPr id="95" name="図 94" descr="trash.png"/>
           <p:cNvPicPr>
             <a:picLocks noChangeAspect="1"/>
           </p:cNvPicPr>
@@ -16787,7 +18346,7 @@
       </p:pic>
       <p:pic>
         <p:nvPicPr>
-          <p:cNvPr id="110" name="図 109" descr="trash.png"/>
+          <p:cNvPr id="96" name="図 95" descr="trash.png"/>
           <p:cNvPicPr>
             <a:picLocks noChangeAspect="1"/>
           </p:cNvPicPr>
@@ -16817,7 +18376,7 @@
       </p:pic>
       <p:pic>
         <p:nvPicPr>
-          <p:cNvPr id="111" name="図 110" descr="trash.png"/>
+          <p:cNvPr id="97" name="図 96" descr="trash.png"/>
           <p:cNvPicPr>
             <a:picLocks noChangeAspect="1"/>
           </p:cNvPicPr>
@@ -16847,7 +18406,7 @@
       </p:pic>
       <p:pic>
         <p:nvPicPr>
-          <p:cNvPr id="112" name="図 111" descr="trash.png"/>
+          <p:cNvPr id="98" name="図 97" descr="trash.png"/>
           <p:cNvPicPr>
             <a:picLocks noChangeAspect="1"/>
           </p:cNvPicPr>
@@ -16877,7 +18436,7 @@
       </p:pic>
       <p:pic>
         <p:nvPicPr>
-          <p:cNvPr id="113" name="図 112" descr="trash.png"/>
+          <p:cNvPr id="99" name="図 98" descr="trash.png"/>
           <p:cNvPicPr>
             <a:picLocks noChangeAspect="1"/>
           </p:cNvPicPr>
@@ -16907,7 +18466,7 @@
       </p:pic>
       <p:pic>
         <p:nvPicPr>
-          <p:cNvPr id="114" name="図 113" descr="trash.png"/>
+          <p:cNvPr id="100" name="図 99" descr="trash.png"/>
           <p:cNvPicPr>
             <a:picLocks noChangeAspect="1"/>
           </p:cNvPicPr>
@@ -16937,7 +18496,7 @@
       </p:pic>
       <p:pic>
         <p:nvPicPr>
-          <p:cNvPr id="115" name="図 114" descr="trash.png"/>
+          <p:cNvPr id="101" name="図 100" descr="trash.png"/>
           <p:cNvPicPr>
             <a:picLocks noChangeAspect="1"/>
           </p:cNvPicPr>
@@ -16967,7 +18526,7 @@
       </p:pic>
       <p:pic>
         <p:nvPicPr>
-          <p:cNvPr id="116" name="図 115" descr="trash.png"/>
+          <p:cNvPr id="140" name="図 139" descr="trash.png"/>
           <p:cNvPicPr>
             <a:picLocks noChangeAspect="1"/>
           </p:cNvPicPr>
@@ -16997,7 +18556,7 @@
       </p:pic>
       <p:pic>
         <p:nvPicPr>
-          <p:cNvPr id="117" name="図 116" descr="trash.png"/>
+          <p:cNvPr id="141" name="図 140" descr="trash.png"/>
           <p:cNvPicPr>
             <a:picLocks noChangeAspect="1"/>
           </p:cNvPicPr>
@@ -17027,7 +18586,7 @@
       </p:pic>
       <p:pic>
         <p:nvPicPr>
-          <p:cNvPr id="118" name="図 117" descr="trash.png"/>
+          <p:cNvPr id="142" name="図 141" descr="trash.png"/>
           <p:cNvPicPr>
             <a:picLocks noChangeAspect="1"/>
           </p:cNvPicPr>
@@ -17055,170 +18614,185 @@
           </a:prstGeom>
         </p:spPr>
       </p:pic>
-      <p:sp>
-        <p:nvSpPr>
-          <p:cNvPr id="119" name="角丸四角形 118"/>
-          <p:cNvSpPr/>
-          <p:nvPr/>
-        </p:nvSpPr>
-        <p:spPr>
-          <a:xfrm>
-            <a:off x="4954166" y="1192639"/>
+      <p:grpSp>
+        <p:nvGrpSpPr>
+          <p:cNvPr id="143" name="図形グループ 142"/>
+          <p:cNvGrpSpPr/>
+          <p:nvPr/>
+        </p:nvGrpSpPr>
+        <p:grpSpPr>
+          <a:xfrm>
+            <a:off x="4388461" y="1192639"/>
             <a:ext cx="280240" cy="165946"/>
-          </a:xfrm>
-          <a:prstGeom prst="roundRect">
-            <a:avLst/>
-          </a:prstGeom>
-          <a:noFill/>
-          <a:ln w="25400">
-            <a:solidFill>
-              <a:schemeClr val="tx1"/>
-            </a:solidFill>
-          </a:ln>
-          <a:effectLst/>
-        </p:spPr>
-        <p:style>
-          <a:lnRef idx="1">
-            <a:schemeClr val="accent1"/>
-          </a:lnRef>
-          <a:fillRef idx="3">
-            <a:schemeClr val="accent1"/>
-          </a:fillRef>
-          <a:effectRef idx="2">
-            <a:schemeClr val="accent1"/>
-          </a:effectRef>
-          <a:fontRef idx="minor">
-            <a:schemeClr val="lt1"/>
-          </a:fontRef>
-        </p:style>
-        <p:txBody>
-          <a:bodyPr rtlCol="0" anchor="ctr"/>
-          <a:lstStyle/>
-          <a:p>
-            <a:pPr algn="ctr"/>
-            <a:endParaRPr kumimoji="1" lang="ja-JP" altLang="en-US" sz="800" dirty="0">
+            <a:chOff x="4954166" y="1192639"/>
+            <a:chExt cx="280240" cy="165946"/>
+          </a:xfrm>
+        </p:grpSpPr>
+        <p:sp>
+          <p:nvSpPr>
+            <p:cNvPr id="144" name="角丸四角形 143"/>
+            <p:cNvSpPr/>
+            <p:nvPr/>
+          </p:nvSpPr>
+          <p:spPr>
+            <a:xfrm>
+              <a:off x="4954166" y="1192639"/>
+              <a:ext cx="280240" cy="165946"/>
+            </a:xfrm>
+            <a:prstGeom prst="roundRect">
+              <a:avLst/>
+            </a:prstGeom>
+            <a:noFill/>
+            <a:ln w="25400">
               <a:solidFill>
                 <a:schemeClr val="tx1"/>
               </a:solidFill>
-            </a:endParaRPr>
-          </a:p>
-        </p:txBody>
-      </p:sp>
+            </a:ln>
+            <a:effectLst/>
+          </p:spPr>
+          <p:style>
+            <a:lnRef idx="1">
+              <a:schemeClr val="accent1"/>
+            </a:lnRef>
+            <a:fillRef idx="3">
+              <a:schemeClr val="accent1"/>
+            </a:fillRef>
+            <a:effectRef idx="2">
+              <a:schemeClr val="accent1"/>
+            </a:effectRef>
+            <a:fontRef idx="minor">
+              <a:schemeClr val="lt1"/>
+            </a:fontRef>
+          </p:style>
+          <p:txBody>
+            <a:bodyPr rtlCol="0" anchor="ctr"/>
+            <a:lstStyle/>
+            <a:p>
+              <a:pPr algn="ctr"/>
+              <a:endParaRPr kumimoji="1" lang="ja-JP" altLang="en-US" sz="800" dirty="0">
+                <a:solidFill>
+                  <a:schemeClr val="tx1"/>
+                </a:solidFill>
+              </a:endParaRPr>
+            </a:p>
+          </p:txBody>
+        </p:sp>
+        <p:cxnSp>
+          <p:nvCxnSpPr>
+            <p:cNvPr id="145" name="直線コネクタ 144"/>
+            <p:cNvCxnSpPr/>
+            <p:nvPr/>
+          </p:nvCxnSpPr>
+          <p:spPr>
+            <a:xfrm>
+              <a:off x="5001261" y="1238058"/>
+              <a:ext cx="181196" cy="0"/>
+            </a:xfrm>
+            <a:prstGeom prst="line">
+              <a:avLst/>
+            </a:prstGeom>
+            <a:ln w="3175">
+              <a:solidFill>
+                <a:schemeClr val="tx1"/>
+              </a:solidFill>
+            </a:ln>
+          </p:spPr>
+          <p:style>
+            <a:lnRef idx="2">
+              <a:schemeClr val="accent1"/>
+            </a:lnRef>
+            <a:fillRef idx="0">
+              <a:schemeClr val="accent1"/>
+            </a:fillRef>
+            <a:effectRef idx="1">
+              <a:schemeClr val="accent1"/>
+            </a:effectRef>
+            <a:fontRef idx="minor">
+              <a:schemeClr val="tx1"/>
+            </a:fontRef>
+          </p:style>
+        </p:cxnSp>
+        <p:cxnSp>
+          <p:nvCxnSpPr>
+            <p:cNvPr id="146" name="直線コネクタ 145"/>
+            <p:cNvCxnSpPr/>
+            <p:nvPr/>
+          </p:nvCxnSpPr>
+          <p:spPr>
+            <a:xfrm>
+              <a:off x="5001261" y="1277697"/>
+              <a:ext cx="181196" cy="0"/>
+            </a:xfrm>
+            <a:prstGeom prst="line">
+              <a:avLst/>
+            </a:prstGeom>
+            <a:ln w="3175">
+              <a:solidFill>
+                <a:schemeClr val="tx1"/>
+              </a:solidFill>
+            </a:ln>
+          </p:spPr>
+          <p:style>
+            <a:lnRef idx="2">
+              <a:schemeClr val="accent1"/>
+            </a:lnRef>
+            <a:fillRef idx="0">
+              <a:schemeClr val="accent1"/>
+            </a:fillRef>
+            <a:effectRef idx="1">
+              <a:schemeClr val="accent1"/>
+            </a:effectRef>
+            <a:fontRef idx="minor">
+              <a:schemeClr val="tx1"/>
+            </a:fontRef>
+          </p:style>
+        </p:cxnSp>
+        <p:cxnSp>
+          <p:nvCxnSpPr>
+            <p:cNvPr id="147" name="直線コネクタ 146"/>
+            <p:cNvCxnSpPr/>
+            <p:nvPr/>
+          </p:nvCxnSpPr>
+          <p:spPr>
+            <a:xfrm>
+              <a:off x="5003884" y="1310793"/>
+              <a:ext cx="181196" cy="0"/>
+            </a:xfrm>
+            <a:prstGeom prst="line">
+              <a:avLst/>
+            </a:prstGeom>
+            <a:ln w="3175">
+              <a:solidFill>
+                <a:schemeClr val="tx1"/>
+              </a:solidFill>
+            </a:ln>
+          </p:spPr>
+          <p:style>
+            <a:lnRef idx="2">
+              <a:schemeClr val="accent1"/>
+            </a:lnRef>
+            <a:fillRef idx="0">
+              <a:schemeClr val="accent1"/>
+            </a:fillRef>
+            <a:effectRef idx="1">
+              <a:schemeClr val="accent1"/>
+            </a:effectRef>
+            <a:fontRef idx="minor">
+              <a:schemeClr val="tx1"/>
+            </a:fontRef>
+          </p:style>
+        </p:cxnSp>
+      </p:grpSp>
       <p:cxnSp>
         <p:nvCxnSpPr>
-          <p:cNvPr id="120" name="直線コネクタ 119"/>
+          <p:cNvPr id="148" name="直線コネクタ 147"/>
           <p:cNvCxnSpPr/>
           <p:nvPr/>
         </p:nvCxnSpPr>
         <p:spPr>
           <a:xfrm>
-            <a:off x="5001261" y="1238058"/>
-            <a:ext cx="181196" cy="0"/>
-          </a:xfrm>
-          <a:prstGeom prst="line">
-            <a:avLst/>
-          </a:prstGeom>
-          <a:ln w="3175">
-            <a:solidFill>
-              <a:schemeClr val="tx1"/>
-            </a:solidFill>
-          </a:ln>
-        </p:spPr>
-        <p:style>
-          <a:lnRef idx="2">
-            <a:schemeClr val="accent1"/>
-          </a:lnRef>
-          <a:fillRef idx="0">
-            <a:schemeClr val="accent1"/>
-          </a:fillRef>
-          <a:effectRef idx="1">
-            <a:schemeClr val="accent1"/>
-          </a:effectRef>
-          <a:fontRef idx="minor">
-            <a:schemeClr val="tx1"/>
-          </a:fontRef>
-        </p:style>
-      </p:cxnSp>
-      <p:cxnSp>
-        <p:nvCxnSpPr>
-          <p:cNvPr id="121" name="直線コネクタ 120"/>
-          <p:cNvCxnSpPr/>
-          <p:nvPr/>
-        </p:nvCxnSpPr>
-        <p:spPr>
-          <a:xfrm>
-            <a:off x="5001261" y="1277697"/>
-            <a:ext cx="181196" cy="0"/>
-          </a:xfrm>
-          <a:prstGeom prst="line">
-            <a:avLst/>
-          </a:prstGeom>
-          <a:ln w="3175">
-            <a:solidFill>
-              <a:schemeClr val="tx1"/>
-            </a:solidFill>
-          </a:ln>
-        </p:spPr>
-        <p:style>
-          <a:lnRef idx="2">
-            <a:schemeClr val="accent1"/>
-          </a:lnRef>
-          <a:fillRef idx="0">
-            <a:schemeClr val="accent1"/>
-          </a:fillRef>
-          <a:effectRef idx="1">
-            <a:schemeClr val="accent1"/>
-          </a:effectRef>
-          <a:fontRef idx="minor">
-            <a:schemeClr val="tx1"/>
-          </a:fontRef>
-        </p:style>
-      </p:cxnSp>
-      <p:cxnSp>
-        <p:nvCxnSpPr>
-          <p:cNvPr id="122" name="直線コネクタ 121"/>
-          <p:cNvCxnSpPr/>
-          <p:nvPr/>
-        </p:nvCxnSpPr>
-        <p:spPr>
-          <a:xfrm>
-            <a:off x="5003884" y="1310793"/>
-            <a:ext cx="181196" cy="0"/>
-          </a:xfrm>
-          <a:prstGeom prst="line">
-            <a:avLst/>
-          </a:prstGeom>
-          <a:ln w="3175">
-            <a:solidFill>
-              <a:schemeClr val="tx1"/>
-            </a:solidFill>
-          </a:ln>
-        </p:spPr>
-        <p:style>
-          <a:lnRef idx="2">
-            <a:schemeClr val="accent1"/>
-          </a:lnRef>
-          <a:fillRef idx="0">
-            <a:schemeClr val="accent1"/>
-          </a:fillRef>
-          <a:effectRef idx="1">
-            <a:schemeClr val="accent1"/>
-          </a:effectRef>
-          <a:fontRef idx="minor">
-            <a:schemeClr val="tx1"/>
-          </a:fontRef>
-        </p:style>
-      </p:cxnSp>
-      <p:cxnSp>
-        <p:nvCxnSpPr>
-          <p:cNvPr id="123" name="直線コネクタ 122"/>
-          <p:cNvCxnSpPr/>
-          <p:nvPr/>
-        </p:nvCxnSpPr>
-        <p:spPr>
-          <a:xfrm>
-            <a:off x="923931" y="2034307"/>
-            <a:ext cx="7250251" cy="0"/>
+            <a:off x="658396" y="2034307"/>
+            <a:ext cx="7827513" cy="0"/>
           </a:xfrm>
           <a:prstGeom prst="line">
             <a:avLst/>
@@ -17249,14 +18823,14 @@
       </p:cxnSp>
       <p:sp>
         <p:nvSpPr>
-          <p:cNvPr id="124" name="テキスト ボックス 123"/>
+          <p:cNvPr id="149" name="テキスト ボックス 148"/>
           <p:cNvSpPr txBox="1"/>
           <p:nvPr/>
         </p:nvSpPr>
         <p:spPr>
           <a:xfrm>
-            <a:off x="890993" y="1659566"/>
-            <a:ext cx="646331" cy="276999"/>
+            <a:off x="590823" y="1671111"/>
+            <a:ext cx="569387" cy="246221"/>
           </a:xfrm>
           <a:prstGeom prst="rect">
             <a:avLst/>
@@ -17270,14 +18844,14 @@
           <a:lstStyle/>
           <a:p>
             <a:r>
-              <a:rPr kumimoji="1" lang="ja-JP" altLang="en-US" sz="1200" dirty="0" smtClean="0">
+              <a:rPr kumimoji="1" lang="ja-JP" altLang="en-US" sz="1000" dirty="0" smtClean="0">
                 <a:latin typeface="メイリオ"/>
                 <a:ea typeface="メイリオ"/>
                 <a:cs typeface="メイリオ"/>
               </a:rPr>
               <a:t>日付：</a:t>
             </a:r>
-            <a:endParaRPr kumimoji="1" lang="ja-JP" altLang="en-US" sz="1200" dirty="0">
+            <a:endParaRPr kumimoji="1" lang="ja-JP" altLang="en-US" sz="1000" dirty="0">
               <a:latin typeface="メイリオ"/>
               <a:ea typeface="メイリオ"/>
               <a:cs typeface="メイリオ"/>
@@ -17287,13 +18861,13 @@
       </p:sp>
       <p:sp>
         <p:nvSpPr>
-          <p:cNvPr id="125" name="角丸四角形 124"/>
+          <p:cNvPr id="150" name="角丸四角形 149"/>
           <p:cNvSpPr/>
           <p:nvPr/>
         </p:nvSpPr>
         <p:spPr>
           <a:xfrm>
-            <a:off x="1469168" y="1722329"/>
+            <a:off x="1099728" y="1722329"/>
             <a:ext cx="352321" cy="158766"/>
           </a:xfrm>
           <a:prstGeom prst="roundRect">
@@ -17332,13 +18906,13 @@
       </p:sp>
       <p:sp>
         <p:nvSpPr>
-          <p:cNvPr id="126" name="テキスト ボックス 125"/>
+          <p:cNvPr id="151" name="テキスト ボックス 150"/>
           <p:cNvSpPr txBox="1"/>
           <p:nvPr/>
         </p:nvSpPr>
         <p:spPr>
           <a:xfrm>
-            <a:off x="1786644" y="1659566"/>
+            <a:off x="1417204" y="1659566"/>
             <a:ext cx="338554" cy="276999"/>
           </a:xfrm>
           <a:prstGeom prst="rect">
@@ -17370,14 +18944,14 @@
       </p:sp>
       <p:sp>
         <p:nvSpPr>
-          <p:cNvPr id="127" name="テキスト ボックス 126"/>
+          <p:cNvPr id="152" name="テキスト ボックス 151"/>
           <p:cNvSpPr txBox="1"/>
           <p:nvPr/>
         </p:nvSpPr>
         <p:spPr>
           <a:xfrm>
-            <a:off x="2465123" y="1656944"/>
-            <a:ext cx="646331" cy="276999"/>
+            <a:off x="2107228" y="1668489"/>
+            <a:ext cx="569387" cy="246221"/>
           </a:xfrm>
           <a:prstGeom prst="rect">
             <a:avLst/>
@@ -17391,7 +18965,7 @@
           <a:lstStyle/>
           <a:p>
             <a:r>
-              <a:rPr lang="ja-JP" altLang="en-US" sz="1200" dirty="0" smtClean="0">
+              <a:rPr lang="ja-JP" altLang="en-US" sz="1000" dirty="0" smtClean="0">
                 <a:latin typeface="メイリオ"/>
                 <a:ea typeface="メイリオ"/>
                 <a:cs typeface="メイリオ"/>
@@ -17399,14 +18973,14 @@
               <a:t>内容</a:t>
             </a:r>
             <a:r>
-              <a:rPr kumimoji="1" lang="ja-JP" altLang="en-US" sz="1200" dirty="0" smtClean="0">
+              <a:rPr kumimoji="1" lang="ja-JP" altLang="en-US" sz="1000" dirty="0" smtClean="0">
                 <a:latin typeface="メイリオ"/>
                 <a:ea typeface="メイリオ"/>
                 <a:cs typeface="メイリオ"/>
               </a:rPr>
               <a:t>：</a:t>
             </a:r>
-            <a:endParaRPr kumimoji="1" lang="ja-JP" altLang="en-US" sz="1200" dirty="0">
+            <a:endParaRPr kumimoji="1" lang="ja-JP" altLang="en-US" sz="1000" dirty="0">
               <a:latin typeface="メイリオ"/>
               <a:ea typeface="メイリオ"/>
               <a:cs typeface="メイリオ"/>
@@ -17416,14 +18990,14 @@
       </p:sp>
       <p:sp>
         <p:nvSpPr>
-          <p:cNvPr id="128" name="角丸四角形 127"/>
+          <p:cNvPr id="153" name="角丸四角形 152"/>
           <p:cNvSpPr/>
           <p:nvPr/>
         </p:nvSpPr>
         <p:spPr>
           <a:xfrm>
-            <a:off x="3034657" y="1720187"/>
-            <a:ext cx="797002" cy="165946"/>
+            <a:off x="2607492" y="1720187"/>
+            <a:ext cx="536114" cy="149362"/>
           </a:xfrm>
           <a:prstGeom prst="roundRect">
             <a:avLst/>
@@ -17459,16 +19033,184 @@
           </a:p>
         </p:txBody>
       </p:sp>
-      <p:sp>
-        <p:nvSpPr>
-          <p:cNvPr id="129" name="角丸四角形 128"/>
+      <p:grpSp>
+        <p:nvGrpSpPr>
+          <p:cNvPr id="154" name="図形グループ 153"/>
+          <p:cNvGrpSpPr/>
+          <p:nvPr/>
+        </p:nvGrpSpPr>
+        <p:grpSpPr>
+          <a:xfrm>
+            <a:off x="3219724" y="1710865"/>
+            <a:ext cx="602185" cy="165865"/>
+            <a:chOff x="3681524" y="1722410"/>
+            <a:chExt cx="602185" cy="165865"/>
+          </a:xfrm>
+        </p:grpSpPr>
+        <p:sp>
+          <p:nvSpPr>
+            <p:cNvPr id="155" name="角丸四角形 154"/>
+            <p:cNvSpPr/>
+            <p:nvPr/>
+          </p:nvSpPr>
+          <p:spPr>
+            <a:xfrm>
+              <a:off x="3681524" y="1722410"/>
+              <a:ext cx="602185" cy="165865"/>
+            </a:xfrm>
+            <a:prstGeom prst="roundRect">
+              <a:avLst/>
+            </a:prstGeom>
+            <a:noFill/>
+            <a:ln w="25400">
+              <a:solidFill>
+                <a:schemeClr val="tx1"/>
+              </a:solidFill>
+            </a:ln>
+            <a:effectLst/>
+          </p:spPr>
+          <p:style>
+            <a:lnRef idx="1">
+              <a:schemeClr val="accent1"/>
+            </a:lnRef>
+            <a:fillRef idx="3">
+              <a:schemeClr val="accent1"/>
+            </a:fillRef>
+            <a:effectRef idx="2">
+              <a:schemeClr val="accent1"/>
+            </a:effectRef>
+            <a:fontRef idx="minor">
+              <a:schemeClr val="lt1"/>
+            </a:fontRef>
+          </p:style>
+          <p:txBody>
+            <a:bodyPr rtlCol="0" anchor="ctr"/>
+            <a:lstStyle/>
+            <a:p>
+              <a:r>
+                <a:rPr kumimoji="1" lang="ja-JP" altLang="en-US" sz="800" dirty="0" smtClean="0">
+                  <a:solidFill>
+                    <a:schemeClr val="tx1"/>
+                  </a:solidFill>
+                  <a:latin typeface="メイリオ"/>
+                  <a:ea typeface="メイリオ"/>
+                  <a:cs typeface="メイリオ"/>
+                </a:rPr>
+                <a:t>を含む</a:t>
+              </a:r>
+              <a:endParaRPr kumimoji="1" lang="ja-JP" altLang="en-US" sz="800" dirty="0">
+                <a:solidFill>
+                  <a:schemeClr val="tx1"/>
+                </a:solidFill>
+                <a:latin typeface="メイリオ"/>
+                <a:ea typeface="メイリオ"/>
+                <a:cs typeface="メイリオ"/>
+              </a:endParaRPr>
+            </a:p>
+          </p:txBody>
+        </p:sp>
+        <p:sp>
+          <p:nvSpPr>
+            <p:cNvPr id="156" name="二等辺三角形 155"/>
+            <p:cNvSpPr/>
+            <p:nvPr/>
+          </p:nvSpPr>
+          <p:spPr>
+            <a:xfrm rot="10800000">
+              <a:off x="4126021" y="1761549"/>
+              <a:ext cx="108000" cy="108000"/>
+            </a:xfrm>
+            <a:prstGeom prst="triangle">
+              <a:avLst/>
+            </a:prstGeom>
+            <a:solidFill>
+              <a:schemeClr val="tx1"/>
+            </a:solidFill>
+            <a:ln>
+              <a:noFill/>
+            </a:ln>
+            <a:effectLst/>
+          </p:spPr>
+          <p:style>
+            <a:lnRef idx="1">
+              <a:schemeClr val="accent1"/>
+            </a:lnRef>
+            <a:fillRef idx="3">
+              <a:schemeClr val="accent1"/>
+            </a:fillRef>
+            <a:effectRef idx="2">
+              <a:schemeClr val="accent1"/>
+            </a:effectRef>
+            <a:fontRef idx="minor">
+              <a:schemeClr val="lt1"/>
+            </a:fontRef>
+          </p:style>
+          <p:txBody>
+            <a:bodyPr rtlCol="0" anchor="ctr"/>
+            <a:lstStyle/>
+            <a:p>
+              <a:pPr algn="ctr"/>
+              <a:endParaRPr kumimoji="1" lang="ja-JP" altLang="en-US"/>
+            </a:p>
+          </p:txBody>
+        </p:sp>
+      </p:grpSp>
+      <p:sp>
+        <p:nvSpPr>
+          <p:cNvPr id="157" name="テキスト ボックス 156"/>
+          <p:cNvSpPr txBox="1"/>
+          <p:nvPr/>
+        </p:nvSpPr>
+        <p:spPr>
+          <a:xfrm>
+            <a:off x="3813143" y="1671715"/>
+            <a:ext cx="825867" cy="246221"/>
+          </a:xfrm>
+          <a:prstGeom prst="rect">
+            <a:avLst/>
+          </a:prstGeom>
+          <a:noFill/>
+        </p:spPr>
+        <p:txBody>
+          <a:bodyPr wrap="none" rtlCol="0">
+            <a:spAutoFit/>
+          </a:bodyPr>
+          <a:lstStyle/>
+          <a:p>
+            <a:r>
+              <a:rPr lang="ja-JP" altLang="en-US" sz="1000" dirty="0" smtClean="0">
+                <a:latin typeface="メイリオ"/>
+                <a:ea typeface="メイリオ"/>
+                <a:cs typeface="メイリオ"/>
+              </a:rPr>
+              <a:t>カテゴリ</a:t>
+            </a:r>
+            <a:r>
+              <a:rPr kumimoji="1" lang="ja-JP" altLang="en-US" sz="1000" dirty="0" smtClean="0">
+                <a:latin typeface="メイリオ"/>
+                <a:ea typeface="メイリオ"/>
+                <a:cs typeface="メイリオ"/>
+              </a:rPr>
+              <a:t>：</a:t>
+            </a:r>
+            <a:endParaRPr kumimoji="1" lang="ja-JP" altLang="en-US" sz="1000" dirty="0">
+              <a:latin typeface="メイリオ"/>
+              <a:ea typeface="メイリオ"/>
+              <a:cs typeface="メイリオ"/>
+            </a:endParaRPr>
+          </a:p>
+        </p:txBody>
+      </p:sp>
+      <p:sp>
+        <p:nvSpPr>
+          <p:cNvPr id="158" name="角丸四角形 157"/>
           <p:cNvSpPr/>
           <p:nvPr/>
         </p:nvSpPr>
         <p:spPr>
           <a:xfrm>
-            <a:off x="3877789" y="1722410"/>
-            <a:ext cx="602185" cy="165865"/>
+            <a:off x="4573905" y="1715149"/>
+            <a:ext cx="402504" cy="166902"/>
           </a:xfrm>
           <a:prstGeom prst="roundRect">
             <a:avLst/>
@@ -17499,112 +19241,50 @@
           <a:bodyPr rtlCol="0" anchor="ctr"/>
           <a:lstStyle/>
           <a:p>
-            <a:r>
-              <a:rPr kumimoji="1" lang="ja-JP" altLang="en-US" sz="800" dirty="0" smtClean="0">
-                <a:solidFill>
-                  <a:schemeClr val="tx1"/>
-                </a:solidFill>
+            <a:pPr algn="ctr"/>
+            <a:endParaRPr kumimoji="1" lang="ja-JP" altLang="en-US"/>
+          </a:p>
+        </p:txBody>
+      </p:sp>
+      <p:sp>
+        <p:nvSpPr>
+          <p:cNvPr id="159" name="テキスト ボックス 158"/>
+          <p:cNvSpPr txBox="1"/>
+          <p:nvPr/>
+        </p:nvSpPr>
+        <p:spPr>
+          <a:xfrm>
+            <a:off x="5303020" y="1672319"/>
+            <a:ext cx="569387" cy="246221"/>
+          </a:xfrm>
+          <a:prstGeom prst="rect">
+            <a:avLst/>
+          </a:prstGeom>
+          <a:noFill/>
+        </p:spPr>
+        <p:txBody>
+          <a:bodyPr wrap="none" rtlCol="0">
+            <a:spAutoFit/>
+          </a:bodyPr>
+          <a:lstStyle/>
+          <a:p>
+            <a:r>
+              <a:rPr lang="ja-JP" altLang="en-US" sz="1000" dirty="0" smtClean="0">
                 <a:latin typeface="メイリオ"/>
                 <a:ea typeface="メイリオ"/>
                 <a:cs typeface="メイリオ"/>
               </a:rPr>
-              <a:t>を含む</a:t>
-            </a:r>
-            <a:endParaRPr kumimoji="1" lang="ja-JP" altLang="en-US" sz="800" dirty="0">
-              <a:solidFill>
-                <a:schemeClr val="tx1"/>
-              </a:solidFill>
-              <a:latin typeface="メイリオ"/>
-              <a:ea typeface="メイリオ"/>
-              <a:cs typeface="メイリオ"/>
-            </a:endParaRPr>
-          </a:p>
-        </p:txBody>
-      </p:sp>
-      <p:sp>
-        <p:nvSpPr>
-          <p:cNvPr id="130" name="二等辺三角形 129"/>
-          <p:cNvSpPr/>
-          <p:nvPr/>
-        </p:nvSpPr>
-        <p:spPr>
-          <a:xfrm rot="10800000">
-            <a:off x="4322286" y="1761549"/>
-            <a:ext cx="108000" cy="108000"/>
-          </a:xfrm>
-          <a:prstGeom prst="triangle">
-            <a:avLst/>
-          </a:prstGeom>
-          <a:solidFill>
-            <a:schemeClr val="tx1"/>
-          </a:solidFill>
-          <a:ln>
-            <a:noFill/>
-          </a:ln>
-          <a:effectLst/>
-        </p:spPr>
-        <p:style>
-          <a:lnRef idx="1">
-            <a:schemeClr val="accent1"/>
-          </a:lnRef>
-          <a:fillRef idx="3">
-            <a:schemeClr val="accent1"/>
-          </a:fillRef>
-          <a:effectRef idx="2">
-            <a:schemeClr val="accent1"/>
-          </a:effectRef>
-          <a:fontRef idx="minor">
-            <a:schemeClr val="lt1"/>
-          </a:fontRef>
-        </p:style>
-        <p:txBody>
-          <a:bodyPr rtlCol="0" anchor="ctr"/>
-          <a:lstStyle/>
-          <a:p>
-            <a:pPr algn="ctr"/>
-            <a:endParaRPr kumimoji="1" lang="ja-JP" altLang="en-US"/>
-          </a:p>
-        </p:txBody>
-      </p:sp>
-      <p:sp>
-        <p:nvSpPr>
-          <p:cNvPr id="131" name="テキスト ボックス 130"/>
-          <p:cNvSpPr txBox="1"/>
-          <p:nvPr/>
-        </p:nvSpPr>
-        <p:spPr>
-          <a:xfrm>
-            <a:off x="4494298" y="1660170"/>
-            <a:ext cx="954107" cy="276999"/>
-          </a:xfrm>
-          <a:prstGeom prst="rect">
-            <a:avLst/>
-          </a:prstGeom>
-          <a:noFill/>
-        </p:spPr>
-        <p:txBody>
-          <a:bodyPr wrap="none" rtlCol="0">
-            <a:spAutoFit/>
-          </a:bodyPr>
-          <a:lstStyle/>
-          <a:p>
-            <a:r>
-              <a:rPr lang="ja-JP" altLang="en-US" sz="1200" dirty="0" smtClean="0">
-                <a:latin typeface="メイリオ"/>
-                <a:ea typeface="メイリオ"/>
-                <a:cs typeface="メイリオ"/>
-              </a:rPr>
-              <a:t>カテゴリ</a:t>
-            </a:r>
-            <a:r>
-              <a:rPr kumimoji="1" lang="ja-JP" altLang="en-US" sz="1200" dirty="0" smtClean="0">
+              <a:t>金額</a:t>
+            </a:r>
+            <a:r>
+              <a:rPr kumimoji="1" lang="ja-JP" altLang="en-US" sz="1000" dirty="0" smtClean="0">
                 <a:latin typeface="メイリオ"/>
                 <a:ea typeface="メイリオ"/>
                 <a:cs typeface="メイリオ"/>
               </a:rPr>
               <a:t>：</a:t>
             </a:r>
-            <a:endParaRPr kumimoji="1" lang="ja-JP" altLang="en-US" sz="1200" dirty="0">
+            <a:endParaRPr kumimoji="1" lang="ja-JP" altLang="en-US" sz="1000" dirty="0">
               <a:latin typeface="メイリオ"/>
               <a:ea typeface="メイリオ"/>
               <a:cs typeface="メイリオ"/>
@@ -17614,14 +19294,14 @@
       </p:sp>
       <p:sp>
         <p:nvSpPr>
-          <p:cNvPr id="132" name="角丸四角形 131"/>
+          <p:cNvPr id="160" name="角丸四角形 159"/>
           <p:cNvSpPr/>
           <p:nvPr/>
         </p:nvSpPr>
         <p:spPr>
           <a:xfrm>
-            <a:off x="5370510" y="1715149"/>
-            <a:ext cx="560480" cy="165946"/>
+            <a:off x="1741308" y="1715007"/>
+            <a:ext cx="352321" cy="158766"/>
           </a:xfrm>
           <a:prstGeom prst="roundRect">
             <a:avLst/>
@@ -17659,59 +19339,13 @@
       </p:sp>
       <p:sp>
         <p:nvSpPr>
-          <p:cNvPr id="133" name="テキスト ボックス 132"/>
-          <p:cNvSpPr txBox="1"/>
-          <p:nvPr/>
-        </p:nvSpPr>
-        <p:spPr>
-          <a:xfrm>
-            <a:off x="5949540" y="1649229"/>
-            <a:ext cx="646331" cy="276999"/>
-          </a:xfrm>
-          <a:prstGeom prst="rect">
-            <a:avLst/>
-          </a:prstGeom>
-          <a:noFill/>
-        </p:spPr>
-        <p:txBody>
-          <a:bodyPr wrap="none" rtlCol="0">
-            <a:spAutoFit/>
-          </a:bodyPr>
-          <a:lstStyle/>
-          <a:p>
-            <a:r>
-              <a:rPr lang="ja-JP" altLang="en-US" sz="1200" dirty="0" smtClean="0">
-                <a:latin typeface="メイリオ"/>
-                <a:ea typeface="メイリオ"/>
-                <a:cs typeface="メイリオ"/>
-              </a:rPr>
-              <a:t>金額</a:t>
-            </a:r>
-            <a:r>
-              <a:rPr kumimoji="1" lang="ja-JP" altLang="en-US" sz="1200" dirty="0" smtClean="0">
-                <a:latin typeface="メイリオ"/>
-                <a:ea typeface="メイリオ"/>
-                <a:cs typeface="メイリオ"/>
-              </a:rPr>
-              <a:t>：</a:t>
-            </a:r>
-            <a:endParaRPr kumimoji="1" lang="ja-JP" altLang="en-US" sz="1200" dirty="0">
-              <a:latin typeface="メイリオ"/>
-              <a:ea typeface="メイリオ"/>
-              <a:cs typeface="メイリオ"/>
-            </a:endParaRPr>
-          </a:p>
-        </p:txBody>
-      </p:sp>
-      <p:sp>
-        <p:nvSpPr>
-          <p:cNvPr id="134" name="角丸四角形 133"/>
+          <p:cNvPr id="161" name="角丸四角形 160"/>
           <p:cNvSpPr/>
           <p:nvPr/>
         </p:nvSpPr>
         <p:spPr>
           <a:xfrm>
-            <a:off x="2087658" y="1715007"/>
+            <a:off x="5797831" y="1723285"/>
             <a:ext cx="352321" cy="158766"/>
           </a:xfrm>
           <a:prstGeom prst="roundRect">
@@ -17750,13 +19384,51 @@
       </p:sp>
       <p:sp>
         <p:nvSpPr>
-          <p:cNvPr id="135" name="角丸四角形 134"/>
+          <p:cNvPr id="162" name="テキスト ボックス 161"/>
+          <p:cNvSpPr txBox="1"/>
+          <p:nvPr/>
+        </p:nvSpPr>
+        <p:spPr>
+          <a:xfrm>
+            <a:off x="6115307" y="1660522"/>
+            <a:ext cx="338554" cy="276999"/>
+          </a:xfrm>
+          <a:prstGeom prst="rect">
+            <a:avLst/>
+          </a:prstGeom>
+          <a:noFill/>
+        </p:spPr>
+        <p:txBody>
+          <a:bodyPr wrap="none" rtlCol="0">
+            <a:spAutoFit/>
+          </a:bodyPr>
+          <a:lstStyle/>
+          <a:p>
+            <a:r>
+              <a:rPr lang="en-US" altLang="en-US" sz="1200" dirty="0" smtClean="0">
+                <a:latin typeface="メイリオ"/>
+                <a:ea typeface="メイリオ"/>
+                <a:cs typeface="メイリオ"/>
+              </a:rPr>
+              <a:t>〜</a:t>
+            </a:r>
+            <a:endParaRPr kumimoji="1" lang="ja-JP" altLang="en-US" sz="1200" dirty="0">
+              <a:latin typeface="メイリオ"/>
+              <a:ea typeface="メイリオ"/>
+              <a:cs typeface="メイリオ"/>
+            </a:endParaRPr>
+          </a:p>
+        </p:txBody>
+      </p:sp>
+      <p:sp>
+        <p:nvSpPr>
+          <p:cNvPr id="163" name="角丸四角形 162"/>
           <p:cNvSpPr/>
           <p:nvPr/>
         </p:nvSpPr>
         <p:spPr>
           <a:xfrm>
-            <a:off x="6513621" y="1723285"/>
+            <a:off x="6416321" y="1715963"/>
             <a:ext cx="352321" cy="158766"/>
           </a:xfrm>
           <a:prstGeom prst="roundRect">
@@ -17795,52 +19467,14 @@
       </p:sp>
       <p:sp>
         <p:nvSpPr>
-          <p:cNvPr id="136" name="テキスト ボックス 135"/>
-          <p:cNvSpPr txBox="1"/>
-          <p:nvPr/>
-        </p:nvSpPr>
-        <p:spPr>
-          <a:xfrm>
-            <a:off x="6831097" y="1660522"/>
-            <a:ext cx="338554" cy="276999"/>
-          </a:xfrm>
-          <a:prstGeom prst="rect">
-            <a:avLst/>
-          </a:prstGeom>
-          <a:noFill/>
-        </p:spPr>
-        <p:txBody>
-          <a:bodyPr wrap="none" rtlCol="0">
-            <a:spAutoFit/>
-          </a:bodyPr>
-          <a:lstStyle/>
-          <a:p>
-            <a:r>
-              <a:rPr lang="en-US" altLang="en-US" sz="1200" dirty="0" smtClean="0">
-                <a:latin typeface="メイリオ"/>
-                <a:ea typeface="メイリオ"/>
-                <a:cs typeface="メイリオ"/>
-              </a:rPr>
-              <a:t>〜</a:t>
-            </a:r>
-            <a:endParaRPr kumimoji="1" lang="ja-JP" altLang="en-US" sz="1200" dirty="0">
-              <a:latin typeface="メイリオ"/>
-              <a:ea typeface="メイリオ"/>
-              <a:cs typeface="メイリオ"/>
-            </a:endParaRPr>
-          </a:p>
-        </p:txBody>
-      </p:sp>
-      <p:sp>
-        <p:nvSpPr>
-          <p:cNvPr id="137" name="角丸四角形 136"/>
+          <p:cNvPr id="164" name="角丸四角形 163"/>
           <p:cNvSpPr/>
           <p:nvPr/>
         </p:nvSpPr>
         <p:spPr>
           <a:xfrm>
-            <a:off x="7132111" y="1715963"/>
-            <a:ext cx="352321" cy="158766"/>
+            <a:off x="7931715" y="1685552"/>
+            <a:ext cx="529807" cy="231780"/>
           </a:xfrm>
           <a:prstGeom prst="roundRect">
             <a:avLst/>
@@ -17872,53 +19506,8 @@
           <a:lstStyle/>
           <a:p>
             <a:pPr algn="ctr"/>
-            <a:endParaRPr kumimoji="1" lang="ja-JP" altLang="en-US"/>
-          </a:p>
-        </p:txBody>
-      </p:sp>
-      <p:sp>
-        <p:nvSpPr>
-          <p:cNvPr id="138" name="角丸四角形 137"/>
-          <p:cNvSpPr/>
-          <p:nvPr/>
-        </p:nvSpPr>
-        <p:spPr>
-          <a:xfrm>
-            <a:off x="7553038" y="1639397"/>
-            <a:ext cx="550589" cy="299213"/>
-          </a:xfrm>
-          <a:prstGeom prst="roundRect">
-            <a:avLst/>
-          </a:prstGeom>
-          <a:noFill/>
-          <a:ln w="25400">
-            <a:solidFill>
-              <a:schemeClr val="tx1"/>
-            </a:solidFill>
-          </a:ln>
-          <a:effectLst/>
-        </p:spPr>
-        <p:style>
-          <a:lnRef idx="1">
-            <a:schemeClr val="accent1"/>
-          </a:lnRef>
-          <a:fillRef idx="3">
-            <a:schemeClr val="accent1"/>
-          </a:fillRef>
-          <a:effectRef idx="2">
-            <a:schemeClr val="accent1"/>
-          </a:effectRef>
-          <a:fontRef idx="minor">
-            <a:schemeClr val="lt1"/>
-          </a:fontRef>
-        </p:style>
-        <p:txBody>
-          <a:bodyPr rtlCol="0" anchor="ctr"/>
-          <a:lstStyle/>
-          <a:p>
-            <a:pPr algn="ctr"/>
-            <a:r>
-              <a:rPr lang="ja-JP" altLang="en-US" sz="1200" dirty="0" smtClean="0">
+            <a:r>
+              <a:rPr lang="ja-JP" altLang="en-US" sz="1000" dirty="0" smtClean="0">
                 <a:solidFill>
                   <a:schemeClr val="tx1"/>
                 </a:solidFill>
@@ -17928,7 +19517,7 @@
               </a:rPr>
               <a:t>検索</a:t>
             </a:r>
-            <a:endParaRPr kumimoji="1" lang="ja-JP" altLang="en-US" sz="1200" dirty="0">
+            <a:endParaRPr kumimoji="1" lang="ja-JP" altLang="en-US" sz="1000" dirty="0">
               <a:solidFill>
                 <a:schemeClr val="tx1"/>
               </a:solidFill>
@@ -17939,16 +19528,517 @@
           </a:p>
         </p:txBody>
       </p:sp>
-      <p:sp>
-        <p:nvSpPr>
-          <p:cNvPr id="139" name="正方形/長方形 138"/>
+      <p:grpSp>
+        <p:nvGrpSpPr>
+          <p:cNvPr id="165" name="図形グループ 164"/>
+          <p:cNvGrpSpPr/>
+          <p:nvPr/>
+        </p:nvGrpSpPr>
+        <p:grpSpPr>
+          <a:xfrm>
+            <a:off x="5017501" y="1715007"/>
+            <a:ext cx="280240" cy="165946"/>
+            <a:chOff x="4954166" y="1192639"/>
+            <a:chExt cx="280240" cy="165946"/>
+          </a:xfrm>
+        </p:grpSpPr>
+        <p:sp>
+          <p:nvSpPr>
+            <p:cNvPr id="166" name="角丸四角形 165"/>
+            <p:cNvSpPr/>
+            <p:nvPr/>
+          </p:nvSpPr>
+          <p:spPr>
+            <a:xfrm>
+              <a:off x="4954166" y="1192639"/>
+              <a:ext cx="280240" cy="165946"/>
+            </a:xfrm>
+            <a:prstGeom prst="roundRect">
+              <a:avLst/>
+            </a:prstGeom>
+            <a:noFill/>
+            <a:ln w="25400">
+              <a:solidFill>
+                <a:schemeClr val="tx1"/>
+              </a:solidFill>
+            </a:ln>
+            <a:effectLst/>
+          </p:spPr>
+          <p:style>
+            <a:lnRef idx="1">
+              <a:schemeClr val="accent1"/>
+            </a:lnRef>
+            <a:fillRef idx="3">
+              <a:schemeClr val="accent1"/>
+            </a:fillRef>
+            <a:effectRef idx="2">
+              <a:schemeClr val="accent1"/>
+            </a:effectRef>
+            <a:fontRef idx="minor">
+              <a:schemeClr val="lt1"/>
+            </a:fontRef>
+          </p:style>
+          <p:txBody>
+            <a:bodyPr rtlCol="0" anchor="ctr"/>
+            <a:lstStyle/>
+            <a:p>
+              <a:pPr algn="ctr"/>
+              <a:endParaRPr kumimoji="1" lang="ja-JP" altLang="en-US" sz="800" dirty="0">
+                <a:solidFill>
+                  <a:schemeClr val="tx1"/>
+                </a:solidFill>
+              </a:endParaRPr>
+            </a:p>
+          </p:txBody>
+        </p:sp>
+        <p:cxnSp>
+          <p:nvCxnSpPr>
+            <p:cNvPr id="167" name="直線コネクタ 166"/>
+            <p:cNvCxnSpPr/>
+            <p:nvPr/>
+          </p:nvCxnSpPr>
+          <p:spPr>
+            <a:xfrm>
+              <a:off x="5001261" y="1238058"/>
+              <a:ext cx="181196" cy="0"/>
+            </a:xfrm>
+            <a:prstGeom prst="line">
+              <a:avLst/>
+            </a:prstGeom>
+            <a:ln w="3175">
+              <a:solidFill>
+                <a:schemeClr val="tx1"/>
+              </a:solidFill>
+            </a:ln>
+          </p:spPr>
+          <p:style>
+            <a:lnRef idx="2">
+              <a:schemeClr val="accent1"/>
+            </a:lnRef>
+            <a:fillRef idx="0">
+              <a:schemeClr val="accent1"/>
+            </a:fillRef>
+            <a:effectRef idx="1">
+              <a:schemeClr val="accent1"/>
+            </a:effectRef>
+            <a:fontRef idx="minor">
+              <a:schemeClr val="tx1"/>
+            </a:fontRef>
+          </p:style>
+        </p:cxnSp>
+        <p:cxnSp>
+          <p:nvCxnSpPr>
+            <p:cNvPr id="168" name="直線コネクタ 167"/>
+            <p:cNvCxnSpPr/>
+            <p:nvPr/>
+          </p:nvCxnSpPr>
+          <p:spPr>
+            <a:xfrm>
+              <a:off x="5001261" y="1277697"/>
+              <a:ext cx="181196" cy="0"/>
+            </a:xfrm>
+            <a:prstGeom prst="line">
+              <a:avLst/>
+            </a:prstGeom>
+            <a:ln w="3175">
+              <a:solidFill>
+                <a:schemeClr val="tx1"/>
+              </a:solidFill>
+            </a:ln>
+          </p:spPr>
+          <p:style>
+            <a:lnRef idx="2">
+              <a:schemeClr val="accent1"/>
+            </a:lnRef>
+            <a:fillRef idx="0">
+              <a:schemeClr val="accent1"/>
+            </a:fillRef>
+            <a:effectRef idx="1">
+              <a:schemeClr val="accent1"/>
+            </a:effectRef>
+            <a:fontRef idx="minor">
+              <a:schemeClr val="tx1"/>
+            </a:fontRef>
+          </p:style>
+        </p:cxnSp>
+        <p:cxnSp>
+          <p:nvCxnSpPr>
+            <p:cNvPr id="169" name="直線コネクタ 168"/>
+            <p:cNvCxnSpPr/>
+            <p:nvPr/>
+          </p:nvCxnSpPr>
+          <p:spPr>
+            <a:xfrm>
+              <a:off x="5003884" y="1310793"/>
+              <a:ext cx="181196" cy="0"/>
+            </a:xfrm>
+            <a:prstGeom prst="line">
+              <a:avLst/>
+            </a:prstGeom>
+            <a:ln w="3175">
+              <a:solidFill>
+                <a:schemeClr val="tx1"/>
+              </a:solidFill>
+            </a:ln>
+          </p:spPr>
+          <p:style>
+            <a:lnRef idx="2">
+              <a:schemeClr val="accent1"/>
+            </a:lnRef>
+            <a:fillRef idx="0">
+              <a:schemeClr val="accent1"/>
+            </a:fillRef>
+            <a:effectRef idx="1">
+              <a:schemeClr val="accent1"/>
+            </a:effectRef>
+            <a:fontRef idx="minor">
+              <a:schemeClr val="tx1"/>
+            </a:fontRef>
+          </p:style>
+        </p:cxnSp>
+      </p:grpSp>
+      <p:sp>
+        <p:nvSpPr>
+          <p:cNvPr id="170" name="テキスト ボックス 169"/>
+          <p:cNvSpPr txBox="1"/>
+          <p:nvPr/>
+        </p:nvSpPr>
+        <p:spPr>
+          <a:xfrm>
+            <a:off x="5772888" y="1141779"/>
+            <a:ext cx="441146" cy="246221"/>
+          </a:xfrm>
+          <a:prstGeom prst="rect">
+            <a:avLst/>
+          </a:prstGeom>
+          <a:noFill/>
+        </p:spPr>
+        <p:txBody>
+          <a:bodyPr wrap="none" rtlCol="0">
+            <a:spAutoFit/>
+          </a:bodyPr>
+          <a:lstStyle/>
+          <a:p>
+            <a:r>
+              <a:rPr lang="en-US" altLang="en-US" sz="1000" dirty="0" smtClean="0">
+                <a:latin typeface="メイリオ"/>
+                <a:ea typeface="メイリオ"/>
+                <a:cs typeface="メイリオ"/>
+              </a:rPr>
+              <a:t>収入</a:t>
+            </a:r>
+            <a:endParaRPr kumimoji="1" lang="ja-JP" altLang="en-US" sz="1000" dirty="0">
+              <a:latin typeface="メイリオ"/>
+              <a:ea typeface="メイリオ"/>
+              <a:cs typeface="メイリオ"/>
+            </a:endParaRPr>
+          </a:p>
+        </p:txBody>
+      </p:sp>
+      <p:sp>
+        <p:nvSpPr>
+          <p:cNvPr id="171" name="テキスト ボックス 170"/>
+          <p:cNvSpPr txBox="1"/>
+          <p:nvPr/>
+        </p:nvSpPr>
+        <p:spPr>
+          <a:xfrm>
+            <a:off x="6327496" y="1133027"/>
+            <a:ext cx="441146" cy="246221"/>
+          </a:xfrm>
+          <a:prstGeom prst="rect">
+            <a:avLst/>
+          </a:prstGeom>
+          <a:noFill/>
+        </p:spPr>
+        <p:txBody>
+          <a:bodyPr wrap="none" rtlCol="0">
+            <a:spAutoFit/>
+          </a:bodyPr>
+          <a:lstStyle/>
+          <a:p>
+            <a:r>
+              <a:rPr lang="ja-JP" altLang="en-US" sz="1000" dirty="0" smtClean="0">
+                <a:latin typeface="メイリオ"/>
+                <a:ea typeface="メイリオ"/>
+                <a:cs typeface="メイリオ"/>
+              </a:rPr>
+              <a:t>支出</a:t>
+            </a:r>
+            <a:endParaRPr kumimoji="1" lang="ja-JP" altLang="en-US" sz="1000" dirty="0">
+              <a:latin typeface="メイリオ"/>
+              <a:ea typeface="メイリオ"/>
+              <a:cs typeface="メイリオ"/>
+            </a:endParaRPr>
+          </a:p>
+        </p:txBody>
+      </p:sp>
+      <p:sp>
+        <p:nvSpPr>
+          <p:cNvPr id="172" name="円/楕円 171"/>
           <p:cNvSpPr/>
           <p:nvPr/>
         </p:nvSpPr>
         <p:spPr>
-          <a:xfrm>
-            <a:off x="785584" y="937497"/>
-            <a:ext cx="7575640" cy="5541817"/>
+          <a:xfrm flipH="1">
+            <a:off x="6164699" y="1187777"/>
+            <a:ext cx="162796" cy="157651"/>
+          </a:xfrm>
+          <a:prstGeom prst="ellipse">
+            <a:avLst/>
+          </a:prstGeom>
+          <a:noFill/>
+          <a:ln w="38100">
+            <a:solidFill>
+              <a:schemeClr val="tx1"/>
+            </a:solidFill>
+          </a:ln>
+          <a:effectLst/>
+        </p:spPr>
+        <p:style>
+          <a:lnRef idx="1">
+            <a:schemeClr val="accent1"/>
+          </a:lnRef>
+          <a:fillRef idx="3">
+            <a:schemeClr val="accent1"/>
+          </a:fillRef>
+          <a:effectRef idx="2">
+            <a:schemeClr val="accent1"/>
+          </a:effectRef>
+          <a:fontRef idx="minor">
+            <a:schemeClr val="lt1"/>
+          </a:fontRef>
+        </p:style>
+        <p:txBody>
+          <a:bodyPr rtlCol="0" anchor="ctr"/>
+          <a:lstStyle/>
+          <a:p>
+            <a:pPr algn="ctr"/>
+            <a:endParaRPr kumimoji="1" lang="ja-JP" altLang="en-US"/>
+          </a:p>
+        </p:txBody>
+      </p:sp>
+      <p:sp>
+        <p:nvSpPr>
+          <p:cNvPr id="173" name="円/楕円 172"/>
+          <p:cNvSpPr/>
+          <p:nvPr/>
+        </p:nvSpPr>
+        <p:spPr>
+          <a:xfrm flipH="1">
+            <a:off x="6734007" y="1190624"/>
+            <a:ext cx="162796" cy="157651"/>
+          </a:xfrm>
+          <a:prstGeom prst="ellipse">
+            <a:avLst/>
+          </a:prstGeom>
+          <a:noFill/>
+          <a:ln w="38100">
+            <a:solidFill>
+              <a:schemeClr val="tx1"/>
+            </a:solidFill>
+          </a:ln>
+          <a:effectLst/>
+        </p:spPr>
+        <p:style>
+          <a:lnRef idx="1">
+            <a:schemeClr val="accent1"/>
+          </a:lnRef>
+          <a:fillRef idx="3">
+            <a:schemeClr val="accent1"/>
+          </a:fillRef>
+          <a:effectRef idx="2">
+            <a:schemeClr val="accent1"/>
+          </a:effectRef>
+          <a:fontRef idx="minor">
+            <a:schemeClr val="lt1"/>
+          </a:fontRef>
+        </p:style>
+        <p:txBody>
+          <a:bodyPr rtlCol="0" anchor="ctr"/>
+          <a:lstStyle/>
+          <a:p>
+            <a:pPr algn="ctr"/>
+            <a:endParaRPr kumimoji="1" lang="ja-JP" altLang="en-US"/>
+          </a:p>
+        </p:txBody>
+      </p:sp>
+      <p:sp>
+        <p:nvSpPr>
+          <p:cNvPr id="174" name="テキスト ボックス 173"/>
+          <p:cNvSpPr txBox="1"/>
+          <p:nvPr/>
+        </p:nvSpPr>
+        <p:spPr>
+          <a:xfrm>
+            <a:off x="6753316" y="1665409"/>
+            <a:ext cx="441146" cy="246221"/>
+          </a:xfrm>
+          <a:prstGeom prst="rect">
+            <a:avLst/>
+          </a:prstGeom>
+          <a:noFill/>
+        </p:spPr>
+        <p:txBody>
+          <a:bodyPr wrap="none" rtlCol="0">
+            <a:spAutoFit/>
+          </a:bodyPr>
+          <a:lstStyle/>
+          <a:p>
+            <a:r>
+              <a:rPr lang="en-US" altLang="en-US" sz="1000" dirty="0" smtClean="0">
+                <a:latin typeface="メイリオ"/>
+                <a:ea typeface="メイリオ"/>
+                <a:cs typeface="メイリオ"/>
+              </a:rPr>
+              <a:t>収入</a:t>
+            </a:r>
+            <a:endParaRPr kumimoji="1" lang="ja-JP" altLang="en-US" sz="1000" dirty="0">
+              <a:latin typeface="メイリオ"/>
+              <a:ea typeface="メイリオ"/>
+              <a:cs typeface="メイリオ"/>
+            </a:endParaRPr>
+          </a:p>
+        </p:txBody>
+      </p:sp>
+      <p:sp>
+        <p:nvSpPr>
+          <p:cNvPr id="175" name="テキスト ボックス 174"/>
+          <p:cNvSpPr txBox="1"/>
+          <p:nvPr/>
+        </p:nvSpPr>
+        <p:spPr>
+          <a:xfrm>
+            <a:off x="7307924" y="1656657"/>
+            <a:ext cx="441146" cy="246221"/>
+          </a:xfrm>
+          <a:prstGeom prst="rect">
+            <a:avLst/>
+          </a:prstGeom>
+          <a:noFill/>
+        </p:spPr>
+        <p:txBody>
+          <a:bodyPr wrap="none" rtlCol="0">
+            <a:spAutoFit/>
+          </a:bodyPr>
+          <a:lstStyle/>
+          <a:p>
+            <a:r>
+              <a:rPr lang="ja-JP" altLang="en-US" sz="1000" dirty="0" smtClean="0">
+                <a:latin typeface="メイリオ"/>
+                <a:ea typeface="メイリオ"/>
+                <a:cs typeface="メイリオ"/>
+              </a:rPr>
+              <a:t>支出</a:t>
+            </a:r>
+            <a:endParaRPr kumimoji="1" lang="ja-JP" altLang="en-US" sz="1000" dirty="0">
+              <a:latin typeface="メイリオ"/>
+              <a:ea typeface="メイリオ"/>
+              <a:cs typeface="メイリオ"/>
+            </a:endParaRPr>
+          </a:p>
+        </p:txBody>
+      </p:sp>
+      <p:sp>
+        <p:nvSpPr>
+          <p:cNvPr id="176" name="円/楕円 175"/>
+          <p:cNvSpPr/>
+          <p:nvPr/>
+        </p:nvSpPr>
+        <p:spPr>
+          <a:xfrm flipH="1">
+            <a:off x="7145127" y="1711407"/>
+            <a:ext cx="162796" cy="157651"/>
+          </a:xfrm>
+          <a:prstGeom prst="ellipse">
+            <a:avLst/>
+          </a:prstGeom>
+          <a:noFill/>
+          <a:ln w="38100">
+            <a:solidFill>
+              <a:schemeClr val="tx1"/>
+            </a:solidFill>
+          </a:ln>
+          <a:effectLst/>
+        </p:spPr>
+        <p:style>
+          <a:lnRef idx="1">
+            <a:schemeClr val="accent1"/>
+          </a:lnRef>
+          <a:fillRef idx="3">
+            <a:schemeClr val="accent1"/>
+          </a:fillRef>
+          <a:effectRef idx="2">
+            <a:schemeClr val="accent1"/>
+          </a:effectRef>
+          <a:fontRef idx="minor">
+            <a:schemeClr val="lt1"/>
+          </a:fontRef>
+        </p:style>
+        <p:txBody>
+          <a:bodyPr rtlCol="0" anchor="ctr"/>
+          <a:lstStyle/>
+          <a:p>
+            <a:pPr algn="ctr"/>
+            <a:endParaRPr kumimoji="1" lang="ja-JP" altLang="en-US"/>
+          </a:p>
+        </p:txBody>
+      </p:sp>
+      <p:sp>
+        <p:nvSpPr>
+          <p:cNvPr id="177" name="円/楕円 176"/>
+          <p:cNvSpPr/>
+          <p:nvPr/>
+        </p:nvSpPr>
+        <p:spPr>
+          <a:xfrm flipH="1">
+            <a:off x="7714435" y="1714254"/>
+            <a:ext cx="162796" cy="157651"/>
+          </a:xfrm>
+          <a:prstGeom prst="ellipse">
+            <a:avLst/>
+          </a:prstGeom>
+          <a:noFill/>
+          <a:ln w="38100">
+            <a:solidFill>
+              <a:schemeClr val="tx1"/>
+            </a:solidFill>
+          </a:ln>
+          <a:effectLst/>
+        </p:spPr>
+        <p:style>
+          <a:lnRef idx="1">
+            <a:schemeClr val="accent1"/>
+          </a:lnRef>
+          <a:fillRef idx="3">
+            <a:schemeClr val="accent1"/>
+          </a:fillRef>
+          <a:effectRef idx="2">
+            <a:schemeClr val="accent1"/>
+          </a:effectRef>
+          <a:fontRef idx="minor">
+            <a:schemeClr val="lt1"/>
+          </a:fontRef>
+        </p:style>
+        <p:txBody>
+          <a:bodyPr rtlCol="0" anchor="ctr"/>
+          <a:lstStyle/>
+          <a:p>
+            <a:pPr algn="ctr"/>
+            <a:endParaRPr kumimoji="1" lang="ja-JP" altLang="en-US"/>
+          </a:p>
+        </p:txBody>
+      </p:sp>
+      <p:sp>
+        <p:nvSpPr>
+          <p:cNvPr id="178" name="正方形/長方形 177"/>
+          <p:cNvSpPr/>
+          <p:nvPr/>
+        </p:nvSpPr>
+        <p:spPr>
+          <a:xfrm>
+            <a:off x="529279" y="937497"/>
+            <a:ext cx="8095186" cy="5541817"/>
           </a:xfrm>
           <a:prstGeom prst="rect">
             <a:avLst/>
@@ -17996,63 +20086,9 @@
           </a:p>
         </p:txBody>
       </p:sp>
-      <p:sp>
-        <p:nvSpPr>
-          <p:cNvPr id="4" name="テキスト ボックス 3"/>
-          <p:cNvSpPr txBox="1"/>
-          <p:nvPr/>
-        </p:nvSpPr>
-        <p:spPr>
-          <a:xfrm>
-            <a:off x="200532" y="187161"/>
-            <a:ext cx="4134465" cy="523220"/>
-          </a:xfrm>
-          <a:prstGeom prst="rect">
-            <a:avLst/>
-          </a:prstGeom>
-          <a:noFill/>
-        </p:spPr>
-        <p:txBody>
-          <a:bodyPr wrap="none" rtlCol="0">
-            <a:spAutoFit/>
-          </a:bodyPr>
-          <a:lstStyle/>
-          <a:p>
-            <a:r>
-              <a:rPr lang="ja-JP" altLang="en-US" sz="2800" dirty="0" smtClean="0">
-                <a:latin typeface="メイリオ"/>
-                <a:ea typeface="メイリオ"/>
-                <a:cs typeface="メイリオ"/>
-              </a:rPr>
-              <a:t>管理画面（</a:t>
-            </a:r>
-            <a:r>
-              <a:rPr lang="en-US" altLang="en-US" sz="2800" dirty="0" smtClean="0">
-                <a:latin typeface="メイリオ"/>
-                <a:ea typeface="メイリオ"/>
-                <a:cs typeface="メイリオ"/>
-              </a:rPr>
-              <a:t>削除確認</a:t>
-            </a:r>
-            <a:r>
-              <a:rPr lang="ja-JP" altLang="en-US" sz="2800" dirty="0" smtClean="0">
-                <a:latin typeface="メイリオ"/>
-                <a:ea typeface="メイリオ"/>
-                <a:cs typeface="メイリオ"/>
-              </a:rPr>
-              <a:t>時）</a:t>
-            </a:r>
-            <a:endParaRPr kumimoji="1" lang="ja-JP" altLang="en-US" sz="2000" dirty="0">
-              <a:latin typeface="メイリオ"/>
-              <a:ea typeface="メイリオ"/>
-              <a:cs typeface="メイリオ"/>
-            </a:endParaRPr>
-          </a:p>
-        </p:txBody>
-      </p:sp>
       <p:grpSp>
         <p:nvGrpSpPr>
-          <p:cNvPr id="5" name="図形グループ 4"/>
+          <p:cNvPr id="179" name="図形グループ 178"/>
           <p:cNvGrpSpPr/>
           <p:nvPr/>
         </p:nvGrpSpPr>
@@ -18066,7 +20102,7 @@
         </p:grpSpPr>
         <p:grpSp>
           <p:nvGrpSpPr>
-            <p:cNvPr id="6" name="図形グループ 5"/>
+            <p:cNvPr id="180" name="図形グループ 179"/>
             <p:cNvGrpSpPr/>
             <p:nvPr/>
           </p:nvGrpSpPr>
@@ -18080,7 +20116,7 @@
           </p:grpSpPr>
           <p:sp>
             <p:nvSpPr>
-              <p:cNvPr id="2" name="角丸四角形 1"/>
+              <p:cNvPr id="182" name="角丸四角形 181"/>
               <p:cNvSpPr/>
               <p:nvPr/>
             </p:nvSpPr>
@@ -18126,7 +20162,7 @@
           </p:sp>
           <p:sp>
             <p:nvSpPr>
-              <p:cNvPr id="27" name="角丸四角形 26"/>
+              <p:cNvPr id="183" name="角丸四角形 182"/>
               <p:cNvSpPr/>
               <p:nvPr/>
             </p:nvSpPr>
@@ -18189,7 +20225,7 @@
           </p:sp>
           <p:sp>
             <p:nvSpPr>
-              <p:cNvPr id="44" name="テキスト ボックス 43"/>
+              <p:cNvPr id="184" name="テキスト ボックス 183"/>
               <p:cNvSpPr txBox="1"/>
               <p:nvPr/>
             </p:nvSpPr>
@@ -18228,7 +20264,7 @@
         </p:grpSp>
         <p:sp>
           <p:nvSpPr>
-            <p:cNvPr id="52" name="角丸四角形 51"/>
+            <p:cNvPr id="181" name="角丸四角形 180"/>
             <p:cNvSpPr/>
             <p:nvPr/>
           </p:nvSpPr>

--- a/payment_manager/bin/algieba.pptx
+++ b/payment_manager/bin/algieba.pptx
@@ -200,7 +200,7 @@
           <a:p>
             <a:fld id="{EE82FEE5-269B-9B49-A8C4-823C45BE6055}" type="datetimeFigureOut">
               <a:rPr kumimoji="1" lang="ja-JP" altLang="en-US" smtClean="0"/>
-              <a:t>17/10/11</a:t>
+              <a:t>17/10/14</a:t>
             </a:fld>
             <a:endParaRPr kumimoji="1" lang="ja-JP" altLang="en-US"/>
           </a:p>
@@ -1353,7 +1353,7 @@
           <a:p>
             <a:fld id="{3ABA01A1-4899-9944-833D-6A66CDE659CB}" type="datetimeFigureOut">
               <a:rPr kumimoji="1" lang="ja-JP" altLang="en-US" smtClean="0"/>
-              <a:t>17/10/11</a:t>
+              <a:t>17/10/14</a:t>
             </a:fld>
             <a:endParaRPr kumimoji="1" lang="ja-JP" altLang="en-US"/>
           </a:p>
@@ -1555,7 +1555,7 @@
           <a:p>
             <a:fld id="{3ABA01A1-4899-9944-833D-6A66CDE659CB}" type="datetimeFigureOut">
               <a:rPr kumimoji="1" lang="ja-JP" altLang="en-US" smtClean="0"/>
-              <a:t>17/10/11</a:t>
+              <a:t>17/10/14</a:t>
             </a:fld>
             <a:endParaRPr kumimoji="1" lang="ja-JP" altLang="en-US"/>
           </a:p>
@@ -1767,7 +1767,7 @@
           <a:p>
             <a:fld id="{3ABA01A1-4899-9944-833D-6A66CDE659CB}" type="datetimeFigureOut">
               <a:rPr kumimoji="1" lang="ja-JP" altLang="en-US" smtClean="0"/>
-              <a:t>17/10/11</a:t>
+              <a:t>17/10/14</a:t>
             </a:fld>
             <a:endParaRPr kumimoji="1" lang="ja-JP" altLang="en-US"/>
           </a:p>
@@ -1969,7 +1969,7 @@
           <a:p>
             <a:fld id="{3ABA01A1-4899-9944-833D-6A66CDE659CB}" type="datetimeFigureOut">
               <a:rPr kumimoji="1" lang="ja-JP" altLang="en-US" smtClean="0"/>
-              <a:t>17/10/11</a:t>
+              <a:t>17/10/14</a:t>
             </a:fld>
             <a:endParaRPr kumimoji="1" lang="ja-JP" altLang="en-US"/>
           </a:p>
@@ -2215,7 +2215,7 @@
           <a:p>
             <a:fld id="{3ABA01A1-4899-9944-833D-6A66CDE659CB}" type="datetimeFigureOut">
               <a:rPr kumimoji="1" lang="ja-JP" altLang="en-US" smtClean="0"/>
-              <a:t>17/10/11</a:t>
+              <a:t>17/10/14</a:t>
             </a:fld>
             <a:endParaRPr kumimoji="1" lang="ja-JP" altLang="en-US"/>
           </a:p>
@@ -2567,7 +2567,7 @@
           <a:p>
             <a:fld id="{3ABA01A1-4899-9944-833D-6A66CDE659CB}" type="datetimeFigureOut">
               <a:rPr kumimoji="1" lang="ja-JP" altLang="en-US" smtClean="0"/>
-              <a:t>17/10/11</a:t>
+              <a:t>17/10/14</a:t>
             </a:fld>
             <a:endParaRPr kumimoji="1" lang="ja-JP" altLang="en-US"/>
           </a:p>
@@ -3053,7 +3053,7 @@
           <a:p>
             <a:fld id="{3ABA01A1-4899-9944-833D-6A66CDE659CB}" type="datetimeFigureOut">
               <a:rPr kumimoji="1" lang="ja-JP" altLang="en-US" smtClean="0"/>
-              <a:t>17/10/11</a:t>
+              <a:t>17/10/14</a:t>
             </a:fld>
             <a:endParaRPr kumimoji="1" lang="ja-JP" altLang="en-US"/>
           </a:p>
@@ -3171,7 +3171,7 @@
           <a:p>
             <a:fld id="{3ABA01A1-4899-9944-833D-6A66CDE659CB}" type="datetimeFigureOut">
               <a:rPr kumimoji="1" lang="ja-JP" altLang="en-US" smtClean="0"/>
-              <a:t>17/10/11</a:t>
+              <a:t>17/10/14</a:t>
             </a:fld>
             <a:endParaRPr kumimoji="1" lang="ja-JP" altLang="en-US"/>
           </a:p>
@@ -3266,7 +3266,7 @@
           <a:p>
             <a:fld id="{3ABA01A1-4899-9944-833D-6A66CDE659CB}" type="datetimeFigureOut">
               <a:rPr kumimoji="1" lang="ja-JP" altLang="en-US" smtClean="0"/>
-              <a:t>17/10/11</a:t>
+              <a:t>17/10/14</a:t>
             </a:fld>
             <a:endParaRPr kumimoji="1" lang="ja-JP" altLang="en-US"/>
           </a:p>
@@ -3575,7 +3575,7 @@
           <a:p>
             <a:fld id="{3ABA01A1-4899-9944-833D-6A66CDE659CB}" type="datetimeFigureOut">
               <a:rPr kumimoji="1" lang="ja-JP" altLang="en-US" smtClean="0"/>
-              <a:t>17/10/11</a:t>
+              <a:t>17/10/14</a:t>
             </a:fld>
             <a:endParaRPr kumimoji="1" lang="ja-JP" altLang="en-US"/>
           </a:p>
@@ -3828,7 +3828,7 @@
           <a:p>
             <a:fld id="{3ABA01A1-4899-9944-833D-6A66CDE659CB}" type="datetimeFigureOut">
               <a:rPr kumimoji="1" lang="ja-JP" altLang="en-US" smtClean="0"/>
-              <a:t>17/10/11</a:t>
+              <a:t>17/10/14</a:t>
             </a:fld>
             <a:endParaRPr kumimoji="1" lang="ja-JP" altLang="en-US"/>
           </a:p>
@@ -4073,7 +4073,7 @@
           <a:p>
             <a:fld id="{3ABA01A1-4899-9944-833D-6A66CDE659CB}" type="datetimeFigureOut">
               <a:rPr kumimoji="1" lang="ja-JP" altLang="en-US" smtClean="0"/>
-              <a:t>17/10/11</a:t>
+              <a:t>17/10/14</a:t>
             </a:fld>
             <a:endParaRPr kumimoji="1" lang="ja-JP" altLang="en-US"/>
           </a:p>
@@ -4517,19 +4517,15 @@
             </a:r>
             <a:r>
               <a:rPr lang="en-US" altLang="ja-JP" sz="2800" dirty="0" smtClean="0"/>
-              <a:t>2017</a:t>
+              <a:t>2017/10/</a:t>
             </a:r>
             <a:r>
               <a:rPr lang="en-US" altLang="ja-JP" sz="2800" dirty="0" smtClean="0"/>
-              <a:t>/</a:t>
+              <a:t>14</a:t>
             </a:r>
             <a:r>
               <a:rPr lang="en-US" altLang="ja-JP" sz="2800" dirty="0" smtClean="0"/>
-              <a:t>10</a:t>
-            </a:r>
-            <a:r>
-              <a:rPr lang="en-US" altLang="ja-JP" sz="2800" dirty="0" smtClean="0"/>
-              <a:t>/12</a:t>
+              <a:t/>
             </a:r>
             <a:br>
               <a:rPr lang="en-US" altLang="ja-JP" sz="2800" dirty="0" smtClean="0"/>
@@ -5914,7 +5910,7 @@
           <p:nvPr>
             <p:extLst>
               <p:ext uri="{D42A27DB-BD31-4B8C-83A1-F6EECF244321}">
-                <p14:modId xmlns:p14="http://schemas.microsoft.com/office/powerpoint/2010/main" val="3093406797"/>
+                <p14:modId xmlns:p14="http://schemas.microsoft.com/office/powerpoint/2010/main" val="1983224749"/>
               </p:ext>
             </p:extLst>
           </p:nvPr>
@@ -9044,16 +9040,127 @@
           </a:p>
         </p:txBody>
       </p:sp>
-      <p:sp>
-        <p:nvSpPr>
-          <p:cNvPr id="91" name="テキスト ボックス 90"/>
+      <p:grpSp>
+        <p:nvGrpSpPr>
+          <p:cNvPr id="95" name="図形グループ 94"/>
+          <p:cNvGrpSpPr/>
+          <p:nvPr/>
+        </p:nvGrpSpPr>
+        <p:grpSpPr>
+          <a:xfrm>
+            <a:off x="7244601" y="1714972"/>
+            <a:ext cx="519922" cy="154577"/>
+            <a:chOff x="3729152" y="1722410"/>
+            <a:chExt cx="519922" cy="154577"/>
+          </a:xfrm>
+        </p:grpSpPr>
+        <p:sp>
+          <p:nvSpPr>
+            <p:cNvPr id="96" name="角丸四角形 95"/>
+            <p:cNvSpPr/>
+            <p:nvPr/>
+          </p:nvSpPr>
+          <p:spPr>
+            <a:xfrm>
+              <a:off x="3729152" y="1722410"/>
+              <a:ext cx="519922" cy="154577"/>
+            </a:xfrm>
+            <a:prstGeom prst="roundRect">
+              <a:avLst/>
+            </a:prstGeom>
+            <a:noFill/>
+            <a:ln w="25400">
+              <a:solidFill>
+                <a:schemeClr val="tx1"/>
+              </a:solidFill>
+            </a:ln>
+            <a:effectLst/>
+          </p:spPr>
+          <p:style>
+            <a:lnRef idx="1">
+              <a:schemeClr val="accent1"/>
+            </a:lnRef>
+            <a:fillRef idx="3">
+              <a:schemeClr val="accent1"/>
+            </a:fillRef>
+            <a:effectRef idx="2">
+              <a:schemeClr val="accent1"/>
+            </a:effectRef>
+            <a:fontRef idx="minor">
+              <a:schemeClr val="lt1"/>
+            </a:fontRef>
+          </p:style>
+          <p:txBody>
+            <a:bodyPr rtlCol="0" anchor="ctr"/>
+            <a:lstStyle/>
+            <a:p>
+              <a:endParaRPr kumimoji="1" lang="ja-JP" altLang="en-US" sz="800" dirty="0">
+                <a:solidFill>
+                  <a:schemeClr val="tx1"/>
+                </a:solidFill>
+                <a:latin typeface="メイリオ"/>
+                <a:ea typeface="メイリオ"/>
+                <a:cs typeface="メイリオ"/>
+              </a:endParaRPr>
+            </a:p>
+          </p:txBody>
+        </p:sp>
+        <p:sp>
+          <p:nvSpPr>
+            <p:cNvPr id="97" name="二等辺三角形 96"/>
+            <p:cNvSpPr/>
+            <p:nvPr/>
+          </p:nvSpPr>
+          <p:spPr>
+            <a:xfrm rot="10800000">
+              <a:off x="4102931" y="1761549"/>
+              <a:ext cx="108000" cy="108000"/>
+            </a:xfrm>
+            <a:prstGeom prst="triangle">
+              <a:avLst/>
+            </a:prstGeom>
+            <a:solidFill>
+              <a:schemeClr val="tx1"/>
+            </a:solidFill>
+            <a:ln>
+              <a:noFill/>
+            </a:ln>
+            <a:effectLst/>
+          </p:spPr>
+          <p:style>
+            <a:lnRef idx="1">
+              <a:schemeClr val="accent1"/>
+            </a:lnRef>
+            <a:fillRef idx="3">
+              <a:schemeClr val="accent1"/>
+            </a:fillRef>
+            <a:effectRef idx="2">
+              <a:schemeClr val="accent1"/>
+            </a:effectRef>
+            <a:fontRef idx="minor">
+              <a:schemeClr val="lt1"/>
+            </a:fontRef>
+          </p:style>
+          <p:txBody>
+            <a:bodyPr rtlCol="0" anchor="ctr"/>
+            <a:lstStyle/>
+            <a:p>
+              <a:pPr algn="ctr"/>
+              <a:endParaRPr kumimoji="1" lang="ja-JP" altLang="en-US"/>
+            </a:p>
+          </p:txBody>
+        </p:sp>
+      </p:grpSp>
+      <p:sp>
+        <p:nvSpPr>
+          <p:cNvPr id="98" name="テキスト ボックス 97"/>
           <p:cNvSpPr txBox="1"/>
           <p:nvPr/>
         </p:nvSpPr>
         <p:spPr>
           <a:xfrm>
-            <a:off x="6753316" y="1665409"/>
-            <a:ext cx="441146" cy="246221"/>
+            <a:off x="6756029" y="1672856"/>
+            <a:ext cx="569387" cy="246221"/>
           </a:xfrm>
           <a:prstGeom prst="rect">
             <a:avLst/>
@@ -9067,146 +9174,26 @@
           <a:lstStyle/>
           <a:p>
             <a:r>
-              <a:rPr lang="en-US" altLang="en-US" sz="1000" dirty="0" smtClean="0">
+              <a:rPr kumimoji="1" lang="ja-JP" altLang="en-US" sz="1000" dirty="0" smtClean="0">
                 <a:latin typeface="メイリオ"/>
                 <a:ea typeface="メイリオ"/>
                 <a:cs typeface="メイリオ"/>
               </a:rPr>
-              <a:t>収入</a:t>
+              <a:t>種類</a:t>
+            </a:r>
+            <a:r>
+              <a:rPr kumimoji="1" lang="ja-JP" altLang="en-US" sz="1000" dirty="0" smtClean="0">
+                <a:latin typeface="メイリオ"/>
+                <a:ea typeface="メイリオ"/>
+                <a:cs typeface="メイリオ"/>
+              </a:rPr>
+              <a:t>：</a:t>
             </a:r>
             <a:endParaRPr kumimoji="1" lang="ja-JP" altLang="en-US" sz="1000" dirty="0">
               <a:latin typeface="メイリオ"/>
               <a:ea typeface="メイリオ"/>
               <a:cs typeface="メイリオ"/>
             </a:endParaRPr>
-          </a:p>
-        </p:txBody>
-      </p:sp>
-      <p:sp>
-        <p:nvSpPr>
-          <p:cNvPr id="92" name="テキスト ボックス 91"/>
-          <p:cNvSpPr txBox="1"/>
-          <p:nvPr/>
-        </p:nvSpPr>
-        <p:spPr>
-          <a:xfrm>
-            <a:off x="7307924" y="1656657"/>
-            <a:ext cx="441146" cy="246221"/>
-          </a:xfrm>
-          <a:prstGeom prst="rect">
-            <a:avLst/>
-          </a:prstGeom>
-          <a:noFill/>
-        </p:spPr>
-        <p:txBody>
-          <a:bodyPr wrap="none" rtlCol="0">
-            <a:spAutoFit/>
-          </a:bodyPr>
-          <a:lstStyle/>
-          <a:p>
-            <a:r>
-              <a:rPr lang="ja-JP" altLang="en-US" sz="1000" dirty="0" smtClean="0">
-                <a:latin typeface="メイリオ"/>
-                <a:ea typeface="メイリオ"/>
-                <a:cs typeface="メイリオ"/>
-              </a:rPr>
-              <a:t>支出</a:t>
-            </a:r>
-            <a:endParaRPr kumimoji="1" lang="ja-JP" altLang="en-US" sz="1000" dirty="0">
-              <a:latin typeface="メイリオ"/>
-              <a:ea typeface="メイリオ"/>
-              <a:cs typeface="メイリオ"/>
-            </a:endParaRPr>
-          </a:p>
-        </p:txBody>
-      </p:sp>
-      <p:sp>
-        <p:nvSpPr>
-          <p:cNvPr id="93" name="円/楕円 92"/>
-          <p:cNvSpPr/>
-          <p:nvPr/>
-        </p:nvSpPr>
-        <p:spPr>
-          <a:xfrm flipH="1">
-            <a:off x="7145127" y="1711407"/>
-            <a:ext cx="162796" cy="157651"/>
-          </a:xfrm>
-          <a:prstGeom prst="ellipse">
-            <a:avLst/>
-          </a:prstGeom>
-          <a:noFill/>
-          <a:ln w="38100">
-            <a:solidFill>
-              <a:schemeClr val="tx1"/>
-            </a:solidFill>
-          </a:ln>
-          <a:effectLst/>
-        </p:spPr>
-        <p:style>
-          <a:lnRef idx="1">
-            <a:schemeClr val="accent1"/>
-          </a:lnRef>
-          <a:fillRef idx="3">
-            <a:schemeClr val="accent1"/>
-          </a:fillRef>
-          <a:effectRef idx="2">
-            <a:schemeClr val="accent1"/>
-          </a:effectRef>
-          <a:fontRef idx="minor">
-            <a:schemeClr val="lt1"/>
-          </a:fontRef>
-        </p:style>
-        <p:txBody>
-          <a:bodyPr rtlCol="0" anchor="ctr"/>
-          <a:lstStyle/>
-          <a:p>
-            <a:pPr algn="ctr"/>
-            <a:endParaRPr kumimoji="1" lang="ja-JP" altLang="en-US"/>
-          </a:p>
-        </p:txBody>
-      </p:sp>
-      <p:sp>
-        <p:nvSpPr>
-          <p:cNvPr id="94" name="円/楕円 93"/>
-          <p:cNvSpPr/>
-          <p:nvPr/>
-        </p:nvSpPr>
-        <p:spPr>
-          <a:xfrm flipH="1">
-            <a:off x="7714435" y="1714254"/>
-            <a:ext cx="162796" cy="157651"/>
-          </a:xfrm>
-          <a:prstGeom prst="ellipse">
-            <a:avLst/>
-          </a:prstGeom>
-          <a:noFill/>
-          <a:ln w="38100">
-            <a:solidFill>
-              <a:schemeClr val="tx1"/>
-            </a:solidFill>
-          </a:ln>
-          <a:effectLst/>
-        </p:spPr>
-        <p:style>
-          <a:lnRef idx="1">
-            <a:schemeClr val="accent1"/>
-          </a:lnRef>
-          <a:fillRef idx="3">
-            <a:schemeClr val="accent1"/>
-          </a:fillRef>
-          <a:effectRef idx="2">
-            <a:schemeClr val="accent1"/>
-          </a:effectRef>
-          <a:fontRef idx="minor">
-            <a:schemeClr val="lt1"/>
-          </a:fontRef>
-        </p:style>
-        <p:txBody>
-          <a:bodyPr rtlCol="0" anchor="ctr"/>
-          <a:lstStyle/>
-          <a:p>
-            <a:pPr algn="ctr"/>
-            <a:endParaRPr kumimoji="1" lang="ja-JP" altLang="en-US"/>
           </a:p>
         </p:txBody>
       </p:sp>
@@ -9437,54 +9424,16 @@
           <a:chExt cx="0" cy="0"/>
         </a:xfrm>
       </p:grpSpPr>
-      <p:sp>
-        <p:nvSpPr>
-          <p:cNvPr id="4" name="テキスト ボックス 3"/>
-          <p:cNvSpPr txBox="1"/>
-          <p:nvPr/>
-        </p:nvSpPr>
-        <p:spPr>
-          <a:xfrm>
-            <a:off x="200532" y="187161"/>
-            <a:ext cx="4493538" cy="523220"/>
-          </a:xfrm>
-          <a:prstGeom prst="rect">
-            <a:avLst/>
-          </a:prstGeom>
-          <a:noFill/>
-        </p:spPr>
-        <p:txBody>
-          <a:bodyPr wrap="none" rtlCol="0">
-            <a:spAutoFit/>
-          </a:bodyPr>
-          <a:lstStyle/>
-          <a:p>
-            <a:r>
-              <a:rPr lang="ja-JP" altLang="en-US" sz="2800" dirty="0" smtClean="0">
-                <a:latin typeface="メイリオ"/>
-                <a:ea typeface="メイリオ"/>
-                <a:cs typeface="メイリオ"/>
-              </a:rPr>
-              <a:t>管理画面（カテゴリ選択）</a:t>
-            </a:r>
-            <a:endParaRPr kumimoji="1" lang="ja-JP" altLang="en-US" sz="2000" dirty="0">
-              <a:latin typeface="メイリオ"/>
-              <a:ea typeface="メイリオ"/>
-              <a:cs typeface="メイリオ"/>
-            </a:endParaRPr>
-          </a:p>
-        </p:txBody>
-      </p:sp>
       <p:graphicFrame>
         <p:nvGraphicFramePr>
-          <p:cNvPr id="59" name="表 58"/>
+          <p:cNvPr id="82" name="表 81"/>
           <p:cNvGraphicFramePr>
             <a:graphicFrameLocks noGrp="1"/>
           </p:cNvGraphicFramePr>
           <p:nvPr>
             <p:extLst>
               <p:ext uri="{D42A27DB-BD31-4B8C-83A1-F6EECF244321}">
-                <p14:modId xmlns:p14="http://schemas.microsoft.com/office/powerpoint/2010/main" val="1939765180"/>
+                <p14:modId xmlns:p14="http://schemas.microsoft.com/office/powerpoint/2010/main" val="1670799361"/>
               </p:ext>
             </p:extLst>
           </p:nvPr>
@@ -9979,7 +9928,7 @@
       </p:graphicFrame>
       <p:sp>
         <p:nvSpPr>
-          <p:cNvPr id="60" name="正方形/長方形 59"/>
+          <p:cNvPr id="83" name="正方形/長方形 82"/>
           <p:cNvSpPr/>
           <p:nvPr/>
         </p:nvSpPr>
@@ -10031,7 +9980,7 @@
       </p:sp>
       <p:sp>
         <p:nvSpPr>
-          <p:cNvPr id="61" name="角丸四角形 60"/>
+          <p:cNvPr id="84" name="角丸四角形 83"/>
           <p:cNvSpPr/>
           <p:nvPr/>
         </p:nvSpPr>
@@ -10076,7 +10025,7 @@
       </p:sp>
       <p:sp>
         <p:nvSpPr>
-          <p:cNvPr id="62" name="テキスト ボックス 61"/>
+          <p:cNvPr id="85" name="テキスト ボックス 84"/>
           <p:cNvSpPr txBox="1"/>
           <p:nvPr/>
         </p:nvSpPr>
@@ -10114,7 +10063,7 @@
       </p:sp>
       <p:sp>
         <p:nvSpPr>
-          <p:cNvPr id="63" name="角丸四角形 62"/>
+          <p:cNvPr id="86" name="角丸四角形 85"/>
           <p:cNvSpPr/>
           <p:nvPr/>
         </p:nvSpPr>
@@ -10159,7 +10108,7 @@
       </p:sp>
       <p:sp>
         <p:nvSpPr>
-          <p:cNvPr id="64" name="テキスト ボックス 63"/>
+          <p:cNvPr id="87" name="テキスト ボックス 86"/>
           <p:cNvSpPr txBox="1"/>
           <p:nvPr/>
         </p:nvSpPr>
@@ -10205,7 +10154,7 @@
       </p:sp>
       <p:sp>
         <p:nvSpPr>
-          <p:cNvPr id="65" name="角丸四角形 64"/>
+          <p:cNvPr id="88" name="角丸四角形 87"/>
           <p:cNvSpPr/>
           <p:nvPr/>
         </p:nvSpPr>
@@ -10250,7 +10199,7 @@
       </p:sp>
       <p:sp>
         <p:nvSpPr>
-          <p:cNvPr id="66" name="テキスト ボックス 65"/>
+          <p:cNvPr id="89" name="テキスト ボックス 88"/>
           <p:cNvSpPr txBox="1"/>
           <p:nvPr/>
         </p:nvSpPr>
@@ -10296,7 +10245,7 @@
       </p:sp>
       <p:sp>
         <p:nvSpPr>
-          <p:cNvPr id="67" name="角丸四角形 66"/>
+          <p:cNvPr id="90" name="角丸四角形 89"/>
           <p:cNvSpPr/>
           <p:nvPr/>
         </p:nvSpPr>
@@ -10341,7 +10290,7 @@
       </p:sp>
       <p:sp>
         <p:nvSpPr>
-          <p:cNvPr id="68" name="テキスト ボックス 67"/>
+          <p:cNvPr id="91" name="テキスト ボックス 90"/>
           <p:cNvSpPr txBox="1"/>
           <p:nvPr/>
         </p:nvSpPr>
@@ -10387,7 +10336,7 @@
       </p:sp>
       <p:sp>
         <p:nvSpPr>
-          <p:cNvPr id="69" name="角丸四角形 68"/>
+          <p:cNvPr id="92" name="角丸四角形 91"/>
           <p:cNvSpPr/>
           <p:nvPr/>
         </p:nvSpPr>
@@ -10450,7 +10399,7 @@
       </p:sp>
       <p:cxnSp>
         <p:nvCxnSpPr>
-          <p:cNvPr id="70" name="直線コネクタ 69"/>
+          <p:cNvPr id="93" name="直線コネクタ 92"/>
           <p:cNvCxnSpPr/>
           <p:nvPr/>
         </p:nvCxnSpPr>
@@ -10488,7 +10437,7 @@
       </p:cxnSp>
       <p:sp>
         <p:nvSpPr>
-          <p:cNvPr id="71" name="テキスト ボックス 70"/>
+          <p:cNvPr id="94" name="テキスト ボックス 93"/>
           <p:cNvSpPr txBox="1"/>
           <p:nvPr/>
         </p:nvSpPr>
@@ -10526,7 +10475,7 @@
       </p:sp>
       <p:sp>
         <p:nvSpPr>
-          <p:cNvPr id="72" name="テキスト ボックス 71"/>
+          <p:cNvPr id="95" name="テキスト ボックス 94"/>
           <p:cNvSpPr txBox="1"/>
           <p:nvPr/>
         </p:nvSpPr>
@@ -10564,7 +10513,7 @@
       </p:sp>
       <p:sp>
         <p:nvSpPr>
-          <p:cNvPr id="73" name="テキスト ボックス 72"/>
+          <p:cNvPr id="96" name="テキスト ボックス 95"/>
           <p:cNvSpPr txBox="1"/>
           <p:nvPr/>
         </p:nvSpPr>
@@ -10602,7 +10551,7 @@
       </p:sp>
       <p:sp>
         <p:nvSpPr>
-          <p:cNvPr id="74" name="二等辺三角形 73"/>
+          <p:cNvPr id="97" name="二等辺三角形 96"/>
           <p:cNvSpPr/>
           <p:nvPr/>
         </p:nvSpPr>
@@ -10647,7 +10596,7 @@
       </p:sp>
       <p:sp>
         <p:nvSpPr>
-          <p:cNvPr id="75" name="二等辺三角形 74"/>
+          <p:cNvPr id="98" name="二等辺三角形 97"/>
           <p:cNvSpPr/>
           <p:nvPr/>
         </p:nvSpPr>
@@ -10692,7 +10641,7 @@
       </p:sp>
       <p:sp>
         <p:nvSpPr>
-          <p:cNvPr id="76" name="テキスト ボックス 75"/>
+          <p:cNvPr id="99" name="テキスト ボックス 98"/>
           <p:cNvSpPr txBox="1"/>
           <p:nvPr/>
         </p:nvSpPr>
@@ -10730,7 +10679,7 @@
       </p:sp>
       <p:sp>
         <p:nvSpPr>
-          <p:cNvPr id="77" name="テキスト ボックス 76"/>
+          <p:cNvPr id="100" name="テキスト ボックス 99"/>
           <p:cNvSpPr txBox="1"/>
           <p:nvPr/>
         </p:nvSpPr>
@@ -10824,7 +10773,7 @@
       </p:sp>
       <p:sp>
         <p:nvSpPr>
-          <p:cNvPr id="78" name="二等辺三角形 77"/>
+          <p:cNvPr id="101" name="二等辺三角形 100"/>
           <p:cNvSpPr/>
           <p:nvPr/>
         </p:nvSpPr>
@@ -10869,7 +10818,7 @@
       </p:sp>
       <p:sp>
         <p:nvSpPr>
-          <p:cNvPr id="79" name="二等辺三角形 78"/>
+          <p:cNvPr id="102" name="二等辺三角形 101"/>
           <p:cNvSpPr/>
           <p:nvPr/>
         </p:nvSpPr>
@@ -10914,7 +10863,7 @@
       </p:sp>
       <p:sp>
         <p:nvSpPr>
-          <p:cNvPr id="80" name="二等辺三角形 79"/>
+          <p:cNvPr id="103" name="二等辺三角形 102"/>
           <p:cNvSpPr/>
           <p:nvPr/>
         </p:nvSpPr>
@@ -10959,7 +10908,7 @@
       </p:sp>
       <p:sp>
         <p:nvSpPr>
-          <p:cNvPr id="81" name="二等辺三角形 80"/>
+          <p:cNvPr id="104" name="二等辺三角形 103"/>
           <p:cNvSpPr/>
           <p:nvPr/>
         </p:nvSpPr>
@@ -11004,7 +10953,7 @@
       </p:sp>
       <p:sp>
         <p:nvSpPr>
-          <p:cNvPr id="137" name="角丸四角形 136"/>
+          <p:cNvPr id="105" name="角丸四角形 104"/>
           <p:cNvSpPr/>
           <p:nvPr/>
         </p:nvSpPr>
@@ -11067,7 +11016,7 @@
       </p:sp>
       <p:pic>
         <p:nvPicPr>
-          <p:cNvPr id="138" name="図 137" descr="trash.png"/>
+          <p:cNvPr id="106" name="図 105" descr="trash.png"/>
           <p:cNvPicPr>
             <a:picLocks noChangeAspect="1"/>
           </p:cNvPicPr>
@@ -11097,7 +11046,7 @@
       </p:pic>
       <p:pic>
         <p:nvPicPr>
-          <p:cNvPr id="139" name="図 138" descr="trash.png"/>
+          <p:cNvPr id="107" name="図 106" descr="trash.png"/>
           <p:cNvPicPr>
             <a:picLocks noChangeAspect="1"/>
           </p:cNvPicPr>
@@ -11127,7 +11076,7 @@
       </p:pic>
       <p:pic>
         <p:nvPicPr>
-          <p:cNvPr id="140" name="図 139" descr="trash.png"/>
+          <p:cNvPr id="108" name="図 107" descr="trash.png"/>
           <p:cNvPicPr>
             <a:picLocks noChangeAspect="1"/>
           </p:cNvPicPr>
@@ -11157,7 +11106,7 @@
       </p:pic>
       <p:pic>
         <p:nvPicPr>
-          <p:cNvPr id="141" name="図 140" descr="trash.png"/>
+          <p:cNvPr id="109" name="図 108" descr="trash.png"/>
           <p:cNvPicPr>
             <a:picLocks noChangeAspect="1"/>
           </p:cNvPicPr>
@@ -11187,7 +11136,7 @@
       </p:pic>
       <p:pic>
         <p:nvPicPr>
-          <p:cNvPr id="142" name="図 141" descr="trash.png"/>
+          <p:cNvPr id="110" name="図 109" descr="trash.png"/>
           <p:cNvPicPr>
             <a:picLocks noChangeAspect="1"/>
           </p:cNvPicPr>
@@ -11217,7 +11166,7 @@
       </p:pic>
       <p:pic>
         <p:nvPicPr>
-          <p:cNvPr id="143" name="図 142" descr="trash.png"/>
+          <p:cNvPr id="111" name="図 110" descr="trash.png"/>
           <p:cNvPicPr>
             <a:picLocks noChangeAspect="1"/>
           </p:cNvPicPr>
@@ -11247,7 +11196,7 @@
       </p:pic>
       <p:pic>
         <p:nvPicPr>
-          <p:cNvPr id="144" name="図 143" descr="trash.png"/>
+          <p:cNvPr id="112" name="図 111" descr="trash.png"/>
           <p:cNvPicPr>
             <a:picLocks noChangeAspect="1"/>
           </p:cNvPicPr>
@@ -11277,7 +11226,7 @@
       </p:pic>
       <p:pic>
         <p:nvPicPr>
-          <p:cNvPr id="145" name="図 144" descr="trash.png"/>
+          <p:cNvPr id="113" name="図 112" descr="trash.png"/>
           <p:cNvPicPr>
             <a:picLocks noChangeAspect="1"/>
           </p:cNvPicPr>
@@ -11307,7 +11256,7 @@
       </p:pic>
       <p:pic>
         <p:nvPicPr>
-          <p:cNvPr id="146" name="図 145" descr="trash.png"/>
+          <p:cNvPr id="114" name="図 113" descr="trash.png"/>
           <p:cNvPicPr>
             <a:picLocks noChangeAspect="1"/>
           </p:cNvPicPr>
@@ -11337,7 +11286,7 @@
       </p:pic>
       <p:pic>
         <p:nvPicPr>
-          <p:cNvPr id="147" name="図 146" descr="trash.png"/>
+          <p:cNvPr id="115" name="図 114" descr="trash.png"/>
           <p:cNvPicPr>
             <a:picLocks noChangeAspect="1"/>
           </p:cNvPicPr>
@@ -11367,7 +11316,7 @@
       </p:pic>
       <p:grpSp>
         <p:nvGrpSpPr>
-          <p:cNvPr id="148" name="図形グループ 147"/>
+          <p:cNvPr id="116" name="図形グループ 115"/>
           <p:cNvGrpSpPr/>
           <p:nvPr/>
         </p:nvGrpSpPr>
@@ -11381,7 +11330,7 @@
         </p:grpSpPr>
         <p:sp>
           <p:nvSpPr>
-            <p:cNvPr id="149" name="角丸四角形 148"/>
+            <p:cNvPr id="117" name="角丸四角形 116"/>
             <p:cNvSpPr/>
             <p:nvPr/>
           </p:nvSpPr>
@@ -11430,7 +11379,7 @@
         </p:sp>
         <p:cxnSp>
           <p:nvCxnSpPr>
-            <p:cNvPr id="150" name="直線コネクタ 149"/>
+            <p:cNvPr id="118" name="直線コネクタ 117"/>
             <p:cNvCxnSpPr/>
             <p:nvPr/>
           </p:nvCxnSpPr>
@@ -11465,7 +11414,7 @@
         </p:cxnSp>
         <p:cxnSp>
           <p:nvCxnSpPr>
-            <p:cNvPr id="151" name="直線コネクタ 150"/>
+            <p:cNvPr id="119" name="直線コネクタ 118"/>
             <p:cNvCxnSpPr/>
             <p:nvPr/>
           </p:nvCxnSpPr>
@@ -11500,7 +11449,7 @@
         </p:cxnSp>
         <p:cxnSp>
           <p:nvCxnSpPr>
-            <p:cNvPr id="152" name="直線コネクタ 151"/>
+            <p:cNvPr id="120" name="直線コネクタ 119"/>
             <p:cNvCxnSpPr/>
             <p:nvPr/>
           </p:nvCxnSpPr>
@@ -11536,7 +11485,7 @@
       </p:grpSp>
       <p:cxnSp>
         <p:nvCxnSpPr>
-          <p:cNvPr id="153" name="直線コネクタ 152"/>
+          <p:cNvPr id="121" name="直線コネクタ 120"/>
           <p:cNvCxnSpPr/>
           <p:nvPr/>
         </p:nvCxnSpPr>
@@ -11574,7 +11523,7 @@
       </p:cxnSp>
       <p:sp>
         <p:nvSpPr>
-          <p:cNvPr id="154" name="テキスト ボックス 153"/>
+          <p:cNvPr id="122" name="テキスト ボックス 121"/>
           <p:cNvSpPr txBox="1"/>
           <p:nvPr/>
         </p:nvSpPr>
@@ -11612,7 +11561,7 @@
       </p:sp>
       <p:sp>
         <p:nvSpPr>
-          <p:cNvPr id="155" name="角丸四角形 154"/>
+          <p:cNvPr id="123" name="角丸四角形 122"/>
           <p:cNvSpPr/>
           <p:nvPr/>
         </p:nvSpPr>
@@ -11657,7 +11606,7 @@
       </p:sp>
       <p:sp>
         <p:nvSpPr>
-          <p:cNvPr id="156" name="テキスト ボックス 155"/>
+          <p:cNvPr id="124" name="テキスト ボックス 123"/>
           <p:cNvSpPr txBox="1"/>
           <p:nvPr/>
         </p:nvSpPr>
@@ -11695,7 +11644,7 @@
       </p:sp>
       <p:sp>
         <p:nvSpPr>
-          <p:cNvPr id="157" name="テキスト ボックス 156"/>
+          <p:cNvPr id="125" name="テキスト ボックス 124"/>
           <p:cNvSpPr txBox="1"/>
           <p:nvPr/>
         </p:nvSpPr>
@@ -11741,7 +11690,7 @@
       </p:sp>
       <p:sp>
         <p:nvSpPr>
-          <p:cNvPr id="158" name="角丸四角形 157"/>
+          <p:cNvPr id="126" name="角丸四角形 125"/>
           <p:cNvSpPr/>
           <p:nvPr/>
         </p:nvSpPr>
@@ -11786,7 +11735,7 @@
       </p:sp>
       <p:grpSp>
         <p:nvGrpSpPr>
-          <p:cNvPr id="159" name="図形グループ 158"/>
+          <p:cNvPr id="127" name="図形グループ 126"/>
           <p:cNvGrpSpPr/>
           <p:nvPr/>
         </p:nvGrpSpPr>
@@ -11800,7 +11749,7 @@
         </p:grpSpPr>
         <p:sp>
           <p:nvSpPr>
-            <p:cNvPr id="160" name="角丸四角形 159"/>
+            <p:cNvPr id="128" name="角丸四角形 127"/>
             <p:cNvSpPr/>
             <p:nvPr/>
           </p:nvSpPr>
@@ -11862,7 +11811,7 @@
         </p:sp>
         <p:sp>
           <p:nvSpPr>
-            <p:cNvPr id="161" name="二等辺三角形 160"/>
+            <p:cNvPr id="129" name="二等辺三角形 128"/>
             <p:cNvSpPr/>
             <p:nvPr/>
           </p:nvSpPr>
@@ -11908,7 +11857,7 @@
       </p:grpSp>
       <p:sp>
         <p:nvSpPr>
-          <p:cNvPr id="162" name="テキスト ボックス 161"/>
+          <p:cNvPr id="130" name="テキスト ボックス 129"/>
           <p:cNvSpPr txBox="1"/>
           <p:nvPr/>
         </p:nvSpPr>
@@ -11954,7 +11903,7 @@
       </p:sp>
       <p:sp>
         <p:nvSpPr>
-          <p:cNvPr id="163" name="角丸四角形 162"/>
+          <p:cNvPr id="131" name="角丸四角形 130"/>
           <p:cNvSpPr/>
           <p:nvPr/>
         </p:nvSpPr>
@@ -11999,7 +11948,7 @@
       </p:sp>
       <p:sp>
         <p:nvSpPr>
-          <p:cNvPr id="164" name="テキスト ボックス 163"/>
+          <p:cNvPr id="132" name="テキスト ボックス 131"/>
           <p:cNvSpPr txBox="1"/>
           <p:nvPr/>
         </p:nvSpPr>
@@ -12045,7 +11994,7 @@
       </p:sp>
       <p:sp>
         <p:nvSpPr>
-          <p:cNvPr id="165" name="角丸四角形 164"/>
+          <p:cNvPr id="133" name="角丸四角形 132"/>
           <p:cNvSpPr/>
           <p:nvPr/>
         </p:nvSpPr>
@@ -12090,7 +12039,7 @@
       </p:sp>
       <p:sp>
         <p:nvSpPr>
-          <p:cNvPr id="166" name="角丸四角形 165"/>
+          <p:cNvPr id="134" name="角丸四角形 133"/>
           <p:cNvSpPr/>
           <p:nvPr/>
         </p:nvSpPr>
@@ -12135,7 +12084,7 @@
       </p:sp>
       <p:sp>
         <p:nvSpPr>
-          <p:cNvPr id="167" name="テキスト ボックス 166"/>
+          <p:cNvPr id="135" name="テキスト ボックス 134"/>
           <p:cNvSpPr txBox="1"/>
           <p:nvPr/>
         </p:nvSpPr>
@@ -12173,7 +12122,7 @@
       </p:sp>
       <p:sp>
         <p:nvSpPr>
-          <p:cNvPr id="168" name="角丸四角形 167"/>
+          <p:cNvPr id="136" name="角丸四角形 135"/>
           <p:cNvSpPr/>
           <p:nvPr/>
         </p:nvSpPr>
@@ -12218,7 +12167,7 @@
       </p:sp>
       <p:sp>
         <p:nvSpPr>
-          <p:cNvPr id="169" name="角丸四角形 168"/>
+          <p:cNvPr id="185" name="角丸四角形 184"/>
           <p:cNvSpPr/>
           <p:nvPr/>
         </p:nvSpPr>
@@ -12281,7 +12230,7 @@
       </p:sp>
       <p:grpSp>
         <p:nvGrpSpPr>
-          <p:cNvPr id="170" name="図形グループ 169"/>
+          <p:cNvPr id="186" name="図形グループ 185"/>
           <p:cNvGrpSpPr/>
           <p:nvPr/>
         </p:nvGrpSpPr>
@@ -12295,7 +12244,7 @@
         </p:grpSpPr>
         <p:sp>
           <p:nvSpPr>
-            <p:cNvPr id="171" name="角丸四角形 170"/>
+            <p:cNvPr id="187" name="角丸四角形 186"/>
             <p:cNvSpPr/>
             <p:nvPr/>
           </p:nvSpPr>
@@ -12344,7 +12293,7 @@
         </p:sp>
         <p:cxnSp>
           <p:nvCxnSpPr>
-            <p:cNvPr id="172" name="直線コネクタ 171"/>
+            <p:cNvPr id="188" name="直線コネクタ 187"/>
             <p:cNvCxnSpPr/>
             <p:nvPr/>
           </p:nvCxnSpPr>
@@ -12379,7 +12328,7 @@
         </p:cxnSp>
         <p:cxnSp>
           <p:nvCxnSpPr>
-            <p:cNvPr id="173" name="直線コネクタ 172"/>
+            <p:cNvPr id="189" name="直線コネクタ 188"/>
             <p:cNvCxnSpPr/>
             <p:nvPr/>
           </p:nvCxnSpPr>
@@ -12414,7 +12363,7 @@
         </p:cxnSp>
         <p:cxnSp>
           <p:nvCxnSpPr>
-            <p:cNvPr id="174" name="直線コネクタ 173"/>
+            <p:cNvPr id="190" name="直線コネクタ 189"/>
             <p:cNvCxnSpPr/>
             <p:nvPr/>
           </p:nvCxnSpPr>
@@ -12450,7 +12399,7 @@
       </p:grpSp>
       <p:sp>
         <p:nvSpPr>
-          <p:cNvPr id="175" name="テキスト ボックス 174"/>
+          <p:cNvPr id="191" name="テキスト ボックス 190"/>
           <p:cNvSpPr txBox="1"/>
           <p:nvPr/>
         </p:nvSpPr>
@@ -12488,7 +12437,7 @@
       </p:sp>
       <p:sp>
         <p:nvSpPr>
-          <p:cNvPr id="176" name="テキスト ボックス 175"/>
+          <p:cNvPr id="192" name="テキスト ボックス 191"/>
           <p:cNvSpPr txBox="1"/>
           <p:nvPr/>
         </p:nvSpPr>
@@ -12526,7 +12475,7 @@
       </p:sp>
       <p:sp>
         <p:nvSpPr>
-          <p:cNvPr id="177" name="円/楕円 176"/>
+          <p:cNvPr id="193" name="円/楕円 192"/>
           <p:cNvSpPr/>
           <p:nvPr/>
         </p:nvSpPr>
@@ -12571,7 +12520,7 @@
       </p:sp>
       <p:sp>
         <p:nvSpPr>
-          <p:cNvPr id="178" name="円/楕円 177"/>
+          <p:cNvPr id="194" name="円/楕円 193"/>
           <p:cNvSpPr/>
           <p:nvPr/>
         </p:nvSpPr>
@@ -12614,16 +12563,127 @@
           </a:p>
         </p:txBody>
       </p:sp>
-      <p:sp>
-        <p:nvSpPr>
-          <p:cNvPr id="179" name="テキスト ボックス 178"/>
+      <p:grpSp>
+        <p:nvGrpSpPr>
+          <p:cNvPr id="195" name="図形グループ 194"/>
+          <p:cNvGrpSpPr/>
+          <p:nvPr/>
+        </p:nvGrpSpPr>
+        <p:grpSpPr>
+          <a:xfrm>
+            <a:off x="7244601" y="1714972"/>
+            <a:ext cx="519922" cy="154577"/>
+            <a:chOff x="3729152" y="1722410"/>
+            <a:chExt cx="519922" cy="154577"/>
+          </a:xfrm>
+        </p:grpSpPr>
+        <p:sp>
+          <p:nvSpPr>
+            <p:cNvPr id="196" name="角丸四角形 195"/>
+            <p:cNvSpPr/>
+            <p:nvPr/>
+          </p:nvSpPr>
+          <p:spPr>
+            <a:xfrm>
+              <a:off x="3729152" y="1722410"/>
+              <a:ext cx="519922" cy="154577"/>
+            </a:xfrm>
+            <a:prstGeom prst="roundRect">
+              <a:avLst/>
+            </a:prstGeom>
+            <a:noFill/>
+            <a:ln w="25400">
+              <a:solidFill>
+                <a:schemeClr val="tx1"/>
+              </a:solidFill>
+            </a:ln>
+            <a:effectLst/>
+          </p:spPr>
+          <p:style>
+            <a:lnRef idx="1">
+              <a:schemeClr val="accent1"/>
+            </a:lnRef>
+            <a:fillRef idx="3">
+              <a:schemeClr val="accent1"/>
+            </a:fillRef>
+            <a:effectRef idx="2">
+              <a:schemeClr val="accent1"/>
+            </a:effectRef>
+            <a:fontRef idx="minor">
+              <a:schemeClr val="lt1"/>
+            </a:fontRef>
+          </p:style>
+          <p:txBody>
+            <a:bodyPr rtlCol="0" anchor="ctr"/>
+            <a:lstStyle/>
+            <a:p>
+              <a:endParaRPr kumimoji="1" lang="ja-JP" altLang="en-US" sz="800" dirty="0">
+                <a:solidFill>
+                  <a:schemeClr val="tx1"/>
+                </a:solidFill>
+                <a:latin typeface="メイリオ"/>
+                <a:ea typeface="メイリオ"/>
+                <a:cs typeface="メイリオ"/>
+              </a:endParaRPr>
+            </a:p>
+          </p:txBody>
+        </p:sp>
+        <p:sp>
+          <p:nvSpPr>
+            <p:cNvPr id="197" name="二等辺三角形 196"/>
+            <p:cNvSpPr/>
+            <p:nvPr/>
+          </p:nvSpPr>
+          <p:spPr>
+            <a:xfrm rot="10800000">
+              <a:off x="4102931" y="1761549"/>
+              <a:ext cx="108000" cy="108000"/>
+            </a:xfrm>
+            <a:prstGeom prst="triangle">
+              <a:avLst/>
+            </a:prstGeom>
+            <a:solidFill>
+              <a:schemeClr val="tx1"/>
+            </a:solidFill>
+            <a:ln>
+              <a:noFill/>
+            </a:ln>
+            <a:effectLst/>
+          </p:spPr>
+          <p:style>
+            <a:lnRef idx="1">
+              <a:schemeClr val="accent1"/>
+            </a:lnRef>
+            <a:fillRef idx="3">
+              <a:schemeClr val="accent1"/>
+            </a:fillRef>
+            <a:effectRef idx="2">
+              <a:schemeClr val="accent1"/>
+            </a:effectRef>
+            <a:fontRef idx="minor">
+              <a:schemeClr val="lt1"/>
+            </a:fontRef>
+          </p:style>
+          <p:txBody>
+            <a:bodyPr rtlCol="0" anchor="ctr"/>
+            <a:lstStyle/>
+            <a:p>
+              <a:pPr algn="ctr"/>
+              <a:endParaRPr kumimoji="1" lang="ja-JP" altLang="en-US"/>
+            </a:p>
+          </p:txBody>
+        </p:sp>
+      </p:grpSp>
+      <p:sp>
+        <p:nvSpPr>
+          <p:cNvPr id="198" name="テキスト ボックス 197"/>
           <p:cNvSpPr txBox="1"/>
           <p:nvPr/>
         </p:nvSpPr>
         <p:spPr>
           <a:xfrm>
-            <a:off x="6753316" y="1665409"/>
-            <a:ext cx="441146" cy="246221"/>
+            <a:off x="6756029" y="1672856"/>
+            <a:ext cx="569387" cy="246221"/>
           </a:xfrm>
           <a:prstGeom prst="rect">
             <a:avLst/>
@@ -12637,12 +12697,20 @@
           <a:lstStyle/>
           <a:p>
             <a:r>
-              <a:rPr lang="en-US" altLang="en-US" sz="1000" dirty="0" smtClean="0">
+              <a:rPr kumimoji="1" lang="ja-JP" altLang="en-US" sz="1000" dirty="0" smtClean="0">
                 <a:latin typeface="メイリオ"/>
                 <a:ea typeface="メイリオ"/>
                 <a:cs typeface="メイリオ"/>
               </a:rPr>
-              <a:t>収入</a:t>
+              <a:t>種類</a:t>
+            </a:r>
+            <a:r>
+              <a:rPr kumimoji="1" lang="ja-JP" altLang="en-US" sz="1000" dirty="0" smtClean="0">
+                <a:latin typeface="メイリオ"/>
+                <a:ea typeface="メイリオ"/>
+                <a:cs typeface="メイリオ"/>
+              </a:rPr>
+              <a:t>：</a:t>
             </a:r>
             <a:endParaRPr kumimoji="1" lang="ja-JP" altLang="en-US" sz="1000" dirty="0">
               <a:latin typeface="メイリオ"/>
@@ -12654,135 +12722,7 @@
       </p:sp>
       <p:sp>
         <p:nvSpPr>
-          <p:cNvPr id="180" name="テキスト ボックス 179"/>
-          <p:cNvSpPr txBox="1"/>
-          <p:nvPr/>
-        </p:nvSpPr>
-        <p:spPr>
-          <a:xfrm>
-            <a:off x="7307924" y="1656657"/>
-            <a:ext cx="441146" cy="246221"/>
-          </a:xfrm>
-          <a:prstGeom prst="rect">
-            <a:avLst/>
-          </a:prstGeom>
-          <a:noFill/>
-        </p:spPr>
-        <p:txBody>
-          <a:bodyPr wrap="none" rtlCol="0">
-            <a:spAutoFit/>
-          </a:bodyPr>
-          <a:lstStyle/>
-          <a:p>
-            <a:r>
-              <a:rPr lang="ja-JP" altLang="en-US" sz="1000" dirty="0" smtClean="0">
-                <a:latin typeface="メイリオ"/>
-                <a:ea typeface="メイリオ"/>
-                <a:cs typeface="メイリオ"/>
-              </a:rPr>
-              <a:t>支出</a:t>
-            </a:r>
-            <a:endParaRPr kumimoji="1" lang="ja-JP" altLang="en-US" sz="1000" dirty="0">
-              <a:latin typeface="メイリオ"/>
-              <a:ea typeface="メイリオ"/>
-              <a:cs typeface="メイリオ"/>
-            </a:endParaRPr>
-          </a:p>
-        </p:txBody>
-      </p:sp>
-      <p:sp>
-        <p:nvSpPr>
-          <p:cNvPr id="181" name="円/楕円 180"/>
-          <p:cNvSpPr/>
-          <p:nvPr/>
-        </p:nvSpPr>
-        <p:spPr>
-          <a:xfrm flipH="1">
-            <a:off x="7145127" y="1711407"/>
-            <a:ext cx="162796" cy="157651"/>
-          </a:xfrm>
-          <a:prstGeom prst="ellipse">
-            <a:avLst/>
-          </a:prstGeom>
-          <a:noFill/>
-          <a:ln w="38100">
-            <a:solidFill>
-              <a:schemeClr val="tx1"/>
-            </a:solidFill>
-          </a:ln>
-          <a:effectLst/>
-        </p:spPr>
-        <p:style>
-          <a:lnRef idx="1">
-            <a:schemeClr val="accent1"/>
-          </a:lnRef>
-          <a:fillRef idx="3">
-            <a:schemeClr val="accent1"/>
-          </a:fillRef>
-          <a:effectRef idx="2">
-            <a:schemeClr val="accent1"/>
-          </a:effectRef>
-          <a:fontRef idx="minor">
-            <a:schemeClr val="lt1"/>
-          </a:fontRef>
-        </p:style>
-        <p:txBody>
-          <a:bodyPr rtlCol="0" anchor="ctr"/>
-          <a:lstStyle/>
-          <a:p>
-            <a:pPr algn="ctr"/>
-            <a:endParaRPr kumimoji="1" lang="ja-JP" altLang="en-US"/>
-          </a:p>
-        </p:txBody>
-      </p:sp>
-      <p:sp>
-        <p:nvSpPr>
-          <p:cNvPr id="182" name="円/楕円 181"/>
-          <p:cNvSpPr/>
-          <p:nvPr/>
-        </p:nvSpPr>
-        <p:spPr>
-          <a:xfrm flipH="1">
-            <a:off x="7714435" y="1714254"/>
-            <a:ext cx="162796" cy="157651"/>
-          </a:xfrm>
-          <a:prstGeom prst="ellipse">
-            <a:avLst/>
-          </a:prstGeom>
-          <a:noFill/>
-          <a:ln w="38100">
-            <a:solidFill>
-              <a:schemeClr val="tx1"/>
-            </a:solidFill>
-          </a:ln>
-          <a:effectLst/>
-        </p:spPr>
-        <p:style>
-          <a:lnRef idx="1">
-            <a:schemeClr val="accent1"/>
-          </a:lnRef>
-          <a:fillRef idx="3">
-            <a:schemeClr val="accent1"/>
-          </a:fillRef>
-          <a:effectRef idx="2">
-            <a:schemeClr val="accent1"/>
-          </a:effectRef>
-          <a:fontRef idx="minor">
-            <a:schemeClr val="lt1"/>
-          </a:fontRef>
-        </p:style>
-        <p:txBody>
-          <a:bodyPr rtlCol="0" anchor="ctr"/>
-          <a:lstStyle/>
-          <a:p>
-            <a:pPr algn="ctr"/>
-            <a:endParaRPr kumimoji="1" lang="ja-JP" altLang="en-US"/>
-          </a:p>
-        </p:txBody>
-      </p:sp>
-      <p:sp>
-        <p:nvSpPr>
-          <p:cNvPr id="183" name="正方形/長方形 182"/>
+          <p:cNvPr id="199" name="正方形/長方形 198"/>
           <p:cNvSpPr/>
           <p:nvPr/>
         </p:nvSpPr>
@@ -12830,6 +12770,44 @@
               <a:solidFill>
                 <a:schemeClr val="tx1"/>
               </a:solidFill>
+              <a:latin typeface="メイリオ"/>
+              <a:ea typeface="メイリオ"/>
+              <a:cs typeface="メイリオ"/>
+            </a:endParaRPr>
+          </a:p>
+        </p:txBody>
+      </p:sp>
+      <p:sp>
+        <p:nvSpPr>
+          <p:cNvPr id="4" name="テキスト ボックス 3"/>
+          <p:cNvSpPr txBox="1"/>
+          <p:nvPr/>
+        </p:nvSpPr>
+        <p:spPr>
+          <a:xfrm>
+            <a:off x="200532" y="187161"/>
+            <a:ext cx="4493538" cy="523220"/>
+          </a:xfrm>
+          <a:prstGeom prst="rect">
+            <a:avLst/>
+          </a:prstGeom>
+          <a:noFill/>
+        </p:spPr>
+        <p:txBody>
+          <a:bodyPr wrap="none" rtlCol="0">
+            <a:spAutoFit/>
+          </a:bodyPr>
+          <a:lstStyle/>
+          <a:p>
+            <a:r>
+              <a:rPr lang="ja-JP" altLang="en-US" sz="2800" dirty="0" smtClean="0">
+                <a:latin typeface="メイリオ"/>
+                <a:ea typeface="メイリオ"/>
+                <a:cs typeface="メイリオ"/>
+              </a:rPr>
+              <a:t>管理画面（カテゴリ選択）</a:t>
+            </a:r>
+            <a:endParaRPr kumimoji="1" lang="ja-JP" altLang="en-US" sz="2000" dirty="0">
               <a:latin typeface="メイリオ"/>
               <a:ea typeface="メイリオ"/>
               <a:cs typeface="メイリオ"/>
@@ -12897,54 +12875,16 @@
           <a:chExt cx="0" cy="0"/>
         </a:xfrm>
       </p:grpSpPr>
-      <p:sp>
-        <p:nvSpPr>
-          <p:cNvPr id="4" name="テキスト ボックス 3"/>
-          <p:cNvSpPr txBox="1"/>
-          <p:nvPr/>
-        </p:nvSpPr>
-        <p:spPr>
-          <a:xfrm>
-            <a:off x="200532" y="187161"/>
-            <a:ext cx="4134465" cy="523220"/>
-          </a:xfrm>
-          <a:prstGeom prst="rect">
-            <a:avLst/>
-          </a:prstGeom>
-          <a:noFill/>
-        </p:spPr>
-        <p:txBody>
-          <a:bodyPr wrap="none" rtlCol="0">
-            <a:spAutoFit/>
-          </a:bodyPr>
-          <a:lstStyle/>
-          <a:p>
-            <a:r>
-              <a:rPr lang="ja-JP" altLang="en-US" sz="2800" dirty="0" smtClean="0">
-                <a:latin typeface="メイリオ"/>
-                <a:ea typeface="メイリオ"/>
-                <a:cs typeface="メイリオ"/>
-              </a:rPr>
-              <a:t>管理画面（登録失敗時）</a:t>
-            </a:r>
-            <a:endParaRPr kumimoji="1" lang="ja-JP" altLang="en-US" sz="2000" dirty="0">
-              <a:latin typeface="メイリオ"/>
-              <a:ea typeface="メイリオ"/>
-              <a:cs typeface="メイリオ"/>
-            </a:endParaRPr>
-          </a:p>
-        </p:txBody>
-      </p:sp>
       <p:graphicFrame>
         <p:nvGraphicFramePr>
-          <p:cNvPr id="80" name="表 79"/>
+          <p:cNvPr id="102" name="表 101"/>
           <p:cNvGraphicFramePr>
             <a:graphicFrameLocks noGrp="1"/>
           </p:cNvGraphicFramePr>
           <p:nvPr>
             <p:extLst>
               <p:ext uri="{D42A27DB-BD31-4B8C-83A1-F6EECF244321}">
-                <p14:modId xmlns:p14="http://schemas.microsoft.com/office/powerpoint/2010/main" val="2813874527"/>
+                <p14:modId xmlns:p14="http://schemas.microsoft.com/office/powerpoint/2010/main" val="171597873"/>
               </p:ext>
             </p:extLst>
           </p:nvPr>
@@ -13439,7 +13379,7 @@
       </p:graphicFrame>
       <p:sp>
         <p:nvSpPr>
-          <p:cNvPr id="81" name="正方形/長方形 80"/>
+          <p:cNvPr id="103" name="正方形/長方形 102"/>
           <p:cNvSpPr/>
           <p:nvPr/>
         </p:nvSpPr>
@@ -13491,7 +13431,7 @@
       </p:sp>
       <p:sp>
         <p:nvSpPr>
-          <p:cNvPr id="82" name="角丸四角形 81"/>
+          <p:cNvPr id="104" name="角丸四角形 103"/>
           <p:cNvSpPr/>
           <p:nvPr/>
         </p:nvSpPr>
@@ -13536,7 +13476,7 @@
       </p:sp>
       <p:sp>
         <p:nvSpPr>
-          <p:cNvPr id="83" name="テキスト ボックス 82"/>
+          <p:cNvPr id="105" name="テキスト ボックス 104"/>
           <p:cNvSpPr txBox="1"/>
           <p:nvPr/>
         </p:nvSpPr>
@@ -13574,7 +13514,7 @@
       </p:sp>
       <p:sp>
         <p:nvSpPr>
-          <p:cNvPr id="84" name="角丸四角形 83"/>
+          <p:cNvPr id="106" name="角丸四角形 105"/>
           <p:cNvSpPr/>
           <p:nvPr/>
         </p:nvSpPr>
@@ -13619,7 +13559,7 @@
       </p:sp>
       <p:sp>
         <p:nvSpPr>
-          <p:cNvPr id="85" name="テキスト ボックス 84"/>
+          <p:cNvPr id="107" name="テキスト ボックス 106"/>
           <p:cNvSpPr txBox="1"/>
           <p:nvPr/>
         </p:nvSpPr>
@@ -13665,7 +13605,7 @@
       </p:sp>
       <p:sp>
         <p:nvSpPr>
-          <p:cNvPr id="86" name="角丸四角形 85"/>
+          <p:cNvPr id="108" name="角丸四角形 107"/>
           <p:cNvSpPr/>
           <p:nvPr/>
         </p:nvSpPr>
@@ -13710,7 +13650,7 @@
       </p:sp>
       <p:sp>
         <p:nvSpPr>
-          <p:cNvPr id="87" name="テキスト ボックス 86"/>
+          <p:cNvPr id="109" name="テキスト ボックス 108"/>
           <p:cNvSpPr txBox="1"/>
           <p:nvPr/>
         </p:nvSpPr>
@@ -13756,7 +13696,7 @@
       </p:sp>
       <p:sp>
         <p:nvSpPr>
-          <p:cNvPr id="88" name="角丸四角形 87"/>
+          <p:cNvPr id="110" name="角丸四角形 109"/>
           <p:cNvSpPr/>
           <p:nvPr/>
         </p:nvSpPr>
@@ -13801,7 +13741,7 @@
       </p:sp>
       <p:sp>
         <p:nvSpPr>
-          <p:cNvPr id="89" name="テキスト ボックス 88"/>
+          <p:cNvPr id="111" name="テキスト ボックス 110"/>
           <p:cNvSpPr txBox="1"/>
           <p:nvPr/>
         </p:nvSpPr>
@@ -13847,7 +13787,7 @@
       </p:sp>
       <p:sp>
         <p:nvSpPr>
-          <p:cNvPr id="90" name="角丸四角形 89"/>
+          <p:cNvPr id="112" name="角丸四角形 111"/>
           <p:cNvSpPr/>
           <p:nvPr/>
         </p:nvSpPr>
@@ -13910,7 +13850,7 @@
       </p:sp>
       <p:cxnSp>
         <p:nvCxnSpPr>
-          <p:cNvPr id="91" name="直線コネクタ 90"/>
+          <p:cNvPr id="113" name="直線コネクタ 112"/>
           <p:cNvCxnSpPr/>
           <p:nvPr/>
         </p:nvCxnSpPr>
@@ -13948,7 +13888,7 @@
       </p:cxnSp>
       <p:sp>
         <p:nvSpPr>
-          <p:cNvPr id="92" name="テキスト ボックス 91"/>
+          <p:cNvPr id="114" name="テキスト ボックス 113"/>
           <p:cNvSpPr txBox="1"/>
           <p:nvPr/>
         </p:nvSpPr>
@@ -13986,7 +13926,7 @@
       </p:sp>
       <p:sp>
         <p:nvSpPr>
-          <p:cNvPr id="93" name="テキスト ボックス 92"/>
+          <p:cNvPr id="115" name="テキスト ボックス 114"/>
           <p:cNvSpPr txBox="1"/>
           <p:nvPr/>
         </p:nvSpPr>
@@ -14024,7 +13964,7 @@
       </p:sp>
       <p:sp>
         <p:nvSpPr>
-          <p:cNvPr id="94" name="テキスト ボックス 93"/>
+          <p:cNvPr id="116" name="テキスト ボックス 115"/>
           <p:cNvSpPr txBox="1"/>
           <p:nvPr/>
         </p:nvSpPr>
@@ -14062,7 +14002,7 @@
       </p:sp>
       <p:sp>
         <p:nvSpPr>
-          <p:cNvPr id="95" name="二等辺三角形 94"/>
+          <p:cNvPr id="117" name="二等辺三角形 116"/>
           <p:cNvSpPr/>
           <p:nvPr/>
         </p:nvSpPr>
@@ -14107,7 +14047,7 @@
       </p:sp>
       <p:sp>
         <p:nvSpPr>
-          <p:cNvPr id="96" name="二等辺三角形 95"/>
+          <p:cNvPr id="118" name="二等辺三角形 117"/>
           <p:cNvSpPr/>
           <p:nvPr/>
         </p:nvSpPr>
@@ -14152,7 +14092,7 @@
       </p:sp>
       <p:sp>
         <p:nvSpPr>
-          <p:cNvPr id="97" name="テキスト ボックス 96"/>
+          <p:cNvPr id="119" name="テキスト ボックス 118"/>
           <p:cNvSpPr txBox="1"/>
           <p:nvPr/>
         </p:nvSpPr>
@@ -14190,7 +14130,7 @@
       </p:sp>
       <p:sp>
         <p:nvSpPr>
-          <p:cNvPr id="98" name="テキスト ボックス 97"/>
+          <p:cNvPr id="120" name="テキスト ボックス 119"/>
           <p:cNvSpPr txBox="1"/>
           <p:nvPr/>
         </p:nvSpPr>
@@ -14284,7 +14224,7 @@
       </p:sp>
       <p:sp>
         <p:nvSpPr>
-          <p:cNvPr id="99" name="二等辺三角形 98"/>
+          <p:cNvPr id="121" name="二等辺三角形 120"/>
           <p:cNvSpPr/>
           <p:nvPr/>
         </p:nvSpPr>
@@ -14329,7 +14269,7 @@
       </p:sp>
       <p:sp>
         <p:nvSpPr>
-          <p:cNvPr id="100" name="二等辺三角形 99"/>
+          <p:cNvPr id="122" name="二等辺三角形 121"/>
           <p:cNvSpPr/>
           <p:nvPr/>
         </p:nvSpPr>
@@ -14374,7 +14314,7 @@
       </p:sp>
       <p:sp>
         <p:nvSpPr>
-          <p:cNvPr id="101" name="二等辺三角形 100"/>
+          <p:cNvPr id="123" name="二等辺三角形 122"/>
           <p:cNvSpPr/>
           <p:nvPr/>
         </p:nvSpPr>
@@ -14419,7 +14359,7 @@
       </p:sp>
       <p:sp>
         <p:nvSpPr>
-          <p:cNvPr id="140" name="二等辺三角形 139"/>
+          <p:cNvPr id="124" name="二等辺三角形 123"/>
           <p:cNvSpPr/>
           <p:nvPr/>
         </p:nvSpPr>
@@ -14464,7 +14404,7 @@
       </p:sp>
       <p:sp>
         <p:nvSpPr>
-          <p:cNvPr id="141" name="角丸四角形 140"/>
+          <p:cNvPr id="125" name="角丸四角形 124"/>
           <p:cNvSpPr/>
           <p:nvPr/>
         </p:nvSpPr>
@@ -14527,7 +14467,7 @@
       </p:sp>
       <p:pic>
         <p:nvPicPr>
-          <p:cNvPr id="142" name="図 141" descr="trash.png"/>
+          <p:cNvPr id="126" name="図 125" descr="trash.png"/>
           <p:cNvPicPr>
             <a:picLocks noChangeAspect="1"/>
           </p:cNvPicPr>
@@ -14557,7 +14497,7 @@
       </p:pic>
       <p:pic>
         <p:nvPicPr>
-          <p:cNvPr id="143" name="図 142" descr="trash.png"/>
+          <p:cNvPr id="127" name="図 126" descr="trash.png"/>
           <p:cNvPicPr>
             <a:picLocks noChangeAspect="1"/>
           </p:cNvPicPr>
@@ -14587,7 +14527,7 @@
       </p:pic>
       <p:pic>
         <p:nvPicPr>
-          <p:cNvPr id="144" name="図 143" descr="trash.png"/>
+          <p:cNvPr id="128" name="図 127" descr="trash.png"/>
           <p:cNvPicPr>
             <a:picLocks noChangeAspect="1"/>
           </p:cNvPicPr>
@@ -14617,7 +14557,7 @@
       </p:pic>
       <p:pic>
         <p:nvPicPr>
-          <p:cNvPr id="145" name="図 144" descr="trash.png"/>
+          <p:cNvPr id="129" name="図 128" descr="trash.png"/>
           <p:cNvPicPr>
             <a:picLocks noChangeAspect="1"/>
           </p:cNvPicPr>
@@ -14647,7 +14587,7 @@
       </p:pic>
       <p:pic>
         <p:nvPicPr>
-          <p:cNvPr id="146" name="図 145" descr="trash.png"/>
+          <p:cNvPr id="130" name="図 129" descr="trash.png"/>
           <p:cNvPicPr>
             <a:picLocks noChangeAspect="1"/>
           </p:cNvPicPr>
@@ -14677,7 +14617,7 @@
       </p:pic>
       <p:pic>
         <p:nvPicPr>
-          <p:cNvPr id="147" name="図 146" descr="trash.png"/>
+          <p:cNvPr id="131" name="図 130" descr="trash.png"/>
           <p:cNvPicPr>
             <a:picLocks noChangeAspect="1"/>
           </p:cNvPicPr>
@@ -14707,7 +14647,7 @@
       </p:pic>
       <p:pic>
         <p:nvPicPr>
-          <p:cNvPr id="148" name="図 147" descr="trash.png"/>
+          <p:cNvPr id="132" name="図 131" descr="trash.png"/>
           <p:cNvPicPr>
             <a:picLocks noChangeAspect="1"/>
           </p:cNvPicPr>
@@ -14737,7 +14677,7 @@
       </p:pic>
       <p:pic>
         <p:nvPicPr>
-          <p:cNvPr id="149" name="図 148" descr="trash.png"/>
+          <p:cNvPr id="133" name="図 132" descr="trash.png"/>
           <p:cNvPicPr>
             <a:picLocks noChangeAspect="1"/>
           </p:cNvPicPr>
@@ -14767,7 +14707,7 @@
       </p:pic>
       <p:pic>
         <p:nvPicPr>
-          <p:cNvPr id="150" name="図 149" descr="trash.png"/>
+          <p:cNvPr id="134" name="図 133" descr="trash.png"/>
           <p:cNvPicPr>
             <a:picLocks noChangeAspect="1"/>
           </p:cNvPicPr>
@@ -14797,7 +14737,7 @@
       </p:pic>
       <p:pic>
         <p:nvPicPr>
-          <p:cNvPr id="151" name="図 150" descr="trash.png"/>
+          <p:cNvPr id="135" name="図 134" descr="trash.png"/>
           <p:cNvPicPr>
             <a:picLocks noChangeAspect="1"/>
           </p:cNvPicPr>
@@ -14827,7 +14767,7 @@
       </p:pic>
       <p:grpSp>
         <p:nvGrpSpPr>
-          <p:cNvPr id="152" name="図形グループ 151"/>
+          <p:cNvPr id="136" name="図形グループ 135"/>
           <p:cNvGrpSpPr/>
           <p:nvPr/>
         </p:nvGrpSpPr>
@@ -14841,7 +14781,7 @@
         </p:grpSpPr>
         <p:sp>
           <p:nvSpPr>
-            <p:cNvPr id="153" name="角丸四角形 152"/>
+            <p:cNvPr id="137" name="角丸四角形 136"/>
             <p:cNvSpPr/>
             <p:nvPr/>
           </p:nvSpPr>
@@ -14890,7 +14830,7 @@
         </p:sp>
         <p:cxnSp>
           <p:nvCxnSpPr>
-            <p:cNvPr id="154" name="直線コネクタ 153"/>
+            <p:cNvPr id="138" name="直線コネクタ 137"/>
             <p:cNvCxnSpPr/>
             <p:nvPr/>
           </p:nvCxnSpPr>
@@ -14925,7 +14865,7 @@
         </p:cxnSp>
         <p:cxnSp>
           <p:nvCxnSpPr>
-            <p:cNvPr id="155" name="直線コネクタ 154"/>
+            <p:cNvPr id="139" name="直線コネクタ 138"/>
             <p:cNvCxnSpPr/>
             <p:nvPr/>
           </p:nvCxnSpPr>
@@ -14960,7 +14900,7 @@
         </p:cxnSp>
         <p:cxnSp>
           <p:nvCxnSpPr>
-            <p:cNvPr id="156" name="直線コネクタ 155"/>
+            <p:cNvPr id="195" name="直線コネクタ 194"/>
             <p:cNvCxnSpPr/>
             <p:nvPr/>
           </p:nvCxnSpPr>
@@ -14996,7 +14936,7 @@
       </p:grpSp>
       <p:cxnSp>
         <p:nvCxnSpPr>
-          <p:cNvPr id="157" name="直線コネクタ 156"/>
+          <p:cNvPr id="196" name="直線コネクタ 195"/>
           <p:cNvCxnSpPr/>
           <p:nvPr/>
         </p:nvCxnSpPr>
@@ -15034,7 +14974,7 @@
       </p:cxnSp>
       <p:sp>
         <p:nvSpPr>
-          <p:cNvPr id="158" name="テキスト ボックス 157"/>
+          <p:cNvPr id="197" name="テキスト ボックス 196"/>
           <p:cNvSpPr txBox="1"/>
           <p:nvPr/>
         </p:nvSpPr>
@@ -15072,7 +15012,7 @@
       </p:sp>
       <p:sp>
         <p:nvSpPr>
-          <p:cNvPr id="159" name="角丸四角形 158"/>
+          <p:cNvPr id="198" name="角丸四角形 197"/>
           <p:cNvSpPr/>
           <p:nvPr/>
         </p:nvSpPr>
@@ -15117,7 +15057,7 @@
       </p:sp>
       <p:sp>
         <p:nvSpPr>
-          <p:cNvPr id="160" name="テキスト ボックス 159"/>
+          <p:cNvPr id="199" name="テキスト ボックス 198"/>
           <p:cNvSpPr txBox="1"/>
           <p:nvPr/>
         </p:nvSpPr>
@@ -15155,7 +15095,7 @@
       </p:sp>
       <p:sp>
         <p:nvSpPr>
-          <p:cNvPr id="161" name="テキスト ボックス 160"/>
+          <p:cNvPr id="200" name="テキスト ボックス 199"/>
           <p:cNvSpPr txBox="1"/>
           <p:nvPr/>
         </p:nvSpPr>
@@ -15201,7 +15141,7 @@
       </p:sp>
       <p:sp>
         <p:nvSpPr>
-          <p:cNvPr id="162" name="角丸四角形 161"/>
+          <p:cNvPr id="201" name="角丸四角形 200"/>
           <p:cNvSpPr/>
           <p:nvPr/>
         </p:nvSpPr>
@@ -15246,7 +15186,7 @@
       </p:sp>
       <p:grpSp>
         <p:nvGrpSpPr>
-          <p:cNvPr id="163" name="図形グループ 162"/>
+          <p:cNvPr id="202" name="図形グループ 201"/>
           <p:cNvGrpSpPr/>
           <p:nvPr/>
         </p:nvGrpSpPr>
@@ -15260,7 +15200,7 @@
         </p:grpSpPr>
         <p:sp>
           <p:nvSpPr>
-            <p:cNvPr id="164" name="角丸四角形 163"/>
+            <p:cNvPr id="203" name="角丸四角形 202"/>
             <p:cNvSpPr/>
             <p:nvPr/>
           </p:nvSpPr>
@@ -15322,7 +15262,7 @@
         </p:sp>
         <p:sp>
           <p:nvSpPr>
-            <p:cNvPr id="165" name="二等辺三角形 164"/>
+            <p:cNvPr id="204" name="二等辺三角形 203"/>
             <p:cNvSpPr/>
             <p:nvPr/>
           </p:nvSpPr>
@@ -15368,7 +15308,7 @@
       </p:grpSp>
       <p:sp>
         <p:nvSpPr>
-          <p:cNvPr id="166" name="テキスト ボックス 165"/>
+          <p:cNvPr id="205" name="テキスト ボックス 204"/>
           <p:cNvSpPr txBox="1"/>
           <p:nvPr/>
         </p:nvSpPr>
@@ -15414,7 +15354,7 @@
       </p:sp>
       <p:sp>
         <p:nvSpPr>
-          <p:cNvPr id="167" name="角丸四角形 166"/>
+          <p:cNvPr id="206" name="角丸四角形 205"/>
           <p:cNvSpPr/>
           <p:nvPr/>
         </p:nvSpPr>
@@ -15459,7 +15399,7 @@
       </p:sp>
       <p:sp>
         <p:nvSpPr>
-          <p:cNvPr id="168" name="テキスト ボックス 167"/>
+          <p:cNvPr id="207" name="テキスト ボックス 206"/>
           <p:cNvSpPr txBox="1"/>
           <p:nvPr/>
         </p:nvSpPr>
@@ -15505,7 +15445,7 @@
       </p:sp>
       <p:sp>
         <p:nvSpPr>
-          <p:cNvPr id="169" name="角丸四角形 168"/>
+          <p:cNvPr id="208" name="角丸四角形 207"/>
           <p:cNvSpPr/>
           <p:nvPr/>
         </p:nvSpPr>
@@ -15550,7 +15490,7 @@
       </p:sp>
       <p:sp>
         <p:nvSpPr>
-          <p:cNvPr id="170" name="角丸四角形 169"/>
+          <p:cNvPr id="209" name="角丸四角形 208"/>
           <p:cNvSpPr/>
           <p:nvPr/>
         </p:nvSpPr>
@@ -15595,7 +15535,7 @@
       </p:sp>
       <p:sp>
         <p:nvSpPr>
-          <p:cNvPr id="171" name="テキスト ボックス 170"/>
+          <p:cNvPr id="210" name="テキスト ボックス 209"/>
           <p:cNvSpPr txBox="1"/>
           <p:nvPr/>
         </p:nvSpPr>
@@ -15633,7 +15573,7 @@
       </p:sp>
       <p:sp>
         <p:nvSpPr>
-          <p:cNvPr id="172" name="角丸四角形 171"/>
+          <p:cNvPr id="211" name="角丸四角形 210"/>
           <p:cNvSpPr/>
           <p:nvPr/>
         </p:nvSpPr>
@@ -15678,7 +15618,7 @@
       </p:sp>
       <p:sp>
         <p:nvSpPr>
-          <p:cNvPr id="173" name="角丸四角形 172"/>
+          <p:cNvPr id="212" name="角丸四角形 211"/>
           <p:cNvSpPr/>
           <p:nvPr/>
         </p:nvSpPr>
@@ -15741,7 +15681,7 @@
       </p:sp>
       <p:grpSp>
         <p:nvGrpSpPr>
-          <p:cNvPr id="174" name="図形グループ 173"/>
+          <p:cNvPr id="213" name="図形グループ 212"/>
           <p:cNvGrpSpPr/>
           <p:nvPr/>
         </p:nvGrpSpPr>
@@ -15755,7 +15695,7 @@
         </p:grpSpPr>
         <p:sp>
           <p:nvSpPr>
-            <p:cNvPr id="175" name="角丸四角形 174"/>
+            <p:cNvPr id="214" name="角丸四角形 213"/>
             <p:cNvSpPr/>
             <p:nvPr/>
           </p:nvSpPr>
@@ -15804,7 +15744,7 @@
         </p:sp>
         <p:cxnSp>
           <p:nvCxnSpPr>
-            <p:cNvPr id="176" name="直線コネクタ 175"/>
+            <p:cNvPr id="215" name="直線コネクタ 214"/>
             <p:cNvCxnSpPr/>
             <p:nvPr/>
           </p:nvCxnSpPr>
@@ -15839,7 +15779,7 @@
         </p:cxnSp>
         <p:cxnSp>
           <p:nvCxnSpPr>
-            <p:cNvPr id="177" name="直線コネクタ 176"/>
+            <p:cNvPr id="216" name="直線コネクタ 215"/>
             <p:cNvCxnSpPr/>
             <p:nvPr/>
           </p:nvCxnSpPr>
@@ -15874,7 +15814,7 @@
         </p:cxnSp>
         <p:cxnSp>
           <p:nvCxnSpPr>
-            <p:cNvPr id="178" name="直線コネクタ 177"/>
+            <p:cNvPr id="217" name="直線コネクタ 216"/>
             <p:cNvCxnSpPr/>
             <p:nvPr/>
           </p:nvCxnSpPr>
@@ -15910,7 +15850,7 @@
       </p:grpSp>
       <p:sp>
         <p:nvSpPr>
-          <p:cNvPr id="179" name="テキスト ボックス 178"/>
+          <p:cNvPr id="218" name="テキスト ボックス 217"/>
           <p:cNvSpPr txBox="1"/>
           <p:nvPr/>
         </p:nvSpPr>
@@ -15948,7 +15888,7 @@
       </p:sp>
       <p:sp>
         <p:nvSpPr>
-          <p:cNvPr id="180" name="テキスト ボックス 179"/>
+          <p:cNvPr id="219" name="テキスト ボックス 218"/>
           <p:cNvSpPr txBox="1"/>
           <p:nvPr/>
         </p:nvSpPr>
@@ -15986,7 +15926,7 @@
       </p:sp>
       <p:sp>
         <p:nvSpPr>
-          <p:cNvPr id="181" name="円/楕円 180"/>
+          <p:cNvPr id="220" name="円/楕円 219"/>
           <p:cNvSpPr/>
           <p:nvPr/>
         </p:nvSpPr>
@@ -16031,7 +15971,7 @@
       </p:sp>
       <p:sp>
         <p:nvSpPr>
-          <p:cNvPr id="182" name="円/楕円 181"/>
+          <p:cNvPr id="221" name="円/楕円 220"/>
           <p:cNvSpPr/>
           <p:nvPr/>
         </p:nvSpPr>
@@ -16074,16 +16014,127 @@
           </a:p>
         </p:txBody>
       </p:sp>
-      <p:sp>
-        <p:nvSpPr>
-          <p:cNvPr id="183" name="テキスト ボックス 182"/>
+      <p:grpSp>
+        <p:nvGrpSpPr>
+          <p:cNvPr id="222" name="図形グループ 221"/>
+          <p:cNvGrpSpPr/>
+          <p:nvPr/>
+        </p:nvGrpSpPr>
+        <p:grpSpPr>
+          <a:xfrm>
+            <a:off x="7244601" y="1714972"/>
+            <a:ext cx="519922" cy="154577"/>
+            <a:chOff x="3729152" y="1722410"/>
+            <a:chExt cx="519922" cy="154577"/>
+          </a:xfrm>
+        </p:grpSpPr>
+        <p:sp>
+          <p:nvSpPr>
+            <p:cNvPr id="223" name="角丸四角形 222"/>
+            <p:cNvSpPr/>
+            <p:nvPr/>
+          </p:nvSpPr>
+          <p:spPr>
+            <a:xfrm>
+              <a:off x="3729152" y="1722410"/>
+              <a:ext cx="519922" cy="154577"/>
+            </a:xfrm>
+            <a:prstGeom prst="roundRect">
+              <a:avLst/>
+            </a:prstGeom>
+            <a:noFill/>
+            <a:ln w="25400">
+              <a:solidFill>
+                <a:schemeClr val="tx1"/>
+              </a:solidFill>
+            </a:ln>
+            <a:effectLst/>
+          </p:spPr>
+          <p:style>
+            <a:lnRef idx="1">
+              <a:schemeClr val="accent1"/>
+            </a:lnRef>
+            <a:fillRef idx="3">
+              <a:schemeClr val="accent1"/>
+            </a:fillRef>
+            <a:effectRef idx="2">
+              <a:schemeClr val="accent1"/>
+            </a:effectRef>
+            <a:fontRef idx="minor">
+              <a:schemeClr val="lt1"/>
+            </a:fontRef>
+          </p:style>
+          <p:txBody>
+            <a:bodyPr rtlCol="0" anchor="ctr"/>
+            <a:lstStyle/>
+            <a:p>
+              <a:endParaRPr kumimoji="1" lang="ja-JP" altLang="en-US" sz="800" dirty="0">
+                <a:solidFill>
+                  <a:schemeClr val="tx1"/>
+                </a:solidFill>
+                <a:latin typeface="メイリオ"/>
+                <a:ea typeface="メイリオ"/>
+                <a:cs typeface="メイリオ"/>
+              </a:endParaRPr>
+            </a:p>
+          </p:txBody>
+        </p:sp>
+        <p:sp>
+          <p:nvSpPr>
+            <p:cNvPr id="224" name="二等辺三角形 223"/>
+            <p:cNvSpPr/>
+            <p:nvPr/>
+          </p:nvSpPr>
+          <p:spPr>
+            <a:xfrm rot="10800000">
+              <a:off x="4102931" y="1761549"/>
+              <a:ext cx="108000" cy="108000"/>
+            </a:xfrm>
+            <a:prstGeom prst="triangle">
+              <a:avLst/>
+            </a:prstGeom>
+            <a:solidFill>
+              <a:schemeClr val="tx1"/>
+            </a:solidFill>
+            <a:ln>
+              <a:noFill/>
+            </a:ln>
+            <a:effectLst/>
+          </p:spPr>
+          <p:style>
+            <a:lnRef idx="1">
+              <a:schemeClr val="accent1"/>
+            </a:lnRef>
+            <a:fillRef idx="3">
+              <a:schemeClr val="accent1"/>
+            </a:fillRef>
+            <a:effectRef idx="2">
+              <a:schemeClr val="accent1"/>
+            </a:effectRef>
+            <a:fontRef idx="minor">
+              <a:schemeClr val="lt1"/>
+            </a:fontRef>
+          </p:style>
+          <p:txBody>
+            <a:bodyPr rtlCol="0" anchor="ctr"/>
+            <a:lstStyle/>
+            <a:p>
+              <a:pPr algn="ctr"/>
+              <a:endParaRPr kumimoji="1" lang="ja-JP" altLang="en-US"/>
+            </a:p>
+          </p:txBody>
+        </p:sp>
+      </p:grpSp>
+      <p:sp>
+        <p:nvSpPr>
+          <p:cNvPr id="225" name="テキスト ボックス 224"/>
           <p:cNvSpPr txBox="1"/>
           <p:nvPr/>
         </p:nvSpPr>
         <p:spPr>
           <a:xfrm>
-            <a:off x="6753316" y="1665409"/>
-            <a:ext cx="441146" cy="246221"/>
+            <a:off x="6756029" y="1672856"/>
+            <a:ext cx="569387" cy="246221"/>
           </a:xfrm>
           <a:prstGeom prst="rect">
             <a:avLst/>
@@ -16097,12 +16148,20 @@
           <a:lstStyle/>
           <a:p>
             <a:r>
-              <a:rPr lang="en-US" altLang="en-US" sz="1000" dirty="0" smtClean="0">
+              <a:rPr kumimoji="1" lang="ja-JP" altLang="en-US" sz="1000" dirty="0" smtClean="0">
                 <a:latin typeface="メイリオ"/>
                 <a:ea typeface="メイリオ"/>
                 <a:cs typeface="メイリオ"/>
               </a:rPr>
-              <a:t>収入</a:t>
+              <a:t>種類</a:t>
+            </a:r>
+            <a:r>
+              <a:rPr kumimoji="1" lang="ja-JP" altLang="en-US" sz="1000" dirty="0" smtClean="0">
+                <a:latin typeface="メイリオ"/>
+                <a:ea typeface="メイリオ"/>
+                <a:cs typeface="メイリオ"/>
+              </a:rPr>
+              <a:t>：</a:t>
             </a:r>
             <a:endParaRPr kumimoji="1" lang="ja-JP" altLang="en-US" sz="1000" dirty="0">
               <a:latin typeface="メイリオ"/>
@@ -16114,135 +16173,7 @@
       </p:sp>
       <p:sp>
         <p:nvSpPr>
-          <p:cNvPr id="184" name="テキスト ボックス 183"/>
-          <p:cNvSpPr txBox="1"/>
-          <p:nvPr/>
-        </p:nvSpPr>
-        <p:spPr>
-          <a:xfrm>
-            <a:off x="7307924" y="1656657"/>
-            <a:ext cx="441146" cy="246221"/>
-          </a:xfrm>
-          <a:prstGeom prst="rect">
-            <a:avLst/>
-          </a:prstGeom>
-          <a:noFill/>
-        </p:spPr>
-        <p:txBody>
-          <a:bodyPr wrap="none" rtlCol="0">
-            <a:spAutoFit/>
-          </a:bodyPr>
-          <a:lstStyle/>
-          <a:p>
-            <a:r>
-              <a:rPr lang="ja-JP" altLang="en-US" sz="1000" dirty="0" smtClean="0">
-                <a:latin typeface="メイリオ"/>
-                <a:ea typeface="メイリオ"/>
-                <a:cs typeface="メイリオ"/>
-              </a:rPr>
-              <a:t>支出</a:t>
-            </a:r>
-            <a:endParaRPr kumimoji="1" lang="ja-JP" altLang="en-US" sz="1000" dirty="0">
-              <a:latin typeface="メイリオ"/>
-              <a:ea typeface="メイリオ"/>
-              <a:cs typeface="メイリオ"/>
-            </a:endParaRPr>
-          </a:p>
-        </p:txBody>
-      </p:sp>
-      <p:sp>
-        <p:nvSpPr>
-          <p:cNvPr id="185" name="円/楕円 184"/>
-          <p:cNvSpPr/>
-          <p:nvPr/>
-        </p:nvSpPr>
-        <p:spPr>
-          <a:xfrm flipH="1">
-            <a:off x="7145127" y="1711407"/>
-            <a:ext cx="162796" cy="157651"/>
-          </a:xfrm>
-          <a:prstGeom prst="ellipse">
-            <a:avLst/>
-          </a:prstGeom>
-          <a:noFill/>
-          <a:ln w="38100">
-            <a:solidFill>
-              <a:schemeClr val="tx1"/>
-            </a:solidFill>
-          </a:ln>
-          <a:effectLst/>
-        </p:spPr>
-        <p:style>
-          <a:lnRef idx="1">
-            <a:schemeClr val="accent1"/>
-          </a:lnRef>
-          <a:fillRef idx="3">
-            <a:schemeClr val="accent1"/>
-          </a:fillRef>
-          <a:effectRef idx="2">
-            <a:schemeClr val="accent1"/>
-          </a:effectRef>
-          <a:fontRef idx="minor">
-            <a:schemeClr val="lt1"/>
-          </a:fontRef>
-        </p:style>
-        <p:txBody>
-          <a:bodyPr rtlCol="0" anchor="ctr"/>
-          <a:lstStyle/>
-          <a:p>
-            <a:pPr algn="ctr"/>
-            <a:endParaRPr kumimoji="1" lang="ja-JP" altLang="en-US"/>
-          </a:p>
-        </p:txBody>
-      </p:sp>
-      <p:sp>
-        <p:nvSpPr>
-          <p:cNvPr id="186" name="円/楕円 185"/>
-          <p:cNvSpPr/>
-          <p:nvPr/>
-        </p:nvSpPr>
-        <p:spPr>
-          <a:xfrm flipH="1">
-            <a:off x="7714435" y="1714254"/>
-            <a:ext cx="162796" cy="157651"/>
-          </a:xfrm>
-          <a:prstGeom prst="ellipse">
-            <a:avLst/>
-          </a:prstGeom>
-          <a:noFill/>
-          <a:ln w="38100">
-            <a:solidFill>
-              <a:schemeClr val="tx1"/>
-            </a:solidFill>
-          </a:ln>
-          <a:effectLst/>
-        </p:spPr>
-        <p:style>
-          <a:lnRef idx="1">
-            <a:schemeClr val="accent1"/>
-          </a:lnRef>
-          <a:fillRef idx="3">
-            <a:schemeClr val="accent1"/>
-          </a:fillRef>
-          <a:effectRef idx="2">
-            <a:schemeClr val="accent1"/>
-          </a:effectRef>
-          <a:fontRef idx="minor">
-            <a:schemeClr val="lt1"/>
-          </a:fontRef>
-        </p:style>
-        <p:txBody>
-          <a:bodyPr rtlCol="0" anchor="ctr"/>
-          <a:lstStyle/>
-          <a:p>
-            <a:pPr algn="ctr"/>
-            <a:endParaRPr kumimoji="1" lang="ja-JP" altLang="en-US"/>
-          </a:p>
-        </p:txBody>
-      </p:sp>
-      <p:sp>
-        <p:nvSpPr>
-          <p:cNvPr id="187" name="正方形/長方形 186"/>
+          <p:cNvPr id="226" name="正方形/長方形 225"/>
           <p:cNvSpPr/>
           <p:nvPr/>
         </p:nvSpPr>
@@ -16290,6 +16221,44 @@
               <a:solidFill>
                 <a:schemeClr val="tx1"/>
               </a:solidFill>
+              <a:latin typeface="メイリオ"/>
+              <a:ea typeface="メイリオ"/>
+              <a:cs typeface="メイリオ"/>
+            </a:endParaRPr>
+          </a:p>
+        </p:txBody>
+      </p:sp>
+      <p:sp>
+        <p:nvSpPr>
+          <p:cNvPr id="4" name="テキスト ボックス 3"/>
+          <p:cNvSpPr txBox="1"/>
+          <p:nvPr/>
+        </p:nvSpPr>
+        <p:spPr>
+          <a:xfrm>
+            <a:off x="200532" y="187161"/>
+            <a:ext cx="4134465" cy="523220"/>
+          </a:xfrm>
+          <a:prstGeom prst="rect">
+            <a:avLst/>
+          </a:prstGeom>
+          <a:noFill/>
+        </p:spPr>
+        <p:txBody>
+          <a:bodyPr wrap="none" rtlCol="0">
+            <a:spAutoFit/>
+          </a:bodyPr>
+          <a:lstStyle/>
+          <a:p>
+            <a:r>
+              <a:rPr lang="ja-JP" altLang="en-US" sz="2800" dirty="0" smtClean="0">
+                <a:latin typeface="メイリオ"/>
+                <a:ea typeface="メイリオ"/>
+                <a:cs typeface="メイリオ"/>
+              </a:rPr>
+              <a:t>管理画面（登録失敗時）</a:t>
+            </a:r>
+            <a:endParaRPr kumimoji="1" lang="ja-JP" altLang="en-US" sz="2000" dirty="0">
               <a:latin typeface="メイリオ"/>
               <a:ea typeface="メイリオ"/>
               <a:cs typeface="メイリオ"/>
@@ -16670,70 +16639,16 @@
           <a:chExt cx="0" cy="0"/>
         </a:xfrm>
       </p:grpSpPr>
-      <p:sp>
-        <p:nvSpPr>
-          <p:cNvPr id="4" name="テキスト ボックス 3"/>
-          <p:cNvSpPr txBox="1"/>
-          <p:nvPr/>
-        </p:nvSpPr>
-        <p:spPr>
-          <a:xfrm>
-            <a:off x="200532" y="187161"/>
-            <a:ext cx="4134465" cy="523220"/>
-          </a:xfrm>
-          <a:prstGeom prst="rect">
-            <a:avLst/>
-          </a:prstGeom>
-          <a:noFill/>
-        </p:spPr>
-        <p:txBody>
-          <a:bodyPr wrap="none" rtlCol="0">
-            <a:spAutoFit/>
-          </a:bodyPr>
-          <a:lstStyle/>
-          <a:p>
-            <a:r>
-              <a:rPr lang="ja-JP" altLang="en-US" sz="2800" dirty="0" smtClean="0">
-                <a:latin typeface="メイリオ"/>
-                <a:ea typeface="メイリオ"/>
-                <a:cs typeface="メイリオ"/>
-              </a:rPr>
-              <a:t>管理画面（</a:t>
-            </a:r>
-            <a:r>
-              <a:rPr lang="en-US" altLang="en-US" sz="2800" dirty="0" smtClean="0">
-                <a:latin typeface="メイリオ"/>
-                <a:ea typeface="メイリオ"/>
-                <a:cs typeface="メイリオ"/>
-              </a:rPr>
-              <a:t>削除確認</a:t>
-            </a:r>
-            <a:r>
-              <a:rPr lang="ja-JP" altLang="en-US" sz="2800" dirty="0" smtClean="0">
-                <a:latin typeface="メイリオ"/>
-                <a:ea typeface="メイリオ"/>
-                <a:cs typeface="メイリオ"/>
-              </a:rPr>
-              <a:t>時）</a:t>
-            </a:r>
-            <a:endParaRPr kumimoji="1" lang="ja-JP" altLang="en-US" sz="2000" dirty="0">
-              <a:latin typeface="メイリオ"/>
-              <a:ea typeface="メイリオ"/>
-              <a:cs typeface="メイリオ"/>
-            </a:endParaRPr>
-          </a:p>
-        </p:txBody>
-      </p:sp>
       <p:graphicFrame>
         <p:nvGraphicFramePr>
-          <p:cNvPr id="71" name="表 70"/>
+          <p:cNvPr id="102" name="表 101"/>
           <p:cNvGraphicFramePr>
             <a:graphicFrameLocks noGrp="1"/>
           </p:cNvGraphicFramePr>
           <p:nvPr>
             <p:extLst>
               <p:ext uri="{D42A27DB-BD31-4B8C-83A1-F6EECF244321}">
-                <p14:modId xmlns:p14="http://schemas.microsoft.com/office/powerpoint/2010/main" val="1777082201"/>
+                <p14:modId xmlns:p14="http://schemas.microsoft.com/office/powerpoint/2010/main" val="3705858149"/>
               </p:ext>
             </p:extLst>
           </p:nvPr>
@@ -17228,7 +17143,7 @@
       </p:graphicFrame>
       <p:sp>
         <p:nvSpPr>
-          <p:cNvPr id="72" name="正方形/長方形 71"/>
+          <p:cNvPr id="103" name="正方形/長方形 102"/>
           <p:cNvSpPr/>
           <p:nvPr/>
         </p:nvSpPr>
@@ -17280,7 +17195,7 @@
       </p:sp>
       <p:sp>
         <p:nvSpPr>
-          <p:cNvPr id="73" name="角丸四角形 72"/>
+          <p:cNvPr id="104" name="角丸四角形 103"/>
           <p:cNvSpPr/>
           <p:nvPr/>
         </p:nvSpPr>
@@ -17325,7 +17240,7 @@
       </p:sp>
       <p:sp>
         <p:nvSpPr>
-          <p:cNvPr id="74" name="テキスト ボックス 73"/>
+          <p:cNvPr id="105" name="テキスト ボックス 104"/>
           <p:cNvSpPr txBox="1"/>
           <p:nvPr/>
         </p:nvSpPr>
@@ -17363,7 +17278,7 @@
       </p:sp>
       <p:sp>
         <p:nvSpPr>
-          <p:cNvPr id="75" name="角丸四角形 74"/>
+          <p:cNvPr id="106" name="角丸四角形 105"/>
           <p:cNvSpPr/>
           <p:nvPr/>
         </p:nvSpPr>
@@ -17408,7 +17323,7 @@
       </p:sp>
       <p:sp>
         <p:nvSpPr>
-          <p:cNvPr id="76" name="テキスト ボックス 75"/>
+          <p:cNvPr id="107" name="テキスト ボックス 106"/>
           <p:cNvSpPr txBox="1"/>
           <p:nvPr/>
         </p:nvSpPr>
@@ -17454,7 +17369,7 @@
       </p:sp>
       <p:sp>
         <p:nvSpPr>
-          <p:cNvPr id="77" name="角丸四角形 76"/>
+          <p:cNvPr id="108" name="角丸四角形 107"/>
           <p:cNvSpPr/>
           <p:nvPr/>
         </p:nvSpPr>
@@ -17499,7 +17414,7 @@
       </p:sp>
       <p:sp>
         <p:nvSpPr>
-          <p:cNvPr id="78" name="テキスト ボックス 77"/>
+          <p:cNvPr id="109" name="テキスト ボックス 108"/>
           <p:cNvSpPr txBox="1"/>
           <p:nvPr/>
         </p:nvSpPr>
@@ -17545,7 +17460,7 @@
       </p:sp>
       <p:sp>
         <p:nvSpPr>
-          <p:cNvPr id="79" name="角丸四角形 78"/>
+          <p:cNvPr id="110" name="角丸四角形 109"/>
           <p:cNvSpPr/>
           <p:nvPr/>
         </p:nvSpPr>
@@ -17590,7 +17505,7 @@
       </p:sp>
       <p:sp>
         <p:nvSpPr>
-          <p:cNvPr id="80" name="テキスト ボックス 79"/>
+          <p:cNvPr id="111" name="テキスト ボックス 110"/>
           <p:cNvSpPr txBox="1"/>
           <p:nvPr/>
         </p:nvSpPr>
@@ -17636,7 +17551,7 @@
       </p:sp>
       <p:sp>
         <p:nvSpPr>
-          <p:cNvPr id="81" name="角丸四角形 80"/>
+          <p:cNvPr id="112" name="角丸四角形 111"/>
           <p:cNvSpPr/>
           <p:nvPr/>
         </p:nvSpPr>
@@ -17699,7 +17614,7 @@
       </p:sp>
       <p:cxnSp>
         <p:nvCxnSpPr>
-          <p:cNvPr id="82" name="直線コネクタ 81"/>
+          <p:cNvPr id="113" name="直線コネクタ 112"/>
           <p:cNvCxnSpPr/>
           <p:nvPr/>
         </p:nvCxnSpPr>
@@ -17737,7 +17652,7 @@
       </p:cxnSp>
       <p:sp>
         <p:nvSpPr>
-          <p:cNvPr id="83" name="テキスト ボックス 82"/>
+          <p:cNvPr id="114" name="テキスト ボックス 113"/>
           <p:cNvSpPr txBox="1"/>
           <p:nvPr/>
         </p:nvSpPr>
@@ -17775,7 +17690,7 @@
       </p:sp>
       <p:sp>
         <p:nvSpPr>
-          <p:cNvPr id="84" name="テキスト ボックス 83"/>
+          <p:cNvPr id="115" name="テキスト ボックス 114"/>
           <p:cNvSpPr txBox="1"/>
           <p:nvPr/>
         </p:nvSpPr>
@@ -17813,7 +17728,7 @@
       </p:sp>
       <p:sp>
         <p:nvSpPr>
-          <p:cNvPr id="85" name="テキスト ボックス 84"/>
+          <p:cNvPr id="116" name="テキスト ボックス 115"/>
           <p:cNvSpPr txBox="1"/>
           <p:nvPr/>
         </p:nvSpPr>
@@ -17851,7 +17766,7 @@
       </p:sp>
       <p:sp>
         <p:nvSpPr>
-          <p:cNvPr id="86" name="二等辺三角形 85"/>
+          <p:cNvPr id="117" name="二等辺三角形 116"/>
           <p:cNvSpPr/>
           <p:nvPr/>
         </p:nvSpPr>
@@ -17896,7 +17811,7 @@
       </p:sp>
       <p:sp>
         <p:nvSpPr>
-          <p:cNvPr id="87" name="二等辺三角形 86"/>
+          <p:cNvPr id="118" name="二等辺三角形 117"/>
           <p:cNvSpPr/>
           <p:nvPr/>
         </p:nvSpPr>
@@ -17941,7 +17856,7 @@
       </p:sp>
       <p:sp>
         <p:nvSpPr>
-          <p:cNvPr id="88" name="テキスト ボックス 87"/>
+          <p:cNvPr id="119" name="テキスト ボックス 118"/>
           <p:cNvSpPr txBox="1"/>
           <p:nvPr/>
         </p:nvSpPr>
@@ -17979,7 +17894,7 @@
       </p:sp>
       <p:sp>
         <p:nvSpPr>
-          <p:cNvPr id="89" name="テキスト ボックス 88"/>
+          <p:cNvPr id="120" name="テキスト ボックス 119"/>
           <p:cNvSpPr txBox="1"/>
           <p:nvPr/>
         </p:nvSpPr>
@@ -18073,7 +17988,7 @@
       </p:sp>
       <p:sp>
         <p:nvSpPr>
-          <p:cNvPr id="90" name="二等辺三角形 89"/>
+          <p:cNvPr id="121" name="二等辺三角形 120"/>
           <p:cNvSpPr/>
           <p:nvPr/>
         </p:nvSpPr>
@@ -18118,7 +18033,7 @@
       </p:sp>
       <p:sp>
         <p:nvSpPr>
-          <p:cNvPr id="91" name="二等辺三角形 90"/>
+          <p:cNvPr id="122" name="二等辺三角形 121"/>
           <p:cNvSpPr/>
           <p:nvPr/>
         </p:nvSpPr>
@@ -18163,7 +18078,7 @@
       </p:sp>
       <p:sp>
         <p:nvSpPr>
-          <p:cNvPr id="92" name="二等辺三角形 91"/>
+          <p:cNvPr id="123" name="二等辺三角形 122"/>
           <p:cNvSpPr/>
           <p:nvPr/>
         </p:nvSpPr>
@@ -18208,7 +18123,7 @@
       </p:sp>
       <p:sp>
         <p:nvSpPr>
-          <p:cNvPr id="93" name="二等辺三角形 92"/>
+          <p:cNvPr id="124" name="二等辺三角形 123"/>
           <p:cNvSpPr/>
           <p:nvPr/>
         </p:nvSpPr>
@@ -18253,7 +18168,7 @@
       </p:sp>
       <p:sp>
         <p:nvSpPr>
-          <p:cNvPr id="94" name="角丸四角形 93"/>
+          <p:cNvPr id="125" name="角丸四角形 124"/>
           <p:cNvSpPr/>
           <p:nvPr/>
         </p:nvSpPr>
@@ -18316,7 +18231,7 @@
       </p:sp>
       <p:pic>
         <p:nvPicPr>
-          <p:cNvPr id="95" name="図 94" descr="trash.png"/>
+          <p:cNvPr id="126" name="図 125" descr="trash.png"/>
           <p:cNvPicPr>
             <a:picLocks noChangeAspect="1"/>
           </p:cNvPicPr>
@@ -18346,7 +18261,7 @@
       </p:pic>
       <p:pic>
         <p:nvPicPr>
-          <p:cNvPr id="96" name="図 95" descr="trash.png"/>
+          <p:cNvPr id="127" name="図 126" descr="trash.png"/>
           <p:cNvPicPr>
             <a:picLocks noChangeAspect="1"/>
           </p:cNvPicPr>
@@ -18376,7 +18291,7 @@
       </p:pic>
       <p:pic>
         <p:nvPicPr>
-          <p:cNvPr id="97" name="図 96" descr="trash.png"/>
+          <p:cNvPr id="128" name="図 127" descr="trash.png"/>
           <p:cNvPicPr>
             <a:picLocks noChangeAspect="1"/>
           </p:cNvPicPr>
@@ -18406,7 +18321,7 @@
       </p:pic>
       <p:pic>
         <p:nvPicPr>
-          <p:cNvPr id="98" name="図 97" descr="trash.png"/>
+          <p:cNvPr id="129" name="図 128" descr="trash.png"/>
           <p:cNvPicPr>
             <a:picLocks noChangeAspect="1"/>
           </p:cNvPicPr>
@@ -18436,7 +18351,7 @@
       </p:pic>
       <p:pic>
         <p:nvPicPr>
-          <p:cNvPr id="99" name="図 98" descr="trash.png"/>
+          <p:cNvPr id="130" name="図 129" descr="trash.png"/>
           <p:cNvPicPr>
             <a:picLocks noChangeAspect="1"/>
           </p:cNvPicPr>
@@ -18466,7 +18381,7 @@
       </p:pic>
       <p:pic>
         <p:nvPicPr>
-          <p:cNvPr id="100" name="図 99" descr="trash.png"/>
+          <p:cNvPr id="131" name="図 130" descr="trash.png"/>
           <p:cNvPicPr>
             <a:picLocks noChangeAspect="1"/>
           </p:cNvPicPr>
@@ -18496,7 +18411,7 @@
       </p:pic>
       <p:pic>
         <p:nvPicPr>
-          <p:cNvPr id="101" name="図 100" descr="trash.png"/>
+          <p:cNvPr id="132" name="図 131" descr="trash.png"/>
           <p:cNvPicPr>
             <a:picLocks noChangeAspect="1"/>
           </p:cNvPicPr>
@@ -18526,7 +18441,7 @@
       </p:pic>
       <p:pic>
         <p:nvPicPr>
-          <p:cNvPr id="140" name="図 139" descr="trash.png"/>
+          <p:cNvPr id="133" name="図 132" descr="trash.png"/>
           <p:cNvPicPr>
             <a:picLocks noChangeAspect="1"/>
           </p:cNvPicPr>
@@ -18556,7 +18471,7 @@
       </p:pic>
       <p:pic>
         <p:nvPicPr>
-          <p:cNvPr id="141" name="図 140" descr="trash.png"/>
+          <p:cNvPr id="134" name="図 133" descr="trash.png"/>
           <p:cNvPicPr>
             <a:picLocks noChangeAspect="1"/>
           </p:cNvPicPr>
@@ -18586,7 +18501,7 @@
       </p:pic>
       <p:pic>
         <p:nvPicPr>
-          <p:cNvPr id="142" name="図 141" descr="trash.png"/>
+          <p:cNvPr id="135" name="図 134" descr="trash.png"/>
           <p:cNvPicPr>
             <a:picLocks noChangeAspect="1"/>
           </p:cNvPicPr>
@@ -18616,7 +18531,7 @@
       </p:pic>
       <p:grpSp>
         <p:nvGrpSpPr>
-          <p:cNvPr id="143" name="図形グループ 142"/>
+          <p:cNvPr id="136" name="図形グループ 135"/>
           <p:cNvGrpSpPr/>
           <p:nvPr/>
         </p:nvGrpSpPr>
@@ -18630,7 +18545,7 @@
         </p:grpSpPr>
         <p:sp>
           <p:nvSpPr>
-            <p:cNvPr id="144" name="角丸四角形 143"/>
+            <p:cNvPr id="137" name="角丸四角形 136"/>
             <p:cNvSpPr/>
             <p:nvPr/>
           </p:nvSpPr>
@@ -18679,7 +18594,7 @@
         </p:sp>
         <p:cxnSp>
           <p:nvCxnSpPr>
-            <p:cNvPr id="145" name="直線コネクタ 144"/>
+            <p:cNvPr id="138" name="直線コネクタ 137"/>
             <p:cNvCxnSpPr/>
             <p:nvPr/>
           </p:nvCxnSpPr>
@@ -18714,7 +18629,7 @@
         </p:cxnSp>
         <p:cxnSp>
           <p:nvCxnSpPr>
-            <p:cNvPr id="146" name="直線コネクタ 145"/>
+            <p:cNvPr id="139" name="直線コネクタ 138"/>
             <p:cNvCxnSpPr/>
             <p:nvPr/>
           </p:nvCxnSpPr>
@@ -18749,7 +18664,7 @@
         </p:cxnSp>
         <p:cxnSp>
           <p:nvCxnSpPr>
-            <p:cNvPr id="147" name="直線コネクタ 146"/>
+            <p:cNvPr id="185" name="直線コネクタ 184"/>
             <p:cNvCxnSpPr/>
             <p:nvPr/>
           </p:nvCxnSpPr>
@@ -18785,7 +18700,7 @@
       </p:grpSp>
       <p:cxnSp>
         <p:nvCxnSpPr>
-          <p:cNvPr id="148" name="直線コネクタ 147"/>
+          <p:cNvPr id="186" name="直線コネクタ 185"/>
           <p:cNvCxnSpPr/>
           <p:nvPr/>
         </p:nvCxnSpPr>
@@ -18823,7 +18738,7 @@
       </p:cxnSp>
       <p:sp>
         <p:nvSpPr>
-          <p:cNvPr id="149" name="テキスト ボックス 148"/>
+          <p:cNvPr id="187" name="テキスト ボックス 186"/>
           <p:cNvSpPr txBox="1"/>
           <p:nvPr/>
         </p:nvSpPr>
@@ -18861,7 +18776,7 @@
       </p:sp>
       <p:sp>
         <p:nvSpPr>
-          <p:cNvPr id="150" name="角丸四角形 149"/>
+          <p:cNvPr id="188" name="角丸四角形 187"/>
           <p:cNvSpPr/>
           <p:nvPr/>
         </p:nvSpPr>
@@ -18906,7 +18821,7 @@
       </p:sp>
       <p:sp>
         <p:nvSpPr>
-          <p:cNvPr id="151" name="テキスト ボックス 150"/>
+          <p:cNvPr id="189" name="テキスト ボックス 188"/>
           <p:cNvSpPr txBox="1"/>
           <p:nvPr/>
         </p:nvSpPr>
@@ -18944,7 +18859,7 @@
       </p:sp>
       <p:sp>
         <p:nvSpPr>
-          <p:cNvPr id="152" name="テキスト ボックス 151"/>
+          <p:cNvPr id="190" name="テキスト ボックス 189"/>
           <p:cNvSpPr txBox="1"/>
           <p:nvPr/>
         </p:nvSpPr>
@@ -18990,7 +18905,7 @@
       </p:sp>
       <p:sp>
         <p:nvSpPr>
-          <p:cNvPr id="153" name="角丸四角形 152"/>
+          <p:cNvPr id="191" name="角丸四角形 190"/>
           <p:cNvSpPr/>
           <p:nvPr/>
         </p:nvSpPr>
@@ -19035,7 +18950,7 @@
       </p:sp>
       <p:grpSp>
         <p:nvGrpSpPr>
-          <p:cNvPr id="154" name="図形グループ 153"/>
+          <p:cNvPr id="192" name="図形グループ 191"/>
           <p:cNvGrpSpPr/>
           <p:nvPr/>
         </p:nvGrpSpPr>
@@ -19049,7 +18964,7 @@
         </p:grpSpPr>
         <p:sp>
           <p:nvSpPr>
-            <p:cNvPr id="155" name="角丸四角形 154"/>
+            <p:cNvPr id="193" name="角丸四角形 192"/>
             <p:cNvSpPr/>
             <p:nvPr/>
           </p:nvSpPr>
@@ -19111,7 +19026,7 @@
         </p:sp>
         <p:sp>
           <p:nvSpPr>
-            <p:cNvPr id="156" name="二等辺三角形 155"/>
+            <p:cNvPr id="194" name="二等辺三角形 193"/>
             <p:cNvSpPr/>
             <p:nvPr/>
           </p:nvSpPr>
@@ -19157,7 +19072,7 @@
       </p:grpSp>
       <p:sp>
         <p:nvSpPr>
-          <p:cNvPr id="157" name="テキスト ボックス 156"/>
+          <p:cNvPr id="195" name="テキスト ボックス 194"/>
           <p:cNvSpPr txBox="1"/>
           <p:nvPr/>
         </p:nvSpPr>
@@ -19203,7 +19118,7 @@
       </p:sp>
       <p:sp>
         <p:nvSpPr>
-          <p:cNvPr id="158" name="角丸四角形 157"/>
+          <p:cNvPr id="196" name="角丸四角形 195"/>
           <p:cNvSpPr/>
           <p:nvPr/>
         </p:nvSpPr>
@@ -19248,7 +19163,7 @@
       </p:sp>
       <p:sp>
         <p:nvSpPr>
-          <p:cNvPr id="159" name="テキスト ボックス 158"/>
+          <p:cNvPr id="197" name="テキスト ボックス 196"/>
           <p:cNvSpPr txBox="1"/>
           <p:nvPr/>
         </p:nvSpPr>
@@ -19294,7 +19209,7 @@
       </p:sp>
       <p:sp>
         <p:nvSpPr>
-          <p:cNvPr id="160" name="角丸四角形 159"/>
+          <p:cNvPr id="198" name="角丸四角形 197"/>
           <p:cNvSpPr/>
           <p:nvPr/>
         </p:nvSpPr>
@@ -19339,7 +19254,7 @@
       </p:sp>
       <p:sp>
         <p:nvSpPr>
-          <p:cNvPr id="161" name="角丸四角形 160"/>
+          <p:cNvPr id="199" name="角丸四角形 198"/>
           <p:cNvSpPr/>
           <p:nvPr/>
         </p:nvSpPr>
@@ -19384,7 +19299,7 @@
       </p:sp>
       <p:sp>
         <p:nvSpPr>
-          <p:cNvPr id="162" name="テキスト ボックス 161"/>
+          <p:cNvPr id="200" name="テキスト ボックス 199"/>
           <p:cNvSpPr txBox="1"/>
           <p:nvPr/>
         </p:nvSpPr>
@@ -19422,7 +19337,7 @@
       </p:sp>
       <p:sp>
         <p:nvSpPr>
-          <p:cNvPr id="163" name="角丸四角形 162"/>
+          <p:cNvPr id="201" name="角丸四角形 200"/>
           <p:cNvSpPr/>
           <p:nvPr/>
         </p:nvSpPr>
@@ -19467,7 +19382,7 @@
       </p:sp>
       <p:sp>
         <p:nvSpPr>
-          <p:cNvPr id="164" name="角丸四角形 163"/>
+          <p:cNvPr id="202" name="角丸四角形 201"/>
           <p:cNvSpPr/>
           <p:nvPr/>
         </p:nvSpPr>
@@ -19530,7 +19445,7 @@
       </p:sp>
       <p:grpSp>
         <p:nvGrpSpPr>
-          <p:cNvPr id="165" name="図形グループ 164"/>
+          <p:cNvPr id="203" name="図形グループ 202"/>
           <p:cNvGrpSpPr/>
           <p:nvPr/>
         </p:nvGrpSpPr>
@@ -19544,7 +19459,7 @@
         </p:grpSpPr>
         <p:sp>
           <p:nvSpPr>
-            <p:cNvPr id="166" name="角丸四角形 165"/>
+            <p:cNvPr id="204" name="角丸四角形 203"/>
             <p:cNvSpPr/>
             <p:nvPr/>
           </p:nvSpPr>
@@ -19593,7 +19508,7 @@
         </p:sp>
         <p:cxnSp>
           <p:nvCxnSpPr>
-            <p:cNvPr id="167" name="直線コネクタ 166"/>
+            <p:cNvPr id="205" name="直線コネクタ 204"/>
             <p:cNvCxnSpPr/>
             <p:nvPr/>
           </p:nvCxnSpPr>
@@ -19628,7 +19543,7 @@
         </p:cxnSp>
         <p:cxnSp>
           <p:nvCxnSpPr>
-            <p:cNvPr id="168" name="直線コネクタ 167"/>
+            <p:cNvPr id="206" name="直線コネクタ 205"/>
             <p:cNvCxnSpPr/>
             <p:nvPr/>
           </p:nvCxnSpPr>
@@ -19663,7 +19578,7 @@
         </p:cxnSp>
         <p:cxnSp>
           <p:nvCxnSpPr>
-            <p:cNvPr id="169" name="直線コネクタ 168"/>
+            <p:cNvPr id="207" name="直線コネクタ 206"/>
             <p:cNvCxnSpPr/>
             <p:nvPr/>
           </p:nvCxnSpPr>
@@ -19699,7 +19614,7 @@
       </p:grpSp>
       <p:sp>
         <p:nvSpPr>
-          <p:cNvPr id="170" name="テキスト ボックス 169"/>
+          <p:cNvPr id="208" name="テキスト ボックス 207"/>
           <p:cNvSpPr txBox="1"/>
           <p:nvPr/>
         </p:nvSpPr>
@@ -19737,7 +19652,7 @@
       </p:sp>
       <p:sp>
         <p:nvSpPr>
-          <p:cNvPr id="171" name="テキスト ボックス 170"/>
+          <p:cNvPr id="209" name="テキスト ボックス 208"/>
           <p:cNvSpPr txBox="1"/>
           <p:nvPr/>
         </p:nvSpPr>
@@ -19775,7 +19690,7 @@
       </p:sp>
       <p:sp>
         <p:nvSpPr>
-          <p:cNvPr id="172" name="円/楕円 171"/>
+          <p:cNvPr id="210" name="円/楕円 209"/>
           <p:cNvSpPr/>
           <p:nvPr/>
         </p:nvSpPr>
@@ -19820,7 +19735,7 @@
       </p:sp>
       <p:sp>
         <p:nvSpPr>
-          <p:cNvPr id="173" name="円/楕円 172"/>
+          <p:cNvPr id="211" name="円/楕円 210"/>
           <p:cNvSpPr/>
           <p:nvPr/>
         </p:nvSpPr>
@@ -19863,16 +19778,127 @@
           </a:p>
         </p:txBody>
       </p:sp>
-      <p:sp>
-        <p:nvSpPr>
-          <p:cNvPr id="174" name="テキスト ボックス 173"/>
+      <p:grpSp>
+        <p:nvGrpSpPr>
+          <p:cNvPr id="212" name="図形グループ 211"/>
+          <p:cNvGrpSpPr/>
+          <p:nvPr/>
+        </p:nvGrpSpPr>
+        <p:grpSpPr>
+          <a:xfrm>
+            <a:off x="7244601" y="1714972"/>
+            <a:ext cx="519922" cy="154577"/>
+            <a:chOff x="3729152" y="1722410"/>
+            <a:chExt cx="519922" cy="154577"/>
+          </a:xfrm>
+        </p:grpSpPr>
+        <p:sp>
+          <p:nvSpPr>
+            <p:cNvPr id="213" name="角丸四角形 212"/>
+            <p:cNvSpPr/>
+            <p:nvPr/>
+          </p:nvSpPr>
+          <p:spPr>
+            <a:xfrm>
+              <a:off x="3729152" y="1722410"/>
+              <a:ext cx="519922" cy="154577"/>
+            </a:xfrm>
+            <a:prstGeom prst="roundRect">
+              <a:avLst/>
+            </a:prstGeom>
+            <a:noFill/>
+            <a:ln w="25400">
+              <a:solidFill>
+                <a:schemeClr val="tx1"/>
+              </a:solidFill>
+            </a:ln>
+            <a:effectLst/>
+          </p:spPr>
+          <p:style>
+            <a:lnRef idx="1">
+              <a:schemeClr val="accent1"/>
+            </a:lnRef>
+            <a:fillRef idx="3">
+              <a:schemeClr val="accent1"/>
+            </a:fillRef>
+            <a:effectRef idx="2">
+              <a:schemeClr val="accent1"/>
+            </a:effectRef>
+            <a:fontRef idx="minor">
+              <a:schemeClr val="lt1"/>
+            </a:fontRef>
+          </p:style>
+          <p:txBody>
+            <a:bodyPr rtlCol="0" anchor="ctr"/>
+            <a:lstStyle/>
+            <a:p>
+              <a:endParaRPr kumimoji="1" lang="ja-JP" altLang="en-US" sz="800" dirty="0">
+                <a:solidFill>
+                  <a:schemeClr val="tx1"/>
+                </a:solidFill>
+                <a:latin typeface="メイリオ"/>
+                <a:ea typeface="メイリオ"/>
+                <a:cs typeface="メイリオ"/>
+              </a:endParaRPr>
+            </a:p>
+          </p:txBody>
+        </p:sp>
+        <p:sp>
+          <p:nvSpPr>
+            <p:cNvPr id="214" name="二等辺三角形 213"/>
+            <p:cNvSpPr/>
+            <p:nvPr/>
+          </p:nvSpPr>
+          <p:spPr>
+            <a:xfrm rot="10800000">
+              <a:off x="4102931" y="1761549"/>
+              <a:ext cx="108000" cy="108000"/>
+            </a:xfrm>
+            <a:prstGeom prst="triangle">
+              <a:avLst/>
+            </a:prstGeom>
+            <a:solidFill>
+              <a:schemeClr val="tx1"/>
+            </a:solidFill>
+            <a:ln>
+              <a:noFill/>
+            </a:ln>
+            <a:effectLst/>
+          </p:spPr>
+          <p:style>
+            <a:lnRef idx="1">
+              <a:schemeClr val="accent1"/>
+            </a:lnRef>
+            <a:fillRef idx="3">
+              <a:schemeClr val="accent1"/>
+            </a:fillRef>
+            <a:effectRef idx="2">
+              <a:schemeClr val="accent1"/>
+            </a:effectRef>
+            <a:fontRef idx="minor">
+              <a:schemeClr val="lt1"/>
+            </a:fontRef>
+          </p:style>
+          <p:txBody>
+            <a:bodyPr rtlCol="0" anchor="ctr"/>
+            <a:lstStyle/>
+            <a:p>
+              <a:pPr algn="ctr"/>
+              <a:endParaRPr kumimoji="1" lang="ja-JP" altLang="en-US"/>
+            </a:p>
+          </p:txBody>
+        </p:sp>
+      </p:grpSp>
+      <p:sp>
+        <p:nvSpPr>
+          <p:cNvPr id="215" name="テキスト ボックス 214"/>
           <p:cNvSpPr txBox="1"/>
           <p:nvPr/>
         </p:nvSpPr>
         <p:spPr>
           <a:xfrm>
-            <a:off x="6753316" y="1665409"/>
-            <a:ext cx="441146" cy="246221"/>
+            <a:off x="6756029" y="1672856"/>
+            <a:ext cx="569387" cy="246221"/>
           </a:xfrm>
           <a:prstGeom prst="rect">
             <a:avLst/>
@@ -19886,12 +19912,20 @@
           <a:lstStyle/>
           <a:p>
             <a:r>
-              <a:rPr lang="en-US" altLang="en-US" sz="1000" dirty="0" smtClean="0">
+              <a:rPr kumimoji="1" lang="ja-JP" altLang="en-US" sz="1000" dirty="0" smtClean="0">
                 <a:latin typeface="メイリオ"/>
                 <a:ea typeface="メイリオ"/>
                 <a:cs typeface="メイリオ"/>
               </a:rPr>
-              <a:t>収入</a:t>
+              <a:t>種類</a:t>
+            </a:r>
+            <a:r>
+              <a:rPr kumimoji="1" lang="ja-JP" altLang="en-US" sz="1000" dirty="0" smtClean="0">
+                <a:latin typeface="メイリオ"/>
+                <a:ea typeface="メイリオ"/>
+                <a:cs typeface="メイリオ"/>
+              </a:rPr>
+              <a:t>：</a:t>
             </a:r>
             <a:endParaRPr kumimoji="1" lang="ja-JP" altLang="en-US" sz="1000" dirty="0">
               <a:latin typeface="メイリオ"/>
@@ -19903,135 +19937,7 @@
       </p:sp>
       <p:sp>
         <p:nvSpPr>
-          <p:cNvPr id="175" name="テキスト ボックス 174"/>
-          <p:cNvSpPr txBox="1"/>
-          <p:nvPr/>
-        </p:nvSpPr>
-        <p:spPr>
-          <a:xfrm>
-            <a:off x="7307924" y="1656657"/>
-            <a:ext cx="441146" cy="246221"/>
-          </a:xfrm>
-          <a:prstGeom prst="rect">
-            <a:avLst/>
-          </a:prstGeom>
-          <a:noFill/>
-        </p:spPr>
-        <p:txBody>
-          <a:bodyPr wrap="none" rtlCol="0">
-            <a:spAutoFit/>
-          </a:bodyPr>
-          <a:lstStyle/>
-          <a:p>
-            <a:r>
-              <a:rPr lang="ja-JP" altLang="en-US" sz="1000" dirty="0" smtClean="0">
-                <a:latin typeface="メイリオ"/>
-                <a:ea typeface="メイリオ"/>
-                <a:cs typeface="メイリオ"/>
-              </a:rPr>
-              <a:t>支出</a:t>
-            </a:r>
-            <a:endParaRPr kumimoji="1" lang="ja-JP" altLang="en-US" sz="1000" dirty="0">
-              <a:latin typeface="メイリオ"/>
-              <a:ea typeface="メイリオ"/>
-              <a:cs typeface="メイリオ"/>
-            </a:endParaRPr>
-          </a:p>
-        </p:txBody>
-      </p:sp>
-      <p:sp>
-        <p:nvSpPr>
-          <p:cNvPr id="176" name="円/楕円 175"/>
-          <p:cNvSpPr/>
-          <p:nvPr/>
-        </p:nvSpPr>
-        <p:spPr>
-          <a:xfrm flipH="1">
-            <a:off x="7145127" y="1711407"/>
-            <a:ext cx="162796" cy="157651"/>
-          </a:xfrm>
-          <a:prstGeom prst="ellipse">
-            <a:avLst/>
-          </a:prstGeom>
-          <a:noFill/>
-          <a:ln w="38100">
-            <a:solidFill>
-              <a:schemeClr val="tx1"/>
-            </a:solidFill>
-          </a:ln>
-          <a:effectLst/>
-        </p:spPr>
-        <p:style>
-          <a:lnRef idx="1">
-            <a:schemeClr val="accent1"/>
-          </a:lnRef>
-          <a:fillRef idx="3">
-            <a:schemeClr val="accent1"/>
-          </a:fillRef>
-          <a:effectRef idx="2">
-            <a:schemeClr val="accent1"/>
-          </a:effectRef>
-          <a:fontRef idx="minor">
-            <a:schemeClr val="lt1"/>
-          </a:fontRef>
-        </p:style>
-        <p:txBody>
-          <a:bodyPr rtlCol="0" anchor="ctr"/>
-          <a:lstStyle/>
-          <a:p>
-            <a:pPr algn="ctr"/>
-            <a:endParaRPr kumimoji="1" lang="ja-JP" altLang="en-US"/>
-          </a:p>
-        </p:txBody>
-      </p:sp>
-      <p:sp>
-        <p:nvSpPr>
-          <p:cNvPr id="177" name="円/楕円 176"/>
-          <p:cNvSpPr/>
-          <p:nvPr/>
-        </p:nvSpPr>
-        <p:spPr>
-          <a:xfrm flipH="1">
-            <a:off x="7714435" y="1714254"/>
-            <a:ext cx="162796" cy="157651"/>
-          </a:xfrm>
-          <a:prstGeom prst="ellipse">
-            <a:avLst/>
-          </a:prstGeom>
-          <a:noFill/>
-          <a:ln w="38100">
-            <a:solidFill>
-              <a:schemeClr val="tx1"/>
-            </a:solidFill>
-          </a:ln>
-          <a:effectLst/>
-        </p:spPr>
-        <p:style>
-          <a:lnRef idx="1">
-            <a:schemeClr val="accent1"/>
-          </a:lnRef>
-          <a:fillRef idx="3">
-            <a:schemeClr val="accent1"/>
-          </a:fillRef>
-          <a:effectRef idx="2">
-            <a:schemeClr val="accent1"/>
-          </a:effectRef>
-          <a:fontRef idx="minor">
-            <a:schemeClr val="lt1"/>
-          </a:fontRef>
-        </p:style>
-        <p:txBody>
-          <a:bodyPr rtlCol="0" anchor="ctr"/>
-          <a:lstStyle/>
-          <a:p>
-            <a:pPr algn="ctr"/>
-            <a:endParaRPr kumimoji="1" lang="ja-JP" altLang="en-US"/>
-          </a:p>
-        </p:txBody>
-      </p:sp>
-      <p:sp>
-        <p:nvSpPr>
-          <p:cNvPr id="178" name="正方形/長方形 177"/>
+          <p:cNvPr id="216" name="正方形/長方形 215"/>
           <p:cNvSpPr/>
           <p:nvPr/>
         </p:nvSpPr>
@@ -20079,6 +19985,60 @@
               <a:solidFill>
                 <a:schemeClr val="tx1"/>
               </a:solidFill>
+              <a:latin typeface="メイリオ"/>
+              <a:ea typeface="メイリオ"/>
+              <a:cs typeface="メイリオ"/>
+            </a:endParaRPr>
+          </a:p>
+        </p:txBody>
+      </p:sp>
+      <p:sp>
+        <p:nvSpPr>
+          <p:cNvPr id="4" name="テキスト ボックス 3"/>
+          <p:cNvSpPr txBox="1"/>
+          <p:nvPr/>
+        </p:nvSpPr>
+        <p:spPr>
+          <a:xfrm>
+            <a:off x="200532" y="187161"/>
+            <a:ext cx="4134465" cy="523220"/>
+          </a:xfrm>
+          <a:prstGeom prst="rect">
+            <a:avLst/>
+          </a:prstGeom>
+          <a:noFill/>
+        </p:spPr>
+        <p:txBody>
+          <a:bodyPr wrap="none" rtlCol="0">
+            <a:spAutoFit/>
+          </a:bodyPr>
+          <a:lstStyle/>
+          <a:p>
+            <a:r>
+              <a:rPr lang="ja-JP" altLang="en-US" sz="2800" dirty="0" smtClean="0">
+                <a:latin typeface="メイリオ"/>
+                <a:ea typeface="メイリオ"/>
+                <a:cs typeface="メイリオ"/>
+              </a:rPr>
+              <a:t>管理画面（</a:t>
+            </a:r>
+            <a:r>
+              <a:rPr lang="en-US" altLang="en-US" sz="2800" dirty="0" smtClean="0">
+                <a:latin typeface="メイリオ"/>
+                <a:ea typeface="メイリオ"/>
+                <a:cs typeface="メイリオ"/>
+              </a:rPr>
+              <a:t>削除確認</a:t>
+            </a:r>
+            <a:r>
+              <a:rPr lang="ja-JP" altLang="en-US" sz="2800" dirty="0" smtClean="0">
+                <a:latin typeface="メイリオ"/>
+                <a:ea typeface="メイリオ"/>
+                <a:cs typeface="メイリオ"/>
+              </a:rPr>
+              <a:t>時）</a:t>
+            </a:r>
+            <a:endParaRPr kumimoji="1" lang="ja-JP" altLang="en-US" sz="2000" dirty="0">
               <a:latin typeface="メイリオ"/>
               <a:ea typeface="メイリオ"/>
               <a:cs typeface="メイリオ"/>

--- a/payment_manager/bin/algieba.pptx
+++ b/payment_manager/bin/algieba.pptx
@@ -200,7 +200,7 @@
           <a:p>
             <a:fld id="{EE82FEE5-269B-9B49-A8C4-823C45BE6055}" type="datetimeFigureOut">
               <a:rPr kumimoji="1" lang="ja-JP" altLang="en-US" smtClean="0"/>
-              <a:t>17/09/10</a:t>
+              <a:t>17/10/14</a:t>
             </a:fld>
             <a:endParaRPr kumimoji="1" lang="ja-JP" altLang="en-US"/>
           </a:p>
@@ -1353,7 +1353,7 @@
           <a:p>
             <a:fld id="{3ABA01A1-4899-9944-833D-6A66CDE659CB}" type="datetimeFigureOut">
               <a:rPr kumimoji="1" lang="ja-JP" altLang="en-US" smtClean="0"/>
-              <a:t>17/09/10</a:t>
+              <a:t>17/10/14</a:t>
             </a:fld>
             <a:endParaRPr kumimoji="1" lang="ja-JP" altLang="en-US"/>
           </a:p>
@@ -1555,7 +1555,7 @@
           <a:p>
             <a:fld id="{3ABA01A1-4899-9944-833D-6A66CDE659CB}" type="datetimeFigureOut">
               <a:rPr kumimoji="1" lang="ja-JP" altLang="en-US" smtClean="0"/>
-              <a:t>17/09/10</a:t>
+              <a:t>17/10/14</a:t>
             </a:fld>
             <a:endParaRPr kumimoji="1" lang="ja-JP" altLang="en-US"/>
           </a:p>
@@ -1767,7 +1767,7 @@
           <a:p>
             <a:fld id="{3ABA01A1-4899-9944-833D-6A66CDE659CB}" type="datetimeFigureOut">
               <a:rPr kumimoji="1" lang="ja-JP" altLang="en-US" smtClean="0"/>
-              <a:t>17/09/10</a:t>
+              <a:t>17/10/14</a:t>
             </a:fld>
             <a:endParaRPr kumimoji="1" lang="ja-JP" altLang="en-US"/>
           </a:p>
@@ -1969,7 +1969,7 @@
           <a:p>
             <a:fld id="{3ABA01A1-4899-9944-833D-6A66CDE659CB}" type="datetimeFigureOut">
               <a:rPr kumimoji="1" lang="ja-JP" altLang="en-US" smtClean="0"/>
-              <a:t>17/09/10</a:t>
+              <a:t>17/10/14</a:t>
             </a:fld>
             <a:endParaRPr kumimoji="1" lang="ja-JP" altLang="en-US"/>
           </a:p>
@@ -2215,7 +2215,7 @@
           <a:p>
             <a:fld id="{3ABA01A1-4899-9944-833D-6A66CDE659CB}" type="datetimeFigureOut">
               <a:rPr kumimoji="1" lang="ja-JP" altLang="en-US" smtClean="0"/>
-              <a:t>17/09/10</a:t>
+              <a:t>17/10/14</a:t>
             </a:fld>
             <a:endParaRPr kumimoji="1" lang="ja-JP" altLang="en-US"/>
           </a:p>
@@ -2567,7 +2567,7 @@
           <a:p>
             <a:fld id="{3ABA01A1-4899-9944-833D-6A66CDE659CB}" type="datetimeFigureOut">
               <a:rPr kumimoji="1" lang="ja-JP" altLang="en-US" smtClean="0"/>
-              <a:t>17/09/10</a:t>
+              <a:t>17/10/14</a:t>
             </a:fld>
             <a:endParaRPr kumimoji="1" lang="ja-JP" altLang="en-US"/>
           </a:p>
@@ -3053,7 +3053,7 @@
           <a:p>
             <a:fld id="{3ABA01A1-4899-9944-833D-6A66CDE659CB}" type="datetimeFigureOut">
               <a:rPr kumimoji="1" lang="ja-JP" altLang="en-US" smtClean="0"/>
-              <a:t>17/09/10</a:t>
+              <a:t>17/10/14</a:t>
             </a:fld>
             <a:endParaRPr kumimoji="1" lang="ja-JP" altLang="en-US"/>
           </a:p>
@@ -3171,7 +3171,7 @@
           <a:p>
             <a:fld id="{3ABA01A1-4899-9944-833D-6A66CDE659CB}" type="datetimeFigureOut">
               <a:rPr kumimoji="1" lang="ja-JP" altLang="en-US" smtClean="0"/>
-              <a:t>17/09/10</a:t>
+              <a:t>17/10/14</a:t>
             </a:fld>
             <a:endParaRPr kumimoji="1" lang="ja-JP" altLang="en-US"/>
           </a:p>
@@ -3266,7 +3266,7 @@
           <a:p>
             <a:fld id="{3ABA01A1-4899-9944-833D-6A66CDE659CB}" type="datetimeFigureOut">
               <a:rPr kumimoji="1" lang="ja-JP" altLang="en-US" smtClean="0"/>
-              <a:t>17/09/10</a:t>
+              <a:t>17/10/14</a:t>
             </a:fld>
             <a:endParaRPr kumimoji="1" lang="ja-JP" altLang="en-US"/>
           </a:p>
@@ -3575,7 +3575,7 @@
           <a:p>
             <a:fld id="{3ABA01A1-4899-9944-833D-6A66CDE659CB}" type="datetimeFigureOut">
               <a:rPr kumimoji="1" lang="ja-JP" altLang="en-US" smtClean="0"/>
-              <a:t>17/09/10</a:t>
+              <a:t>17/10/14</a:t>
             </a:fld>
             <a:endParaRPr kumimoji="1" lang="ja-JP" altLang="en-US"/>
           </a:p>
@@ -3828,7 +3828,7 @@
           <a:p>
             <a:fld id="{3ABA01A1-4899-9944-833D-6A66CDE659CB}" type="datetimeFigureOut">
               <a:rPr kumimoji="1" lang="ja-JP" altLang="en-US" smtClean="0"/>
-              <a:t>17/09/10</a:t>
+              <a:t>17/10/14</a:t>
             </a:fld>
             <a:endParaRPr kumimoji="1" lang="ja-JP" altLang="en-US"/>
           </a:p>
@@ -4073,7 +4073,7 @@
           <a:p>
             <a:fld id="{3ABA01A1-4899-9944-833D-6A66CDE659CB}" type="datetimeFigureOut">
               <a:rPr kumimoji="1" lang="ja-JP" altLang="en-US" smtClean="0"/>
-              <a:t>17/09/10</a:t>
+              <a:t>17/10/14</a:t>
             </a:fld>
             <a:endParaRPr kumimoji="1" lang="ja-JP" altLang="en-US"/>
           </a:p>
@@ -4517,11 +4517,11 @@
             </a:r>
             <a:r>
               <a:rPr lang="en-US" altLang="ja-JP" sz="2800" dirty="0" smtClean="0"/>
-              <a:t>2017/</a:t>
+              <a:t>2017/10/</a:t>
             </a:r>
             <a:r>
               <a:rPr lang="en-US" altLang="ja-JP" sz="2800" dirty="0" smtClean="0"/>
-              <a:t>09/16</a:t>
+              <a:t>14</a:t>
             </a:r>
             <a:r>
               <a:rPr lang="en-US" altLang="ja-JP" sz="2800" dirty="0" smtClean="0"/>
@@ -4536,11 +4536,7 @@
             </a:r>
             <a:r>
               <a:rPr lang="en-US" altLang="ja-JP" sz="2800" dirty="0" smtClean="0"/>
-              <a:t> </a:t>
-            </a:r>
-            <a:r>
-              <a:rPr lang="en-US" altLang="ja-JP" sz="2800" dirty="0" smtClean="0"/>
-              <a:t>2.9.0</a:t>
+              <a:t> 2.11.0</a:t>
             </a:r>
             <a:endParaRPr kumimoji="1" lang="ja-JP" altLang="en-US" dirty="0"/>
           </a:p>
@@ -4646,15 +4642,7 @@
                 <a:ea typeface="メイリオ"/>
                 <a:cs typeface="メイリオ"/>
               </a:rPr>
-              <a:t>認証画面と管理画面が</a:t>
-            </a:r>
-            <a:r>
-              <a:rPr lang="ja-JP" altLang="en-US" dirty="0" smtClean="0">
-                <a:latin typeface="メイリオ"/>
-                <a:ea typeface="メイリオ"/>
-                <a:cs typeface="メイリオ"/>
-              </a:rPr>
-              <a:t>ある</a:t>
+              <a:t>認証画面と管理画面がある</a:t>
             </a:r>
             <a:endParaRPr lang="en-US" altLang="ja-JP" dirty="0" smtClean="0">
               <a:latin typeface="メイリオ"/>
@@ -4753,42 +4741,26 @@
                 <a:ea typeface="メイリオ"/>
                 <a:cs typeface="メイリオ"/>
               </a:rPr>
-              <a:t>未認証</a:t>
-            </a:r>
+              <a:t>未認証時は認証画面にリダイレクトされる</a:t>
+            </a:r>
+            <a:endParaRPr lang="en-US" altLang="ja-JP" dirty="0" smtClean="0">
+              <a:latin typeface="メイリオ"/>
+              <a:ea typeface="メイリオ"/>
+              <a:cs typeface="メイリオ"/>
+            </a:endParaRPr>
+          </a:p>
+          <a:p>
+            <a:pPr marL="285750" indent="-285750">
+              <a:buFont typeface="Arial"/>
+              <a:buChar char="•"/>
+            </a:pPr>
             <a:r>
               <a:rPr lang="ja-JP" altLang="en-US" dirty="0" smtClean="0">
                 <a:latin typeface="メイリオ"/>
                 <a:ea typeface="メイリオ"/>
                 <a:cs typeface="メイリオ"/>
               </a:rPr>
-              <a:t>時は認証画面にリダイレクトされる</a:t>
-            </a:r>
-            <a:endParaRPr lang="en-US" altLang="ja-JP" dirty="0" smtClean="0">
-              <a:latin typeface="メイリオ"/>
-              <a:ea typeface="メイリオ"/>
-              <a:cs typeface="メイリオ"/>
-            </a:endParaRPr>
-          </a:p>
-          <a:p>
-            <a:pPr marL="285750" indent="-285750">
-              <a:buFont typeface="Arial"/>
-              <a:buChar char="•"/>
-            </a:pPr>
-            <a:r>
-              <a:rPr lang="ja-JP" altLang="en-US" dirty="0" smtClean="0">
-                <a:latin typeface="メイリオ"/>
-                <a:ea typeface="メイリオ"/>
-                <a:cs typeface="メイリオ"/>
-              </a:rPr>
-              <a:t>認証に成功すると管理画面にアクセス</a:t>
-            </a:r>
-            <a:r>
-              <a:rPr lang="ja-JP" altLang="en-US" dirty="0" smtClean="0">
-                <a:latin typeface="メイリオ"/>
-                <a:ea typeface="メイリオ"/>
-                <a:cs typeface="メイリオ"/>
-              </a:rPr>
-              <a:t>できる</a:t>
+              <a:t>認証に成功すると管理画面にアクセスできる</a:t>
             </a:r>
             <a:endParaRPr lang="en-US" altLang="ja-JP" dirty="0" smtClean="0">
               <a:latin typeface="メイリオ"/>
@@ -4947,15 +4919,7 @@
                 <a:ea typeface="メイリオ"/>
                 <a:cs typeface="メイリオ"/>
               </a:rPr>
-              <a:t>日付</a:t>
-            </a:r>
-            <a:r>
-              <a:rPr lang="ja-JP" altLang="en-US" dirty="0" smtClean="0">
-                <a:latin typeface="メイリオ"/>
-                <a:ea typeface="メイリオ"/>
-                <a:cs typeface="メイリオ"/>
-              </a:rPr>
-              <a:t>は表示されるカレンダーから選択する</a:t>
+              <a:t>日付は表示されるカレンダーから選択する</a:t>
             </a:r>
             <a:endParaRPr lang="en-US" altLang="ja-JP" dirty="0" smtClean="0">
               <a:latin typeface="メイリオ"/>
@@ -5032,31 +4996,7 @@
                 <a:ea typeface="メイリオ"/>
                 <a:cs typeface="メイリオ"/>
               </a:rPr>
-              <a:t>収支情報が登録され</a:t>
-            </a:r>
-            <a:r>
-              <a:rPr lang="ja-JP" altLang="en-US" dirty="0" smtClean="0">
-                <a:latin typeface="メイリオ"/>
-                <a:ea typeface="メイリオ"/>
-                <a:cs typeface="メイリオ"/>
-              </a:rPr>
-              <a:t>、</a:t>
-            </a:r>
-            <a:r>
-              <a:rPr lang="ja-JP" altLang="en-US" dirty="0" smtClean="0">
-                <a:latin typeface="メイリオ"/>
-                <a:ea typeface="メイリオ"/>
-                <a:cs typeface="メイリオ"/>
-              </a:rPr>
-              <a:t>一覧</a:t>
-            </a:r>
-            <a:r>
-              <a:rPr lang="ja-JP" altLang="en-US" dirty="0" smtClean="0">
-                <a:latin typeface="メイリオ"/>
-                <a:ea typeface="メイリオ"/>
-                <a:cs typeface="メイリオ"/>
-              </a:rPr>
-              <a:t>が</a:t>
+              <a:t>収支情報が登録され、一覧が</a:t>
             </a:r>
             <a:r>
               <a:rPr lang="en-US" altLang="ja-JP" dirty="0">
@@ -5079,15 +5019,7 @@
                 <a:ea typeface="メイリオ"/>
                 <a:cs typeface="メイリオ"/>
               </a:rPr>
-              <a:t>更新</a:t>
-            </a:r>
-            <a:r>
-              <a:rPr lang="ja-JP" altLang="en-US" dirty="0" smtClean="0">
-                <a:latin typeface="メイリオ"/>
-                <a:ea typeface="メイリオ"/>
-                <a:cs typeface="メイリオ"/>
-              </a:rPr>
-              <a:t>される</a:t>
+              <a:t>更新される</a:t>
             </a:r>
             <a:endParaRPr lang="en-US" altLang="ja-JP" dirty="0" smtClean="0">
               <a:latin typeface="メイリオ"/>
@@ -5205,15 +5137,7 @@
                 <a:ea typeface="メイリオ"/>
                 <a:cs typeface="メイリオ"/>
               </a:rPr>
-              <a:t>リセットボタンを押下すると検索条件をリセット</a:t>
-            </a:r>
-            <a:r>
-              <a:rPr lang="ja-JP" altLang="en-US" dirty="0" smtClean="0">
-                <a:latin typeface="メイリオ"/>
-                <a:ea typeface="メイリオ"/>
-                <a:cs typeface="メイリオ"/>
-              </a:rPr>
-              <a:t>される</a:t>
+              <a:t>リセットボタンを押下すると検索条件をリセットされる</a:t>
             </a:r>
             <a:endParaRPr lang="en-US" altLang="ja-JP" dirty="0" smtClean="0">
               <a:latin typeface="メイリオ"/>
@@ -5243,23 +5167,7 @@
                 <a:ea typeface="メイリオ"/>
                 <a:cs typeface="メイリオ"/>
               </a:rPr>
-              <a:t>一覧画面には</a:t>
-            </a:r>
-            <a:r>
-              <a:rPr lang="ja-JP" altLang="en-US" dirty="0" smtClean="0">
-                <a:latin typeface="メイリオ"/>
-                <a:ea typeface="メイリオ"/>
-                <a:cs typeface="メイリオ"/>
-              </a:rPr>
-              <a:t>１ページ</a:t>
-            </a:r>
-            <a:r>
-              <a:rPr lang="ja-JP" altLang="en-US" dirty="0" smtClean="0">
-                <a:latin typeface="メイリオ"/>
-                <a:ea typeface="メイリオ"/>
-                <a:cs typeface="メイリオ"/>
-              </a:rPr>
-              <a:t>あたり</a:t>
+              <a:t>一覧画面には１ページあたり</a:t>
             </a:r>
             <a:r>
               <a:rPr lang="en-US" altLang="ja-JP" dirty="0" smtClean="0">
@@ -6002,7 +5910,7 @@
           <p:nvPr>
             <p:extLst>
               <p:ext uri="{D42A27DB-BD31-4B8C-83A1-F6EECF244321}">
-                <p14:modId xmlns:p14="http://schemas.microsoft.com/office/powerpoint/2010/main" val="2911963052"/>
+                <p14:modId xmlns:p14="http://schemas.microsoft.com/office/powerpoint/2010/main" val="1983224749"/>
               </p:ext>
             </p:extLst>
           </p:nvPr>
@@ -6503,8 +6411,8 @@
         </p:nvSpPr>
         <p:spPr>
           <a:xfrm>
-            <a:off x="783269" y="935182"/>
-            <a:ext cx="7575640" cy="5541817"/>
+            <a:off x="529279" y="935182"/>
+            <a:ext cx="8095186" cy="5541817"/>
           </a:xfrm>
           <a:prstGeom prst="rect">
             <a:avLst/>
@@ -6555,7 +6463,7 @@
         </p:nvSpPr>
         <p:spPr>
           <a:xfrm>
-            <a:off x="1469168" y="1187601"/>
+            <a:off x="1111273" y="1187601"/>
             <a:ext cx="562830" cy="165946"/>
           </a:xfrm>
           <a:prstGeom prst="roundRect">
@@ -6600,8 +6508,8 @@
         </p:nvSpPr>
         <p:spPr>
           <a:xfrm>
-            <a:off x="890993" y="1114621"/>
-            <a:ext cx="646331" cy="276999"/>
+            <a:off x="590823" y="1136452"/>
+            <a:ext cx="569387" cy="246221"/>
           </a:xfrm>
           <a:prstGeom prst="rect">
             <a:avLst/>
@@ -6615,14 +6523,14 @@
           <a:lstStyle/>
           <a:p>
             <a:r>
-              <a:rPr kumimoji="1" lang="ja-JP" altLang="en-US" sz="1200" dirty="0" smtClean="0">
+              <a:rPr kumimoji="1" lang="ja-JP" altLang="en-US" sz="1000" dirty="0" smtClean="0">
                 <a:latin typeface="メイリオ"/>
                 <a:ea typeface="メイリオ"/>
                 <a:cs typeface="メイリオ"/>
               </a:rPr>
               <a:t>日付：</a:t>
             </a:r>
-            <a:endParaRPr kumimoji="1" lang="ja-JP" altLang="en-US" sz="1200" dirty="0">
+            <a:endParaRPr kumimoji="1" lang="ja-JP" altLang="en-US" sz="1000" dirty="0">
               <a:latin typeface="メイリオ"/>
               <a:ea typeface="メイリオ"/>
               <a:cs typeface="メイリオ"/>
@@ -6638,7 +6546,7 @@
         </p:nvSpPr>
         <p:spPr>
           <a:xfrm>
-            <a:off x="2646774" y="1187601"/>
+            <a:off x="2208064" y="1187601"/>
             <a:ext cx="797002" cy="165946"/>
           </a:xfrm>
           <a:prstGeom prst="roundRect">
@@ -6683,8 +6591,8 @@
         </p:nvSpPr>
         <p:spPr>
           <a:xfrm>
-            <a:off x="2046815" y="1111063"/>
-            <a:ext cx="646331" cy="276999"/>
+            <a:off x="1698033" y="1133027"/>
+            <a:ext cx="569387" cy="246221"/>
           </a:xfrm>
           <a:prstGeom prst="rect">
             <a:avLst/>
@@ -6698,7 +6606,7 @@
           <a:lstStyle/>
           <a:p>
             <a:r>
-              <a:rPr lang="ja-JP" altLang="en-US" sz="1200" dirty="0" smtClean="0">
+              <a:rPr lang="ja-JP" altLang="en-US" sz="1000" dirty="0" smtClean="0">
                 <a:latin typeface="メイリオ"/>
                 <a:ea typeface="メイリオ"/>
                 <a:cs typeface="メイリオ"/>
@@ -6706,14 +6614,14 @@
               <a:t>内容</a:t>
             </a:r>
             <a:r>
-              <a:rPr kumimoji="1" lang="ja-JP" altLang="en-US" sz="1200" dirty="0" smtClean="0">
+              <a:rPr kumimoji="1" lang="ja-JP" altLang="en-US" sz="1000" dirty="0" smtClean="0">
                 <a:latin typeface="メイリオ"/>
                 <a:ea typeface="メイリオ"/>
                 <a:cs typeface="メイリオ"/>
               </a:rPr>
               <a:t>：</a:t>
             </a:r>
-            <a:endParaRPr kumimoji="1" lang="ja-JP" altLang="en-US" sz="1200" dirty="0">
+            <a:endParaRPr kumimoji="1" lang="ja-JP" altLang="en-US" sz="1000" dirty="0">
               <a:latin typeface="メイリオ"/>
               <a:ea typeface="メイリオ"/>
               <a:cs typeface="メイリオ"/>
@@ -6729,7 +6637,7 @@
         </p:nvSpPr>
         <p:spPr>
           <a:xfrm>
-            <a:off x="4346659" y="1187601"/>
+            <a:off x="3780954" y="1187601"/>
             <a:ext cx="560480" cy="165946"/>
           </a:xfrm>
           <a:prstGeom prst="roundRect">
@@ -6774,8 +6682,8 @@
         </p:nvSpPr>
         <p:spPr>
           <a:xfrm>
-            <a:off x="3461822" y="1118689"/>
-            <a:ext cx="954107" cy="276999"/>
+            <a:off x="3011567" y="1141779"/>
+            <a:ext cx="825867" cy="246221"/>
           </a:xfrm>
           <a:prstGeom prst="rect">
             <a:avLst/>
@@ -6789,7 +6697,7 @@
           <a:lstStyle/>
           <a:p>
             <a:r>
-              <a:rPr lang="ja-JP" altLang="en-US" sz="1200" dirty="0" smtClean="0">
+              <a:rPr lang="ja-JP" altLang="en-US" sz="1000" dirty="0" smtClean="0">
                 <a:latin typeface="メイリオ"/>
                 <a:ea typeface="メイリオ"/>
                 <a:cs typeface="メイリオ"/>
@@ -6797,14 +6705,14 @@
               <a:t>カテゴリ</a:t>
             </a:r>
             <a:r>
-              <a:rPr kumimoji="1" lang="ja-JP" altLang="en-US" sz="1200" dirty="0" smtClean="0">
+              <a:rPr kumimoji="1" lang="ja-JP" altLang="en-US" sz="1000" dirty="0" smtClean="0">
                 <a:latin typeface="メイリオ"/>
                 <a:ea typeface="メイリオ"/>
                 <a:cs typeface="メイリオ"/>
               </a:rPr>
               <a:t>：</a:t>
             </a:r>
-            <a:endParaRPr kumimoji="1" lang="ja-JP" altLang="en-US" sz="1200" dirty="0">
+            <a:endParaRPr kumimoji="1" lang="ja-JP" altLang="en-US" sz="1000" dirty="0">
               <a:latin typeface="メイリオ"/>
               <a:ea typeface="メイリオ"/>
               <a:cs typeface="メイリオ"/>
@@ -6820,7 +6728,7 @@
         </p:nvSpPr>
         <p:spPr>
           <a:xfrm>
-            <a:off x="5799922" y="1187601"/>
+            <a:off x="5211127" y="1187601"/>
             <a:ext cx="561630" cy="165946"/>
           </a:xfrm>
           <a:prstGeom prst="roundRect">
@@ -6865,8 +6773,8 @@
         </p:nvSpPr>
         <p:spPr>
           <a:xfrm>
-            <a:off x="5234406" y="1128924"/>
-            <a:ext cx="646331" cy="276999"/>
+            <a:off x="4691791" y="1152014"/>
+            <a:ext cx="569387" cy="246221"/>
           </a:xfrm>
           <a:prstGeom prst="rect">
             <a:avLst/>
@@ -6880,7 +6788,7 @@
           <a:lstStyle/>
           <a:p>
             <a:r>
-              <a:rPr lang="ja-JP" altLang="en-US" sz="1200" dirty="0" smtClean="0">
+              <a:rPr lang="ja-JP" altLang="en-US" sz="1000" dirty="0" smtClean="0">
                 <a:latin typeface="メイリオ"/>
                 <a:ea typeface="メイリオ"/>
                 <a:cs typeface="メイリオ"/>
@@ -6888,14 +6796,14 @@
               <a:t>金額</a:t>
             </a:r>
             <a:r>
-              <a:rPr kumimoji="1" lang="ja-JP" altLang="en-US" sz="1200" dirty="0" smtClean="0">
+              <a:rPr kumimoji="1" lang="ja-JP" altLang="en-US" sz="1000" dirty="0" smtClean="0">
                 <a:latin typeface="メイリオ"/>
                 <a:ea typeface="メイリオ"/>
                 <a:cs typeface="メイリオ"/>
               </a:rPr>
               <a:t>：</a:t>
             </a:r>
-            <a:endParaRPr kumimoji="1" lang="ja-JP" altLang="en-US" sz="1200" dirty="0">
+            <a:endParaRPr kumimoji="1" lang="ja-JP" altLang="en-US" sz="1000" dirty="0">
               <a:latin typeface="メイリオ"/>
               <a:ea typeface="メイリオ"/>
               <a:cs typeface="メイリオ"/>
@@ -6911,8 +6819,8 @@
         </p:nvSpPr>
         <p:spPr>
           <a:xfrm>
-            <a:off x="6515245" y="1118689"/>
-            <a:ext cx="550589" cy="299213"/>
+            <a:off x="6989782" y="1153142"/>
+            <a:ext cx="550589" cy="234858"/>
           </a:xfrm>
           <a:prstGeom prst="roundRect">
             <a:avLst/>
@@ -6945,7 +6853,7 @@
           <a:p>
             <a:pPr algn="ctr"/>
             <a:r>
-              <a:rPr kumimoji="1" lang="ja-JP" altLang="en-US" sz="1200" dirty="0" smtClean="0">
+              <a:rPr kumimoji="1" lang="ja-JP" altLang="en-US" sz="1000" dirty="0" smtClean="0">
                 <a:solidFill>
                   <a:schemeClr val="tx1"/>
                 </a:solidFill>
@@ -6955,7 +6863,7 @@
               </a:rPr>
               <a:t>登録</a:t>
             </a:r>
-            <a:endParaRPr kumimoji="1" lang="ja-JP" altLang="en-US" sz="1200" dirty="0">
+            <a:endParaRPr kumimoji="1" lang="ja-JP" altLang="en-US" sz="1000" dirty="0">
               <a:solidFill>
                 <a:schemeClr val="tx1"/>
               </a:solidFill>
@@ -6974,8 +6882,8 @@
         </p:nvCxnSpPr>
         <p:spPr>
           <a:xfrm>
-            <a:off x="923931" y="1547091"/>
-            <a:ext cx="7250251" cy="0"/>
+            <a:off x="658396" y="1547091"/>
+            <a:ext cx="7827513" cy="0"/>
           </a:xfrm>
           <a:prstGeom prst="line">
             <a:avLst/>
@@ -7528,8 +7436,8 @@
         </p:nvSpPr>
         <p:spPr>
           <a:xfrm>
-            <a:off x="7239002" y="1121482"/>
-            <a:ext cx="864625" cy="299213"/>
+            <a:off x="7621284" y="1153142"/>
+            <a:ext cx="864625" cy="233094"/>
           </a:xfrm>
           <a:prstGeom prst="roundRect">
             <a:avLst/>
@@ -7562,7 +7470,7 @@
           <a:p>
             <a:pPr algn="ctr"/>
             <a:r>
-              <a:rPr lang="en-US" altLang="en-US" sz="1200" dirty="0" smtClean="0">
+              <a:rPr lang="en-US" altLang="en-US" sz="1000" dirty="0" smtClean="0">
                 <a:solidFill>
                   <a:schemeClr val="tx1"/>
                 </a:solidFill>
@@ -7572,7 +7480,7 @@
               </a:rPr>
               <a:t>リセット</a:t>
             </a:r>
-            <a:endParaRPr kumimoji="1" lang="ja-JP" altLang="en-US" sz="1200" dirty="0">
+            <a:endParaRPr kumimoji="1" lang="ja-JP" altLang="en-US" sz="1000" dirty="0">
               <a:solidFill>
                 <a:schemeClr val="tx1"/>
               </a:solidFill>
@@ -7883,160 +7791,175 @@
           </a:prstGeom>
         </p:spPr>
       </p:pic>
-      <p:sp>
-        <p:nvSpPr>
-          <p:cNvPr id="37" name="角丸四角形 36"/>
-          <p:cNvSpPr/>
-          <p:nvPr/>
-        </p:nvSpPr>
-        <p:spPr>
-          <a:xfrm>
-            <a:off x="4954166" y="1192639"/>
+      <p:grpSp>
+        <p:nvGrpSpPr>
+          <p:cNvPr id="6" name="図形グループ 5"/>
+          <p:cNvGrpSpPr/>
+          <p:nvPr/>
+        </p:nvGrpSpPr>
+        <p:grpSpPr>
+          <a:xfrm>
+            <a:off x="4388461" y="1192639"/>
             <a:ext cx="280240" cy="165946"/>
-          </a:xfrm>
-          <a:prstGeom prst="roundRect">
-            <a:avLst/>
-          </a:prstGeom>
-          <a:noFill/>
-          <a:ln w="25400">
-            <a:solidFill>
-              <a:schemeClr val="tx1"/>
-            </a:solidFill>
-          </a:ln>
-          <a:effectLst/>
-        </p:spPr>
-        <p:style>
-          <a:lnRef idx="1">
-            <a:schemeClr val="accent1"/>
-          </a:lnRef>
-          <a:fillRef idx="3">
-            <a:schemeClr val="accent1"/>
-          </a:fillRef>
-          <a:effectRef idx="2">
-            <a:schemeClr val="accent1"/>
-          </a:effectRef>
-          <a:fontRef idx="minor">
-            <a:schemeClr val="lt1"/>
-          </a:fontRef>
-        </p:style>
-        <p:txBody>
-          <a:bodyPr rtlCol="0" anchor="ctr"/>
-          <a:lstStyle/>
-          <a:p>
-            <a:pPr algn="ctr"/>
-            <a:endParaRPr kumimoji="1" lang="ja-JP" altLang="en-US" sz="800" dirty="0">
+            <a:chOff x="4954166" y="1192639"/>
+            <a:chExt cx="280240" cy="165946"/>
+          </a:xfrm>
+        </p:grpSpPr>
+        <p:sp>
+          <p:nvSpPr>
+            <p:cNvPr id="37" name="角丸四角形 36"/>
+            <p:cNvSpPr/>
+            <p:nvPr/>
+          </p:nvSpPr>
+          <p:spPr>
+            <a:xfrm>
+              <a:off x="4954166" y="1192639"/>
+              <a:ext cx="280240" cy="165946"/>
+            </a:xfrm>
+            <a:prstGeom prst="roundRect">
+              <a:avLst/>
+            </a:prstGeom>
+            <a:noFill/>
+            <a:ln w="25400">
               <a:solidFill>
                 <a:schemeClr val="tx1"/>
               </a:solidFill>
-            </a:endParaRPr>
-          </a:p>
-        </p:txBody>
-      </p:sp>
-      <p:cxnSp>
-        <p:nvCxnSpPr>
-          <p:cNvPr id="3" name="直線コネクタ 2"/>
-          <p:cNvCxnSpPr/>
-          <p:nvPr/>
-        </p:nvCxnSpPr>
-        <p:spPr>
-          <a:xfrm>
-            <a:off x="5001261" y="1238058"/>
-            <a:ext cx="181196" cy="0"/>
-          </a:xfrm>
-          <a:prstGeom prst="line">
-            <a:avLst/>
-          </a:prstGeom>
-          <a:ln w="3175">
-            <a:solidFill>
+            </a:ln>
+            <a:effectLst/>
+          </p:spPr>
+          <p:style>
+            <a:lnRef idx="1">
+              <a:schemeClr val="accent1"/>
+            </a:lnRef>
+            <a:fillRef idx="3">
+              <a:schemeClr val="accent1"/>
+            </a:fillRef>
+            <a:effectRef idx="2">
+              <a:schemeClr val="accent1"/>
+            </a:effectRef>
+            <a:fontRef idx="minor">
+              <a:schemeClr val="lt1"/>
+            </a:fontRef>
+          </p:style>
+          <p:txBody>
+            <a:bodyPr rtlCol="0" anchor="ctr"/>
+            <a:lstStyle/>
+            <a:p>
+              <a:pPr algn="ctr"/>
+              <a:endParaRPr kumimoji="1" lang="ja-JP" altLang="en-US" sz="800" dirty="0">
+                <a:solidFill>
+                  <a:schemeClr val="tx1"/>
+                </a:solidFill>
+              </a:endParaRPr>
+            </a:p>
+          </p:txBody>
+        </p:sp>
+        <p:cxnSp>
+          <p:nvCxnSpPr>
+            <p:cNvPr id="3" name="直線コネクタ 2"/>
+            <p:cNvCxnSpPr/>
+            <p:nvPr/>
+          </p:nvCxnSpPr>
+          <p:spPr>
+            <a:xfrm>
+              <a:off x="5001261" y="1238058"/>
+              <a:ext cx="181196" cy="0"/>
+            </a:xfrm>
+            <a:prstGeom prst="line">
+              <a:avLst/>
+            </a:prstGeom>
+            <a:ln w="3175">
+              <a:solidFill>
+                <a:schemeClr val="tx1"/>
+              </a:solidFill>
+            </a:ln>
+          </p:spPr>
+          <p:style>
+            <a:lnRef idx="2">
+              <a:schemeClr val="accent1"/>
+            </a:lnRef>
+            <a:fillRef idx="0">
+              <a:schemeClr val="accent1"/>
+            </a:fillRef>
+            <a:effectRef idx="1">
+              <a:schemeClr val="accent1"/>
+            </a:effectRef>
+            <a:fontRef idx="minor">
               <a:schemeClr val="tx1"/>
-            </a:solidFill>
-          </a:ln>
-        </p:spPr>
-        <p:style>
-          <a:lnRef idx="2">
-            <a:schemeClr val="accent1"/>
-          </a:lnRef>
-          <a:fillRef idx="0">
-            <a:schemeClr val="accent1"/>
-          </a:fillRef>
-          <a:effectRef idx="1">
-            <a:schemeClr val="accent1"/>
-          </a:effectRef>
-          <a:fontRef idx="minor">
-            <a:schemeClr val="tx1"/>
-          </a:fontRef>
-        </p:style>
-      </p:cxnSp>
-      <p:cxnSp>
-        <p:nvCxnSpPr>
-          <p:cNvPr id="48" name="直線コネクタ 47"/>
-          <p:cNvCxnSpPr/>
-          <p:nvPr/>
-        </p:nvCxnSpPr>
-        <p:spPr>
-          <a:xfrm>
-            <a:off x="5001261" y="1277697"/>
-            <a:ext cx="181196" cy="0"/>
-          </a:xfrm>
-          <a:prstGeom prst="line">
-            <a:avLst/>
-          </a:prstGeom>
-          <a:ln w="3175">
-            <a:solidFill>
+            </a:fontRef>
+          </p:style>
+        </p:cxnSp>
+        <p:cxnSp>
+          <p:nvCxnSpPr>
+            <p:cNvPr id="48" name="直線コネクタ 47"/>
+            <p:cNvCxnSpPr/>
+            <p:nvPr/>
+          </p:nvCxnSpPr>
+          <p:spPr>
+            <a:xfrm>
+              <a:off x="5001261" y="1277697"/>
+              <a:ext cx="181196" cy="0"/>
+            </a:xfrm>
+            <a:prstGeom prst="line">
+              <a:avLst/>
+            </a:prstGeom>
+            <a:ln w="3175">
+              <a:solidFill>
+                <a:schemeClr val="tx1"/>
+              </a:solidFill>
+            </a:ln>
+          </p:spPr>
+          <p:style>
+            <a:lnRef idx="2">
+              <a:schemeClr val="accent1"/>
+            </a:lnRef>
+            <a:fillRef idx="0">
+              <a:schemeClr val="accent1"/>
+            </a:fillRef>
+            <a:effectRef idx="1">
+              <a:schemeClr val="accent1"/>
+            </a:effectRef>
+            <a:fontRef idx="minor">
               <a:schemeClr val="tx1"/>
-            </a:solidFill>
-          </a:ln>
-        </p:spPr>
-        <p:style>
-          <a:lnRef idx="2">
-            <a:schemeClr val="accent1"/>
-          </a:lnRef>
-          <a:fillRef idx="0">
-            <a:schemeClr val="accent1"/>
-          </a:fillRef>
-          <a:effectRef idx="1">
-            <a:schemeClr val="accent1"/>
-          </a:effectRef>
-          <a:fontRef idx="minor">
-            <a:schemeClr val="tx1"/>
-          </a:fontRef>
-        </p:style>
-      </p:cxnSp>
-      <p:cxnSp>
-        <p:nvCxnSpPr>
-          <p:cNvPr id="49" name="直線コネクタ 48"/>
-          <p:cNvCxnSpPr/>
-          <p:nvPr/>
-        </p:nvCxnSpPr>
-        <p:spPr>
-          <a:xfrm>
-            <a:off x="5003884" y="1310793"/>
-            <a:ext cx="181196" cy="0"/>
-          </a:xfrm>
-          <a:prstGeom prst="line">
-            <a:avLst/>
-          </a:prstGeom>
-          <a:ln w="3175">
-            <a:solidFill>
+            </a:fontRef>
+          </p:style>
+        </p:cxnSp>
+        <p:cxnSp>
+          <p:nvCxnSpPr>
+            <p:cNvPr id="49" name="直線コネクタ 48"/>
+            <p:cNvCxnSpPr/>
+            <p:nvPr/>
+          </p:nvCxnSpPr>
+          <p:spPr>
+            <a:xfrm>
+              <a:off x="5003884" y="1310793"/>
+              <a:ext cx="181196" cy="0"/>
+            </a:xfrm>
+            <a:prstGeom prst="line">
+              <a:avLst/>
+            </a:prstGeom>
+            <a:ln w="3175">
+              <a:solidFill>
+                <a:schemeClr val="tx1"/>
+              </a:solidFill>
+            </a:ln>
+          </p:spPr>
+          <p:style>
+            <a:lnRef idx="2">
+              <a:schemeClr val="accent1"/>
+            </a:lnRef>
+            <a:fillRef idx="0">
+              <a:schemeClr val="accent1"/>
+            </a:fillRef>
+            <a:effectRef idx="1">
+              <a:schemeClr val="accent1"/>
+            </a:effectRef>
+            <a:fontRef idx="minor">
               <a:schemeClr val="tx1"/>
-            </a:solidFill>
-          </a:ln>
-        </p:spPr>
-        <p:style>
-          <a:lnRef idx="2">
-            <a:schemeClr val="accent1"/>
-          </a:lnRef>
-          <a:fillRef idx="0">
-            <a:schemeClr val="accent1"/>
-          </a:fillRef>
-          <a:effectRef idx="1">
-            <a:schemeClr val="accent1"/>
-          </a:effectRef>
-          <a:fontRef idx="minor">
-            <a:schemeClr val="tx1"/>
-          </a:fontRef>
-        </p:style>
-      </p:cxnSp>
+            </a:fontRef>
+          </p:style>
+        </p:cxnSp>
+      </p:grpSp>
       <p:cxnSp>
         <p:nvCxnSpPr>
           <p:cNvPr id="50" name="直線コネクタ 49"/>
@@ -8045,8 +7968,8 @@
         </p:nvCxnSpPr>
         <p:spPr>
           <a:xfrm>
-            <a:off x="923931" y="2034307"/>
-            <a:ext cx="7250251" cy="0"/>
+            <a:off x="658396" y="2034307"/>
+            <a:ext cx="7827513" cy="0"/>
           </a:xfrm>
           <a:prstGeom prst="line">
             <a:avLst/>
@@ -8083,8 +8006,8 @@
         </p:nvSpPr>
         <p:spPr>
           <a:xfrm>
-            <a:off x="890993" y="1659566"/>
-            <a:ext cx="646331" cy="276999"/>
+            <a:off x="590823" y="1671111"/>
+            <a:ext cx="569387" cy="246221"/>
           </a:xfrm>
           <a:prstGeom prst="rect">
             <a:avLst/>
@@ -8098,14 +8021,14 @@
           <a:lstStyle/>
           <a:p>
             <a:r>
-              <a:rPr kumimoji="1" lang="ja-JP" altLang="en-US" sz="1200" dirty="0" smtClean="0">
+              <a:rPr kumimoji="1" lang="ja-JP" altLang="en-US" sz="1000" dirty="0" smtClean="0">
                 <a:latin typeface="メイリオ"/>
                 <a:ea typeface="メイリオ"/>
                 <a:cs typeface="メイリオ"/>
               </a:rPr>
               <a:t>日付：</a:t>
             </a:r>
-            <a:endParaRPr kumimoji="1" lang="ja-JP" altLang="en-US" sz="1200" dirty="0">
+            <a:endParaRPr kumimoji="1" lang="ja-JP" altLang="en-US" sz="1000" dirty="0">
               <a:latin typeface="メイリオ"/>
               <a:ea typeface="メイリオ"/>
               <a:cs typeface="メイリオ"/>
@@ -8121,7 +8044,7 @@
         </p:nvSpPr>
         <p:spPr>
           <a:xfrm>
-            <a:off x="1469168" y="1722329"/>
+            <a:off x="1099728" y="1722329"/>
             <a:ext cx="352321" cy="158766"/>
           </a:xfrm>
           <a:prstGeom prst="roundRect">
@@ -8166,7 +8089,7 @@
         </p:nvSpPr>
         <p:spPr>
           <a:xfrm>
-            <a:off x="1786644" y="1659566"/>
+            <a:off x="1417204" y="1659566"/>
             <a:ext cx="338554" cy="276999"/>
           </a:xfrm>
           <a:prstGeom prst="rect">
@@ -8204,8 +8127,8 @@
         </p:nvSpPr>
         <p:spPr>
           <a:xfrm>
-            <a:off x="2465123" y="1656944"/>
-            <a:ext cx="646331" cy="276999"/>
+            <a:off x="2107228" y="1668489"/>
+            <a:ext cx="569387" cy="246221"/>
           </a:xfrm>
           <a:prstGeom prst="rect">
             <a:avLst/>
@@ -8219,7 +8142,7 @@
           <a:lstStyle/>
           <a:p>
             <a:r>
-              <a:rPr lang="ja-JP" altLang="en-US" sz="1200" dirty="0" smtClean="0">
+              <a:rPr lang="ja-JP" altLang="en-US" sz="1000" dirty="0" smtClean="0">
                 <a:latin typeface="メイリオ"/>
                 <a:ea typeface="メイリオ"/>
                 <a:cs typeface="メイリオ"/>
@@ -8227,14 +8150,14 @@
               <a:t>内容</a:t>
             </a:r>
             <a:r>
-              <a:rPr kumimoji="1" lang="ja-JP" altLang="en-US" sz="1200" dirty="0" smtClean="0">
+              <a:rPr kumimoji="1" lang="ja-JP" altLang="en-US" sz="1000" dirty="0" smtClean="0">
                 <a:latin typeface="メイリオ"/>
                 <a:ea typeface="メイリオ"/>
                 <a:cs typeface="メイリオ"/>
               </a:rPr>
               <a:t>：</a:t>
             </a:r>
-            <a:endParaRPr kumimoji="1" lang="ja-JP" altLang="en-US" sz="1200" dirty="0">
+            <a:endParaRPr kumimoji="1" lang="ja-JP" altLang="en-US" sz="1000" dirty="0">
               <a:latin typeface="メイリオ"/>
               <a:ea typeface="メイリオ"/>
               <a:cs typeface="メイリオ"/>
@@ -8250,8 +8173,8 @@
         </p:nvSpPr>
         <p:spPr>
           <a:xfrm>
-            <a:off x="3034657" y="1720187"/>
-            <a:ext cx="797002" cy="165946"/>
+            <a:off x="2607492" y="1720187"/>
+            <a:ext cx="536114" cy="149362"/>
           </a:xfrm>
           <a:prstGeom prst="roundRect">
             <a:avLst/>
@@ -8287,16 +8210,184 @@
           </a:p>
         </p:txBody>
       </p:sp>
-      <p:sp>
-        <p:nvSpPr>
-          <p:cNvPr id="76" name="角丸四角形 75"/>
+      <p:grpSp>
+        <p:nvGrpSpPr>
+          <p:cNvPr id="8" name="図形グループ 7"/>
+          <p:cNvGrpSpPr/>
+          <p:nvPr/>
+        </p:nvGrpSpPr>
+        <p:grpSpPr>
+          <a:xfrm>
+            <a:off x="3219724" y="1710865"/>
+            <a:ext cx="602185" cy="165865"/>
+            <a:chOff x="3681524" y="1722410"/>
+            <a:chExt cx="602185" cy="165865"/>
+          </a:xfrm>
+        </p:grpSpPr>
+        <p:sp>
+          <p:nvSpPr>
+            <p:cNvPr id="76" name="角丸四角形 75"/>
+            <p:cNvSpPr/>
+            <p:nvPr/>
+          </p:nvSpPr>
+          <p:spPr>
+            <a:xfrm>
+              <a:off x="3681524" y="1722410"/>
+              <a:ext cx="602185" cy="165865"/>
+            </a:xfrm>
+            <a:prstGeom prst="roundRect">
+              <a:avLst/>
+            </a:prstGeom>
+            <a:noFill/>
+            <a:ln w="25400">
+              <a:solidFill>
+                <a:schemeClr val="tx1"/>
+              </a:solidFill>
+            </a:ln>
+            <a:effectLst/>
+          </p:spPr>
+          <p:style>
+            <a:lnRef idx="1">
+              <a:schemeClr val="accent1"/>
+            </a:lnRef>
+            <a:fillRef idx="3">
+              <a:schemeClr val="accent1"/>
+            </a:fillRef>
+            <a:effectRef idx="2">
+              <a:schemeClr val="accent1"/>
+            </a:effectRef>
+            <a:fontRef idx="minor">
+              <a:schemeClr val="lt1"/>
+            </a:fontRef>
+          </p:style>
+          <p:txBody>
+            <a:bodyPr rtlCol="0" anchor="ctr"/>
+            <a:lstStyle/>
+            <a:p>
+              <a:r>
+                <a:rPr kumimoji="1" lang="ja-JP" altLang="en-US" sz="800" dirty="0" smtClean="0">
+                  <a:solidFill>
+                    <a:schemeClr val="tx1"/>
+                  </a:solidFill>
+                  <a:latin typeface="メイリオ"/>
+                  <a:ea typeface="メイリオ"/>
+                  <a:cs typeface="メイリオ"/>
+                </a:rPr>
+                <a:t>を含む</a:t>
+              </a:r>
+              <a:endParaRPr kumimoji="1" lang="ja-JP" altLang="en-US" sz="800" dirty="0">
+                <a:solidFill>
+                  <a:schemeClr val="tx1"/>
+                </a:solidFill>
+                <a:latin typeface="メイリオ"/>
+                <a:ea typeface="メイリオ"/>
+                <a:cs typeface="メイリオ"/>
+              </a:endParaRPr>
+            </a:p>
+          </p:txBody>
+        </p:sp>
+        <p:sp>
+          <p:nvSpPr>
+            <p:cNvPr id="2" name="二等辺三角形 1"/>
+            <p:cNvSpPr/>
+            <p:nvPr/>
+          </p:nvSpPr>
+          <p:spPr>
+            <a:xfrm rot="10800000">
+              <a:off x="4126021" y="1761549"/>
+              <a:ext cx="108000" cy="108000"/>
+            </a:xfrm>
+            <a:prstGeom prst="triangle">
+              <a:avLst/>
+            </a:prstGeom>
+            <a:solidFill>
+              <a:schemeClr val="tx1"/>
+            </a:solidFill>
+            <a:ln>
+              <a:noFill/>
+            </a:ln>
+            <a:effectLst/>
+          </p:spPr>
+          <p:style>
+            <a:lnRef idx="1">
+              <a:schemeClr val="accent1"/>
+            </a:lnRef>
+            <a:fillRef idx="3">
+              <a:schemeClr val="accent1"/>
+            </a:fillRef>
+            <a:effectRef idx="2">
+              <a:schemeClr val="accent1"/>
+            </a:effectRef>
+            <a:fontRef idx="minor">
+              <a:schemeClr val="lt1"/>
+            </a:fontRef>
+          </p:style>
+          <p:txBody>
+            <a:bodyPr rtlCol="0" anchor="ctr"/>
+            <a:lstStyle/>
+            <a:p>
+              <a:pPr algn="ctr"/>
+              <a:endParaRPr kumimoji="1" lang="ja-JP" altLang="en-US"/>
+            </a:p>
+          </p:txBody>
+        </p:sp>
+      </p:grpSp>
+      <p:sp>
+        <p:nvSpPr>
+          <p:cNvPr id="77" name="テキスト ボックス 76"/>
+          <p:cNvSpPr txBox="1"/>
+          <p:nvPr/>
+        </p:nvSpPr>
+        <p:spPr>
+          <a:xfrm>
+            <a:off x="3813143" y="1671715"/>
+            <a:ext cx="825867" cy="246221"/>
+          </a:xfrm>
+          <a:prstGeom prst="rect">
+            <a:avLst/>
+          </a:prstGeom>
+          <a:noFill/>
+        </p:spPr>
+        <p:txBody>
+          <a:bodyPr wrap="none" rtlCol="0">
+            <a:spAutoFit/>
+          </a:bodyPr>
+          <a:lstStyle/>
+          <a:p>
+            <a:r>
+              <a:rPr lang="ja-JP" altLang="en-US" sz="1000" dirty="0" smtClean="0">
+                <a:latin typeface="メイリオ"/>
+                <a:ea typeface="メイリオ"/>
+                <a:cs typeface="メイリオ"/>
+              </a:rPr>
+              <a:t>カテゴリ</a:t>
+            </a:r>
+            <a:r>
+              <a:rPr kumimoji="1" lang="ja-JP" altLang="en-US" sz="1000" dirty="0" smtClean="0">
+                <a:latin typeface="メイリオ"/>
+                <a:ea typeface="メイリオ"/>
+                <a:cs typeface="メイリオ"/>
+              </a:rPr>
+              <a:t>：</a:t>
+            </a:r>
+            <a:endParaRPr kumimoji="1" lang="ja-JP" altLang="en-US" sz="1000" dirty="0">
+              <a:latin typeface="メイリオ"/>
+              <a:ea typeface="メイリオ"/>
+              <a:cs typeface="メイリオ"/>
+            </a:endParaRPr>
+          </a:p>
+        </p:txBody>
+      </p:sp>
+      <p:sp>
+        <p:nvSpPr>
+          <p:cNvPr id="78" name="角丸四角形 77"/>
           <p:cNvSpPr/>
           <p:nvPr/>
         </p:nvSpPr>
         <p:spPr>
           <a:xfrm>
-            <a:off x="3877789" y="1722410"/>
-            <a:ext cx="602185" cy="165865"/>
+            <a:off x="4573905" y="1715149"/>
+            <a:ext cx="402504" cy="166902"/>
           </a:xfrm>
           <a:prstGeom prst="roundRect">
             <a:avLst/>
@@ -8327,112 +8418,50 @@
           <a:bodyPr rtlCol="0" anchor="ctr"/>
           <a:lstStyle/>
           <a:p>
-            <a:r>
-              <a:rPr kumimoji="1" lang="ja-JP" altLang="en-US" sz="800" dirty="0" smtClean="0">
-                <a:solidFill>
-                  <a:schemeClr val="tx1"/>
-                </a:solidFill>
+            <a:pPr algn="ctr"/>
+            <a:endParaRPr kumimoji="1" lang="ja-JP" altLang="en-US"/>
+          </a:p>
+        </p:txBody>
+      </p:sp>
+      <p:sp>
+        <p:nvSpPr>
+          <p:cNvPr id="79" name="テキスト ボックス 78"/>
+          <p:cNvSpPr txBox="1"/>
+          <p:nvPr/>
+        </p:nvSpPr>
+        <p:spPr>
+          <a:xfrm>
+            <a:off x="5303020" y="1672319"/>
+            <a:ext cx="569387" cy="246221"/>
+          </a:xfrm>
+          <a:prstGeom prst="rect">
+            <a:avLst/>
+          </a:prstGeom>
+          <a:noFill/>
+        </p:spPr>
+        <p:txBody>
+          <a:bodyPr wrap="none" rtlCol="0">
+            <a:spAutoFit/>
+          </a:bodyPr>
+          <a:lstStyle/>
+          <a:p>
+            <a:r>
+              <a:rPr lang="ja-JP" altLang="en-US" sz="1000" dirty="0" smtClean="0">
                 <a:latin typeface="メイリオ"/>
                 <a:ea typeface="メイリオ"/>
                 <a:cs typeface="メイリオ"/>
               </a:rPr>
-              <a:t>を含む</a:t>
-            </a:r>
-            <a:endParaRPr kumimoji="1" lang="ja-JP" altLang="en-US" sz="800" dirty="0">
-              <a:solidFill>
-                <a:schemeClr val="tx1"/>
-              </a:solidFill>
-              <a:latin typeface="メイリオ"/>
-              <a:ea typeface="メイリオ"/>
-              <a:cs typeface="メイリオ"/>
-            </a:endParaRPr>
-          </a:p>
-        </p:txBody>
-      </p:sp>
-      <p:sp>
-        <p:nvSpPr>
-          <p:cNvPr id="2" name="二等辺三角形 1"/>
-          <p:cNvSpPr/>
-          <p:nvPr/>
-        </p:nvSpPr>
-        <p:spPr>
-          <a:xfrm rot="10800000">
-            <a:off x="4322286" y="1761549"/>
-            <a:ext cx="108000" cy="108000"/>
-          </a:xfrm>
-          <a:prstGeom prst="triangle">
-            <a:avLst/>
-          </a:prstGeom>
-          <a:solidFill>
-            <a:schemeClr val="tx1"/>
-          </a:solidFill>
-          <a:ln>
-            <a:noFill/>
-          </a:ln>
-          <a:effectLst/>
-        </p:spPr>
-        <p:style>
-          <a:lnRef idx="1">
-            <a:schemeClr val="accent1"/>
-          </a:lnRef>
-          <a:fillRef idx="3">
-            <a:schemeClr val="accent1"/>
-          </a:fillRef>
-          <a:effectRef idx="2">
-            <a:schemeClr val="accent1"/>
-          </a:effectRef>
-          <a:fontRef idx="minor">
-            <a:schemeClr val="lt1"/>
-          </a:fontRef>
-        </p:style>
-        <p:txBody>
-          <a:bodyPr rtlCol="0" anchor="ctr"/>
-          <a:lstStyle/>
-          <a:p>
-            <a:pPr algn="ctr"/>
-            <a:endParaRPr kumimoji="1" lang="ja-JP" altLang="en-US"/>
-          </a:p>
-        </p:txBody>
-      </p:sp>
-      <p:sp>
-        <p:nvSpPr>
-          <p:cNvPr id="77" name="テキスト ボックス 76"/>
-          <p:cNvSpPr txBox="1"/>
-          <p:nvPr/>
-        </p:nvSpPr>
-        <p:spPr>
-          <a:xfrm>
-            <a:off x="4494298" y="1660170"/>
-            <a:ext cx="954107" cy="276999"/>
-          </a:xfrm>
-          <a:prstGeom prst="rect">
-            <a:avLst/>
-          </a:prstGeom>
-          <a:noFill/>
-        </p:spPr>
-        <p:txBody>
-          <a:bodyPr wrap="none" rtlCol="0">
-            <a:spAutoFit/>
-          </a:bodyPr>
-          <a:lstStyle/>
-          <a:p>
-            <a:r>
-              <a:rPr lang="ja-JP" altLang="en-US" sz="1200" dirty="0" smtClean="0">
-                <a:latin typeface="メイリオ"/>
-                <a:ea typeface="メイリオ"/>
-                <a:cs typeface="メイリオ"/>
-              </a:rPr>
-              <a:t>カテゴリ</a:t>
-            </a:r>
-            <a:r>
-              <a:rPr kumimoji="1" lang="ja-JP" altLang="en-US" sz="1200" dirty="0" smtClean="0">
+              <a:t>金額</a:t>
+            </a:r>
+            <a:r>
+              <a:rPr kumimoji="1" lang="ja-JP" altLang="en-US" sz="1000" dirty="0" smtClean="0">
                 <a:latin typeface="メイリオ"/>
                 <a:ea typeface="メイリオ"/>
                 <a:cs typeface="メイリオ"/>
               </a:rPr>
               <a:t>：</a:t>
             </a:r>
-            <a:endParaRPr kumimoji="1" lang="ja-JP" altLang="en-US" sz="1200" dirty="0">
+            <a:endParaRPr kumimoji="1" lang="ja-JP" altLang="en-US" sz="1000" dirty="0">
               <a:latin typeface="メイリオ"/>
               <a:ea typeface="メイリオ"/>
               <a:cs typeface="メイリオ"/>
@@ -8442,14 +8471,14 @@
       </p:sp>
       <p:sp>
         <p:nvSpPr>
-          <p:cNvPr id="78" name="角丸四角形 77"/>
+          <p:cNvPr id="81" name="角丸四角形 80"/>
           <p:cNvSpPr/>
           <p:nvPr/>
         </p:nvSpPr>
         <p:spPr>
           <a:xfrm>
-            <a:off x="5370510" y="1715149"/>
-            <a:ext cx="560480" cy="165946"/>
+            <a:off x="1741308" y="1715007"/>
+            <a:ext cx="352321" cy="158766"/>
           </a:xfrm>
           <a:prstGeom prst="roundRect">
             <a:avLst/>
@@ -8487,59 +8516,13 @@
       </p:sp>
       <p:sp>
         <p:nvSpPr>
-          <p:cNvPr id="79" name="テキスト ボックス 78"/>
-          <p:cNvSpPr txBox="1"/>
-          <p:nvPr/>
-        </p:nvSpPr>
-        <p:spPr>
-          <a:xfrm>
-            <a:off x="5949540" y="1649229"/>
-            <a:ext cx="646331" cy="276999"/>
-          </a:xfrm>
-          <a:prstGeom prst="rect">
-            <a:avLst/>
-          </a:prstGeom>
-          <a:noFill/>
-        </p:spPr>
-        <p:txBody>
-          <a:bodyPr wrap="none" rtlCol="0">
-            <a:spAutoFit/>
-          </a:bodyPr>
-          <a:lstStyle/>
-          <a:p>
-            <a:r>
-              <a:rPr lang="ja-JP" altLang="en-US" sz="1200" dirty="0" smtClean="0">
-                <a:latin typeface="メイリオ"/>
-                <a:ea typeface="メイリオ"/>
-                <a:cs typeface="メイリオ"/>
-              </a:rPr>
-              <a:t>金額</a:t>
-            </a:r>
-            <a:r>
-              <a:rPr kumimoji="1" lang="ja-JP" altLang="en-US" sz="1200" dirty="0" smtClean="0">
-                <a:latin typeface="メイリオ"/>
-                <a:ea typeface="メイリオ"/>
-                <a:cs typeface="メイリオ"/>
-              </a:rPr>
-              <a:t>：</a:t>
-            </a:r>
-            <a:endParaRPr kumimoji="1" lang="ja-JP" altLang="en-US" sz="1200" dirty="0">
-              <a:latin typeface="メイリオ"/>
-              <a:ea typeface="メイリオ"/>
-              <a:cs typeface="メイリオ"/>
-            </a:endParaRPr>
-          </a:p>
-        </p:txBody>
-      </p:sp>
-      <p:sp>
-        <p:nvSpPr>
-          <p:cNvPr id="81" name="角丸四角形 80"/>
+          <p:cNvPr id="82" name="角丸四角形 81"/>
           <p:cNvSpPr/>
           <p:nvPr/>
         </p:nvSpPr>
         <p:spPr>
           <a:xfrm>
-            <a:off x="2087658" y="1715007"/>
+            <a:off x="5797831" y="1723285"/>
             <a:ext cx="352321" cy="158766"/>
           </a:xfrm>
           <a:prstGeom prst="roundRect">
@@ -8578,13 +8561,51 @@
       </p:sp>
       <p:sp>
         <p:nvSpPr>
-          <p:cNvPr id="82" name="角丸四角形 81"/>
+          <p:cNvPr id="83" name="テキスト ボックス 82"/>
+          <p:cNvSpPr txBox="1"/>
+          <p:nvPr/>
+        </p:nvSpPr>
+        <p:spPr>
+          <a:xfrm>
+            <a:off x="6115307" y="1660522"/>
+            <a:ext cx="338554" cy="276999"/>
+          </a:xfrm>
+          <a:prstGeom prst="rect">
+            <a:avLst/>
+          </a:prstGeom>
+          <a:noFill/>
+        </p:spPr>
+        <p:txBody>
+          <a:bodyPr wrap="none" rtlCol="0">
+            <a:spAutoFit/>
+          </a:bodyPr>
+          <a:lstStyle/>
+          <a:p>
+            <a:r>
+              <a:rPr lang="en-US" altLang="en-US" sz="1200" dirty="0" smtClean="0">
+                <a:latin typeface="メイリオ"/>
+                <a:ea typeface="メイリオ"/>
+                <a:cs typeface="メイリオ"/>
+              </a:rPr>
+              <a:t>〜</a:t>
+            </a:r>
+            <a:endParaRPr kumimoji="1" lang="ja-JP" altLang="en-US" sz="1200" dirty="0">
+              <a:latin typeface="メイリオ"/>
+              <a:ea typeface="メイリオ"/>
+              <a:cs typeface="メイリオ"/>
+            </a:endParaRPr>
+          </a:p>
+        </p:txBody>
+      </p:sp>
+      <p:sp>
+        <p:nvSpPr>
+          <p:cNvPr id="84" name="角丸四角形 83"/>
           <p:cNvSpPr/>
           <p:nvPr/>
         </p:nvSpPr>
         <p:spPr>
           <a:xfrm>
-            <a:off x="6513621" y="1723285"/>
+            <a:off x="6416321" y="1715963"/>
             <a:ext cx="352321" cy="158766"/>
           </a:xfrm>
           <a:prstGeom prst="roundRect">
@@ -8623,52 +8644,14 @@
       </p:sp>
       <p:sp>
         <p:nvSpPr>
-          <p:cNvPr id="83" name="テキスト ボックス 82"/>
-          <p:cNvSpPr txBox="1"/>
-          <p:nvPr/>
-        </p:nvSpPr>
-        <p:spPr>
-          <a:xfrm>
-            <a:off x="6831097" y="1660522"/>
-            <a:ext cx="338554" cy="276999"/>
-          </a:xfrm>
-          <a:prstGeom prst="rect">
-            <a:avLst/>
-          </a:prstGeom>
-          <a:noFill/>
-        </p:spPr>
-        <p:txBody>
-          <a:bodyPr wrap="none" rtlCol="0">
-            <a:spAutoFit/>
-          </a:bodyPr>
-          <a:lstStyle/>
-          <a:p>
-            <a:r>
-              <a:rPr lang="en-US" altLang="en-US" sz="1200" dirty="0" smtClean="0">
-                <a:latin typeface="メイリオ"/>
-                <a:ea typeface="メイリオ"/>
-                <a:cs typeface="メイリオ"/>
-              </a:rPr>
-              <a:t>〜</a:t>
-            </a:r>
-            <a:endParaRPr kumimoji="1" lang="ja-JP" altLang="en-US" sz="1200" dirty="0">
-              <a:latin typeface="メイリオ"/>
-              <a:ea typeface="メイリオ"/>
-              <a:cs typeface="メイリオ"/>
-            </a:endParaRPr>
-          </a:p>
-        </p:txBody>
-      </p:sp>
-      <p:sp>
-        <p:nvSpPr>
-          <p:cNvPr id="84" name="角丸四角形 83"/>
+          <p:cNvPr id="85" name="角丸四角形 84"/>
           <p:cNvSpPr/>
           <p:nvPr/>
         </p:nvSpPr>
         <p:spPr>
           <a:xfrm>
-            <a:off x="7132111" y="1715963"/>
-            <a:ext cx="352321" cy="158766"/>
+            <a:off x="7931715" y="1685552"/>
+            <a:ext cx="529807" cy="231780"/>
           </a:xfrm>
           <a:prstGeom prst="roundRect">
             <a:avLst/>
@@ -8700,53 +8683,8 @@
           <a:lstStyle/>
           <a:p>
             <a:pPr algn="ctr"/>
-            <a:endParaRPr kumimoji="1" lang="ja-JP" altLang="en-US"/>
-          </a:p>
-        </p:txBody>
-      </p:sp>
-      <p:sp>
-        <p:nvSpPr>
-          <p:cNvPr id="85" name="角丸四角形 84"/>
-          <p:cNvSpPr/>
-          <p:nvPr/>
-        </p:nvSpPr>
-        <p:spPr>
-          <a:xfrm>
-            <a:off x="7553038" y="1639397"/>
-            <a:ext cx="550589" cy="299213"/>
-          </a:xfrm>
-          <a:prstGeom prst="roundRect">
-            <a:avLst/>
-          </a:prstGeom>
-          <a:noFill/>
-          <a:ln w="25400">
-            <a:solidFill>
-              <a:schemeClr val="tx1"/>
-            </a:solidFill>
-          </a:ln>
-          <a:effectLst/>
-        </p:spPr>
-        <p:style>
-          <a:lnRef idx="1">
-            <a:schemeClr val="accent1"/>
-          </a:lnRef>
-          <a:fillRef idx="3">
-            <a:schemeClr val="accent1"/>
-          </a:fillRef>
-          <a:effectRef idx="2">
-            <a:schemeClr val="accent1"/>
-          </a:effectRef>
-          <a:fontRef idx="minor">
-            <a:schemeClr val="lt1"/>
-          </a:fontRef>
-        </p:style>
-        <p:txBody>
-          <a:bodyPr rtlCol="0" anchor="ctr"/>
-          <a:lstStyle/>
-          <a:p>
-            <a:pPr algn="ctr"/>
-            <a:r>
-              <a:rPr lang="ja-JP" altLang="en-US" sz="1200" dirty="0" smtClean="0">
+            <a:r>
+              <a:rPr lang="ja-JP" altLang="en-US" sz="1000" dirty="0" smtClean="0">
                 <a:solidFill>
                   <a:schemeClr val="tx1"/>
                 </a:solidFill>
@@ -8756,10 +8694,502 @@
               </a:rPr>
               <a:t>検索</a:t>
             </a:r>
-            <a:endParaRPr kumimoji="1" lang="ja-JP" altLang="en-US" sz="1200" dirty="0">
+            <a:endParaRPr kumimoji="1" lang="ja-JP" altLang="en-US" sz="1000" dirty="0">
               <a:solidFill>
                 <a:schemeClr val="tx1"/>
               </a:solidFill>
+              <a:latin typeface="メイリオ"/>
+              <a:ea typeface="メイリオ"/>
+              <a:cs typeface="メイリオ"/>
+            </a:endParaRPr>
+          </a:p>
+        </p:txBody>
+      </p:sp>
+      <p:grpSp>
+        <p:nvGrpSpPr>
+          <p:cNvPr id="71" name="図形グループ 70"/>
+          <p:cNvGrpSpPr/>
+          <p:nvPr/>
+        </p:nvGrpSpPr>
+        <p:grpSpPr>
+          <a:xfrm>
+            <a:off x="5017501" y="1715007"/>
+            <a:ext cx="280240" cy="165946"/>
+            <a:chOff x="4954166" y="1192639"/>
+            <a:chExt cx="280240" cy="165946"/>
+          </a:xfrm>
+        </p:grpSpPr>
+        <p:sp>
+          <p:nvSpPr>
+            <p:cNvPr id="75" name="角丸四角形 74"/>
+            <p:cNvSpPr/>
+            <p:nvPr/>
+          </p:nvSpPr>
+          <p:spPr>
+            <a:xfrm>
+              <a:off x="4954166" y="1192639"/>
+              <a:ext cx="280240" cy="165946"/>
+            </a:xfrm>
+            <a:prstGeom prst="roundRect">
+              <a:avLst/>
+            </a:prstGeom>
+            <a:noFill/>
+            <a:ln w="25400">
+              <a:solidFill>
+                <a:schemeClr val="tx1"/>
+              </a:solidFill>
+            </a:ln>
+            <a:effectLst/>
+          </p:spPr>
+          <p:style>
+            <a:lnRef idx="1">
+              <a:schemeClr val="accent1"/>
+            </a:lnRef>
+            <a:fillRef idx="3">
+              <a:schemeClr val="accent1"/>
+            </a:fillRef>
+            <a:effectRef idx="2">
+              <a:schemeClr val="accent1"/>
+            </a:effectRef>
+            <a:fontRef idx="minor">
+              <a:schemeClr val="lt1"/>
+            </a:fontRef>
+          </p:style>
+          <p:txBody>
+            <a:bodyPr rtlCol="0" anchor="ctr"/>
+            <a:lstStyle/>
+            <a:p>
+              <a:pPr algn="ctr"/>
+              <a:endParaRPr kumimoji="1" lang="ja-JP" altLang="en-US" sz="800" dirty="0">
+                <a:solidFill>
+                  <a:schemeClr val="tx1"/>
+                </a:solidFill>
+              </a:endParaRPr>
+            </a:p>
+          </p:txBody>
+        </p:sp>
+        <p:cxnSp>
+          <p:nvCxnSpPr>
+            <p:cNvPr id="80" name="直線コネクタ 79"/>
+            <p:cNvCxnSpPr/>
+            <p:nvPr/>
+          </p:nvCxnSpPr>
+          <p:spPr>
+            <a:xfrm>
+              <a:off x="5001261" y="1238058"/>
+              <a:ext cx="181196" cy="0"/>
+            </a:xfrm>
+            <a:prstGeom prst="line">
+              <a:avLst/>
+            </a:prstGeom>
+            <a:ln w="3175">
+              <a:solidFill>
+                <a:schemeClr val="tx1"/>
+              </a:solidFill>
+            </a:ln>
+          </p:spPr>
+          <p:style>
+            <a:lnRef idx="2">
+              <a:schemeClr val="accent1"/>
+            </a:lnRef>
+            <a:fillRef idx="0">
+              <a:schemeClr val="accent1"/>
+            </a:fillRef>
+            <a:effectRef idx="1">
+              <a:schemeClr val="accent1"/>
+            </a:effectRef>
+            <a:fontRef idx="minor">
+              <a:schemeClr val="tx1"/>
+            </a:fontRef>
+          </p:style>
+        </p:cxnSp>
+        <p:cxnSp>
+          <p:nvCxnSpPr>
+            <p:cNvPr id="86" name="直線コネクタ 85"/>
+            <p:cNvCxnSpPr/>
+            <p:nvPr/>
+          </p:nvCxnSpPr>
+          <p:spPr>
+            <a:xfrm>
+              <a:off x="5001261" y="1277697"/>
+              <a:ext cx="181196" cy="0"/>
+            </a:xfrm>
+            <a:prstGeom prst="line">
+              <a:avLst/>
+            </a:prstGeom>
+            <a:ln w="3175">
+              <a:solidFill>
+                <a:schemeClr val="tx1"/>
+              </a:solidFill>
+            </a:ln>
+          </p:spPr>
+          <p:style>
+            <a:lnRef idx="2">
+              <a:schemeClr val="accent1"/>
+            </a:lnRef>
+            <a:fillRef idx="0">
+              <a:schemeClr val="accent1"/>
+            </a:fillRef>
+            <a:effectRef idx="1">
+              <a:schemeClr val="accent1"/>
+            </a:effectRef>
+            <a:fontRef idx="minor">
+              <a:schemeClr val="tx1"/>
+            </a:fontRef>
+          </p:style>
+        </p:cxnSp>
+        <p:cxnSp>
+          <p:nvCxnSpPr>
+            <p:cNvPr id="87" name="直線コネクタ 86"/>
+            <p:cNvCxnSpPr/>
+            <p:nvPr/>
+          </p:nvCxnSpPr>
+          <p:spPr>
+            <a:xfrm>
+              <a:off x="5003884" y="1310793"/>
+              <a:ext cx="181196" cy="0"/>
+            </a:xfrm>
+            <a:prstGeom prst="line">
+              <a:avLst/>
+            </a:prstGeom>
+            <a:ln w="3175">
+              <a:solidFill>
+                <a:schemeClr val="tx1"/>
+              </a:solidFill>
+            </a:ln>
+          </p:spPr>
+          <p:style>
+            <a:lnRef idx="2">
+              <a:schemeClr val="accent1"/>
+            </a:lnRef>
+            <a:fillRef idx="0">
+              <a:schemeClr val="accent1"/>
+            </a:fillRef>
+            <a:effectRef idx="1">
+              <a:schemeClr val="accent1"/>
+            </a:effectRef>
+            <a:fontRef idx="minor">
+              <a:schemeClr val="tx1"/>
+            </a:fontRef>
+          </p:style>
+        </p:cxnSp>
+      </p:grpSp>
+      <p:sp>
+        <p:nvSpPr>
+          <p:cNvPr id="88" name="テキスト ボックス 87"/>
+          <p:cNvSpPr txBox="1"/>
+          <p:nvPr/>
+        </p:nvSpPr>
+        <p:spPr>
+          <a:xfrm>
+            <a:off x="5772888" y="1141779"/>
+            <a:ext cx="441146" cy="246221"/>
+          </a:xfrm>
+          <a:prstGeom prst="rect">
+            <a:avLst/>
+          </a:prstGeom>
+          <a:noFill/>
+        </p:spPr>
+        <p:txBody>
+          <a:bodyPr wrap="none" rtlCol="0">
+            <a:spAutoFit/>
+          </a:bodyPr>
+          <a:lstStyle/>
+          <a:p>
+            <a:r>
+              <a:rPr lang="en-US" altLang="en-US" sz="1000" dirty="0" smtClean="0">
+                <a:latin typeface="メイリオ"/>
+                <a:ea typeface="メイリオ"/>
+                <a:cs typeface="メイリオ"/>
+              </a:rPr>
+              <a:t>収入</a:t>
+            </a:r>
+            <a:endParaRPr kumimoji="1" lang="ja-JP" altLang="en-US" sz="1000" dirty="0">
+              <a:latin typeface="メイリオ"/>
+              <a:ea typeface="メイリオ"/>
+              <a:cs typeface="メイリオ"/>
+            </a:endParaRPr>
+          </a:p>
+        </p:txBody>
+      </p:sp>
+      <p:sp>
+        <p:nvSpPr>
+          <p:cNvPr id="89" name="テキスト ボックス 88"/>
+          <p:cNvSpPr txBox="1"/>
+          <p:nvPr/>
+        </p:nvSpPr>
+        <p:spPr>
+          <a:xfrm>
+            <a:off x="6327496" y="1133027"/>
+            <a:ext cx="441146" cy="246221"/>
+          </a:xfrm>
+          <a:prstGeom prst="rect">
+            <a:avLst/>
+          </a:prstGeom>
+          <a:noFill/>
+        </p:spPr>
+        <p:txBody>
+          <a:bodyPr wrap="none" rtlCol="0">
+            <a:spAutoFit/>
+          </a:bodyPr>
+          <a:lstStyle/>
+          <a:p>
+            <a:r>
+              <a:rPr lang="ja-JP" altLang="en-US" sz="1000" dirty="0" smtClean="0">
+                <a:latin typeface="メイリオ"/>
+                <a:ea typeface="メイリオ"/>
+                <a:cs typeface="メイリオ"/>
+              </a:rPr>
+              <a:t>支出</a:t>
+            </a:r>
+            <a:endParaRPr kumimoji="1" lang="ja-JP" altLang="en-US" sz="1000" dirty="0">
+              <a:latin typeface="メイリオ"/>
+              <a:ea typeface="メイリオ"/>
+              <a:cs typeface="メイリオ"/>
+            </a:endParaRPr>
+          </a:p>
+        </p:txBody>
+      </p:sp>
+      <p:sp>
+        <p:nvSpPr>
+          <p:cNvPr id="11" name="円/楕円 10"/>
+          <p:cNvSpPr/>
+          <p:nvPr/>
+        </p:nvSpPr>
+        <p:spPr>
+          <a:xfrm flipH="1">
+            <a:off x="6164699" y="1187777"/>
+            <a:ext cx="162796" cy="157651"/>
+          </a:xfrm>
+          <a:prstGeom prst="ellipse">
+            <a:avLst/>
+          </a:prstGeom>
+          <a:noFill/>
+          <a:ln w="38100">
+            <a:solidFill>
+              <a:schemeClr val="tx1"/>
+            </a:solidFill>
+          </a:ln>
+          <a:effectLst/>
+        </p:spPr>
+        <p:style>
+          <a:lnRef idx="1">
+            <a:schemeClr val="accent1"/>
+          </a:lnRef>
+          <a:fillRef idx="3">
+            <a:schemeClr val="accent1"/>
+          </a:fillRef>
+          <a:effectRef idx="2">
+            <a:schemeClr val="accent1"/>
+          </a:effectRef>
+          <a:fontRef idx="minor">
+            <a:schemeClr val="lt1"/>
+          </a:fontRef>
+        </p:style>
+        <p:txBody>
+          <a:bodyPr rtlCol="0" anchor="ctr"/>
+          <a:lstStyle/>
+          <a:p>
+            <a:pPr algn="ctr"/>
+            <a:endParaRPr kumimoji="1" lang="ja-JP" altLang="en-US"/>
+          </a:p>
+        </p:txBody>
+      </p:sp>
+      <p:sp>
+        <p:nvSpPr>
+          <p:cNvPr id="90" name="円/楕円 89"/>
+          <p:cNvSpPr/>
+          <p:nvPr/>
+        </p:nvSpPr>
+        <p:spPr>
+          <a:xfrm flipH="1">
+            <a:off x="6734007" y="1190624"/>
+            <a:ext cx="162796" cy="157651"/>
+          </a:xfrm>
+          <a:prstGeom prst="ellipse">
+            <a:avLst/>
+          </a:prstGeom>
+          <a:noFill/>
+          <a:ln w="38100">
+            <a:solidFill>
+              <a:schemeClr val="tx1"/>
+            </a:solidFill>
+          </a:ln>
+          <a:effectLst/>
+        </p:spPr>
+        <p:style>
+          <a:lnRef idx="1">
+            <a:schemeClr val="accent1"/>
+          </a:lnRef>
+          <a:fillRef idx="3">
+            <a:schemeClr val="accent1"/>
+          </a:fillRef>
+          <a:effectRef idx="2">
+            <a:schemeClr val="accent1"/>
+          </a:effectRef>
+          <a:fontRef idx="minor">
+            <a:schemeClr val="lt1"/>
+          </a:fontRef>
+        </p:style>
+        <p:txBody>
+          <a:bodyPr rtlCol="0" anchor="ctr"/>
+          <a:lstStyle/>
+          <a:p>
+            <a:pPr algn="ctr"/>
+            <a:endParaRPr kumimoji="1" lang="ja-JP" altLang="en-US"/>
+          </a:p>
+        </p:txBody>
+      </p:sp>
+      <p:grpSp>
+        <p:nvGrpSpPr>
+          <p:cNvPr id="95" name="図形グループ 94"/>
+          <p:cNvGrpSpPr/>
+          <p:nvPr/>
+        </p:nvGrpSpPr>
+        <p:grpSpPr>
+          <a:xfrm>
+            <a:off x="7244601" y="1714972"/>
+            <a:ext cx="519922" cy="154577"/>
+            <a:chOff x="3729152" y="1722410"/>
+            <a:chExt cx="519922" cy="154577"/>
+          </a:xfrm>
+        </p:grpSpPr>
+        <p:sp>
+          <p:nvSpPr>
+            <p:cNvPr id="96" name="角丸四角形 95"/>
+            <p:cNvSpPr/>
+            <p:nvPr/>
+          </p:nvSpPr>
+          <p:spPr>
+            <a:xfrm>
+              <a:off x="3729152" y="1722410"/>
+              <a:ext cx="519922" cy="154577"/>
+            </a:xfrm>
+            <a:prstGeom prst="roundRect">
+              <a:avLst/>
+            </a:prstGeom>
+            <a:noFill/>
+            <a:ln w="25400">
+              <a:solidFill>
+                <a:schemeClr val="tx1"/>
+              </a:solidFill>
+            </a:ln>
+            <a:effectLst/>
+          </p:spPr>
+          <p:style>
+            <a:lnRef idx="1">
+              <a:schemeClr val="accent1"/>
+            </a:lnRef>
+            <a:fillRef idx="3">
+              <a:schemeClr val="accent1"/>
+            </a:fillRef>
+            <a:effectRef idx="2">
+              <a:schemeClr val="accent1"/>
+            </a:effectRef>
+            <a:fontRef idx="minor">
+              <a:schemeClr val="lt1"/>
+            </a:fontRef>
+          </p:style>
+          <p:txBody>
+            <a:bodyPr rtlCol="0" anchor="ctr"/>
+            <a:lstStyle/>
+            <a:p>
+              <a:endParaRPr kumimoji="1" lang="ja-JP" altLang="en-US" sz="800" dirty="0">
+                <a:solidFill>
+                  <a:schemeClr val="tx1"/>
+                </a:solidFill>
+                <a:latin typeface="メイリオ"/>
+                <a:ea typeface="メイリオ"/>
+                <a:cs typeface="メイリオ"/>
+              </a:endParaRPr>
+            </a:p>
+          </p:txBody>
+        </p:sp>
+        <p:sp>
+          <p:nvSpPr>
+            <p:cNvPr id="97" name="二等辺三角形 96"/>
+            <p:cNvSpPr/>
+            <p:nvPr/>
+          </p:nvSpPr>
+          <p:spPr>
+            <a:xfrm rot="10800000">
+              <a:off x="4102931" y="1761549"/>
+              <a:ext cx="108000" cy="108000"/>
+            </a:xfrm>
+            <a:prstGeom prst="triangle">
+              <a:avLst/>
+            </a:prstGeom>
+            <a:solidFill>
+              <a:schemeClr val="tx1"/>
+            </a:solidFill>
+            <a:ln>
+              <a:noFill/>
+            </a:ln>
+            <a:effectLst/>
+          </p:spPr>
+          <p:style>
+            <a:lnRef idx="1">
+              <a:schemeClr val="accent1"/>
+            </a:lnRef>
+            <a:fillRef idx="3">
+              <a:schemeClr val="accent1"/>
+            </a:fillRef>
+            <a:effectRef idx="2">
+              <a:schemeClr val="accent1"/>
+            </a:effectRef>
+            <a:fontRef idx="minor">
+              <a:schemeClr val="lt1"/>
+            </a:fontRef>
+          </p:style>
+          <p:txBody>
+            <a:bodyPr rtlCol="0" anchor="ctr"/>
+            <a:lstStyle/>
+            <a:p>
+              <a:pPr algn="ctr"/>
+              <a:endParaRPr kumimoji="1" lang="ja-JP" altLang="en-US"/>
+            </a:p>
+          </p:txBody>
+        </p:sp>
+      </p:grpSp>
+      <p:sp>
+        <p:nvSpPr>
+          <p:cNvPr id="98" name="テキスト ボックス 97"/>
+          <p:cNvSpPr txBox="1"/>
+          <p:nvPr/>
+        </p:nvSpPr>
+        <p:spPr>
+          <a:xfrm>
+            <a:off x="6756029" y="1672856"/>
+            <a:ext cx="569387" cy="246221"/>
+          </a:xfrm>
+          <a:prstGeom prst="rect">
+            <a:avLst/>
+          </a:prstGeom>
+          <a:noFill/>
+        </p:spPr>
+        <p:txBody>
+          <a:bodyPr wrap="none" rtlCol="0">
+            <a:spAutoFit/>
+          </a:bodyPr>
+          <a:lstStyle/>
+          <a:p>
+            <a:r>
+              <a:rPr kumimoji="1" lang="ja-JP" altLang="en-US" sz="1000" dirty="0" smtClean="0">
+                <a:latin typeface="メイリオ"/>
+                <a:ea typeface="メイリオ"/>
+                <a:cs typeface="メイリオ"/>
+              </a:rPr>
+              <a:t>種類</a:t>
+            </a:r>
+            <a:r>
+              <a:rPr kumimoji="1" lang="ja-JP" altLang="en-US" sz="1000" dirty="0" smtClean="0">
+                <a:latin typeface="メイリオ"/>
+                <a:ea typeface="メイリオ"/>
+                <a:cs typeface="メイリオ"/>
+              </a:rPr>
+              <a:t>：</a:t>
+            </a:r>
+            <a:endParaRPr kumimoji="1" lang="ja-JP" altLang="en-US" sz="1000" dirty="0">
               <a:latin typeface="メイリオ"/>
               <a:ea typeface="メイリオ"/>
               <a:cs typeface="メイリオ"/>
@@ -8994,44 +9424,6 @@
           <a:chExt cx="0" cy="0"/>
         </a:xfrm>
       </p:grpSpPr>
-      <p:sp>
-        <p:nvSpPr>
-          <p:cNvPr id="4" name="テキスト ボックス 3"/>
-          <p:cNvSpPr txBox="1"/>
-          <p:nvPr/>
-        </p:nvSpPr>
-        <p:spPr>
-          <a:xfrm>
-            <a:off x="200532" y="187161"/>
-            <a:ext cx="4493538" cy="523220"/>
-          </a:xfrm>
-          <a:prstGeom prst="rect">
-            <a:avLst/>
-          </a:prstGeom>
-          <a:noFill/>
-        </p:spPr>
-        <p:txBody>
-          <a:bodyPr wrap="none" rtlCol="0">
-            <a:spAutoFit/>
-          </a:bodyPr>
-          <a:lstStyle/>
-          <a:p>
-            <a:r>
-              <a:rPr lang="ja-JP" altLang="en-US" sz="2800" dirty="0" smtClean="0">
-                <a:latin typeface="メイリオ"/>
-                <a:ea typeface="メイリオ"/>
-                <a:cs typeface="メイリオ"/>
-              </a:rPr>
-              <a:t>管理画面（カテゴリ選択）</a:t>
-            </a:r>
-            <a:endParaRPr kumimoji="1" lang="ja-JP" altLang="en-US" sz="2000" dirty="0">
-              <a:latin typeface="メイリオ"/>
-              <a:ea typeface="メイリオ"/>
-              <a:cs typeface="メイリオ"/>
-            </a:endParaRPr>
-          </a:p>
-        </p:txBody>
-      </p:sp>
       <p:graphicFrame>
         <p:nvGraphicFramePr>
           <p:cNvPr id="82" name="表 81"/>
@@ -9041,7 +9433,7 @@
           <p:nvPr>
             <p:extLst>
               <p:ext uri="{D42A27DB-BD31-4B8C-83A1-F6EECF244321}">
-                <p14:modId xmlns:p14="http://schemas.microsoft.com/office/powerpoint/2010/main" val="3183742681"/>
+                <p14:modId xmlns:p14="http://schemas.microsoft.com/office/powerpoint/2010/main" val="1670799361"/>
               </p:ext>
             </p:extLst>
           </p:nvPr>
@@ -9542,8 +9934,8 @@
         </p:nvSpPr>
         <p:spPr>
           <a:xfrm>
-            <a:off x="783269" y="935182"/>
-            <a:ext cx="7575640" cy="5541817"/>
+            <a:off x="529279" y="935182"/>
+            <a:ext cx="8095186" cy="5541817"/>
           </a:xfrm>
           <a:prstGeom prst="rect">
             <a:avLst/>
@@ -9594,7 +9986,7 @@
         </p:nvSpPr>
         <p:spPr>
           <a:xfrm>
-            <a:off x="1469168" y="1187601"/>
+            <a:off x="1111273" y="1187601"/>
             <a:ext cx="562830" cy="165946"/>
           </a:xfrm>
           <a:prstGeom prst="roundRect">
@@ -9639,8 +10031,8 @@
         </p:nvSpPr>
         <p:spPr>
           <a:xfrm>
-            <a:off x="890993" y="1114621"/>
-            <a:ext cx="646331" cy="276999"/>
+            <a:off x="590823" y="1136452"/>
+            <a:ext cx="569387" cy="246221"/>
           </a:xfrm>
           <a:prstGeom prst="rect">
             <a:avLst/>
@@ -9654,14 +10046,14 @@
           <a:lstStyle/>
           <a:p>
             <a:r>
-              <a:rPr kumimoji="1" lang="ja-JP" altLang="en-US" sz="1200" dirty="0" smtClean="0">
+              <a:rPr kumimoji="1" lang="ja-JP" altLang="en-US" sz="1000" dirty="0" smtClean="0">
                 <a:latin typeface="メイリオ"/>
                 <a:ea typeface="メイリオ"/>
                 <a:cs typeface="メイリオ"/>
               </a:rPr>
               <a:t>日付：</a:t>
             </a:r>
-            <a:endParaRPr kumimoji="1" lang="ja-JP" altLang="en-US" sz="1200" dirty="0">
+            <a:endParaRPr kumimoji="1" lang="ja-JP" altLang="en-US" sz="1000" dirty="0">
               <a:latin typeface="メイリオ"/>
               <a:ea typeface="メイリオ"/>
               <a:cs typeface="メイリオ"/>
@@ -9677,7 +10069,7 @@
         </p:nvSpPr>
         <p:spPr>
           <a:xfrm>
-            <a:off x="2646774" y="1187601"/>
+            <a:off x="2208064" y="1187601"/>
             <a:ext cx="797002" cy="165946"/>
           </a:xfrm>
           <a:prstGeom prst="roundRect">
@@ -9722,8 +10114,8 @@
         </p:nvSpPr>
         <p:spPr>
           <a:xfrm>
-            <a:off x="2046815" y="1111063"/>
-            <a:ext cx="646331" cy="276999"/>
+            <a:off x="1698033" y="1133027"/>
+            <a:ext cx="569387" cy="246221"/>
           </a:xfrm>
           <a:prstGeom prst="rect">
             <a:avLst/>
@@ -9737,7 +10129,7 @@
           <a:lstStyle/>
           <a:p>
             <a:r>
-              <a:rPr lang="ja-JP" altLang="en-US" sz="1200" dirty="0" smtClean="0">
+              <a:rPr lang="ja-JP" altLang="en-US" sz="1000" dirty="0" smtClean="0">
                 <a:latin typeface="メイリオ"/>
                 <a:ea typeface="メイリオ"/>
                 <a:cs typeface="メイリオ"/>
@@ -9745,14 +10137,14 @@
               <a:t>内容</a:t>
             </a:r>
             <a:r>
-              <a:rPr kumimoji="1" lang="ja-JP" altLang="en-US" sz="1200" dirty="0" smtClean="0">
+              <a:rPr kumimoji="1" lang="ja-JP" altLang="en-US" sz="1000" dirty="0" smtClean="0">
                 <a:latin typeface="メイリオ"/>
                 <a:ea typeface="メイリオ"/>
                 <a:cs typeface="メイリオ"/>
               </a:rPr>
               <a:t>：</a:t>
             </a:r>
-            <a:endParaRPr kumimoji="1" lang="ja-JP" altLang="en-US" sz="1200" dirty="0">
+            <a:endParaRPr kumimoji="1" lang="ja-JP" altLang="en-US" sz="1000" dirty="0">
               <a:latin typeface="メイリオ"/>
               <a:ea typeface="メイリオ"/>
               <a:cs typeface="メイリオ"/>
@@ -9768,7 +10160,7 @@
         </p:nvSpPr>
         <p:spPr>
           <a:xfrm>
-            <a:off x="4346659" y="1187601"/>
+            <a:off x="3780954" y="1187601"/>
             <a:ext cx="560480" cy="165946"/>
           </a:xfrm>
           <a:prstGeom prst="roundRect">
@@ -9813,8 +10205,8 @@
         </p:nvSpPr>
         <p:spPr>
           <a:xfrm>
-            <a:off x="3461822" y="1118689"/>
-            <a:ext cx="954107" cy="276999"/>
+            <a:off x="3011567" y="1141779"/>
+            <a:ext cx="825867" cy="246221"/>
           </a:xfrm>
           <a:prstGeom prst="rect">
             <a:avLst/>
@@ -9828,7 +10220,7 @@
           <a:lstStyle/>
           <a:p>
             <a:r>
-              <a:rPr lang="ja-JP" altLang="en-US" sz="1200" dirty="0" smtClean="0">
+              <a:rPr lang="ja-JP" altLang="en-US" sz="1000" dirty="0" smtClean="0">
                 <a:latin typeface="メイリオ"/>
                 <a:ea typeface="メイリオ"/>
                 <a:cs typeface="メイリオ"/>
@@ -9836,14 +10228,14 @@
               <a:t>カテゴリ</a:t>
             </a:r>
             <a:r>
-              <a:rPr kumimoji="1" lang="ja-JP" altLang="en-US" sz="1200" dirty="0" smtClean="0">
+              <a:rPr kumimoji="1" lang="ja-JP" altLang="en-US" sz="1000" dirty="0" smtClean="0">
                 <a:latin typeface="メイリオ"/>
                 <a:ea typeface="メイリオ"/>
                 <a:cs typeface="メイリオ"/>
               </a:rPr>
               <a:t>：</a:t>
             </a:r>
-            <a:endParaRPr kumimoji="1" lang="ja-JP" altLang="en-US" sz="1200" dirty="0">
+            <a:endParaRPr kumimoji="1" lang="ja-JP" altLang="en-US" sz="1000" dirty="0">
               <a:latin typeface="メイリオ"/>
               <a:ea typeface="メイリオ"/>
               <a:cs typeface="メイリオ"/>
@@ -9859,7 +10251,7 @@
         </p:nvSpPr>
         <p:spPr>
           <a:xfrm>
-            <a:off x="5799922" y="1187601"/>
+            <a:off x="5211127" y="1187601"/>
             <a:ext cx="561630" cy="165946"/>
           </a:xfrm>
           <a:prstGeom prst="roundRect">
@@ -9904,8 +10296,8 @@
         </p:nvSpPr>
         <p:spPr>
           <a:xfrm>
-            <a:off x="5234406" y="1128924"/>
-            <a:ext cx="646331" cy="276999"/>
+            <a:off x="4691791" y="1152014"/>
+            <a:ext cx="569387" cy="246221"/>
           </a:xfrm>
           <a:prstGeom prst="rect">
             <a:avLst/>
@@ -9919,7 +10311,7 @@
           <a:lstStyle/>
           <a:p>
             <a:r>
-              <a:rPr lang="ja-JP" altLang="en-US" sz="1200" dirty="0" smtClean="0">
+              <a:rPr lang="ja-JP" altLang="en-US" sz="1000" dirty="0" smtClean="0">
                 <a:latin typeface="メイリオ"/>
                 <a:ea typeface="メイリオ"/>
                 <a:cs typeface="メイリオ"/>
@@ -9927,14 +10319,14 @@
               <a:t>金額</a:t>
             </a:r>
             <a:r>
-              <a:rPr kumimoji="1" lang="ja-JP" altLang="en-US" sz="1200" dirty="0" smtClean="0">
+              <a:rPr kumimoji="1" lang="ja-JP" altLang="en-US" sz="1000" dirty="0" smtClean="0">
                 <a:latin typeface="メイリオ"/>
                 <a:ea typeface="メイリオ"/>
                 <a:cs typeface="メイリオ"/>
               </a:rPr>
               <a:t>：</a:t>
             </a:r>
-            <a:endParaRPr kumimoji="1" lang="ja-JP" altLang="en-US" sz="1200" dirty="0">
+            <a:endParaRPr kumimoji="1" lang="ja-JP" altLang="en-US" sz="1000" dirty="0">
               <a:latin typeface="メイリオ"/>
               <a:ea typeface="メイリオ"/>
               <a:cs typeface="メイリオ"/>
@@ -9950,8 +10342,8 @@
         </p:nvSpPr>
         <p:spPr>
           <a:xfrm>
-            <a:off x="6515245" y="1118689"/>
-            <a:ext cx="550589" cy="299213"/>
+            <a:off x="6989782" y="1153142"/>
+            <a:ext cx="550589" cy="234858"/>
           </a:xfrm>
           <a:prstGeom prst="roundRect">
             <a:avLst/>
@@ -9984,7 +10376,7 @@
           <a:p>
             <a:pPr algn="ctr"/>
             <a:r>
-              <a:rPr kumimoji="1" lang="ja-JP" altLang="en-US" sz="1200" dirty="0" smtClean="0">
+              <a:rPr kumimoji="1" lang="ja-JP" altLang="en-US" sz="1000" dirty="0" smtClean="0">
                 <a:solidFill>
                   <a:schemeClr val="tx1"/>
                 </a:solidFill>
@@ -9994,7 +10386,7 @@
               </a:rPr>
               <a:t>登録</a:t>
             </a:r>
-            <a:endParaRPr kumimoji="1" lang="ja-JP" altLang="en-US" sz="1200" dirty="0">
+            <a:endParaRPr kumimoji="1" lang="ja-JP" altLang="en-US" sz="1000" dirty="0">
               <a:solidFill>
                 <a:schemeClr val="tx1"/>
               </a:solidFill>
@@ -10013,8 +10405,8 @@
         </p:nvCxnSpPr>
         <p:spPr>
           <a:xfrm>
-            <a:off x="923931" y="1547091"/>
-            <a:ext cx="7250251" cy="0"/>
+            <a:off x="658396" y="1547091"/>
+            <a:ext cx="7827513" cy="0"/>
           </a:xfrm>
           <a:prstGeom prst="line">
             <a:avLst/>
@@ -10567,8 +10959,8 @@
         </p:nvSpPr>
         <p:spPr>
           <a:xfrm>
-            <a:off x="7239002" y="1121482"/>
-            <a:ext cx="864625" cy="299213"/>
+            <a:off x="7621284" y="1153142"/>
+            <a:ext cx="864625" cy="233094"/>
           </a:xfrm>
           <a:prstGeom prst="roundRect">
             <a:avLst/>
@@ -10601,7 +10993,7 @@
           <a:p>
             <a:pPr algn="ctr"/>
             <a:r>
-              <a:rPr lang="en-US" altLang="en-US" sz="1200" dirty="0" smtClean="0">
+              <a:rPr lang="en-US" altLang="en-US" sz="1000" dirty="0" smtClean="0">
                 <a:solidFill>
                   <a:schemeClr val="tx1"/>
                 </a:solidFill>
@@ -10611,7 +11003,7 @@
               </a:rPr>
               <a:t>リセット</a:t>
             </a:r>
-            <a:endParaRPr kumimoji="1" lang="ja-JP" altLang="en-US" sz="1200" dirty="0">
+            <a:endParaRPr kumimoji="1" lang="ja-JP" altLang="en-US" sz="1000" dirty="0">
               <a:solidFill>
                 <a:schemeClr val="tx1"/>
               </a:solidFill>
@@ -10922,170 +11314,185 @@
           </a:prstGeom>
         </p:spPr>
       </p:pic>
-      <p:sp>
-        <p:nvSpPr>
-          <p:cNvPr id="116" name="角丸四角形 115"/>
-          <p:cNvSpPr/>
-          <p:nvPr/>
-        </p:nvSpPr>
-        <p:spPr>
-          <a:xfrm>
-            <a:off x="4954166" y="1192639"/>
+      <p:grpSp>
+        <p:nvGrpSpPr>
+          <p:cNvPr id="116" name="図形グループ 115"/>
+          <p:cNvGrpSpPr/>
+          <p:nvPr/>
+        </p:nvGrpSpPr>
+        <p:grpSpPr>
+          <a:xfrm>
+            <a:off x="4388461" y="1192639"/>
             <a:ext cx="280240" cy="165946"/>
-          </a:xfrm>
-          <a:prstGeom prst="roundRect">
-            <a:avLst/>
-          </a:prstGeom>
-          <a:noFill/>
-          <a:ln w="25400">
-            <a:solidFill>
-              <a:schemeClr val="tx1"/>
-            </a:solidFill>
-          </a:ln>
-          <a:effectLst/>
-        </p:spPr>
-        <p:style>
-          <a:lnRef idx="1">
-            <a:schemeClr val="accent1"/>
-          </a:lnRef>
-          <a:fillRef idx="3">
-            <a:schemeClr val="accent1"/>
-          </a:fillRef>
-          <a:effectRef idx="2">
-            <a:schemeClr val="accent1"/>
-          </a:effectRef>
-          <a:fontRef idx="minor">
-            <a:schemeClr val="lt1"/>
-          </a:fontRef>
-        </p:style>
-        <p:txBody>
-          <a:bodyPr rtlCol="0" anchor="ctr"/>
-          <a:lstStyle/>
-          <a:p>
-            <a:pPr algn="ctr"/>
-            <a:endParaRPr kumimoji="1" lang="ja-JP" altLang="en-US" sz="800" dirty="0">
+            <a:chOff x="4954166" y="1192639"/>
+            <a:chExt cx="280240" cy="165946"/>
+          </a:xfrm>
+        </p:grpSpPr>
+        <p:sp>
+          <p:nvSpPr>
+            <p:cNvPr id="117" name="角丸四角形 116"/>
+            <p:cNvSpPr/>
+            <p:nvPr/>
+          </p:nvSpPr>
+          <p:spPr>
+            <a:xfrm>
+              <a:off x="4954166" y="1192639"/>
+              <a:ext cx="280240" cy="165946"/>
+            </a:xfrm>
+            <a:prstGeom prst="roundRect">
+              <a:avLst/>
+            </a:prstGeom>
+            <a:noFill/>
+            <a:ln w="25400">
               <a:solidFill>
                 <a:schemeClr val="tx1"/>
               </a:solidFill>
-            </a:endParaRPr>
-          </a:p>
-        </p:txBody>
-      </p:sp>
+            </a:ln>
+            <a:effectLst/>
+          </p:spPr>
+          <p:style>
+            <a:lnRef idx="1">
+              <a:schemeClr val="accent1"/>
+            </a:lnRef>
+            <a:fillRef idx="3">
+              <a:schemeClr val="accent1"/>
+            </a:fillRef>
+            <a:effectRef idx="2">
+              <a:schemeClr val="accent1"/>
+            </a:effectRef>
+            <a:fontRef idx="minor">
+              <a:schemeClr val="lt1"/>
+            </a:fontRef>
+          </p:style>
+          <p:txBody>
+            <a:bodyPr rtlCol="0" anchor="ctr"/>
+            <a:lstStyle/>
+            <a:p>
+              <a:pPr algn="ctr"/>
+              <a:endParaRPr kumimoji="1" lang="ja-JP" altLang="en-US" sz="800" dirty="0">
+                <a:solidFill>
+                  <a:schemeClr val="tx1"/>
+                </a:solidFill>
+              </a:endParaRPr>
+            </a:p>
+          </p:txBody>
+        </p:sp>
+        <p:cxnSp>
+          <p:nvCxnSpPr>
+            <p:cNvPr id="118" name="直線コネクタ 117"/>
+            <p:cNvCxnSpPr/>
+            <p:nvPr/>
+          </p:nvCxnSpPr>
+          <p:spPr>
+            <a:xfrm>
+              <a:off x="5001261" y="1238058"/>
+              <a:ext cx="181196" cy="0"/>
+            </a:xfrm>
+            <a:prstGeom prst="line">
+              <a:avLst/>
+            </a:prstGeom>
+            <a:ln w="3175">
+              <a:solidFill>
+                <a:schemeClr val="tx1"/>
+              </a:solidFill>
+            </a:ln>
+          </p:spPr>
+          <p:style>
+            <a:lnRef idx="2">
+              <a:schemeClr val="accent1"/>
+            </a:lnRef>
+            <a:fillRef idx="0">
+              <a:schemeClr val="accent1"/>
+            </a:fillRef>
+            <a:effectRef idx="1">
+              <a:schemeClr val="accent1"/>
+            </a:effectRef>
+            <a:fontRef idx="minor">
+              <a:schemeClr val="tx1"/>
+            </a:fontRef>
+          </p:style>
+        </p:cxnSp>
+        <p:cxnSp>
+          <p:nvCxnSpPr>
+            <p:cNvPr id="119" name="直線コネクタ 118"/>
+            <p:cNvCxnSpPr/>
+            <p:nvPr/>
+          </p:nvCxnSpPr>
+          <p:spPr>
+            <a:xfrm>
+              <a:off x="5001261" y="1277697"/>
+              <a:ext cx="181196" cy="0"/>
+            </a:xfrm>
+            <a:prstGeom prst="line">
+              <a:avLst/>
+            </a:prstGeom>
+            <a:ln w="3175">
+              <a:solidFill>
+                <a:schemeClr val="tx1"/>
+              </a:solidFill>
+            </a:ln>
+          </p:spPr>
+          <p:style>
+            <a:lnRef idx="2">
+              <a:schemeClr val="accent1"/>
+            </a:lnRef>
+            <a:fillRef idx="0">
+              <a:schemeClr val="accent1"/>
+            </a:fillRef>
+            <a:effectRef idx="1">
+              <a:schemeClr val="accent1"/>
+            </a:effectRef>
+            <a:fontRef idx="minor">
+              <a:schemeClr val="tx1"/>
+            </a:fontRef>
+          </p:style>
+        </p:cxnSp>
+        <p:cxnSp>
+          <p:nvCxnSpPr>
+            <p:cNvPr id="120" name="直線コネクタ 119"/>
+            <p:cNvCxnSpPr/>
+            <p:nvPr/>
+          </p:nvCxnSpPr>
+          <p:spPr>
+            <a:xfrm>
+              <a:off x="5003884" y="1310793"/>
+              <a:ext cx="181196" cy="0"/>
+            </a:xfrm>
+            <a:prstGeom prst="line">
+              <a:avLst/>
+            </a:prstGeom>
+            <a:ln w="3175">
+              <a:solidFill>
+                <a:schemeClr val="tx1"/>
+              </a:solidFill>
+            </a:ln>
+          </p:spPr>
+          <p:style>
+            <a:lnRef idx="2">
+              <a:schemeClr val="accent1"/>
+            </a:lnRef>
+            <a:fillRef idx="0">
+              <a:schemeClr val="accent1"/>
+            </a:fillRef>
+            <a:effectRef idx="1">
+              <a:schemeClr val="accent1"/>
+            </a:effectRef>
+            <a:fontRef idx="minor">
+              <a:schemeClr val="tx1"/>
+            </a:fontRef>
+          </p:style>
+        </p:cxnSp>
+      </p:grpSp>
       <p:cxnSp>
         <p:nvCxnSpPr>
-          <p:cNvPr id="117" name="直線コネクタ 116"/>
+          <p:cNvPr id="121" name="直線コネクタ 120"/>
           <p:cNvCxnSpPr/>
           <p:nvPr/>
         </p:nvCxnSpPr>
         <p:spPr>
           <a:xfrm>
-            <a:off x="5001261" y="1238058"/>
-            <a:ext cx="181196" cy="0"/>
-          </a:xfrm>
-          <a:prstGeom prst="line">
-            <a:avLst/>
-          </a:prstGeom>
-          <a:ln w="3175">
-            <a:solidFill>
-              <a:schemeClr val="tx1"/>
-            </a:solidFill>
-          </a:ln>
-        </p:spPr>
-        <p:style>
-          <a:lnRef idx="2">
-            <a:schemeClr val="accent1"/>
-          </a:lnRef>
-          <a:fillRef idx="0">
-            <a:schemeClr val="accent1"/>
-          </a:fillRef>
-          <a:effectRef idx="1">
-            <a:schemeClr val="accent1"/>
-          </a:effectRef>
-          <a:fontRef idx="minor">
-            <a:schemeClr val="tx1"/>
-          </a:fontRef>
-        </p:style>
-      </p:cxnSp>
-      <p:cxnSp>
-        <p:nvCxnSpPr>
-          <p:cNvPr id="118" name="直線コネクタ 117"/>
-          <p:cNvCxnSpPr/>
-          <p:nvPr/>
-        </p:nvCxnSpPr>
-        <p:spPr>
-          <a:xfrm>
-            <a:off x="5001261" y="1277697"/>
-            <a:ext cx="181196" cy="0"/>
-          </a:xfrm>
-          <a:prstGeom prst="line">
-            <a:avLst/>
-          </a:prstGeom>
-          <a:ln w="3175">
-            <a:solidFill>
-              <a:schemeClr val="tx1"/>
-            </a:solidFill>
-          </a:ln>
-        </p:spPr>
-        <p:style>
-          <a:lnRef idx="2">
-            <a:schemeClr val="accent1"/>
-          </a:lnRef>
-          <a:fillRef idx="0">
-            <a:schemeClr val="accent1"/>
-          </a:fillRef>
-          <a:effectRef idx="1">
-            <a:schemeClr val="accent1"/>
-          </a:effectRef>
-          <a:fontRef idx="minor">
-            <a:schemeClr val="tx1"/>
-          </a:fontRef>
-        </p:style>
-      </p:cxnSp>
-      <p:cxnSp>
-        <p:nvCxnSpPr>
-          <p:cNvPr id="119" name="直線コネクタ 118"/>
-          <p:cNvCxnSpPr/>
-          <p:nvPr/>
-        </p:nvCxnSpPr>
-        <p:spPr>
-          <a:xfrm>
-            <a:off x="5003884" y="1310793"/>
-            <a:ext cx="181196" cy="0"/>
-          </a:xfrm>
-          <a:prstGeom prst="line">
-            <a:avLst/>
-          </a:prstGeom>
-          <a:ln w="3175">
-            <a:solidFill>
-              <a:schemeClr val="tx1"/>
-            </a:solidFill>
-          </a:ln>
-        </p:spPr>
-        <p:style>
-          <a:lnRef idx="2">
-            <a:schemeClr val="accent1"/>
-          </a:lnRef>
-          <a:fillRef idx="0">
-            <a:schemeClr val="accent1"/>
-          </a:fillRef>
-          <a:effectRef idx="1">
-            <a:schemeClr val="accent1"/>
-          </a:effectRef>
-          <a:fontRef idx="minor">
-            <a:schemeClr val="tx1"/>
-          </a:fontRef>
-        </p:style>
-      </p:cxnSp>
-      <p:cxnSp>
-        <p:nvCxnSpPr>
-          <p:cNvPr id="120" name="直線コネクタ 119"/>
-          <p:cNvCxnSpPr/>
-          <p:nvPr/>
-        </p:nvCxnSpPr>
-        <p:spPr>
-          <a:xfrm>
-            <a:off x="923931" y="2034307"/>
-            <a:ext cx="7250251" cy="0"/>
+            <a:off x="658396" y="2034307"/>
+            <a:ext cx="7827513" cy="0"/>
           </a:xfrm>
           <a:prstGeom prst="line">
             <a:avLst/>
@@ -11116,14 +11523,14 @@
       </p:cxnSp>
       <p:sp>
         <p:nvSpPr>
-          <p:cNvPr id="121" name="テキスト ボックス 120"/>
+          <p:cNvPr id="122" name="テキスト ボックス 121"/>
           <p:cNvSpPr txBox="1"/>
           <p:nvPr/>
         </p:nvSpPr>
         <p:spPr>
           <a:xfrm>
-            <a:off x="890993" y="1659566"/>
-            <a:ext cx="646331" cy="276999"/>
+            <a:off x="590823" y="1671111"/>
+            <a:ext cx="569387" cy="246221"/>
           </a:xfrm>
           <a:prstGeom prst="rect">
             <a:avLst/>
@@ -11137,14 +11544,14 @@
           <a:lstStyle/>
           <a:p>
             <a:r>
-              <a:rPr kumimoji="1" lang="ja-JP" altLang="en-US" sz="1200" dirty="0" smtClean="0">
+              <a:rPr kumimoji="1" lang="ja-JP" altLang="en-US" sz="1000" dirty="0" smtClean="0">
                 <a:latin typeface="メイリオ"/>
                 <a:ea typeface="メイリオ"/>
                 <a:cs typeface="メイリオ"/>
               </a:rPr>
               <a:t>日付：</a:t>
             </a:r>
-            <a:endParaRPr kumimoji="1" lang="ja-JP" altLang="en-US" sz="1200" dirty="0">
+            <a:endParaRPr kumimoji="1" lang="ja-JP" altLang="en-US" sz="1000" dirty="0">
               <a:latin typeface="メイリオ"/>
               <a:ea typeface="メイリオ"/>
               <a:cs typeface="メイリオ"/>
@@ -11154,13 +11561,13 @@
       </p:sp>
       <p:sp>
         <p:nvSpPr>
-          <p:cNvPr id="122" name="角丸四角形 121"/>
+          <p:cNvPr id="123" name="角丸四角形 122"/>
           <p:cNvSpPr/>
           <p:nvPr/>
         </p:nvSpPr>
         <p:spPr>
           <a:xfrm>
-            <a:off x="1469168" y="1722329"/>
+            <a:off x="1099728" y="1722329"/>
             <a:ext cx="352321" cy="158766"/>
           </a:xfrm>
           <a:prstGeom prst="roundRect">
@@ -11199,13 +11606,13 @@
       </p:sp>
       <p:sp>
         <p:nvSpPr>
-          <p:cNvPr id="123" name="テキスト ボックス 122"/>
+          <p:cNvPr id="124" name="テキスト ボックス 123"/>
           <p:cNvSpPr txBox="1"/>
           <p:nvPr/>
         </p:nvSpPr>
         <p:spPr>
           <a:xfrm>
-            <a:off x="1786644" y="1659566"/>
+            <a:off x="1417204" y="1659566"/>
             <a:ext cx="338554" cy="276999"/>
           </a:xfrm>
           <a:prstGeom prst="rect">
@@ -11237,14 +11644,14 @@
       </p:sp>
       <p:sp>
         <p:nvSpPr>
-          <p:cNvPr id="124" name="テキスト ボックス 123"/>
+          <p:cNvPr id="125" name="テキスト ボックス 124"/>
           <p:cNvSpPr txBox="1"/>
           <p:nvPr/>
         </p:nvSpPr>
         <p:spPr>
           <a:xfrm>
-            <a:off x="2465123" y="1656944"/>
-            <a:ext cx="646331" cy="276999"/>
+            <a:off x="2107228" y="1668489"/>
+            <a:ext cx="569387" cy="246221"/>
           </a:xfrm>
           <a:prstGeom prst="rect">
             <a:avLst/>
@@ -11258,7 +11665,7 @@
           <a:lstStyle/>
           <a:p>
             <a:r>
-              <a:rPr lang="ja-JP" altLang="en-US" sz="1200" dirty="0" smtClean="0">
+              <a:rPr lang="ja-JP" altLang="en-US" sz="1000" dirty="0" smtClean="0">
                 <a:latin typeface="メイリオ"/>
                 <a:ea typeface="メイリオ"/>
                 <a:cs typeface="メイリオ"/>
@@ -11266,14 +11673,14 @@
               <a:t>内容</a:t>
             </a:r>
             <a:r>
-              <a:rPr kumimoji="1" lang="ja-JP" altLang="en-US" sz="1200" dirty="0" smtClean="0">
+              <a:rPr kumimoji="1" lang="ja-JP" altLang="en-US" sz="1000" dirty="0" smtClean="0">
                 <a:latin typeface="メイリオ"/>
                 <a:ea typeface="メイリオ"/>
                 <a:cs typeface="メイリオ"/>
               </a:rPr>
               <a:t>：</a:t>
             </a:r>
-            <a:endParaRPr kumimoji="1" lang="ja-JP" altLang="en-US" sz="1200" dirty="0">
+            <a:endParaRPr kumimoji="1" lang="ja-JP" altLang="en-US" sz="1000" dirty="0">
               <a:latin typeface="メイリオ"/>
               <a:ea typeface="メイリオ"/>
               <a:cs typeface="メイリオ"/>
@@ -11283,14 +11690,14 @@
       </p:sp>
       <p:sp>
         <p:nvSpPr>
-          <p:cNvPr id="125" name="角丸四角形 124"/>
+          <p:cNvPr id="126" name="角丸四角形 125"/>
           <p:cNvSpPr/>
           <p:nvPr/>
         </p:nvSpPr>
         <p:spPr>
           <a:xfrm>
-            <a:off x="3034657" y="1720187"/>
-            <a:ext cx="797002" cy="165946"/>
+            <a:off x="2607492" y="1720187"/>
+            <a:ext cx="536114" cy="149362"/>
           </a:xfrm>
           <a:prstGeom prst="roundRect">
             <a:avLst/>
@@ -11326,16 +11733,184 @@
           </a:p>
         </p:txBody>
       </p:sp>
-      <p:sp>
-        <p:nvSpPr>
-          <p:cNvPr id="126" name="角丸四角形 125"/>
+      <p:grpSp>
+        <p:nvGrpSpPr>
+          <p:cNvPr id="127" name="図形グループ 126"/>
+          <p:cNvGrpSpPr/>
+          <p:nvPr/>
+        </p:nvGrpSpPr>
+        <p:grpSpPr>
+          <a:xfrm>
+            <a:off x="3219724" y="1710865"/>
+            <a:ext cx="602185" cy="165865"/>
+            <a:chOff x="3681524" y="1722410"/>
+            <a:chExt cx="602185" cy="165865"/>
+          </a:xfrm>
+        </p:grpSpPr>
+        <p:sp>
+          <p:nvSpPr>
+            <p:cNvPr id="128" name="角丸四角形 127"/>
+            <p:cNvSpPr/>
+            <p:nvPr/>
+          </p:nvSpPr>
+          <p:spPr>
+            <a:xfrm>
+              <a:off x="3681524" y="1722410"/>
+              <a:ext cx="602185" cy="165865"/>
+            </a:xfrm>
+            <a:prstGeom prst="roundRect">
+              <a:avLst/>
+            </a:prstGeom>
+            <a:noFill/>
+            <a:ln w="25400">
+              <a:solidFill>
+                <a:schemeClr val="tx1"/>
+              </a:solidFill>
+            </a:ln>
+            <a:effectLst/>
+          </p:spPr>
+          <p:style>
+            <a:lnRef idx="1">
+              <a:schemeClr val="accent1"/>
+            </a:lnRef>
+            <a:fillRef idx="3">
+              <a:schemeClr val="accent1"/>
+            </a:fillRef>
+            <a:effectRef idx="2">
+              <a:schemeClr val="accent1"/>
+            </a:effectRef>
+            <a:fontRef idx="minor">
+              <a:schemeClr val="lt1"/>
+            </a:fontRef>
+          </p:style>
+          <p:txBody>
+            <a:bodyPr rtlCol="0" anchor="ctr"/>
+            <a:lstStyle/>
+            <a:p>
+              <a:r>
+                <a:rPr kumimoji="1" lang="ja-JP" altLang="en-US" sz="800" dirty="0" smtClean="0">
+                  <a:solidFill>
+                    <a:schemeClr val="tx1"/>
+                  </a:solidFill>
+                  <a:latin typeface="メイリオ"/>
+                  <a:ea typeface="メイリオ"/>
+                  <a:cs typeface="メイリオ"/>
+                </a:rPr>
+                <a:t>を含む</a:t>
+              </a:r>
+              <a:endParaRPr kumimoji="1" lang="ja-JP" altLang="en-US" sz="800" dirty="0">
+                <a:solidFill>
+                  <a:schemeClr val="tx1"/>
+                </a:solidFill>
+                <a:latin typeface="メイリオ"/>
+                <a:ea typeface="メイリオ"/>
+                <a:cs typeface="メイリオ"/>
+              </a:endParaRPr>
+            </a:p>
+          </p:txBody>
+        </p:sp>
+        <p:sp>
+          <p:nvSpPr>
+            <p:cNvPr id="129" name="二等辺三角形 128"/>
+            <p:cNvSpPr/>
+            <p:nvPr/>
+          </p:nvSpPr>
+          <p:spPr>
+            <a:xfrm rot="10800000">
+              <a:off x="4126021" y="1761549"/>
+              <a:ext cx="108000" cy="108000"/>
+            </a:xfrm>
+            <a:prstGeom prst="triangle">
+              <a:avLst/>
+            </a:prstGeom>
+            <a:solidFill>
+              <a:schemeClr val="tx1"/>
+            </a:solidFill>
+            <a:ln>
+              <a:noFill/>
+            </a:ln>
+            <a:effectLst/>
+          </p:spPr>
+          <p:style>
+            <a:lnRef idx="1">
+              <a:schemeClr val="accent1"/>
+            </a:lnRef>
+            <a:fillRef idx="3">
+              <a:schemeClr val="accent1"/>
+            </a:fillRef>
+            <a:effectRef idx="2">
+              <a:schemeClr val="accent1"/>
+            </a:effectRef>
+            <a:fontRef idx="minor">
+              <a:schemeClr val="lt1"/>
+            </a:fontRef>
+          </p:style>
+          <p:txBody>
+            <a:bodyPr rtlCol="0" anchor="ctr"/>
+            <a:lstStyle/>
+            <a:p>
+              <a:pPr algn="ctr"/>
+              <a:endParaRPr kumimoji="1" lang="ja-JP" altLang="en-US"/>
+            </a:p>
+          </p:txBody>
+        </p:sp>
+      </p:grpSp>
+      <p:sp>
+        <p:nvSpPr>
+          <p:cNvPr id="130" name="テキスト ボックス 129"/>
+          <p:cNvSpPr txBox="1"/>
+          <p:nvPr/>
+        </p:nvSpPr>
+        <p:spPr>
+          <a:xfrm>
+            <a:off x="3813143" y="1671715"/>
+            <a:ext cx="825867" cy="246221"/>
+          </a:xfrm>
+          <a:prstGeom prst="rect">
+            <a:avLst/>
+          </a:prstGeom>
+          <a:noFill/>
+        </p:spPr>
+        <p:txBody>
+          <a:bodyPr wrap="none" rtlCol="0">
+            <a:spAutoFit/>
+          </a:bodyPr>
+          <a:lstStyle/>
+          <a:p>
+            <a:r>
+              <a:rPr lang="ja-JP" altLang="en-US" sz="1000" dirty="0" smtClean="0">
+                <a:latin typeface="メイリオ"/>
+                <a:ea typeface="メイリオ"/>
+                <a:cs typeface="メイリオ"/>
+              </a:rPr>
+              <a:t>カテゴリ</a:t>
+            </a:r>
+            <a:r>
+              <a:rPr kumimoji="1" lang="ja-JP" altLang="en-US" sz="1000" dirty="0" smtClean="0">
+                <a:latin typeface="メイリオ"/>
+                <a:ea typeface="メイリオ"/>
+                <a:cs typeface="メイリオ"/>
+              </a:rPr>
+              <a:t>：</a:t>
+            </a:r>
+            <a:endParaRPr kumimoji="1" lang="ja-JP" altLang="en-US" sz="1000" dirty="0">
+              <a:latin typeface="メイリオ"/>
+              <a:ea typeface="メイリオ"/>
+              <a:cs typeface="メイリオ"/>
+            </a:endParaRPr>
+          </a:p>
+        </p:txBody>
+      </p:sp>
+      <p:sp>
+        <p:nvSpPr>
+          <p:cNvPr id="131" name="角丸四角形 130"/>
           <p:cNvSpPr/>
           <p:nvPr/>
         </p:nvSpPr>
         <p:spPr>
           <a:xfrm>
-            <a:off x="3877789" y="1722410"/>
-            <a:ext cx="602185" cy="165865"/>
+            <a:off x="4573905" y="1715149"/>
+            <a:ext cx="402504" cy="166902"/>
           </a:xfrm>
           <a:prstGeom prst="roundRect">
             <a:avLst/>
@@ -11366,112 +11941,50 @@
           <a:bodyPr rtlCol="0" anchor="ctr"/>
           <a:lstStyle/>
           <a:p>
-            <a:r>
-              <a:rPr kumimoji="1" lang="ja-JP" altLang="en-US" sz="800" dirty="0" smtClean="0">
-                <a:solidFill>
-                  <a:schemeClr val="tx1"/>
-                </a:solidFill>
+            <a:pPr algn="ctr"/>
+            <a:endParaRPr kumimoji="1" lang="ja-JP" altLang="en-US"/>
+          </a:p>
+        </p:txBody>
+      </p:sp>
+      <p:sp>
+        <p:nvSpPr>
+          <p:cNvPr id="132" name="テキスト ボックス 131"/>
+          <p:cNvSpPr txBox="1"/>
+          <p:nvPr/>
+        </p:nvSpPr>
+        <p:spPr>
+          <a:xfrm>
+            <a:off x="5303020" y="1672319"/>
+            <a:ext cx="569387" cy="246221"/>
+          </a:xfrm>
+          <a:prstGeom prst="rect">
+            <a:avLst/>
+          </a:prstGeom>
+          <a:noFill/>
+        </p:spPr>
+        <p:txBody>
+          <a:bodyPr wrap="none" rtlCol="0">
+            <a:spAutoFit/>
+          </a:bodyPr>
+          <a:lstStyle/>
+          <a:p>
+            <a:r>
+              <a:rPr lang="ja-JP" altLang="en-US" sz="1000" dirty="0" smtClean="0">
                 <a:latin typeface="メイリオ"/>
                 <a:ea typeface="メイリオ"/>
                 <a:cs typeface="メイリオ"/>
               </a:rPr>
-              <a:t>を含む</a:t>
-            </a:r>
-            <a:endParaRPr kumimoji="1" lang="ja-JP" altLang="en-US" sz="800" dirty="0">
-              <a:solidFill>
-                <a:schemeClr val="tx1"/>
-              </a:solidFill>
-              <a:latin typeface="メイリオ"/>
-              <a:ea typeface="メイリオ"/>
-              <a:cs typeface="メイリオ"/>
-            </a:endParaRPr>
-          </a:p>
-        </p:txBody>
-      </p:sp>
-      <p:sp>
-        <p:nvSpPr>
-          <p:cNvPr id="127" name="二等辺三角形 126"/>
-          <p:cNvSpPr/>
-          <p:nvPr/>
-        </p:nvSpPr>
-        <p:spPr>
-          <a:xfrm rot="10800000">
-            <a:off x="4322286" y="1761549"/>
-            <a:ext cx="108000" cy="108000"/>
-          </a:xfrm>
-          <a:prstGeom prst="triangle">
-            <a:avLst/>
-          </a:prstGeom>
-          <a:solidFill>
-            <a:schemeClr val="tx1"/>
-          </a:solidFill>
-          <a:ln>
-            <a:noFill/>
-          </a:ln>
-          <a:effectLst/>
-        </p:spPr>
-        <p:style>
-          <a:lnRef idx="1">
-            <a:schemeClr val="accent1"/>
-          </a:lnRef>
-          <a:fillRef idx="3">
-            <a:schemeClr val="accent1"/>
-          </a:fillRef>
-          <a:effectRef idx="2">
-            <a:schemeClr val="accent1"/>
-          </a:effectRef>
-          <a:fontRef idx="minor">
-            <a:schemeClr val="lt1"/>
-          </a:fontRef>
-        </p:style>
-        <p:txBody>
-          <a:bodyPr rtlCol="0" anchor="ctr"/>
-          <a:lstStyle/>
-          <a:p>
-            <a:pPr algn="ctr"/>
-            <a:endParaRPr kumimoji="1" lang="ja-JP" altLang="en-US"/>
-          </a:p>
-        </p:txBody>
-      </p:sp>
-      <p:sp>
-        <p:nvSpPr>
-          <p:cNvPr id="128" name="テキスト ボックス 127"/>
-          <p:cNvSpPr txBox="1"/>
-          <p:nvPr/>
-        </p:nvSpPr>
-        <p:spPr>
-          <a:xfrm>
-            <a:off x="4494298" y="1660170"/>
-            <a:ext cx="954107" cy="276999"/>
-          </a:xfrm>
-          <a:prstGeom prst="rect">
-            <a:avLst/>
-          </a:prstGeom>
-          <a:noFill/>
-        </p:spPr>
-        <p:txBody>
-          <a:bodyPr wrap="none" rtlCol="0">
-            <a:spAutoFit/>
-          </a:bodyPr>
-          <a:lstStyle/>
-          <a:p>
-            <a:r>
-              <a:rPr lang="ja-JP" altLang="en-US" sz="1200" dirty="0" smtClean="0">
-                <a:latin typeface="メイリオ"/>
-                <a:ea typeface="メイリオ"/>
-                <a:cs typeface="メイリオ"/>
-              </a:rPr>
-              <a:t>カテゴリ</a:t>
-            </a:r>
-            <a:r>
-              <a:rPr kumimoji="1" lang="ja-JP" altLang="en-US" sz="1200" dirty="0" smtClean="0">
+              <a:t>金額</a:t>
+            </a:r>
+            <a:r>
+              <a:rPr kumimoji="1" lang="ja-JP" altLang="en-US" sz="1000" dirty="0" smtClean="0">
                 <a:latin typeface="メイリオ"/>
                 <a:ea typeface="メイリオ"/>
                 <a:cs typeface="メイリオ"/>
               </a:rPr>
               <a:t>：</a:t>
             </a:r>
-            <a:endParaRPr kumimoji="1" lang="ja-JP" altLang="en-US" sz="1200" dirty="0">
+            <a:endParaRPr kumimoji="1" lang="ja-JP" altLang="en-US" sz="1000" dirty="0">
               <a:latin typeface="メイリオ"/>
               <a:ea typeface="メイリオ"/>
               <a:cs typeface="メイリオ"/>
@@ -11481,14 +11994,14 @@
       </p:sp>
       <p:sp>
         <p:nvSpPr>
-          <p:cNvPr id="129" name="角丸四角形 128"/>
+          <p:cNvPr id="133" name="角丸四角形 132"/>
           <p:cNvSpPr/>
           <p:nvPr/>
         </p:nvSpPr>
         <p:spPr>
           <a:xfrm>
-            <a:off x="5370510" y="1715149"/>
-            <a:ext cx="560480" cy="165946"/>
+            <a:off x="1741308" y="1715007"/>
+            <a:ext cx="352321" cy="158766"/>
           </a:xfrm>
           <a:prstGeom prst="roundRect">
             <a:avLst/>
@@ -11526,59 +12039,13 @@
       </p:sp>
       <p:sp>
         <p:nvSpPr>
-          <p:cNvPr id="130" name="テキスト ボックス 129"/>
-          <p:cNvSpPr txBox="1"/>
-          <p:nvPr/>
-        </p:nvSpPr>
-        <p:spPr>
-          <a:xfrm>
-            <a:off x="5949540" y="1649229"/>
-            <a:ext cx="646331" cy="276999"/>
-          </a:xfrm>
-          <a:prstGeom prst="rect">
-            <a:avLst/>
-          </a:prstGeom>
-          <a:noFill/>
-        </p:spPr>
-        <p:txBody>
-          <a:bodyPr wrap="none" rtlCol="0">
-            <a:spAutoFit/>
-          </a:bodyPr>
-          <a:lstStyle/>
-          <a:p>
-            <a:r>
-              <a:rPr lang="ja-JP" altLang="en-US" sz="1200" dirty="0" smtClean="0">
-                <a:latin typeface="メイリオ"/>
-                <a:ea typeface="メイリオ"/>
-                <a:cs typeface="メイリオ"/>
-              </a:rPr>
-              <a:t>金額</a:t>
-            </a:r>
-            <a:r>
-              <a:rPr kumimoji="1" lang="ja-JP" altLang="en-US" sz="1200" dirty="0" smtClean="0">
-                <a:latin typeface="メイリオ"/>
-                <a:ea typeface="メイリオ"/>
-                <a:cs typeface="メイリオ"/>
-              </a:rPr>
-              <a:t>：</a:t>
-            </a:r>
-            <a:endParaRPr kumimoji="1" lang="ja-JP" altLang="en-US" sz="1200" dirty="0">
-              <a:latin typeface="メイリオ"/>
-              <a:ea typeface="メイリオ"/>
-              <a:cs typeface="メイリオ"/>
-            </a:endParaRPr>
-          </a:p>
-        </p:txBody>
-      </p:sp>
-      <p:sp>
-        <p:nvSpPr>
-          <p:cNvPr id="131" name="角丸四角形 130"/>
+          <p:cNvPr id="134" name="角丸四角形 133"/>
           <p:cNvSpPr/>
           <p:nvPr/>
         </p:nvSpPr>
         <p:spPr>
           <a:xfrm>
-            <a:off x="2087658" y="1715007"/>
+            <a:off x="5797831" y="1723285"/>
             <a:ext cx="352321" cy="158766"/>
           </a:xfrm>
           <a:prstGeom prst="roundRect">
@@ -11617,13 +12084,51 @@
       </p:sp>
       <p:sp>
         <p:nvSpPr>
-          <p:cNvPr id="132" name="角丸四角形 131"/>
+          <p:cNvPr id="135" name="テキスト ボックス 134"/>
+          <p:cNvSpPr txBox="1"/>
+          <p:nvPr/>
+        </p:nvSpPr>
+        <p:spPr>
+          <a:xfrm>
+            <a:off x="6115307" y="1660522"/>
+            <a:ext cx="338554" cy="276999"/>
+          </a:xfrm>
+          <a:prstGeom prst="rect">
+            <a:avLst/>
+          </a:prstGeom>
+          <a:noFill/>
+        </p:spPr>
+        <p:txBody>
+          <a:bodyPr wrap="none" rtlCol="0">
+            <a:spAutoFit/>
+          </a:bodyPr>
+          <a:lstStyle/>
+          <a:p>
+            <a:r>
+              <a:rPr lang="en-US" altLang="en-US" sz="1200" dirty="0" smtClean="0">
+                <a:latin typeface="メイリオ"/>
+                <a:ea typeface="メイリオ"/>
+                <a:cs typeface="メイリオ"/>
+              </a:rPr>
+              <a:t>〜</a:t>
+            </a:r>
+            <a:endParaRPr kumimoji="1" lang="ja-JP" altLang="en-US" sz="1200" dirty="0">
+              <a:latin typeface="メイリオ"/>
+              <a:ea typeface="メイリオ"/>
+              <a:cs typeface="メイリオ"/>
+            </a:endParaRPr>
+          </a:p>
+        </p:txBody>
+      </p:sp>
+      <p:sp>
+        <p:nvSpPr>
+          <p:cNvPr id="136" name="角丸四角形 135"/>
           <p:cNvSpPr/>
           <p:nvPr/>
         </p:nvSpPr>
         <p:spPr>
           <a:xfrm>
-            <a:off x="6513621" y="1723285"/>
+            <a:off x="6416321" y="1715963"/>
             <a:ext cx="352321" cy="158766"/>
           </a:xfrm>
           <a:prstGeom prst="roundRect">
@@ -11662,52 +12167,14 @@
       </p:sp>
       <p:sp>
         <p:nvSpPr>
-          <p:cNvPr id="133" name="テキスト ボックス 132"/>
-          <p:cNvSpPr txBox="1"/>
-          <p:nvPr/>
-        </p:nvSpPr>
-        <p:spPr>
-          <a:xfrm>
-            <a:off x="6831097" y="1660522"/>
-            <a:ext cx="338554" cy="276999"/>
-          </a:xfrm>
-          <a:prstGeom prst="rect">
-            <a:avLst/>
-          </a:prstGeom>
-          <a:noFill/>
-        </p:spPr>
-        <p:txBody>
-          <a:bodyPr wrap="none" rtlCol="0">
-            <a:spAutoFit/>
-          </a:bodyPr>
-          <a:lstStyle/>
-          <a:p>
-            <a:r>
-              <a:rPr lang="en-US" altLang="en-US" sz="1200" dirty="0" smtClean="0">
-                <a:latin typeface="メイリオ"/>
-                <a:ea typeface="メイリオ"/>
-                <a:cs typeface="メイリオ"/>
-              </a:rPr>
-              <a:t>〜</a:t>
-            </a:r>
-            <a:endParaRPr kumimoji="1" lang="ja-JP" altLang="en-US" sz="1200" dirty="0">
-              <a:latin typeface="メイリオ"/>
-              <a:ea typeface="メイリオ"/>
-              <a:cs typeface="メイリオ"/>
-            </a:endParaRPr>
-          </a:p>
-        </p:txBody>
-      </p:sp>
-      <p:sp>
-        <p:nvSpPr>
-          <p:cNvPr id="134" name="角丸四角形 133"/>
+          <p:cNvPr id="185" name="角丸四角形 184"/>
           <p:cNvSpPr/>
           <p:nvPr/>
         </p:nvSpPr>
         <p:spPr>
           <a:xfrm>
-            <a:off x="7132111" y="1715963"/>
-            <a:ext cx="352321" cy="158766"/>
+            <a:off x="7931715" y="1685552"/>
+            <a:ext cx="529807" cy="231780"/>
           </a:xfrm>
           <a:prstGeom prst="roundRect">
             <a:avLst/>
@@ -11739,53 +12206,8 @@
           <a:lstStyle/>
           <a:p>
             <a:pPr algn="ctr"/>
-            <a:endParaRPr kumimoji="1" lang="ja-JP" altLang="en-US"/>
-          </a:p>
-        </p:txBody>
-      </p:sp>
-      <p:sp>
-        <p:nvSpPr>
-          <p:cNvPr id="135" name="角丸四角形 134"/>
-          <p:cNvSpPr/>
-          <p:nvPr/>
-        </p:nvSpPr>
-        <p:spPr>
-          <a:xfrm>
-            <a:off x="7553038" y="1639397"/>
-            <a:ext cx="550589" cy="299213"/>
-          </a:xfrm>
-          <a:prstGeom prst="roundRect">
-            <a:avLst/>
-          </a:prstGeom>
-          <a:noFill/>
-          <a:ln w="25400">
-            <a:solidFill>
-              <a:schemeClr val="tx1"/>
-            </a:solidFill>
-          </a:ln>
-          <a:effectLst/>
-        </p:spPr>
-        <p:style>
-          <a:lnRef idx="1">
-            <a:schemeClr val="accent1"/>
-          </a:lnRef>
-          <a:fillRef idx="3">
-            <a:schemeClr val="accent1"/>
-          </a:fillRef>
-          <a:effectRef idx="2">
-            <a:schemeClr val="accent1"/>
-          </a:effectRef>
-          <a:fontRef idx="minor">
-            <a:schemeClr val="lt1"/>
-          </a:fontRef>
-        </p:style>
-        <p:txBody>
-          <a:bodyPr rtlCol="0" anchor="ctr"/>
-          <a:lstStyle/>
-          <a:p>
-            <a:pPr algn="ctr"/>
-            <a:r>
-              <a:rPr lang="ja-JP" altLang="en-US" sz="1200" dirty="0" smtClean="0">
+            <a:r>
+              <a:rPr lang="ja-JP" altLang="en-US" sz="1000" dirty="0" smtClean="0">
                 <a:solidFill>
                   <a:schemeClr val="tx1"/>
                 </a:solidFill>
@@ -11795,7 +12217,7 @@
               </a:rPr>
               <a:t>検索</a:t>
             </a:r>
-            <a:endParaRPr kumimoji="1" lang="ja-JP" altLang="en-US" sz="1200" dirty="0">
+            <a:endParaRPr kumimoji="1" lang="ja-JP" altLang="en-US" sz="1000" dirty="0">
               <a:solidFill>
                 <a:schemeClr val="tx1"/>
               </a:solidFill>
@@ -11806,16 +12228,508 @@
           </a:p>
         </p:txBody>
       </p:sp>
-      <p:sp>
-        <p:nvSpPr>
-          <p:cNvPr id="136" name="正方形/長方形 135"/>
+      <p:grpSp>
+        <p:nvGrpSpPr>
+          <p:cNvPr id="186" name="図形グループ 185"/>
+          <p:cNvGrpSpPr/>
+          <p:nvPr/>
+        </p:nvGrpSpPr>
+        <p:grpSpPr>
+          <a:xfrm>
+            <a:off x="5017501" y="1715007"/>
+            <a:ext cx="280240" cy="165946"/>
+            <a:chOff x="4954166" y="1192639"/>
+            <a:chExt cx="280240" cy="165946"/>
+          </a:xfrm>
+        </p:grpSpPr>
+        <p:sp>
+          <p:nvSpPr>
+            <p:cNvPr id="187" name="角丸四角形 186"/>
+            <p:cNvSpPr/>
+            <p:nvPr/>
+          </p:nvSpPr>
+          <p:spPr>
+            <a:xfrm>
+              <a:off x="4954166" y="1192639"/>
+              <a:ext cx="280240" cy="165946"/>
+            </a:xfrm>
+            <a:prstGeom prst="roundRect">
+              <a:avLst/>
+            </a:prstGeom>
+            <a:noFill/>
+            <a:ln w="25400">
+              <a:solidFill>
+                <a:schemeClr val="tx1"/>
+              </a:solidFill>
+            </a:ln>
+            <a:effectLst/>
+          </p:spPr>
+          <p:style>
+            <a:lnRef idx="1">
+              <a:schemeClr val="accent1"/>
+            </a:lnRef>
+            <a:fillRef idx="3">
+              <a:schemeClr val="accent1"/>
+            </a:fillRef>
+            <a:effectRef idx="2">
+              <a:schemeClr val="accent1"/>
+            </a:effectRef>
+            <a:fontRef idx="minor">
+              <a:schemeClr val="lt1"/>
+            </a:fontRef>
+          </p:style>
+          <p:txBody>
+            <a:bodyPr rtlCol="0" anchor="ctr"/>
+            <a:lstStyle/>
+            <a:p>
+              <a:pPr algn="ctr"/>
+              <a:endParaRPr kumimoji="1" lang="ja-JP" altLang="en-US" sz="800" dirty="0">
+                <a:solidFill>
+                  <a:schemeClr val="tx1"/>
+                </a:solidFill>
+              </a:endParaRPr>
+            </a:p>
+          </p:txBody>
+        </p:sp>
+        <p:cxnSp>
+          <p:nvCxnSpPr>
+            <p:cNvPr id="188" name="直線コネクタ 187"/>
+            <p:cNvCxnSpPr/>
+            <p:nvPr/>
+          </p:nvCxnSpPr>
+          <p:spPr>
+            <a:xfrm>
+              <a:off x="5001261" y="1238058"/>
+              <a:ext cx="181196" cy="0"/>
+            </a:xfrm>
+            <a:prstGeom prst="line">
+              <a:avLst/>
+            </a:prstGeom>
+            <a:ln w="3175">
+              <a:solidFill>
+                <a:schemeClr val="tx1"/>
+              </a:solidFill>
+            </a:ln>
+          </p:spPr>
+          <p:style>
+            <a:lnRef idx="2">
+              <a:schemeClr val="accent1"/>
+            </a:lnRef>
+            <a:fillRef idx="0">
+              <a:schemeClr val="accent1"/>
+            </a:fillRef>
+            <a:effectRef idx="1">
+              <a:schemeClr val="accent1"/>
+            </a:effectRef>
+            <a:fontRef idx="minor">
+              <a:schemeClr val="tx1"/>
+            </a:fontRef>
+          </p:style>
+        </p:cxnSp>
+        <p:cxnSp>
+          <p:nvCxnSpPr>
+            <p:cNvPr id="189" name="直線コネクタ 188"/>
+            <p:cNvCxnSpPr/>
+            <p:nvPr/>
+          </p:nvCxnSpPr>
+          <p:spPr>
+            <a:xfrm>
+              <a:off x="5001261" y="1277697"/>
+              <a:ext cx="181196" cy="0"/>
+            </a:xfrm>
+            <a:prstGeom prst="line">
+              <a:avLst/>
+            </a:prstGeom>
+            <a:ln w="3175">
+              <a:solidFill>
+                <a:schemeClr val="tx1"/>
+              </a:solidFill>
+            </a:ln>
+          </p:spPr>
+          <p:style>
+            <a:lnRef idx="2">
+              <a:schemeClr val="accent1"/>
+            </a:lnRef>
+            <a:fillRef idx="0">
+              <a:schemeClr val="accent1"/>
+            </a:fillRef>
+            <a:effectRef idx="1">
+              <a:schemeClr val="accent1"/>
+            </a:effectRef>
+            <a:fontRef idx="minor">
+              <a:schemeClr val="tx1"/>
+            </a:fontRef>
+          </p:style>
+        </p:cxnSp>
+        <p:cxnSp>
+          <p:nvCxnSpPr>
+            <p:cNvPr id="190" name="直線コネクタ 189"/>
+            <p:cNvCxnSpPr/>
+            <p:nvPr/>
+          </p:nvCxnSpPr>
+          <p:spPr>
+            <a:xfrm>
+              <a:off x="5003884" y="1310793"/>
+              <a:ext cx="181196" cy="0"/>
+            </a:xfrm>
+            <a:prstGeom prst="line">
+              <a:avLst/>
+            </a:prstGeom>
+            <a:ln w="3175">
+              <a:solidFill>
+                <a:schemeClr val="tx1"/>
+              </a:solidFill>
+            </a:ln>
+          </p:spPr>
+          <p:style>
+            <a:lnRef idx="2">
+              <a:schemeClr val="accent1"/>
+            </a:lnRef>
+            <a:fillRef idx="0">
+              <a:schemeClr val="accent1"/>
+            </a:fillRef>
+            <a:effectRef idx="1">
+              <a:schemeClr val="accent1"/>
+            </a:effectRef>
+            <a:fontRef idx="minor">
+              <a:schemeClr val="tx1"/>
+            </a:fontRef>
+          </p:style>
+        </p:cxnSp>
+      </p:grpSp>
+      <p:sp>
+        <p:nvSpPr>
+          <p:cNvPr id="191" name="テキスト ボックス 190"/>
+          <p:cNvSpPr txBox="1"/>
+          <p:nvPr/>
+        </p:nvSpPr>
+        <p:spPr>
+          <a:xfrm>
+            <a:off x="5772888" y="1141779"/>
+            <a:ext cx="441146" cy="246221"/>
+          </a:xfrm>
+          <a:prstGeom prst="rect">
+            <a:avLst/>
+          </a:prstGeom>
+          <a:noFill/>
+        </p:spPr>
+        <p:txBody>
+          <a:bodyPr wrap="none" rtlCol="0">
+            <a:spAutoFit/>
+          </a:bodyPr>
+          <a:lstStyle/>
+          <a:p>
+            <a:r>
+              <a:rPr lang="en-US" altLang="en-US" sz="1000" dirty="0" smtClean="0">
+                <a:latin typeface="メイリオ"/>
+                <a:ea typeface="メイリオ"/>
+                <a:cs typeface="メイリオ"/>
+              </a:rPr>
+              <a:t>収入</a:t>
+            </a:r>
+            <a:endParaRPr kumimoji="1" lang="ja-JP" altLang="en-US" sz="1000" dirty="0">
+              <a:latin typeface="メイリオ"/>
+              <a:ea typeface="メイリオ"/>
+              <a:cs typeface="メイリオ"/>
+            </a:endParaRPr>
+          </a:p>
+        </p:txBody>
+      </p:sp>
+      <p:sp>
+        <p:nvSpPr>
+          <p:cNvPr id="192" name="テキスト ボックス 191"/>
+          <p:cNvSpPr txBox="1"/>
+          <p:nvPr/>
+        </p:nvSpPr>
+        <p:spPr>
+          <a:xfrm>
+            <a:off x="6327496" y="1133027"/>
+            <a:ext cx="441146" cy="246221"/>
+          </a:xfrm>
+          <a:prstGeom prst="rect">
+            <a:avLst/>
+          </a:prstGeom>
+          <a:noFill/>
+        </p:spPr>
+        <p:txBody>
+          <a:bodyPr wrap="none" rtlCol="0">
+            <a:spAutoFit/>
+          </a:bodyPr>
+          <a:lstStyle/>
+          <a:p>
+            <a:r>
+              <a:rPr lang="ja-JP" altLang="en-US" sz="1000" dirty="0" smtClean="0">
+                <a:latin typeface="メイリオ"/>
+                <a:ea typeface="メイリオ"/>
+                <a:cs typeface="メイリオ"/>
+              </a:rPr>
+              <a:t>支出</a:t>
+            </a:r>
+            <a:endParaRPr kumimoji="1" lang="ja-JP" altLang="en-US" sz="1000" dirty="0">
+              <a:latin typeface="メイリオ"/>
+              <a:ea typeface="メイリオ"/>
+              <a:cs typeface="メイリオ"/>
+            </a:endParaRPr>
+          </a:p>
+        </p:txBody>
+      </p:sp>
+      <p:sp>
+        <p:nvSpPr>
+          <p:cNvPr id="193" name="円/楕円 192"/>
           <p:cNvSpPr/>
           <p:nvPr/>
         </p:nvSpPr>
         <p:spPr>
-          <a:xfrm>
-            <a:off x="785584" y="937497"/>
-            <a:ext cx="7575640" cy="5541817"/>
+          <a:xfrm flipH="1">
+            <a:off x="6164699" y="1187777"/>
+            <a:ext cx="162796" cy="157651"/>
+          </a:xfrm>
+          <a:prstGeom prst="ellipse">
+            <a:avLst/>
+          </a:prstGeom>
+          <a:noFill/>
+          <a:ln w="38100">
+            <a:solidFill>
+              <a:schemeClr val="tx1"/>
+            </a:solidFill>
+          </a:ln>
+          <a:effectLst/>
+        </p:spPr>
+        <p:style>
+          <a:lnRef idx="1">
+            <a:schemeClr val="accent1"/>
+          </a:lnRef>
+          <a:fillRef idx="3">
+            <a:schemeClr val="accent1"/>
+          </a:fillRef>
+          <a:effectRef idx="2">
+            <a:schemeClr val="accent1"/>
+          </a:effectRef>
+          <a:fontRef idx="minor">
+            <a:schemeClr val="lt1"/>
+          </a:fontRef>
+        </p:style>
+        <p:txBody>
+          <a:bodyPr rtlCol="0" anchor="ctr"/>
+          <a:lstStyle/>
+          <a:p>
+            <a:pPr algn="ctr"/>
+            <a:endParaRPr kumimoji="1" lang="ja-JP" altLang="en-US"/>
+          </a:p>
+        </p:txBody>
+      </p:sp>
+      <p:sp>
+        <p:nvSpPr>
+          <p:cNvPr id="194" name="円/楕円 193"/>
+          <p:cNvSpPr/>
+          <p:nvPr/>
+        </p:nvSpPr>
+        <p:spPr>
+          <a:xfrm flipH="1">
+            <a:off x="6734007" y="1190624"/>
+            <a:ext cx="162796" cy="157651"/>
+          </a:xfrm>
+          <a:prstGeom prst="ellipse">
+            <a:avLst/>
+          </a:prstGeom>
+          <a:noFill/>
+          <a:ln w="38100">
+            <a:solidFill>
+              <a:schemeClr val="tx1"/>
+            </a:solidFill>
+          </a:ln>
+          <a:effectLst/>
+        </p:spPr>
+        <p:style>
+          <a:lnRef idx="1">
+            <a:schemeClr val="accent1"/>
+          </a:lnRef>
+          <a:fillRef idx="3">
+            <a:schemeClr val="accent1"/>
+          </a:fillRef>
+          <a:effectRef idx="2">
+            <a:schemeClr val="accent1"/>
+          </a:effectRef>
+          <a:fontRef idx="minor">
+            <a:schemeClr val="lt1"/>
+          </a:fontRef>
+        </p:style>
+        <p:txBody>
+          <a:bodyPr rtlCol="0" anchor="ctr"/>
+          <a:lstStyle/>
+          <a:p>
+            <a:pPr algn="ctr"/>
+            <a:endParaRPr kumimoji="1" lang="ja-JP" altLang="en-US"/>
+          </a:p>
+        </p:txBody>
+      </p:sp>
+      <p:grpSp>
+        <p:nvGrpSpPr>
+          <p:cNvPr id="195" name="図形グループ 194"/>
+          <p:cNvGrpSpPr/>
+          <p:nvPr/>
+        </p:nvGrpSpPr>
+        <p:grpSpPr>
+          <a:xfrm>
+            <a:off x="7244601" y="1714972"/>
+            <a:ext cx="519922" cy="154577"/>
+            <a:chOff x="3729152" y="1722410"/>
+            <a:chExt cx="519922" cy="154577"/>
+          </a:xfrm>
+        </p:grpSpPr>
+        <p:sp>
+          <p:nvSpPr>
+            <p:cNvPr id="196" name="角丸四角形 195"/>
+            <p:cNvSpPr/>
+            <p:nvPr/>
+          </p:nvSpPr>
+          <p:spPr>
+            <a:xfrm>
+              <a:off x="3729152" y="1722410"/>
+              <a:ext cx="519922" cy="154577"/>
+            </a:xfrm>
+            <a:prstGeom prst="roundRect">
+              <a:avLst/>
+            </a:prstGeom>
+            <a:noFill/>
+            <a:ln w="25400">
+              <a:solidFill>
+                <a:schemeClr val="tx1"/>
+              </a:solidFill>
+            </a:ln>
+            <a:effectLst/>
+          </p:spPr>
+          <p:style>
+            <a:lnRef idx="1">
+              <a:schemeClr val="accent1"/>
+            </a:lnRef>
+            <a:fillRef idx="3">
+              <a:schemeClr val="accent1"/>
+            </a:fillRef>
+            <a:effectRef idx="2">
+              <a:schemeClr val="accent1"/>
+            </a:effectRef>
+            <a:fontRef idx="minor">
+              <a:schemeClr val="lt1"/>
+            </a:fontRef>
+          </p:style>
+          <p:txBody>
+            <a:bodyPr rtlCol="0" anchor="ctr"/>
+            <a:lstStyle/>
+            <a:p>
+              <a:endParaRPr kumimoji="1" lang="ja-JP" altLang="en-US" sz="800" dirty="0">
+                <a:solidFill>
+                  <a:schemeClr val="tx1"/>
+                </a:solidFill>
+                <a:latin typeface="メイリオ"/>
+                <a:ea typeface="メイリオ"/>
+                <a:cs typeface="メイリオ"/>
+              </a:endParaRPr>
+            </a:p>
+          </p:txBody>
+        </p:sp>
+        <p:sp>
+          <p:nvSpPr>
+            <p:cNvPr id="197" name="二等辺三角形 196"/>
+            <p:cNvSpPr/>
+            <p:nvPr/>
+          </p:nvSpPr>
+          <p:spPr>
+            <a:xfrm rot="10800000">
+              <a:off x="4102931" y="1761549"/>
+              <a:ext cx="108000" cy="108000"/>
+            </a:xfrm>
+            <a:prstGeom prst="triangle">
+              <a:avLst/>
+            </a:prstGeom>
+            <a:solidFill>
+              <a:schemeClr val="tx1"/>
+            </a:solidFill>
+            <a:ln>
+              <a:noFill/>
+            </a:ln>
+            <a:effectLst/>
+          </p:spPr>
+          <p:style>
+            <a:lnRef idx="1">
+              <a:schemeClr val="accent1"/>
+            </a:lnRef>
+            <a:fillRef idx="3">
+              <a:schemeClr val="accent1"/>
+            </a:fillRef>
+            <a:effectRef idx="2">
+              <a:schemeClr val="accent1"/>
+            </a:effectRef>
+            <a:fontRef idx="minor">
+              <a:schemeClr val="lt1"/>
+            </a:fontRef>
+          </p:style>
+          <p:txBody>
+            <a:bodyPr rtlCol="0" anchor="ctr"/>
+            <a:lstStyle/>
+            <a:p>
+              <a:pPr algn="ctr"/>
+              <a:endParaRPr kumimoji="1" lang="ja-JP" altLang="en-US"/>
+            </a:p>
+          </p:txBody>
+        </p:sp>
+      </p:grpSp>
+      <p:sp>
+        <p:nvSpPr>
+          <p:cNvPr id="198" name="テキスト ボックス 197"/>
+          <p:cNvSpPr txBox="1"/>
+          <p:nvPr/>
+        </p:nvSpPr>
+        <p:spPr>
+          <a:xfrm>
+            <a:off x="6756029" y="1672856"/>
+            <a:ext cx="569387" cy="246221"/>
+          </a:xfrm>
+          <a:prstGeom prst="rect">
+            <a:avLst/>
+          </a:prstGeom>
+          <a:noFill/>
+        </p:spPr>
+        <p:txBody>
+          <a:bodyPr wrap="none" rtlCol="0">
+            <a:spAutoFit/>
+          </a:bodyPr>
+          <a:lstStyle/>
+          <a:p>
+            <a:r>
+              <a:rPr kumimoji="1" lang="ja-JP" altLang="en-US" sz="1000" dirty="0" smtClean="0">
+                <a:latin typeface="メイリオ"/>
+                <a:ea typeface="メイリオ"/>
+                <a:cs typeface="メイリオ"/>
+              </a:rPr>
+              <a:t>種類</a:t>
+            </a:r>
+            <a:r>
+              <a:rPr kumimoji="1" lang="ja-JP" altLang="en-US" sz="1000" dirty="0" smtClean="0">
+                <a:latin typeface="メイリオ"/>
+                <a:ea typeface="メイリオ"/>
+                <a:cs typeface="メイリオ"/>
+              </a:rPr>
+              <a:t>：</a:t>
+            </a:r>
+            <a:endParaRPr kumimoji="1" lang="ja-JP" altLang="en-US" sz="1000" dirty="0">
+              <a:latin typeface="メイリオ"/>
+              <a:ea typeface="メイリオ"/>
+              <a:cs typeface="メイリオ"/>
+            </a:endParaRPr>
+          </a:p>
+        </p:txBody>
+      </p:sp>
+      <p:sp>
+        <p:nvSpPr>
+          <p:cNvPr id="199" name="正方形/長方形 198"/>
+          <p:cNvSpPr/>
+          <p:nvPr/>
+        </p:nvSpPr>
+        <p:spPr>
+          <a:xfrm>
+            <a:off x="529279" y="937497"/>
+            <a:ext cx="8095186" cy="5541817"/>
           </a:xfrm>
           <a:prstGeom prst="rect">
             <a:avLst/>
@@ -11863,9 +12777,47 @@
           </a:p>
         </p:txBody>
       </p:sp>
+      <p:sp>
+        <p:nvSpPr>
+          <p:cNvPr id="4" name="テキスト ボックス 3"/>
+          <p:cNvSpPr txBox="1"/>
+          <p:nvPr/>
+        </p:nvSpPr>
+        <p:spPr>
+          <a:xfrm>
+            <a:off x="200532" y="187161"/>
+            <a:ext cx="4493538" cy="523220"/>
+          </a:xfrm>
+          <a:prstGeom prst="rect">
+            <a:avLst/>
+          </a:prstGeom>
+          <a:noFill/>
+        </p:spPr>
+        <p:txBody>
+          <a:bodyPr wrap="none" rtlCol="0">
+            <a:spAutoFit/>
+          </a:bodyPr>
+          <a:lstStyle/>
+          <a:p>
+            <a:r>
+              <a:rPr lang="ja-JP" altLang="en-US" sz="2800" dirty="0" smtClean="0">
+                <a:latin typeface="メイリオ"/>
+                <a:ea typeface="メイリオ"/>
+                <a:cs typeface="メイリオ"/>
+              </a:rPr>
+              <a:t>管理画面（カテゴリ選択）</a:t>
+            </a:r>
+            <a:endParaRPr kumimoji="1" lang="ja-JP" altLang="en-US" sz="2000" dirty="0">
+              <a:latin typeface="メイリオ"/>
+              <a:ea typeface="メイリオ"/>
+              <a:cs typeface="メイリオ"/>
+            </a:endParaRPr>
+          </a:p>
+        </p:txBody>
+      </p:sp>
       <p:pic>
         <p:nvPicPr>
-          <p:cNvPr id="2" name="図 1" descr="スクリーンショット（0029-08-13 15.04.02）.png"/>
+          <p:cNvPr id="184" name="図 183" descr="スクリーンショット（0029-08-13 15.04.02）.png"/>
           <p:cNvPicPr>
             <a:picLocks noChangeAspect="1"/>
           </p:cNvPicPr>
@@ -11925,14 +12877,14 @@
       </p:grpSpPr>
       <p:graphicFrame>
         <p:nvGraphicFramePr>
-          <p:cNvPr id="55" name="表 54"/>
+          <p:cNvPr id="102" name="表 101"/>
           <p:cNvGraphicFramePr>
             <a:graphicFrameLocks noGrp="1"/>
           </p:cNvGraphicFramePr>
           <p:nvPr>
             <p:extLst>
               <p:ext uri="{D42A27DB-BD31-4B8C-83A1-F6EECF244321}">
-                <p14:modId xmlns:p14="http://schemas.microsoft.com/office/powerpoint/2010/main" val="1867620562"/>
+                <p14:modId xmlns:p14="http://schemas.microsoft.com/office/powerpoint/2010/main" val="171597873"/>
               </p:ext>
             </p:extLst>
           </p:nvPr>
@@ -12427,14 +13379,14 @@
       </p:graphicFrame>
       <p:sp>
         <p:nvSpPr>
-          <p:cNvPr id="64" name="正方形/長方形 63"/>
+          <p:cNvPr id="103" name="正方形/長方形 102"/>
           <p:cNvSpPr/>
           <p:nvPr/>
         </p:nvSpPr>
         <p:spPr>
           <a:xfrm>
-            <a:off x="783269" y="935182"/>
-            <a:ext cx="7575640" cy="5541817"/>
+            <a:off x="529279" y="935182"/>
+            <a:ext cx="8095186" cy="5541817"/>
           </a:xfrm>
           <a:prstGeom prst="rect">
             <a:avLst/>
@@ -12479,13 +13431,13 @@
       </p:sp>
       <p:sp>
         <p:nvSpPr>
-          <p:cNvPr id="65" name="角丸四角形 64"/>
+          <p:cNvPr id="104" name="角丸四角形 103"/>
           <p:cNvSpPr/>
           <p:nvPr/>
         </p:nvSpPr>
         <p:spPr>
           <a:xfrm>
-            <a:off x="1469168" y="1187601"/>
+            <a:off x="1111273" y="1187601"/>
             <a:ext cx="562830" cy="165946"/>
           </a:xfrm>
           <a:prstGeom prst="roundRect">
@@ -12524,14 +13476,14 @@
       </p:sp>
       <p:sp>
         <p:nvSpPr>
-          <p:cNvPr id="66" name="テキスト ボックス 65"/>
+          <p:cNvPr id="105" name="テキスト ボックス 104"/>
           <p:cNvSpPr txBox="1"/>
           <p:nvPr/>
         </p:nvSpPr>
         <p:spPr>
           <a:xfrm>
-            <a:off x="890993" y="1114621"/>
-            <a:ext cx="646331" cy="276999"/>
+            <a:off x="590823" y="1136452"/>
+            <a:ext cx="569387" cy="246221"/>
           </a:xfrm>
           <a:prstGeom prst="rect">
             <a:avLst/>
@@ -12545,14 +13497,14 @@
           <a:lstStyle/>
           <a:p>
             <a:r>
-              <a:rPr kumimoji="1" lang="ja-JP" altLang="en-US" sz="1200" dirty="0" smtClean="0">
+              <a:rPr kumimoji="1" lang="ja-JP" altLang="en-US" sz="1000" dirty="0" smtClean="0">
                 <a:latin typeface="メイリオ"/>
                 <a:ea typeface="メイリオ"/>
                 <a:cs typeface="メイリオ"/>
               </a:rPr>
               <a:t>日付：</a:t>
             </a:r>
-            <a:endParaRPr kumimoji="1" lang="ja-JP" altLang="en-US" sz="1200" dirty="0">
+            <a:endParaRPr kumimoji="1" lang="ja-JP" altLang="en-US" sz="1000" dirty="0">
               <a:latin typeface="メイリオ"/>
               <a:ea typeface="メイリオ"/>
               <a:cs typeface="メイリオ"/>
@@ -12562,13 +13514,13 @@
       </p:sp>
       <p:sp>
         <p:nvSpPr>
-          <p:cNvPr id="67" name="角丸四角形 66"/>
+          <p:cNvPr id="106" name="角丸四角形 105"/>
           <p:cNvSpPr/>
           <p:nvPr/>
         </p:nvSpPr>
         <p:spPr>
           <a:xfrm>
-            <a:off x="2646774" y="1187601"/>
+            <a:off x="2208064" y="1187601"/>
             <a:ext cx="797002" cy="165946"/>
           </a:xfrm>
           <a:prstGeom prst="roundRect">
@@ -12607,14 +13559,14 @@
       </p:sp>
       <p:sp>
         <p:nvSpPr>
-          <p:cNvPr id="68" name="テキスト ボックス 67"/>
+          <p:cNvPr id="107" name="テキスト ボックス 106"/>
           <p:cNvSpPr txBox="1"/>
           <p:nvPr/>
         </p:nvSpPr>
         <p:spPr>
           <a:xfrm>
-            <a:off x="2046815" y="1111063"/>
-            <a:ext cx="646331" cy="276999"/>
+            <a:off x="1698033" y="1133027"/>
+            <a:ext cx="569387" cy="246221"/>
           </a:xfrm>
           <a:prstGeom prst="rect">
             <a:avLst/>
@@ -12628,7 +13580,7 @@
           <a:lstStyle/>
           <a:p>
             <a:r>
-              <a:rPr lang="ja-JP" altLang="en-US" sz="1200" dirty="0" smtClean="0">
+              <a:rPr lang="ja-JP" altLang="en-US" sz="1000" dirty="0" smtClean="0">
                 <a:latin typeface="メイリオ"/>
                 <a:ea typeface="メイリオ"/>
                 <a:cs typeface="メイリオ"/>
@@ -12636,14 +13588,14 @@
               <a:t>内容</a:t>
             </a:r>
             <a:r>
-              <a:rPr kumimoji="1" lang="ja-JP" altLang="en-US" sz="1200" dirty="0" smtClean="0">
+              <a:rPr kumimoji="1" lang="ja-JP" altLang="en-US" sz="1000" dirty="0" smtClean="0">
                 <a:latin typeface="メイリオ"/>
                 <a:ea typeface="メイリオ"/>
                 <a:cs typeface="メイリオ"/>
               </a:rPr>
               <a:t>：</a:t>
             </a:r>
-            <a:endParaRPr kumimoji="1" lang="ja-JP" altLang="en-US" sz="1200" dirty="0">
+            <a:endParaRPr kumimoji="1" lang="ja-JP" altLang="en-US" sz="1000" dirty="0">
               <a:latin typeface="メイリオ"/>
               <a:ea typeface="メイリオ"/>
               <a:cs typeface="メイリオ"/>
@@ -12653,13 +13605,13 @@
       </p:sp>
       <p:sp>
         <p:nvSpPr>
-          <p:cNvPr id="69" name="角丸四角形 68"/>
+          <p:cNvPr id="108" name="角丸四角形 107"/>
           <p:cNvSpPr/>
           <p:nvPr/>
         </p:nvSpPr>
         <p:spPr>
           <a:xfrm>
-            <a:off x="4346659" y="1187601"/>
+            <a:off x="3780954" y="1187601"/>
             <a:ext cx="560480" cy="165946"/>
           </a:xfrm>
           <a:prstGeom prst="roundRect">
@@ -12698,14 +13650,14 @@
       </p:sp>
       <p:sp>
         <p:nvSpPr>
-          <p:cNvPr id="70" name="テキスト ボックス 69"/>
+          <p:cNvPr id="109" name="テキスト ボックス 108"/>
           <p:cNvSpPr txBox="1"/>
           <p:nvPr/>
         </p:nvSpPr>
         <p:spPr>
           <a:xfrm>
-            <a:off x="3461822" y="1118689"/>
-            <a:ext cx="954107" cy="276999"/>
+            <a:off x="3011567" y="1141779"/>
+            <a:ext cx="825867" cy="246221"/>
           </a:xfrm>
           <a:prstGeom prst="rect">
             <a:avLst/>
@@ -12719,7 +13671,7 @@
           <a:lstStyle/>
           <a:p>
             <a:r>
-              <a:rPr lang="ja-JP" altLang="en-US" sz="1200" dirty="0" smtClean="0">
+              <a:rPr lang="ja-JP" altLang="en-US" sz="1000" dirty="0" smtClean="0">
                 <a:latin typeface="メイリオ"/>
                 <a:ea typeface="メイリオ"/>
                 <a:cs typeface="メイリオ"/>
@@ -12727,14 +13679,14 @@
               <a:t>カテゴリ</a:t>
             </a:r>
             <a:r>
-              <a:rPr kumimoji="1" lang="ja-JP" altLang="en-US" sz="1200" dirty="0" smtClean="0">
+              <a:rPr kumimoji="1" lang="ja-JP" altLang="en-US" sz="1000" dirty="0" smtClean="0">
                 <a:latin typeface="メイリオ"/>
                 <a:ea typeface="メイリオ"/>
                 <a:cs typeface="メイリオ"/>
               </a:rPr>
               <a:t>：</a:t>
             </a:r>
-            <a:endParaRPr kumimoji="1" lang="ja-JP" altLang="en-US" sz="1200" dirty="0">
+            <a:endParaRPr kumimoji="1" lang="ja-JP" altLang="en-US" sz="1000" dirty="0">
               <a:latin typeface="メイリオ"/>
               <a:ea typeface="メイリオ"/>
               <a:cs typeface="メイリオ"/>
@@ -12744,13 +13696,13 @@
       </p:sp>
       <p:sp>
         <p:nvSpPr>
-          <p:cNvPr id="71" name="角丸四角形 70"/>
+          <p:cNvPr id="110" name="角丸四角形 109"/>
           <p:cNvSpPr/>
           <p:nvPr/>
         </p:nvSpPr>
         <p:spPr>
           <a:xfrm>
-            <a:off x="5799922" y="1187601"/>
+            <a:off x="5211127" y="1187601"/>
             <a:ext cx="561630" cy="165946"/>
           </a:xfrm>
           <a:prstGeom prst="roundRect">
@@ -12789,14 +13741,14 @@
       </p:sp>
       <p:sp>
         <p:nvSpPr>
-          <p:cNvPr id="72" name="テキスト ボックス 71"/>
+          <p:cNvPr id="111" name="テキスト ボックス 110"/>
           <p:cNvSpPr txBox="1"/>
           <p:nvPr/>
         </p:nvSpPr>
         <p:spPr>
           <a:xfrm>
-            <a:off x="5234406" y="1128924"/>
-            <a:ext cx="646331" cy="276999"/>
+            <a:off x="4691791" y="1152014"/>
+            <a:ext cx="569387" cy="246221"/>
           </a:xfrm>
           <a:prstGeom prst="rect">
             <a:avLst/>
@@ -12810,7 +13762,7 @@
           <a:lstStyle/>
           <a:p>
             <a:r>
-              <a:rPr lang="ja-JP" altLang="en-US" sz="1200" dirty="0" smtClean="0">
+              <a:rPr lang="ja-JP" altLang="en-US" sz="1000" dirty="0" smtClean="0">
                 <a:latin typeface="メイリオ"/>
                 <a:ea typeface="メイリオ"/>
                 <a:cs typeface="メイリオ"/>
@@ -12818,14 +13770,14 @@
               <a:t>金額</a:t>
             </a:r>
             <a:r>
-              <a:rPr kumimoji="1" lang="ja-JP" altLang="en-US" sz="1200" dirty="0" smtClean="0">
+              <a:rPr kumimoji="1" lang="ja-JP" altLang="en-US" sz="1000" dirty="0" smtClean="0">
                 <a:latin typeface="メイリオ"/>
                 <a:ea typeface="メイリオ"/>
                 <a:cs typeface="メイリオ"/>
               </a:rPr>
               <a:t>：</a:t>
             </a:r>
-            <a:endParaRPr kumimoji="1" lang="ja-JP" altLang="en-US" sz="1200" dirty="0">
+            <a:endParaRPr kumimoji="1" lang="ja-JP" altLang="en-US" sz="1000" dirty="0">
               <a:latin typeface="メイリオ"/>
               <a:ea typeface="メイリオ"/>
               <a:cs typeface="メイリオ"/>
@@ -12835,14 +13787,14 @@
       </p:sp>
       <p:sp>
         <p:nvSpPr>
-          <p:cNvPr id="73" name="角丸四角形 72"/>
+          <p:cNvPr id="112" name="角丸四角形 111"/>
           <p:cNvSpPr/>
           <p:nvPr/>
         </p:nvSpPr>
         <p:spPr>
           <a:xfrm>
-            <a:off x="6515245" y="1118689"/>
-            <a:ext cx="550589" cy="299213"/>
+            <a:off x="6989782" y="1153142"/>
+            <a:ext cx="550589" cy="234858"/>
           </a:xfrm>
           <a:prstGeom prst="roundRect">
             <a:avLst/>
@@ -12875,7 +13827,7 @@
           <a:p>
             <a:pPr algn="ctr"/>
             <a:r>
-              <a:rPr kumimoji="1" lang="ja-JP" altLang="en-US" sz="1200" dirty="0" smtClean="0">
+              <a:rPr kumimoji="1" lang="ja-JP" altLang="en-US" sz="1000" dirty="0" smtClean="0">
                 <a:solidFill>
                   <a:schemeClr val="tx1"/>
                 </a:solidFill>
@@ -12885,7 +13837,7 @@
               </a:rPr>
               <a:t>登録</a:t>
             </a:r>
-            <a:endParaRPr kumimoji="1" lang="ja-JP" altLang="en-US" sz="1200" dirty="0">
+            <a:endParaRPr kumimoji="1" lang="ja-JP" altLang="en-US" sz="1000" dirty="0">
               <a:solidFill>
                 <a:schemeClr val="tx1"/>
               </a:solidFill>
@@ -12898,14 +13850,14 @@
       </p:sp>
       <p:cxnSp>
         <p:nvCxnSpPr>
-          <p:cNvPr id="74" name="直線コネクタ 73"/>
+          <p:cNvPr id="113" name="直線コネクタ 112"/>
           <p:cNvCxnSpPr/>
           <p:nvPr/>
         </p:nvCxnSpPr>
         <p:spPr>
           <a:xfrm>
-            <a:off x="923931" y="1547091"/>
-            <a:ext cx="7250251" cy="0"/>
+            <a:off x="658396" y="1547091"/>
+            <a:ext cx="7827513" cy="0"/>
           </a:xfrm>
           <a:prstGeom prst="line">
             <a:avLst/>
@@ -12936,7 +13888,7 @@
       </p:cxnSp>
       <p:sp>
         <p:nvSpPr>
-          <p:cNvPr id="75" name="テキスト ボックス 74"/>
+          <p:cNvPr id="114" name="テキスト ボックス 113"/>
           <p:cNvSpPr txBox="1"/>
           <p:nvPr/>
         </p:nvSpPr>
@@ -12974,7 +13926,7 @@
       </p:sp>
       <p:sp>
         <p:nvSpPr>
-          <p:cNvPr id="76" name="テキスト ボックス 75"/>
+          <p:cNvPr id="115" name="テキスト ボックス 114"/>
           <p:cNvSpPr txBox="1"/>
           <p:nvPr/>
         </p:nvSpPr>
@@ -13012,7 +13964,7 @@
       </p:sp>
       <p:sp>
         <p:nvSpPr>
-          <p:cNvPr id="77" name="テキスト ボックス 76"/>
+          <p:cNvPr id="116" name="テキスト ボックス 115"/>
           <p:cNvSpPr txBox="1"/>
           <p:nvPr/>
         </p:nvSpPr>
@@ -13050,7 +14002,7 @@
       </p:sp>
       <p:sp>
         <p:nvSpPr>
-          <p:cNvPr id="78" name="二等辺三角形 77"/>
+          <p:cNvPr id="117" name="二等辺三角形 116"/>
           <p:cNvSpPr/>
           <p:nvPr/>
         </p:nvSpPr>
@@ -13095,7 +14047,7 @@
       </p:sp>
       <p:sp>
         <p:nvSpPr>
-          <p:cNvPr id="79" name="二等辺三角形 78"/>
+          <p:cNvPr id="118" name="二等辺三角形 117"/>
           <p:cNvSpPr/>
           <p:nvPr/>
         </p:nvSpPr>
@@ -13140,7 +14092,7 @@
       </p:sp>
       <p:sp>
         <p:nvSpPr>
-          <p:cNvPr id="102" name="テキスト ボックス 101"/>
+          <p:cNvPr id="119" name="テキスト ボックス 118"/>
           <p:cNvSpPr txBox="1"/>
           <p:nvPr/>
         </p:nvSpPr>
@@ -13178,7 +14130,7 @@
       </p:sp>
       <p:sp>
         <p:nvSpPr>
-          <p:cNvPr id="103" name="テキスト ボックス 102"/>
+          <p:cNvPr id="120" name="テキスト ボックス 119"/>
           <p:cNvSpPr txBox="1"/>
           <p:nvPr/>
         </p:nvSpPr>
@@ -13272,7 +14224,7 @@
       </p:sp>
       <p:sp>
         <p:nvSpPr>
-          <p:cNvPr id="104" name="二等辺三角形 103"/>
+          <p:cNvPr id="121" name="二等辺三角形 120"/>
           <p:cNvSpPr/>
           <p:nvPr/>
         </p:nvSpPr>
@@ -13317,7 +14269,7 @@
       </p:sp>
       <p:sp>
         <p:nvSpPr>
-          <p:cNvPr id="105" name="二等辺三角形 104"/>
+          <p:cNvPr id="122" name="二等辺三角形 121"/>
           <p:cNvSpPr/>
           <p:nvPr/>
         </p:nvSpPr>
@@ -13362,7 +14314,7 @@
       </p:sp>
       <p:sp>
         <p:nvSpPr>
-          <p:cNvPr id="106" name="二等辺三角形 105"/>
+          <p:cNvPr id="123" name="二等辺三角形 122"/>
           <p:cNvSpPr/>
           <p:nvPr/>
         </p:nvSpPr>
@@ -13407,7 +14359,7 @@
       </p:sp>
       <p:sp>
         <p:nvSpPr>
-          <p:cNvPr id="107" name="二等辺三角形 106"/>
+          <p:cNvPr id="124" name="二等辺三角形 123"/>
           <p:cNvSpPr/>
           <p:nvPr/>
         </p:nvSpPr>
@@ -13452,14 +14404,14 @@
       </p:sp>
       <p:sp>
         <p:nvSpPr>
-          <p:cNvPr id="108" name="角丸四角形 107"/>
+          <p:cNvPr id="125" name="角丸四角形 124"/>
           <p:cNvSpPr/>
           <p:nvPr/>
         </p:nvSpPr>
         <p:spPr>
           <a:xfrm>
-            <a:off x="7239002" y="1121482"/>
-            <a:ext cx="864625" cy="299213"/>
+            <a:off x="7621284" y="1153142"/>
+            <a:ext cx="864625" cy="233094"/>
           </a:xfrm>
           <a:prstGeom prst="roundRect">
             <a:avLst/>
@@ -13492,7 +14444,7 @@
           <a:p>
             <a:pPr algn="ctr"/>
             <a:r>
-              <a:rPr lang="en-US" altLang="en-US" sz="1200" dirty="0" smtClean="0">
+              <a:rPr lang="en-US" altLang="en-US" sz="1000" dirty="0" smtClean="0">
                 <a:solidFill>
                   <a:schemeClr val="tx1"/>
                 </a:solidFill>
@@ -13502,7 +14454,7 @@
               </a:rPr>
               <a:t>リセット</a:t>
             </a:r>
-            <a:endParaRPr kumimoji="1" lang="ja-JP" altLang="en-US" sz="1200" dirty="0">
+            <a:endParaRPr kumimoji="1" lang="ja-JP" altLang="en-US" sz="1000" dirty="0">
               <a:solidFill>
                 <a:schemeClr val="tx1"/>
               </a:solidFill>
@@ -13515,7 +14467,7 @@
       </p:sp>
       <p:pic>
         <p:nvPicPr>
-          <p:cNvPr id="109" name="図 108" descr="trash.png"/>
+          <p:cNvPr id="126" name="図 125" descr="trash.png"/>
           <p:cNvPicPr>
             <a:picLocks noChangeAspect="1"/>
           </p:cNvPicPr>
@@ -13545,7 +14497,7 @@
       </p:pic>
       <p:pic>
         <p:nvPicPr>
-          <p:cNvPr id="110" name="図 109" descr="trash.png"/>
+          <p:cNvPr id="127" name="図 126" descr="trash.png"/>
           <p:cNvPicPr>
             <a:picLocks noChangeAspect="1"/>
           </p:cNvPicPr>
@@ -13575,7 +14527,7 @@
       </p:pic>
       <p:pic>
         <p:nvPicPr>
-          <p:cNvPr id="111" name="図 110" descr="trash.png"/>
+          <p:cNvPr id="128" name="図 127" descr="trash.png"/>
           <p:cNvPicPr>
             <a:picLocks noChangeAspect="1"/>
           </p:cNvPicPr>
@@ -13605,7 +14557,7 @@
       </p:pic>
       <p:pic>
         <p:nvPicPr>
-          <p:cNvPr id="112" name="図 111" descr="trash.png"/>
+          <p:cNvPr id="129" name="図 128" descr="trash.png"/>
           <p:cNvPicPr>
             <a:picLocks noChangeAspect="1"/>
           </p:cNvPicPr>
@@ -13635,7 +14587,7 @@
       </p:pic>
       <p:pic>
         <p:nvPicPr>
-          <p:cNvPr id="113" name="図 112" descr="trash.png"/>
+          <p:cNvPr id="130" name="図 129" descr="trash.png"/>
           <p:cNvPicPr>
             <a:picLocks noChangeAspect="1"/>
           </p:cNvPicPr>
@@ -13665,7 +14617,7 @@
       </p:pic>
       <p:pic>
         <p:nvPicPr>
-          <p:cNvPr id="114" name="図 113" descr="trash.png"/>
+          <p:cNvPr id="131" name="図 130" descr="trash.png"/>
           <p:cNvPicPr>
             <a:picLocks noChangeAspect="1"/>
           </p:cNvPicPr>
@@ -13695,7 +14647,7 @@
       </p:pic>
       <p:pic>
         <p:nvPicPr>
-          <p:cNvPr id="115" name="図 114" descr="trash.png"/>
+          <p:cNvPr id="132" name="図 131" descr="trash.png"/>
           <p:cNvPicPr>
             <a:picLocks noChangeAspect="1"/>
           </p:cNvPicPr>
@@ -13725,7 +14677,7 @@
       </p:pic>
       <p:pic>
         <p:nvPicPr>
-          <p:cNvPr id="116" name="図 115" descr="trash.png"/>
+          <p:cNvPr id="133" name="図 132" descr="trash.png"/>
           <p:cNvPicPr>
             <a:picLocks noChangeAspect="1"/>
           </p:cNvPicPr>
@@ -13755,7 +14707,7 @@
       </p:pic>
       <p:pic>
         <p:nvPicPr>
-          <p:cNvPr id="117" name="図 116" descr="trash.png"/>
+          <p:cNvPr id="134" name="図 133" descr="trash.png"/>
           <p:cNvPicPr>
             <a:picLocks noChangeAspect="1"/>
           </p:cNvPicPr>
@@ -13785,7 +14737,7 @@
       </p:pic>
       <p:pic>
         <p:nvPicPr>
-          <p:cNvPr id="118" name="図 117" descr="trash.png"/>
+          <p:cNvPr id="135" name="図 134" descr="trash.png"/>
           <p:cNvPicPr>
             <a:picLocks noChangeAspect="1"/>
           </p:cNvPicPr>
@@ -13813,170 +14765,185 @@
           </a:prstGeom>
         </p:spPr>
       </p:pic>
-      <p:sp>
-        <p:nvSpPr>
-          <p:cNvPr id="119" name="角丸四角形 118"/>
-          <p:cNvSpPr/>
-          <p:nvPr/>
-        </p:nvSpPr>
-        <p:spPr>
-          <a:xfrm>
-            <a:off x="4954166" y="1192639"/>
+      <p:grpSp>
+        <p:nvGrpSpPr>
+          <p:cNvPr id="136" name="図形グループ 135"/>
+          <p:cNvGrpSpPr/>
+          <p:nvPr/>
+        </p:nvGrpSpPr>
+        <p:grpSpPr>
+          <a:xfrm>
+            <a:off x="4388461" y="1192639"/>
             <a:ext cx="280240" cy="165946"/>
-          </a:xfrm>
-          <a:prstGeom prst="roundRect">
-            <a:avLst/>
-          </a:prstGeom>
-          <a:noFill/>
-          <a:ln w="25400">
-            <a:solidFill>
-              <a:schemeClr val="tx1"/>
-            </a:solidFill>
-          </a:ln>
-          <a:effectLst/>
-        </p:spPr>
-        <p:style>
-          <a:lnRef idx="1">
-            <a:schemeClr val="accent1"/>
-          </a:lnRef>
-          <a:fillRef idx="3">
-            <a:schemeClr val="accent1"/>
-          </a:fillRef>
-          <a:effectRef idx="2">
-            <a:schemeClr val="accent1"/>
-          </a:effectRef>
-          <a:fontRef idx="minor">
-            <a:schemeClr val="lt1"/>
-          </a:fontRef>
-        </p:style>
-        <p:txBody>
-          <a:bodyPr rtlCol="0" anchor="ctr"/>
-          <a:lstStyle/>
-          <a:p>
-            <a:pPr algn="ctr"/>
-            <a:endParaRPr kumimoji="1" lang="ja-JP" altLang="en-US" sz="800" dirty="0">
+            <a:chOff x="4954166" y="1192639"/>
+            <a:chExt cx="280240" cy="165946"/>
+          </a:xfrm>
+        </p:grpSpPr>
+        <p:sp>
+          <p:nvSpPr>
+            <p:cNvPr id="137" name="角丸四角形 136"/>
+            <p:cNvSpPr/>
+            <p:nvPr/>
+          </p:nvSpPr>
+          <p:spPr>
+            <a:xfrm>
+              <a:off x="4954166" y="1192639"/>
+              <a:ext cx="280240" cy="165946"/>
+            </a:xfrm>
+            <a:prstGeom prst="roundRect">
+              <a:avLst/>
+            </a:prstGeom>
+            <a:noFill/>
+            <a:ln w="25400">
               <a:solidFill>
                 <a:schemeClr val="tx1"/>
               </a:solidFill>
-            </a:endParaRPr>
-          </a:p>
-        </p:txBody>
-      </p:sp>
+            </a:ln>
+            <a:effectLst/>
+          </p:spPr>
+          <p:style>
+            <a:lnRef idx="1">
+              <a:schemeClr val="accent1"/>
+            </a:lnRef>
+            <a:fillRef idx="3">
+              <a:schemeClr val="accent1"/>
+            </a:fillRef>
+            <a:effectRef idx="2">
+              <a:schemeClr val="accent1"/>
+            </a:effectRef>
+            <a:fontRef idx="minor">
+              <a:schemeClr val="lt1"/>
+            </a:fontRef>
+          </p:style>
+          <p:txBody>
+            <a:bodyPr rtlCol="0" anchor="ctr"/>
+            <a:lstStyle/>
+            <a:p>
+              <a:pPr algn="ctr"/>
+              <a:endParaRPr kumimoji="1" lang="ja-JP" altLang="en-US" sz="800" dirty="0">
+                <a:solidFill>
+                  <a:schemeClr val="tx1"/>
+                </a:solidFill>
+              </a:endParaRPr>
+            </a:p>
+          </p:txBody>
+        </p:sp>
+        <p:cxnSp>
+          <p:nvCxnSpPr>
+            <p:cNvPr id="138" name="直線コネクタ 137"/>
+            <p:cNvCxnSpPr/>
+            <p:nvPr/>
+          </p:nvCxnSpPr>
+          <p:spPr>
+            <a:xfrm>
+              <a:off x="5001261" y="1238058"/>
+              <a:ext cx="181196" cy="0"/>
+            </a:xfrm>
+            <a:prstGeom prst="line">
+              <a:avLst/>
+            </a:prstGeom>
+            <a:ln w="3175">
+              <a:solidFill>
+                <a:schemeClr val="tx1"/>
+              </a:solidFill>
+            </a:ln>
+          </p:spPr>
+          <p:style>
+            <a:lnRef idx="2">
+              <a:schemeClr val="accent1"/>
+            </a:lnRef>
+            <a:fillRef idx="0">
+              <a:schemeClr val="accent1"/>
+            </a:fillRef>
+            <a:effectRef idx="1">
+              <a:schemeClr val="accent1"/>
+            </a:effectRef>
+            <a:fontRef idx="minor">
+              <a:schemeClr val="tx1"/>
+            </a:fontRef>
+          </p:style>
+        </p:cxnSp>
+        <p:cxnSp>
+          <p:nvCxnSpPr>
+            <p:cNvPr id="139" name="直線コネクタ 138"/>
+            <p:cNvCxnSpPr/>
+            <p:nvPr/>
+          </p:nvCxnSpPr>
+          <p:spPr>
+            <a:xfrm>
+              <a:off x="5001261" y="1277697"/>
+              <a:ext cx="181196" cy="0"/>
+            </a:xfrm>
+            <a:prstGeom prst="line">
+              <a:avLst/>
+            </a:prstGeom>
+            <a:ln w="3175">
+              <a:solidFill>
+                <a:schemeClr val="tx1"/>
+              </a:solidFill>
+            </a:ln>
+          </p:spPr>
+          <p:style>
+            <a:lnRef idx="2">
+              <a:schemeClr val="accent1"/>
+            </a:lnRef>
+            <a:fillRef idx="0">
+              <a:schemeClr val="accent1"/>
+            </a:fillRef>
+            <a:effectRef idx="1">
+              <a:schemeClr val="accent1"/>
+            </a:effectRef>
+            <a:fontRef idx="minor">
+              <a:schemeClr val="tx1"/>
+            </a:fontRef>
+          </p:style>
+        </p:cxnSp>
+        <p:cxnSp>
+          <p:nvCxnSpPr>
+            <p:cNvPr id="195" name="直線コネクタ 194"/>
+            <p:cNvCxnSpPr/>
+            <p:nvPr/>
+          </p:nvCxnSpPr>
+          <p:spPr>
+            <a:xfrm>
+              <a:off x="5003884" y="1310793"/>
+              <a:ext cx="181196" cy="0"/>
+            </a:xfrm>
+            <a:prstGeom prst="line">
+              <a:avLst/>
+            </a:prstGeom>
+            <a:ln w="3175">
+              <a:solidFill>
+                <a:schemeClr val="tx1"/>
+              </a:solidFill>
+            </a:ln>
+          </p:spPr>
+          <p:style>
+            <a:lnRef idx="2">
+              <a:schemeClr val="accent1"/>
+            </a:lnRef>
+            <a:fillRef idx="0">
+              <a:schemeClr val="accent1"/>
+            </a:fillRef>
+            <a:effectRef idx="1">
+              <a:schemeClr val="accent1"/>
+            </a:effectRef>
+            <a:fontRef idx="minor">
+              <a:schemeClr val="tx1"/>
+            </a:fontRef>
+          </p:style>
+        </p:cxnSp>
+      </p:grpSp>
       <p:cxnSp>
         <p:nvCxnSpPr>
-          <p:cNvPr id="120" name="直線コネクタ 119"/>
+          <p:cNvPr id="196" name="直線コネクタ 195"/>
           <p:cNvCxnSpPr/>
           <p:nvPr/>
         </p:nvCxnSpPr>
         <p:spPr>
           <a:xfrm>
-            <a:off x="5001261" y="1238058"/>
-            <a:ext cx="181196" cy="0"/>
-          </a:xfrm>
-          <a:prstGeom prst="line">
-            <a:avLst/>
-          </a:prstGeom>
-          <a:ln w="3175">
-            <a:solidFill>
-              <a:schemeClr val="tx1"/>
-            </a:solidFill>
-          </a:ln>
-        </p:spPr>
-        <p:style>
-          <a:lnRef idx="2">
-            <a:schemeClr val="accent1"/>
-          </a:lnRef>
-          <a:fillRef idx="0">
-            <a:schemeClr val="accent1"/>
-          </a:fillRef>
-          <a:effectRef idx="1">
-            <a:schemeClr val="accent1"/>
-          </a:effectRef>
-          <a:fontRef idx="minor">
-            <a:schemeClr val="tx1"/>
-          </a:fontRef>
-        </p:style>
-      </p:cxnSp>
-      <p:cxnSp>
-        <p:nvCxnSpPr>
-          <p:cNvPr id="121" name="直線コネクタ 120"/>
-          <p:cNvCxnSpPr/>
-          <p:nvPr/>
-        </p:nvCxnSpPr>
-        <p:spPr>
-          <a:xfrm>
-            <a:off x="5001261" y="1277697"/>
-            <a:ext cx="181196" cy="0"/>
-          </a:xfrm>
-          <a:prstGeom prst="line">
-            <a:avLst/>
-          </a:prstGeom>
-          <a:ln w="3175">
-            <a:solidFill>
-              <a:schemeClr val="tx1"/>
-            </a:solidFill>
-          </a:ln>
-        </p:spPr>
-        <p:style>
-          <a:lnRef idx="2">
-            <a:schemeClr val="accent1"/>
-          </a:lnRef>
-          <a:fillRef idx="0">
-            <a:schemeClr val="accent1"/>
-          </a:fillRef>
-          <a:effectRef idx="1">
-            <a:schemeClr val="accent1"/>
-          </a:effectRef>
-          <a:fontRef idx="minor">
-            <a:schemeClr val="tx1"/>
-          </a:fontRef>
-        </p:style>
-      </p:cxnSp>
-      <p:cxnSp>
-        <p:nvCxnSpPr>
-          <p:cNvPr id="122" name="直線コネクタ 121"/>
-          <p:cNvCxnSpPr/>
-          <p:nvPr/>
-        </p:nvCxnSpPr>
-        <p:spPr>
-          <a:xfrm>
-            <a:off x="5003884" y="1310793"/>
-            <a:ext cx="181196" cy="0"/>
-          </a:xfrm>
-          <a:prstGeom prst="line">
-            <a:avLst/>
-          </a:prstGeom>
-          <a:ln w="3175">
-            <a:solidFill>
-              <a:schemeClr val="tx1"/>
-            </a:solidFill>
-          </a:ln>
-        </p:spPr>
-        <p:style>
-          <a:lnRef idx="2">
-            <a:schemeClr val="accent1"/>
-          </a:lnRef>
-          <a:fillRef idx="0">
-            <a:schemeClr val="accent1"/>
-          </a:fillRef>
-          <a:effectRef idx="1">
-            <a:schemeClr val="accent1"/>
-          </a:effectRef>
-          <a:fontRef idx="minor">
-            <a:schemeClr val="tx1"/>
-          </a:fontRef>
-        </p:style>
-      </p:cxnSp>
-      <p:cxnSp>
-        <p:nvCxnSpPr>
-          <p:cNvPr id="123" name="直線コネクタ 122"/>
-          <p:cNvCxnSpPr/>
-          <p:nvPr/>
-        </p:nvCxnSpPr>
-        <p:spPr>
-          <a:xfrm>
-            <a:off x="923931" y="2034307"/>
-            <a:ext cx="7250251" cy="0"/>
+            <a:off x="658396" y="2034307"/>
+            <a:ext cx="7827513" cy="0"/>
           </a:xfrm>
           <a:prstGeom prst="line">
             <a:avLst/>
@@ -14007,14 +14974,14 @@
       </p:cxnSp>
       <p:sp>
         <p:nvSpPr>
-          <p:cNvPr id="124" name="テキスト ボックス 123"/>
+          <p:cNvPr id="197" name="テキスト ボックス 196"/>
           <p:cNvSpPr txBox="1"/>
           <p:nvPr/>
         </p:nvSpPr>
         <p:spPr>
           <a:xfrm>
-            <a:off x="890993" y="1659566"/>
-            <a:ext cx="646331" cy="276999"/>
+            <a:off x="590823" y="1671111"/>
+            <a:ext cx="569387" cy="246221"/>
           </a:xfrm>
           <a:prstGeom prst="rect">
             <a:avLst/>
@@ -14028,14 +14995,14 @@
           <a:lstStyle/>
           <a:p>
             <a:r>
-              <a:rPr kumimoji="1" lang="ja-JP" altLang="en-US" sz="1200" dirty="0" smtClean="0">
+              <a:rPr kumimoji="1" lang="ja-JP" altLang="en-US" sz="1000" dirty="0" smtClean="0">
                 <a:latin typeface="メイリオ"/>
                 <a:ea typeface="メイリオ"/>
                 <a:cs typeface="メイリオ"/>
               </a:rPr>
               <a:t>日付：</a:t>
             </a:r>
-            <a:endParaRPr kumimoji="1" lang="ja-JP" altLang="en-US" sz="1200" dirty="0">
+            <a:endParaRPr kumimoji="1" lang="ja-JP" altLang="en-US" sz="1000" dirty="0">
               <a:latin typeface="メイリオ"/>
               <a:ea typeface="メイリオ"/>
               <a:cs typeface="メイリオ"/>
@@ -14045,13 +15012,13 @@
       </p:sp>
       <p:sp>
         <p:nvSpPr>
-          <p:cNvPr id="125" name="角丸四角形 124"/>
+          <p:cNvPr id="198" name="角丸四角形 197"/>
           <p:cNvSpPr/>
           <p:nvPr/>
         </p:nvSpPr>
         <p:spPr>
           <a:xfrm>
-            <a:off x="1469168" y="1722329"/>
+            <a:off x="1099728" y="1722329"/>
             <a:ext cx="352321" cy="158766"/>
           </a:xfrm>
           <a:prstGeom prst="roundRect">
@@ -14090,13 +15057,13 @@
       </p:sp>
       <p:sp>
         <p:nvSpPr>
-          <p:cNvPr id="126" name="テキスト ボックス 125"/>
+          <p:cNvPr id="199" name="テキスト ボックス 198"/>
           <p:cNvSpPr txBox="1"/>
           <p:nvPr/>
         </p:nvSpPr>
         <p:spPr>
           <a:xfrm>
-            <a:off x="1786644" y="1659566"/>
+            <a:off x="1417204" y="1659566"/>
             <a:ext cx="338554" cy="276999"/>
           </a:xfrm>
           <a:prstGeom prst="rect">
@@ -14128,14 +15095,14 @@
       </p:sp>
       <p:sp>
         <p:nvSpPr>
-          <p:cNvPr id="127" name="テキスト ボックス 126"/>
+          <p:cNvPr id="200" name="テキスト ボックス 199"/>
           <p:cNvSpPr txBox="1"/>
           <p:nvPr/>
         </p:nvSpPr>
         <p:spPr>
           <a:xfrm>
-            <a:off x="2465123" y="1656944"/>
-            <a:ext cx="646331" cy="276999"/>
+            <a:off x="2107228" y="1668489"/>
+            <a:ext cx="569387" cy="246221"/>
           </a:xfrm>
           <a:prstGeom prst="rect">
             <a:avLst/>
@@ -14149,7 +15116,7 @@
           <a:lstStyle/>
           <a:p>
             <a:r>
-              <a:rPr lang="ja-JP" altLang="en-US" sz="1200" dirty="0" smtClean="0">
+              <a:rPr lang="ja-JP" altLang="en-US" sz="1000" dirty="0" smtClean="0">
                 <a:latin typeface="メイリオ"/>
                 <a:ea typeface="メイリオ"/>
                 <a:cs typeface="メイリオ"/>
@@ -14157,14 +15124,14 @@
               <a:t>内容</a:t>
             </a:r>
             <a:r>
-              <a:rPr kumimoji="1" lang="ja-JP" altLang="en-US" sz="1200" dirty="0" smtClean="0">
+              <a:rPr kumimoji="1" lang="ja-JP" altLang="en-US" sz="1000" dirty="0" smtClean="0">
                 <a:latin typeface="メイリオ"/>
                 <a:ea typeface="メイリオ"/>
                 <a:cs typeface="メイリオ"/>
               </a:rPr>
               <a:t>：</a:t>
             </a:r>
-            <a:endParaRPr kumimoji="1" lang="ja-JP" altLang="en-US" sz="1200" dirty="0">
+            <a:endParaRPr kumimoji="1" lang="ja-JP" altLang="en-US" sz="1000" dirty="0">
               <a:latin typeface="メイリオ"/>
               <a:ea typeface="メイリオ"/>
               <a:cs typeface="メイリオ"/>
@@ -14174,14 +15141,14 @@
       </p:sp>
       <p:sp>
         <p:nvSpPr>
-          <p:cNvPr id="128" name="角丸四角形 127"/>
+          <p:cNvPr id="201" name="角丸四角形 200"/>
           <p:cNvSpPr/>
           <p:nvPr/>
         </p:nvSpPr>
         <p:spPr>
           <a:xfrm>
-            <a:off x="3034657" y="1720187"/>
-            <a:ext cx="797002" cy="165946"/>
+            <a:off x="2607492" y="1720187"/>
+            <a:ext cx="536114" cy="149362"/>
           </a:xfrm>
           <a:prstGeom prst="roundRect">
             <a:avLst/>
@@ -14217,16 +15184,184 @@
           </a:p>
         </p:txBody>
       </p:sp>
-      <p:sp>
-        <p:nvSpPr>
-          <p:cNvPr id="129" name="角丸四角形 128"/>
+      <p:grpSp>
+        <p:nvGrpSpPr>
+          <p:cNvPr id="202" name="図形グループ 201"/>
+          <p:cNvGrpSpPr/>
+          <p:nvPr/>
+        </p:nvGrpSpPr>
+        <p:grpSpPr>
+          <a:xfrm>
+            <a:off x="3219724" y="1710865"/>
+            <a:ext cx="602185" cy="165865"/>
+            <a:chOff x="3681524" y="1722410"/>
+            <a:chExt cx="602185" cy="165865"/>
+          </a:xfrm>
+        </p:grpSpPr>
+        <p:sp>
+          <p:nvSpPr>
+            <p:cNvPr id="203" name="角丸四角形 202"/>
+            <p:cNvSpPr/>
+            <p:nvPr/>
+          </p:nvSpPr>
+          <p:spPr>
+            <a:xfrm>
+              <a:off x="3681524" y="1722410"/>
+              <a:ext cx="602185" cy="165865"/>
+            </a:xfrm>
+            <a:prstGeom prst="roundRect">
+              <a:avLst/>
+            </a:prstGeom>
+            <a:noFill/>
+            <a:ln w="25400">
+              <a:solidFill>
+                <a:schemeClr val="tx1"/>
+              </a:solidFill>
+            </a:ln>
+            <a:effectLst/>
+          </p:spPr>
+          <p:style>
+            <a:lnRef idx="1">
+              <a:schemeClr val="accent1"/>
+            </a:lnRef>
+            <a:fillRef idx="3">
+              <a:schemeClr val="accent1"/>
+            </a:fillRef>
+            <a:effectRef idx="2">
+              <a:schemeClr val="accent1"/>
+            </a:effectRef>
+            <a:fontRef idx="minor">
+              <a:schemeClr val="lt1"/>
+            </a:fontRef>
+          </p:style>
+          <p:txBody>
+            <a:bodyPr rtlCol="0" anchor="ctr"/>
+            <a:lstStyle/>
+            <a:p>
+              <a:r>
+                <a:rPr kumimoji="1" lang="ja-JP" altLang="en-US" sz="800" dirty="0" smtClean="0">
+                  <a:solidFill>
+                    <a:schemeClr val="tx1"/>
+                  </a:solidFill>
+                  <a:latin typeface="メイリオ"/>
+                  <a:ea typeface="メイリオ"/>
+                  <a:cs typeface="メイリオ"/>
+                </a:rPr>
+                <a:t>を含む</a:t>
+              </a:r>
+              <a:endParaRPr kumimoji="1" lang="ja-JP" altLang="en-US" sz="800" dirty="0">
+                <a:solidFill>
+                  <a:schemeClr val="tx1"/>
+                </a:solidFill>
+                <a:latin typeface="メイリオ"/>
+                <a:ea typeface="メイリオ"/>
+                <a:cs typeface="メイリオ"/>
+              </a:endParaRPr>
+            </a:p>
+          </p:txBody>
+        </p:sp>
+        <p:sp>
+          <p:nvSpPr>
+            <p:cNvPr id="204" name="二等辺三角形 203"/>
+            <p:cNvSpPr/>
+            <p:nvPr/>
+          </p:nvSpPr>
+          <p:spPr>
+            <a:xfrm rot="10800000">
+              <a:off x="4126021" y="1761549"/>
+              <a:ext cx="108000" cy="108000"/>
+            </a:xfrm>
+            <a:prstGeom prst="triangle">
+              <a:avLst/>
+            </a:prstGeom>
+            <a:solidFill>
+              <a:schemeClr val="tx1"/>
+            </a:solidFill>
+            <a:ln>
+              <a:noFill/>
+            </a:ln>
+            <a:effectLst/>
+          </p:spPr>
+          <p:style>
+            <a:lnRef idx="1">
+              <a:schemeClr val="accent1"/>
+            </a:lnRef>
+            <a:fillRef idx="3">
+              <a:schemeClr val="accent1"/>
+            </a:fillRef>
+            <a:effectRef idx="2">
+              <a:schemeClr val="accent1"/>
+            </a:effectRef>
+            <a:fontRef idx="minor">
+              <a:schemeClr val="lt1"/>
+            </a:fontRef>
+          </p:style>
+          <p:txBody>
+            <a:bodyPr rtlCol="0" anchor="ctr"/>
+            <a:lstStyle/>
+            <a:p>
+              <a:pPr algn="ctr"/>
+              <a:endParaRPr kumimoji="1" lang="ja-JP" altLang="en-US"/>
+            </a:p>
+          </p:txBody>
+        </p:sp>
+      </p:grpSp>
+      <p:sp>
+        <p:nvSpPr>
+          <p:cNvPr id="205" name="テキスト ボックス 204"/>
+          <p:cNvSpPr txBox="1"/>
+          <p:nvPr/>
+        </p:nvSpPr>
+        <p:spPr>
+          <a:xfrm>
+            <a:off x="3813143" y="1671715"/>
+            <a:ext cx="825867" cy="246221"/>
+          </a:xfrm>
+          <a:prstGeom prst="rect">
+            <a:avLst/>
+          </a:prstGeom>
+          <a:noFill/>
+        </p:spPr>
+        <p:txBody>
+          <a:bodyPr wrap="none" rtlCol="0">
+            <a:spAutoFit/>
+          </a:bodyPr>
+          <a:lstStyle/>
+          <a:p>
+            <a:r>
+              <a:rPr lang="ja-JP" altLang="en-US" sz="1000" dirty="0" smtClean="0">
+                <a:latin typeface="メイリオ"/>
+                <a:ea typeface="メイリオ"/>
+                <a:cs typeface="メイリオ"/>
+              </a:rPr>
+              <a:t>カテゴリ</a:t>
+            </a:r>
+            <a:r>
+              <a:rPr kumimoji="1" lang="ja-JP" altLang="en-US" sz="1000" dirty="0" smtClean="0">
+                <a:latin typeface="メイリオ"/>
+                <a:ea typeface="メイリオ"/>
+                <a:cs typeface="メイリオ"/>
+              </a:rPr>
+              <a:t>：</a:t>
+            </a:r>
+            <a:endParaRPr kumimoji="1" lang="ja-JP" altLang="en-US" sz="1000" dirty="0">
+              <a:latin typeface="メイリオ"/>
+              <a:ea typeface="メイリオ"/>
+              <a:cs typeface="メイリオ"/>
+            </a:endParaRPr>
+          </a:p>
+        </p:txBody>
+      </p:sp>
+      <p:sp>
+        <p:nvSpPr>
+          <p:cNvPr id="206" name="角丸四角形 205"/>
           <p:cNvSpPr/>
           <p:nvPr/>
         </p:nvSpPr>
         <p:spPr>
           <a:xfrm>
-            <a:off x="3877789" y="1722410"/>
-            <a:ext cx="602185" cy="165865"/>
+            <a:off x="4573905" y="1715149"/>
+            <a:ext cx="402504" cy="166902"/>
           </a:xfrm>
           <a:prstGeom prst="roundRect">
             <a:avLst/>
@@ -14257,112 +15392,50 @@
           <a:bodyPr rtlCol="0" anchor="ctr"/>
           <a:lstStyle/>
           <a:p>
-            <a:r>
-              <a:rPr kumimoji="1" lang="ja-JP" altLang="en-US" sz="800" dirty="0" smtClean="0">
-                <a:solidFill>
-                  <a:schemeClr val="tx1"/>
-                </a:solidFill>
+            <a:pPr algn="ctr"/>
+            <a:endParaRPr kumimoji="1" lang="ja-JP" altLang="en-US"/>
+          </a:p>
+        </p:txBody>
+      </p:sp>
+      <p:sp>
+        <p:nvSpPr>
+          <p:cNvPr id="207" name="テキスト ボックス 206"/>
+          <p:cNvSpPr txBox="1"/>
+          <p:nvPr/>
+        </p:nvSpPr>
+        <p:spPr>
+          <a:xfrm>
+            <a:off x="5303020" y="1672319"/>
+            <a:ext cx="569387" cy="246221"/>
+          </a:xfrm>
+          <a:prstGeom prst="rect">
+            <a:avLst/>
+          </a:prstGeom>
+          <a:noFill/>
+        </p:spPr>
+        <p:txBody>
+          <a:bodyPr wrap="none" rtlCol="0">
+            <a:spAutoFit/>
+          </a:bodyPr>
+          <a:lstStyle/>
+          <a:p>
+            <a:r>
+              <a:rPr lang="ja-JP" altLang="en-US" sz="1000" dirty="0" smtClean="0">
                 <a:latin typeface="メイリオ"/>
                 <a:ea typeface="メイリオ"/>
                 <a:cs typeface="メイリオ"/>
               </a:rPr>
-              <a:t>を含む</a:t>
-            </a:r>
-            <a:endParaRPr kumimoji="1" lang="ja-JP" altLang="en-US" sz="800" dirty="0">
-              <a:solidFill>
-                <a:schemeClr val="tx1"/>
-              </a:solidFill>
-              <a:latin typeface="メイリオ"/>
-              <a:ea typeface="メイリオ"/>
-              <a:cs typeface="メイリオ"/>
-            </a:endParaRPr>
-          </a:p>
-        </p:txBody>
-      </p:sp>
-      <p:sp>
-        <p:nvSpPr>
-          <p:cNvPr id="130" name="二等辺三角形 129"/>
-          <p:cNvSpPr/>
-          <p:nvPr/>
-        </p:nvSpPr>
-        <p:spPr>
-          <a:xfrm rot="10800000">
-            <a:off x="4322286" y="1761549"/>
-            <a:ext cx="108000" cy="108000"/>
-          </a:xfrm>
-          <a:prstGeom prst="triangle">
-            <a:avLst/>
-          </a:prstGeom>
-          <a:solidFill>
-            <a:schemeClr val="tx1"/>
-          </a:solidFill>
-          <a:ln>
-            <a:noFill/>
-          </a:ln>
-          <a:effectLst/>
-        </p:spPr>
-        <p:style>
-          <a:lnRef idx="1">
-            <a:schemeClr val="accent1"/>
-          </a:lnRef>
-          <a:fillRef idx="3">
-            <a:schemeClr val="accent1"/>
-          </a:fillRef>
-          <a:effectRef idx="2">
-            <a:schemeClr val="accent1"/>
-          </a:effectRef>
-          <a:fontRef idx="minor">
-            <a:schemeClr val="lt1"/>
-          </a:fontRef>
-        </p:style>
-        <p:txBody>
-          <a:bodyPr rtlCol="0" anchor="ctr"/>
-          <a:lstStyle/>
-          <a:p>
-            <a:pPr algn="ctr"/>
-            <a:endParaRPr kumimoji="1" lang="ja-JP" altLang="en-US"/>
-          </a:p>
-        </p:txBody>
-      </p:sp>
-      <p:sp>
-        <p:nvSpPr>
-          <p:cNvPr id="131" name="テキスト ボックス 130"/>
-          <p:cNvSpPr txBox="1"/>
-          <p:nvPr/>
-        </p:nvSpPr>
-        <p:spPr>
-          <a:xfrm>
-            <a:off x="4494298" y="1660170"/>
-            <a:ext cx="954107" cy="276999"/>
-          </a:xfrm>
-          <a:prstGeom prst="rect">
-            <a:avLst/>
-          </a:prstGeom>
-          <a:noFill/>
-        </p:spPr>
-        <p:txBody>
-          <a:bodyPr wrap="none" rtlCol="0">
-            <a:spAutoFit/>
-          </a:bodyPr>
-          <a:lstStyle/>
-          <a:p>
-            <a:r>
-              <a:rPr lang="ja-JP" altLang="en-US" sz="1200" dirty="0" smtClean="0">
-                <a:latin typeface="メイリオ"/>
-                <a:ea typeface="メイリオ"/>
-                <a:cs typeface="メイリオ"/>
-              </a:rPr>
-              <a:t>カテゴリ</a:t>
-            </a:r>
-            <a:r>
-              <a:rPr kumimoji="1" lang="ja-JP" altLang="en-US" sz="1200" dirty="0" smtClean="0">
+              <a:t>金額</a:t>
+            </a:r>
+            <a:r>
+              <a:rPr kumimoji="1" lang="ja-JP" altLang="en-US" sz="1000" dirty="0" smtClean="0">
                 <a:latin typeface="メイリオ"/>
                 <a:ea typeface="メイリオ"/>
                 <a:cs typeface="メイリオ"/>
               </a:rPr>
               <a:t>：</a:t>
             </a:r>
-            <a:endParaRPr kumimoji="1" lang="ja-JP" altLang="en-US" sz="1200" dirty="0">
+            <a:endParaRPr kumimoji="1" lang="ja-JP" altLang="en-US" sz="1000" dirty="0">
               <a:latin typeface="メイリオ"/>
               <a:ea typeface="メイリオ"/>
               <a:cs typeface="メイリオ"/>
@@ -14372,14 +15445,14 @@
       </p:sp>
       <p:sp>
         <p:nvSpPr>
-          <p:cNvPr id="132" name="角丸四角形 131"/>
+          <p:cNvPr id="208" name="角丸四角形 207"/>
           <p:cNvSpPr/>
           <p:nvPr/>
         </p:nvSpPr>
         <p:spPr>
           <a:xfrm>
-            <a:off x="5370510" y="1715149"/>
-            <a:ext cx="560480" cy="165946"/>
+            <a:off x="1741308" y="1715007"/>
+            <a:ext cx="352321" cy="158766"/>
           </a:xfrm>
           <a:prstGeom prst="roundRect">
             <a:avLst/>
@@ -14417,59 +15490,13 @@
       </p:sp>
       <p:sp>
         <p:nvSpPr>
-          <p:cNvPr id="133" name="テキスト ボックス 132"/>
-          <p:cNvSpPr txBox="1"/>
-          <p:nvPr/>
-        </p:nvSpPr>
-        <p:spPr>
-          <a:xfrm>
-            <a:off x="5949540" y="1649229"/>
-            <a:ext cx="646331" cy="276999"/>
-          </a:xfrm>
-          <a:prstGeom prst="rect">
-            <a:avLst/>
-          </a:prstGeom>
-          <a:noFill/>
-        </p:spPr>
-        <p:txBody>
-          <a:bodyPr wrap="none" rtlCol="0">
-            <a:spAutoFit/>
-          </a:bodyPr>
-          <a:lstStyle/>
-          <a:p>
-            <a:r>
-              <a:rPr lang="ja-JP" altLang="en-US" sz="1200" dirty="0" smtClean="0">
-                <a:latin typeface="メイリオ"/>
-                <a:ea typeface="メイリオ"/>
-                <a:cs typeface="メイリオ"/>
-              </a:rPr>
-              <a:t>金額</a:t>
-            </a:r>
-            <a:r>
-              <a:rPr kumimoji="1" lang="ja-JP" altLang="en-US" sz="1200" dirty="0" smtClean="0">
-                <a:latin typeface="メイリオ"/>
-                <a:ea typeface="メイリオ"/>
-                <a:cs typeface="メイリオ"/>
-              </a:rPr>
-              <a:t>：</a:t>
-            </a:r>
-            <a:endParaRPr kumimoji="1" lang="ja-JP" altLang="en-US" sz="1200" dirty="0">
-              <a:latin typeface="メイリオ"/>
-              <a:ea typeface="メイリオ"/>
-              <a:cs typeface="メイリオ"/>
-            </a:endParaRPr>
-          </a:p>
-        </p:txBody>
-      </p:sp>
-      <p:sp>
-        <p:nvSpPr>
-          <p:cNvPr id="134" name="角丸四角形 133"/>
+          <p:cNvPr id="209" name="角丸四角形 208"/>
           <p:cNvSpPr/>
           <p:nvPr/>
         </p:nvSpPr>
         <p:spPr>
           <a:xfrm>
-            <a:off x="2087658" y="1715007"/>
+            <a:off x="5797831" y="1723285"/>
             <a:ext cx="352321" cy="158766"/>
           </a:xfrm>
           <a:prstGeom prst="roundRect">
@@ -14508,13 +15535,51 @@
       </p:sp>
       <p:sp>
         <p:nvSpPr>
-          <p:cNvPr id="135" name="角丸四角形 134"/>
+          <p:cNvPr id="210" name="テキスト ボックス 209"/>
+          <p:cNvSpPr txBox="1"/>
+          <p:nvPr/>
+        </p:nvSpPr>
+        <p:spPr>
+          <a:xfrm>
+            <a:off x="6115307" y="1660522"/>
+            <a:ext cx="338554" cy="276999"/>
+          </a:xfrm>
+          <a:prstGeom prst="rect">
+            <a:avLst/>
+          </a:prstGeom>
+          <a:noFill/>
+        </p:spPr>
+        <p:txBody>
+          <a:bodyPr wrap="none" rtlCol="0">
+            <a:spAutoFit/>
+          </a:bodyPr>
+          <a:lstStyle/>
+          <a:p>
+            <a:r>
+              <a:rPr lang="en-US" altLang="en-US" sz="1200" dirty="0" smtClean="0">
+                <a:latin typeface="メイリオ"/>
+                <a:ea typeface="メイリオ"/>
+                <a:cs typeface="メイリオ"/>
+              </a:rPr>
+              <a:t>〜</a:t>
+            </a:r>
+            <a:endParaRPr kumimoji="1" lang="ja-JP" altLang="en-US" sz="1200" dirty="0">
+              <a:latin typeface="メイリオ"/>
+              <a:ea typeface="メイリオ"/>
+              <a:cs typeface="メイリオ"/>
+            </a:endParaRPr>
+          </a:p>
+        </p:txBody>
+      </p:sp>
+      <p:sp>
+        <p:nvSpPr>
+          <p:cNvPr id="211" name="角丸四角形 210"/>
           <p:cNvSpPr/>
           <p:nvPr/>
         </p:nvSpPr>
         <p:spPr>
           <a:xfrm>
-            <a:off x="6513621" y="1723285"/>
+            <a:off x="6416321" y="1715963"/>
             <a:ext cx="352321" cy="158766"/>
           </a:xfrm>
           <a:prstGeom prst="roundRect">
@@ -14553,52 +15618,14 @@
       </p:sp>
       <p:sp>
         <p:nvSpPr>
-          <p:cNvPr id="136" name="テキスト ボックス 135"/>
-          <p:cNvSpPr txBox="1"/>
-          <p:nvPr/>
-        </p:nvSpPr>
-        <p:spPr>
-          <a:xfrm>
-            <a:off x="6831097" y="1660522"/>
-            <a:ext cx="338554" cy="276999"/>
-          </a:xfrm>
-          <a:prstGeom prst="rect">
-            <a:avLst/>
-          </a:prstGeom>
-          <a:noFill/>
-        </p:spPr>
-        <p:txBody>
-          <a:bodyPr wrap="none" rtlCol="0">
-            <a:spAutoFit/>
-          </a:bodyPr>
-          <a:lstStyle/>
-          <a:p>
-            <a:r>
-              <a:rPr lang="en-US" altLang="en-US" sz="1200" dirty="0" smtClean="0">
-                <a:latin typeface="メイリオ"/>
-                <a:ea typeface="メイリオ"/>
-                <a:cs typeface="メイリオ"/>
-              </a:rPr>
-              <a:t>〜</a:t>
-            </a:r>
-            <a:endParaRPr kumimoji="1" lang="ja-JP" altLang="en-US" sz="1200" dirty="0">
-              <a:latin typeface="メイリオ"/>
-              <a:ea typeface="メイリオ"/>
-              <a:cs typeface="メイリオ"/>
-            </a:endParaRPr>
-          </a:p>
-        </p:txBody>
-      </p:sp>
-      <p:sp>
-        <p:nvSpPr>
-          <p:cNvPr id="137" name="角丸四角形 136"/>
+          <p:cNvPr id="212" name="角丸四角形 211"/>
           <p:cNvSpPr/>
           <p:nvPr/>
         </p:nvSpPr>
         <p:spPr>
           <a:xfrm>
-            <a:off x="7132111" y="1715963"/>
-            <a:ext cx="352321" cy="158766"/>
+            <a:off x="7931715" y="1685552"/>
+            <a:ext cx="529807" cy="231780"/>
           </a:xfrm>
           <a:prstGeom prst="roundRect">
             <a:avLst/>
@@ -14630,53 +15657,8 @@
           <a:lstStyle/>
           <a:p>
             <a:pPr algn="ctr"/>
-            <a:endParaRPr kumimoji="1" lang="ja-JP" altLang="en-US"/>
-          </a:p>
-        </p:txBody>
-      </p:sp>
-      <p:sp>
-        <p:nvSpPr>
-          <p:cNvPr id="138" name="角丸四角形 137"/>
-          <p:cNvSpPr/>
-          <p:nvPr/>
-        </p:nvSpPr>
-        <p:spPr>
-          <a:xfrm>
-            <a:off x="7553038" y="1639397"/>
-            <a:ext cx="550589" cy="299213"/>
-          </a:xfrm>
-          <a:prstGeom prst="roundRect">
-            <a:avLst/>
-          </a:prstGeom>
-          <a:noFill/>
-          <a:ln w="25400">
-            <a:solidFill>
-              <a:schemeClr val="tx1"/>
-            </a:solidFill>
-          </a:ln>
-          <a:effectLst/>
-        </p:spPr>
-        <p:style>
-          <a:lnRef idx="1">
-            <a:schemeClr val="accent1"/>
-          </a:lnRef>
-          <a:fillRef idx="3">
-            <a:schemeClr val="accent1"/>
-          </a:fillRef>
-          <a:effectRef idx="2">
-            <a:schemeClr val="accent1"/>
-          </a:effectRef>
-          <a:fontRef idx="minor">
-            <a:schemeClr val="lt1"/>
-          </a:fontRef>
-        </p:style>
-        <p:txBody>
-          <a:bodyPr rtlCol="0" anchor="ctr"/>
-          <a:lstStyle/>
-          <a:p>
-            <a:pPr algn="ctr"/>
-            <a:r>
-              <a:rPr lang="ja-JP" altLang="en-US" sz="1200" dirty="0" smtClean="0">
+            <a:r>
+              <a:rPr lang="ja-JP" altLang="en-US" sz="1000" dirty="0" smtClean="0">
                 <a:solidFill>
                   <a:schemeClr val="tx1"/>
                 </a:solidFill>
@@ -14686,7 +15668,7 @@
               </a:rPr>
               <a:t>検索</a:t>
             </a:r>
-            <a:endParaRPr kumimoji="1" lang="ja-JP" altLang="en-US" sz="1200" dirty="0">
+            <a:endParaRPr kumimoji="1" lang="ja-JP" altLang="en-US" sz="1000" dirty="0">
               <a:solidFill>
                 <a:schemeClr val="tx1"/>
               </a:solidFill>
@@ -14697,16 +15679,508 @@
           </a:p>
         </p:txBody>
       </p:sp>
-      <p:sp>
-        <p:nvSpPr>
-          <p:cNvPr id="139" name="正方形/長方形 138"/>
+      <p:grpSp>
+        <p:nvGrpSpPr>
+          <p:cNvPr id="213" name="図形グループ 212"/>
+          <p:cNvGrpSpPr/>
+          <p:nvPr/>
+        </p:nvGrpSpPr>
+        <p:grpSpPr>
+          <a:xfrm>
+            <a:off x="5017501" y="1715007"/>
+            <a:ext cx="280240" cy="165946"/>
+            <a:chOff x="4954166" y="1192639"/>
+            <a:chExt cx="280240" cy="165946"/>
+          </a:xfrm>
+        </p:grpSpPr>
+        <p:sp>
+          <p:nvSpPr>
+            <p:cNvPr id="214" name="角丸四角形 213"/>
+            <p:cNvSpPr/>
+            <p:nvPr/>
+          </p:nvSpPr>
+          <p:spPr>
+            <a:xfrm>
+              <a:off x="4954166" y="1192639"/>
+              <a:ext cx="280240" cy="165946"/>
+            </a:xfrm>
+            <a:prstGeom prst="roundRect">
+              <a:avLst/>
+            </a:prstGeom>
+            <a:noFill/>
+            <a:ln w="25400">
+              <a:solidFill>
+                <a:schemeClr val="tx1"/>
+              </a:solidFill>
+            </a:ln>
+            <a:effectLst/>
+          </p:spPr>
+          <p:style>
+            <a:lnRef idx="1">
+              <a:schemeClr val="accent1"/>
+            </a:lnRef>
+            <a:fillRef idx="3">
+              <a:schemeClr val="accent1"/>
+            </a:fillRef>
+            <a:effectRef idx="2">
+              <a:schemeClr val="accent1"/>
+            </a:effectRef>
+            <a:fontRef idx="minor">
+              <a:schemeClr val="lt1"/>
+            </a:fontRef>
+          </p:style>
+          <p:txBody>
+            <a:bodyPr rtlCol="0" anchor="ctr"/>
+            <a:lstStyle/>
+            <a:p>
+              <a:pPr algn="ctr"/>
+              <a:endParaRPr kumimoji="1" lang="ja-JP" altLang="en-US" sz="800" dirty="0">
+                <a:solidFill>
+                  <a:schemeClr val="tx1"/>
+                </a:solidFill>
+              </a:endParaRPr>
+            </a:p>
+          </p:txBody>
+        </p:sp>
+        <p:cxnSp>
+          <p:nvCxnSpPr>
+            <p:cNvPr id="215" name="直線コネクタ 214"/>
+            <p:cNvCxnSpPr/>
+            <p:nvPr/>
+          </p:nvCxnSpPr>
+          <p:spPr>
+            <a:xfrm>
+              <a:off x="5001261" y="1238058"/>
+              <a:ext cx="181196" cy="0"/>
+            </a:xfrm>
+            <a:prstGeom prst="line">
+              <a:avLst/>
+            </a:prstGeom>
+            <a:ln w="3175">
+              <a:solidFill>
+                <a:schemeClr val="tx1"/>
+              </a:solidFill>
+            </a:ln>
+          </p:spPr>
+          <p:style>
+            <a:lnRef idx="2">
+              <a:schemeClr val="accent1"/>
+            </a:lnRef>
+            <a:fillRef idx="0">
+              <a:schemeClr val="accent1"/>
+            </a:fillRef>
+            <a:effectRef idx="1">
+              <a:schemeClr val="accent1"/>
+            </a:effectRef>
+            <a:fontRef idx="minor">
+              <a:schemeClr val="tx1"/>
+            </a:fontRef>
+          </p:style>
+        </p:cxnSp>
+        <p:cxnSp>
+          <p:nvCxnSpPr>
+            <p:cNvPr id="216" name="直線コネクタ 215"/>
+            <p:cNvCxnSpPr/>
+            <p:nvPr/>
+          </p:nvCxnSpPr>
+          <p:spPr>
+            <a:xfrm>
+              <a:off x="5001261" y="1277697"/>
+              <a:ext cx="181196" cy="0"/>
+            </a:xfrm>
+            <a:prstGeom prst="line">
+              <a:avLst/>
+            </a:prstGeom>
+            <a:ln w="3175">
+              <a:solidFill>
+                <a:schemeClr val="tx1"/>
+              </a:solidFill>
+            </a:ln>
+          </p:spPr>
+          <p:style>
+            <a:lnRef idx="2">
+              <a:schemeClr val="accent1"/>
+            </a:lnRef>
+            <a:fillRef idx="0">
+              <a:schemeClr val="accent1"/>
+            </a:fillRef>
+            <a:effectRef idx="1">
+              <a:schemeClr val="accent1"/>
+            </a:effectRef>
+            <a:fontRef idx="minor">
+              <a:schemeClr val="tx1"/>
+            </a:fontRef>
+          </p:style>
+        </p:cxnSp>
+        <p:cxnSp>
+          <p:nvCxnSpPr>
+            <p:cNvPr id="217" name="直線コネクタ 216"/>
+            <p:cNvCxnSpPr/>
+            <p:nvPr/>
+          </p:nvCxnSpPr>
+          <p:spPr>
+            <a:xfrm>
+              <a:off x="5003884" y="1310793"/>
+              <a:ext cx="181196" cy="0"/>
+            </a:xfrm>
+            <a:prstGeom prst="line">
+              <a:avLst/>
+            </a:prstGeom>
+            <a:ln w="3175">
+              <a:solidFill>
+                <a:schemeClr val="tx1"/>
+              </a:solidFill>
+            </a:ln>
+          </p:spPr>
+          <p:style>
+            <a:lnRef idx="2">
+              <a:schemeClr val="accent1"/>
+            </a:lnRef>
+            <a:fillRef idx="0">
+              <a:schemeClr val="accent1"/>
+            </a:fillRef>
+            <a:effectRef idx="1">
+              <a:schemeClr val="accent1"/>
+            </a:effectRef>
+            <a:fontRef idx="minor">
+              <a:schemeClr val="tx1"/>
+            </a:fontRef>
+          </p:style>
+        </p:cxnSp>
+      </p:grpSp>
+      <p:sp>
+        <p:nvSpPr>
+          <p:cNvPr id="218" name="テキスト ボックス 217"/>
+          <p:cNvSpPr txBox="1"/>
+          <p:nvPr/>
+        </p:nvSpPr>
+        <p:spPr>
+          <a:xfrm>
+            <a:off x="5772888" y="1141779"/>
+            <a:ext cx="441146" cy="246221"/>
+          </a:xfrm>
+          <a:prstGeom prst="rect">
+            <a:avLst/>
+          </a:prstGeom>
+          <a:noFill/>
+        </p:spPr>
+        <p:txBody>
+          <a:bodyPr wrap="none" rtlCol="0">
+            <a:spAutoFit/>
+          </a:bodyPr>
+          <a:lstStyle/>
+          <a:p>
+            <a:r>
+              <a:rPr lang="en-US" altLang="en-US" sz="1000" dirty="0" smtClean="0">
+                <a:latin typeface="メイリオ"/>
+                <a:ea typeface="メイリオ"/>
+                <a:cs typeface="メイリオ"/>
+              </a:rPr>
+              <a:t>収入</a:t>
+            </a:r>
+            <a:endParaRPr kumimoji="1" lang="ja-JP" altLang="en-US" sz="1000" dirty="0">
+              <a:latin typeface="メイリオ"/>
+              <a:ea typeface="メイリオ"/>
+              <a:cs typeface="メイリオ"/>
+            </a:endParaRPr>
+          </a:p>
+        </p:txBody>
+      </p:sp>
+      <p:sp>
+        <p:nvSpPr>
+          <p:cNvPr id="219" name="テキスト ボックス 218"/>
+          <p:cNvSpPr txBox="1"/>
+          <p:nvPr/>
+        </p:nvSpPr>
+        <p:spPr>
+          <a:xfrm>
+            <a:off x="6327496" y="1133027"/>
+            <a:ext cx="441146" cy="246221"/>
+          </a:xfrm>
+          <a:prstGeom prst="rect">
+            <a:avLst/>
+          </a:prstGeom>
+          <a:noFill/>
+        </p:spPr>
+        <p:txBody>
+          <a:bodyPr wrap="none" rtlCol="0">
+            <a:spAutoFit/>
+          </a:bodyPr>
+          <a:lstStyle/>
+          <a:p>
+            <a:r>
+              <a:rPr lang="ja-JP" altLang="en-US" sz="1000" dirty="0" smtClean="0">
+                <a:latin typeface="メイリオ"/>
+                <a:ea typeface="メイリオ"/>
+                <a:cs typeface="メイリオ"/>
+              </a:rPr>
+              <a:t>支出</a:t>
+            </a:r>
+            <a:endParaRPr kumimoji="1" lang="ja-JP" altLang="en-US" sz="1000" dirty="0">
+              <a:latin typeface="メイリオ"/>
+              <a:ea typeface="メイリオ"/>
+              <a:cs typeface="メイリオ"/>
+            </a:endParaRPr>
+          </a:p>
+        </p:txBody>
+      </p:sp>
+      <p:sp>
+        <p:nvSpPr>
+          <p:cNvPr id="220" name="円/楕円 219"/>
           <p:cNvSpPr/>
           <p:nvPr/>
         </p:nvSpPr>
         <p:spPr>
-          <a:xfrm>
-            <a:off x="785584" y="937497"/>
-            <a:ext cx="7575640" cy="5541817"/>
+          <a:xfrm flipH="1">
+            <a:off x="6164699" y="1187777"/>
+            <a:ext cx="162796" cy="157651"/>
+          </a:xfrm>
+          <a:prstGeom prst="ellipse">
+            <a:avLst/>
+          </a:prstGeom>
+          <a:noFill/>
+          <a:ln w="38100">
+            <a:solidFill>
+              <a:schemeClr val="tx1"/>
+            </a:solidFill>
+          </a:ln>
+          <a:effectLst/>
+        </p:spPr>
+        <p:style>
+          <a:lnRef idx="1">
+            <a:schemeClr val="accent1"/>
+          </a:lnRef>
+          <a:fillRef idx="3">
+            <a:schemeClr val="accent1"/>
+          </a:fillRef>
+          <a:effectRef idx="2">
+            <a:schemeClr val="accent1"/>
+          </a:effectRef>
+          <a:fontRef idx="minor">
+            <a:schemeClr val="lt1"/>
+          </a:fontRef>
+        </p:style>
+        <p:txBody>
+          <a:bodyPr rtlCol="0" anchor="ctr"/>
+          <a:lstStyle/>
+          <a:p>
+            <a:pPr algn="ctr"/>
+            <a:endParaRPr kumimoji="1" lang="ja-JP" altLang="en-US"/>
+          </a:p>
+        </p:txBody>
+      </p:sp>
+      <p:sp>
+        <p:nvSpPr>
+          <p:cNvPr id="221" name="円/楕円 220"/>
+          <p:cNvSpPr/>
+          <p:nvPr/>
+        </p:nvSpPr>
+        <p:spPr>
+          <a:xfrm flipH="1">
+            <a:off x="6734007" y="1190624"/>
+            <a:ext cx="162796" cy="157651"/>
+          </a:xfrm>
+          <a:prstGeom prst="ellipse">
+            <a:avLst/>
+          </a:prstGeom>
+          <a:noFill/>
+          <a:ln w="38100">
+            <a:solidFill>
+              <a:schemeClr val="tx1"/>
+            </a:solidFill>
+          </a:ln>
+          <a:effectLst/>
+        </p:spPr>
+        <p:style>
+          <a:lnRef idx="1">
+            <a:schemeClr val="accent1"/>
+          </a:lnRef>
+          <a:fillRef idx="3">
+            <a:schemeClr val="accent1"/>
+          </a:fillRef>
+          <a:effectRef idx="2">
+            <a:schemeClr val="accent1"/>
+          </a:effectRef>
+          <a:fontRef idx="minor">
+            <a:schemeClr val="lt1"/>
+          </a:fontRef>
+        </p:style>
+        <p:txBody>
+          <a:bodyPr rtlCol="0" anchor="ctr"/>
+          <a:lstStyle/>
+          <a:p>
+            <a:pPr algn="ctr"/>
+            <a:endParaRPr kumimoji="1" lang="ja-JP" altLang="en-US"/>
+          </a:p>
+        </p:txBody>
+      </p:sp>
+      <p:grpSp>
+        <p:nvGrpSpPr>
+          <p:cNvPr id="222" name="図形グループ 221"/>
+          <p:cNvGrpSpPr/>
+          <p:nvPr/>
+        </p:nvGrpSpPr>
+        <p:grpSpPr>
+          <a:xfrm>
+            <a:off x="7244601" y="1714972"/>
+            <a:ext cx="519922" cy="154577"/>
+            <a:chOff x="3729152" y="1722410"/>
+            <a:chExt cx="519922" cy="154577"/>
+          </a:xfrm>
+        </p:grpSpPr>
+        <p:sp>
+          <p:nvSpPr>
+            <p:cNvPr id="223" name="角丸四角形 222"/>
+            <p:cNvSpPr/>
+            <p:nvPr/>
+          </p:nvSpPr>
+          <p:spPr>
+            <a:xfrm>
+              <a:off x="3729152" y="1722410"/>
+              <a:ext cx="519922" cy="154577"/>
+            </a:xfrm>
+            <a:prstGeom prst="roundRect">
+              <a:avLst/>
+            </a:prstGeom>
+            <a:noFill/>
+            <a:ln w="25400">
+              <a:solidFill>
+                <a:schemeClr val="tx1"/>
+              </a:solidFill>
+            </a:ln>
+            <a:effectLst/>
+          </p:spPr>
+          <p:style>
+            <a:lnRef idx="1">
+              <a:schemeClr val="accent1"/>
+            </a:lnRef>
+            <a:fillRef idx="3">
+              <a:schemeClr val="accent1"/>
+            </a:fillRef>
+            <a:effectRef idx="2">
+              <a:schemeClr val="accent1"/>
+            </a:effectRef>
+            <a:fontRef idx="minor">
+              <a:schemeClr val="lt1"/>
+            </a:fontRef>
+          </p:style>
+          <p:txBody>
+            <a:bodyPr rtlCol="0" anchor="ctr"/>
+            <a:lstStyle/>
+            <a:p>
+              <a:endParaRPr kumimoji="1" lang="ja-JP" altLang="en-US" sz="800" dirty="0">
+                <a:solidFill>
+                  <a:schemeClr val="tx1"/>
+                </a:solidFill>
+                <a:latin typeface="メイリオ"/>
+                <a:ea typeface="メイリオ"/>
+                <a:cs typeface="メイリオ"/>
+              </a:endParaRPr>
+            </a:p>
+          </p:txBody>
+        </p:sp>
+        <p:sp>
+          <p:nvSpPr>
+            <p:cNvPr id="224" name="二等辺三角形 223"/>
+            <p:cNvSpPr/>
+            <p:nvPr/>
+          </p:nvSpPr>
+          <p:spPr>
+            <a:xfrm rot="10800000">
+              <a:off x="4102931" y="1761549"/>
+              <a:ext cx="108000" cy="108000"/>
+            </a:xfrm>
+            <a:prstGeom prst="triangle">
+              <a:avLst/>
+            </a:prstGeom>
+            <a:solidFill>
+              <a:schemeClr val="tx1"/>
+            </a:solidFill>
+            <a:ln>
+              <a:noFill/>
+            </a:ln>
+            <a:effectLst/>
+          </p:spPr>
+          <p:style>
+            <a:lnRef idx="1">
+              <a:schemeClr val="accent1"/>
+            </a:lnRef>
+            <a:fillRef idx="3">
+              <a:schemeClr val="accent1"/>
+            </a:fillRef>
+            <a:effectRef idx="2">
+              <a:schemeClr val="accent1"/>
+            </a:effectRef>
+            <a:fontRef idx="minor">
+              <a:schemeClr val="lt1"/>
+            </a:fontRef>
+          </p:style>
+          <p:txBody>
+            <a:bodyPr rtlCol="0" anchor="ctr"/>
+            <a:lstStyle/>
+            <a:p>
+              <a:pPr algn="ctr"/>
+              <a:endParaRPr kumimoji="1" lang="ja-JP" altLang="en-US"/>
+            </a:p>
+          </p:txBody>
+        </p:sp>
+      </p:grpSp>
+      <p:sp>
+        <p:nvSpPr>
+          <p:cNvPr id="225" name="テキスト ボックス 224"/>
+          <p:cNvSpPr txBox="1"/>
+          <p:nvPr/>
+        </p:nvSpPr>
+        <p:spPr>
+          <a:xfrm>
+            <a:off x="6756029" y="1672856"/>
+            <a:ext cx="569387" cy="246221"/>
+          </a:xfrm>
+          <a:prstGeom prst="rect">
+            <a:avLst/>
+          </a:prstGeom>
+          <a:noFill/>
+        </p:spPr>
+        <p:txBody>
+          <a:bodyPr wrap="none" rtlCol="0">
+            <a:spAutoFit/>
+          </a:bodyPr>
+          <a:lstStyle/>
+          <a:p>
+            <a:r>
+              <a:rPr kumimoji="1" lang="ja-JP" altLang="en-US" sz="1000" dirty="0" smtClean="0">
+                <a:latin typeface="メイリオ"/>
+                <a:ea typeface="メイリオ"/>
+                <a:cs typeface="メイリオ"/>
+              </a:rPr>
+              <a:t>種類</a:t>
+            </a:r>
+            <a:r>
+              <a:rPr kumimoji="1" lang="ja-JP" altLang="en-US" sz="1000" dirty="0" smtClean="0">
+                <a:latin typeface="メイリオ"/>
+                <a:ea typeface="メイリオ"/>
+                <a:cs typeface="メイリオ"/>
+              </a:rPr>
+              <a:t>：</a:t>
+            </a:r>
+            <a:endParaRPr kumimoji="1" lang="ja-JP" altLang="en-US" sz="1000" dirty="0">
+              <a:latin typeface="メイリオ"/>
+              <a:ea typeface="メイリオ"/>
+              <a:cs typeface="メイリオ"/>
+            </a:endParaRPr>
+          </a:p>
+        </p:txBody>
+      </p:sp>
+      <p:sp>
+        <p:nvSpPr>
+          <p:cNvPr id="226" name="正方形/長方形 225"/>
+          <p:cNvSpPr/>
+          <p:nvPr/>
+        </p:nvSpPr>
+        <p:spPr>
+          <a:xfrm>
+            <a:off x="529279" y="937497"/>
+            <a:ext cx="8095186" cy="5541817"/>
           </a:xfrm>
           <a:prstGeom prst="rect">
             <a:avLst/>
@@ -14794,7 +16268,7 @@
       </p:sp>
       <p:grpSp>
         <p:nvGrpSpPr>
-          <p:cNvPr id="6" name="図形グループ 5"/>
+          <p:cNvPr id="188" name="図形グループ 187"/>
           <p:cNvGrpSpPr/>
           <p:nvPr/>
         </p:nvGrpSpPr>
@@ -14808,7 +16282,7 @@
         </p:grpSpPr>
         <p:sp>
           <p:nvSpPr>
-            <p:cNvPr id="2" name="角丸四角形 1"/>
+            <p:cNvPr id="189" name="角丸四角形 188"/>
             <p:cNvSpPr/>
             <p:nvPr/>
           </p:nvSpPr>
@@ -14854,7 +16328,7 @@
         </p:sp>
         <p:sp>
           <p:nvSpPr>
-            <p:cNvPr id="26" name="角丸四角形 25"/>
+            <p:cNvPr id="190" name="角丸四角形 189"/>
             <p:cNvSpPr/>
             <p:nvPr/>
           </p:nvSpPr>
@@ -14954,7 +16428,7 @@
         </p:sp>
         <p:sp>
           <p:nvSpPr>
-            <p:cNvPr id="27" name="角丸四角形 26"/>
+            <p:cNvPr id="191" name="角丸四角形 190"/>
             <p:cNvSpPr/>
             <p:nvPr/>
           </p:nvSpPr>
@@ -15022,7 +16496,7 @@
         </p:sp>
         <p:cxnSp>
           <p:nvCxnSpPr>
-            <p:cNvPr id="40" name="直線コネクタ 39"/>
+            <p:cNvPr id="192" name="直線コネクタ 191"/>
             <p:cNvCxnSpPr/>
             <p:nvPr/>
           </p:nvCxnSpPr>
@@ -15060,7 +16534,7 @@
         </p:cxnSp>
         <p:cxnSp>
           <p:nvCxnSpPr>
-            <p:cNvPr id="43" name="直線コネクタ 42"/>
+            <p:cNvPr id="193" name="直線コネクタ 192"/>
             <p:cNvCxnSpPr/>
             <p:nvPr/>
           </p:nvCxnSpPr>
@@ -15098,7 +16572,7 @@
         </p:cxnSp>
         <p:sp>
           <p:nvSpPr>
-            <p:cNvPr id="44" name="テキスト ボックス 43"/>
+            <p:cNvPr id="194" name="テキスト ボックス 193"/>
             <p:cNvSpPr txBox="1"/>
             <p:nvPr/>
           </p:nvSpPr>
@@ -15167,14 +16641,14 @@
       </p:grpSpPr>
       <p:graphicFrame>
         <p:nvGraphicFramePr>
-          <p:cNvPr id="53" name="表 52"/>
+          <p:cNvPr id="102" name="表 101"/>
           <p:cNvGraphicFramePr>
             <a:graphicFrameLocks noGrp="1"/>
           </p:cNvGraphicFramePr>
           <p:nvPr>
             <p:extLst>
               <p:ext uri="{D42A27DB-BD31-4B8C-83A1-F6EECF244321}">
-                <p14:modId xmlns:p14="http://schemas.microsoft.com/office/powerpoint/2010/main" val="456833480"/>
+                <p14:modId xmlns:p14="http://schemas.microsoft.com/office/powerpoint/2010/main" val="3705858149"/>
               </p:ext>
             </p:extLst>
           </p:nvPr>
@@ -15669,14 +17143,14 @@
       </p:graphicFrame>
       <p:sp>
         <p:nvSpPr>
-          <p:cNvPr id="55" name="正方形/長方形 54"/>
+          <p:cNvPr id="103" name="正方形/長方形 102"/>
           <p:cNvSpPr/>
           <p:nvPr/>
         </p:nvSpPr>
         <p:spPr>
           <a:xfrm>
-            <a:off x="783269" y="935182"/>
-            <a:ext cx="7575640" cy="5541817"/>
+            <a:off x="529279" y="935182"/>
+            <a:ext cx="8095186" cy="5541817"/>
           </a:xfrm>
           <a:prstGeom prst="rect">
             <a:avLst/>
@@ -15721,13 +17195,13 @@
       </p:sp>
       <p:sp>
         <p:nvSpPr>
-          <p:cNvPr id="56" name="角丸四角形 55"/>
+          <p:cNvPr id="104" name="角丸四角形 103"/>
           <p:cNvSpPr/>
           <p:nvPr/>
         </p:nvSpPr>
         <p:spPr>
           <a:xfrm>
-            <a:off x="1469168" y="1187601"/>
+            <a:off x="1111273" y="1187601"/>
             <a:ext cx="562830" cy="165946"/>
           </a:xfrm>
           <a:prstGeom prst="roundRect">
@@ -15766,14 +17240,14 @@
       </p:sp>
       <p:sp>
         <p:nvSpPr>
-          <p:cNvPr id="57" name="テキスト ボックス 56"/>
+          <p:cNvPr id="105" name="テキスト ボックス 104"/>
           <p:cNvSpPr txBox="1"/>
           <p:nvPr/>
         </p:nvSpPr>
         <p:spPr>
           <a:xfrm>
-            <a:off x="890993" y="1114621"/>
-            <a:ext cx="646331" cy="276999"/>
+            <a:off x="590823" y="1136452"/>
+            <a:ext cx="569387" cy="246221"/>
           </a:xfrm>
           <a:prstGeom prst="rect">
             <a:avLst/>
@@ -15787,14 +17261,14 @@
           <a:lstStyle/>
           <a:p>
             <a:r>
-              <a:rPr kumimoji="1" lang="ja-JP" altLang="en-US" sz="1200" dirty="0" smtClean="0">
+              <a:rPr kumimoji="1" lang="ja-JP" altLang="en-US" sz="1000" dirty="0" smtClean="0">
                 <a:latin typeface="メイリオ"/>
                 <a:ea typeface="メイリオ"/>
                 <a:cs typeface="メイリオ"/>
               </a:rPr>
               <a:t>日付：</a:t>
             </a:r>
-            <a:endParaRPr kumimoji="1" lang="ja-JP" altLang="en-US" sz="1200" dirty="0">
+            <a:endParaRPr kumimoji="1" lang="ja-JP" altLang="en-US" sz="1000" dirty="0">
               <a:latin typeface="メイリオ"/>
               <a:ea typeface="メイリオ"/>
               <a:cs typeface="メイリオ"/>
@@ -15804,13 +17278,13 @@
       </p:sp>
       <p:sp>
         <p:nvSpPr>
-          <p:cNvPr id="58" name="角丸四角形 57"/>
+          <p:cNvPr id="106" name="角丸四角形 105"/>
           <p:cNvSpPr/>
           <p:nvPr/>
         </p:nvSpPr>
         <p:spPr>
           <a:xfrm>
-            <a:off x="2646774" y="1187601"/>
+            <a:off x="2208064" y="1187601"/>
             <a:ext cx="797002" cy="165946"/>
           </a:xfrm>
           <a:prstGeom prst="roundRect">
@@ -15849,14 +17323,14 @@
       </p:sp>
       <p:sp>
         <p:nvSpPr>
-          <p:cNvPr id="59" name="テキスト ボックス 58"/>
+          <p:cNvPr id="107" name="テキスト ボックス 106"/>
           <p:cNvSpPr txBox="1"/>
           <p:nvPr/>
         </p:nvSpPr>
         <p:spPr>
           <a:xfrm>
-            <a:off x="2046815" y="1111063"/>
-            <a:ext cx="646331" cy="276999"/>
+            <a:off x="1698033" y="1133027"/>
+            <a:ext cx="569387" cy="246221"/>
           </a:xfrm>
           <a:prstGeom prst="rect">
             <a:avLst/>
@@ -15870,7 +17344,7 @@
           <a:lstStyle/>
           <a:p>
             <a:r>
-              <a:rPr lang="ja-JP" altLang="en-US" sz="1200" dirty="0" smtClean="0">
+              <a:rPr lang="ja-JP" altLang="en-US" sz="1000" dirty="0" smtClean="0">
                 <a:latin typeface="メイリオ"/>
                 <a:ea typeface="メイリオ"/>
                 <a:cs typeface="メイリオ"/>
@@ -15878,14 +17352,14 @@
               <a:t>内容</a:t>
             </a:r>
             <a:r>
-              <a:rPr kumimoji="1" lang="ja-JP" altLang="en-US" sz="1200" dirty="0" smtClean="0">
+              <a:rPr kumimoji="1" lang="ja-JP" altLang="en-US" sz="1000" dirty="0" smtClean="0">
                 <a:latin typeface="メイリオ"/>
                 <a:ea typeface="メイリオ"/>
                 <a:cs typeface="メイリオ"/>
               </a:rPr>
               <a:t>：</a:t>
             </a:r>
-            <a:endParaRPr kumimoji="1" lang="ja-JP" altLang="en-US" sz="1200" dirty="0">
+            <a:endParaRPr kumimoji="1" lang="ja-JP" altLang="en-US" sz="1000" dirty="0">
               <a:latin typeface="メイリオ"/>
               <a:ea typeface="メイリオ"/>
               <a:cs typeface="メイリオ"/>
@@ -15895,13 +17369,13 @@
       </p:sp>
       <p:sp>
         <p:nvSpPr>
-          <p:cNvPr id="60" name="角丸四角形 59"/>
+          <p:cNvPr id="108" name="角丸四角形 107"/>
           <p:cNvSpPr/>
           <p:nvPr/>
         </p:nvSpPr>
         <p:spPr>
           <a:xfrm>
-            <a:off x="4346659" y="1187601"/>
+            <a:off x="3780954" y="1187601"/>
             <a:ext cx="560480" cy="165946"/>
           </a:xfrm>
           <a:prstGeom prst="roundRect">
@@ -15940,14 +17414,14 @@
       </p:sp>
       <p:sp>
         <p:nvSpPr>
-          <p:cNvPr id="61" name="テキスト ボックス 60"/>
+          <p:cNvPr id="109" name="テキスト ボックス 108"/>
           <p:cNvSpPr txBox="1"/>
           <p:nvPr/>
         </p:nvSpPr>
         <p:spPr>
           <a:xfrm>
-            <a:off x="3461822" y="1118689"/>
-            <a:ext cx="954107" cy="276999"/>
+            <a:off x="3011567" y="1141779"/>
+            <a:ext cx="825867" cy="246221"/>
           </a:xfrm>
           <a:prstGeom prst="rect">
             <a:avLst/>
@@ -15961,7 +17435,7 @@
           <a:lstStyle/>
           <a:p>
             <a:r>
-              <a:rPr lang="ja-JP" altLang="en-US" sz="1200" dirty="0" smtClean="0">
+              <a:rPr lang="ja-JP" altLang="en-US" sz="1000" dirty="0" smtClean="0">
                 <a:latin typeface="メイリオ"/>
                 <a:ea typeface="メイリオ"/>
                 <a:cs typeface="メイリオ"/>
@@ -15969,14 +17443,14 @@
               <a:t>カテゴリ</a:t>
             </a:r>
             <a:r>
-              <a:rPr kumimoji="1" lang="ja-JP" altLang="en-US" sz="1200" dirty="0" smtClean="0">
+              <a:rPr kumimoji="1" lang="ja-JP" altLang="en-US" sz="1000" dirty="0" smtClean="0">
                 <a:latin typeface="メイリオ"/>
                 <a:ea typeface="メイリオ"/>
                 <a:cs typeface="メイリオ"/>
               </a:rPr>
               <a:t>：</a:t>
             </a:r>
-            <a:endParaRPr kumimoji="1" lang="ja-JP" altLang="en-US" sz="1200" dirty="0">
+            <a:endParaRPr kumimoji="1" lang="ja-JP" altLang="en-US" sz="1000" dirty="0">
               <a:latin typeface="メイリオ"/>
               <a:ea typeface="メイリオ"/>
               <a:cs typeface="メイリオ"/>
@@ -15986,13 +17460,13 @@
       </p:sp>
       <p:sp>
         <p:nvSpPr>
-          <p:cNvPr id="62" name="角丸四角形 61"/>
+          <p:cNvPr id="110" name="角丸四角形 109"/>
           <p:cNvSpPr/>
           <p:nvPr/>
         </p:nvSpPr>
         <p:spPr>
           <a:xfrm>
-            <a:off x="5799922" y="1187601"/>
+            <a:off x="5211127" y="1187601"/>
             <a:ext cx="561630" cy="165946"/>
           </a:xfrm>
           <a:prstGeom prst="roundRect">
@@ -16031,14 +17505,14 @@
       </p:sp>
       <p:sp>
         <p:nvSpPr>
-          <p:cNvPr id="63" name="テキスト ボックス 62"/>
+          <p:cNvPr id="111" name="テキスト ボックス 110"/>
           <p:cNvSpPr txBox="1"/>
           <p:nvPr/>
         </p:nvSpPr>
         <p:spPr>
           <a:xfrm>
-            <a:off x="5234406" y="1128924"/>
-            <a:ext cx="646331" cy="276999"/>
+            <a:off x="4691791" y="1152014"/>
+            <a:ext cx="569387" cy="246221"/>
           </a:xfrm>
           <a:prstGeom prst="rect">
             <a:avLst/>
@@ -16052,7 +17526,7 @@
           <a:lstStyle/>
           <a:p>
             <a:r>
-              <a:rPr lang="ja-JP" altLang="en-US" sz="1200" dirty="0" smtClean="0">
+              <a:rPr lang="ja-JP" altLang="en-US" sz="1000" dirty="0" smtClean="0">
                 <a:latin typeface="メイリオ"/>
                 <a:ea typeface="メイリオ"/>
                 <a:cs typeface="メイリオ"/>
@@ -16060,14 +17534,14 @@
               <a:t>金額</a:t>
             </a:r>
             <a:r>
-              <a:rPr kumimoji="1" lang="ja-JP" altLang="en-US" sz="1200" dirty="0" smtClean="0">
+              <a:rPr kumimoji="1" lang="ja-JP" altLang="en-US" sz="1000" dirty="0" smtClean="0">
                 <a:latin typeface="メイリオ"/>
                 <a:ea typeface="メイリオ"/>
                 <a:cs typeface="メイリオ"/>
               </a:rPr>
               <a:t>：</a:t>
             </a:r>
-            <a:endParaRPr kumimoji="1" lang="ja-JP" altLang="en-US" sz="1200" dirty="0">
+            <a:endParaRPr kumimoji="1" lang="ja-JP" altLang="en-US" sz="1000" dirty="0">
               <a:latin typeface="メイリオ"/>
               <a:ea typeface="メイリオ"/>
               <a:cs typeface="メイリオ"/>
@@ -16077,14 +17551,14 @@
       </p:sp>
       <p:sp>
         <p:nvSpPr>
-          <p:cNvPr id="64" name="角丸四角形 63"/>
+          <p:cNvPr id="112" name="角丸四角形 111"/>
           <p:cNvSpPr/>
           <p:nvPr/>
         </p:nvSpPr>
         <p:spPr>
           <a:xfrm>
-            <a:off x="6515245" y="1118689"/>
-            <a:ext cx="550589" cy="299213"/>
+            <a:off x="6989782" y="1153142"/>
+            <a:ext cx="550589" cy="234858"/>
           </a:xfrm>
           <a:prstGeom prst="roundRect">
             <a:avLst/>
@@ -16117,7 +17591,7 @@
           <a:p>
             <a:pPr algn="ctr"/>
             <a:r>
-              <a:rPr kumimoji="1" lang="ja-JP" altLang="en-US" sz="1200" dirty="0" smtClean="0">
+              <a:rPr kumimoji="1" lang="ja-JP" altLang="en-US" sz="1000" dirty="0" smtClean="0">
                 <a:solidFill>
                   <a:schemeClr val="tx1"/>
                 </a:solidFill>
@@ -16127,7 +17601,7 @@
               </a:rPr>
               <a:t>登録</a:t>
             </a:r>
-            <a:endParaRPr kumimoji="1" lang="ja-JP" altLang="en-US" sz="1200" dirty="0">
+            <a:endParaRPr kumimoji="1" lang="ja-JP" altLang="en-US" sz="1000" dirty="0">
               <a:solidFill>
                 <a:schemeClr val="tx1"/>
               </a:solidFill>
@@ -16140,14 +17614,14 @@
       </p:sp>
       <p:cxnSp>
         <p:nvCxnSpPr>
-          <p:cNvPr id="65" name="直線コネクタ 64"/>
+          <p:cNvPr id="113" name="直線コネクタ 112"/>
           <p:cNvCxnSpPr/>
           <p:nvPr/>
         </p:nvCxnSpPr>
         <p:spPr>
           <a:xfrm>
-            <a:off x="923931" y="1547091"/>
-            <a:ext cx="7250251" cy="0"/>
+            <a:off x="658396" y="1547091"/>
+            <a:ext cx="7827513" cy="0"/>
           </a:xfrm>
           <a:prstGeom prst="line">
             <a:avLst/>
@@ -16178,7 +17652,7 @@
       </p:cxnSp>
       <p:sp>
         <p:nvSpPr>
-          <p:cNvPr id="66" name="テキスト ボックス 65"/>
+          <p:cNvPr id="114" name="テキスト ボックス 113"/>
           <p:cNvSpPr txBox="1"/>
           <p:nvPr/>
         </p:nvSpPr>
@@ -16216,7 +17690,7 @@
       </p:sp>
       <p:sp>
         <p:nvSpPr>
-          <p:cNvPr id="67" name="テキスト ボックス 66"/>
+          <p:cNvPr id="115" name="テキスト ボックス 114"/>
           <p:cNvSpPr txBox="1"/>
           <p:nvPr/>
         </p:nvSpPr>
@@ -16254,7 +17728,7 @@
       </p:sp>
       <p:sp>
         <p:nvSpPr>
-          <p:cNvPr id="68" name="テキスト ボックス 67"/>
+          <p:cNvPr id="116" name="テキスト ボックス 115"/>
           <p:cNvSpPr txBox="1"/>
           <p:nvPr/>
         </p:nvSpPr>
@@ -16292,7 +17766,7 @@
       </p:sp>
       <p:sp>
         <p:nvSpPr>
-          <p:cNvPr id="69" name="二等辺三角形 68"/>
+          <p:cNvPr id="117" name="二等辺三角形 116"/>
           <p:cNvSpPr/>
           <p:nvPr/>
         </p:nvSpPr>
@@ -16337,7 +17811,7 @@
       </p:sp>
       <p:sp>
         <p:nvSpPr>
-          <p:cNvPr id="70" name="二等辺三角形 69"/>
+          <p:cNvPr id="118" name="二等辺三角形 117"/>
           <p:cNvSpPr/>
           <p:nvPr/>
         </p:nvSpPr>
@@ -16382,7 +17856,7 @@
       </p:sp>
       <p:sp>
         <p:nvSpPr>
-          <p:cNvPr id="102" name="テキスト ボックス 101"/>
+          <p:cNvPr id="119" name="テキスト ボックス 118"/>
           <p:cNvSpPr txBox="1"/>
           <p:nvPr/>
         </p:nvSpPr>
@@ -16420,7 +17894,7 @@
       </p:sp>
       <p:sp>
         <p:nvSpPr>
-          <p:cNvPr id="103" name="テキスト ボックス 102"/>
+          <p:cNvPr id="120" name="テキスト ボックス 119"/>
           <p:cNvSpPr txBox="1"/>
           <p:nvPr/>
         </p:nvSpPr>
@@ -16514,7 +17988,7 @@
       </p:sp>
       <p:sp>
         <p:nvSpPr>
-          <p:cNvPr id="104" name="二等辺三角形 103"/>
+          <p:cNvPr id="121" name="二等辺三角形 120"/>
           <p:cNvSpPr/>
           <p:nvPr/>
         </p:nvSpPr>
@@ -16559,7 +18033,7 @@
       </p:sp>
       <p:sp>
         <p:nvSpPr>
-          <p:cNvPr id="105" name="二等辺三角形 104"/>
+          <p:cNvPr id="122" name="二等辺三角形 121"/>
           <p:cNvSpPr/>
           <p:nvPr/>
         </p:nvSpPr>
@@ -16604,7 +18078,7 @@
       </p:sp>
       <p:sp>
         <p:nvSpPr>
-          <p:cNvPr id="106" name="二等辺三角形 105"/>
+          <p:cNvPr id="123" name="二等辺三角形 122"/>
           <p:cNvSpPr/>
           <p:nvPr/>
         </p:nvSpPr>
@@ -16649,7 +18123,7 @@
       </p:sp>
       <p:sp>
         <p:nvSpPr>
-          <p:cNvPr id="107" name="二等辺三角形 106"/>
+          <p:cNvPr id="124" name="二等辺三角形 123"/>
           <p:cNvSpPr/>
           <p:nvPr/>
         </p:nvSpPr>
@@ -16694,14 +18168,14 @@
       </p:sp>
       <p:sp>
         <p:nvSpPr>
-          <p:cNvPr id="108" name="角丸四角形 107"/>
+          <p:cNvPr id="125" name="角丸四角形 124"/>
           <p:cNvSpPr/>
           <p:nvPr/>
         </p:nvSpPr>
         <p:spPr>
           <a:xfrm>
-            <a:off x="7239002" y="1121482"/>
-            <a:ext cx="864625" cy="299213"/>
+            <a:off x="7621284" y="1153142"/>
+            <a:ext cx="864625" cy="233094"/>
           </a:xfrm>
           <a:prstGeom prst="roundRect">
             <a:avLst/>
@@ -16734,7 +18208,7 @@
           <a:p>
             <a:pPr algn="ctr"/>
             <a:r>
-              <a:rPr lang="en-US" altLang="en-US" sz="1200" dirty="0" smtClean="0">
+              <a:rPr lang="en-US" altLang="en-US" sz="1000" dirty="0" smtClean="0">
                 <a:solidFill>
                   <a:schemeClr val="tx1"/>
                 </a:solidFill>
@@ -16744,7 +18218,7 @@
               </a:rPr>
               <a:t>リセット</a:t>
             </a:r>
-            <a:endParaRPr kumimoji="1" lang="ja-JP" altLang="en-US" sz="1200" dirty="0">
+            <a:endParaRPr kumimoji="1" lang="ja-JP" altLang="en-US" sz="1000" dirty="0">
               <a:solidFill>
                 <a:schemeClr val="tx1"/>
               </a:solidFill>
@@ -16757,7 +18231,7 @@
       </p:sp>
       <p:pic>
         <p:nvPicPr>
-          <p:cNvPr id="109" name="図 108" descr="trash.png"/>
+          <p:cNvPr id="126" name="図 125" descr="trash.png"/>
           <p:cNvPicPr>
             <a:picLocks noChangeAspect="1"/>
           </p:cNvPicPr>
@@ -16787,7 +18261,7 @@
       </p:pic>
       <p:pic>
         <p:nvPicPr>
-          <p:cNvPr id="110" name="図 109" descr="trash.png"/>
+          <p:cNvPr id="127" name="図 126" descr="trash.png"/>
           <p:cNvPicPr>
             <a:picLocks noChangeAspect="1"/>
           </p:cNvPicPr>
@@ -16817,7 +18291,7 @@
       </p:pic>
       <p:pic>
         <p:nvPicPr>
-          <p:cNvPr id="111" name="図 110" descr="trash.png"/>
+          <p:cNvPr id="128" name="図 127" descr="trash.png"/>
           <p:cNvPicPr>
             <a:picLocks noChangeAspect="1"/>
           </p:cNvPicPr>
@@ -16847,7 +18321,7 @@
       </p:pic>
       <p:pic>
         <p:nvPicPr>
-          <p:cNvPr id="112" name="図 111" descr="trash.png"/>
+          <p:cNvPr id="129" name="図 128" descr="trash.png"/>
           <p:cNvPicPr>
             <a:picLocks noChangeAspect="1"/>
           </p:cNvPicPr>
@@ -16877,7 +18351,7 @@
       </p:pic>
       <p:pic>
         <p:nvPicPr>
-          <p:cNvPr id="113" name="図 112" descr="trash.png"/>
+          <p:cNvPr id="130" name="図 129" descr="trash.png"/>
           <p:cNvPicPr>
             <a:picLocks noChangeAspect="1"/>
           </p:cNvPicPr>
@@ -16907,7 +18381,7 @@
       </p:pic>
       <p:pic>
         <p:nvPicPr>
-          <p:cNvPr id="114" name="図 113" descr="trash.png"/>
+          <p:cNvPr id="131" name="図 130" descr="trash.png"/>
           <p:cNvPicPr>
             <a:picLocks noChangeAspect="1"/>
           </p:cNvPicPr>
@@ -16937,7 +18411,7 @@
       </p:pic>
       <p:pic>
         <p:nvPicPr>
-          <p:cNvPr id="115" name="図 114" descr="trash.png"/>
+          <p:cNvPr id="132" name="図 131" descr="trash.png"/>
           <p:cNvPicPr>
             <a:picLocks noChangeAspect="1"/>
           </p:cNvPicPr>
@@ -16967,7 +18441,7 @@
       </p:pic>
       <p:pic>
         <p:nvPicPr>
-          <p:cNvPr id="116" name="図 115" descr="trash.png"/>
+          <p:cNvPr id="133" name="図 132" descr="trash.png"/>
           <p:cNvPicPr>
             <a:picLocks noChangeAspect="1"/>
           </p:cNvPicPr>
@@ -16997,7 +18471,7 @@
       </p:pic>
       <p:pic>
         <p:nvPicPr>
-          <p:cNvPr id="117" name="図 116" descr="trash.png"/>
+          <p:cNvPr id="134" name="図 133" descr="trash.png"/>
           <p:cNvPicPr>
             <a:picLocks noChangeAspect="1"/>
           </p:cNvPicPr>
@@ -17027,7 +18501,7 @@
       </p:pic>
       <p:pic>
         <p:nvPicPr>
-          <p:cNvPr id="118" name="図 117" descr="trash.png"/>
+          <p:cNvPr id="135" name="図 134" descr="trash.png"/>
           <p:cNvPicPr>
             <a:picLocks noChangeAspect="1"/>
           </p:cNvPicPr>
@@ -17055,170 +18529,185 @@
           </a:prstGeom>
         </p:spPr>
       </p:pic>
-      <p:sp>
-        <p:nvSpPr>
-          <p:cNvPr id="119" name="角丸四角形 118"/>
-          <p:cNvSpPr/>
-          <p:nvPr/>
-        </p:nvSpPr>
-        <p:spPr>
-          <a:xfrm>
-            <a:off x="4954166" y="1192639"/>
+      <p:grpSp>
+        <p:nvGrpSpPr>
+          <p:cNvPr id="136" name="図形グループ 135"/>
+          <p:cNvGrpSpPr/>
+          <p:nvPr/>
+        </p:nvGrpSpPr>
+        <p:grpSpPr>
+          <a:xfrm>
+            <a:off x="4388461" y="1192639"/>
             <a:ext cx="280240" cy="165946"/>
-          </a:xfrm>
-          <a:prstGeom prst="roundRect">
-            <a:avLst/>
-          </a:prstGeom>
-          <a:noFill/>
-          <a:ln w="25400">
-            <a:solidFill>
-              <a:schemeClr val="tx1"/>
-            </a:solidFill>
-          </a:ln>
-          <a:effectLst/>
-        </p:spPr>
-        <p:style>
-          <a:lnRef idx="1">
-            <a:schemeClr val="accent1"/>
-          </a:lnRef>
-          <a:fillRef idx="3">
-            <a:schemeClr val="accent1"/>
-          </a:fillRef>
-          <a:effectRef idx="2">
-            <a:schemeClr val="accent1"/>
-          </a:effectRef>
-          <a:fontRef idx="minor">
-            <a:schemeClr val="lt1"/>
-          </a:fontRef>
-        </p:style>
-        <p:txBody>
-          <a:bodyPr rtlCol="0" anchor="ctr"/>
-          <a:lstStyle/>
-          <a:p>
-            <a:pPr algn="ctr"/>
-            <a:endParaRPr kumimoji="1" lang="ja-JP" altLang="en-US" sz="800" dirty="0">
+            <a:chOff x="4954166" y="1192639"/>
+            <a:chExt cx="280240" cy="165946"/>
+          </a:xfrm>
+        </p:grpSpPr>
+        <p:sp>
+          <p:nvSpPr>
+            <p:cNvPr id="137" name="角丸四角形 136"/>
+            <p:cNvSpPr/>
+            <p:nvPr/>
+          </p:nvSpPr>
+          <p:spPr>
+            <a:xfrm>
+              <a:off x="4954166" y="1192639"/>
+              <a:ext cx="280240" cy="165946"/>
+            </a:xfrm>
+            <a:prstGeom prst="roundRect">
+              <a:avLst/>
+            </a:prstGeom>
+            <a:noFill/>
+            <a:ln w="25400">
               <a:solidFill>
                 <a:schemeClr val="tx1"/>
               </a:solidFill>
-            </a:endParaRPr>
-          </a:p>
-        </p:txBody>
-      </p:sp>
+            </a:ln>
+            <a:effectLst/>
+          </p:spPr>
+          <p:style>
+            <a:lnRef idx="1">
+              <a:schemeClr val="accent1"/>
+            </a:lnRef>
+            <a:fillRef idx="3">
+              <a:schemeClr val="accent1"/>
+            </a:fillRef>
+            <a:effectRef idx="2">
+              <a:schemeClr val="accent1"/>
+            </a:effectRef>
+            <a:fontRef idx="minor">
+              <a:schemeClr val="lt1"/>
+            </a:fontRef>
+          </p:style>
+          <p:txBody>
+            <a:bodyPr rtlCol="0" anchor="ctr"/>
+            <a:lstStyle/>
+            <a:p>
+              <a:pPr algn="ctr"/>
+              <a:endParaRPr kumimoji="1" lang="ja-JP" altLang="en-US" sz="800" dirty="0">
+                <a:solidFill>
+                  <a:schemeClr val="tx1"/>
+                </a:solidFill>
+              </a:endParaRPr>
+            </a:p>
+          </p:txBody>
+        </p:sp>
+        <p:cxnSp>
+          <p:nvCxnSpPr>
+            <p:cNvPr id="138" name="直線コネクタ 137"/>
+            <p:cNvCxnSpPr/>
+            <p:nvPr/>
+          </p:nvCxnSpPr>
+          <p:spPr>
+            <a:xfrm>
+              <a:off x="5001261" y="1238058"/>
+              <a:ext cx="181196" cy="0"/>
+            </a:xfrm>
+            <a:prstGeom prst="line">
+              <a:avLst/>
+            </a:prstGeom>
+            <a:ln w="3175">
+              <a:solidFill>
+                <a:schemeClr val="tx1"/>
+              </a:solidFill>
+            </a:ln>
+          </p:spPr>
+          <p:style>
+            <a:lnRef idx="2">
+              <a:schemeClr val="accent1"/>
+            </a:lnRef>
+            <a:fillRef idx="0">
+              <a:schemeClr val="accent1"/>
+            </a:fillRef>
+            <a:effectRef idx="1">
+              <a:schemeClr val="accent1"/>
+            </a:effectRef>
+            <a:fontRef idx="minor">
+              <a:schemeClr val="tx1"/>
+            </a:fontRef>
+          </p:style>
+        </p:cxnSp>
+        <p:cxnSp>
+          <p:nvCxnSpPr>
+            <p:cNvPr id="139" name="直線コネクタ 138"/>
+            <p:cNvCxnSpPr/>
+            <p:nvPr/>
+          </p:nvCxnSpPr>
+          <p:spPr>
+            <a:xfrm>
+              <a:off x="5001261" y="1277697"/>
+              <a:ext cx="181196" cy="0"/>
+            </a:xfrm>
+            <a:prstGeom prst="line">
+              <a:avLst/>
+            </a:prstGeom>
+            <a:ln w="3175">
+              <a:solidFill>
+                <a:schemeClr val="tx1"/>
+              </a:solidFill>
+            </a:ln>
+          </p:spPr>
+          <p:style>
+            <a:lnRef idx="2">
+              <a:schemeClr val="accent1"/>
+            </a:lnRef>
+            <a:fillRef idx="0">
+              <a:schemeClr val="accent1"/>
+            </a:fillRef>
+            <a:effectRef idx="1">
+              <a:schemeClr val="accent1"/>
+            </a:effectRef>
+            <a:fontRef idx="minor">
+              <a:schemeClr val="tx1"/>
+            </a:fontRef>
+          </p:style>
+        </p:cxnSp>
+        <p:cxnSp>
+          <p:nvCxnSpPr>
+            <p:cNvPr id="185" name="直線コネクタ 184"/>
+            <p:cNvCxnSpPr/>
+            <p:nvPr/>
+          </p:nvCxnSpPr>
+          <p:spPr>
+            <a:xfrm>
+              <a:off x="5003884" y="1310793"/>
+              <a:ext cx="181196" cy="0"/>
+            </a:xfrm>
+            <a:prstGeom prst="line">
+              <a:avLst/>
+            </a:prstGeom>
+            <a:ln w="3175">
+              <a:solidFill>
+                <a:schemeClr val="tx1"/>
+              </a:solidFill>
+            </a:ln>
+          </p:spPr>
+          <p:style>
+            <a:lnRef idx="2">
+              <a:schemeClr val="accent1"/>
+            </a:lnRef>
+            <a:fillRef idx="0">
+              <a:schemeClr val="accent1"/>
+            </a:fillRef>
+            <a:effectRef idx="1">
+              <a:schemeClr val="accent1"/>
+            </a:effectRef>
+            <a:fontRef idx="minor">
+              <a:schemeClr val="tx1"/>
+            </a:fontRef>
+          </p:style>
+        </p:cxnSp>
+      </p:grpSp>
       <p:cxnSp>
         <p:nvCxnSpPr>
-          <p:cNvPr id="120" name="直線コネクタ 119"/>
+          <p:cNvPr id="186" name="直線コネクタ 185"/>
           <p:cNvCxnSpPr/>
           <p:nvPr/>
         </p:nvCxnSpPr>
         <p:spPr>
           <a:xfrm>
-            <a:off x="5001261" y="1238058"/>
-            <a:ext cx="181196" cy="0"/>
-          </a:xfrm>
-          <a:prstGeom prst="line">
-            <a:avLst/>
-          </a:prstGeom>
-          <a:ln w="3175">
-            <a:solidFill>
-              <a:schemeClr val="tx1"/>
-            </a:solidFill>
-          </a:ln>
-        </p:spPr>
-        <p:style>
-          <a:lnRef idx="2">
-            <a:schemeClr val="accent1"/>
-          </a:lnRef>
-          <a:fillRef idx="0">
-            <a:schemeClr val="accent1"/>
-          </a:fillRef>
-          <a:effectRef idx="1">
-            <a:schemeClr val="accent1"/>
-          </a:effectRef>
-          <a:fontRef idx="minor">
-            <a:schemeClr val="tx1"/>
-          </a:fontRef>
-        </p:style>
-      </p:cxnSp>
-      <p:cxnSp>
-        <p:nvCxnSpPr>
-          <p:cNvPr id="121" name="直線コネクタ 120"/>
-          <p:cNvCxnSpPr/>
-          <p:nvPr/>
-        </p:nvCxnSpPr>
-        <p:spPr>
-          <a:xfrm>
-            <a:off x="5001261" y="1277697"/>
-            <a:ext cx="181196" cy="0"/>
-          </a:xfrm>
-          <a:prstGeom prst="line">
-            <a:avLst/>
-          </a:prstGeom>
-          <a:ln w="3175">
-            <a:solidFill>
-              <a:schemeClr val="tx1"/>
-            </a:solidFill>
-          </a:ln>
-        </p:spPr>
-        <p:style>
-          <a:lnRef idx="2">
-            <a:schemeClr val="accent1"/>
-          </a:lnRef>
-          <a:fillRef idx="0">
-            <a:schemeClr val="accent1"/>
-          </a:fillRef>
-          <a:effectRef idx="1">
-            <a:schemeClr val="accent1"/>
-          </a:effectRef>
-          <a:fontRef idx="minor">
-            <a:schemeClr val="tx1"/>
-          </a:fontRef>
-        </p:style>
-      </p:cxnSp>
-      <p:cxnSp>
-        <p:nvCxnSpPr>
-          <p:cNvPr id="122" name="直線コネクタ 121"/>
-          <p:cNvCxnSpPr/>
-          <p:nvPr/>
-        </p:nvCxnSpPr>
-        <p:spPr>
-          <a:xfrm>
-            <a:off x="5003884" y="1310793"/>
-            <a:ext cx="181196" cy="0"/>
-          </a:xfrm>
-          <a:prstGeom prst="line">
-            <a:avLst/>
-          </a:prstGeom>
-          <a:ln w="3175">
-            <a:solidFill>
-              <a:schemeClr val="tx1"/>
-            </a:solidFill>
-          </a:ln>
-        </p:spPr>
-        <p:style>
-          <a:lnRef idx="2">
-            <a:schemeClr val="accent1"/>
-          </a:lnRef>
-          <a:fillRef idx="0">
-            <a:schemeClr val="accent1"/>
-          </a:fillRef>
-          <a:effectRef idx="1">
-            <a:schemeClr val="accent1"/>
-          </a:effectRef>
-          <a:fontRef idx="minor">
-            <a:schemeClr val="tx1"/>
-          </a:fontRef>
-        </p:style>
-      </p:cxnSp>
-      <p:cxnSp>
-        <p:nvCxnSpPr>
-          <p:cNvPr id="123" name="直線コネクタ 122"/>
-          <p:cNvCxnSpPr/>
-          <p:nvPr/>
-        </p:nvCxnSpPr>
-        <p:spPr>
-          <a:xfrm>
-            <a:off x="923931" y="2034307"/>
-            <a:ext cx="7250251" cy="0"/>
+            <a:off x="658396" y="2034307"/>
+            <a:ext cx="7827513" cy="0"/>
           </a:xfrm>
           <a:prstGeom prst="line">
             <a:avLst/>
@@ -17249,14 +18738,14 @@
       </p:cxnSp>
       <p:sp>
         <p:nvSpPr>
-          <p:cNvPr id="124" name="テキスト ボックス 123"/>
+          <p:cNvPr id="187" name="テキスト ボックス 186"/>
           <p:cNvSpPr txBox="1"/>
           <p:nvPr/>
         </p:nvSpPr>
         <p:spPr>
           <a:xfrm>
-            <a:off x="890993" y="1659566"/>
-            <a:ext cx="646331" cy="276999"/>
+            <a:off x="590823" y="1671111"/>
+            <a:ext cx="569387" cy="246221"/>
           </a:xfrm>
           <a:prstGeom prst="rect">
             <a:avLst/>
@@ -17270,14 +18759,14 @@
           <a:lstStyle/>
           <a:p>
             <a:r>
-              <a:rPr kumimoji="1" lang="ja-JP" altLang="en-US" sz="1200" dirty="0" smtClean="0">
+              <a:rPr kumimoji="1" lang="ja-JP" altLang="en-US" sz="1000" dirty="0" smtClean="0">
                 <a:latin typeface="メイリオ"/>
                 <a:ea typeface="メイリオ"/>
                 <a:cs typeface="メイリオ"/>
               </a:rPr>
               <a:t>日付：</a:t>
             </a:r>
-            <a:endParaRPr kumimoji="1" lang="ja-JP" altLang="en-US" sz="1200" dirty="0">
+            <a:endParaRPr kumimoji="1" lang="ja-JP" altLang="en-US" sz="1000" dirty="0">
               <a:latin typeface="メイリオ"/>
               <a:ea typeface="メイリオ"/>
               <a:cs typeface="メイリオ"/>
@@ -17287,13 +18776,13 @@
       </p:sp>
       <p:sp>
         <p:nvSpPr>
-          <p:cNvPr id="125" name="角丸四角形 124"/>
+          <p:cNvPr id="188" name="角丸四角形 187"/>
           <p:cNvSpPr/>
           <p:nvPr/>
         </p:nvSpPr>
         <p:spPr>
           <a:xfrm>
-            <a:off x="1469168" y="1722329"/>
+            <a:off x="1099728" y="1722329"/>
             <a:ext cx="352321" cy="158766"/>
           </a:xfrm>
           <a:prstGeom prst="roundRect">
@@ -17332,13 +18821,13 @@
       </p:sp>
       <p:sp>
         <p:nvSpPr>
-          <p:cNvPr id="126" name="テキスト ボックス 125"/>
+          <p:cNvPr id="189" name="テキスト ボックス 188"/>
           <p:cNvSpPr txBox="1"/>
           <p:nvPr/>
         </p:nvSpPr>
         <p:spPr>
           <a:xfrm>
-            <a:off x="1786644" y="1659566"/>
+            <a:off x="1417204" y="1659566"/>
             <a:ext cx="338554" cy="276999"/>
           </a:xfrm>
           <a:prstGeom prst="rect">
@@ -17370,14 +18859,14 @@
       </p:sp>
       <p:sp>
         <p:nvSpPr>
-          <p:cNvPr id="127" name="テキスト ボックス 126"/>
+          <p:cNvPr id="190" name="テキスト ボックス 189"/>
           <p:cNvSpPr txBox="1"/>
           <p:nvPr/>
         </p:nvSpPr>
         <p:spPr>
           <a:xfrm>
-            <a:off x="2465123" y="1656944"/>
-            <a:ext cx="646331" cy="276999"/>
+            <a:off x="2107228" y="1668489"/>
+            <a:ext cx="569387" cy="246221"/>
           </a:xfrm>
           <a:prstGeom prst="rect">
             <a:avLst/>
@@ -17391,7 +18880,7 @@
           <a:lstStyle/>
           <a:p>
             <a:r>
-              <a:rPr lang="ja-JP" altLang="en-US" sz="1200" dirty="0" smtClean="0">
+              <a:rPr lang="ja-JP" altLang="en-US" sz="1000" dirty="0" smtClean="0">
                 <a:latin typeface="メイリオ"/>
                 <a:ea typeface="メイリオ"/>
                 <a:cs typeface="メイリオ"/>
@@ -17399,14 +18888,14 @@
               <a:t>内容</a:t>
             </a:r>
             <a:r>
-              <a:rPr kumimoji="1" lang="ja-JP" altLang="en-US" sz="1200" dirty="0" smtClean="0">
+              <a:rPr kumimoji="1" lang="ja-JP" altLang="en-US" sz="1000" dirty="0" smtClean="0">
                 <a:latin typeface="メイリオ"/>
                 <a:ea typeface="メイリオ"/>
                 <a:cs typeface="メイリオ"/>
               </a:rPr>
               <a:t>：</a:t>
             </a:r>
-            <a:endParaRPr kumimoji="1" lang="ja-JP" altLang="en-US" sz="1200" dirty="0">
+            <a:endParaRPr kumimoji="1" lang="ja-JP" altLang="en-US" sz="1000" dirty="0">
               <a:latin typeface="メイリオ"/>
               <a:ea typeface="メイリオ"/>
               <a:cs typeface="メイリオ"/>
@@ -17416,14 +18905,14 @@
       </p:sp>
       <p:sp>
         <p:nvSpPr>
-          <p:cNvPr id="128" name="角丸四角形 127"/>
+          <p:cNvPr id="191" name="角丸四角形 190"/>
           <p:cNvSpPr/>
           <p:nvPr/>
         </p:nvSpPr>
         <p:spPr>
           <a:xfrm>
-            <a:off x="3034657" y="1720187"/>
-            <a:ext cx="797002" cy="165946"/>
+            <a:off x="2607492" y="1720187"/>
+            <a:ext cx="536114" cy="149362"/>
           </a:xfrm>
           <a:prstGeom prst="roundRect">
             <a:avLst/>
@@ -17459,16 +18948,184 @@
           </a:p>
         </p:txBody>
       </p:sp>
-      <p:sp>
-        <p:nvSpPr>
-          <p:cNvPr id="129" name="角丸四角形 128"/>
+      <p:grpSp>
+        <p:nvGrpSpPr>
+          <p:cNvPr id="192" name="図形グループ 191"/>
+          <p:cNvGrpSpPr/>
+          <p:nvPr/>
+        </p:nvGrpSpPr>
+        <p:grpSpPr>
+          <a:xfrm>
+            <a:off x="3219724" y="1710865"/>
+            <a:ext cx="602185" cy="165865"/>
+            <a:chOff x="3681524" y="1722410"/>
+            <a:chExt cx="602185" cy="165865"/>
+          </a:xfrm>
+        </p:grpSpPr>
+        <p:sp>
+          <p:nvSpPr>
+            <p:cNvPr id="193" name="角丸四角形 192"/>
+            <p:cNvSpPr/>
+            <p:nvPr/>
+          </p:nvSpPr>
+          <p:spPr>
+            <a:xfrm>
+              <a:off x="3681524" y="1722410"/>
+              <a:ext cx="602185" cy="165865"/>
+            </a:xfrm>
+            <a:prstGeom prst="roundRect">
+              <a:avLst/>
+            </a:prstGeom>
+            <a:noFill/>
+            <a:ln w="25400">
+              <a:solidFill>
+                <a:schemeClr val="tx1"/>
+              </a:solidFill>
+            </a:ln>
+            <a:effectLst/>
+          </p:spPr>
+          <p:style>
+            <a:lnRef idx="1">
+              <a:schemeClr val="accent1"/>
+            </a:lnRef>
+            <a:fillRef idx="3">
+              <a:schemeClr val="accent1"/>
+            </a:fillRef>
+            <a:effectRef idx="2">
+              <a:schemeClr val="accent1"/>
+            </a:effectRef>
+            <a:fontRef idx="minor">
+              <a:schemeClr val="lt1"/>
+            </a:fontRef>
+          </p:style>
+          <p:txBody>
+            <a:bodyPr rtlCol="0" anchor="ctr"/>
+            <a:lstStyle/>
+            <a:p>
+              <a:r>
+                <a:rPr kumimoji="1" lang="ja-JP" altLang="en-US" sz="800" dirty="0" smtClean="0">
+                  <a:solidFill>
+                    <a:schemeClr val="tx1"/>
+                  </a:solidFill>
+                  <a:latin typeface="メイリオ"/>
+                  <a:ea typeface="メイリオ"/>
+                  <a:cs typeface="メイリオ"/>
+                </a:rPr>
+                <a:t>を含む</a:t>
+              </a:r>
+              <a:endParaRPr kumimoji="1" lang="ja-JP" altLang="en-US" sz="800" dirty="0">
+                <a:solidFill>
+                  <a:schemeClr val="tx1"/>
+                </a:solidFill>
+                <a:latin typeface="メイリオ"/>
+                <a:ea typeface="メイリオ"/>
+                <a:cs typeface="メイリオ"/>
+              </a:endParaRPr>
+            </a:p>
+          </p:txBody>
+        </p:sp>
+        <p:sp>
+          <p:nvSpPr>
+            <p:cNvPr id="194" name="二等辺三角形 193"/>
+            <p:cNvSpPr/>
+            <p:nvPr/>
+          </p:nvSpPr>
+          <p:spPr>
+            <a:xfrm rot="10800000">
+              <a:off x="4126021" y="1761549"/>
+              <a:ext cx="108000" cy="108000"/>
+            </a:xfrm>
+            <a:prstGeom prst="triangle">
+              <a:avLst/>
+            </a:prstGeom>
+            <a:solidFill>
+              <a:schemeClr val="tx1"/>
+            </a:solidFill>
+            <a:ln>
+              <a:noFill/>
+            </a:ln>
+            <a:effectLst/>
+          </p:spPr>
+          <p:style>
+            <a:lnRef idx="1">
+              <a:schemeClr val="accent1"/>
+            </a:lnRef>
+            <a:fillRef idx="3">
+              <a:schemeClr val="accent1"/>
+            </a:fillRef>
+            <a:effectRef idx="2">
+              <a:schemeClr val="accent1"/>
+            </a:effectRef>
+            <a:fontRef idx="minor">
+              <a:schemeClr val="lt1"/>
+            </a:fontRef>
+          </p:style>
+          <p:txBody>
+            <a:bodyPr rtlCol="0" anchor="ctr"/>
+            <a:lstStyle/>
+            <a:p>
+              <a:pPr algn="ctr"/>
+              <a:endParaRPr kumimoji="1" lang="ja-JP" altLang="en-US"/>
+            </a:p>
+          </p:txBody>
+        </p:sp>
+      </p:grpSp>
+      <p:sp>
+        <p:nvSpPr>
+          <p:cNvPr id="195" name="テキスト ボックス 194"/>
+          <p:cNvSpPr txBox="1"/>
+          <p:nvPr/>
+        </p:nvSpPr>
+        <p:spPr>
+          <a:xfrm>
+            <a:off x="3813143" y="1671715"/>
+            <a:ext cx="825867" cy="246221"/>
+          </a:xfrm>
+          <a:prstGeom prst="rect">
+            <a:avLst/>
+          </a:prstGeom>
+          <a:noFill/>
+        </p:spPr>
+        <p:txBody>
+          <a:bodyPr wrap="none" rtlCol="0">
+            <a:spAutoFit/>
+          </a:bodyPr>
+          <a:lstStyle/>
+          <a:p>
+            <a:r>
+              <a:rPr lang="ja-JP" altLang="en-US" sz="1000" dirty="0" smtClean="0">
+                <a:latin typeface="メイリオ"/>
+                <a:ea typeface="メイリオ"/>
+                <a:cs typeface="メイリオ"/>
+              </a:rPr>
+              <a:t>カテゴリ</a:t>
+            </a:r>
+            <a:r>
+              <a:rPr kumimoji="1" lang="ja-JP" altLang="en-US" sz="1000" dirty="0" smtClean="0">
+                <a:latin typeface="メイリオ"/>
+                <a:ea typeface="メイリオ"/>
+                <a:cs typeface="メイリオ"/>
+              </a:rPr>
+              <a:t>：</a:t>
+            </a:r>
+            <a:endParaRPr kumimoji="1" lang="ja-JP" altLang="en-US" sz="1000" dirty="0">
+              <a:latin typeface="メイリオ"/>
+              <a:ea typeface="メイリオ"/>
+              <a:cs typeface="メイリオ"/>
+            </a:endParaRPr>
+          </a:p>
+        </p:txBody>
+      </p:sp>
+      <p:sp>
+        <p:nvSpPr>
+          <p:cNvPr id="196" name="角丸四角形 195"/>
           <p:cNvSpPr/>
           <p:nvPr/>
         </p:nvSpPr>
         <p:spPr>
           <a:xfrm>
-            <a:off x="3877789" y="1722410"/>
-            <a:ext cx="602185" cy="165865"/>
+            <a:off x="4573905" y="1715149"/>
+            <a:ext cx="402504" cy="166902"/>
           </a:xfrm>
           <a:prstGeom prst="roundRect">
             <a:avLst/>
@@ -17499,112 +19156,50 @@
           <a:bodyPr rtlCol="0" anchor="ctr"/>
           <a:lstStyle/>
           <a:p>
-            <a:r>
-              <a:rPr kumimoji="1" lang="ja-JP" altLang="en-US" sz="800" dirty="0" smtClean="0">
-                <a:solidFill>
-                  <a:schemeClr val="tx1"/>
-                </a:solidFill>
+            <a:pPr algn="ctr"/>
+            <a:endParaRPr kumimoji="1" lang="ja-JP" altLang="en-US"/>
+          </a:p>
+        </p:txBody>
+      </p:sp>
+      <p:sp>
+        <p:nvSpPr>
+          <p:cNvPr id="197" name="テキスト ボックス 196"/>
+          <p:cNvSpPr txBox="1"/>
+          <p:nvPr/>
+        </p:nvSpPr>
+        <p:spPr>
+          <a:xfrm>
+            <a:off x="5303020" y="1672319"/>
+            <a:ext cx="569387" cy="246221"/>
+          </a:xfrm>
+          <a:prstGeom prst="rect">
+            <a:avLst/>
+          </a:prstGeom>
+          <a:noFill/>
+        </p:spPr>
+        <p:txBody>
+          <a:bodyPr wrap="none" rtlCol="0">
+            <a:spAutoFit/>
+          </a:bodyPr>
+          <a:lstStyle/>
+          <a:p>
+            <a:r>
+              <a:rPr lang="ja-JP" altLang="en-US" sz="1000" dirty="0" smtClean="0">
                 <a:latin typeface="メイリオ"/>
                 <a:ea typeface="メイリオ"/>
                 <a:cs typeface="メイリオ"/>
               </a:rPr>
-              <a:t>を含む</a:t>
-            </a:r>
-            <a:endParaRPr kumimoji="1" lang="ja-JP" altLang="en-US" sz="800" dirty="0">
-              <a:solidFill>
-                <a:schemeClr val="tx1"/>
-              </a:solidFill>
-              <a:latin typeface="メイリオ"/>
-              <a:ea typeface="メイリオ"/>
-              <a:cs typeface="メイリオ"/>
-            </a:endParaRPr>
-          </a:p>
-        </p:txBody>
-      </p:sp>
-      <p:sp>
-        <p:nvSpPr>
-          <p:cNvPr id="130" name="二等辺三角形 129"/>
-          <p:cNvSpPr/>
-          <p:nvPr/>
-        </p:nvSpPr>
-        <p:spPr>
-          <a:xfrm rot="10800000">
-            <a:off x="4322286" y="1761549"/>
-            <a:ext cx="108000" cy="108000"/>
-          </a:xfrm>
-          <a:prstGeom prst="triangle">
-            <a:avLst/>
-          </a:prstGeom>
-          <a:solidFill>
-            <a:schemeClr val="tx1"/>
-          </a:solidFill>
-          <a:ln>
-            <a:noFill/>
-          </a:ln>
-          <a:effectLst/>
-        </p:spPr>
-        <p:style>
-          <a:lnRef idx="1">
-            <a:schemeClr val="accent1"/>
-          </a:lnRef>
-          <a:fillRef idx="3">
-            <a:schemeClr val="accent1"/>
-          </a:fillRef>
-          <a:effectRef idx="2">
-            <a:schemeClr val="accent1"/>
-          </a:effectRef>
-          <a:fontRef idx="minor">
-            <a:schemeClr val="lt1"/>
-          </a:fontRef>
-        </p:style>
-        <p:txBody>
-          <a:bodyPr rtlCol="0" anchor="ctr"/>
-          <a:lstStyle/>
-          <a:p>
-            <a:pPr algn="ctr"/>
-            <a:endParaRPr kumimoji="1" lang="ja-JP" altLang="en-US"/>
-          </a:p>
-        </p:txBody>
-      </p:sp>
-      <p:sp>
-        <p:nvSpPr>
-          <p:cNvPr id="131" name="テキスト ボックス 130"/>
-          <p:cNvSpPr txBox="1"/>
-          <p:nvPr/>
-        </p:nvSpPr>
-        <p:spPr>
-          <a:xfrm>
-            <a:off x="4494298" y="1660170"/>
-            <a:ext cx="954107" cy="276999"/>
-          </a:xfrm>
-          <a:prstGeom prst="rect">
-            <a:avLst/>
-          </a:prstGeom>
-          <a:noFill/>
-        </p:spPr>
-        <p:txBody>
-          <a:bodyPr wrap="none" rtlCol="0">
-            <a:spAutoFit/>
-          </a:bodyPr>
-          <a:lstStyle/>
-          <a:p>
-            <a:r>
-              <a:rPr lang="ja-JP" altLang="en-US" sz="1200" dirty="0" smtClean="0">
-                <a:latin typeface="メイリオ"/>
-                <a:ea typeface="メイリオ"/>
-                <a:cs typeface="メイリオ"/>
-              </a:rPr>
-              <a:t>カテゴリ</a:t>
-            </a:r>
-            <a:r>
-              <a:rPr kumimoji="1" lang="ja-JP" altLang="en-US" sz="1200" dirty="0" smtClean="0">
+              <a:t>金額</a:t>
+            </a:r>
+            <a:r>
+              <a:rPr kumimoji="1" lang="ja-JP" altLang="en-US" sz="1000" dirty="0" smtClean="0">
                 <a:latin typeface="メイリオ"/>
                 <a:ea typeface="メイリオ"/>
                 <a:cs typeface="メイリオ"/>
               </a:rPr>
               <a:t>：</a:t>
             </a:r>
-            <a:endParaRPr kumimoji="1" lang="ja-JP" altLang="en-US" sz="1200" dirty="0">
+            <a:endParaRPr kumimoji="1" lang="ja-JP" altLang="en-US" sz="1000" dirty="0">
               <a:latin typeface="メイリオ"/>
               <a:ea typeface="メイリオ"/>
               <a:cs typeface="メイリオ"/>
@@ -17614,14 +19209,14 @@
       </p:sp>
       <p:sp>
         <p:nvSpPr>
-          <p:cNvPr id="132" name="角丸四角形 131"/>
+          <p:cNvPr id="198" name="角丸四角形 197"/>
           <p:cNvSpPr/>
           <p:nvPr/>
         </p:nvSpPr>
         <p:spPr>
           <a:xfrm>
-            <a:off x="5370510" y="1715149"/>
-            <a:ext cx="560480" cy="165946"/>
+            <a:off x="1741308" y="1715007"/>
+            <a:ext cx="352321" cy="158766"/>
           </a:xfrm>
           <a:prstGeom prst="roundRect">
             <a:avLst/>
@@ -17659,59 +19254,13 @@
       </p:sp>
       <p:sp>
         <p:nvSpPr>
-          <p:cNvPr id="133" name="テキスト ボックス 132"/>
-          <p:cNvSpPr txBox="1"/>
-          <p:nvPr/>
-        </p:nvSpPr>
-        <p:spPr>
-          <a:xfrm>
-            <a:off x="5949540" y="1649229"/>
-            <a:ext cx="646331" cy="276999"/>
-          </a:xfrm>
-          <a:prstGeom prst="rect">
-            <a:avLst/>
-          </a:prstGeom>
-          <a:noFill/>
-        </p:spPr>
-        <p:txBody>
-          <a:bodyPr wrap="none" rtlCol="0">
-            <a:spAutoFit/>
-          </a:bodyPr>
-          <a:lstStyle/>
-          <a:p>
-            <a:r>
-              <a:rPr lang="ja-JP" altLang="en-US" sz="1200" dirty="0" smtClean="0">
-                <a:latin typeface="メイリオ"/>
-                <a:ea typeface="メイリオ"/>
-                <a:cs typeface="メイリオ"/>
-              </a:rPr>
-              <a:t>金額</a:t>
-            </a:r>
-            <a:r>
-              <a:rPr kumimoji="1" lang="ja-JP" altLang="en-US" sz="1200" dirty="0" smtClean="0">
-                <a:latin typeface="メイリオ"/>
-                <a:ea typeface="メイリオ"/>
-                <a:cs typeface="メイリオ"/>
-              </a:rPr>
-              <a:t>：</a:t>
-            </a:r>
-            <a:endParaRPr kumimoji="1" lang="ja-JP" altLang="en-US" sz="1200" dirty="0">
-              <a:latin typeface="メイリオ"/>
-              <a:ea typeface="メイリオ"/>
-              <a:cs typeface="メイリオ"/>
-            </a:endParaRPr>
-          </a:p>
-        </p:txBody>
-      </p:sp>
-      <p:sp>
-        <p:nvSpPr>
-          <p:cNvPr id="134" name="角丸四角形 133"/>
+          <p:cNvPr id="199" name="角丸四角形 198"/>
           <p:cNvSpPr/>
           <p:nvPr/>
         </p:nvSpPr>
         <p:spPr>
           <a:xfrm>
-            <a:off x="2087658" y="1715007"/>
+            <a:off x="5797831" y="1723285"/>
             <a:ext cx="352321" cy="158766"/>
           </a:xfrm>
           <a:prstGeom prst="roundRect">
@@ -17750,13 +19299,51 @@
       </p:sp>
       <p:sp>
         <p:nvSpPr>
-          <p:cNvPr id="135" name="角丸四角形 134"/>
+          <p:cNvPr id="200" name="テキスト ボックス 199"/>
+          <p:cNvSpPr txBox="1"/>
+          <p:nvPr/>
+        </p:nvSpPr>
+        <p:spPr>
+          <a:xfrm>
+            <a:off x="6115307" y="1660522"/>
+            <a:ext cx="338554" cy="276999"/>
+          </a:xfrm>
+          <a:prstGeom prst="rect">
+            <a:avLst/>
+          </a:prstGeom>
+          <a:noFill/>
+        </p:spPr>
+        <p:txBody>
+          <a:bodyPr wrap="none" rtlCol="0">
+            <a:spAutoFit/>
+          </a:bodyPr>
+          <a:lstStyle/>
+          <a:p>
+            <a:r>
+              <a:rPr lang="en-US" altLang="en-US" sz="1200" dirty="0" smtClean="0">
+                <a:latin typeface="メイリオ"/>
+                <a:ea typeface="メイリオ"/>
+                <a:cs typeface="メイリオ"/>
+              </a:rPr>
+              <a:t>〜</a:t>
+            </a:r>
+            <a:endParaRPr kumimoji="1" lang="ja-JP" altLang="en-US" sz="1200" dirty="0">
+              <a:latin typeface="メイリオ"/>
+              <a:ea typeface="メイリオ"/>
+              <a:cs typeface="メイリオ"/>
+            </a:endParaRPr>
+          </a:p>
+        </p:txBody>
+      </p:sp>
+      <p:sp>
+        <p:nvSpPr>
+          <p:cNvPr id="201" name="角丸四角形 200"/>
           <p:cNvSpPr/>
           <p:nvPr/>
         </p:nvSpPr>
         <p:spPr>
           <a:xfrm>
-            <a:off x="6513621" y="1723285"/>
+            <a:off x="6416321" y="1715963"/>
             <a:ext cx="352321" cy="158766"/>
           </a:xfrm>
           <a:prstGeom prst="roundRect">
@@ -17795,52 +19382,14 @@
       </p:sp>
       <p:sp>
         <p:nvSpPr>
-          <p:cNvPr id="136" name="テキスト ボックス 135"/>
-          <p:cNvSpPr txBox="1"/>
-          <p:nvPr/>
-        </p:nvSpPr>
-        <p:spPr>
-          <a:xfrm>
-            <a:off x="6831097" y="1660522"/>
-            <a:ext cx="338554" cy="276999"/>
-          </a:xfrm>
-          <a:prstGeom prst="rect">
-            <a:avLst/>
-          </a:prstGeom>
-          <a:noFill/>
-        </p:spPr>
-        <p:txBody>
-          <a:bodyPr wrap="none" rtlCol="0">
-            <a:spAutoFit/>
-          </a:bodyPr>
-          <a:lstStyle/>
-          <a:p>
-            <a:r>
-              <a:rPr lang="en-US" altLang="en-US" sz="1200" dirty="0" smtClean="0">
-                <a:latin typeface="メイリオ"/>
-                <a:ea typeface="メイリオ"/>
-                <a:cs typeface="メイリオ"/>
-              </a:rPr>
-              <a:t>〜</a:t>
-            </a:r>
-            <a:endParaRPr kumimoji="1" lang="ja-JP" altLang="en-US" sz="1200" dirty="0">
-              <a:latin typeface="メイリオ"/>
-              <a:ea typeface="メイリオ"/>
-              <a:cs typeface="メイリオ"/>
-            </a:endParaRPr>
-          </a:p>
-        </p:txBody>
-      </p:sp>
-      <p:sp>
-        <p:nvSpPr>
-          <p:cNvPr id="137" name="角丸四角形 136"/>
+          <p:cNvPr id="202" name="角丸四角形 201"/>
           <p:cNvSpPr/>
           <p:nvPr/>
         </p:nvSpPr>
         <p:spPr>
           <a:xfrm>
-            <a:off x="7132111" y="1715963"/>
-            <a:ext cx="352321" cy="158766"/>
+            <a:off x="7931715" y="1685552"/>
+            <a:ext cx="529807" cy="231780"/>
           </a:xfrm>
           <a:prstGeom prst="roundRect">
             <a:avLst/>
@@ -17872,53 +19421,8 @@
           <a:lstStyle/>
           <a:p>
             <a:pPr algn="ctr"/>
-            <a:endParaRPr kumimoji="1" lang="ja-JP" altLang="en-US"/>
-          </a:p>
-        </p:txBody>
-      </p:sp>
-      <p:sp>
-        <p:nvSpPr>
-          <p:cNvPr id="138" name="角丸四角形 137"/>
-          <p:cNvSpPr/>
-          <p:nvPr/>
-        </p:nvSpPr>
-        <p:spPr>
-          <a:xfrm>
-            <a:off x="7553038" y="1639397"/>
-            <a:ext cx="550589" cy="299213"/>
-          </a:xfrm>
-          <a:prstGeom prst="roundRect">
-            <a:avLst/>
-          </a:prstGeom>
-          <a:noFill/>
-          <a:ln w="25400">
-            <a:solidFill>
-              <a:schemeClr val="tx1"/>
-            </a:solidFill>
-          </a:ln>
-          <a:effectLst/>
-        </p:spPr>
-        <p:style>
-          <a:lnRef idx="1">
-            <a:schemeClr val="accent1"/>
-          </a:lnRef>
-          <a:fillRef idx="3">
-            <a:schemeClr val="accent1"/>
-          </a:fillRef>
-          <a:effectRef idx="2">
-            <a:schemeClr val="accent1"/>
-          </a:effectRef>
-          <a:fontRef idx="minor">
-            <a:schemeClr val="lt1"/>
-          </a:fontRef>
-        </p:style>
-        <p:txBody>
-          <a:bodyPr rtlCol="0" anchor="ctr"/>
-          <a:lstStyle/>
-          <a:p>
-            <a:pPr algn="ctr"/>
-            <a:r>
-              <a:rPr lang="ja-JP" altLang="en-US" sz="1200" dirty="0" smtClean="0">
+            <a:r>
+              <a:rPr lang="ja-JP" altLang="en-US" sz="1000" dirty="0" smtClean="0">
                 <a:solidFill>
                   <a:schemeClr val="tx1"/>
                 </a:solidFill>
@@ -17928,7 +19432,7 @@
               </a:rPr>
               <a:t>検索</a:t>
             </a:r>
-            <a:endParaRPr kumimoji="1" lang="ja-JP" altLang="en-US" sz="1200" dirty="0">
+            <a:endParaRPr kumimoji="1" lang="ja-JP" altLang="en-US" sz="1000" dirty="0">
               <a:solidFill>
                 <a:schemeClr val="tx1"/>
               </a:solidFill>
@@ -17939,16 +19443,508 @@
           </a:p>
         </p:txBody>
       </p:sp>
-      <p:sp>
-        <p:nvSpPr>
-          <p:cNvPr id="139" name="正方形/長方形 138"/>
+      <p:grpSp>
+        <p:nvGrpSpPr>
+          <p:cNvPr id="203" name="図形グループ 202"/>
+          <p:cNvGrpSpPr/>
+          <p:nvPr/>
+        </p:nvGrpSpPr>
+        <p:grpSpPr>
+          <a:xfrm>
+            <a:off x="5017501" y="1715007"/>
+            <a:ext cx="280240" cy="165946"/>
+            <a:chOff x="4954166" y="1192639"/>
+            <a:chExt cx="280240" cy="165946"/>
+          </a:xfrm>
+        </p:grpSpPr>
+        <p:sp>
+          <p:nvSpPr>
+            <p:cNvPr id="204" name="角丸四角形 203"/>
+            <p:cNvSpPr/>
+            <p:nvPr/>
+          </p:nvSpPr>
+          <p:spPr>
+            <a:xfrm>
+              <a:off x="4954166" y="1192639"/>
+              <a:ext cx="280240" cy="165946"/>
+            </a:xfrm>
+            <a:prstGeom prst="roundRect">
+              <a:avLst/>
+            </a:prstGeom>
+            <a:noFill/>
+            <a:ln w="25400">
+              <a:solidFill>
+                <a:schemeClr val="tx1"/>
+              </a:solidFill>
+            </a:ln>
+            <a:effectLst/>
+          </p:spPr>
+          <p:style>
+            <a:lnRef idx="1">
+              <a:schemeClr val="accent1"/>
+            </a:lnRef>
+            <a:fillRef idx="3">
+              <a:schemeClr val="accent1"/>
+            </a:fillRef>
+            <a:effectRef idx="2">
+              <a:schemeClr val="accent1"/>
+            </a:effectRef>
+            <a:fontRef idx="minor">
+              <a:schemeClr val="lt1"/>
+            </a:fontRef>
+          </p:style>
+          <p:txBody>
+            <a:bodyPr rtlCol="0" anchor="ctr"/>
+            <a:lstStyle/>
+            <a:p>
+              <a:pPr algn="ctr"/>
+              <a:endParaRPr kumimoji="1" lang="ja-JP" altLang="en-US" sz="800" dirty="0">
+                <a:solidFill>
+                  <a:schemeClr val="tx1"/>
+                </a:solidFill>
+              </a:endParaRPr>
+            </a:p>
+          </p:txBody>
+        </p:sp>
+        <p:cxnSp>
+          <p:nvCxnSpPr>
+            <p:cNvPr id="205" name="直線コネクタ 204"/>
+            <p:cNvCxnSpPr/>
+            <p:nvPr/>
+          </p:nvCxnSpPr>
+          <p:spPr>
+            <a:xfrm>
+              <a:off x="5001261" y="1238058"/>
+              <a:ext cx="181196" cy="0"/>
+            </a:xfrm>
+            <a:prstGeom prst="line">
+              <a:avLst/>
+            </a:prstGeom>
+            <a:ln w="3175">
+              <a:solidFill>
+                <a:schemeClr val="tx1"/>
+              </a:solidFill>
+            </a:ln>
+          </p:spPr>
+          <p:style>
+            <a:lnRef idx="2">
+              <a:schemeClr val="accent1"/>
+            </a:lnRef>
+            <a:fillRef idx="0">
+              <a:schemeClr val="accent1"/>
+            </a:fillRef>
+            <a:effectRef idx="1">
+              <a:schemeClr val="accent1"/>
+            </a:effectRef>
+            <a:fontRef idx="minor">
+              <a:schemeClr val="tx1"/>
+            </a:fontRef>
+          </p:style>
+        </p:cxnSp>
+        <p:cxnSp>
+          <p:nvCxnSpPr>
+            <p:cNvPr id="206" name="直線コネクタ 205"/>
+            <p:cNvCxnSpPr/>
+            <p:nvPr/>
+          </p:nvCxnSpPr>
+          <p:spPr>
+            <a:xfrm>
+              <a:off x="5001261" y="1277697"/>
+              <a:ext cx="181196" cy="0"/>
+            </a:xfrm>
+            <a:prstGeom prst="line">
+              <a:avLst/>
+            </a:prstGeom>
+            <a:ln w="3175">
+              <a:solidFill>
+                <a:schemeClr val="tx1"/>
+              </a:solidFill>
+            </a:ln>
+          </p:spPr>
+          <p:style>
+            <a:lnRef idx="2">
+              <a:schemeClr val="accent1"/>
+            </a:lnRef>
+            <a:fillRef idx="0">
+              <a:schemeClr val="accent1"/>
+            </a:fillRef>
+            <a:effectRef idx="1">
+              <a:schemeClr val="accent1"/>
+            </a:effectRef>
+            <a:fontRef idx="minor">
+              <a:schemeClr val="tx1"/>
+            </a:fontRef>
+          </p:style>
+        </p:cxnSp>
+        <p:cxnSp>
+          <p:nvCxnSpPr>
+            <p:cNvPr id="207" name="直線コネクタ 206"/>
+            <p:cNvCxnSpPr/>
+            <p:nvPr/>
+          </p:nvCxnSpPr>
+          <p:spPr>
+            <a:xfrm>
+              <a:off x="5003884" y="1310793"/>
+              <a:ext cx="181196" cy="0"/>
+            </a:xfrm>
+            <a:prstGeom prst="line">
+              <a:avLst/>
+            </a:prstGeom>
+            <a:ln w="3175">
+              <a:solidFill>
+                <a:schemeClr val="tx1"/>
+              </a:solidFill>
+            </a:ln>
+          </p:spPr>
+          <p:style>
+            <a:lnRef idx="2">
+              <a:schemeClr val="accent1"/>
+            </a:lnRef>
+            <a:fillRef idx="0">
+              <a:schemeClr val="accent1"/>
+            </a:fillRef>
+            <a:effectRef idx="1">
+              <a:schemeClr val="accent1"/>
+            </a:effectRef>
+            <a:fontRef idx="minor">
+              <a:schemeClr val="tx1"/>
+            </a:fontRef>
+          </p:style>
+        </p:cxnSp>
+      </p:grpSp>
+      <p:sp>
+        <p:nvSpPr>
+          <p:cNvPr id="208" name="テキスト ボックス 207"/>
+          <p:cNvSpPr txBox="1"/>
+          <p:nvPr/>
+        </p:nvSpPr>
+        <p:spPr>
+          <a:xfrm>
+            <a:off x="5772888" y="1141779"/>
+            <a:ext cx="441146" cy="246221"/>
+          </a:xfrm>
+          <a:prstGeom prst="rect">
+            <a:avLst/>
+          </a:prstGeom>
+          <a:noFill/>
+        </p:spPr>
+        <p:txBody>
+          <a:bodyPr wrap="none" rtlCol="0">
+            <a:spAutoFit/>
+          </a:bodyPr>
+          <a:lstStyle/>
+          <a:p>
+            <a:r>
+              <a:rPr lang="en-US" altLang="en-US" sz="1000" dirty="0" smtClean="0">
+                <a:latin typeface="メイリオ"/>
+                <a:ea typeface="メイリオ"/>
+                <a:cs typeface="メイリオ"/>
+              </a:rPr>
+              <a:t>収入</a:t>
+            </a:r>
+            <a:endParaRPr kumimoji="1" lang="ja-JP" altLang="en-US" sz="1000" dirty="0">
+              <a:latin typeface="メイリオ"/>
+              <a:ea typeface="メイリオ"/>
+              <a:cs typeface="メイリオ"/>
+            </a:endParaRPr>
+          </a:p>
+        </p:txBody>
+      </p:sp>
+      <p:sp>
+        <p:nvSpPr>
+          <p:cNvPr id="209" name="テキスト ボックス 208"/>
+          <p:cNvSpPr txBox="1"/>
+          <p:nvPr/>
+        </p:nvSpPr>
+        <p:spPr>
+          <a:xfrm>
+            <a:off x="6327496" y="1133027"/>
+            <a:ext cx="441146" cy="246221"/>
+          </a:xfrm>
+          <a:prstGeom prst="rect">
+            <a:avLst/>
+          </a:prstGeom>
+          <a:noFill/>
+        </p:spPr>
+        <p:txBody>
+          <a:bodyPr wrap="none" rtlCol="0">
+            <a:spAutoFit/>
+          </a:bodyPr>
+          <a:lstStyle/>
+          <a:p>
+            <a:r>
+              <a:rPr lang="ja-JP" altLang="en-US" sz="1000" dirty="0" smtClean="0">
+                <a:latin typeface="メイリオ"/>
+                <a:ea typeface="メイリオ"/>
+                <a:cs typeface="メイリオ"/>
+              </a:rPr>
+              <a:t>支出</a:t>
+            </a:r>
+            <a:endParaRPr kumimoji="1" lang="ja-JP" altLang="en-US" sz="1000" dirty="0">
+              <a:latin typeface="メイリオ"/>
+              <a:ea typeface="メイリオ"/>
+              <a:cs typeface="メイリオ"/>
+            </a:endParaRPr>
+          </a:p>
+        </p:txBody>
+      </p:sp>
+      <p:sp>
+        <p:nvSpPr>
+          <p:cNvPr id="210" name="円/楕円 209"/>
           <p:cNvSpPr/>
           <p:nvPr/>
         </p:nvSpPr>
         <p:spPr>
-          <a:xfrm>
-            <a:off x="785584" y="937497"/>
-            <a:ext cx="7575640" cy="5541817"/>
+          <a:xfrm flipH="1">
+            <a:off x="6164699" y="1187777"/>
+            <a:ext cx="162796" cy="157651"/>
+          </a:xfrm>
+          <a:prstGeom prst="ellipse">
+            <a:avLst/>
+          </a:prstGeom>
+          <a:noFill/>
+          <a:ln w="38100">
+            <a:solidFill>
+              <a:schemeClr val="tx1"/>
+            </a:solidFill>
+          </a:ln>
+          <a:effectLst/>
+        </p:spPr>
+        <p:style>
+          <a:lnRef idx="1">
+            <a:schemeClr val="accent1"/>
+          </a:lnRef>
+          <a:fillRef idx="3">
+            <a:schemeClr val="accent1"/>
+          </a:fillRef>
+          <a:effectRef idx="2">
+            <a:schemeClr val="accent1"/>
+          </a:effectRef>
+          <a:fontRef idx="minor">
+            <a:schemeClr val="lt1"/>
+          </a:fontRef>
+        </p:style>
+        <p:txBody>
+          <a:bodyPr rtlCol="0" anchor="ctr"/>
+          <a:lstStyle/>
+          <a:p>
+            <a:pPr algn="ctr"/>
+            <a:endParaRPr kumimoji="1" lang="ja-JP" altLang="en-US"/>
+          </a:p>
+        </p:txBody>
+      </p:sp>
+      <p:sp>
+        <p:nvSpPr>
+          <p:cNvPr id="211" name="円/楕円 210"/>
+          <p:cNvSpPr/>
+          <p:nvPr/>
+        </p:nvSpPr>
+        <p:spPr>
+          <a:xfrm flipH="1">
+            <a:off x="6734007" y="1190624"/>
+            <a:ext cx="162796" cy="157651"/>
+          </a:xfrm>
+          <a:prstGeom prst="ellipse">
+            <a:avLst/>
+          </a:prstGeom>
+          <a:noFill/>
+          <a:ln w="38100">
+            <a:solidFill>
+              <a:schemeClr val="tx1"/>
+            </a:solidFill>
+          </a:ln>
+          <a:effectLst/>
+        </p:spPr>
+        <p:style>
+          <a:lnRef idx="1">
+            <a:schemeClr val="accent1"/>
+          </a:lnRef>
+          <a:fillRef idx="3">
+            <a:schemeClr val="accent1"/>
+          </a:fillRef>
+          <a:effectRef idx="2">
+            <a:schemeClr val="accent1"/>
+          </a:effectRef>
+          <a:fontRef idx="minor">
+            <a:schemeClr val="lt1"/>
+          </a:fontRef>
+        </p:style>
+        <p:txBody>
+          <a:bodyPr rtlCol="0" anchor="ctr"/>
+          <a:lstStyle/>
+          <a:p>
+            <a:pPr algn="ctr"/>
+            <a:endParaRPr kumimoji="1" lang="ja-JP" altLang="en-US"/>
+          </a:p>
+        </p:txBody>
+      </p:sp>
+      <p:grpSp>
+        <p:nvGrpSpPr>
+          <p:cNvPr id="212" name="図形グループ 211"/>
+          <p:cNvGrpSpPr/>
+          <p:nvPr/>
+        </p:nvGrpSpPr>
+        <p:grpSpPr>
+          <a:xfrm>
+            <a:off x="7244601" y="1714972"/>
+            <a:ext cx="519922" cy="154577"/>
+            <a:chOff x="3729152" y="1722410"/>
+            <a:chExt cx="519922" cy="154577"/>
+          </a:xfrm>
+        </p:grpSpPr>
+        <p:sp>
+          <p:nvSpPr>
+            <p:cNvPr id="213" name="角丸四角形 212"/>
+            <p:cNvSpPr/>
+            <p:nvPr/>
+          </p:nvSpPr>
+          <p:spPr>
+            <a:xfrm>
+              <a:off x="3729152" y="1722410"/>
+              <a:ext cx="519922" cy="154577"/>
+            </a:xfrm>
+            <a:prstGeom prst="roundRect">
+              <a:avLst/>
+            </a:prstGeom>
+            <a:noFill/>
+            <a:ln w="25400">
+              <a:solidFill>
+                <a:schemeClr val="tx1"/>
+              </a:solidFill>
+            </a:ln>
+            <a:effectLst/>
+          </p:spPr>
+          <p:style>
+            <a:lnRef idx="1">
+              <a:schemeClr val="accent1"/>
+            </a:lnRef>
+            <a:fillRef idx="3">
+              <a:schemeClr val="accent1"/>
+            </a:fillRef>
+            <a:effectRef idx="2">
+              <a:schemeClr val="accent1"/>
+            </a:effectRef>
+            <a:fontRef idx="minor">
+              <a:schemeClr val="lt1"/>
+            </a:fontRef>
+          </p:style>
+          <p:txBody>
+            <a:bodyPr rtlCol="0" anchor="ctr"/>
+            <a:lstStyle/>
+            <a:p>
+              <a:endParaRPr kumimoji="1" lang="ja-JP" altLang="en-US" sz="800" dirty="0">
+                <a:solidFill>
+                  <a:schemeClr val="tx1"/>
+                </a:solidFill>
+                <a:latin typeface="メイリオ"/>
+                <a:ea typeface="メイリオ"/>
+                <a:cs typeface="メイリオ"/>
+              </a:endParaRPr>
+            </a:p>
+          </p:txBody>
+        </p:sp>
+        <p:sp>
+          <p:nvSpPr>
+            <p:cNvPr id="214" name="二等辺三角形 213"/>
+            <p:cNvSpPr/>
+            <p:nvPr/>
+          </p:nvSpPr>
+          <p:spPr>
+            <a:xfrm rot="10800000">
+              <a:off x="4102931" y="1761549"/>
+              <a:ext cx="108000" cy="108000"/>
+            </a:xfrm>
+            <a:prstGeom prst="triangle">
+              <a:avLst/>
+            </a:prstGeom>
+            <a:solidFill>
+              <a:schemeClr val="tx1"/>
+            </a:solidFill>
+            <a:ln>
+              <a:noFill/>
+            </a:ln>
+            <a:effectLst/>
+          </p:spPr>
+          <p:style>
+            <a:lnRef idx="1">
+              <a:schemeClr val="accent1"/>
+            </a:lnRef>
+            <a:fillRef idx="3">
+              <a:schemeClr val="accent1"/>
+            </a:fillRef>
+            <a:effectRef idx="2">
+              <a:schemeClr val="accent1"/>
+            </a:effectRef>
+            <a:fontRef idx="minor">
+              <a:schemeClr val="lt1"/>
+            </a:fontRef>
+          </p:style>
+          <p:txBody>
+            <a:bodyPr rtlCol="0" anchor="ctr"/>
+            <a:lstStyle/>
+            <a:p>
+              <a:pPr algn="ctr"/>
+              <a:endParaRPr kumimoji="1" lang="ja-JP" altLang="en-US"/>
+            </a:p>
+          </p:txBody>
+        </p:sp>
+      </p:grpSp>
+      <p:sp>
+        <p:nvSpPr>
+          <p:cNvPr id="215" name="テキスト ボックス 214"/>
+          <p:cNvSpPr txBox="1"/>
+          <p:nvPr/>
+        </p:nvSpPr>
+        <p:spPr>
+          <a:xfrm>
+            <a:off x="6756029" y="1672856"/>
+            <a:ext cx="569387" cy="246221"/>
+          </a:xfrm>
+          <a:prstGeom prst="rect">
+            <a:avLst/>
+          </a:prstGeom>
+          <a:noFill/>
+        </p:spPr>
+        <p:txBody>
+          <a:bodyPr wrap="none" rtlCol="0">
+            <a:spAutoFit/>
+          </a:bodyPr>
+          <a:lstStyle/>
+          <a:p>
+            <a:r>
+              <a:rPr kumimoji="1" lang="ja-JP" altLang="en-US" sz="1000" dirty="0" smtClean="0">
+                <a:latin typeface="メイリオ"/>
+                <a:ea typeface="メイリオ"/>
+                <a:cs typeface="メイリオ"/>
+              </a:rPr>
+              <a:t>種類</a:t>
+            </a:r>
+            <a:r>
+              <a:rPr kumimoji="1" lang="ja-JP" altLang="en-US" sz="1000" dirty="0" smtClean="0">
+                <a:latin typeface="メイリオ"/>
+                <a:ea typeface="メイリオ"/>
+                <a:cs typeface="メイリオ"/>
+              </a:rPr>
+              <a:t>：</a:t>
+            </a:r>
+            <a:endParaRPr kumimoji="1" lang="ja-JP" altLang="en-US" sz="1000" dirty="0">
+              <a:latin typeface="メイリオ"/>
+              <a:ea typeface="メイリオ"/>
+              <a:cs typeface="メイリオ"/>
+            </a:endParaRPr>
+          </a:p>
+        </p:txBody>
+      </p:sp>
+      <p:sp>
+        <p:nvSpPr>
+          <p:cNvPr id="216" name="正方形/長方形 215"/>
+          <p:cNvSpPr/>
+          <p:nvPr/>
+        </p:nvSpPr>
+        <p:spPr>
+          <a:xfrm>
+            <a:off x="529279" y="937497"/>
+            <a:ext cx="8095186" cy="5541817"/>
           </a:xfrm>
           <a:prstGeom prst="rect">
             <a:avLst/>
@@ -18052,7 +20048,7 @@
       </p:sp>
       <p:grpSp>
         <p:nvGrpSpPr>
-          <p:cNvPr id="5" name="図形グループ 4"/>
+          <p:cNvPr id="179" name="図形グループ 178"/>
           <p:cNvGrpSpPr/>
           <p:nvPr/>
         </p:nvGrpSpPr>
@@ -18066,7 +20062,7 @@
         </p:grpSpPr>
         <p:grpSp>
           <p:nvGrpSpPr>
-            <p:cNvPr id="6" name="図形グループ 5"/>
+            <p:cNvPr id="180" name="図形グループ 179"/>
             <p:cNvGrpSpPr/>
             <p:nvPr/>
           </p:nvGrpSpPr>
@@ -18080,7 +20076,7 @@
           </p:grpSpPr>
           <p:sp>
             <p:nvSpPr>
-              <p:cNvPr id="2" name="角丸四角形 1"/>
+              <p:cNvPr id="182" name="角丸四角形 181"/>
               <p:cNvSpPr/>
               <p:nvPr/>
             </p:nvSpPr>
@@ -18126,7 +20122,7 @@
           </p:sp>
           <p:sp>
             <p:nvSpPr>
-              <p:cNvPr id="27" name="角丸四角形 26"/>
+              <p:cNvPr id="183" name="角丸四角形 182"/>
               <p:cNvSpPr/>
               <p:nvPr/>
             </p:nvSpPr>
@@ -18189,7 +20185,7 @@
           </p:sp>
           <p:sp>
             <p:nvSpPr>
-              <p:cNvPr id="44" name="テキスト ボックス 43"/>
+              <p:cNvPr id="184" name="テキスト ボックス 183"/>
               <p:cNvSpPr txBox="1"/>
               <p:nvPr/>
             </p:nvSpPr>
@@ -18228,7 +20224,7 @@
         </p:grpSp>
         <p:sp>
           <p:nvSpPr>
-            <p:cNvPr id="52" name="角丸四角形 51"/>
+            <p:cNvPr id="181" name="角丸四角形 180"/>
             <p:cNvSpPr/>
             <p:nvPr/>
           </p:nvSpPr>

--- a/payment_manager/bin/algieba.pptx
+++ b/payment_manager/bin/algieba.pptx
@@ -14,7 +14,7 @@
     <p:sldId id="266" r:id="rId5"/>
     <p:sldId id="265" r:id="rId6"/>
     <p:sldId id="269" r:id="rId7"/>
-    <p:sldId id="270" r:id="rId8"/>
+    <p:sldId id="272" r:id="rId8"/>
     <p:sldId id="267" r:id="rId9"/>
     <p:sldId id="268" r:id="rId10"/>
   </p:sldIdLst>
@@ -200,7 +200,7 @@
           <a:p>
             <a:fld id="{EE82FEE5-269B-9B49-A8C4-823C45BE6055}" type="datetimeFigureOut">
               <a:rPr kumimoji="1" lang="ja-JP" altLang="en-US" smtClean="0"/>
-              <a:t>17/10/14</a:t>
+              <a:t>17/11/12</a:t>
             </a:fld>
             <a:endParaRPr kumimoji="1" lang="ja-JP" altLang="en-US"/>
           </a:p>
@@ -1353,7 +1353,7 @@
           <a:p>
             <a:fld id="{3ABA01A1-4899-9944-833D-6A66CDE659CB}" type="datetimeFigureOut">
               <a:rPr kumimoji="1" lang="ja-JP" altLang="en-US" smtClean="0"/>
-              <a:t>17/10/14</a:t>
+              <a:t>17/11/12</a:t>
             </a:fld>
             <a:endParaRPr kumimoji="1" lang="ja-JP" altLang="en-US"/>
           </a:p>
@@ -1555,7 +1555,7 @@
           <a:p>
             <a:fld id="{3ABA01A1-4899-9944-833D-6A66CDE659CB}" type="datetimeFigureOut">
               <a:rPr kumimoji="1" lang="ja-JP" altLang="en-US" smtClean="0"/>
-              <a:t>17/10/14</a:t>
+              <a:t>17/11/12</a:t>
             </a:fld>
             <a:endParaRPr kumimoji="1" lang="ja-JP" altLang="en-US"/>
           </a:p>
@@ -1767,7 +1767,7 @@
           <a:p>
             <a:fld id="{3ABA01A1-4899-9944-833D-6A66CDE659CB}" type="datetimeFigureOut">
               <a:rPr kumimoji="1" lang="ja-JP" altLang="en-US" smtClean="0"/>
-              <a:t>17/10/14</a:t>
+              <a:t>17/11/12</a:t>
             </a:fld>
             <a:endParaRPr kumimoji="1" lang="ja-JP" altLang="en-US"/>
           </a:p>
@@ -1969,7 +1969,7 @@
           <a:p>
             <a:fld id="{3ABA01A1-4899-9944-833D-6A66CDE659CB}" type="datetimeFigureOut">
               <a:rPr kumimoji="1" lang="ja-JP" altLang="en-US" smtClean="0"/>
-              <a:t>17/10/14</a:t>
+              <a:t>17/11/12</a:t>
             </a:fld>
             <a:endParaRPr kumimoji="1" lang="ja-JP" altLang="en-US"/>
           </a:p>
@@ -2215,7 +2215,7 @@
           <a:p>
             <a:fld id="{3ABA01A1-4899-9944-833D-6A66CDE659CB}" type="datetimeFigureOut">
               <a:rPr kumimoji="1" lang="ja-JP" altLang="en-US" smtClean="0"/>
-              <a:t>17/10/14</a:t>
+              <a:t>17/11/12</a:t>
             </a:fld>
             <a:endParaRPr kumimoji="1" lang="ja-JP" altLang="en-US"/>
           </a:p>
@@ -2567,7 +2567,7 @@
           <a:p>
             <a:fld id="{3ABA01A1-4899-9944-833D-6A66CDE659CB}" type="datetimeFigureOut">
               <a:rPr kumimoji="1" lang="ja-JP" altLang="en-US" smtClean="0"/>
-              <a:t>17/10/14</a:t>
+              <a:t>17/11/12</a:t>
             </a:fld>
             <a:endParaRPr kumimoji="1" lang="ja-JP" altLang="en-US"/>
           </a:p>
@@ -3053,7 +3053,7 @@
           <a:p>
             <a:fld id="{3ABA01A1-4899-9944-833D-6A66CDE659CB}" type="datetimeFigureOut">
               <a:rPr kumimoji="1" lang="ja-JP" altLang="en-US" smtClean="0"/>
-              <a:t>17/10/14</a:t>
+              <a:t>17/11/12</a:t>
             </a:fld>
             <a:endParaRPr kumimoji="1" lang="ja-JP" altLang="en-US"/>
           </a:p>
@@ -3171,7 +3171,7 @@
           <a:p>
             <a:fld id="{3ABA01A1-4899-9944-833D-6A66CDE659CB}" type="datetimeFigureOut">
               <a:rPr kumimoji="1" lang="ja-JP" altLang="en-US" smtClean="0"/>
-              <a:t>17/10/14</a:t>
+              <a:t>17/11/12</a:t>
             </a:fld>
             <a:endParaRPr kumimoji="1" lang="ja-JP" altLang="en-US"/>
           </a:p>
@@ -3266,7 +3266,7 @@
           <a:p>
             <a:fld id="{3ABA01A1-4899-9944-833D-6A66CDE659CB}" type="datetimeFigureOut">
               <a:rPr kumimoji="1" lang="ja-JP" altLang="en-US" smtClean="0"/>
-              <a:t>17/10/14</a:t>
+              <a:t>17/11/12</a:t>
             </a:fld>
             <a:endParaRPr kumimoji="1" lang="ja-JP" altLang="en-US"/>
           </a:p>
@@ -3575,7 +3575,7 @@
           <a:p>
             <a:fld id="{3ABA01A1-4899-9944-833D-6A66CDE659CB}" type="datetimeFigureOut">
               <a:rPr kumimoji="1" lang="ja-JP" altLang="en-US" smtClean="0"/>
-              <a:t>17/10/14</a:t>
+              <a:t>17/11/12</a:t>
             </a:fld>
             <a:endParaRPr kumimoji="1" lang="ja-JP" altLang="en-US"/>
           </a:p>
@@ -3828,7 +3828,7 @@
           <a:p>
             <a:fld id="{3ABA01A1-4899-9944-833D-6A66CDE659CB}" type="datetimeFigureOut">
               <a:rPr kumimoji="1" lang="ja-JP" altLang="en-US" smtClean="0"/>
-              <a:t>17/10/14</a:t>
+              <a:t>17/11/12</a:t>
             </a:fld>
             <a:endParaRPr kumimoji="1" lang="ja-JP" altLang="en-US"/>
           </a:p>
@@ -4073,7 +4073,7 @@
           <a:p>
             <a:fld id="{3ABA01A1-4899-9944-833D-6A66CDE659CB}" type="datetimeFigureOut">
               <a:rPr kumimoji="1" lang="ja-JP" altLang="en-US" smtClean="0"/>
-              <a:t>17/10/14</a:t>
+              <a:t>17/11/12</a:t>
             </a:fld>
             <a:endParaRPr kumimoji="1" lang="ja-JP" altLang="en-US"/>
           </a:p>
@@ -4517,11 +4517,11 @@
             </a:r>
             <a:r>
               <a:rPr lang="en-US" altLang="ja-JP" sz="2800" dirty="0" smtClean="0"/>
-              <a:t>2017/10/</a:t>
+              <a:t>2017/</a:t>
             </a:r>
             <a:r>
               <a:rPr lang="en-US" altLang="ja-JP" sz="2800" dirty="0" smtClean="0"/>
-              <a:t>14</a:t>
+              <a:t>11/12</a:t>
             </a:r>
             <a:r>
               <a:rPr lang="en-US" altLang="ja-JP" sz="2800" dirty="0" smtClean="0"/>
@@ -4536,7 +4536,11 @@
             </a:r>
             <a:r>
               <a:rPr lang="en-US" altLang="ja-JP" sz="2800" dirty="0" smtClean="0"/>
-              <a:t> 2.11.0</a:t>
+              <a:t> </a:t>
+            </a:r>
+            <a:r>
+              <a:rPr lang="en-US" altLang="ja-JP" sz="2800" dirty="0" smtClean="0"/>
+              <a:t>2.12.0</a:t>
             </a:r>
             <a:endParaRPr kumimoji="1" lang="ja-JP" altLang="en-US" dirty="0"/>
           </a:p>
@@ -4847,7 +4851,7 @@
         <p:spPr>
           <a:xfrm>
             <a:off x="646545" y="969818"/>
-            <a:ext cx="7635424" cy="5632312"/>
+            <a:ext cx="7635424" cy="5663089"/>
           </a:xfrm>
           <a:prstGeom prst="rect">
             <a:avLst/>
@@ -4883,7 +4887,7 @@
               <a:buFont typeface="Arial"/>
               <a:buChar char="•"/>
             </a:pPr>
-            <a:endParaRPr lang="en-US" altLang="ja-JP" dirty="0" smtClean="0">
+            <a:endParaRPr lang="en-US" altLang="ja-JP" sz="1000" dirty="0" smtClean="0">
               <a:latin typeface="メイリオ"/>
               <a:ea typeface="メイリオ"/>
               <a:cs typeface="メイリオ"/>
@@ -5059,7 +5063,7 @@
               <a:buFont typeface="Arial"/>
               <a:buChar char="•"/>
             </a:pPr>
-            <a:endParaRPr lang="en-US" altLang="ja-JP" dirty="0" smtClean="0">
+            <a:endParaRPr lang="en-US" altLang="ja-JP" sz="1000" dirty="0" smtClean="0">
               <a:latin typeface="メイリオ"/>
               <a:ea typeface="メイリオ"/>
               <a:cs typeface="メイリオ"/>
@@ -5150,7 +5154,7 @@
               <a:buFont typeface="Arial"/>
               <a:buChar char="•"/>
             </a:pPr>
-            <a:endParaRPr lang="en-US" altLang="ja-JP" dirty="0" smtClean="0">
+            <a:endParaRPr lang="en-US" altLang="ja-JP" sz="1000" dirty="0" smtClean="0">
               <a:latin typeface="メイリオ"/>
               <a:ea typeface="メイリオ"/>
               <a:cs typeface="メイリオ"/>
@@ -5235,6 +5239,25 @@
                 <a:cs typeface="メイリオ"/>
               </a:rPr>
               <a:t>される</a:t>
+            </a:r>
+            <a:endParaRPr lang="en-US" altLang="ja-JP" dirty="0" smtClean="0">
+              <a:latin typeface="メイリオ"/>
+              <a:ea typeface="メイリオ"/>
+              <a:cs typeface="メイリオ"/>
+            </a:endParaRPr>
+          </a:p>
+          <a:p>
+            <a:pPr marL="742950" lvl="1" indent="-285750">
+              <a:buFont typeface="Arial"/>
+              <a:buChar char="•"/>
+            </a:pPr>
+            <a:r>
+              <a:rPr lang="en-US" altLang="en-US" dirty="0" smtClean="0">
+                <a:latin typeface="メイリオ"/>
+                <a:ea typeface="メイリオ"/>
+                <a:cs typeface="メイリオ"/>
+              </a:rPr>
+              <a:t>項目を選択することでソート可能</a:t>
             </a:r>
             <a:endParaRPr lang="en-US" altLang="ja-JP" dirty="0" smtClean="0">
               <a:latin typeface="メイリオ"/>
@@ -5910,7 +5933,7 @@
           <p:nvPr>
             <p:extLst>
               <p:ext uri="{D42A27DB-BD31-4B8C-83A1-F6EECF244321}">
-                <p14:modId xmlns:p14="http://schemas.microsoft.com/office/powerpoint/2010/main" val="1983224749"/>
+                <p14:modId xmlns:p14="http://schemas.microsoft.com/office/powerpoint/2010/main" val="3806521063"/>
               </p:ext>
             </p:extLst>
           </p:nvPr>
@@ -9179,21 +9202,373 @@
                 <a:ea typeface="メイリオ"/>
                 <a:cs typeface="メイリオ"/>
               </a:rPr>
-              <a:t>種類</a:t>
-            </a:r>
-            <a:r>
-              <a:rPr kumimoji="1" lang="ja-JP" altLang="en-US" sz="1000" dirty="0" smtClean="0">
-                <a:latin typeface="メイリオ"/>
-                <a:ea typeface="メイリオ"/>
-                <a:cs typeface="メイリオ"/>
-              </a:rPr>
-              <a:t>：</a:t>
+              <a:t>種類：</a:t>
             </a:r>
             <a:endParaRPr kumimoji="1" lang="ja-JP" altLang="en-US" sz="1000" dirty="0">
               <a:latin typeface="メイリオ"/>
               <a:ea typeface="メイリオ"/>
               <a:cs typeface="メイリオ"/>
             </a:endParaRPr>
+          </a:p>
+        </p:txBody>
+      </p:sp>
+      <p:sp>
+        <p:nvSpPr>
+          <p:cNvPr id="91" name="二等辺三角形 90"/>
+          <p:cNvSpPr/>
+          <p:nvPr/>
+        </p:nvSpPr>
+        <p:spPr>
+          <a:xfrm>
+            <a:off x="2516950" y="2487417"/>
+            <a:ext cx="144000" cy="144000"/>
+          </a:xfrm>
+          <a:prstGeom prst="triangle">
+            <a:avLst/>
+          </a:prstGeom>
+          <a:solidFill>
+            <a:schemeClr val="bg1"/>
+          </a:solidFill>
+          <a:ln>
+            <a:noFill/>
+          </a:ln>
+          <a:effectLst/>
+        </p:spPr>
+        <p:style>
+          <a:lnRef idx="1">
+            <a:schemeClr val="accent1"/>
+          </a:lnRef>
+          <a:fillRef idx="3">
+            <a:schemeClr val="accent1"/>
+          </a:fillRef>
+          <a:effectRef idx="2">
+            <a:schemeClr val="accent1"/>
+          </a:effectRef>
+          <a:fontRef idx="minor">
+            <a:schemeClr val="lt1"/>
+          </a:fontRef>
+        </p:style>
+        <p:txBody>
+          <a:bodyPr rtlCol="0" anchor="ctr"/>
+          <a:lstStyle/>
+          <a:p>
+            <a:pPr algn="ctr"/>
+            <a:endParaRPr kumimoji="1" lang="ja-JP" altLang="en-US"/>
+          </a:p>
+        </p:txBody>
+      </p:sp>
+      <p:sp>
+        <p:nvSpPr>
+          <p:cNvPr id="93" name="二等辺三角形 92"/>
+          <p:cNvSpPr/>
+          <p:nvPr/>
+        </p:nvSpPr>
+        <p:spPr>
+          <a:xfrm rot="10800000">
+            <a:off x="2516951" y="2642657"/>
+            <a:ext cx="144000" cy="144000"/>
+          </a:xfrm>
+          <a:prstGeom prst="triangle">
+            <a:avLst/>
+          </a:prstGeom>
+          <a:solidFill>
+            <a:schemeClr val="bg1"/>
+          </a:solidFill>
+          <a:ln>
+            <a:noFill/>
+          </a:ln>
+          <a:effectLst/>
+        </p:spPr>
+        <p:style>
+          <a:lnRef idx="1">
+            <a:schemeClr val="accent1"/>
+          </a:lnRef>
+          <a:fillRef idx="3">
+            <a:schemeClr val="accent1"/>
+          </a:fillRef>
+          <a:effectRef idx="2">
+            <a:schemeClr val="accent1"/>
+          </a:effectRef>
+          <a:fontRef idx="minor">
+            <a:schemeClr val="lt1"/>
+          </a:fontRef>
+        </p:style>
+        <p:txBody>
+          <a:bodyPr rtlCol="0" anchor="ctr"/>
+          <a:lstStyle/>
+          <a:p>
+            <a:pPr algn="ctr"/>
+            <a:endParaRPr kumimoji="1" lang="ja-JP" altLang="en-US"/>
+          </a:p>
+        </p:txBody>
+      </p:sp>
+      <p:sp>
+        <p:nvSpPr>
+          <p:cNvPr id="94" name="二等辺三角形 93"/>
+          <p:cNvSpPr/>
+          <p:nvPr/>
+        </p:nvSpPr>
+        <p:spPr>
+          <a:xfrm>
+            <a:off x="4227925" y="2489732"/>
+            <a:ext cx="144000" cy="144000"/>
+          </a:xfrm>
+          <a:prstGeom prst="triangle">
+            <a:avLst/>
+          </a:prstGeom>
+          <a:solidFill>
+            <a:schemeClr val="bg1"/>
+          </a:solidFill>
+          <a:ln>
+            <a:noFill/>
+          </a:ln>
+          <a:effectLst/>
+        </p:spPr>
+        <p:style>
+          <a:lnRef idx="1">
+            <a:schemeClr val="accent1"/>
+          </a:lnRef>
+          <a:fillRef idx="3">
+            <a:schemeClr val="accent1"/>
+          </a:fillRef>
+          <a:effectRef idx="2">
+            <a:schemeClr val="accent1"/>
+          </a:effectRef>
+          <a:fontRef idx="minor">
+            <a:schemeClr val="lt1"/>
+          </a:fontRef>
+        </p:style>
+        <p:txBody>
+          <a:bodyPr rtlCol="0" anchor="ctr"/>
+          <a:lstStyle/>
+          <a:p>
+            <a:pPr algn="ctr"/>
+            <a:endParaRPr kumimoji="1" lang="ja-JP" altLang="en-US"/>
+          </a:p>
+        </p:txBody>
+      </p:sp>
+      <p:sp>
+        <p:nvSpPr>
+          <p:cNvPr id="99" name="二等辺三角形 98"/>
+          <p:cNvSpPr/>
+          <p:nvPr/>
+        </p:nvSpPr>
+        <p:spPr>
+          <a:xfrm rot="10800000">
+            <a:off x="4227926" y="2644972"/>
+            <a:ext cx="144000" cy="144000"/>
+          </a:xfrm>
+          <a:prstGeom prst="triangle">
+            <a:avLst/>
+          </a:prstGeom>
+          <a:solidFill>
+            <a:schemeClr val="bg1"/>
+          </a:solidFill>
+          <a:ln>
+            <a:noFill/>
+          </a:ln>
+          <a:effectLst/>
+        </p:spPr>
+        <p:style>
+          <a:lnRef idx="1">
+            <a:schemeClr val="accent1"/>
+          </a:lnRef>
+          <a:fillRef idx="3">
+            <a:schemeClr val="accent1"/>
+          </a:fillRef>
+          <a:effectRef idx="2">
+            <a:schemeClr val="accent1"/>
+          </a:effectRef>
+          <a:fontRef idx="minor">
+            <a:schemeClr val="lt1"/>
+          </a:fontRef>
+        </p:style>
+        <p:txBody>
+          <a:bodyPr rtlCol="0" anchor="ctr"/>
+          <a:lstStyle/>
+          <a:p>
+            <a:pPr algn="ctr"/>
+            <a:endParaRPr kumimoji="1" lang="ja-JP" altLang="en-US"/>
+          </a:p>
+        </p:txBody>
+      </p:sp>
+      <p:sp>
+        <p:nvSpPr>
+          <p:cNvPr id="100" name="二等辺三角形 99"/>
+          <p:cNvSpPr/>
+          <p:nvPr/>
+        </p:nvSpPr>
+        <p:spPr>
+          <a:xfrm>
+            <a:off x="5950445" y="2492047"/>
+            <a:ext cx="144000" cy="144000"/>
+          </a:xfrm>
+          <a:prstGeom prst="triangle">
+            <a:avLst/>
+          </a:prstGeom>
+          <a:solidFill>
+            <a:schemeClr val="bg1"/>
+          </a:solidFill>
+          <a:ln>
+            <a:noFill/>
+          </a:ln>
+          <a:effectLst/>
+        </p:spPr>
+        <p:style>
+          <a:lnRef idx="1">
+            <a:schemeClr val="accent1"/>
+          </a:lnRef>
+          <a:fillRef idx="3">
+            <a:schemeClr val="accent1"/>
+          </a:fillRef>
+          <a:effectRef idx="2">
+            <a:schemeClr val="accent1"/>
+          </a:effectRef>
+          <a:fontRef idx="minor">
+            <a:schemeClr val="lt1"/>
+          </a:fontRef>
+        </p:style>
+        <p:txBody>
+          <a:bodyPr rtlCol="0" anchor="ctr"/>
+          <a:lstStyle/>
+          <a:p>
+            <a:pPr algn="ctr"/>
+            <a:endParaRPr kumimoji="1" lang="ja-JP" altLang="en-US"/>
+          </a:p>
+        </p:txBody>
+      </p:sp>
+      <p:sp>
+        <p:nvSpPr>
+          <p:cNvPr id="101" name="二等辺三角形 100"/>
+          <p:cNvSpPr/>
+          <p:nvPr/>
+        </p:nvSpPr>
+        <p:spPr>
+          <a:xfrm rot="10800000">
+            <a:off x="5950446" y="2647287"/>
+            <a:ext cx="144000" cy="144000"/>
+          </a:xfrm>
+          <a:prstGeom prst="triangle">
+            <a:avLst/>
+          </a:prstGeom>
+          <a:solidFill>
+            <a:schemeClr val="bg1"/>
+          </a:solidFill>
+          <a:ln>
+            <a:noFill/>
+          </a:ln>
+          <a:effectLst/>
+        </p:spPr>
+        <p:style>
+          <a:lnRef idx="1">
+            <a:schemeClr val="accent1"/>
+          </a:lnRef>
+          <a:fillRef idx="3">
+            <a:schemeClr val="accent1"/>
+          </a:fillRef>
+          <a:effectRef idx="2">
+            <a:schemeClr val="accent1"/>
+          </a:effectRef>
+          <a:fontRef idx="minor">
+            <a:schemeClr val="lt1"/>
+          </a:fontRef>
+        </p:style>
+        <p:txBody>
+          <a:bodyPr rtlCol="0" anchor="ctr"/>
+          <a:lstStyle/>
+          <a:p>
+            <a:pPr algn="ctr"/>
+            <a:endParaRPr kumimoji="1" lang="ja-JP" altLang="en-US"/>
+          </a:p>
+        </p:txBody>
+      </p:sp>
+      <p:sp>
+        <p:nvSpPr>
+          <p:cNvPr id="102" name="二等辺三角形 101"/>
+          <p:cNvSpPr/>
+          <p:nvPr/>
+        </p:nvSpPr>
+        <p:spPr>
+          <a:xfrm>
+            <a:off x="7672965" y="2494362"/>
+            <a:ext cx="144000" cy="144000"/>
+          </a:xfrm>
+          <a:prstGeom prst="triangle">
+            <a:avLst/>
+          </a:prstGeom>
+          <a:solidFill>
+            <a:schemeClr val="bg1"/>
+          </a:solidFill>
+          <a:ln>
+            <a:noFill/>
+          </a:ln>
+          <a:effectLst/>
+        </p:spPr>
+        <p:style>
+          <a:lnRef idx="1">
+            <a:schemeClr val="accent1"/>
+          </a:lnRef>
+          <a:fillRef idx="3">
+            <a:schemeClr val="accent1"/>
+          </a:fillRef>
+          <a:effectRef idx="2">
+            <a:schemeClr val="accent1"/>
+          </a:effectRef>
+          <a:fontRef idx="minor">
+            <a:schemeClr val="lt1"/>
+          </a:fontRef>
+        </p:style>
+        <p:txBody>
+          <a:bodyPr rtlCol="0" anchor="ctr"/>
+          <a:lstStyle/>
+          <a:p>
+            <a:pPr algn="ctr"/>
+            <a:endParaRPr kumimoji="1" lang="ja-JP" altLang="en-US"/>
+          </a:p>
+        </p:txBody>
+      </p:sp>
+      <p:sp>
+        <p:nvSpPr>
+          <p:cNvPr id="103" name="二等辺三角形 102"/>
+          <p:cNvSpPr/>
+          <p:nvPr/>
+        </p:nvSpPr>
+        <p:spPr>
+          <a:xfrm rot="10800000">
+            <a:off x="7672966" y="2649602"/>
+            <a:ext cx="144000" cy="144000"/>
+          </a:xfrm>
+          <a:prstGeom prst="triangle">
+            <a:avLst/>
+          </a:prstGeom>
+          <a:solidFill>
+            <a:schemeClr val="bg1"/>
+          </a:solidFill>
+          <a:ln>
+            <a:noFill/>
+          </a:ln>
+          <a:effectLst/>
+        </p:spPr>
+        <p:style>
+          <a:lnRef idx="1">
+            <a:schemeClr val="accent1"/>
+          </a:lnRef>
+          <a:fillRef idx="3">
+            <a:schemeClr val="accent1"/>
+          </a:fillRef>
+          <a:effectRef idx="2">
+            <a:schemeClr val="accent1"/>
+          </a:effectRef>
+          <a:fontRef idx="minor">
+            <a:schemeClr val="lt1"/>
+          </a:fontRef>
+        </p:style>
+        <p:txBody>
+          <a:bodyPr rtlCol="0" anchor="ctr"/>
+          <a:lstStyle/>
+          <a:p>
+            <a:pPr algn="ctr"/>
+            <a:endParaRPr kumimoji="1" lang="ja-JP" altLang="en-US"/>
           </a:p>
         </p:txBody>
       </p:sp>
@@ -9426,14 +9801,14 @@
       </p:grpSpPr>
       <p:graphicFrame>
         <p:nvGraphicFramePr>
-          <p:cNvPr id="82" name="表 81"/>
+          <p:cNvPr id="74" name="表 73"/>
           <p:cNvGraphicFramePr>
             <a:graphicFrameLocks noGrp="1"/>
           </p:cNvGraphicFramePr>
           <p:nvPr>
             <p:extLst>
               <p:ext uri="{D42A27DB-BD31-4B8C-83A1-F6EECF244321}">
-                <p14:modId xmlns:p14="http://schemas.microsoft.com/office/powerpoint/2010/main" val="1670799361"/>
+                <p14:modId xmlns:p14="http://schemas.microsoft.com/office/powerpoint/2010/main" val="310339601"/>
               </p:ext>
             </p:extLst>
           </p:nvPr>
@@ -9928,7 +10303,7 @@
       </p:graphicFrame>
       <p:sp>
         <p:nvSpPr>
-          <p:cNvPr id="83" name="正方形/長方形 82"/>
+          <p:cNvPr id="75" name="正方形/長方形 74"/>
           <p:cNvSpPr/>
           <p:nvPr/>
         </p:nvSpPr>
@@ -9980,7 +10355,7 @@
       </p:sp>
       <p:sp>
         <p:nvSpPr>
-          <p:cNvPr id="84" name="角丸四角形 83"/>
+          <p:cNvPr id="76" name="角丸四角形 75"/>
           <p:cNvSpPr/>
           <p:nvPr/>
         </p:nvSpPr>
@@ -10025,7 +10400,7 @@
       </p:sp>
       <p:sp>
         <p:nvSpPr>
-          <p:cNvPr id="85" name="テキスト ボックス 84"/>
+          <p:cNvPr id="77" name="テキスト ボックス 76"/>
           <p:cNvSpPr txBox="1"/>
           <p:nvPr/>
         </p:nvSpPr>
@@ -10063,7 +10438,7 @@
       </p:sp>
       <p:sp>
         <p:nvSpPr>
-          <p:cNvPr id="86" name="角丸四角形 85"/>
+          <p:cNvPr id="78" name="角丸四角形 77"/>
           <p:cNvSpPr/>
           <p:nvPr/>
         </p:nvSpPr>
@@ -10108,7 +10483,7 @@
       </p:sp>
       <p:sp>
         <p:nvSpPr>
-          <p:cNvPr id="87" name="テキスト ボックス 86"/>
+          <p:cNvPr id="79" name="テキスト ボックス 78"/>
           <p:cNvSpPr txBox="1"/>
           <p:nvPr/>
         </p:nvSpPr>
@@ -10154,7 +10529,7 @@
       </p:sp>
       <p:sp>
         <p:nvSpPr>
-          <p:cNvPr id="88" name="角丸四角形 87"/>
+          <p:cNvPr id="80" name="角丸四角形 79"/>
           <p:cNvSpPr/>
           <p:nvPr/>
         </p:nvSpPr>
@@ -10199,7 +10574,7 @@
       </p:sp>
       <p:sp>
         <p:nvSpPr>
-          <p:cNvPr id="89" name="テキスト ボックス 88"/>
+          <p:cNvPr id="81" name="テキスト ボックス 80"/>
           <p:cNvSpPr txBox="1"/>
           <p:nvPr/>
         </p:nvSpPr>
@@ -10245,7 +10620,7 @@
       </p:sp>
       <p:sp>
         <p:nvSpPr>
-          <p:cNvPr id="90" name="角丸四角形 89"/>
+          <p:cNvPr id="137" name="角丸四角形 136"/>
           <p:cNvSpPr/>
           <p:nvPr/>
         </p:nvSpPr>
@@ -10290,7 +10665,7 @@
       </p:sp>
       <p:sp>
         <p:nvSpPr>
-          <p:cNvPr id="91" name="テキスト ボックス 90"/>
+          <p:cNvPr id="138" name="テキスト ボックス 137"/>
           <p:cNvSpPr txBox="1"/>
           <p:nvPr/>
         </p:nvSpPr>
@@ -10336,7 +10711,7 @@
       </p:sp>
       <p:sp>
         <p:nvSpPr>
-          <p:cNvPr id="92" name="角丸四角形 91"/>
+          <p:cNvPr id="139" name="角丸四角形 138"/>
           <p:cNvSpPr/>
           <p:nvPr/>
         </p:nvSpPr>
@@ -10399,7 +10774,7 @@
       </p:sp>
       <p:cxnSp>
         <p:nvCxnSpPr>
-          <p:cNvPr id="93" name="直線コネクタ 92"/>
+          <p:cNvPr id="140" name="直線コネクタ 139"/>
           <p:cNvCxnSpPr/>
           <p:nvPr/>
         </p:nvCxnSpPr>
@@ -10437,7 +10812,7 @@
       </p:cxnSp>
       <p:sp>
         <p:nvSpPr>
-          <p:cNvPr id="94" name="テキスト ボックス 93"/>
+          <p:cNvPr id="141" name="テキスト ボックス 140"/>
           <p:cNvSpPr txBox="1"/>
           <p:nvPr/>
         </p:nvSpPr>
@@ -10475,7 +10850,7 @@
       </p:sp>
       <p:sp>
         <p:nvSpPr>
-          <p:cNvPr id="95" name="テキスト ボックス 94"/>
+          <p:cNvPr id="142" name="テキスト ボックス 141"/>
           <p:cNvSpPr txBox="1"/>
           <p:nvPr/>
         </p:nvSpPr>
@@ -10513,7 +10888,7 @@
       </p:sp>
       <p:sp>
         <p:nvSpPr>
-          <p:cNvPr id="96" name="テキスト ボックス 95"/>
+          <p:cNvPr id="143" name="テキスト ボックス 142"/>
           <p:cNvSpPr txBox="1"/>
           <p:nvPr/>
         </p:nvSpPr>
@@ -10551,7 +10926,7 @@
       </p:sp>
       <p:sp>
         <p:nvSpPr>
-          <p:cNvPr id="97" name="二等辺三角形 96"/>
+          <p:cNvPr id="144" name="二等辺三角形 143"/>
           <p:cNvSpPr/>
           <p:nvPr/>
         </p:nvSpPr>
@@ -10596,7 +10971,7 @@
       </p:sp>
       <p:sp>
         <p:nvSpPr>
-          <p:cNvPr id="98" name="二等辺三角形 97"/>
+          <p:cNvPr id="145" name="二等辺三角形 144"/>
           <p:cNvSpPr/>
           <p:nvPr/>
         </p:nvSpPr>
@@ -10641,7 +11016,7 @@
       </p:sp>
       <p:sp>
         <p:nvSpPr>
-          <p:cNvPr id="99" name="テキスト ボックス 98"/>
+          <p:cNvPr id="146" name="テキスト ボックス 145"/>
           <p:cNvSpPr txBox="1"/>
           <p:nvPr/>
         </p:nvSpPr>
@@ -10679,7 +11054,7 @@
       </p:sp>
       <p:sp>
         <p:nvSpPr>
-          <p:cNvPr id="100" name="テキスト ボックス 99"/>
+          <p:cNvPr id="147" name="テキスト ボックス 146"/>
           <p:cNvSpPr txBox="1"/>
           <p:nvPr/>
         </p:nvSpPr>
@@ -10773,7 +11148,7 @@
       </p:sp>
       <p:sp>
         <p:nvSpPr>
-          <p:cNvPr id="101" name="二等辺三角形 100"/>
+          <p:cNvPr id="148" name="二等辺三角形 147"/>
           <p:cNvSpPr/>
           <p:nvPr/>
         </p:nvSpPr>
@@ -10818,7 +11193,7 @@
       </p:sp>
       <p:sp>
         <p:nvSpPr>
-          <p:cNvPr id="102" name="二等辺三角形 101"/>
+          <p:cNvPr id="149" name="二等辺三角形 148"/>
           <p:cNvSpPr/>
           <p:nvPr/>
         </p:nvSpPr>
@@ -10863,7 +11238,7 @@
       </p:sp>
       <p:sp>
         <p:nvSpPr>
-          <p:cNvPr id="103" name="二等辺三角形 102"/>
+          <p:cNvPr id="150" name="二等辺三角形 149"/>
           <p:cNvSpPr/>
           <p:nvPr/>
         </p:nvSpPr>
@@ -10908,7 +11283,7 @@
       </p:sp>
       <p:sp>
         <p:nvSpPr>
-          <p:cNvPr id="104" name="二等辺三角形 103"/>
+          <p:cNvPr id="151" name="二等辺三角形 150"/>
           <p:cNvSpPr/>
           <p:nvPr/>
         </p:nvSpPr>
@@ -10953,7 +11328,7 @@
       </p:sp>
       <p:sp>
         <p:nvSpPr>
-          <p:cNvPr id="105" name="角丸四角形 104"/>
+          <p:cNvPr id="152" name="角丸四角形 151"/>
           <p:cNvSpPr/>
           <p:nvPr/>
         </p:nvSpPr>
@@ -11016,7 +11391,7 @@
       </p:sp>
       <p:pic>
         <p:nvPicPr>
-          <p:cNvPr id="106" name="図 105" descr="trash.png"/>
+          <p:cNvPr id="153" name="図 152" descr="trash.png"/>
           <p:cNvPicPr>
             <a:picLocks noChangeAspect="1"/>
           </p:cNvPicPr>
@@ -11046,7 +11421,7 @@
       </p:pic>
       <p:pic>
         <p:nvPicPr>
-          <p:cNvPr id="107" name="図 106" descr="trash.png"/>
+          <p:cNvPr id="154" name="図 153" descr="trash.png"/>
           <p:cNvPicPr>
             <a:picLocks noChangeAspect="1"/>
           </p:cNvPicPr>
@@ -11076,7 +11451,7 @@
       </p:pic>
       <p:pic>
         <p:nvPicPr>
-          <p:cNvPr id="108" name="図 107" descr="trash.png"/>
+          <p:cNvPr id="155" name="図 154" descr="trash.png"/>
           <p:cNvPicPr>
             <a:picLocks noChangeAspect="1"/>
           </p:cNvPicPr>
@@ -11106,7 +11481,7 @@
       </p:pic>
       <p:pic>
         <p:nvPicPr>
-          <p:cNvPr id="109" name="図 108" descr="trash.png"/>
+          <p:cNvPr id="156" name="図 155" descr="trash.png"/>
           <p:cNvPicPr>
             <a:picLocks noChangeAspect="1"/>
           </p:cNvPicPr>
@@ -11136,7 +11511,7 @@
       </p:pic>
       <p:pic>
         <p:nvPicPr>
-          <p:cNvPr id="110" name="図 109" descr="trash.png"/>
+          <p:cNvPr id="157" name="図 156" descr="trash.png"/>
           <p:cNvPicPr>
             <a:picLocks noChangeAspect="1"/>
           </p:cNvPicPr>
@@ -11166,7 +11541,7 @@
       </p:pic>
       <p:pic>
         <p:nvPicPr>
-          <p:cNvPr id="111" name="図 110" descr="trash.png"/>
+          <p:cNvPr id="158" name="図 157" descr="trash.png"/>
           <p:cNvPicPr>
             <a:picLocks noChangeAspect="1"/>
           </p:cNvPicPr>
@@ -11196,7 +11571,7 @@
       </p:pic>
       <p:pic>
         <p:nvPicPr>
-          <p:cNvPr id="112" name="図 111" descr="trash.png"/>
+          <p:cNvPr id="159" name="図 158" descr="trash.png"/>
           <p:cNvPicPr>
             <a:picLocks noChangeAspect="1"/>
           </p:cNvPicPr>
@@ -11226,7 +11601,7 @@
       </p:pic>
       <p:pic>
         <p:nvPicPr>
-          <p:cNvPr id="113" name="図 112" descr="trash.png"/>
+          <p:cNvPr id="160" name="図 159" descr="trash.png"/>
           <p:cNvPicPr>
             <a:picLocks noChangeAspect="1"/>
           </p:cNvPicPr>
@@ -11256,7 +11631,7 @@
       </p:pic>
       <p:pic>
         <p:nvPicPr>
-          <p:cNvPr id="114" name="図 113" descr="trash.png"/>
+          <p:cNvPr id="161" name="図 160" descr="trash.png"/>
           <p:cNvPicPr>
             <a:picLocks noChangeAspect="1"/>
           </p:cNvPicPr>
@@ -11286,7 +11661,7 @@
       </p:pic>
       <p:pic>
         <p:nvPicPr>
-          <p:cNvPr id="115" name="図 114" descr="trash.png"/>
+          <p:cNvPr id="162" name="図 161" descr="trash.png"/>
           <p:cNvPicPr>
             <a:picLocks noChangeAspect="1"/>
           </p:cNvPicPr>
@@ -11316,7 +11691,7 @@
       </p:pic>
       <p:grpSp>
         <p:nvGrpSpPr>
-          <p:cNvPr id="116" name="図形グループ 115"/>
+          <p:cNvPr id="163" name="図形グループ 162"/>
           <p:cNvGrpSpPr/>
           <p:nvPr/>
         </p:nvGrpSpPr>
@@ -11330,7 +11705,7 @@
         </p:grpSpPr>
         <p:sp>
           <p:nvSpPr>
-            <p:cNvPr id="117" name="角丸四角形 116"/>
+            <p:cNvPr id="164" name="角丸四角形 163"/>
             <p:cNvSpPr/>
             <p:nvPr/>
           </p:nvSpPr>
@@ -11379,7 +11754,7 @@
         </p:sp>
         <p:cxnSp>
           <p:nvCxnSpPr>
-            <p:cNvPr id="118" name="直線コネクタ 117"/>
+            <p:cNvPr id="165" name="直線コネクタ 164"/>
             <p:cNvCxnSpPr/>
             <p:nvPr/>
           </p:nvCxnSpPr>
@@ -11414,7 +11789,7 @@
         </p:cxnSp>
         <p:cxnSp>
           <p:nvCxnSpPr>
-            <p:cNvPr id="119" name="直線コネクタ 118"/>
+            <p:cNvPr id="166" name="直線コネクタ 165"/>
             <p:cNvCxnSpPr/>
             <p:nvPr/>
           </p:nvCxnSpPr>
@@ -11449,7 +11824,7 @@
         </p:cxnSp>
         <p:cxnSp>
           <p:nvCxnSpPr>
-            <p:cNvPr id="120" name="直線コネクタ 119"/>
+            <p:cNvPr id="167" name="直線コネクタ 166"/>
             <p:cNvCxnSpPr/>
             <p:nvPr/>
           </p:nvCxnSpPr>
@@ -11485,7 +11860,7 @@
       </p:grpSp>
       <p:cxnSp>
         <p:nvCxnSpPr>
-          <p:cNvPr id="121" name="直線コネクタ 120"/>
+          <p:cNvPr id="168" name="直線コネクタ 167"/>
           <p:cNvCxnSpPr/>
           <p:nvPr/>
         </p:nvCxnSpPr>
@@ -11523,7 +11898,7 @@
       </p:cxnSp>
       <p:sp>
         <p:nvSpPr>
-          <p:cNvPr id="122" name="テキスト ボックス 121"/>
+          <p:cNvPr id="169" name="テキスト ボックス 168"/>
           <p:cNvSpPr txBox="1"/>
           <p:nvPr/>
         </p:nvSpPr>
@@ -11561,7 +11936,7 @@
       </p:sp>
       <p:sp>
         <p:nvSpPr>
-          <p:cNvPr id="123" name="角丸四角形 122"/>
+          <p:cNvPr id="170" name="角丸四角形 169"/>
           <p:cNvSpPr/>
           <p:nvPr/>
         </p:nvSpPr>
@@ -11606,7 +11981,7 @@
       </p:sp>
       <p:sp>
         <p:nvSpPr>
-          <p:cNvPr id="124" name="テキスト ボックス 123"/>
+          <p:cNvPr id="171" name="テキスト ボックス 170"/>
           <p:cNvSpPr txBox="1"/>
           <p:nvPr/>
         </p:nvSpPr>
@@ -11644,7 +12019,7 @@
       </p:sp>
       <p:sp>
         <p:nvSpPr>
-          <p:cNvPr id="125" name="テキスト ボックス 124"/>
+          <p:cNvPr id="172" name="テキスト ボックス 171"/>
           <p:cNvSpPr txBox="1"/>
           <p:nvPr/>
         </p:nvSpPr>
@@ -11690,7 +12065,7 @@
       </p:sp>
       <p:sp>
         <p:nvSpPr>
-          <p:cNvPr id="126" name="角丸四角形 125"/>
+          <p:cNvPr id="173" name="角丸四角形 172"/>
           <p:cNvSpPr/>
           <p:nvPr/>
         </p:nvSpPr>
@@ -11735,7 +12110,7 @@
       </p:sp>
       <p:grpSp>
         <p:nvGrpSpPr>
-          <p:cNvPr id="127" name="図形グループ 126"/>
+          <p:cNvPr id="174" name="図形グループ 173"/>
           <p:cNvGrpSpPr/>
           <p:nvPr/>
         </p:nvGrpSpPr>
@@ -11749,7 +12124,7 @@
         </p:grpSpPr>
         <p:sp>
           <p:nvSpPr>
-            <p:cNvPr id="128" name="角丸四角形 127"/>
+            <p:cNvPr id="175" name="角丸四角形 174"/>
             <p:cNvSpPr/>
             <p:nvPr/>
           </p:nvSpPr>
@@ -11811,7 +12186,7 @@
         </p:sp>
         <p:sp>
           <p:nvSpPr>
-            <p:cNvPr id="129" name="二等辺三角形 128"/>
+            <p:cNvPr id="176" name="二等辺三角形 175"/>
             <p:cNvSpPr/>
             <p:nvPr/>
           </p:nvSpPr>
@@ -11857,7 +12232,7 @@
       </p:grpSp>
       <p:sp>
         <p:nvSpPr>
-          <p:cNvPr id="130" name="テキスト ボックス 129"/>
+          <p:cNvPr id="177" name="テキスト ボックス 176"/>
           <p:cNvSpPr txBox="1"/>
           <p:nvPr/>
         </p:nvSpPr>
@@ -11903,7 +12278,7 @@
       </p:sp>
       <p:sp>
         <p:nvSpPr>
-          <p:cNvPr id="131" name="角丸四角形 130"/>
+          <p:cNvPr id="178" name="角丸四角形 177"/>
           <p:cNvSpPr/>
           <p:nvPr/>
         </p:nvSpPr>
@@ -11948,7 +12323,7 @@
       </p:sp>
       <p:sp>
         <p:nvSpPr>
-          <p:cNvPr id="132" name="テキスト ボックス 131"/>
+          <p:cNvPr id="179" name="テキスト ボックス 178"/>
           <p:cNvSpPr txBox="1"/>
           <p:nvPr/>
         </p:nvSpPr>
@@ -11994,7 +12369,7 @@
       </p:sp>
       <p:sp>
         <p:nvSpPr>
-          <p:cNvPr id="133" name="角丸四角形 132"/>
+          <p:cNvPr id="180" name="角丸四角形 179"/>
           <p:cNvSpPr/>
           <p:nvPr/>
         </p:nvSpPr>
@@ -12039,7 +12414,7 @@
       </p:sp>
       <p:sp>
         <p:nvSpPr>
-          <p:cNvPr id="134" name="角丸四角形 133"/>
+          <p:cNvPr id="181" name="角丸四角形 180"/>
           <p:cNvSpPr/>
           <p:nvPr/>
         </p:nvSpPr>
@@ -12084,7 +12459,7 @@
       </p:sp>
       <p:sp>
         <p:nvSpPr>
-          <p:cNvPr id="135" name="テキスト ボックス 134"/>
+          <p:cNvPr id="182" name="テキスト ボックス 181"/>
           <p:cNvSpPr txBox="1"/>
           <p:nvPr/>
         </p:nvSpPr>
@@ -12122,7 +12497,7 @@
       </p:sp>
       <p:sp>
         <p:nvSpPr>
-          <p:cNvPr id="136" name="角丸四角形 135"/>
+          <p:cNvPr id="183" name="角丸四角形 182"/>
           <p:cNvSpPr/>
           <p:nvPr/>
         </p:nvSpPr>
@@ -12167,7 +12542,7 @@
       </p:sp>
       <p:sp>
         <p:nvSpPr>
-          <p:cNvPr id="185" name="角丸四角形 184"/>
+          <p:cNvPr id="200" name="角丸四角形 199"/>
           <p:cNvSpPr/>
           <p:nvPr/>
         </p:nvSpPr>
@@ -12230,7 +12605,7 @@
       </p:sp>
       <p:grpSp>
         <p:nvGrpSpPr>
-          <p:cNvPr id="186" name="図形グループ 185"/>
+          <p:cNvPr id="201" name="図形グループ 200"/>
           <p:cNvGrpSpPr/>
           <p:nvPr/>
         </p:nvGrpSpPr>
@@ -12244,7 +12619,7 @@
         </p:grpSpPr>
         <p:sp>
           <p:nvSpPr>
-            <p:cNvPr id="187" name="角丸四角形 186"/>
+            <p:cNvPr id="202" name="角丸四角形 201"/>
             <p:cNvSpPr/>
             <p:nvPr/>
           </p:nvSpPr>
@@ -12293,7 +12668,7 @@
         </p:sp>
         <p:cxnSp>
           <p:nvCxnSpPr>
-            <p:cNvPr id="188" name="直線コネクタ 187"/>
+            <p:cNvPr id="203" name="直線コネクタ 202"/>
             <p:cNvCxnSpPr/>
             <p:nvPr/>
           </p:nvCxnSpPr>
@@ -12328,7 +12703,7 @@
         </p:cxnSp>
         <p:cxnSp>
           <p:nvCxnSpPr>
-            <p:cNvPr id="189" name="直線コネクタ 188"/>
+            <p:cNvPr id="204" name="直線コネクタ 203"/>
             <p:cNvCxnSpPr/>
             <p:nvPr/>
           </p:nvCxnSpPr>
@@ -12363,7 +12738,7 @@
         </p:cxnSp>
         <p:cxnSp>
           <p:nvCxnSpPr>
-            <p:cNvPr id="190" name="直線コネクタ 189"/>
+            <p:cNvPr id="205" name="直線コネクタ 204"/>
             <p:cNvCxnSpPr/>
             <p:nvPr/>
           </p:nvCxnSpPr>
@@ -12399,7 +12774,7 @@
       </p:grpSp>
       <p:sp>
         <p:nvSpPr>
-          <p:cNvPr id="191" name="テキスト ボックス 190"/>
+          <p:cNvPr id="206" name="テキスト ボックス 205"/>
           <p:cNvSpPr txBox="1"/>
           <p:nvPr/>
         </p:nvSpPr>
@@ -12437,7 +12812,7 @@
       </p:sp>
       <p:sp>
         <p:nvSpPr>
-          <p:cNvPr id="192" name="テキスト ボックス 191"/>
+          <p:cNvPr id="207" name="テキスト ボックス 206"/>
           <p:cNvSpPr txBox="1"/>
           <p:nvPr/>
         </p:nvSpPr>
@@ -12475,7 +12850,7 @@
       </p:sp>
       <p:sp>
         <p:nvSpPr>
-          <p:cNvPr id="193" name="円/楕円 192"/>
+          <p:cNvPr id="208" name="円/楕円 207"/>
           <p:cNvSpPr/>
           <p:nvPr/>
         </p:nvSpPr>
@@ -12520,7 +12895,7 @@
       </p:sp>
       <p:sp>
         <p:nvSpPr>
-          <p:cNvPr id="194" name="円/楕円 193"/>
+          <p:cNvPr id="209" name="円/楕円 208"/>
           <p:cNvSpPr/>
           <p:nvPr/>
         </p:nvSpPr>
@@ -12565,7 +12940,7 @@
       </p:sp>
       <p:grpSp>
         <p:nvGrpSpPr>
-          <p:cNvPr id="195" name="図形グループ 194"/>
+          <p:cNvPr id="210" name="図形グループ 209"/>
           <p:cNvGrpSpPr/>
           <p:nvPr/>
         </p:nvGrpSpPr>
@@ -12579,7 +12954,7 @@
         </p:grpSpPr>
         <p:sp>
           <p:nvSpPr>
-            <p:cNvPr id="196" name="角丸四角形 195"/>
+            <p:cNvPr id="211" name="角丸四角形 210"/>
             <p:cNvSpPr/>
             <p:nvPr/>
           </p:nvSpPr>
@@ -12630,7 +13005,7 @@
         </p:sp>
         <p:sp>
           <p:nvSpPr>
-            <p:cNvPr id="197" name="二等辺三角形 196"/>
+            <p:cNvPr id="212" name="二等辺三角形 211"/>
             <p:cNvSpPr/>
             <p:nvPr/>
           </p:nvSpPr>
@@ -12676,7 +13051,7 @@
       </p:grpSp>
       <p:sp>
         <p:nvSpPr>
-          <p:cNvPr id="198" name="テキスト ボックス 197"/>
+          <p:cNvPr id="213" name="テキスト ボックス 212"/>
           <p:cNvSpPr txBox="1"/>
           <p:nvPr/>
         </p:nvSpPr>
@@ -12702,15 +13077,7 @@
                 <a:ea typeface="メイリオ"/>
                 <a:cs typeface="メイリオ"/>
               </a:rPr>
-              <a:t>種類</a:t>
-            </a:r>
-            <a:r>
-              <a:rPr kumimoji="1" lang="ja-JP" altLang="en-US" sz="1000" dirty="0" smtClean="0">
-                <a:latin typeface="メイリオ"/>
-                <a:ea typeface="メイリオ"/>
-                <a:cs typeface="メイリオ"/>
-              </a:rPr>
-              <a:t>：</a:t>
+              <a:t>種類：</a:t>
             </a:r>
             <a:endParaRPr kumimoji="1" lang="ja-JP" altLang="en-US" sz="1000" dirty="0">
               <a:latin typeface="メイリオ"/>
@@ -12722,7 +13089,367 @@
       </p:sp>
       <p:sp>
         <p:nvSpPr>
-          <p:cNvPr id="199" name="正方形/長方形 198"/>
+          <p:cNvPr id="214" name="二等辺三角形 213"/>
+          <p:cNvSpPr/>
+          <p:nvPr/>
+        </p:nvSpPr>
+        <p:spPr>
+          <a:xfrm>
+            <a:off x="2516950" y="2487417"/>
+            <a:ext cx="144000" cy="144000"/>
+          </a:xfrm>
+          <a:prstGeom prst="triangle">
+            <a:avLst/>
+          </a:prstGeom>
+          <a:solidFill>
+            <a:schemeClr val="bg1"/>
+          </a:solidFill>
+          <a:ln>
+            <a:noFill/>
+          </a:ln>
+          <a:effectLst/>
+        </p:spPr>
+        <p:style>
+          <a:lnRef idx="1">
+            <a:schemeClr val="accent1"/>
+          </a:lnRef>
+          <a:fillRef idx="3">
+            <a:schemeClr val="accent1"/>
+          </a:fillRef>
+          <a:effectRef idx="2">
+            <a:schemeClr val="accent1"/>
+          </a:effectRef>
+          <a:fontRef idx="minor">
+            <a:schemeClr val="lt1"/>
+          </a:fontRef>
+        </p:style>
+        <p:txBody>
+          <a:bodyPr rtlCol="0" anchor="ctr"/>
+          <a:lstStyle/>
+          <a:p>
+            <a:pPr algn="ctr"/>
+            <a:endParaRPr kumimoji="1" lang="ja-JP" altLang="en-US"/>
+          </a:p>
+        </p:txBody>
+      </p:sp>
+      <p:sp>
+        <p:nvSpPr>
+          <p:cNvPr id="215" name="二等辺三角形 214"/>
+          <p:cNvSpPr/>
+          <p:nvPr/>
+        </p:nvSpPr>
+        <p:spPr>
+          <a:xfrm rot="10800000">
+            <a:off x="2516951" y="2642657"/>
+            <a:ext cx="144000" cy="144000"/>
+          </a:xfrm>
+          <a:prstGeom prst="triangle">
+            <a:avLst/>
+          </a:prstGeom>
+          <a:solidFill>
+            <a:schemeClr val="bg1"/>
+          </a:solidFill>
+          <a:ln>
+            <a:noFill/>
+          </a:ln>
+          <a:effectLst/>
+        </p:spPr>
+        <p:style>
+          <a:lnRef idx="1">
+            <a:schemeClr val="accent1"/>
+          </a:lnRef>
+          <a:fillRef idx="3">
+            <a:schemeClr val="accent1"/>
+          </a:fillRef>
+          <a:effectRef idx="2">
+            <a:schemeClr val="accent1"/>
+          </a:effectRef>
+          <a:fontRef idx="minor">
+            <a:schemeClr val="lt1"/>
+          </a:fontRef>
+        </p:style>
+        <p:txBody>
+          <a:bodyPr rtlCol="0" anchor="ctr"/>
+          <a:lstStyle/>
+          <a:p>
+            <a:pPr algn="ctr"/>
+            <a:endParaRPr kumimoji="1" lang="ja-JP" altLang="en-US"/>
+          </a:p>
+        </p:txBody>
+      </p:sp>
+      <p:sp>
+        <p:nvSpPr>
+          <p:cNvPr id="216" name="二等辺三角形 215"/>
+          <p:cNvSpPr/>
+          <p:nvPr/>
+        </p:nvSpPr>
+        <p:spPr>
+          <a:xfrm>
+            <a:off x="4227925" y="2489732"/>
+            <a:ext cx="144000" cy="144000"/>
+          </a:xfrm>
+          <a:prstGeom prst="triangle">
+            <a:avLst/>
+          </a:prstGeom>
+          <a:solidFill>
+            <a:schemeClr val="bg1"/>
+          </a:solidFill>
+          <a:ln>
+            <a:noFill/>
+          </a:ln>
+          <a:effectLst/>
+        </p:spPr>
+        <p:style>
+          <a:lnRef idx="1">
+            <a:schemeClr val="accent1"/>
+          </a:lnRef>
+          <a:fillRef idx="3">
+            <a:schemeClr val="accent1"/>
+          </a:fillRef>
+          <a:effectRef idx="2">
+            <a:schemeClr val="accent1"/>
+          </a:effectRef>
+          <a:fontRef idx="minor">
+            <a:schemeClr val="lt1"/>
+          </a:fontRef>
+        </p:style>
+        <p:txBody>
+          <a:bodyPr rtlCol="0" anchor="ctr"/>
+          <a:lstStyle/>
+          <a:p>
+            <a:pPr algn="ctr"/>
+            <a:endParaRPr kumimoji="1" lang="ja-JP" altLang="en-US"/>
+          </a:p>
+        </p:txBody>
+      </p:sp>
+      <p:sp>
+        <p:nvSpPr>
+          <p:cNvPr id="217" name="二等辺三角形 216"/>
+          <p:cNvSpPr/>
+          <p:nvPr/>
+        </p:nvSpPr>
+        <p:spPr>
+          <a:xfrm rot="10800000">
+            <a:off x="4227926" y="2644972"/>
+            <a:ext cx="144000" cy="144000"/>
+          </a:xfrm>
+          <a:prstGeom prst="triangle">
+            <a:avLst/>
+          </a:prstGeom>
+          <a:solidFill>
+            <a:schemeClr val="bg1"/>
+          </a:solidFill>
+          <a:ln>
+            <a:noFill/>
+          </a:ln>
+          <a:effectLst/>
+        </p:spPr>
+        <p:style>
+          <a:lnRef idx="1">
+            <a:schemeClr val="accent1"/>
+          </a:lnRef>
+          <a:fillRef idx="3">
+            <a:schemeClr val="accent1"/>
+          </a:fillRef>
+          <a:effectRef idx="2">
+            <a:schemeClr val="accent1"/>
+          </a:effectRef>
+          <a:fontRef idx="minor">
+            <a:schemeClr val="lt1"/>
+          </a:fontRef>
+        </p:style>
+        <p:txBody>
+          <a:bodyPr rtlCol="0" anchor="ctr"/>
+          <a:lstStyle/>
+          <a:p>
+            <a:pPr algn="ctr"/>
+            <a:endParaRPr kumimoji="1" lang="ja-JP" altLang="en-US"/>
+          </a:p>
+        </p:txBody>
+      </p:sp>
+      <p:sp>
+        <p:nvSpPr>
+          <p:cNvPr id="218" name="二等辺三角形 217"/>
+          <p:cNvSpPr/>
+          <p:nvPr/>
+        </p:nvSpPr>
+        <p:spPr>
+          <a:xfrm>
+            <a:off x="5950445" y="2492047"/>
+            <a:ext cx="144000" cy="144000"/>
+          </a:xfrm>
+          <a:prstGeom prst="triangle">
+            <a:avLst/>
+          </a:prstGeom>
+          <a:solidFill>
+            <a:schemeClr val="bg1"/>
+          </a:solidFill>
+          <a:ln>
+            <a:noFill/>
+          </a:ln>
+          <a:effectLst/>
+        </p:spPr>
+        <p:style>
+          <a:lnRef idx="1">
+            <a:schemeClr val="accent1"/>
+          </a:lnRef>
+          <a:fillRef idx="3">
+            <a:schemeClr val="accent1"/>
+          </a:fillRef>
+          <a:effectRef idx="2">
+            <a:schemeClr val="accent1"/>
+          </a:effectRef>
+          <a:fontRef idx="minor">
+            <a:schemeClr val="lt1"/>
+          </a:fontRef>
+        </p:style>
+        <p:txBody>
+          <a:bodyPr rtlCol="0" anchor="ctr"/>
+          <a:lstStyle/>
+          <a:p>
+            <a:pPr algn="ctr"/>
+            <a:endParaRPr kumimoji="1" lang="ja-JP" altLang="en-US"/>
+          </a:p>
+        </p:txBody>
+      </p:sp>
+      <p:sp>
+        <p:nvSpPr>
+          <p:cNvPr id="219" name="二等辺三角形 218"/>
+          <p:cNvSpPr/>
+          <p:nvPr/>
+        </p:nvSpPr>
+        <p:spPr>
+          <a:xfrm rot="10800000">
+            <a:off x="5950446" y="2647287"/>
+            <a:ext cx="144000" cy="144000"/>
+          </a:xfrm>
+          <a:prstGeom prst="triangle">
+            <a:avLst/>
+          </a:prstGeom>
+          <a:solidFill>
+            <a:schemeClr val="bg1"/>
+          </a:solidFill>
+          <a:ln>
+            <a:noFill/>
+          </a:ln>
+          <a:effectLst/>
+        </p:spPr>
+        <p:style>
+          <a:lnRef idx="1">
+            <a:schemeClr val="accent1"/>
+          </a:lnRef>
+          <a:fillRef idx="3">
+            <a:schemeClr val="accent1"/>
+          </a:fillRef>
+          <a:effectRef idx="2">
+            <a:schemeClr val="accent1"/>
+          </a:effectRef>
+          <a:fontRef idx="minor">
+            <a:schemeClr val="lt1"/>
+          </a:fontRef>
+        </p:style>
+        <p:txBody>
+          <a:bodyPr rtlCol="0" anchor="ctr"/>
+          <a:lstStyle/>
+          <a:p>
+            <a:pPr algn="ctr"/>
+            <a:endParaRPr kumimoji="1" lang="ja-JP" altLang="en-US"/>
+          </a:p>
+        </p:txBody>
+      </p:sp>
+      <p:sp>
+        <p:nvSpPr>
+          <p:cNvPr id="220" name="二等辺三角形 219"/>
+          <p:cNvSpPr/>
+          <p:nvPr/>
+        </p:nvSpPr>
+        <p:spPr>
+          <a:xfrm>
+            <a:off x="7672965" y="2494362"/>
+            <a:ext cx="144000" cy="144000"/>
+          </a:xfrm>
+          <a:prstGeom prst="triangle">
+            <a:avLst/>
+          </a:prstGeom>
+          <a:solidFill>
+            <a:schemeClr val="bg1"/>
+          </a:solidFill>
+          <a:ln>
+            <a:noFill/>
+          </a:ln>
+          <a:effectLst/>
+        </p:spPr>
+        <p:style>
+          <a:lnRef idx="1">
+            <a:schemeClr val="accent1"/>
+          </a:lnRef>
+          <a:fillRef idx="3">
+            <a:schemeClr val="accent1"/>
+          </a:fillRef>
+          <a:effectRef idx="2">
+            <a:schemeClr val="accent1"/>
+          </a:effectRef>
+          <a:fontRef idx="minor">
+            <a:schemeClr val="lt1"/>
+          </a:fontRef>
+        </p:style>
+        <p:txBody>
+          <a:bodyPr rtlCol="0" anchor="ctr"/>
+          <a:lstStyle/>
+          <a:p>
+            <a:pPr algn="ctr"/>
+            <a:endParaRPr kumimoji="1" lang="ja-JP" altLang="en-US"/>
+          </a:p>
+        </p:txBody>
+      </p:sp>
+      <p:sp>
+        <p:nvSpPr>
+          <p:cNvPr id="221" name="二等辺三角形 220"/>
+          <p:cNvSpPr/>
+          <p:nvPr/>
+        </p:nvSpPr>
+        <p:spPr>
+          <a:xfrm rot="10800000">
+            <a:off x="7672966" y="2649602"/>
+            <a:ext cx="144000" cy="144000"/>
+          </a:xfrm>
+          <a:prstGeom prst="triangle">
+            <a:avLst/>
+          </a:prstGeom>
+          <a:solidFill>
+            <a:schemeClr val="bg1"/>
+          </a:solidFill>
+          <a:ln>
+            <a:noFill/>
+          </a:ln>
+          <a:effectLst/>
+        </p:spPr>
+        <p:style>
+          <a:lnRef idx="1">
+            <a:schemeClr val="accent1"/>
+          </a:lnRef>
+          <a:fillRef idx="3">
+            <a:schemeClr val="accent1"/>
+          </a:fillRef>
+          <a:effectRef idx="2">
+            <a:schemeClr val="accent1"/>
+          </a:effectRef>
+          <a:fontRef idx="minor">
+            <a:schemeClr val="lt1"/>
+          </a:fontRef>
+        </p:style>
+        <p:txBody>
+          <a:bodyPr rtlCol="0" anchor="ctr"/>
+          <a:lstStyle/>
+          <a:p>
+            <a:pPr algn="ctr"/>
+            <a:endParaRPr kumimoji="1" lang="ja-JP" altLang="en-US"/>
+          </a:p>
+        </p:txBody>
+      </p:sp>
+      <p:sp>
+        <p:nvSpPr>
+          <p:cNvPr id="222" name="正方形/長方形 221"/>
           <p:cNvSpPr/>
           <p:nvPr/>
         </p:nvSpPr>
@@ -12848,7 +13575,7 @@
     </p:spTree>
     <p:extLst>
       <p:ext uri="{BB962C8B-B14F-4D97-AF65-F5344CB8AC3E}">
-        <p14:creationId xmlns:p14="http://schemas.microsoft.com/office/powerpoint/2010/main" val="3124408554"/>
+        <p14:creationId xmlns:p14="http://schemas.microsoft.com/office/powerpoint/2010/main" val="317780623"/>
       </p:ext>
     </p:extLst>
   </p:cSld>
@@ -12877,14 +13604,14 @@
       </p:grpSpPr>
       <p:graphicFrame>
         <p:nvGraphicFramePr>
-          <p:cNvPr id="102" name="表 101"/>
+          <p:cNvPr id="80" name="表 79"/>
           <p:cNvGraphicFramePr>
             <a:graphicFrameLocks noGrp="1"/>
           </p:cNvGraphicFramePr>
           <p:nvPr>
             <p:extLst>
               <p:ext uri="{D42A27DB-BD31-4B8C-83A1-F6EECF244321}">
-                <p14:modId xmlns:p14="http://schemas.microsoft.com/office/powerpoint/2010/main" val="171597873"/>
+                <p14:modId xmlns:p14="http://schemas.microsoft.com/office/powerpoint/2010/main" val="1358158467"/>
               </p:ext>
             </p:extLst>
           </p:nvPr>
@@ -13379,7 +14106,7 @@
       </p:graphicFrame>
       <p:sp>
         <p:nvSpPr>
-          <p:cNvPr id="103" name="正方形/長方形 102"/>
+          <p:cNvPr id="81" name="正方形/長方形 80"/>
           <p:cNvSpPr/>
           <p:nvPr/>
         </p:nvSpPr>
@@ -13431,7 +14158,7 @@
       </p:sp>
       <p:sp>
         <p:nvSpPr>
-          <p:cNvPr id="104" name="角丸四角形 103"/>
+          <p:cNvPr id="82" name="角丸四角形 81"/>
           <p:cNvSpPr/>
           <p:nvPr/>
         </p:nvSpPr>
@@ -13476,7 +14203,7 @@
       </p:sp>
       <p:sp>
         <p:nvSpPr>
-          <p:cNvPr id="105" name="テキスト ボックス 104"/>
+          <p:cNvPr id="83" name="テキスト ボックス 82"/>
           <p:cNvSpPr txBox="1"/>
           <p:nvPr/>
         </p:nvSpPr>
@@ -13514,7 +14241,7 @@
       </p:sp>
       <p:sp>
         <p:nvSpPr>
-          <p:cNvPr id="106" name="角丸四角形 105"/>
+          <p:cNvPr id="84" name="角丸四角形 83"/>
           <p:cNvSpPr/>
           <p:nvPr/>
         </p:nvSpPr>
@@ -13559,7 +14286,7 @@
       </p:sp>
       <p:sp>
         <p:nvSpPr>
-          <p:cNvPr id="107" name="テキスト ボックス 106"/>
+          <p:cNvPr id="85" name="テキスト ボックス 84"/>
           <p:cNvSpPr txBox="1"/>
           <p:nvPr/>
         </p:nvSpPr>
@@ -13605,7 +14332,7 @@
       </p:sp>
       <p:sp>
         <p:nvSpPr>
-          <p:cNvPr id="108" name="角丸四角形 107"/>
+          <p:cNvPr id="86" name="角丸四角形 85"/>
           <p:cNvSpPr/>
           <p:nvPr/>
         </p:nvSpPr>
@@ -13650,7 +14377,7 @@
       </p:sp>
       <p:sp>
         <p:nvSpPr>
-          <p:cNvPr id="109" name="テキスト ボックス 108"/>
+          <p:cNvPr id="87" name="テキスト ボックス 86"/>
           <p:cNvSpPr txBox="1"/>
           <p:nvPr/>
         </p:nvSpPr>
@@ -13696,7 +14423,7 @@
       </p:sp>
       <p:sp>
         <p:nvSpPr>
-          <p:cNvPr id="110" name="角丸四角形 109"/>
+          <p:cNvPr id="88" name="角丸四角形 87"/>
           <p:cNvSpPr/>
           <p:nvPr/>
         </p:nvSpPr>
@@ -13741,7 +14468,7 @@
       </p:sp>
       <p:sp>
         <p:nvSpPr>
-          <p:cNvPr id="111" name="テキスト ボックス 110"/>
+          <p:cNvPr id="89" name="テキスト ボックス 88"/>
           <p:cNvSpPr txBox="1"/>
           <p:nvPr/>
         </p:nvSpPr>
@@ -13787,7 +14514,7 @@
       </p:sp>
       <p:sp>
         <p:nvSpPr>
-          <p:cNvPr id="112" name="角丸四角形 111"/>
+          <p:cNvPr id="90" name="角丸四角形 89"/>
           <p:cNvSpPr/>
           <p:nvPr/>
         </p:nvSpPr>
@@ -13850,7 +14577,7 @@
       </p:sp>
       <p:cxnSp>
         <p:nvCxnSpPr>
-          <p:cNvPr id="113" name="直線コネクタ 112"/>
+          <p:cNvPr id="91" name="直線コネクタ 90"/>
           <p:cNvCxnSpPr/>
           <p:nvPr/>
         </p:nvCxnSpPr>
@@ -13888,7 +14615,7 @@
       </p:cxnSp>
       <p:sp>
         <p:nvSpPr>
-          <p:cNvPr id="114" name="テキスト ボックス 113"/>
+          <p:cNvPr id="92" name="テキスト ボックス 91"/>
           <p:cNvSpPr txBox="1"/>
           <p:nvPr/>
         </p:nvSpPr>
@@ -13926,7 +14653,7 @@
       </p:sp>
       <p:sp>
         <p:nvSpPr>
-          <p:cNvPr id="115" name="テキスト ボックス 114"/>
+          <p:cNvPr id="93" name="テキスト ボックス 92"/>
           <p:cNvSpPr txBox="1"/>
           <p:nvPr/>
         </p:nvSpPr>
@@ -13964,7 +14691,7 @@
       </p:sp>
       <p:sp>
         <p:nvSpPr>
-          <p:cNvPr id="116" name="テキスト ボックス 115"/>
+          <p:cNvPr id="94" name="テキスト ボックス 93"/>
           <p:cNvSpPr txBox="1"/>
           <p:nvPr/>
         </p:nvSpPr>
@@ -14002,7 +14729,7 @@
       </p:sp>
       <p:sp>
         <p:nvSpPr>
-          <p:cNvPr id="117" name="二等辺三角形 116"/>
+          <p:cNvPr id="95" name="二等辺三角形 94"/>
           <p:cNvSpPr/>
           <p:nvPr/>
         </p:nvSpPr>
@@ -14047,7 +14774,7 @@
       </p:sp>
       <p:sp>
         <p:nvSpPr>
-          <p:cNvPr id="118" name="二等辺三角形 117"/>
+          <p:cNvPr id="96" name="二等辺三角形 95"/>
           <p:cNvSpPr/>
           <p:nvPr/>
         </p:nvSpPr>
@@ -14092,7 +14819,7 @@
       </p:sp>
       <p:sp>
         <p:nvSpPr>
-          <p:cNvPr id="119" name="テキスト ボックス 118"/>
+          <p:cNvPr id="97" name="テキスト ボックス 96"/>
           <p:cNvSpPr txBox="1"/>
           <p:nvPr/>
         </p:nvSpPr>
@@ -14130,7 +14857,7 @@
       </p:sp>
       <p:sp>
         <p:nvSpPr>
-          <p:cNvPr id="120" name="テキスト ボックス 119"/>
+          <p:cNvPr id="98" name="テキスト ボックス 97"/>
           <p:cNvSpPr txBox="1"/>
           <p:nvPr/>
         </p:nvSpPr>
@@ -14224,7 +14951,7 @@
       </p:sp>
       <p:sp>
         <p:nvSpPr>
-          <p:cNvPr id="121" name="二等辺三角形 120"/>
+          <p:cNvPr id="99" name="二等辺三角形 98"/>
           <p:cNvSpPr/>
           <p:nvPr/>
         </p:nvSpPr>
@@ -14269,7 +14996,7 @@
       </p:sp>
       <p:sp>
         <p:nvSpPr>
-          <p:cNvPr id="122" name="二等辺三角形 121"/>
+          <p:cNvPr id="100" name="二等辺三角形 99"/>
           <p:cNvSpPr/>
           <p:nvPr/>
         </p:nvSpPr>
@@ -14314,7 +15041,7 @@
       </p:sp>
       <p:sp>
         <p:nvSpPr>
-          <p:cNvPr id="123" name="二等辺三角形 122"/>
+          <p:cNvPr id="101" name="二等辺三角形 100"/>
           <p:cNvSpPr/>
           <p:nvPr/>
         </p:nvSpPr>
@@ -14359,7 +15086,7 @@
       </p:sp>
       <p:sp>
         <p:nvSpPr>
-          <p:cNvPr id="124" name="二等辺三角形 123"/>
+          <p:cNvPr id="140" name="二等辺三角形 139"/>
           <p:cNvSpPr/>
           <p:nvPr/>
         </p:nvSpPr>
@@ -14404,7 +15131,7 @@
       </p:sp>
       <p:sp>
         <p:nvSpPr>
-          <p:cNvPr id="125" name="角丸四角形 124"/>
+          <p:cNvPr id="141" name="角丸四角形 140"/>
           <p:cNvSpPr/>
           <p:nvPr/>
         </p:nvSpPr>
@@ -14467,7 +15194,7 @@
       </p:sp>
       <p:pic>
         <p:nvPicPr>
-          <p:cNvPr id="126" name="図 125" descr="trash.png"/>
+          <p:cNvPr id="142" name="図 141" descr="trash.png"/>
           <p:cNvPicPr>
             <a:picLocks noChangeAspect="1"/>
           </p:cNvPicPr>
@@ -14497,7 +15224,7 @@
       </p:pic>
       <p:pic>
         <p:nvPicPr>
-          <p:cNvPr id="127" name="図 126" descr="trash.png"/>
+          <p:cNvPr id="143" name="図 142" descr="trash.png"/>
           <p:cNvPicPr>
             <a:picLocks noChangeAspect="1"/>
           </p:cNvPicPr>
@@ -14527,7 +15254,7 @@
       </p:pic>
       <p:pic>
         <p:nvPicPr>
-          <p:cNvPr id="128" name="図 127" descr="trash.png"/>
+          <p:cNvPr id="144" name="図 143" descr="trash.png"/>
           <p:cNvPicPr>
             <a:picLocks noChangeAspect="1"/>
           </p:cNvPicPr>
@@ -14557,7 +15284,7 @@
       </p:pic>
       <p:pic>
         <p:nvPicPr>
-          <p:cNvPr id="129" name="図 128" descr="trash.png"/>
+          <p:cNvPr id="145" name="図 144" descr="trash.png"/>
           <p:cNvPicPr>
             <a:picLocks noChangeAspect="1"/>
           </p:cNvPicPr>
@@ -14587,7 +15314,7 @@
       </p:pic>
       <p:pic>
         <p:nvPicPr>
-          <p:cNvPr id="130" name="図 129" descr="trash.png"/>
+          <p:cNvPr id="146" name="図 145" descr="trash.png"/>
           <p:cNvPicPr>
             <a:picLocks noChangeAspect="1"/>
           </p:cNvPicPr>
@@ -14617,7 +15344,7 @@
       </p:pic>
       <p:pic>
         <p:nvPicPr>
-          <p:cNvPr id="131" name="図 130" descr="trash.png"/>
+          <p:cNvPr id="147" name="図 146" descr="trash.png"/>
           <p:cNvPicPr>
             <a:picLocks noChangeAspect="1"/>
           </p:cNvPicPr>
@@ -14647,7 +15374,7 @@
       </p:pic>
       <p:pic>
         <p:nvPicPr>
-          <p:cNvPr id="132" name="図 131" descr="trash.png"/>
+          <p:cNvPr id="148" name="図 147" descr="trash.png"/>
           <p:cNvPicPr>
             <a:picLocks noChangeAspect="1"/>
           </p:cNvPicPr>
@@ -14677,7 +15404,7 @@
       </p:pic>
       <p:pic>
         <p:nvPicPr>
-          <p:cNvPr id="133" name="図 132" descr="trash.png"/>
+          <p:cNvPr id="149" name="図 148" descr="trash.png"/>
           <p:cNvPicPr>
             <a:picLocks noChangeAspect="1"/>
           </p:cNvPicPr>
@@ -14707,7 +15434,7 @@
       </p:pic>
       <p:pic>
         <p:nvPicPr>
-          <p:cNvPr id="134" name="図 133" descr="trash.png"/>
+          <p:cNvPr id="150" name="図 149" descr="trash.png"/>
           <p:cNvPicPr>
             <a:picLocks noChangeAspect="1"/>
           </p:cNvPicPr>
@@ -14737,7 +15464,7 @@
       </p:pic>
       <p:pic>
         <p:nvPicPr>
-          <p:cNvPr id="135" name="図 134" descr="trash.png"/>
+          <p:cNvPr id="151" name="図 150" descr="trash.png"/>
           <p:cNvPicPr>
             <a:picLocks noChangeAspect="1"/>
           </p:cNvPicPr>
@@ -14767,7 +15494,7 @@
       </p:pic>
       <p:grpSp>
         <p:nvGrpSpPr>
-          <p:cNvPr id="136" name="図形グループ 135"/>
+          <p:cNvPr id="152" name="図形グループ 151"/>
           <p:cNvGrpSpPr/>
           <p:nvPr/>
         </p:nvGrpSpPr>
@@ -14781,7 +15508,7 @@
         </p:grpSpPr>
         <p:sp>
           <p:nvSpPr>
-            <p:cNvPr id="137" name="角丸四角形 136"/>
+            <p:cNvPr id="153" name="角丸四角形 152"/>
             <p:cNvSpPr/>
             <p:nvPr/>
           </p:nvSpPr>
@@ -14830,7 +15557,7 @@
         </p:sp>
         <p:cxnSp>
           <p:nvCxnSpPr>
-            <p:cNvPr id="138" name="直線コネクタ 137"/>
+            <p:cNvPr id="154" name="直線コネクタ 153"/>
             <p:cNvCxnSpPr/>
             <p:nvPr/>
           </p:nvCxnSpPr>
@@ -14865,7 +15592,7 @@
         </p:cxnSp>
         <p:cxnSp>
           <p:nvCxnSpPr>
-            <p:cNvPr id="139" name="直線コネクタ 138"/>
+            <p:cNvPr id="155" name="直線コネクタ 154"/>
             <p:cNvCxnSpPr/>
             <p:nvPr/>
           </p:nvCxnSpPr>
@@ -14900,7 +15627,7 @@
         </p:cxnSp>
         <p:cxnSp>
           <p:nvCxnSpPr>
-            <p:cNvPr id="195" name="直線コネクタ 194"/>
+            <p:cNvPr id="156" name="直線コネクタ 155"/>
             <p:cNvCxnSpPr/>
             <p:nvPr/>
           </p:nvCxnSpPr>
@@ -14936,7 +15663,7 @@
       </p:grpSp>
       <p:cxnSp>
         <p:nvCxnSpPr>
-          <p:cNvPr id="196" name="直線コネクタ 195"/>
+          <p:cNvPr id="157" name="直線コネクタ 156"/>
           <p:cNvCxnSpPr/>
           <p:nvPr/>
         </p:nvCxnSpPr>
@@ -14974,7 +15701,7 @@
       </p:cxnSp>
       <p:sp>
         <p:nvSpPr>
-          <p:cNvPr id="197" name="テキスト ボックス 196"/>
+          <p:cNvPr id="158" name="テキスト ボックス 157"/>
           <p:cNvSpPr txBox="1"/>
           <p:nvPr/>
         </p:nvSpPr>
@@ -15012,7 +15739,7 @@
       </p:sp>
       <p:sp>
         <p:nvSpPr>
-          <p:cNvPr id="198" name="角丸四角形 197"/>
+          <p:cNvPr id="159" name="角丸四角形 158"/>
           <p:cNvSpPr/>
           <p:nvPr/>
         </p:nvSpPr>
@@ -15057,7 +15784,7 @@
       </p:sp>
       <p:sp>
         <p:nvSpPr>
-          <p:cNvPr id="199" name="テキスト ボックス 198"/>
+          <p:cNvPr id="160" name="テキスト ボックス 159"/>
           <p:cNvSpPr txBox="1"/>
           <p:nvPr/>
         </p:nvSpPr>
@@ -15095,7 +15822,7 @@
       </p:sp>
       <p:sp>
         <p:nvSpPr>
-          <p:cNvPr id="200" name="テキスト ボックス 199"/>
+          <p:cNvPr id="161" name="テキスト ボックス 160"/>
           <p:cNvSpPr txBox="1"/>
           <p:nvPr/>
         </p:nvSpPr>
@@ -15141,7 +15868,7 @@
       </p:sp>
       <p:sp>
         <p:nvSpPr>
-          <p:cNvPr id="201" name="角丸四角形 200"/>
+          <p:cNvPr id="162" name="角丸四角形 161"/>
           <p:cNvSpPr/>
           <p:nvPr/>
         </p:nvSpPr>
@@ -15186,7 +15913,7 @@
       </p:sp>
       <p:grpSp>
         <p:nvGrpSpPr>
-          <p:cNvPr id="202" name="図形グループ 201"/>
+          <p:cNvPr id="163" name="図形グループ 162"/>
           <p:cNvGrpSpPr/>
           <p:nvPr/>
         </p:nvGrpSpPr>
@@ -15200,7 +15927,7 @@
         </p:grpSpPr>
         <p:sp>
           <p:nvSpPr>
-            <p:cNvPr id="203" name="角丸四角形 202"/>
+            <p:cNvPr id="164" name="角丸四角形 163"/>
             <p:cNvSpPr/>
             <p:nvPr/>
           </p:nvSpPr>
@@ -15262,7 +15989,7 @@
         </p:sp>
         <p:sp>
           <p:nvSpPr>
-            <p:cNvPr id="204" name="二等辺三角形 203"/>
+            <p:cNvPr id="165" name="二等辺三角形 164"/>
             <p:cNvSpPr/>
             <p:nvPr/>
           </p:nvSpPr>
@@ -15308,7 +16035,7 @@
       </p:grpSp>
       <p:sp>
         <p:nvSpPr>
-          <p:cNvPr id="205" name="テキスト ボックス 204"/>
+          <p:cNvPr id="166" name="テキスト ボックス 165"/>
           <p:cNvSpPr txBox="1"/>
           <p:nvPr/>
         </p:nvSpPr>
@@ -15354,7 +16081,7 @@
       </p:sp>
       <p:sp>
         <p:nvSpPr>
-          <p:cNvPr id="206" name="角丸四角形 205"/>
+          <p:cNvPr id="167" name="角丸四角形 166"/>
           <p:cNvSpPr/>
           <p:nvPr/>
         </p:nvSpPr>
@@ -15399,7 +16126,7 @@
       </p:sp>
       <p:sp>
         <p:nvSpPr>
-          <p:cNvPr id="207" name="テキスト ボックス 206"/>
+          <p:cNvPr id="168" name="テキスト ボックス 167"/>
           <p:cNvSpPr txBox="1"/>
           <p:nvPr/>
         </p:nvSpPr>
@@ -15445,7 +16172,7 @@
       </p:sp>
       <p:sp>
         <p:nvSpPr>
-          <p:cNvPr id="208" name="角丸四角形 207"/>
+          <p:cNvPr id="169" name="角丸四角形 168"/>
           <p:cNvSpPr/>
           <p:nvPr/>
         </p:nvSpPr>
@@ -15490,7 +16217,7 @@
       </p:sp>
       <p:sp>
         <p:nvSpPr>
-          <p:cNvPr id="209" name="角丸四角形 208"/>
+          <p:cNvPr id="170" name="角丸四角形 169"/>
           <p:cNvSpPr/>
           <p:nvPr/>
         </p:nvSpPr>
@@ -15535,7 +16262,7 @@
       </p:sp>
       <p:sp>
         <p:nvSpPr>
-          <p:cNvPr id="210" name="テキスト ボックス 209"/>
+          <p:cNvPr id="171" name="テキスト ボックス 170"/>
           <p:cNvSpPr txBox="1"/>
           <p:nvPr/>
         </p:nvSpPr>
@@ -15573,7 +16300,7 @@
       </p:sp>
       <p:sp>
         <p:nvSpPr>
-          <p:cNvPr id="211" name="角丸四角形 210"/>
+          <p:cNvPr id="172" name="角丸四角形 171"/>
           <p:cNvSpPr/>
           <p:nvPr/>
         </p:nvSpPr>
@@ -15618,7 +16345,7 @@
       </p:sp>
       <p:sp>
         <p:nvSpPr>
-          <p:cNvPr id="212" name="角丸四角形 211"/>
+          <p:cNvPr id="173" name="角丸四角形 172"/>
           <p:cNvSpPr/>
           <p:nvPr/>
         </p:nvSpPr>
@@ -15681,7 +16408,7 @@
       </p:sp>
       <p:grpSp>
         <p:nvGrpSpPr>
-          <p:cNvPr id="213" name="図形グループ 212"/>
+          <p:cNvPr id="174" name="図形グループ 173"/>
           <p:cNvGrpSpPr/>
           <p:nvPr/>
         </p:nvGrpSpPr>
@@ -15695,7 +16422,7 @@
         </p:grpSpPr>
         <p:sp>
           <p:nvSpPr>
-            <p:cNvPr id="214" name="角丸四角形 213"/>
+            <p:cNvPr id="175" name="角丸四角形 174"/>
             <p:cNvSpPr/>
             <p:nvPr/>
           </p:nvSpPr>
@@ -15744,7 +16471,7 @@
         </p:sp>
         <p:cxnSp>
           <p:nvCxnSpPr>
-            <p:cNvPr id="215" name="直線コネクタ 214"/>
+            <p:cNvPr id="176" name="直線コネクタ 175"/>
             <p:cNvCxnSpPr/>
             <p:nvPr/>
           </p:nvCxnSpPr>
@@ -15779,7 +16506,7 @@
         </p:cxnSp>
         <p:cxnSp>
           <p:nvCxnSpPr>
-            <p:cNvPr id="216" name="直線コネクタ 215"/>
+            <p:cNvPr id="177" name="直線コネクタ 176"/>
             <p:cNvCxnSpPr/>
             <p:nvPr/>
           </p:nvCxnSpPr>
@@ -15814,7 +16541,7 @@
         </p:cxnSp>
         <p:cxnSp>
           <p:nvCxnSpPr>
-            <p:cNvPr id="217" name="直線コネクタ 216"/>
+            <p:cNvPr id="178" name="直線コネクタ 177"/>
             <p:cNvCxnSpPr/>
             <p:nvPr/>
           </p:nvCxnSpPr>
@@ -15850,7 +16577,7 @@
       </p:grpSp>
       <p:sp>
         <p:nvSpPr>
-          <p:cNvPr id="218" name="テキスト ボックス 217"/>
+          <p:cNvPr id="179" name="テキスト ボックス 178"/>
           <p:cNvSpPr txBox="1"/>
           <p:nvPr/>
         </p:nvSpPr>
@@ -15888,7 +16615,7 @@
       </p:sp>
       <p:sp>
         <p:nvSpPr>
-          <p:cNvPr id="219" name="テキスト ボックス 218"/>
+          <p:cNvPr id="180" name="テキスト ボックス 179"/>
           <p:cNvSpPr txBox="1"/>
           <p:nvPr/>
         </p:nvSpPr>
@@ -15926,7 +16653,7 @@
       </p:sp>
       <p:sp>
         <p:nvSpPr>
-          <p:cNvPr id="220" name="円/楕円 219"/>
+          <p:cNvPr id="181" name="円/楕円 180"/>
           <p:cNvSpPr/>
           <p:nvPr/>
         </p:nvSpPr>
@@ -15971,7 +16698,7 @@
       </p:sp>
       <p:sp>
         <p:nvSpPr>
-          <p:cNvPr id="221" name="円/楕円 220"/>
+          <p:cNvPr id="182" name="円/楕円 181"/>
           <p:cNvSpPr/>
           <p:nvPr/>
         </p:nvSpPr>
@@ -16016,7 +16743,7 @@
       </p:sp>
       <p:grpSp>
         <p:nvGrpSpPr>
-          <p:cNvPr id="222" name="図形グループ 221"/>
+          <p:cNvPr id="183" name="図形グループ 182"/>
           <p:cNvGrpSpPr/>
           <p:nvPr/>
         </p:nvGrpSpPr>
@@ -16030,7 +16757,7 @@
         </p:grpSpPr>
         <p:sp>
           <p:nvSpPr>
-            <p:cNvPr id="223" name="角丸四角形 222"/>
+            <p:cNvPr id="184" name="角丸四角形 183"/>
             <p:cNvSpPr/>
             <p:nvPr/>
           </p:nvSpPr>
@@ -16081,7 +16808,7 @@
         </p:sp>
         <p:sp>
           <p:nvSpPr>
-            <p:cNvPr id="224" name="二等辺三角形 223"/>
+            <p:cNvPr id="185" name="二等辺三角形 184"/>
             <p:cNvSpPr/>
             <p:nvPr/>
           </p:nvSpPr>
@@ -16127,7 +16854,7 @@
       </p:grpSp>
       <p:sp>
         <p:nvSpPr>
-          <p:cNvPr id="225" name="テキスト ボックス 224"/>
+          <p:cNvPr id="186" name="テキスト ボックス 185"/>
           <p:cNvSpPr txBox="1"/>
           <p:nvPr/>
         </p:nvSpPr>
@@ -16153,15 +16880,7 @@
                 <a:ea typeface="メイリオ"/>
                 <a:cs typeface="メイリオ"/>
               </a:rPr>
-              <a:t>種類</a:t>
-            </a:r>
-            <a:r>
-              <a:rPr kumimoji="1" lang="ja-JP" altLang="en-US" sz="1000" dirty="0" smtClean="0">
-                <a:latin typeface="メイリオ"/>
-                <a:ea typeface="メイリオ"/>
-                <a:cs typeface="メイリオ"/>
-              </a:rPr>
-              <a:t>：</a:t>
+              <a:t>種類：</a:t>
             </a:r>
             <a:endParaRPr kumimoji="1" lang="ja-JP" altLang="en-US" sz="1000" dirty="0">
               <a:latin typeface="メイリオ"/>
@@ -16173,7 +16892,367 @@
       </p:sp>
       <p:sp>
         <p:nvSpPr>
-          <p:cNvPr id="226" name="正方形/長方形 225"/>
+          <p:cNvPr id="187" name="二等辺三角形 186"/>
+          <p:cNvSpPr/>
+          <p:nvPr/>
+        </p:nvSpPr>
+        <p:spPr>
+          <a:xfrm>
+            <a:off x="2516950" y="2487417"/>
+            <a:ext cx="144000" cy="144000"/>
+          </a:xfrm>
+          <a:prstGeom prst="triangle">
+            <a:avLst/>
+          </a:prstGeom>
+          <a:solidFill>
+            <a:schemeClr val="bg1"/>
+          </a:solidFill>
+          <a:ln>
+            <a:noFill/>
+          </a:ln>
+          <a:effectLst/>
+        </p:spPr>
+        <p:style>
+          <a:lnRef idx="1">
+            <a:schemeClr val="accent1"/>
+          </a:lnRef>
+          <a:fillRef idx="3">
+            <a:schemeClr val="accent1"/>
+          </a:fillRef>
+          <a:effectRef idx="2">
+            <a:schemeClr val="accent1"/>
+          </a:effectRef>
+          <a:fontRef idx="minor">
+            <a:schemeClr val="lt1"/>
+          </a:fontRef>
+        </p:style>
+        <p:txBody>
+          <a:bodyPr rtlCol="0" anchor="ctr"/>
+          <a:lstStyle/>
+          <a:p>
+            <a:pPr algn="ctr"/>
+            <a:endParaRPr kumimoji="1" lang="ja-JP" altLang="en-US"/>
+          </a:p>
+        </p:txBody>
+      </p:sp>
+      <p:sp>
+        <p:nvSpPr>
+          <p:cNvPr id="227" name="二等辺三角形 226"/>
+          <p:cNvSpPr/>
+          <p:nvPr/>
+        </p:nvSpPr>
+        <p:spPr>
+          <a:xfrm rot="10800000">
+            <a:off x="2516951" y="2642657"/>
+            <a:ext cx="144000" cy="144000"/>
+          </a:xfrm>
+          <a:prstGeom prst="triangle">
+            <a:avLst/>
+          </a:prstGeom>
+          <a:solidFill>
+            <a:schemeClr val="bg1"/>
+          </a:solidFill>
+          <a:ln>
+            <a:noFill/>
+          </a:ln>
+          <a:effectLst/>
+        </p:spPr>
+        <p:style>
+          <a:lnRef idx="1">
+            <a:schemeClr val="accent1"/>
+          </a:lnRef>
+          <a:fillRef idx="3">
+            <a:schemeClr val="accent1"/>
+          </a:fillRef>
+          <a:effectRef idx="2">
+            <a:schemeClr val="accent1"/>
+          </a:effectRef>
+          <a:fontRef idx="minor">
+            <a:schemeClr val="lt1"/>
+          </a:fontRef>
+        </p:style>
+        <p:txBody>
+          <a:bodyPr rtlCol="0" anchor="ctr"/>
+          <a:lstStyle/>
+          <a:p>
+            <a:pPr algn="ctr"/>
+            <a:endParaRPr kumimoji="1" lang="ja-JP" altLang="en-US"/>
+          </a:p>
+        </p:txBody>
+      </p:sp>
+      <p:sp>
+        <p:nvSpPr>
+          <p:cNvPr id="228" name="二等辺三角形 227"/>
+          <p:cNvSpPr/>
+          <p:nvPr/>
+        </p:nvSpPr>
+        <p:spPr>
+          <a:xfrm>
+            <a:off x="4227925" y="2489732"/>
+            <a:ext cx="144000" cy="144000"/>
+          </a:xfrm>
+          <a:prstGeom prst="triangle">
+            <a:avLst/>
+          </a:prstGeom>
+          <a:solidFill>
+            <a:schemeClr val="bg1"/>
+          </a:solidFill>
+          <a:ln>
+            <a:noFill/>
+          </a:ln>
+          <a:effectLst/>
+        </p:spPr>
+        <p:style>
+          <a:lnRef idx="1">
+            <a:schemeClr val="accent1"/>
+          </a:lnRef>
+          <a:fillRef idx="3">
+            <a:schemeClr val="accent1"/>
+          </a:fillRef>
+          <a:effectRef idx="2">
+            <a:schemeClr val="accent1"/>
+          </a:effectRef>
+          <a:fontRef idx="minor">
+            <a:schemeClr val="lt1"/>
+          </a:fontRef>
+        </p:style>
+        <p:txBody>
+          <a:bodyPr rtlCol="0" anchor="ctr"/>
+          <a:lstStyle/>
+          <a:p>
+            <a:pPr algn="ctr"/>
+            <a:endParaRPr kumimoji="1" lang="ja-JP" altLang="en-US"/>
+          </a:p>
+        </p:txBody>
+      </p:sp>
+      <p:sp>
+        <p:nvSpPr>
+          <p:cNvPr id="229" name="二等辺三角形 228"/>
+          <p:cNvSpPr/>
+          <p:nvPr/>
+        </p:nvSpPr>
+        <p:spPr>
+          <a:xfrm rot="10800000">
+            <a:off x="4227926" y="2644972"/>
+            <a:ext cx="144000" cy="144000"/>
+          </a:xfrm>
+          <a:prstGeom prst="triangle">
+            <a:avLst/>
+          </a:prstGeom>
+          <a:solidFill>
+            <a:schemeClr val="bg1"/>
+          </a:solidFill>
+          <a:ln>
+            <a:noFill/>
+          </a:ln>
+          <a:effectLst/>
+        </p:spPr>
+        <p:style>
+          <a:lnRef idx="1">
+            <a:schemeClr val="accent1"/>
+          </a:lnRef>
+          <a:fillRef idx="3">
+            <a:schemeClr val="accent1"/>
+          </a:fillRef>
+          <a:effectRef idx="2">
+            <a:schemeClr val="accent1"/>
+          </a:effectRef>
+          <a:fontRef idx="minor">
+            <a:schemeClr val="lt1"/>
+          </a:fontRef>
+        </p:style>
+        <p:txBody>
+          <a:bodyPr rtlCol="0" anchor="ctr"/>
+          <a:lstStyle/>
+          <a:p>
+            <a:pPr algn="ctr"/>
+            <a:endParaRPr kumimoji="1" lang="ja-JP" altLang="en-US"/>
+          </a:p>
+        </p:txBody>
+      </p:sp>
+      <p:sp>
+        <p:nvSpPr>
+          <p:cNvPr id="230" name="二等辺三角形 229"/>
+          <p:cNvSpPr/>
+          <p:nvPr/>
+        </p:nvSpPr>
+        <p:spPr>
+          <a:xfrm>
+            <a:off x="5950445" y="2492047"/>
+            <a:ext cx="144000" cy="144000"/>
+          </a:xfrm>
+          <a:prstGeom prst="triangle">
+            <a:avLst/>
+          </a:prstGeom>
+          <a:solidFill>
+            <a:schemeClr val="bg1"/>
+          </a:solidFill>
+          <a:ln>
+            <a:noFill/>
+          </a:ln>
+          <a:effectLst/>
+        </p:spPr>
+        <p:style>
+          <a:lnRef idx="1">
+            <a:schemeClr val="accent1"/>
+          </a:lnRef>
+          <a:fillRef idx="3">
+            <a:schemeClr val="accent1"/>
+          </a:fillRef>
+          <a:effectRef idx="2">
+            <a:schemeClr val="accent1"/>
+          </a:effectRef>
+          <a:fontRef idx="minor">
+            <a:schemeClr val="lt1"/>
+          </a:fontRef>
+        </p:style>
+        <p:txBody>
+          <a:bodyPr rtlCol="0" anchor="ctr"/>
+          <a:lstStyle/>
+          <a:p>
+            <a:pPr algn="ctr"/>
+            <a:endParaRPr kumimoji="1" lang="ja-JP" altLang="en-US"/>
+          </a:p>
+        </p:txBody>
+      </p:sp>
+      <p:sp>
+        <p:nvSpPr>
+          <p:cNvPr id="231" name="二等辺三角形 230"/>
+          <p:cNvSpPr/>
+          <p:nvPr/>
+        </p:nvSpPr>
+        <p:spPr>
+          <a:xfrm rot="10800000">
+            <a:off x="5950446" y="2647287"/>
+            <a:ext cx="144000" cy="144000"/>
+          </a:xfrm>
+          <a:prstGeom prst="triangle">
+            <a:avLst/>
+          </a:prstGeom>
+          <a:solidFill>
+            <a:schemeClr val="bg1"/>
+          </a:solidFill>
+          <a:ln>
+            <a:noFill/>
+          </a:ln>
+          <a:effectLst/>
+        </p:spPr>
+        <p:style>
+          <a:lnRef idx="1">
+            <a:schemeClr val="accent1"/>
+          </a:lnRef>
+          <a:fillRef idx="3">
+            <a:schemeClr val="accent1"/>
+          </a:fillRef>
+          <a:effectRef idx="2">
+            <a:schemeClr val="accent1"/>
+          </a:effectRef>
+          <a:fontRef idx="minor">
+            <a:schemeClr val="lt1"/>
+          </a:fontRef>
+        </p:style>
+        <p:txBody>
+          <a:bodyPr rtlCol="0" anchor="ctr"/>
+          <a:lstStyle/>
+          <a:p>
+            <a:pPr algn="ctr"/>
+            <a:endParaRPr kumimoji="1" lang="ja-JP" altLang="en-US"/>
+          </a:p>
+        </p:txBody>
+      </p:sp>
+      <p:sp>
+        <p:nvSpPr>
+          <p:cNvPr id="232" name="二等辺三角形 231"/>
+          <p:cNvSpPr/>
+          <p:nvPr/>
+        </p:nvSpPr>
+        <p:spPr>
+          <a:xfrm>
+            <a:off x="7672965" y="2494362"/>
+            <a:ext cx="144000" cy="144000"/>
+          </a:xfrm>
+          <a:prstGeom prst="triangle">
+            <a:avLst/>
+          </a:prstGeom>
+          <a:solidFill>
+            <a:schemeClr val="bg1"/>
+          </a:solidFill>
+          <a:ln>
+            <a:noFill/>
+          </a:ln>
+          <a:effectLst/>
+        </p:spPr>
+        <p:style>
+          <a:lnRef idx="1">
+            <a:schemeClr val="accent1"/>
+          </a:lnRef>
+          <a:fillRef idx="3">
+            <a:schemeClr val="accent1"/>
+          </a:fillRef>
+          <a:effectRef idx="2">
+            <a:schemeClr val="accent1"/>
+          </a:effectRef>
+          <a:fontRef idx="minor">
+            <a:schemeClr val="lt1"/>
+          </a:fontRef>
+        </p:style>
+        <p:txBody>
+          <a:bodyPr rtlCol="0" anchor="ctr"/>
+          <a:lstStyle/>
+          <a:p>
+            <a:pPr algn="ctr"/>
+            <a:endParaRPr kumimoji="1" lang="ja-JP" altLang="en-US"/>
+          </a:p>
+        </p:txBody>
+      </p:sp>
+      <p:sp>
+        <p:nvSpPr>
+          <p:cNvPr id="233" name="二等辺三角形 232"/>
+          <p:cNvSpPr/>
+          <p:nvPr/>
+        </p:nvSpPr>
+        <p:spPr>
+          <a:xfrm rot="10800000">
+            <a:off x="7672966" y="2649602"/>
+            <a:ext cx="144000" cy="144000"/>
+          </a:xfrm>
+          <a:prstGeom prst="triangle">
+            <a:avLst/>
+          </a:prstGeom>
+          <a:solidFill>
+            <a:schemeClr val="bg1"/>
+          </a:solidFill>
+          <a:ln>
+            <a:noFill/>
+          </a:ln>
+          <a:effectLst/>
+        </p:spPr>
+        <p:style>
+          <a:lnRef idx="1">
+            <a:schemeClr val="accent1"/>
+          </a:lnRef>
+          <a:fillRef idx="3">
+            <a:schemeClr val="accent1"/>
+          </a:fillRef>
+          <a:effectRef idx="2">
+            <a:schemeClr val="accent1"/>
+          </a:effectRef>
+          <a:fontRef idx="minor">
+            <a:schemeClr val="lt1"/>
+          </a:fontRef>
+        </p:style>
+        <p:txBody>
+          <a:bodyPr rtlCol="0" anchor="ctr"/>
+          <a:lstStyle/>
+          <a:p>
+            <a:pPr algn="ctr"/>
+            <a:endParaRPr kumimoji="1" lang="ja-JP" altLang="en-US"/>
+          </a:p>
+        </p:txBody>
+      </p:sp>
+      <p:sp>
+        <p:nvSpPr>
+          <p:cNvPr id="234" name="正方形/長方形 233"/>
           <p:cNvSpPr/>
           <p:nvPr/>
         </p:nvSpPr>
@@ -16641,14 +17720,14 @@
       </p:grpSpPr>
       <p:graphicFrame>
         <p:nvGraphicFramePr>
-          <p:cNvPr id="102" name="表 101"/>
+          <p:cNvPr id="79" name="表 78"/>
           <p:cNvGraphicFramePr>
             <a:graphicFrameLocks noGrp="1"/>
           </p:cNvGraphicFramePr>
           <p:nvPr>
             <p:extLst>
               <p:ext uri="{D42A27DB-BD31-4B8C-83A1-F6EECF244321}">
-                <p14:modId xmlns:p14="http://schemas.microsoft.com/office/powerpoint/2010/main" val="3705858149"/>
+                <p14:modId xmlns:p14="http://schemas.microsoft.com/office/powerpoint/2010/main" val="1627573183"/>
               </p:ext>
             </p:extLst>
           </p:nvPr>
@@ -17143,7 +18222,7 @@
       </p:graphicFrame>
       <p:sp>
         <p:nvSpPr>
-          <p:cNvPr id="103" name="正方形/長方形 102"/>
+          <p:cNvPr id="80" name="正方形/長方形 79"/>
           <p:cNvSpPr/>
           <p:nvPr/>
         </p:nvSpPr>
@@ -17195,7 +18274,7 @@
       </p:sp>
       <p:sp>
         <p:nvSpPr>
-          <p:cNvPr id="104" name="角丸四角形 103"/>
+          <p:cNvPr id="81" name="角丸四角形 80"/>
           <p:cNvSpPr/>
           <p:nvPr/>
         </p:nvSpPr>
@@ -17240,7 +18319,7 @@
       </p:sp>
       <p:sp>
         <p:nvSpPr>
-          <p:cNvPr id="105" name="テキスト ボックス 104"/>
+          <p:cNvPr id="82" name="テキスト ボックス 81"/>
           <p:cNvSpPr txBox="1"/>
           <p:nvPr/>
         </p:nvSpPr>
@@ -17278,7 +18357,7 @@
       </p:sp>
       <p:sp>
         <p:nvSpPr>
-          <p:cNvPr id="106" name="角丸四角形 105"/>
+          <p:cNvPr id="83" name="角丸四角形 82"/>
           <p:cNvSpPr/>
           <p:nvPr/>
         </p:nvSpPr>
@@ -17323,7 +18402,7 @@
       </p:sp>
       <p:sp>
         <p:nvSpPr>
-          <p:cNvPr id="107" name="テキスト ボックス 106"/>
+          <p:cNvPr id="84" name="テキスト ボックス 83"/>
           <p:cNvSpPr txBox="1"/>
           <p:nvPr/>
         </p:nvSpPr>
@@ -17369,7 +18448,7 @@
       </p:sp>
       <p:sp>
         <p:nvSpPr>
-          <p:cNvPr id="108" name="角丸四角形 107"/>
+          <p:cNvPr id="85" name="角丸四角形 84"/>
           <p:cNvSpPr/>
           <p:nvPr/>
         </p:nvSpPr>
@@ -17414,7 +18493,7 @@
       </p:sp>
       <p:sp>
         <p:nvSpPr>
-          <p:cNvPr id="109" name="テキスト ボックス 108"/>
+          <p:cNvPr id="86" name="テキスト ボックス 85"/>
           <p:cNvSpPr txBox="1"/>
           <p:nvPr/>
         </p:nvSpPr>
@@ -17460,7 +18539,7 @@
       </p:sp>
       <p:sp>
         <p:nvSpPr>
-          <p:cNvPr id="110" name="角丸四角形 109"/>
+          <p:cNvPr id="87" name="角丸四角形 86"/>
           <p:cNvSpPr/>
           <p:nvPr/>
         </p:nvSpPr>
@@ -17505,7 +18584,7 @@
       </p:sp>
       <p:sp>
         <p:nvSpPr>
-          <p:cNvPr id="111" name="テキスト ボックス 110"/>
+          <p:cNvPr id="88" name="テキスト ボックス 87"/>
           <p:cNvSpPr txBox="1"/>
           <p:nvPr/>
         </p:nvSpPr>
@@ -17551,7 +18630,7 @@
       </p:sp>
       <p:sp>
         <p:nvSpPr>
-          <p:cNvPr id="112" name="角丸四角形 111"/>
+          <p:cNvPr id="89" name="角丸四角形 88"/>
           <p:cNvSpPr/>
           <p:nvPr/>
         </p:nvSpPr>
@@ -17614,7 +18693,7 @@
       </p:sp>
       <p:cxnSp>
         <p:nvCxnSpPr>
-          <p:cNvPr id="113" name="直線コネクタ 112"/>
+          <p:cNvPr id="90" name="直線コネクタ 89"/>
           <p:cNvCxnSpPr/>
           <p:nvPr/>
         </p:nvCxnSpPr>
@@ -17652,7 +18731,7 @@
       </p:cxnSp>
       <p:sp>
         <p:nvSpPr>
-          <p:cNvPr id="114" name="テキスト ボックス 113"/>
+          <p:cNvPr id="91" name="テキスト ボックス 90"/>
           <p:cNvSpPr txBox="1"/>
           <p:nvPr/>
         </p:nvSpPr>
@@ -17690,7 +18769,7 @@
       </p:sp>
       <p:sp>
         <p:nvSpPr>
-          <p:cNvPr id="115" name="テキスト ボックス 114"/>
+          <p:cNvPr id="92" name="テキスト ボックス 91"/>
           <p:cNvSpPr txBox="1"/>
           <p:nvPr/>
         </p:nvSpPr>
@@ -17728,7 +18807,7 @@
       </p:sp>
       <p:sp>
         <p:nvSpPr>
-          <p:cNvPr id="116" name="テキスト ボックス 115"/>
+          <p:cNvPr id="93" name="テキスト ボックス 92"/>
           <p:cNvSpPr txBox="1"/>
           <p:nvPr/>
         </p:nvSpPr>
@@ -17766,7 +18845,7 @@
       </p:sp>
       <p:sp>
         <p:nvSpPr>
-          <p:cNvPr id="117" name="二等辺三角形 116"/>
+          <p:cNvPr id="94" name="二等辺三角形 93"/>
           <p:cNvSpPr/>
           <p:nvPr/>
         </p:nvSpPr>
@@ -17811,7 +18890,7 @@
       </p:sp>
       <p:sp>
         <p:nvSpPr>
-          <p:cNvPr id="118" name="二等辺三角形 117"/>
+          <p:cNvPr id="95" name="二等辺三角形 94"/>
           <p:cNvSpPr/>
           <p:nvPr/>
         </p:nvSpPr>
@@ -17856,7 +18935,7 @@
       </p:sp>
       <p:sp>
         <p:nvSpPr>
-          <p:cNvPr id="119" name="テキスト ボックス 118"/>
+          <p:cNvPr id="96" name="テキスト ボックス 95"/>
           <p:cNvSpPr txBox="1"/>
           <p:nvPr/>
         </p:nvSpPr>
@@ -17894,7 +18973,7 @@
       </p:sp>
       <p:sp>
         <p:nvSpPr>
-          <p:cNvPr id="120" name="テキスト ボックス 119"/>
+          <p:cNvPr id="97" name="テキスト ボックス 96"/>
           <p:cNvSpPr txBox="1"/>
           <p:nvPr/>
         </p:nvSpPr>
@@ -17988,7 +19067,7 @@
       </p:sp>
       <p:sp>
         <p:nvSpPr>
-          <p:cNvPr id="121" name="二等辺三角形 120"/>
+          <p:cNvPr id="98" name="二等辺三角形 97"/>
           <p:cNvSpPr/>
           <p:nvPr/>
         </p:nvSpPr>
@@ -18033,7 +19112,7 @@
       </p:sp>
       <p:sp>
         <p:nvSpPr>
-          <p:cNvPr id="122" name="二等辺三角形 121"/>
+          <p:cNvPr id="99" name="二等辺三角形 98"/>
           <p:cNvSpPr/>
           <p:nvPr/>
         </p:nvSpPr>
@@ -18078,7 +19157,7 @@
       </p:sp>
       <p:sp>
         <p:nvSpPr>
-          <p:cNvPr id="123" name="二等辺三角形 122"/>
+          <p:cNvPr id="100" name="二等辺三角形 99"/>
           <p:cNvSpPr/>
           <p:nvPr/>
         </p:nvSpPr>
@@ -18123,7 +19202,7 @@
       </p:sp>
       <p:sp>
         <p:nvSpPr>
-          <p:cNvPr id="124" name="二等辺三角形 123"/>
+          <p:cNvPr id="101" name="二等辺三角形 100"/>
           <p:cNvSpPr/>
           <p:nvPr/>
         </p:nvSpPr>
@@ -18168,7 +19247,7 @@
       </p:sp>
       <p:sp>
         <p:nvSpPr>
-          <p:cNvPr id="125" name="角丸四角形 124"/>
+          <p:cNvPr id="140" name="角丸四角形 139"/>
           <p:cNvSpPr/>
           <p:nvPr/>
         </p:nvSpPr>
@@ -18231,7 +19310,7 @@
       </p:sp>
       <p:pic>
         <p:nvPicPr>
-          <p:cNvPr id="126" name="図 125" descr="trash.png"/>
+          <p:cNvPr id="141" name="図 140" descr="trash.png"/>
           <p:cNvPicPr>
             <a:picLocks noChangeAspect="1"/>
           </p:cNvPicPr>
@@ -18261,7 +19340,7 @@
       </p:pic>
       <p:pic>
         <p:nvPicPr>
-          <p:cNvPr id="127" name="図 126" descr="trash.png"/>
+          <p:cNvPr id="142" name="図 141" descr="trash.png"/>
           <p:cNvPicPr>
             <a:picLocks noChangeAspect="1"/>
           </p:cNvPicPr>
@@ -18291,7 +19370,7 @@
       </p:pic>
       <p:pic>
         <p:nvPicPr>
-          <p:cNvPr id="128" name="図 127" descr="trash.png"/>
+          <p:cNvPr id="143" name="図 142" descr="trash.png"/>
           <p:cNvPicPr>
             <a:picLocks noChangeAspect="1"/>
           </p:cNvPicPr>
@@ -18321,7 +19400,7 @@
       </p:pic>
       <p:pic>
         <p:nvPicPr>
-          <p:cNvPr id="129" name="図 128" descr="trash.png"/>
+          <p:cNvPr id="144" name="図 143" descr="trash.png"/>
           <p:cNvPicPr>
             <a:picLocks noChangeAspect="1"/>
           </p:cNvPicPr>
@@ -18351,7 +19430,7 @@
       </p:pic>
       <p:pic>
         <p:nvPicPr>
-          <p:cNvPr id="130" name="図 129" descr="trash.png"/>
+          <p:cNvPr id="145" name="図 144" descr="trash.png"/>
           <p:cNvPicPr>
             <a:picLocks noChangeAspect="1"/>
           </p:cNvPicPr>
@@ -18381,7 +19460,7 @@
       </p:pic>
       <p:pic>
         <p:nvPicPr>
-          <p:cNvPr id="131" name="図 130" descr="trash.png"/>
+          <p:cNvPr id="146" name="図 145" descr="trash.png"/>
           <p:cNvPicPr>
             <a:picLocks noChangeAspect="1"/>
           </p:cNvPicPr>
@@ -18411,7 +19490,7 @@
       </p:pic>
       <p:pic>
         <p:nvPicPr>
-          <p:cNvPr id="132" name="図 131" descr="trash.png"/>
+          <p:cNvPr id="147" name="図 146" descr="trash.png"/>
           <p:cNvPicPr>
             <a:picLocks noChangeAspect="1"/>
           </p:cNvPicPr>
@@ -18441,7 +19520,7 @@
       </p:pic>
       <p:pic>
         <p:nvPicPr>
-          <p:cNvPr id="133" name="図 132" descr="trash.png"/>
+          <p:cNvPr id="148" name="図 147" descr="trash.png"/>
           <p:cNvPicPr>
             <a:picLocks noChangeAspect="1"/>
           </p:cNvPicPr>
@@ -18471,7 +19550,7 @@
       </p:pic>
       <p:pic>
         <p:nvPicPr>
-          <p:cNvPr id="134" name="図 133" descr="trash.png"/>
+          <p:cNvPr id="149" name="図 148" descr="trash.png"/>
           <p:cNvPicPr>
             <a:picLocks noChangeAspect="1"/>
           </p:cNvPicPr>
@@ -18501,7 +19580,7 @@
       </p:pic>
       <p:pic>
         <p:nvPicPr>
-          <p:cNvPr id="135" name="図 134" descr="trash.png"/>
+          <p:cNvPr id="150" name="図 149" descr="trash.png"/>
           <p:cNvPicPr>
             <a:picLocks noChangeAspect="1"/>
           </p:cNvPicPr>
@@ -18531,7 +19610,7 @@
       </p:pic>
       <p:grpSp>
         <p:nvGrpSpPr>
-          <p:cNvPr id="136" name="図形グループ 135"/>
+          <p:cNvPr id="151" name="図形グループ 150"/>
           <p:cNvGrpSpPr/>
           <p:nvPr/>
         </p:nvGrpSpPr>
@@ -18545,7 +19624,7 @@
         </p:grpSpPr>
         <p:sp>
           <p:nvSpPr>
-            <p:cNvPr id="137" name="角丸四角形 136"/>
+            <p:cNvPr id="152" name="角丸四角形 151"/>
             <p:cNvSpPr/>
             <p:nvPr/>
           </p:nvSpPr>
@@ -18594,7 +19673,7 @@
         </p:sp>
         <p:cxnSp>
           <p:nvCxnSpPr>
-            <p:cNvPr id="138" name="直線コネクタ 137"/>
+            <p:cNvPr id="153" name="直線コネクタ 152"/>
             <p:cNvCxnSpPr/>
             <p:nvPr/>
           </p:nvCxnSpPr>
@@ -18629,7 +19708,7 @@
         </p:cxnSp>
         <p:cxnSp>
           <p:nvCxnSpPr>
-            <p:cNvPr id="139" name="直線コネクタ 138"/>
+            <p:cNvPr id="154" name="直線コネクタ 153"/>
             <p:cNvCxnSpPr/>
             <p:nvPr/>
           </p:nvCxnSpPr>
@@ -18664,7 +19743,7 @@
         </p:cxnSp>
         <p:cxnSp>
           <p:nvCxnSpPr>
-            <p:cNvPr id="185" name="直線コネクタ 184"/>
+            <p:cNvPr id="155" name="直線コネクタ 154"/>
             <p:cNvCxnSpPr/>
             <p:nvPr/>
           </p:nvCxnSpPr>
@@ -18700,7 +19779,7 @@
       </p:grpSp>
       <p:cxnSp>
         <p:nvCxnSpPr>
-          <p:cNvPr id="186" name="直線コネクタ 185"/>
+          <p:cNvPr id="156" name="直線コネクタ 155"/>
           <p:cNvCxnSpPr/>
           <p:nvPr/>
         </p:nvCxnSpPr>
@@ -18738,7 +19817,7 @@
       </p:cxnSp>
       <p:sp>
         <p:nvSpPr>
-          <p:cNvPr id="187" name="テキスト ボックス 186"/>
+          <p:cNvPr id="157" name="テキスト ボックス 156"/>
           <p:cNvSpPr txBox="1"/>
           <p:nvPr/>
         </p:nvSpPr>
@@ -18776,7 +19855,7 @@
       </p:sp>
       <p:sp>
         <p:nvSpPr>
-          <p:cNvPr id="188" name="角丸四角形 187"/>
+          <p:cNvPr id="158" name="角丸四角形 157"/>
           <p:cNvSpPr/>
           <p:nvPr/>
         </p:nvSpPr>
@@ -18821,7 +19900,7 @@
       </p:sp>
       <p:sp>
         <p:nvSpPr>
-          <p:cNvPr id="189" name="テキスト ボックス 188"/>
+          <p:cNvPr id="159" name="テキスト ボックス 158"/>
           <p:cNvSpPr txBox="1"/>
           <p:nvPr/>
         </p:nvSpPr>
@@ -18859,7 +19938,7 @@
       </p:sp>
       <p:sp>
         <p:nvSpPr>
-          <p:cNvPr id="190" name="テキスト ボックス 189"/>
+          <p:cNvPr id="160" name="テキスト ボックス 159"/>
           <p:cNvSpPr txBox="1"/>
           <p:nvPr/>
         </p:nvSpPr>
@@ -18905,7 +19984,7 @@
       </p:sp>
       <p:sp>
         <p:nvSpPr>
-          <p:cNvPr id="191" name="角丸四角形 190"/>
+          <p:cNvPr id="161" name="角丸四角形 160"/>
           <p:cNvSpPr/>
           <p:nvPr/>
         </p:nvSpPr>
@@ -18950,7 +20029,7 @@
       </p:sp>
       <p:grpSp>
         <p:nvGrpSpPr>
-          <p:cNvPr id="192" name="図形グループ 191"/>
+          <p:cNvPr id="162" name="図形グループ 161"/>
           <p:cNvGrpSpPr/>
           <p:nvPr/>
         </p:nvGrpSpPr>
@@ -18964,7 +20043,7 @@
         </p:grpSpPr>
         <p:sp>
           <p:nvSpPr>
-            <p:cNvPr id="193" name="角丸四角形 192"/>
+            <p:cNvPr id="163" name="角丸四角形 162"/>
             <p:cNvSpPr/>
             <p:nvPr/>
           </p:nvSpPr>
@@ -19026,7 +20105,7 @@
         </p:sp>
         <p:sp>
           <p:nvSpPr>
-            <p:cNvPr id="194" name="二等辺三角形 193"/>
+            <p:cNvPr id="164" name="二等辺三角形 163"/>
             <p:cNvSpPr/>
             <p:nvPr/>
           </p:nvSpPr>
@@ -19072,7 +20151,7 @@
       </p:grpSp>
       <p:sp>
         <p:nvSpPr>
-          <p:cNvPr id="195" name="テキスト ボックス 194"/>
+          <p:cNvPr id="165" name="テキスト ボックス 164"/>
           <p:cNvSpPr txBox="1"/>
           <p:nvPr/>
         </p:nvSpPr>
@@ -19118,7 +20197,7 @@
       </p:sp>
       <p:sp>
         <p:nvSpPr>
-          <p:cNvPr id="196" name="角丸四角形 195"/>
+          <p:cNvPr id="166" name="角丸四角形 165"/>
           <p:cNvSpPr/>
           <p:nvPr/>
         </p:nvSpPr>
@@ -19163,7 +20242,7 @@
       </p:sp>
       <p:sp>
         <p:nvSpPr>
-          <p:cNvPr id="197" name="テキスト ボックス 196"/>
+          <p:cNvPr id="167" name="テキスト ボックス 166"/>
           <p:cNvSpPr txBox="1"/>
           <p:nvPr/>
         </p:nvSpPr>
@@ -19209,7 +20288,7 @@
       </p:sp>
       <p:sp>
         <p:nvSpPr>
-          <p:cNvPr id="198" name="角丸四角形 197"/>
+          <p:cNvPr id="168" name="角丸四角形 167"/>
           <p:cNvSpPr/>
           <p:nvPr/>
         </p:nvSpPr>
@@ -19254,7 +20333,7 @@
       </p:sp>
       <p:sp>
         <p:nvSpPr>
-          <p:cNvPr id="199" name="角丸四角形 198"/>
+          <p:cNvPr id="169" name="角丸四角形 168"/>
           <p:cNvSpPr/>
           <p:nvPr/>
         </p:nvSpPr>
@@ -19299,7 +20378,7 @@
       </p:sp>
       <p:sp>
         <p:nvSpPr>
-          <p:cNvPr id="200" name="テキスト ボックス 199"/>
+          <p:cNvPr id="170" name="テキスト ボックス 169"/>
           <p:cNvSpPr txBox="1"/>
           <p:nvPr/>
         </p:nvSpPr>
@@ -19337,7 +20416,7 @@
       </p:sp>
       <p:sp>
         <p:nvSpPr>
-          <p:cNvPr id="201" name="角丸四角形 200"/>
+          <p:cNvPr id="171" name="角丸四角形 170"/>
           <p:cNvSpPr/>
           <p:nvPr/>
         </p:nvSpPr>
@@ -19382,7 +20461,7 @@
       </p:sp>
       <p:sp>
         <p:nvSpPr>
-          <p:cNvPr id="202" name="角丸四角形 201"/>
+          <p:cNvPr id="172" name="角丸四角形 171"/>
           <p:cNvSpPr/>
           <p:nvPr/>
         </p:nvSpPr>
@@ -19445,7 +20524,7 @@
       </p:sp>
       <p:grpSp>
         <p:nvGrpSpPr>
-          <p:cNvPr id="203" name="図形グループ 202"/>
+          <p:cNvPr id="173" name="図形グループ 172"/>
           <p:cNvGrpSpPr/>
           <p:nvPr/>
         </p:nvGrpSpPr>
@@ -19459,7 +20538,7 @@
         </p:grpSpPr>
         <p:sp>
           <p:nvSpPr>
-            <p:cNvPr id="204" name="角丸四角形 203"/>
+            <p:cNvPr id="174" name="角丸四角形 173"/>
             <p:cNvSpPr/>
             <p:nvPr/>
           </p:nvSpPr>
@@ -19508,7 +20587,7 @@
         </p:sp>
         <p:cxnSp>
           <p:nvCxnSpPr>
-            <p:cNvPr id="205" name="直線コネクタ 204"/>
+            <p:cNvPr id="175" name="直線コネクタ 174"/>
             <p:cNvCxnSpPr/>
             <p:nvPr/>
           </p:nvCxnSpPr>
@@ -19543,7 +20622,7 @@
         </p:cxnSp>
         <p:cxnSp>
           <p:nvCxnSpPr>
-            <p:cNvPr id="206" name="直線コネクタ 205"/>
+            <p:cNvPr id="176" name="直線コネクタ 175"/>
             <p:cNvCxnSpPr/>
             <p:nvPr/>
           </p:nvCxnSpPr>
@@ -19578,7 +20657,7 @@
         </p:cxnSp>
         <p:cxnSp>
           <p:nvCxnSpPr>
-            <p:cNvPr id="207" name="直線コネクタ 206"/>
+            <p:cNvPr id="177" name="直線コネクタ 176"/>
             <p:cNvCxnSpPr/>
             <p:nvPr/>
           </p:nvCxnSpPr>
@@ -19614,7 +20693,7 @@
       </p:grpSp>
       <p:sp>
         <p:nvSpPr>
-          <p:cNvPr id="208" name="テキスト ボックス 207"/>
+          <p:cNvPr id="178" name="テキスト ボックス 177"/>
           <p:cNvSpPr txBox="1"/>
           <p:nvPr/>
         </p:nvSpPr>
@@ -19652,7 +20731,7 @@
       </p:sp>
       <p:sp>
         <p:nvSpPr>
-          <p:cNvPr id="209" name="テキスト ボックス 208"/>
+          <p:cNvPr id="217" name="テキスト ボックス 216"/>
           <p:cNvSpPr txBox="1"/>
           <p:nvPr/>
         </p:nvSpPr>
@@ -19690,7 +20769,7 @@
       </p:sp>
       <p:sp>
         <p:nvSpPr>
-          <p:cNvPr id="210" name="円/楕円 209"/>
+          <p:cNvPr id="218" name="円/楕円 217"/>
           <p:cNvSpPr/>
           <p:nvPr/>
         </p:nvSpPr>
@@ -19735,7 +20814,7 @@
       </p:sp>
       <p:sp>
         <p:nvSpPr>
-          <p:cNvPr id="211" name="円/楕円 210"/>
+          <p:cNvPr id="219" name="円/楕円 218"/>
           <p:cNvSpPr/>
           <p:nvPr/>
         </p:nvSpPr>
@@ -19780,7 +20859,7 @@
       </p:sp>
       <p:grpSp>
         <p:nvGrpSpPr>
-          <p:cNvPr id="212" name="図形グループ 211"/>
+          <p:cNvPr id="220" name="図形グループ 219"/>
           <p:cNvGrpSpPr/>
           <p:nvPr/>
         </p:nvGrpSpPr>
@@ -19794,7 +20873,7 @@
         </p:grpSpPr>
         <p:sp>
           <p:nvSpPr>
-            <p:cNvPr id="213" name="角丸四角形 212"/>
+            <p:cNvPr id="221" name="角丸四角形 220"/>
             <p:cNvSpPr/>
             <p:nvPr/>
           </p:nvSpPr>
@@ -19845,7 +20924,7 @@
         </p:sp>
         <p:sp>
           <p:nvSpPr>
-            <p:cNvPr id="214" name="二等辺三角形 213"/>
+            <p:cNvPr id="222" name="二等辺三角形 221"/>
             <p:cNvSpPr/>
             <p:nvPr/>
           </p:nvSpPr>
@@ -19891,7 +20970,7 @@
       </p:grpSp>
       <p:sp>
         <p:nvSpPr>
-          <p:cNvPr id="215" name="テキスト ボックス 214"/>
+          <p:cNvPr id="223" name="テキスト ボックス 222"/>
           <p:cNvSpPr txBox="1"/>
           <p:nvPr/>
         </p:nvSpPr>
@@ -19917,15 +20996,7 @@
                 <a:ea typeface="メイリオ"/>
                 <a:cs typeface="メイリオ"/>
               </a:rPr>
-              <a:t>種類</a:t>
-            </a:r>
-            <a:r>
-              <a:rPr kumimoji="1" lang="ja-JP" altLang="en-US" sz="1000" dirty="0" smtClean="0">
-                <a:latin typeface="メイリオ"/>
-                <a:ea typeface="メイリオ"/>
-                <a:cs typeface="メイリオ"/>
-              </a:rPr>
-              <a:t>：</a:t>
+              <a:t>種類：</a:t>
             </a:r>
             <a:endParaRPr kumimoji="1" lang="ja-JP" altLang="en-US" sz="1000" dirty="0">
               <a:latin typeface="メイリオ"/>
@@ -19937,7 +21008,367 @@
       </p:sp>
       <p:sp>
         <p:nvSpPr>
-          <p:cNvPr id="216" name="正方形/長方形 215"/>
+          <p:cNvPr id="224" name="二等辺三角形 223"/>
+          <p:cNvSpPr/>
+          <p:nvPr/>
+        </p:nvSpPr>
+        <p:spPr>
+          <a:xfrm>
+            <a:off x="2516950" y="2487417"/>
+            <a:ext cx="144000" cy="144000"/>
+          </a:xfrm>
+          <a:prstGeom prst="triangle">
+            <a:avLst/>
+          </a:prstGeom>
+          <a:solidFill>
+            <a:schemeClr val="bg1"/>
+          </a:solidFill>
+          <a:ln>
+            <a:noFill/>
+          </a:ln>
+          <a:effectLst/>
+        </p:spPr>
+        <p:style>
+          <a:lnRef idx="1">
+            <a:schemeClr val="accent1"/>
+          </a:lnRef>
+          <a:fillRef idx="3">
+            <a:schemeClr val="accent1"/>
+          </a:fillRef>
+          <a:effectRef idx="2">
+            <a:schemeClr val="accent1"/>
+          </a:effectRef>
+          <a:fontRef idx="minor">
+            <a:schemeClr val="lt1"/>
+          </a:fontRef>
+        </p:style>
+        <p:txBody>
+          <a:bodyPr rtlCol="0" anchor="ctr"/>
+          <a:lstStyle/>
+          <a:p>
+            <a:pPr algn="ctr"/>
+            <a:endParaRPr kumimoji="1" lang="ja-JP" altLang="en-US"/>
+          </a:p>
+        </p:txBody>
+      </p:sp>
+      <p:sp>
+        <p:nvSpPr>
+          <p:cNvPr id="225" name="二等辺三角形 224"/>
+          <p:cNvSpPr/>
+          <p:nvPr/>
+        </p:nvSpPr>
+        <p:spPr>
+          <a:xfrm rot="10800000">
+            <a:off x="2516951" y="2642657"/>
+            <a:ext cx="144000" cy="144000"/>
+          </a:xfrm>
+          <a:prstGeom prst="triangle">
+            <a:avLst/>
+          </a:prstGeom>
+          <a:solidFill>
+            <a:schemeClr val="bg1"/>
+          </a:solidFill>
+          <a:ln>
+            <a:noFill/>
+          </a:ln>
+          <a:effectLst/>
+        </p:spPr>
+        <p:style>
+          <a:lnRef idx="1">
+            <a:schemeClr val="accent1"/>
+          </a:lnRef>
+          <a:fillRef idx="3">
+            <a:schemeClr val="accent1"/>
+          </a:fillRef>
+          <a:effectRef idx="2">
+            <a:schemeClr val="accent1"/>
+          </a:effectRef>
+          <a:fontRef idx="minor">
+            <a:schemeClr val="lt1"/>
+          </a:fontRef>
+        </p:style>
+        <p:txBody>
+          <a:bodyPr rtlCol="0" anchor="ctr"/>
+          <a:lstStyle/>
+          <a:p>
+            <a:pPr algn="ctr"/>
+            <a:endParaRPr kumimoji="1" lang="ja-JP" altLang="en-US"/>
+          </a:p>
+        </p:txBody>
+      </p:sp>
+      <p:sp>
+        <p:nvSpPr>
+          <p:cNvPr id="226" name="二等辺三角形 225"/>
+          <p:cNvSpPr/>
+          <p:nvPr/>
+        </p:nvSpPr>
+        <p:spPr>
+          <a:xfrm>
+            <a:off x="4227925" y="2489732"/>
+            <a:ext cx="144000" cy="144000"/>
+          </a:xfrm>
+          <a:prstGeom prst="triangle">
+            <a:avLst/>
+          </a:prstGeom>
+          <a:solidFill>
+            <a:schemeClr val="bg1"/>
+          </a:solidFill>
+          <a:ln>
+            <a:noFill/>
+          </a:ln>
+          <a:effectLst/>
+        </p:spPr>
+        <p:style>
+          <a:lnRef idx="1">
+            <a:schemeClr val="accent1"/>
+          </a:lnRef>
+          <a:fillRef idx="3">
+            <a:schemeClr val="accent1"/>
+          </a:fillRef>
+          <a:effectRef idx="2">
+            <a:schemeClr val="accent1"/>
+          </a:effectRef>
+          <a:fontRef idx="minor">
+            <a:schemeClr val="lt1"/>
+          </a:fontRef>
+        </p:style>
+        <p:txBody>
+          <a:bodyPr rtlCol="0" anchor="ctr"/>
+          <a:lstStyle/>
+          <a:p>
+            <a:pPr algn="ctr"/>
+            <a:endParaRPr kumimoji="1" lang="ja-JP" altLang="en-US"/>
+          </a:p>
+        </p:txBody>
+      </p:sp>
+      <p:sp>
+        <p:nvSpPr>
+          <p:cNvPr id="227" name="二等辺三角形 226"/>
+          <p:cNvSpPr/>
+          <p:nvPr/>
+        </p:nvSpPr>
+        <p:spPr>
+          <a:xfrm rot="10800000">
+            <a:off x="4227926" y="2644972"/>
+            <a:ext cx="144000" cy="144000"/>
+          </a:xfrm>
+          <a:prstGeom prst="triangle">
+            <a:avLst/>
+          </a:prstGeom>
+          <a:solidFill>
+            <a:schemeClr val="bg1"/>
+          </a:solidFill>
+          <a:ln>
+            <a:noFill/>
+          </a:ln>
+          <a:effectLst/>
+        </p:spPr>
+        <p:style>
+          <a:lnRef idx="1">
+            <a:schemeClr val="accent1"/>
+          </a:lnRef>
+          <a:fillRef idx="3">
+            <a:schemeClr val="accent1"/>
+          </a:fillRef>
+          <a:effectRef idx="2">
+            <a:schemeClr val="accent1"/>
+          </a:effectRef>
+          <a:fontRef idx="minor">
+            <a:schemeClr val="lt1"/>
+          </a:fontRef>
+        </p:style>
+        <p:txBody>
+          <a:bodyPr rtlCol="0" anchor="ctr"/>
+          <a:lstStyle/>
+          <a:p>
+            <a:pPr algn="ctr"/>
+            <a:endParaRPr kumimoji="1" lang="ja-JP" altLang="en-US"/>
+          </a:p>
+        </p:txBody>
+      </p:sp>
+      <p:sp>
+        <p:nvSpPr>
+          <p:cNvPr id="228" name="二等辺三角形 227"/>
+          <p:cNvSpPr/>
+          <p:nvPr/>
+        </p:nvSpPr>
+        <p:spPr>
+          <a:xfrm>
+            <a:off x="5950445" y="2492047"/>
+            <a:ext cx="144000" cy="144000"/>
+          </a:xfrm>
+          <a:prstGeom prst="triangle">
+            <a:avLst/>
+          </a:prstGeom>
+          <a:solidFill>
+            <a:schemeClr val="bg1"/>
+          </a:solidFill>
+          <a:ln>
+            <a:noFill/>
+          </a:ln>
+          <a:effectLst/>
+        </p:spPr>
+        <p:style>
+          <a:lnRef idx="1">
+            <a:schemeClr val="accent1"/>
+          </a:lnRef>
+          <a:fillRef idx="3">
+            <a:schemeClr val="accent1"/>
+          </a:fillRef>
+          <a:effectRef idx="2">
+            <a:schemeClr val="accent1"/>
+          </a:effectRef>
+          <a:fontRef idx="minor">
+            <a:schemeClr val="lt1"/>
+          </a:fontRef>
+        </p:style>
+        <p:txBody>
+          <a:bodyPr rtlCol="0" anchor="ctr"/>
+          <a:lstStyle/>
+          <a:p>
+            <a:pPr algn="ctr"/>
+            <a:endParaRPr kumimoji="1" lang="ja-JP" altLang="en-US"/>
+          </a:p>
+        </p:txBody>
+      </p:sp>
+      <p:sp>
+        <p:nvSpPr>
+          <p:cNvPr id="229" name="二等辺三角形 228"/>
+          <p:cNvSpPr/>
+          <p:nvPr/>
+        </p:nvSpPr>
+        <p:spPr>
+          <a:xfrm rot="10800000">
+            <a:off x="5950446" y="2647287"/>
+            <a:ext cx="144000" cy="144000"/>
+          </a:xfrm>
+          <a:prstGeom prst="triangle">
+            <a:avLst/>
+          </a:prstGeom>
+          <a:solidFill>
+            <a:schemeClr val="bg1"/>
+          </a:solidFill>
+          <a:ln>
+            <a:noFill/>
+          </a:ln>
+          <a:effectLst/>
+        </p:spPr>
+        <p:style>
+          <a:lnRef idx="1">
+            <a:schemeClr val="accent1"/>
+          </a:lnRef>
+          <a:fillRef idx="3">
+            <a:schemeClr val="accent1"/>
+          </a:fillRef>
+          <a:effectRef idx="2">
+            <a:schemeClr val="accent1"/>
+          </a:effectRef>
+          <a:fontRef idx="minor">
+            <a:schemeClr val="lt1"/>
+          </a:fontRef>
+        </p:style>
+        <p:txBody>
+          <a:bodyPr rtlCol="0" anchor="ctr"/>
+          <a:lstStyle/>
+          <a:p>
+            <a:pPr algn="ctr"/>
+            <a:endParaRPr kumimoji="1" lang="ja-JP" altLang="en-US"/>
+          </a:p>
+        </p:txBody>
+      </p:sp>
+      <p:sp>
+        <p:nvSpPr>
+          <p:cNvPr id="230" name="二等辺三角形 229"/>
+          <p:cNvSpPr/>
+          <p:nvPr/>
+        </p:nvSpPr>
+        <p:spPr>
+          <a:xfrm>
+            <a:off x="7672965" y="2494362"/>
+            <a:ext cx="144000" cy="144000"/>
+          </a:xfrm>
+          <a:prstGeom prst="triangle">
+            <a:avLst/>
+          </a:prstGeom>
+          <a:solidFill>
+            <a:schemeClr val="bg1"/>
+          </a:solidFill>
+          <a:ln>
+            <a:noFill/>
+          </a:ln>
+          <a:effectLst/>
+        </p:spPr>
+        <p:style>
+          <a:lnRef idx="1">
+            <a:schemeClr val="accent1"/>
+          </a:lnRef>
+          <a:fillRef idx="3">
+            <a:schemeClr val="accent1"/>
+          </a:fillRef>
+          <a:effectRef idx="2">
+            <a:schemeClr val="accent1"/>
+          </a:effectRef>
+          <a:fontRef idx="minor">
+            <a:schemeClr val="lt1"/>
+          </a:fontRef>
+        </p:style>
+        <p:txBody>
+          <a:bodyPr rtlCol="0" anchor="ctr"/>
+          <a:lstStyle/>
+          <a:p>
+            <a:pPr algn="ctr"/>
+            <a:endParaRPr kumimoji="1" lang="ja-JP" altLang="en-US"/>
+          </a:p>
+        </p:txBody>
+      </p:sp>
+      <p:sp>
+        <p:nvSpPr>
+          <p:cNvPr id="231" name="二等辺三角形 230"/>
+          <p:cNvSpPr/>
+          <p:nvPr/>
+        </p:nvSpPr>
+        <p:spPr>
+          <a:xfrm rot="10800000">
+            <a:off x="7672966" y="2649602"/>
+            <a:ext cx="144000" cy="144000"/>
+          </a:xfrm>
+          <a:prstGeom prst="triangle">
+            <a:avLst/>
+          </a:prstGeom>
+          <a:solidFill>
+            <a:schemeClr val="bg1"/>
+          </a:solidFill>
+          <a:ln>
+            <a:noFill/>
+          </a:ln>
+          <a:effectLst/>
+        </p:spPr>
+        <p:style>
+          <a:lnRef idx="1">
+            <a:schemeClr val="accent1"/>
+          </a:lnRef>
+          <a:fillRef idx="3">
+            <a:schemeClr val="accent1"/>
+          </a:fillRef>
+          <a:effectRef idx="2">
+            <a:schemeClr val="accent1"/>
+          </a:effectRef>
+          <a:fontRef idx="minor">
+            <a:schemeClr val="lt1"/>
+          </a:fontRef>
+        </p:style>
+        <p:txBody>
+          <a:bodyPr rtlCol="0" anchor="ctr"/>
+          <a:lstStyle/>
+          <a:p>
+            <a:pPr algn="ctr"/>
+            <a:endParaRPr kumimoji="1" lang="ja-JP" altLang="en-US"/>
+          </a:p>
+        </p:txBody>
+      </p:sp>
+      <p:sp>
+        <p:nvSpPr>
+          <p:cNvPr id="232" name="正方形/長方形 231"/>
           <p:cNvSpPr/>
           <p:nvPr/>
         </p:nvSpPr>

--- a/payment_manager/bin/algieba.pptx
+++ b/payment_manager/bin/algieba.pptx
@@ -200,7 +200,7 @@
           <a:p>
             <a:fld id="{EE82FEE5-269B-9B49-A8C4-823C45BE6055}" type="datetimeFigureOut">
               <a:rPr kumimoji="1" lang="ja-JP" altLang="en-US" smtClean="0"/>
-              <a:t>17/11/12</a:t>
+              <a:t>17/12/02</a:t>
             </a:fld>
             <a:endParaRPr kumimoji="1" lang="ja-JP" altLang="en-US"/>
           </a:p>
@@ -1353,7 +1353,7 @@
           <a:p>
             <a:fld id="{3ABA01A1-4899-9944-833D-6A66CDE659CB}" type="datetimeFigureOut">
               <a:rPr kumimoji="1" lang="ja-JP" altLang="en-US" smtClean="0"/>
-              <a:t>17/11/12</a:t>
+              <a:t>17/12/02</a:t>
             </a:fld>
             <a:endParaRPr kumimoji="1" lang="ja-JP" altLang="en-US"/>
           </a:p>
@@ -1555,7 +1555,7 @@
           <a:p>
             <a:fld id="{3ABA01A1-4899-9944-833D-6A66CDE659CB}" type="datetimeFigureOut">
               <a:rPr kumimoji="1" lang="ja-JP" altLang="en-US" smtClean="0"/>
-              <a:t>17/11/12</a:t>
+              <a:t>17/12/02</a:t>
             </a:fld>
             <a:endParaRPr kumimoji="1" lang="ja-JP" altLang="en-US"/>
           </a:p>
@@ -1767,7 +1767,7 @@
           <a:p>
             <a:fld id="{3ABA01A1-4899-9944-833D-6A66CDE659CB}" type="datetimeFigureOut">
               <a:rPr kumimoji="1" lang="ja-JP" altLang="en-US" smtClean="0"/>
-              <a:t>17/11/12</a:t>
+              <a:t>17/12/02</a:t>
             </a:fld>
             <a:endParaRPr kumimoji="1" lang="ja-JP" altLang="en-US"/>
           </a:p>
@@ -1969,7 +1969,7 @@
           <a:p>
             <a:fld id="{3ABA01A1-4899-9944-833D-6A66CDE659CB}" type="datetimeFigureOut">
               <a:rPr kumimoji="1" lang="ja-JP" altLang="en-US" smtClean="0"/>
-              <a:t>17/11/12</a:t>
+              <a:t>17/12/02</a:t>
             </a:fld>
             <a:endParaRPr kumimoji="1" lang="ja-JP" altLang="en-US"/>
           </a:p>
@@ -2215,7 +2215,7 @@
           <a:p>
             <a:fld id="{3ABA01A1-4899-9944-833D-6A66CDE659CB}" type="datetimeFigureOut">
               <a:rPr kumimoji="1" lang="ja-JP" altLang="en-US" smtClean="0"/>
-              <a:t>17/11/12</a:t>
+              <a:t>17/12/02</a:t>
             </a:fld>
             <a:endParaRPr kumimoji="1" lang="ja-JP" altLang="en-US"/>
           </a:p>
@@ -2567,7 +2567,7 @@
           <a:p>
             <a:fld id="{3ABA01A1-4899-9944-833D-6A66CDE659CB}" type="datetimeFigureOut">
               <a:rPr kumimoji="1" lang="ja-JP" altLang="en-US" smtClean="0"/>
-              <a:t>17/11/12</a:t>
+              <a:t>17/12/02</a:t>
             </a:fld>
             <a:endParaRPr kumimoji="1" lang="ja-JP" altLang="en-US"/>
           </a:p>
@@ -3053,7 +3053,7 @@
           <a:p>
             <a:fld id="{3ABA01A1-4899-9944-833D-6A66CDE659CB}" type="datetimeFigureOut">
               <a:rPr kumimoji="1" lang="ja-JP" altLang="en-US" smtClean="0"/>
-              <a:t>17/11/12</a:t>
+              <a:t>17/12/02</a:t>
             </a:fld>
             <a:endParaRPr kumimoji="1" lang="ja-JP" altLang="en-US"/>
           </a:p>
@@ -3171,7 +3171,7 @@
           <a:p>
             <a:fld id="{3ABA01A1-4899-9944-833D-6A66CDE659CB}" type="datetimeFigureOut">
               <a:rPr kumimoji="1" lang="ja-JP" altLang="en-US" smtClean="0"/>
-              <a:t>17/11/12</a:t>
+              <a:t>17/12/02</a:t>
             </a:fld>
             <a:endParaRPr kumimoji="1" lang="ja-JP" altLang="en-US"/>
           </a:p>
@@ -3266,7 +3266,7 @@
           <a:p>
             <a:fld id="{3ABA01A1-4899-9944-833D-6A66CDE659CB}" type="datetimeFigureOut">
               <a:rPr kumimoji="1" lang="ja-JP" altLang="en-US" smtClean="0"/>
-              <a:t>17/11/12</a:t>
+              <a:t>17/12/02</a:t>
             </a:fld>
             <a:endParaRPr kumimoji="1" lang="ja-JP" altLang="en-US"/>
           </a:p>
@@ -3575,7 +3575,7 @@
           <a:p>
             <a:fld id="{3ABA01A1-4899-9944-833D-6A66CDE659CB}" type="datetimeFigureOut">
               <a:rPr kumimoji="1" lang="ja-JP" altLang="en-US" smtClean="0"/>
-              <a:t>17/11/12</a:t>
+              <a:t>17/12/02</a:t>
             </a:fld>
             <a:endParaRPr kumimoji="1" lang="ja-JP" altLang="en-US"/>
           </a:p>
@@ -3828,7 +3828,7 @@
           <a:p>
             <a:fld id="{3ABA01A1-4899-9944-833D-6A66CDE659CB}" type="datetimeFigureOut">
               <a:rPr kumimoji="1" lang="ja-JP" altLang="en-US" smtClean="0"/>
-              <a:t>17/11/12</a:t>
+              <a:t>17/12/02</a:t>
             </a:fld>
             <a:endParaRPr kumimoji="1" lang="ja-JP" altLang="en-US"/>
           </a:p>
@@ -4073,7 +4073,7 @@
           <a:p>
             <a:fld id="{3ABA01A1-4899-9944-833D-6A66CDE659CB}" type="datetimeFigureOut">
               <a:rPr kumimoji="1" lang="ja-JP" altLang="en-US" smtClean="0"/>
-              <a:t>17/11/12</a:t>
+              <a:t>17/12/02</a:t>
             </a:fld>
             <a:endParaRPr kumimoji="1" lang="ja-JP" altLang="en-US"/>
           </a:p>
@@ -4521,7 +4521,7 @@
             </a:r>
             <a:r>
               <a:rPr lang="en-US" altLang="ja-JP" sz="2800" dirty="0" smtClean="0"/>
-              <a:t>11/12</a:t>
+              <a:t>12/02</a:t>
             </a:r>
             <a:r>
               <a:rPr lang="en-US" altLang="ja-JP" sz="2800" dirty="0" smtClean="0"/>
@@ -4540,7 +4540,7 @@
             </a:r>
             <a:r>
               <a:rPr lang="en-US" altLang="ja-JP" sz="2800" dirty="0" smtClean="0"/>
-              <a:t>2.12.0</a:t>
+              <a:t>2.13.0</a:t>
             </a:r>
             <a:endParaRPr kumimoji="1" lang="ja-JP" altLang="en-US" dirty="0"/>
           </a:p>
@@ -4850,8 +4850,8 @@
         </p:nvSpPr>
         <p:spPr>
           <a:xfrm>
-            <a:off x="646545" y="969818"/>
-            <a:ext cx="7635424" cy="5663089"/>
+            <a:off x="646545" y="900548"/>
+            <a:ext cx="7635424" cy="5816978"/>
           </a:xfrm>
           <a:prstGeom prst="rect">
             <a:avLst/>
@@ -5204,6 +5204,41 @@
                 <a:cs typeface="メイリオ"/>
               </a:rPr>
               <a:t>される</a:t>
+            </a:r>
+            <a:endParaRPr lang="en-US" altLang="ja-JP" dirty="0" smtClean="0">
+              <a:latin typeface="メイリオ"/>
+              <a:ea typeface="メイリオ"/>
+              <a:cs typeface="メイリオ"/>
+            </a:endParaRPr>
+          </a:p>
+          <a:p>
+            <a:pPr marL="742950" lvl="1" indent="-285750">
+              <a:buFont typeface="Arial"/>
+              <a:buChar char="•"/>
+            </a:pPr>
+            <a:r>
+              <a:rPr lang="ja-JP" altLang="en-US" dirty="0" smtClean="0">
+                <a:latin typeface="メイリオ"/>
+                <a:ea typeface="メイリオ"/>
+                <a:cs typeface="メイリオ"/>
+              </a:rPr>
+              <a:t>表示件数は管理画面で変更可能（デフォルト</a:t>
+            </a:r>
+            <a:r>
+              <a:rPr lang="en-US" altLang="ja-JP" dirty="0" smtClean="0">
+                <a:latin typeface="メイリオ"/>
+                <a:ea typeface="メイリオ"/>
+                <a:cs typeface="メイリオ"/>
+              </a:rPr>
+              <a:t>: 50</a:t>
+            </a:r>
+            <a:r>
+              <a:rPr lang="ja-JP" altLang="en-US" dirty="0" smtClean="0">
+                <a:latin typeface="メイリオ"/>
+                <a:ea typeface="メイリオ"/>
+                <a:cs typeface="メイリオ"/>
+              </a:rPr>
+              <a:t>件）</a:t>
             </a:r>
             <a:endParaRPr lang="en-US" altLang="ja-JP" dirty="0">
               <a:latin typeface="メイリオ"/>
@@ -5933,7 +5968,7 @@
           <p:nvPr>
             <p:extLst>
               <p:ext uri="{D42A27DB-BD31-4B8C-83A1-F6EECF244321}">
-                <p14:modId xmlns:p14="http://schemas.microsoft.com/office/powerpoint/2010/main" val="3806521063"/>
+                <p14:modId xmlns:p14="http://schemas.microsoft.com/office/powerpoint/2010/main" val="2376657391"/>
               </p:ext>
             </p:extLst>
           </p:nvPr>
@@ -9572,6 +9607,89 @@
           </a:p>
         </p:txBody>
       </p:sp>
+      <p:sp>
+        <p:nvSpPr>
+          <p:cNvPr id="92" name="テキスト ボックス 91"/>
+          <p:cNvSpPr txBox="1"/>
+          <p:nvPr/>
+        </p:nvSpPr>
+        <p:spPr>
+          <a:xfrm>
+            <a:off x="7120566" y="2122353"/>
+            <a:ext cx="697627" cy="246221"/>
+          </a:xfrm>
+          <a:prstGeom prst="rect">
+            <a:avLst/>
+          </a:prstGeom>
+          <a:noFill/>
+        </p:spPr>
+        <p:txBody>
+          <a:bodyPr wrap="none" rtlCol="0">
+            <a:spAutoFit/>
+          </a:bodyPr>
+          <a:lstStyle/>
+          <a:p>
+            <a:r>
+              <a:rPr lang="en-US" altLang="en-US" sz="1000" dirty="0" smtClean="0">
+                <a:latin typeface="メイリオ"/>
+                <a:ea typeface="メイリオ"/>
+                <a:cs typeface="メイリオ"/>
+              </a:rPr>
+              <a:t>表示件数</a:t>
+            </a:r>
+            <a:endParaRPr kumimoji="1" lang="ja-JP" altLang="en-US" sz="1000" dirty="0">
+              <a:latin typeface="メイリオ"/>
+              <a:ea typeface="メイリオ"/>
+              <a:cs typeface="メイリオ"/>
+            </a:endParaRPr>
+          </a:p>
+        </p:txBody>
+      </p:sp>
+      <p:sp>
+        <p:nvSpPr>
+          <p:cNvPr id="104" name="角丸四角形 103"/>
+          <p:cNvSpPr/>
+          <p:nvPr/>
+        </p:nvSpPr>
+        <p:spPr>
+          <a:xfrm>
+            <a:off x="7832121" y="2169029"/>
+            <a:ext cx="352321" cy="158766"/>
+          </a:xfrm>
+          <a:prstGeom prst="roundRect">
+            <a:avLst/>
+          </a:prstGeom>
+          <a:noFill/>
+          <a:ln w="25400">
+            <a:solidFill>
+              <a:schemeClr val="tx1"/>
+            </a:solidFill>
+          </a:ln>
+          <a:effectLst/>
+        </p:spPr>
+        <p:style>
+          <a:lnRef idx="1">
+            <a:schemeClr val="accent1"/>
+          </a:lnRef>
+          <a:fillRef idx="3">
+            <a:schemeClr val="accent1"/>
+          </a:fillRef>
+          <a:effectRef idx="2">
+            <a:schemeClr val="accent1"/>
+          </a:effectRef>
+          <a:fontRef idx="minor">
+            <a:schemeClr val="lt1"/>
+          </a:fontRef>
+        </p:style>
+        <p:txBody>
+          <a:bodyPr rtlCol="0" anchor="ctr"/>
+          <a:lstStyle/>
+          <a:p>
+            <a:pPr algn="ctr"/>
+            <a:endParaRPr kumimoji="1" lang="ja-JP" altLang="en-US"/>
+          </a:p>
+        </p:txBody>
+      </p:sp>
     </p:spTree>
     <p:extLst>
       <p:ext uri="{BB962C8B-B14F-4D97-AF65-F5344CB8AC3E}">
@@ -9801,14 +9919,14 @@
       </p:grpSpPr>
       <p:graphicFrame>
         <p:nvGraphicFramePr>
-          <p:cNvPr id="74" name="表 73"/>
+          <p:cNvPr id="82" name="表 81"/>
           <p:cNvGraphicFramePr>
             <a:graphicFrameLocks noGrp="1"/>
           </p:cNvGraphicFramePr>
           <p:nvPr>
             <p:extLst>
               <p:ext uri="{D42A27DB-BD31-4B8C-83A1-F6EECF244321}">
-                <p14:modId xmlns:p14="http://schemas.microsoft.com/office/powerpoint/2010/main" val="310339601"/>
+                <p14:modId xmlns:p14="http://schemas.microsoft.com/office/powerpoint/2010/main" val="1214837235"/>
               </p:ext>
             </p:extLst>
           </p:nvPr>
@@ -10303,7 +10421,7 @@
       </p:graphicFrame>
       <p:sp>
         <p:nvSpPr>
-          <p:cNvPr id="75" name="正方形/長方形 74"/>
+          <p:cNvPr id="83" name="正方形/長方形 82"/>
           <p:cNvSpPr/>
           <p:nvPr/>
         </p:nvSpPr>
@@ -10355,7 +10473,7 @@
       </p:sp>
       <p:sp>
         <p:nvSpPr>
-          <p:cNvPr id="76" name="角丸四角形 75"/>
+          <p:cNvPr id="84" name="角丸四角形 83"/>
           <p:cNvSpPr/>
           <p:nvPr/>
         </p:nvSpPr>
@@ -10400,7 +10518,7 @@
       </p:sp>
       <p:sp>
         <p:nvSpPr>
-          <p:cNvPr id="77" name="テキスト ボックス 76"/>
+          <p:cNvPr id="85" name="テキスト ボックス 84"/>
           <p:cNvSpPr txBox="1"/>
           <p:nvPr/>
         </p:nvSpPr>
@@ -10438,7 +10556,7 @@
       </p:sp>
       <p:sp>
         <p:nvSpPr>
-          <p:cNvPr id="78" name="角丸四角形 77"/>
+          <p:cNvPr id="86" name="角丸四角形 85"/>
           <p:cNvSpPr/>
           <p:nvPr/>
         </p:nvSpPr>
@@ -10483,7 +10601,7 @@
       </p:sp>
       <p:sp>
         <p:nvSpPr>
-          <p:cNvPr id="79" name="テキスト ボックス 78"/>
+          <p:cNvPr id="87" name="テキスト ボックス 86"/>
           <p:cNvSpPr txBox="1"/>
           <p:nvPr/>
         </p:nvSpPr>
@@ -10529,7 +10647,7 @@
       </p:sp>
       <p:sp>
         <p:nvSpPr>
-          <p:cNvPr id="80" name="角丸四角形 79"/>
+          <p:cNvPr id="88" name="角丸四角形 87"/>
           <p:cNvSpPr/>
           <p:nvPr/>
         </p:nvSpPr>
@@ -10574,7 +10692,7 @@
       </p:sp>
       <p:sp>
         <p:nvSpPr>
-          <p:cNvPr id="81" name="テキスト ボックス 80"/>
+          <p:cNvPr id="89" name="テキスト ボックス 88"/>
           <p:cNvSpPr txBox="1"/>
           <p:nvPr/>
         </p:nvSpPr>
@@ -10620,7 +10738,7 @@
       </p:sp>
       <p:sp>
         <p:nvSpPr>
-          <p:cNvPr id="137" name="角丸四角形 136"/>
+          <p:cNvPr id="90" name="角丸四角形 89"/>
           <p:cNvSpPr/>
           <p:nvPr/>
         </p:nvSpPr>
@@ -10665,7 +10783,7 @@
       </p:sp>
       <p:sp>
         <p:nvSpPr>
-          <p:cNvPr id="138" name="テキスト ボックス 137"/>
+          <p:cNvPr id="91" name="テキスト ボックス 90"/>
           <p:cNvSpPr txBox="1"/>
           <p:nvPr/>
         </p:nvSpPr>
@@ -10711,7 +10829,7 @@
       </p:sp>
       <p:sp>
         <p:nvSpPr>
-          <p:cNvPr id="139" name="角丸四角形 138"/>
+          <p:cNvPr id="92" name="角丸四角形 91"/>
           <p:cNvSpPr/>
           <p:nvPr/>
         </p:nvSpPr>
@@ -10774,7 +10892,7 @@
       </p:sp>
       <p:cxnSp>
         <p:nvCxnSpPr>
-          <p:cNvPr id="140" name="直線コネクタ 139"/>
+          <p:cNvPr id="93" name="直線コネクタ 92"/>
           <p:cNvCxnSpPr/>
           <p:nvPr/>
         </p:nvCxnSpPr>
@@ -10812,7 +10930,7 @@
       </p:cxnSp>
       <p:sp>
         <p:nvSpPr>
-          <p:cNvPr id="141" name="テキスト ボックス 140"/>
+          <p:cNvPr id="94" name="テキスト ボックス 93"/>
           <p:cNvSpPr txBox="1"/>
           <p:nvPr/>
         </p:nvSpPr>
@@ -10850,7 +10968,7 @@
       </p:sp>
       <p:sp>
         <p:nvSpPr>
-          <p:cNvPr id="142" name="テキスト ボックス 141"/>
+          <p:cNvPr id="95" name="テキスト ボックス 94"/>
           <p:cNvSpPr txBox="1"/>
           <p:nvPr/>
         </p:nvSpPr>
@@ -10888,7 +11006,7 @@
       </p:sp>
       <p:sp>
         <p:nvSpPr>
-          <p:cNvPr id="143" name="テキスト ボックス 142"/>
+          <p:cNvPr id="96" name="テキスト ボックス 95"/>
           <p:cNvSpPr txBox="1"/>
           <p:nvPr/>
         </p:nvSpPr>
@@ -10926,7 +11044,7 @@
       </p:sp>
       <p:sp>
         <p:nvSpPr>
-          <p:cNvPr id="144" name="二等辺三角形 143"/>
+          <p:cNvPr id="97" name="二等辺三角形 96"/>
           <p:cNvSpPr/>
           <p:nvPr/>
         </p:nvSpPr>
@@ -10971,7 +11089,7 @@
       </p:sp>
       <p:sp>
         <p:nvSpPr>
-          <p:cNvPr id="145" name="二等辺三角形 144"/>
+          <p:cNvPr id="98" name="二等辺三角形 97"/>
           <p:cNvSpPr/>
           <p:nvPr/>
         </p:nvSpPr>
@@ -11016,7 +11134,7 @@
       </p:sp>
       <p:sp>
         <p:nvSpPr>
-          <p:cNvPr id="146" name="テキスト ボックス 145"/>
+          <p:cNvPr id="99" name="テキスト ボックス 98"/>
           <p:cNvSpPr txBox="1"/>
           <p:nvPr/>
         </p:nvSpPr>
@@ -11054,7 +11172,7 @@
       </p:sp>
       <p:sp>
         <p:nvSpPr>
-          <p:cNvPr id="147" name="テキスト ボックス 146"/>
+          <p:cNvPr id="100" name="テキスト ボックス 99"/>
           <p:cNvSpPr txBox="1"/>
           <p:nvPr/>
         </p:nvSpPr>
@@ -11148,7 +11266,7 @@
       </p:sp>
       <p:sp>
         <p:nvSpPr>
-          <p:cNvPr id="148" name="二等辺三角形 147"/>
+          <p:cNvPr id="101" name="二等辺三角形 100"/>
           <p:cNvSpPr/>
           <p:nvPr/>
         </p:nvSpPr>
@@ -11193,7 +11311,7 @@
       </p:sp>
       <p:sp>
         <p:nvSpPr>
-          <p:cNvPr id="149" name="二等辺三角形 148"/>
+          <p:cNvPr id="102" name="二等辺三角形 101"/>
           <p:cNvSpPr/>
           <p:nvPr/>
         </p:nvSpPr>
@@ -11238,7 +11356,7 @@
       </p:sp>
       <p:sp>
         <p:nvSpPr>
-          <p:cNvPr id="150" name="二等辺三角形 149"/>
+          <p:cNvPr id="103" name="二等辺三角形 102"/>
           <p:cNvSpPr/>
           <p:nvPr/>
         </p:nvSpPr>
@@ -11283,7 +11401,7 @@
       </p:sp>
       <p:sp>
         <p:nvSpPr>
-          <p:cNvPr id="151" name="二等辺三角形 150"/>
+          <p:cNvPr id="104" name="二等辺三角形 103"/>
           <p:cNvSpPr/>
           <p:nvPr/>
         </p:nvSpPr>
@@ -11328,7 +11446,7 @@
       </p:sp>
       <p:sp>
         <p:nvSpPr>
-          <p:cNvPr id="152" name="角丸四角形 151"/>
+          <p:cNvPr id="105" name="角丸四角形 104"/>
           <p:cNvSpPr/>
           <p:nvPr/>
         </p:nvSpPr>
@@ -11391,7 +11509,7 @@
       </p:sp>
       <p:pic>
         <p:nvPicPr>
-          <p:cNvPr id="153" name="図 152" descr="trash.png"/>
+          <p:cNvPr id="106" name="図 105" descr="trash.png"/>
           <p:cNvPicPr>
             <a:picLocks noChangeAspect="1"/>
           </p:cNvPicPr>
@@ -11421,7 +11539,7 @@
       </p:pic>
       <p:pic>
         <p:nvPicPr>
-          <p:cNvPr id="154" name="図 153" descr="trash.png"/>
+          <p:cNvPr id="107" name="図 106" descr="trash.png"/>
           <p:cNvPicPr>
             <a:picLocks noChangeAspect="1"/>
           </p:cNvPicPr>
@@ -11451,7 +11569,7 @@
       </p:pic>
       <p:pic>
         <p:nvPicPr>
-          <p:cNvPr id="155" name="図 154" descr="trash.png"/>
+          <p:cNvPr id="108" name="図 107" descr="trash.png"/>
           <p:cNvPicPr>
             <a:picLocks noChangeAspect="1"/>
           </p:cNvPicPr>
@@ -11481,7 +11599,7 @@
       </p:pic>
       <p:pic>
         <p:nvPicPr>
-          <p:cNvPr id="156" name="図 155" descr="trash.png"/>
+          <p:cNvPr id="109" name="図 108" descr="trash.png"/>
           <p:cNvPicPr>
             <a:picLocks noChangeAspect="1"/>
           </p:cNvPicPr>
@@ -11511,7 +11629,7 @@
       </p:pic>
       <p:pic>
         <p:nvPicPr>
-          <p:cNvPr id="157" name="図 156" descr="trash.png"/>
+          <p:cNvPr id="110" name="図 109" descr="trash.png"/>
           <p:cNvPicPr>
             <a:picLocks noChangeAspect="1"/>
           </p:cNvPicPr>
@@ -11541,7 +11659,7 @@
       </p:pic>
       <p:pic>
         <p:nvPicPr>
-          <p:cNvPr id="158" name="図 157" descr="trash.png"/>
+          <p:cNvPr id="111" name="図 110" descr="trash.png"/>
           <p:cNvPicPr>
             <a:picLocks noChangeAspect="1"/>
           </p:cNvPicPr>
@@ -11571,7 +11689,7 @@
       </p:pic>
       <p:pic>
         <p:nvPicPr>
-          <p:cNvPr id="159" name="図 158" descr="trash.png"/>
+          <p:cNvPr id="112" name="図 111" descr="trash.png"/>
           <p:cNvPicPr>
             <a:picLocks noChangeAspect="1"/>
           </p:cNvPicPr>
@@ -11601,7 +11719,7 @@
       </p:pic>
       <p:pic>
         <p:nvPicPr>
-          <p:cNvPr id="160" name="図 159" descr="trash.png"/>
+          <p:cNvPr id="113" name="図 112" descr="trash.png"/>
           <p:cNvPicPr>
             <a:picLocks noChangeAspect="1"/>
           </p:cNvPicPr>
@@ -11631,7 +11749,7 @@
       </p:pic>
       <p:pic>
         <p:nvPicPr>
-          <p:cNvPr id="161" name="図 160" descr="trash.png"/>
+          <p:cNvPr id="114" name="図 113" descr="trash.png"/>
           <p:cNvPicPr>
             <a:picLocks noChangeAspect="1"/>
           </p:cNvPicPr>
@@ -11661,7 +11779,7 @@
       </p:pic>
       <p:pic>
         <p:nvPicPr>
-          <p:cNvPr id="162" name="図 161" descr="trash.png"/>
+          <p:cNvPr id="115" name="図 114" descr="trash.png"/>
           <p:cNvPicPr>
             <a:picLocks noChangeAspect="1"/>
           </p:cNvPicPr>
@@ -11691,7 +11809,7 @@
       </p:pic>
       <p:grpSp>
         <p:nvGrpSpPr>
-          <p:cNvPr id="163" name="図形グループ 162"/>
+          <p:cNvPr id="116" name="図形グループ 115"/>
           <p:cNvGrpSpPr/>
           <p:nvPr/>
         </p:nvGrpSpPr>
@@ -11705,7 +11823,7 @@
         </p:grpSpPr>
         <p:sp>
           <p:nvSpPr>
-            <p:cNvPr id="164" name="角丸四角形 163"/>
+            <p:cNvPr id="117" name="角丸四角形 116"/>
             <p:cNvSpPr/>
             <p:nvPr/>
           </p:nvSpPr>
@@ -11754,7 +11872,7 @@
         </p:sp>
         <p:cxnSp>
           <p:nvCxnSpPr>
-            <p:cNvPr id="165" name="直線コネクタ 164"/>
+            <p:cNvPr id="118" name="直線コネクタ 117"/>
             <p:cNvCxnSpPr/>
             <p:nvPr/>
           </p:nvCxnSpPr>
@@ -11789,7 +11907,7 @@
         </p:cxnSp>
         <p:cxnSp>
           <p:nvCxnSpPr>
-            <p:cNvPr id="166" name="直線コネクタ 165"/>
+            <p:cNvPr id="119" name="直線コネクタ 118"/>
             <p:cNvCxnSpPr/>
             <p:nvPr/>
           </p:nvCxnSpPr>
@@ -11824,7 +11942,7 @@
         </p:cxnSp>
         <p:cxnSp>
           <p:nvCxnSpPr>
-            <p:cNvPr id="167" name="直線コネクタ 166"/>
+            <p:cNvPr id="120" name="直線コネクタ 119"/>
             <p:cNvCxnSpPr/>
             <p:nvPr/>
           </p:nvCxnSpPr>
@@ -11860,7 +11978,7 @@
       </p:grpSp>
       <p:cxnSp>
         <p:nvCxnSpPr>
-          <p:cNvPr id="168" name="直線コネクタ 167"/>
+          <p:cNvPr id="121" name="直線コネクタ 120"/>
           <p:cNvCxnSpPr/>
           <p:nvPr/>
         </p:nvCxnSpPr>
@@ -11898,7 +12016,7 @@
       </p:cxnSp>
       <p:sp>
         <p:nvSpPr>
-          <p:cNvPr id="169" name="テキスト ボックス 168"/>
+          <p:cNvPr id="122" name="テキスト ボックス 121"/>
           <p:cNvSpPr txBox="1"/>
           <p:nvPr/>
         </p:nvSpPr>
@@ -11936,7 +12054,7 @@
       </p:sp>
       <p:sp>
         <p:nvSpPr>
-          <p:cNvPr id="170" name="角丸四角形 169"/>
+          <p:cNvPr id="123" name="角丸四角形 122"/>
           <p:cNvSpPr/>
           <p:nvPr/>
         </p:nvSpPr>
@@ -11981,7 +12099,7 @@
       </p:sp>
       <p:sp>
         <p:nvSpPr>
-          <p:cNvPr id="171" name="テキスト ボックス 170"/>
+          <p:cNvPr id="124" name="テキスト ボックス 123"/>
           <p:cNvSpPr txBox="1"/>
           <p:nvPr/>
         </p:nvSpPr>
@@ -12019,7 +12137,7 @@
       </p:sp>
       <p:sp>
         <p:nvSpPr>
-          <p:cNvPr id="172" name="テキスト ボックス 171"/>
+          <p:cNvPr id="125" name="テキスト ボックス 124"/>
           <p:cNvSpPr txBox="1"/>
           <p:nvPr/>
         </p:nvSpPr>
@@ -12065,7 +12183,7 @@
       </p:sp>
       <p:sp>
         <p:nvSpPr>
-          <p:cNvPr id="173" name="角丸四角形 172"/>
+          <p:cNvPr id="126" name="角丸四角形 125"/>
           <p:cNvSpPr/>
           <p:nvPr/>
         </p:nvSpPr>
@@ -12110,7 +12228,7 @@
       </p:sp>
       <p:grpSp>
         <p:nvGrpSpPr>
-          <p:cNvPr id="174" name="図形グループ 173"/>
+          <p:cNvPr id="127" name="図形グループ 126"/>
           <p:cNvGrpSpPr/>
           <p:nvPr/>
         </p:nvGrpSpPr>
@@ -12124,7 +12242,7 @@
         </p:grpSpPr>
         <p:sp>
           <p:nvSpPr>
-            <p:cNvPr id="175" name="角丸四角形 174"/>
+            <p:cNvPr id="128" name="角丸四角形 127"/>
             <p:cNvSpPr/>
             <p:nvPr/>
           </p:nvSpPr>
@@ -12186,7 +12304,7 @@
         </p:sp>
         <p:sp>
           <p:nvSpPr>
-            <p:cNvPr id="176" name="二等辺三角形 175"/>
+            <p:cNvPr id="129" name="二等辺三角形 128"/>
             <p:cNvSpPr/>
             <p:nvPr/>
           </p:nvSpPr>
@@ -12232,7 +12350,7 @@
       </p:grpSp>
       <p:sp>
         <p:nvSpPr>
-          <p:cNvPr id="177" name="テキスト ボックス 176"/>
+          <p:cNvPr id="130" name="テキスト ボックス 129"/>
           <p:cNvSpPr txBox="1"/>
           <p:nvPr/>
         </p:nvSpPr>
@@ -12278,7 +12396,7 @@
       </p:sp>
       <p:sp>
         <p:nvSpPr>
-          <p:cNvPr id="178" name="角丸四角形 177"/>
+          <p:cNvPr id="131" name="角丸四角形 130"/>
           <p:cNvSpPr/>
           <p:nvPr/>
         </p:nvSpPr>
@@ -12323,7 +12441,7 @@
       </p:sp>
       <p:sp>
         <p:nvSpPr>
-          <p:cNvPr id="179" name="テキスト ボックス 178"/>
+          <p:cNvPr id="132" name="テキスト ボックス 131"/>
           <p:cNvSpPr txBox="1"/>
           <p:nvPr/>
         </p:nvSpPr>
@@ -12369,7 +12487,7 @@
       </p:sp>
       <p:sp>
         <p:nvSpPr>
-          <p:cNvPr id="180" name="角丸四角形 179"/>
+          <p:cNvPr id="133" name="角丸四角形 132"/>
           <p:cNvSpPr/>
           <p:nvPr/>
         </p:nvSpPr>
@@ -12414,7 +12532,7 @@
       </p:sp>
       <p:sp>
         <p:nvSpPr>
-          <p:cNvPr id="181" name="角丸四角形 180"/>
+          <p:cNvPr id="134" name="角丸四角形 133"/>
           <p:cNvSpPr/>
           <p:nvPr/>
         </p:nvSpPr>
@@ -12459,7 +12577,7 @@
       </p:sp>
       <p:sp>
         <p:nvSpPr>
-          <p:cNvPr id="182" name="テキスト ボックス 181"/>
+          <p:cNvPr id="135" name="テキスト ボックス 134"/>
           <p:cNvSpPr txBox="1"/>
           <p:nvPr/>
         </p:nvSpPr>
@@ -12497,7 +12615,7 @@
       </p:sp>
       <p:sp>
         <p:nvSpPr>
-          <p:cNvPr id="183" name="角丸四角形 182"/>
+          <p:cNvPr id="136" name="角丸四角形 135"/>
           <p:cNvSpPr/>
           <p:nvPr/>
         </p:nvSpPr>
@@ -12542,7 +12660,7 @@
       </p:sp>
       <p:sp>
         <p:nvSpPr>
-          <p:cNvPr id="200" name="角丸四角形 199"/>
+          <p:cNvPr id="185" name="角丸四角形 184"/>
           <p:cNvSpPr/>
           <p:nvPr/>
         </p:nvSpPr>
@@ -12605,7 +12723,7 @@
       </p:sp>
       <p:grpSp>
         <p:nvGrpSpPr>
-          <p:cNvPr id="201" name="図形グループ 200"/>
+          <p:cNvPr id="186" name="図形グループ 185"/>
           <p:cNvGrpSpPr/>
           <p:nvPr/>
         </p:nvGrpSpPr>
@@ -12619,7 +12737,7 @@
         </p:grpSpPr>
         <p:sp>
           <p:nvSpPr>
-            <p:cNvPr id="202" name="角丸四角形 201"/>
+            <p:cNvPr id="187" name="角丸四角形 186"/>
             <p:cNvSpPr/>
             <p:nvPr/>
           </p:nvSpPr>
@@ -12668,7 +12786,7 @@
         </p:sp>
         <p:cxnSp>
           <p:nvCxnSpPr>
-            <p:cNvPr id="203" name="直線コネクタ 202"/>
+            <p:cNvPr id="188" name="直線コネクタ 187"/>
             <p:cNvCxnSpPr/>
             <p:nvPr/>
           </p:nvCxnSpPr>
@@ -12703,7 +12821,7 @@
         </p:cxnSp>
         <p:cxnSp>
           <p:nvCxnSpPr>
-            <p:cNvPr id="204" name="直線コネクタ 203"/>
+            <p:cNvPr id="189" name="直線コネクタ 188"/>
             <p:cNvCxnSpPr/>
             <p:nvPr/>
           </p:nvCxnSpPr>
@@ -12738,7 +12856,7 @@
         </p:cxnSp>
         <p:cxnSp>
           <p:nvCxnSpPr>
-            <p:cNvPr id="205" name="直線コネクタ 204"/>
+            <p:cNvPr id="190" name="直線コネクタ 189"/>
             <p:cNvCxnSpPr/>
             <p:nvPr/>
           </p:nvCxnSpPr>
@@ -12774,7 +12892,7 @@
       </p:grpSp>
       <p:sp>
         <p:nvSpPr>
-          <p:cNvPr id="206" name="テキスト ボックス 205"/>
+          <p:cNvPr id="191" name="テキスト ボックス 190"/>
           <p:cNvSpPr txBox="1"/>
           <p:nvPr/>
         </p:nvSpPr>
@@ -12812,7 +12930,7 @@
       </p:sp>
       <p:sp>
         <p:nvSpPr>
-          <p:cNvPr id="207" name="テキスト ボックス 206"/>
+          <p:cNvPr id="192" name="テキスト ボックス 191"/>
           <p:cNvSpPr txBox="1"/>
           <p:nvPr/>
         </p:nvSpPr>
@@ -12850,7 +12968,7 @@
       </p:sp>
       <p:sp>
         <p:nvSpPr>
-          <p:cNvPr id="208" name="円/楕円 207"/>
+          <p:cNvPr id="193" name="円/楕円 192"/>
           <p:cNvSpPr/>
           <p:nvPr/>
         </p:nvSpPr>
@@ -12895,7 +13013,7 @@
       </p:sp>
       <p:sp>
         <p:nvSpPr>
-          <p:cNvPr id="209" name="円/楕円 208"/>
+          <p:cNvPr id="194" name="円/楕円 193"/>
           <p:cNvSpPr/>
           <p:nvPr/>
         </p:nvSpPr>
@@ -12940,7 +13058,7 @@
       </p:sp>
       <p:grpSp>
         <p:nvGrpSpPr>
-          <p:cNvPr id="210" name="図形グループ 209"/>
+          <p:cNvPr id="195" name="図形グループ 194"/>
           <p:cNvGrpSpPr/>
           <p:nvPr/>
         </p:nvGrpSpPr>
@@ -12954,7 +13072,7 @@
         </p:grpSpPr>
         <p:sp>
           <p:nvSpPr>
-            <p:cNvPr id="211" name="角丸四角形 210"/>
+            <p:cNvPr id="196" name="角丸四角形 195"/>
             <p:cNvSpPr/>
             <p:nvPr/>
           </p:nvSpPr>
@@ -13005,7 +13123,7 @@
         </p:sp>
         <p:sp>
           <p:nvSpPr>
-            <p:cNvPr id="212" name="二等辺三角形 211"/>
+            <p:cNvPr id="197" name="二等辺三角形 196"/>
             <p:cNvSpPr/>
             <p:nvPr/>
           </p:nvSpPr>
@@ -13051,7 +13169,7 @@
       </p:grpSp>
       <p:sp>
         <p:nvSpPr>
-          <p:cNvPr id="213" name="テキスト ボックス 212"/>
+          <p:cNvPr id="198" name="テキスト ボックス 197"/>
           <p:cNvSpPr txBox="1"/>
           <p:nvPr/>
         </p:nvSpPr>
@@ -13089,7 +13207,7 @@
       </p:sp>
       <p:sp>
         <p:nvSpPr>
-          <p:cNvPr id="214" name="二等辺三角形 213"/>
+          <p:cNvPr id="199" name="二等辺三角形 198"/>
           <p:cNvSpPr/>
           <p:nvPr/>
         </p:nvSpPr>
@@ -13134,7 +13252,7 @@
       </p:sp>
       <p:sp>
         <p:nvSpPr>
-          <p:cNvPr id="215" name="二等辺三角形 214"/>
+          <p:cNvPr id="223" name="二等辺三角形 222"/>
           <p:cNvSpPr/>
           <p:nvPr/>
         </p:nvSpPr>
@@ -13179,7 +13297,7 @@
       </p:sp>
       <p:sp>
         <p:nvSpPr>
-          <p:cNvPr id="216" name="二等辺三角形 215"/>
+          <p:cNvPr id="224" name="二等辺三角形 223"/>
           <p:cNvSpPr/>
           <p:nvPr/>
         </p:nvSpPr>
@@ -13224,7 +13342,7 @@
       </p:sp>
       <p:sp>
         <p:nvSpPr>
-          <p:cNvPr id="217" name="二等辺三角形 216"/>
+          <p:cNvPr id="225" name="二等辺三角形 224"/>
           <p:cNvSpPr/>
           <p:nvPr/>
         </p:nvSpPr>
@@ -13269,7 +13387,7 @@
       </p:sp>
       <p:sp>
         <p:nvSpPr>
-          <p:cNvPr id="218" name="二等辺三角形 217"/>
+          <p:cNvPr id="226" name="二等辺三角形 225"/>
           <p:cNvSpPr/>
           <p:nvPr/>
         </p:nvSpPr>
@@ -13314,7 +13432,7 @@
       </p:sp>
       <p:sp>
         <p:nvSpPr>
-          <p:cNvPr id="219" name="二等辺三角形 218"/>
+          <p:cNvPr id="227" name="二等辺三角形 226"/>
           <p:cNvSpPr/>
           <p:nvPr/>
         </p:nvSpPr>
@@ -13359,7 +13477,7 @@
       </p:sp>
       <p:sp>
         <p:nvSpPr>
-          <p:cNvPr id="220" name="二等辺三角形 219"/>
+          <p:cNvPr id="228" name="二等辺三角形 227"/>
           <p:cNvSpPr/>
           <p:nvPr/>
         </p:nvSpPr>
@@ -13404,7 +13522,7 @@
       </p:sp>
       <p:sp>
         <p:nvSpPr>
-          <p:cNvPr id="221" name="二等辺三角形 220"/>
+          <p:cNvPr id="229" name="二等辺三角形 228"/>
           <p:cNvSpPr/>
           <p:nvPr/>
         </p:nvSpPr>
@@ -13449,7 +13567,90 @@
       </p:sp>
       <p:sp>
         <p:nvSpPr>
-          <p:cNvPr id="222" name="正方形/長方形 221"/>
+          <p:cNvPr id="230" name="テキスト ボックス 229"/>
+          <p:cNvSpPr txBox="1"/>
+          <p:nvPr/>
+        </p:nvSpPr>
+        <p:spPr>
+          <a:xfrm>
+            <a:off x="7120566" y="2122353"/>
+            <a:ext cx="697627" cy="246221"/>
+          </a:xfrm>
+          <a:prstGeom prst="rect">
+            <a:avLst/>
+          </a:prstGeom>
+          <a:noFill/>
+        </p:spPr>
+        <p:txBody>
+          <a:bodyPr wrap="none" rtlCol="0">
+            <a:spAutoFit/>
+          </a:bodyPr>
+          <a:lstStyle/>
+          <a:p>
+            <a:r>
+              <a:rPr lang="en-US" altLang="en-US" sz="1000" dirty="0" smtClean="0">
+                <a:latin typeface="メイリオ"/>
+                <a:ea typeface="メイリオ"/>
+                <a:cs typeface="メイリオ"/>
+              </a:rPr>
+              <a:t>表示件数</a:t>
+            </a:r>
+            <a:endParaRPr kumimoji="1" lang="ja-JP" altLang="en-US" sz="1000" dirty="0">
+              <a:latin typeface="メイリオ"/>
+              <a:ea typeface="メイリオ"/>
+              <a:cs typeface="メイリオ"/>
+            </a:endParaRPr>
+          </a:p>
+        </p:txBody>
+      </p:sp>
+      <p:sp>
+        <p:nvSpPr>
+          <p:cNvPr id="231" name="角丸四角形 230"/>
+          <p:cNvSpPr/>
+          <p:nvPr/>
+        </p:nvSpPr>
+        <p:spPr>
+          <a:xfrm>
+            <a:off x="7832121" y="2169029"/>
+            <a:ext cx="352321" cy="158766"/>
+          </a:xfrm>
+          <a:prstGeom prst="roundRect">
+            <a:avLst/>
+          </a:prstGeom>
+          <a:noFill/>
+          <a:ln w="25400">
+            <a:solidFill>
+              <a:schemeClr val="tx1"/>
+            </a:solidFill>
+          </a:ln>
+          <a:effectLst/>
+        </p:spPr>
+        <p:style>
+          <a:lnRef idx="1">
+            <a:schemeClr val="accent1"/>
+          </a:lnRef>
+          <a:fillRef idx="3">
+            <a:schemeClr val="accent1"/>
+          </a:fillRef>
+          <a:effectRef idx="2">
+            <a:schemeClr val="accent1"/>
+          </a:effectRef>
+          <a:fontRef idx="minor">
+            <a:schemeClr val="lt1"/>
+          </a:fontRef>
+        </p:style>
+        <p:txBody>
+          <a:bodyPr rtlCol="0" anchor="ctr"/>
+          <a:lstStyle/>
+          <a:p>
+            <a:pPr algn="ctr"/>
+            <a:endParaRPr kumimoji="1" lang="ja-JP" altLang="en-US"/>
+          </a:p>
+        </p:txBody>
+      </p:sp>
+      <p:sp>
+        <p:nvSpPr>
+          <p:cNvPr id="232" name="正方形/長方形 231"/>
           <p:cNvSpPr/>
           <p:nvPr/>
         </p:nvSpPr>
@@ -13604,14 +13805,14 @@
       </p:grpSpPr>
       <p:graphicFrame>
         <p:nvGraphicFramePr>
-          <p:cNvPr id="80" name="表 79"/>
+          <p:cNvPr id="102" name="表 101"/>
           <p:cNvGraphicFramePr>
             <a:graphicFrameLocks noGrp="1"/>
           </p:cNvGraphicFramePr>
           <p:nvPr>
             <p:extLst>
               <p:ext uri="{D42A27DB-BD31-4B8C-83A1-F6EECF244321}">
-                <p14:modId xmlns:p14="http://schemas.microsoft.com/office/powerpoint/2010/main" val="1358158467"/>
+                <p14:modId xmlns:p14="http://schemas.microsoft.com/office/powerpoint/2010/main" val="4137401723"/>
               </p:ext>
             </p:extLst>
           </p:nvPr>
@@ -14106,7 +14307,7 @@
       </p:graphicFrame>
       <p:sp>
         <p:nvSpPr>
-          <p:cNvPr id="81" name="正方形/長方形 80"/>
+          <p:cNvPr id="103" name="正方形/長方形 102"/>
           <p:cNvSpPr/>
           <p:nvPr/>
         </p:nvSpPr>
@@ -14158,7 +14359,7 @@
       </p:sp>
       <p:sp>
         <p:nvSpPr>
-          <p:cNvPr id="82" name="角丸四角形 81"/>
+          <p:cNvPr id="104" name="角丸四角形 103"/>
           <p:cNvSpPr/>
           <p:nvPr/>
         </p:nvSpPr>
@@ -14203,7 +14404,7 @@
       </p:sp>
       <p:sp>
         <p:nvSpPr>
-          <p:cNvPr id="83" name="テキスト ボックス 82"/>
+          <p:cNvPr id="105" name="テキスト ボックス 104"/>
           <p:cNvSpPr txBox="1"/>
           <p:nvPr/>
         </p:nvSpPr>
@@ -14241,7 +14442,7 @@
       </p:sp>
       <p:sp>
         <p:nvSpPr>
-          <p:cNvPr id="84" name="角丸四角形 83"/>
+          <p:cNvPr id="106" name="角丸四角形 105"/>
           <p:cNvSpPr/>
           <p:nvPr/>
         </p:nvSpPr>
@@ -14286,7 +14487,7 @@
       </p:sp>
       <p:sp>
         <p:nvSpPr>
-          <p:cNvPr id="85" name="テキスト ボックス 84"/>
+          <p:cNvPr id="107" name="テキスト ボックス 106"/>
           <p:cNvSpPr txBox="1"/>
           <p:nvPr/>
         </p:nvSpPr>
@@ -14332,7 +14533,7 @@
       </p:sp>
       <p:sp>
         <p:nvSpPr>
-          <p:cNvPr id="86" name="角丸四角形 85"/>
+          <p:cNvPr id="108" name="角丸四角形 107"/>
           <p:cNvSpPr/>
           <p:nvPr/>
         </p:nvSpPr>
@@ -14377,7 +14578,7 @@
       </p:sp>
       <p:sp>
         <p:nvSpPr>
-          <p:cNvPr id="87" name="テキスト ボックス 86"/>
+          <p:cNvPr id="109" name="テキスト ボックス 108"/>
           <p:cNvSpPr txBox="1"/>
           <p:nvPr/>
         </p:nvSpPr>
@@ -14423,7 +14624,7 @@
       </p:sp>
       <p:sp>
         <p:nvSpPr>
-          <p:cNvPr id="88" name="角丸四角形 87"/>
+          <p:cNvPr id="110" name="角丸四角形 109"/>
           <p:cNvSpPr/>
           <p:nvPr/>
         </p:nvSpPr>
@@ -14468,7 +14669,7 @@
       </p:sp>
       <p:sp>
         <p:nvSpPr>
-          <p:cNvPr id="89" name="テキスト ボックス 88"/>
+          <p:cNvPr id="111" name="テキスト ボックス 110"/>
           <p:cNvSpPr txBox="1"/>
           <p:nvPr/>
         </p:nvSpPr>
@@ -14514,7 +14715,7 @@
       </p:sp>
       <p:sp>
         <p:nvSpPr>
-          <p:cNvPr id="90" name="角丸四角形 89"/>
+          <p:cNvPr id="112" name="角丸四角形 111"/>
           <p:cNvSpPr/>
           <p:nvPr/>
         </p:nvSpPr>
@@ -14577,7 +14778,7 @@
       </p:sp>
       <p:cxnSp>
         <p:nvCxnSpPr>
-          <p:cNvPr id="91" name="直線コネクタ 90"/>
+          <p:cNvPr id="113" name="直線コネクタ 112"/>
           <p:cNvCxnSpPr/>
           <p:nvPr/>
         </p:nvCxnSpPr>
@@ -14615,7 +14816,7 @@
       </p:cxnSp>
       <p:sp>
         <p:nvSpPr>
-          <p:cNvPr id="92" name="テキスト ボックス 91"/>
+          <p:cNvPr id="114" name="テキスト ボックス 113"/>
           <p:cNvSpPr txBox="1"/>
           <p:nvPr/>
         </p:nvSpPr>
@@ -14653,7 +14854,7 @@
       </p:sp>
       <p:sp>
         <p:nvSpPr>
-          <p:cNvPr id="93" name="テキスト ボックス 92"/>
+          <p:cNvPr id="115" name="テキスト ボックス 114"/>
           <p:cNvSpPr txBox="1"/>
           <p:nvPr/>
         </p:nvSpPr>
@@ -14691,7 +14892,7 @@
       </p:sp>
       <p:sp>
         <p:nvSpPr>
-          <p:cNvPr id="94" name="テキスト ボックス 93"/>
+          <p:cNvPr id="116" name="テキスト ボックス 115"/>
           <p:cNvSpPr txBox="1"/>
           <p:nvPr/>
         </p:nvSpPr>
@@ -14729,7 +14930,7 @@
       </p:sp>
       <p:sp>
         <p:nvSpPr>
-          <p:cNvPr id="95" name="二等辺三角形 94"/>
+          <p:cNvPr id="117" name="二等辺三角形 116"/>
           <p:cNvSpPr/>
           <p:nvPr/>
         </p:nvSpPr>
@@ -14774,7 +14975,7 @@
       </p:sp>
       <p:sp>
         <p:nvSpPr>
-          <p:cNvPr id="96" name="二等辺三角形 95"/>
+          <p:cNvPr id="118" name="二等辺三角形 117"/>
           <p:cNvSpPr/>
           <p:nvPr/>
         </p:nvSpPr>
@@ -14819,7 +15020,7 @@
       </p:sp>
       <p:sp>
         <p:nvSpPr>
-          <p:cNvPr id="97" name="テキスト ボックス 96"/>
+          <p:cNvPr id="119" name="テキスト ボックス 118"/>
           <p:cNvSpPr txBox="1"/>
           <p:nvPr/>
         </p:nvSpPr>
@@ -14857,7 +15058,7 @@
       </p:sp>
       <p:sp>
         <p:nvSpPr>
-          <p:cNvPr id="98" name="テキスト ボックス 97"/>
+          <p:cNvPr id="120" name="テキスト ボックス 119"/>
           <p:cNvSpPr txBox="1"/>
           <p:nvPr/>
         </p:nvSpPr>
@@ -14951,7 +15152,7 @@
       </p:sp>
       <p:sp>
         <p:nvSpPr>
-          <p:cNvPr id="99" name="二等辺三角形 98"/>
+          <p:cNvPr id="121" name="二等辺三角形 120"/>
           <p:cNvSpPr/>
           <p:nvPr/>
         </p:nvSpPr>
@@ -14996,7 +15197,7 @@
       </p:sp>
       <p:sp>
         <p:nvSpPr>
-          <p:cNvPr id="100" name="二等辺三角形 99"/>
+          <p:cNvPr id="122" name="二等辺三角形 121"/>
           <p:cNvSpPr/>
           <p:nvPr/>
         </p:nvSpPr>
@@ -15041,7 +15242,7 @@
       </p:sp>
       <p:sp>
         <p:nvSpPr>
-          <p:cNvPr id="101" name="二等辺三角形 100"/>
+          <p:cNvPr id="123" name="二等辺三角形 122"/>
           <p:cNvSpPr/>
           <p:nvPr/>
         </p:nvSpPr>
@@ -15086,7 +15287,7 @@
       </p:sp>
       <p:sp>
         <p:nvSpPr>
-          <p:cNvPr id="140" name="二等辺三角形 139"/>
+          <p:cNvPr id="124" name="二等辺三角形 123"/>
           <p:cNvSpPr/>
           <p:nvPr/>
         </p:nvSpPr>
@@ -15131,7 +15332,7 @@
       </p:sp>
       <p:sp>
         <p:nvSpPr>
-          <p:cNvPr id="141" name="角丸四角形 140"/>
+          <p:cNvPr id="125" name="角丸四角形 124"/>
           <p:cNvSpPr/>
           <p:nvPr/>
         </p:nvSpPr>
@@ -15194,7 +15395,7 @@
       </p:sp>
       <p:pic>
         <p:nvPicPr>
-          <p:cNvPr id="142" name="図 141" descr="trash.png"/>
+          <p:cNvPr id="126" name="図 125" descr="trash.png"/>
           <p:cNvPicPr>
             <a:picLocks noChangeAspect="1"/>
           </p:cNvPicPr>
@@ -15224,7 +15425,7 @@
       </p:pic>
       <p:pic>
         <p:nvPicPr>
-          <p:cNvPr id="143" name="図 142" descr="trash.png"/>
+          <p:cNvPr id="127" name="図 126" descr="trash.png"/>
           <p:cNvPicPr>
             <a:picLocks noChangeAspect="1"/>
           </p:cNvPicPr>
@@ -15254,7 +15455,7 @@
       </p:pic>
       <p:pic>
         <p:nvPicPr>
-          <p:cNvPr id="144" name="図 143" descr="trash.png"/>
+          <p:cNvPr id="128" name="図 127" descr="trash.png"/>
           <p:cNvPicPr>
             <a:picLocks noChangeAspect="1"/>
           </p:cNvPicPr>
@@ -15284,7 +15485,7 @@
       </p:pic>
       <p:pic>
         <p:nvPicPr>
-          <p:cNvPr id="145" name="図 144" descr="trash.png"/>
+          <p:cNvPr id="129" name="図 128" descr="trash.png"/>
           <p:cNvPicPr>
             <a:picLocks noChangeAspect="1"/>
           </p:cNvPicPr>
@@ -15314,7 +15515,7 @@
       </p:pic>
       <p:pic>
         <p:nvPicPr>
-          <p:cNvPr id="146" name="図 145" descr="trash.png"/>
+          <p:cNvPr id="130" name="図 129" descr="trash.png"/>
           <p:cNvPicPr>
             <a:picLocks noChangeAspect="1"/>
           </p:cNvPicPr>
@@ -15344,7 +15545,7 @@
       </p:pic>
       <p:pic>
         <p:nvPicPr>
-          <p:cNvPr id="147" name="図 146" descr="trash.png"/>
+          <p:cNvPr id="131" name="図 130" descr="trash.png"/>
           <p:cNvPicPr>
             <a:picLocks noChangeAspect="1"/>
           </p:cNvPicPr>
@@ -15374,7 +15575,7 @@
       </p:pic>
       <p:pic>
         <p:nvPicPr>
-          <p:cNvPr id="148" name="図 147" descr="trash.png"/>
+          <p:cNvPr id="132" name="図 131" descr="trash.png"/>
           <p:cNvPicPr>
             <a:picLocks noChangeAspect="1"/>
           </p:cNvPicPr>
@@ -15404,7 +15605,7 @@
       </p:pic>
       <p:pic>
         <p:nvPicPr>
-          <p:cNvPr id="149" name="図 148" descr="trash.png"/>
+          <p:cNvPr id="133" name="図 132" descr="trash.png"/>
           <p:cNvPicPr>
             <a:picLocks noChangeAspect="1"/>
           </p:cNvPicPr>
@@ -15434,7 +15635,7 @@
       </p:pic>
       <p:pic>
         <p:nvPicPr>
-          <p:cNvPr id="150" name="図 149" descr="trash.png"/>
+          <p:cNvPr id="134" name="図 133" descr="trash.png"/>
           <p:cNvPicPr>
             <a:picLocks noChangeAspect="1"/>
           </p:cNvPicPr>
@@ -15464,7 +15665,7 @@
       </p:pic>
       <p:pic>
         <p:nvPicPr>
-          <p:cNvPr id="151" name="図 150" descr="trash.png"/>
+          <p:cNvPr id="135" name="図 134" descr="trash.png"/>
           <p:cNvPicPr>
             <a:picLocks noChangeAspect="1"/>
           </p:cNvPicPr>
@@ -15494,7 +15695,7 @@
       </p:pic>
       <p:grpSp>
         <p:nvGrpSpPr>
-          <p:cNvPr id="152" name="図形グループ 151"/>
+          <p:cNvPr id="136" name="図形グループ 135"/>
           <p:cNvGrpSpPr/>
           <p:nvPr/>
         </p:nvGrpSpPr>
@@ -15508,7 +15709,7 @@
         </p:grpSpPr>
         <p:sp>
           <p:nvSpPr>
-            <p:cNvPr id="153" name="角丸四角形 152"/>
+            <p:cNvPr id="137" name="角丸四角形 136"/>
             <p:cNvSpPr/>
             <p:nvPr/>
           </p:nvSpPr>
@@ -15557,7 +15758,7 @@
         </p:sp>
         <p:cxnSp>
           <p:nvCxnSpPr>
-            <p:cNvPr id="154" name="直線コネクタ 153"/>
+            <p:cNvPr id="138" name="直線コネクタ 137"/>
             <p:cNvCxnSpPr/>
             <p:nvPr/>
           </p:nvCxnSpPr>
@@ -15592,7 +15793,7 @@
         </p:cxnSp>
         <p:cxnSp>
           <p:nvCxnSpPr>
-            <p:cNvPr id="155" name="直線コネクタ 154"/>
+            <p:cNvPr id="139" name="直線コネクタ 138"/>
             <p:cNvCxnSpPr/>
             <p:nvPr/>
           </p:nvCxnSpPr>
@@ -15627,7 +15828,7 @@
         </p:cxnSp>
         <p:cxnSp>
           <p:nvCxnSpPr>
-            <p:cNvPr id="156" name="直線コネクタ 155"/>
+            <p:cNvPr id="195" name="直線コネクタ 194"/>
             <p:cNvCxnSpPr/>
             <p:nvPr/>
           </p:nvCxnSpPr>
@@ -15663,7 +15864,7 @@
       </p:grpSp>
       <p:cxnSp>
         <p:nvCxnSpPr>
-          <p:cNvPr id="157" name="直線コネクタ 156"/>
+          <p:cNvPr id="196" name="直線コネクタ 195"/>
           <p:cNvCxnSpPr/>
           <p:nvPr/>
         </p:nvCxnSpPr>
@@ -15701,7 +15902,7 @@
       </p:cxnSp>
       <p:sp>
         <p:nvSpPr>
-          <p:cNvPr id="158" name="テキスト ボックス 157"/>
+          <p:cNvPr id="197" name="テキスト ボックス 196"/>
           <p:cNvSpPr txBox="1"/>
           <p:nvPr/>
         </p:nvSpPr>
@@ -15739,7 +15940,7 @@
       </p:sp>
       <p:sp>
         <p:nvSpPr>
-          <p:cNvPr id="159" name="角丸四角形 158"/>
+          <p:cNvPr id="198" name="角丸四角形 197"/>
           <p:cNvSpPr/>
           <p:nvPr/>
         </p:nvSpPr>
@@ -15784,7 +15985,7 @@
       </p:sp>
       <p:sp>
         <p:nvSpPr>
-          <p:cNvPr id="160" name="テキスト ボックス 159"/>
+          <p:cNvPr id="199" name="テキスト ボックス 198"/>
           <p:cNvSpPr txBox="1"/>
           <p:nvPr/>
         </p:nvSpPr>
@@ -15822,7 +16023,7 @@
       </p:sp>
       <p:sp>
         <p:nvSpPr>
-          <p:cNvPr id="161" name="テキスト ボックス 160"/>
+          <p:cNvPr id="200" name="テキスト ボックス 199"/>
           <p:cNvSpPr txBox="1"/>
           <p:nvPr/>
         </p:nvSpPr>
@@ -15868,7 +16069,7 @@
       </p:sp>
       <p:sp>
         <p:nvSpPr>
-          <p:cNvPr id="162" name="角丸四角形 161"/>
+          <p:cNvPr id="201" name="角丸四角形 200"/>
           <p:cNvSpPr/>
           <p:nvPr/>
         </p:nvSpPr>
@@ -15913,7 +16114,7 @@
       </p:sp>
       <p:grpSp>
         <p:nvGrpSpPr>
-          <p:cNvPr id="163" name="図形グループ 162"/>
+          <p:cNvPr id="202" name="図形グループ 201"/>
           <p:cNvGrpSpPr/>
           <p:nvPr/>
         </p:nvGrpSpPr>
@@ -15927,7 +16128,7 @@
         </p:grpSpPr>
         <p:sp>
           <p:nvSpPr>
-            <p:cNvPr id="164" name="角丸四角形 163"/>
+            <p:cNvPr id="203" name="角丸四角形 202"/>
             <p:cNvSpPr/>
             <p:nvPr/>
           </p:nvSpPr>
@@ -15989,7 +16190,7 @@
         </p:sp>
         <p:sp>
           <p:nvSpPr>
-            <p:cNvPr id="165" name="二等辺三角形 164"/>
+            <p:cNvPr id="204" name="二等辺三角形 203"/>
             <p:cNvSpPr/>
             <p:nvPr/>
           </p:nvSpPr>
@@ -16035,7 +16236,7 @@
       </p:grpSp>
       <p:sp>
         <p:nvSpPr>
-          <p:cNvPr id="166" name="テキスト ボックス 165"/>
+          <p:cNvPr id="205" name="テキスト ボックス 204"/>
           <p:cNvSpPr txBox="1"/>
           <p:nvPr/>
         </p:nvSpPr>
@@ -16081,7 +16282,7 @@
       </p:sp>
       <p:sp>
         <p:nvSpPr>
-          <p:cNvPr id="167" name="角丸四角形 166"/>
+          <p:cNvPr id="206" name="角丸四角形 205"/>
           <p:cNvSpPr/>
           <p:nvPr/>
         </p:nvSpPr>
@@ -16126,7 +16327,7 @@
       </p:sp>
       <p:sp>
         <p:nvSpPr>
-          <p:cNvPr id="168" name="テキスト ボックス 167"/>
+          <p:cNvPr id="207" name="テキスト ボックス 206"/>
           <p:cNvSpPr txBox="1"/>
           <p:nvPr/>
         </p:nvSpPr>
@@ -16172,7 +16373,7 @@
       </p:sp>
       <p:sp>
         <p:nvSpPr>
-          <p:cNvPr id="169" name="角丸四角形 168"/>
+          <p:cNvPr id="208" name="角丸四角形 207"/>
           <p:cNvSpPr/>
           <p:nvPr/>
         </p:nvSpPr>
@@ -16217,7 +16418,7 @@
       </p:sp>
       <p:sp>
         <p:nvSpPr>
-          <p:cNvPr id="170" name="角丸四角形 169"/>
+          <p:cNvPr id="209" name="角丸四角形 208"/>
           <p:cNvSpPr/>
           <p:nvPr/>
         </p:nvSpPr>
@@ -16262,7 +16463,7 @@
       </p:sp>
       <p:sp>
         <p:nvSpPr>
-          <p:cNvPr id="171" name="テキスト ボックス 170"/>
+          <p:cNvPr id="210" name="テキスト ボックス 209"/>
           <p:cNvSpPr txBox="1"/>
           <p:nvPr/>
         </p:nvSpPr>
@@ -16300,7 +16501,7 @@
       </p:sp>
       <p:sp>
         <p:nvSpPr>
-          <p:cNvPr id="172" name="角丸四角形 171"/>
+          <p:cNvPr id="211" name="角丸四角形 210"/>
           <p:cNvSpPr/>
           <p:nvPr/>
         </p:nvSpPr>
@@ -16345,7 +16546,7 @@
       </p:sp>
       <p:sp>
         <p:nvSpPr>
-          <p:cNvPr id="173" name="角丸四角形 172"/>
+          <p:cNvPr id="212" name="角丸四角形 211"/>
           <p:cNvSpPr/>
           <p:nvPr/>
         </p:nvSpPr>
@@ -16408,7 +16609,7 @@
       </p:sp>
       <p:grpSp>
         <p:nvGrpSpPr>
-          <p:cNvPr id="174" name="図形グループ 173"/>
+          <p:cNvPr id="213" name="図形グループ 212"/>
           <p:cNvGrpSpPr/>
           <p:nvPr/>
         </p:nvGrpSpPr>
@@ -16422,7 +16623,7 @@
         </p:grpSpPr>
         <p:sp>
           <p:nvSpPr>
-            <p:cNvPr id="175" name="角丸四角形 174"/>
+            <p:cNvPr id="214" name="角丸四角形 213"/>
             <p:cNvSpPr/>
             <p:nvPr/>
           </p:nvSpPr>
@@ -16471,7 +16672,7 @@
         </p:sp>
         <p:cxnSp>
           <p:nvCxnSpPr>
-            <p:cNvPr id="176" name="直線コネクタ 175"/>
+            <p:cNvPr id="215" name="直線コネクタ 214"/>
             <p:cNvCxnSpPr/>
             <p:nvPr/>
           </p:nvCxnSpPr>
@@ -16506,7 +16707,7 @@
         </p:cxnSp>
         <p:cxnSp>
           <p:nvCxnSpPr>
-            <p:cNvPr id="177" name="直線コネクタ 176"/>
+            <p:cNvPr id="216" name="直線コネクタ 215"/>
             <p:cNvCxnSpPr/>
             <p:nvPr/>
           </p:nvCxnSpPr>
@@ -16541,7 +16742,7 @@
         </p:cxnSp>
         <p:cxnSp>
           <p:nvCxnSpPr>
-            <p:cNvPr id="178" name="直線コネクタ 177"/>
+            <p:cNvPr id="217" name="直線コネクタ 216"/>
             <p:cNvCxnSpPr/>
             <p:nvPr/>
           </p:nvCxnSpPr>
@@ -16577,7 +16778,7 @@
       </p:grpSp>
       <p:sp>
         <p:nvSpPr>
-          <p:cNvPr id="179" name="テキスト ボックス 178"/>
+          <p:cNvPr id="218" name="テキスト ボックス 217"/>
           <p:cNvSpPr txBox="1"/>
           <p:nvPr/>
         </p:nvSpPr>
@@ -16615,7 +16816,7 @@
       </p:sp>
       <p:sp>
         <p:nvSpPr>
-          <p:cNvPr id="180" name="テキスト ボックス 179"/>
+          <p:cNvPr id="219" name="テキスト ボックス 218"/>
           <p:cNvSpPr txBox="1"/>
           <p:nvPr/>
         </p:nvSpPr>
@@ -16653,7 +16854,7 @@
       </p:sp>
       <p:sp>
         <p:nvSpPr>
-          <p:cNvPr id="181" name="円/楕円 180"/>
+          <p:cNvPr id="220" name="円/楕円 219"/>
           <p:cNvSpPr/>
           <p:nvPr/>
         </p:nvSpPr>
@@ -16698,7 +16899,7 @@
       </p:sp>
       <p:sp>
         <p:nvSpPr>
-          <p:cNvPr id="182" name="円/楕円 181"/>
+          <p:cNvPr id="221" name="円/楕円 220"/>
           <p:cNvSpPr/>
           <p:nvPr/>
         </p:nvSpPr>
@@ -16743,7 +16944,7 @@
       </p:sp>
       <p:grpSp>
         <p:nvGrpSpPr>
-          <p:cNvPr id="183" name="図形グループ 182"/>
+          <p:cNvPr id="222" name="図形グループ 221"/>
           <p:cNvGrpSpPr/>
           <p:nvPr/>
         </p:nvGrpSpPr>
@@ -16757,7 +16958,7 @@
         </p:grpSpPr>
         <p:sp>
           <p:nvSpPr>
-            <p:cNvPr id="184" name="角丸四角形 183"/>
+            <p:cNvPr id="223" name="角丸四角形 222"/>
             <p:cNvSpPr/>
             <p:nvPr/>
           </p:nvSpPr>
@@ -16808,7 +17009,7 @@
         </p:sp>
         <p:sp>
           <p:nvSpPr>
-            <p:cNvPr id="185" name="二等辺三角形 184"/>
+            <p:cNvPr id="224" name="二等辺三角形 223"/>
             <p:cNvSpPr/>
             <p:nvPr/>
           </p:nvSpPr>
@@ -16854,7 +17055,7 @@
       </p:grpSp>
       <p:sp>
         <p:nvSpPr>
-          <p:cNvPr id="186" name="テキスト ボックス 185"/>
+          <p:cNvPr id="225" name="テキスト ボックス 224"/>
           <p:cNvSpPr txBox="1"/>
           <p:nvPr/>
         </p:nvSpPr>
@@ -16892,7 +17093,7 @@
       </p:sp>
       <p:sp>
         <p:nvSpPr>
-          <p:cNvPr id="187" name="二等辺三角形 186"/>
+          <p:cNvPr id="226" name="二等辺三角形 225"/>
           <p:cNvSpPr/>
           <p:nvPr/>
         </p:nvSpPr>
@@ -16937,7 +17138,7 @@
       </p:sp>
       <p:sp>
         <p:nvSpPr>
-          <p:cNvPr id="227" name="二等辺三角形 226"/>
+          <p:cNvPr id="235" name="二等辺三角形 234"/>
           <p:cNvSpPr/>
           <p:nvPr/>
         </p:nvSpPr>
@@ -16982,7 +17183,7 @@
       </p:sp>
       <p:sp>
         <p:nvSpPr>
-          <p:cNvPr id="228" name="二等辺三角形 227"/>
+          <p:cNvPr id="236" name="二等辺三角形 235"/>
           <p:cNvSpPr/>
           <p:nvPr/>
         </p:nvSpPr>
@@ -17027,7 +17228,7 @@
       </p:sp>
       <p:sp>
         <p:nvSpPr>
-          <p:cNvPr id="229" name="二等辺三角形 228"/>
+          <p:cNvPr id="237" name="二等辺三角形 236"/>
           <p:cNvSpPr/>
           <p:nvPr/>
         </p:nvSpPr>
@@ -17072,7 +17273,7 @@
       </p:sp>
       <p:sp>
         <p:nvSpPr>
-          <p:cNvPr id="230" name="二等辺三角形 229"/>
+          <p:cNvPr id="238" name="二等辺三角形 237"/>
           <p:cNvSpPr/>
           <p:nvPr/>
         </p:nvSpPr>
@@ -17117,7 +17318,7 @@
       </p:sp>
       <p:sp>
         <p:nvSpPr>
-          <p:cNvPr id="231" name="二等辺三角形 230"/>
+          <p:cNvPr id="239" name="二等辺三角形 238"/>
           <p:cNvSpPr/>
           <p:nvPr/>
         </p:nvSpPr>
@@ -17162,7 +17363,7 @@
       </p:sp>
       <p:sp>
         <p:nvSpPr>
-          <p:cNvPr id="232" name="二等辺三角形 231"/>
+          <p:cNvPr id="240" name="二等辺三角形 239"/>
           <p:cNvSpPr/>
           <p:nvPr/>
         </p:nvSpPr>
@@ -17207,7 +17408,7 @@
       </p:sp>
       <p:sp>
         <p:nvSpPr>
-          <p:cNvPr id="233" name="二等辺三角形 232"/>
+          <p:cNvPr id="241" name="二等辺三角形 240"/>
           <p:cNvSpPr/>
           <p:nvPr/>
         </p:nvSpPr>
@@ -17252,7 +17453,90 @@
       </p:sp>
       <p:sp>
         <p:nvSpPr>
-          <p:cNvPr id="234" name="正方形/長方形 233"/>
+          <p:cNvPr id="242" name="テキスト ボックス 241"/>
+          <p:cNvSpPr txBox="1"/>
+          <p:nvPr/>
+        </p:nvSpPr>
+        <p:spPr>
+          <a:xfrm>
+            <a:off x="7120566" y="2122353"/>
+            <a:ext cx="697627" cy="246221"/>
+          </a:xfrm>
+          <a:prstGeom prst="rect">
+            <a:avLst/>
+          </a:prstGeom>
+          <a:noFill/>
+        </p:spPr>
+        <p:txBody>
+          <a:bodyPr wrap="none" rtlCol="0">
+            <a:spAutoFit/>
+          </a:bodyPr>
+          <a:lstStyle/>
+          <a:p>
+            <a:r>
+              <a:rPr lang="en-US" altLang="en-US" sz="1000" dirty="0" smtClean="0">
+                <a:latin typeface="メイリオ"/>
+                <a:ea typeface="メイリオ"/>
+                <a:cs typeface="メイリオ"/>
+              </a:rPr>
+              <a:t>表示件数</a:t>
+            </a:r>
+            <a:endParaRPr kumimoji="1" lang="ja-JP" altLang="en-US" sz="1000" dirty="0">
+              <a:latin typeface="メイリオ"/>
+              <a:ea typeface="メイリオ"/>
+              <a:cs typeface="メイリオ"/>
+            </a:endParaRPr>
+          </a:p>
+        </p:txBody>
+      </p:sp>
+      <p:sp>
+        <p:nvSpPr>
+          <p:cNvPr id="243" name="角丸四角形 242"/>
+          <p:cNvSpPr/>
+          <p:nvPr/>
+        </p:nvSpPr>
+        <p:spPr>
+          <a:xfrm>
+            <a:off x="7832121" y="2169029"/>
+            <a:ext cx="352321" cy="158766"/>
+          </a:xfrm>
+          <a:prstGeom prst="roundRect">
+            <a:avLst/>
+          </a:prstGeom>
+          <a:noFill/>
+          <a:ln w="25400">
+            <a:solidFill>
+              <a:schemeClr val="tx1"/>
+            </a:solidFill>
+          </a:ln>
+          <a:effectLst/>
+        </p:spPr>
+        <p:style>
+          <a:lnRef idx="1">
+            <a:schemeClr val="accent1"/>
+          </a:lnRef>
+          <a:fillRef idx="3">
+            <a:schemeClr val="accent1"/>
+          </a:fillRef>
+          <a:effectRef idx="2">
+            <a:schemeClr val="accent1"/>
+          </a:effectRef>
+          <a:fontRef idx="minor">
+            <a:schemeClr val="lt1"/>
+          </a:fontRef>
+        </p:style>
+        <p:txBody>
+          <a:bodyPr rtlCol="0" anchor="ctr"/>
+          <a:lstStyle/>
+          <a:p>
+            <a:pPr algn="ctr"/>
+            <a:endParaRPr kumimoji="1" lang="ja-JP" altLang="en-US"/>
+          </a:p>
+        </p:txBody>
+      </p:sp>
+      <p:sp>
+        <p:nvSpPr>
+          <p:cNvPr id="244" name="正方形/長方形 243"/>
           <p:cNvSpPr/>
           <p:nvPr/>
         </p:nvSpPr>
@@ -17720,14 +18004,14 @@
       </p:grpSpPr>
       <p:graphicFrame>
         <p:nvGraphicFramePr>
-          <p:cNvPr id="79" name="表 78"/>
+          <p:cNvPr id="102" name="表 101"/>
           <p:cNvGraphicFramePr>
             <a:graphicFrameLocks noGrp="1"/>
           </p:cNvGraphicFramePr>
           <p:nvPr>
             <p:extLst>
               <p:ext uri="{D42A27DB-BD31-4B8C-83A1-F6EECF244321}">
-                <p14:modId xmlns:p14="http://schemas.microsoft.com/office/powerpoint/2010/main" val="1627573183"/>
+                <p14:modId xmlns:p14="http://schemas.microsoft.com/office/powerpoint/2010/main" val="138950308"/>
               </p:ext>
             </p:extLst>
           </p:nvPr>
@@ -18222,7 +18506,7 @@
       </p:graphicFrame>
       <p:sp>
         <p:nvSpPr>
-          <p:cNvPr id="80" name="正方形/長方形 79"/>
+          <p:cNvPr id="103" name="正方形/長方形 102"/>
           <p:cNvSpPr/>
           <p:nvPr/>
         </p:nvSpPr>
@@ -18274,7 +18558,7 @@
       </p:sp>
       <p:sp>
         <p:nvSpPr>
-          <p:cNvPr id="81" name="角丸四角形 80"/>
+          <p:cNvPr id="104" name="角丸四角形 103"/>
           <p:cNvSpPr/>
           <p:nvPr/>
         </p:nvSpPr>
@@ -18319,7 +18603,7 @@
       </p:sp>
       <p:sp>
         <p:nvSpPr>
-          <p:cNvPr id="82" name="テキスト ボックス 81"/>
+          <p:cNvPr id="105" name="テキスト ボックス 104"/>
           <p:cNvSpPr txBox="1"/>
           <p:nvPr/>
         </p:nvSpPr>
@@ -18357,7 +18641,7 @@
       </p:sp>
       <p:sp>
         <p:nvSpPr>
-          <p:cNvPr id="83" name="角丸四角形 82"/>
+          <p:cNvPr id="106" name="角丸四角形 105"/>
           <p:cNvSpPr/>
           <p:nvPr/>
         </p:nvSpPr>
@@ -18402,7 +18686,7 @@
       </p:sp>
       <p:sp>
         <p:nvSpPr>
-          <p:cNvPr id="84" name="テキスト ボックス 83"/>
+          <p:cNvPr id="107" name="テキスト ボックス 106"/>
           <p:cNvSpPr txBox="1"/>
           <p:nvPr/>
         </p:nvSpPr>
@@ -18448,7 +18732,7 @@
       </p:sp>
       <p:sp>
         <p:nvSpPr>
-          <p:cNvPr id="85" name="角丸四角形 84"/>
+          <p:cNvPr id="108" name="角丸四角形 107"/>
           <p:cNvSpPr/>
           <p:nvPr/>
         </p:nvSpPr>
@@ -18493,7 +18777,7 @@
       </p:sp>
       <p:sp>
         <p:nvSpPr>
-          <p:cNvPr id="86" name="テキスト ボックス 85"/>
+          <p:cNvPr id="109" name="テキスト ボックス 108"/>
           <p:cNvSpPr txBox="1"/>
           <p:nvPr/>
         </p:nvSpPr>
@@ -18539,7 +18823,7 @@
       </p:sp>
       <p:sp>
         <p:nvSpPr>
-          <p:cNvPr id="87" name="角丸四角形 86"/>
+          <p:cNvPr id="110" name="角丸四角形 109"/>
           <p:cNvSpPr/>
           <p:nvPr/>
         </p:nvSpPr>
@@ -18584,7 +18868,7 @@
       </p:sp>
       <p:sp>
         <p:nvSpPr>
-          <p:cNvPr id="88" name="テキスト ボックス 87"/>
+          <p:cNvPr id="111" name="テキスト ボックス 110"/>
           <p:cNvSpPr txBox="1"/>
           <p:nvPr/>
         </p:nvSpPr>
@@ -18630,7 +18914,7 @@
       </p:sp>
       <p:sp>
         <p:nvSpPr>
-          <p:cNvPr id="89" name="角丸四角形 88"/>
+          <p:cNvPr id="112" name="角丸四角形 111"/>
           <p:cNvSpPr/>
           <p:nvPr/>
         </p:nvSpPr>
@@ -18693,7 +18977,7 @@
       </p:sp>
       <p:cxnSp>
         <p:nvCxnSpPr>
-          <p:cNvPr id="90" name="直線コネクタ 89"/>
+          <p:cNvPr id="113" name="直線コネクタ 112"/>
           <p:cNvCxnSpPr/>
           <p:nvPr/>
         </p:nvCxnSpPr>
@@ -18731,7 +19015,7 @@
       </p:cxnSp>
       <p:sp>
         <p:nvSpPr>
-          <p:cNvPr id="91" name="テキスト ボックス 90"/>
+          <p:cNvPr id="114" name="テキスト ボックス 113"/>
           <p:cNvSpPr txBox="1"/>
           <p:nvPr/>
         </p:nvSpPr>
@@ -18769,7 +19053,7 @@
       </p:sp>
       <p:sp>
         <p:nvSpPr>
-          <p:cNvPr id="92" name="テキスト ボックス 91"/>
+          <p:cNvPr id="115" name="テキスト ボックス 114"/>
           <p:cNvSpPr txBox="1"/>
           <p:nvPr/>
         </p:nvSpPr>
@@ -18807,7 +19091,7 @@
       </p:sp>
       <p:sp>
         <p:nvSpPr>
-          <p:cNvPr id="93" name="テキスト ボックス 92"/>
+          <p:cNvPr id="116" name="テキスト ボックス 115"/>
           <p:cNvSpPr txBox="1"/>
           <p:nvPr/>
         </p:nvSpPr>
@@ -18845,7 +19129,7 @@
       </p:sp>
       <p:sp>
         <p:nvSpPr>
-          <p:cNvPr id="94" name="二等辺三角形 93"/>
+          <p:cNvPr id="117" name="二等辺三角形 116"/>
           <p:cNvSpPr/>
           <p:nvPr/>
         </p:nvSpPr>
@@ -18890,7 +19174,7 @@
       </p:sp>
       <p:sp>
         <p:nvSpPr>
-          <p:cNvPr id="95" name="二等辺三角形 94"/>
+          <p:cNvPr id="118" name="二等辺三角形 117"/>
           <p:cNvSpPr/>
           <p:nvPr/>
         </p:nvSpPr>
@@ -18935,7 +19219,7 @@
       </p:sp>
       <p:sp>
         <p:nvSpPr>
-          <p:cNvPr id="96" name="テキスト ボックス 95"/>
+          <p:cNvPr id="119" name="テキスト ボックス 118"/>
           <p:cNvSpPr txBox="1"/>
           <p:nvPr/>
         </p:nvSpPr>
@@ -18973,7 +19257,7 @@
       </p:sp>
       <p:sp>
         <p:nvSpPr>
-          <p:cNvPr id="97" name="テキスト ボックス 96"/>
+          <p:cNvPr id="120" name="テキスト ボックス 119"/>
           <p:cNvSpPr txBox="1"/>
           <p:nvPr/>
         </p:nvSpPr>
@@ -19067,7 +19351,7 @@
       </p:sp>
       <p:sp>
         <p:nvSpPr>
-          <p:cNvPr id="98" name="二等辺三角形 97"/>
+          <p:cNvPr id="121" name="二等辺三角形 120"/>
           <p:cNvSpPr/>
           <p:nvPr/>
         </p:nvSpPr>
@@ -19112,7 +19396,7 @@
       </p:sp>
       <p:sp>
         <p:nvSpPr>
-          <p:cNvPr id="99" name="二等辺三角形 98"/>
+          <p:cNvPr id="122" name="二等辺三角形 121"/>
           <p:cNvSpPr/>
           <p:nvPr/>
         </p:nvSpPr>
@@ -19157,7 +19441,7 @@
       </p:sp>
       <p:sp>
         <p:nvSpPr>
-          <p:cNvPr id="100" name="二等辺三角形 99"/>
+          <p:cNvPr id="123" name="二等辺三角形 122"/>
           <p:cNvSpPr/>
           <p:nvPr/>
         </p:nvSpPr>
@@ -19202,7 +19486,7 @@
       </p:sp>
       <p:sp>
         <p:nvSpPr>
-          <p:cNvPr id="101" name="二等辺三角形 100"/>
+          <p:cNvPr id="124" name="二等辺三角形 123"/>
           <p:cNvSpPr/>
           <p:nvPr/>
         </p:nvSpPr>
@@ -19247,7 +19531,7 @@
       </p:sp>
       <p:sp>
         <p:nvSpPr>
-          <p:cNvPr id="140" name="角丸四角形 139"/>
+          <p:cNvPr id="125" name="角丸四角形 124"/>
           <p:cNvSpPr/>
           <p:nvPr/>
         </p:nvSpPr>
@@ -19310,7 +19594,7 @@
       </p:sp>
       <p:pic>
         <p:nvPicPr>
-          <p:cNvPr id="141" name="図 140" descr="trash.png"/>
+          <p:cNvPr id="126" name="図 125" descr="trash.png"/>
           <p:cNvPicPr>
             <a:picLocks noChangeAspect="1"/>
           </p:cNvPicPr>
@@ -19340,7 +19624,7 @@
       </p:pic>
       <p:pic>
         <p:nvPicPr>
-          <p:cNvPr id="142" name="図 141" descr="trash.png"/>
+          <p:cNvPr id="127" name="図 126" descr="trash.png"/>
           <p:cNvPicPr>
             <a:picLocks noChangeAspect="1"/>
           </p:cNvPicPr>
@@ -19370,7 +19654,7 @@
       </p:pic>
       <p:pic>
         <p:nvPicPr>
-          <p:cNvPr id="143" name="図 142" descr="trash.png"/>
+          <p:cNvPr id="128" name="図 127" descr="trash.png"/>
           <p:cNvPicPr>
             <a:picLocks noChangeAspect="1"/>
           </p:cNvPicPr>
@@ -19400,7 +19684,7 @@
       </p:pic>
       <p:pic>
         <p:nvPicPr>
-          <p:cNvPr id="144" name="図 143" descr="trash.png"/>
+          <p:cNvPr id="129" name="図 128" descr="trash.png"/>
           <p:cNvPicPr>
             <a:picLocks noChangeAspect="1"/>
           </p:cNvPicPr>
@@ -19430,7 +19714,7 @@
       </p:pic>
       <p:pic>
         <p:nvPicPr>
-          <p:cNvPr id="145" name="図 144" descr="trash.png"/>
+          <p:cNvPr id="130" name="図 129" descr="trash.png"/>
           <p:cNvPicPr>
             <a:picLocks noChangeAspect="1"/>
           </p:cNvPicPr>
@@ -19460,7 +19744,7 @@
       </p:pic>
       <p:pic>
         <p:nvPicPr>
-          <p:cNvPr id="146" name="図 145" descr="trash.png"/>
+          <p:cNvPr id="131" name="図 130" descr="trash.png"/>
           <p:cNvPicPr>
             <a:picLocks noChangeAspect="1"/>
           </p:cNvPicPr>
@@ -19490,7 +19774,7 @@
       </p:pic>
       <p:pic>
         <p:nvPicPr>
-          <p:cNvPr id="147" name="図 146" descr="trash.png"/>
+          <p:cNvPr id="132" name="図 131" descr="trash.png"/>
           <p:cNvPicPr>
             <a:picLocks noChangeAspect="1"/>
           </p:cNvPicPr>
@@ -19520,7 +19804,7 @@
       </p:pic>
       <p:pic>
         <p:nvPicPr>
-          <p:cNvPr id="148" name="図 147" descr="trash.png"/>
+          <p:cNvPr id="133" name="図 132" descr="trash.png"/>
           <p:cNvPicPr>
             <a:picLocks noChangeAspect="1"/>
           </p:cNvPicPr>
@@ -19550,7 +19834,7 @@
       </p:pic>
       <p:pic>
         <p:nvPicPr>
-          <p:cNvPr id="149" name="図 148" descr="trash.png"/>
+          <p:cNvPr id="134" name="図 133" descr="trash.png"/>
           <p:cNvPicPr>
             <a:picLocks noChangeAspect="1"/>
           </p:cNvPicPr>
@@ -19580,7 +19864,7 @@
       </p:pic>
       <p:pic>
         <p:nvPicPr>
-          <p:cNvPr id="150" name="図 149" descr="trash.png"/>
+          <p:cNvPr id="135" name="図 134" descr="trash.png"/>
           <p:cNvPicPr>
             <a:picLocks noChangeAspect="1"/>
           </p:cNvPicPr>
@@ -19610,7 +19894,7 @@
       </p:pic>
       <p:grpSp>
         <p:nvGrpSpPr>
-          <p:cNvPr id="151" name="図形グループ 150"/>
+          <p:cNvPr id="136" name="図形グループ 135"/>
           <p:cNvGrpSpPr/>
           <p:nvPr/>
         </p:nvGrpSpPr>
@@ -19624,7 +19908,7 @@
         </p:grpSpPr>
         <p:sp>
           <p:nvSpPr>
-            <p:cNvPr id="152" name="角丸四角形 151"/>
+            <p:cNvPr id="137" name="角丸四角形 136"/>
             <p:cNvSpPr/>
             <p:nvPr/>
           </p:nvSpPr>
@@ -19673,7 +19957,7 @@
         </p:sp>
         <p:cxnSp>
           <p:nvCxnSpPr>
-            <p:cNvPr id="153" name="直線コネクタ 152"/>
+            <p:cNvPr id="138" name="直線コネクタ 137"/>
             <p:cNvCxnSpPr/>
             <p:nvPr/>
           </p:nvCxnSpPr>
@@ -19708,7 +19992,7 @@
         </p:cxnSp>
         <p:cxnSp>
           <p:nvCxnSpPr>
-            <p:cNvPr id="154" name="直線コネクタ 153"/>
+            <p:cNvPr id="139" name="直線コネクタ 138"/>
             <p:cNvCxnSpPr/>
             <p:nvPr/>
           </p:nvCxnSpPr>
@@ -19743,7 +20027,7 @@
         </p:cxnSp>
         <p:cxnSp>
           <p:nvCxnSpPr>
-            <p:cNvPr id="155" name="直線コネクタ 154"/>
+            <p:cNvPr id="185" name="直線コネクタ 184"/>
             <p:cNvCxnSpPr/>
             <p:nvPr/>
           </p:nvCxnSpPr>
@@ -19779,7 +20063,7 @@
       </p:grpSp>
       <p:cxnSp>
         <p:nvCxnSpPr>
-          <p:cNvPr id="156" name="直線コネクタ 155"/>
+          <p:cNvPr id="186" name="直線コネクタ 185"/>
           <p:cNvCxnSpPr/>
           <p:nvPr/>
         </p:nvCxnSpPr>
@@ -19817,7 +20101,7 @@
       </p:cxnSp>
       <p:sp>
         <p:nvSpPr>
-          <p:cNvPr id="157" name="テキスト ボックス 156"/>
+          <p:cNvPr id="187" name="テキスト ボックス 186"/>
           <p:cNvSpPr txBox="1"/>
           <p:nvPr/>
         </p:nvSpPr>
@@ -19855,7 +20139,7 @@
       </p:sp>
       <p:sp>
         <p:nvSpPr>
-          <p:cNvPr id="158" name="角丸四角形 157"/>
+          <p:cNvPr id="188" name="角丸四角形 187"/>
           <p:cNvSpPr/>
           <p:nvPr/>
         </p:nvSpPr>
@@ -19900,7 +20184,7 @@
       </p:sp>
       <p:sp>
         <p:nvSpPr>
-          <p:cNvPr id="159" name="テキスト ボックス 158"/>
+          <p:cNvPr id="189" name="テキスト ボックス 188"/>
           <p:cNvSpPr txBox="1"/>
           <p:nvPr/>
         </p:nvSpPr>
@@ -19938,7 +20222,7 @@
       </p:sp>
       <p:sp>
         <p:nvSpPr>
-          <p:cNvPr id="160" name="テキスト ボックス 159"/>
+          <p:cNvPr id="190" name="テキスト ボックス 189"/>
           <p:cNvSpPr txBox="1"/>
           <p:nvPr/>
         </p:nvSpPr>
@@ -19984,7 +20268,7 @@
       </p:sp>
       <p:sp>
         <p:nvSpPr>
-          <p:cNvPr id="161" name="角丸四角形 160"/>
+          <p:cNvPr id="191" name="角丸四角形 190"/>
           <p:cNvSpPr/>
           <p:nvPr/>
         </p:nvSpPr>
@@ -20029,7 +20313,7 @@
       </p:sp>
       <p:grpSp>
         <p:nvGrpSpPr>
-          <p:cNvPr id="162" name="図形グループ 161"/>
+          <p:cNvPr id="192" name="図形グループ 191"/>
           <p:cNvGrpSpPr/>
           <p:nvPr/>
         </p:nvGrpSpPr>
@@ -20043,7 +20327,7 @@
         </p:grpSpPr>
         <p:sp>
           <p:nvSpPr>
-            <p:cNvPr id="163" name="角丸四角形 162"/>
+            <p:cNvPr id="193" name="角丸四角形 192"/>
             <p:cNvSpPr/>
             <p:nvPr/>
           </p:nvSpPr>
@@ -20105,7 +20389,7 @@
         </p:sp>
         <p:sp>
           <p:nvSpPr>
-            <p:cNvPr id="164" name="二等辺三角形 163"/>
+            <p:cNvPr id="194" name="二等辺三角形 193"/>
             <p:cNvSpPr/>
             <p:nvPr/>
           </p:nvSpPr>
@@ -20151,7 +20435,7 @@
       </p:grpSp>
       <p:sp>
         <p:nvSpPr>
-          <p:cNvPr id="165" name="テキスト ボックス 164"/>
+          <p:cNvPr id="195" name="テキスト ボックス 194"/>
           <p:cNvSpPr txBox="1"/>
           <p:nvPr/>
         </p:nvSpPr>
@@ -20197,7 +20481,7 @@
       </p:sp>
       <p:sp>
         <p:nvSpPr>
-          <p:cNvPr id="166" name="角丸四角形 165"/>
+          <p:cNvPr id="196" name="角丸四角形 195"/>
           <p:cNvSpPr/>
           <p:nvPr/>
         </p:nvSpPr>
@@ -20242,7 +20526,7 @@
       </p:sp>
       <p:sp>
         <p:nvSpPr>
-          <p:cNvPr id="167" name="テキスト ボックス 166"/>
+          <p:cNvPr id="197" name="テキスト ボックス 196"/>
           <p:cNvSpPr txBox="1"/>
           <p:nvPr/>
         </p:nvSpPr>
@@ -20288,7 +20572,7 @@
       </p:sp>
       <p:sp>
         <p:nvSpPr>
-          <p:cNvPr id="168" name="角丸四角形 167"/>
+          <p:cNvPr id="198" name="角丸四角形 197"/>
           <p:cNvSpPr/>
           <p:nvPr/>
         </p:nvSpPr>
@@ -20333,7 +20617,7 @@
       </p:sp>
       <p:sp>
         <p:nvSpPr>
-          <p:cNvPr id="169" name="角丸四角形 168"/>
+          <p:cNvPr id="199" name="角丸四角形 198"/>
           <p:cNvSpPr/>
           <p:nvPr/>
         </p:nvSpPr>
@@ -20378,7 +20662,7 @@
       </p:sp>
       <p:sp>
         <p:nvSpPr>
-          <p:cNvPr id="170" name="テキスト ボックス 169"/>
+          <p:cNvPr id="200" name="テキスト ボックス 199"/>
           <p:cNvSpPr txBox="1"/>
           <p:nvPr/>
         </p:nvSpPr>
@@ -20416,7 +20700,7 @@
       </p:sp>
       <p:sp>
         <p:nvSpPr>
-          <p:cNvPr id="171" name="角丸四角形 170"/>
+          <p:cNvPr id="201" name="角丸四角形 200"/>
           <p:cNvSpPr/>
           <p:nvPr/>
         </p:nvSpPr>
@@ -20461,7 +20745,7 @@
       </p:sp>
       <p:sp>
         <p:nvSpPr>
-          <p:cNvPr id="172" name="角丸四角形 171"/>
+          <p:cNvPr id="202" name="角丸四角形 201"/>
           <p:cNvSpPr/>
           <p:nvPr/>
         </p:nvSpPr>
@@ -20524,7 +20808,7 @@
       </p:sp>
       <p:grpSp>
         <p:nvGrpSpPr>
-          <p:cNvPr id="173" name="図形グループ 172"/>
+          <p:cNvPr id="203" name="図形グループ 202"/>
           <p:cNvGrpSpPr/>
           <p:nvPr/>
         </p:nvGrpSpPr>
@@ -20538,7 +20822,7 @@
         </p:grpSpPr>
         <p:sp>
           <p:nvSpPr>
-            <p:cNvPr id="174" name="角丸四角形 173"/>
+            <p:cNvPr id="204" name="角丸四角形 203"/>
             <p:cNvSpPr/>
             <p:nvPr/>
           </p:nvSpPr>
@@ -20587,7 +20871,7 @@
         </p:sp>
         <p:cxnSp>
           <p:nvCxnSpPr>
-            <p:cNvPr id="175" name="直線コネクタ 174"/>
+            <p:cNvPr id="205" name="直線コネクタ 204"/>
             <p:cNvCxnSpPr/>
             <p:nvPr/>
           </p:nvCxnSpPr>
@@ -20622,7 +20906,7 @@
         </p:cxnSp>
         <p:cxnSp>
           <p:nvCxnSpPr>
-            <p:cNvPr id="176" name="直線コネクタ 175"/>
+            <p:cNvPr id="206" name="直線コネクタ 205"/>
             <p:cNvCxnSpPr/>
             <p:nvPr/>
           </p:nvCxnSpPr>
@@ -20657,7 +20941,7 @@
         </p:cxnSp>
         <p:cxnSp>
           <p:nvCxnSpPr>
-            <p:cNvPr id="177" name="直線コネクタ 176"/>
+            <p:cNvPr id="207" name="直線コネクタ 206"/>
             <p:cNvCxnSpPr/>
             <p:nvPr/>
           </p:nvCxnSpPr>
@@ -20693,7 +20977,7 @@
       </p:grpSp>
       <p:sp>
         <p:nvSpPr>
-          <p:cNvPr id="178" name="テキスト ボックス 177"/>
+          <p:cNvPr id="208" name="テキスト ボックス 207"/>
           <p:cNvSpPr txBox="1"/>
           <p:nvPr/>
         </p:nvSpPr>
@@ -20731,7 +21015,7 @@
       </p:sp>
       <p:sp>
         <p:nvSpPr>
-          <p:cNvPr id="217" name="テキスト ボックス 216"/>
+          <p:cNvPr id="209" name="テキスト ボックス 208"/>
           <p:cNvSpPr txBox="1"/>
           <p:nvPr/>
         </p:nvSpPr>
@@ -20769,7 +21053,7 @@
       </p:sp>
       <p:sp>
         <p:nvSpPr>
-          <p:cNvPr id="218" name="円/楕円 217"/>
+          <p:cNvPr id="210" name="円/楕円 209"/>
           <p:cNvSpPr/>
           <p:nvPr/>
         </p:nvSpPr>
@@ -20814,7 +21098,7 @@
       </p:sp>
       <p:sp>
         <p:nvSpPr>
-          <p:cNvPr id="219" name="円/楕円 218"/>
+          <p:cNvPr id="211" name="円/楕円 210"/>
           <p:cNvSpPr/>
           <p:nvPr/>
         </p:nvSpPr>
@@ -20859,7 +21143,7 @@
       </p:sp>
       <p:grpSp>
         <p:nvGrpSpPr>
-          <p:cNvPr id="220" name="図形グループ 219"/>
+          <p:cNvPr id="212" name="図形グループ 211"/>
           <p:cNvGrpSpPr/>
           <p:nvPr/>
         </p:nvGrpSpPr>
@@ -20873,7 +21157,7 @@
         </p:grpSpPr>
         <p:sp>
           <p:nvSpPr>
-            <p:cNvPr id="221" name="角丸四角形 220"/>
+            <p:cNvPr id="213" name="角丸四角形 212"/>
             <p:cNvSpPr/>
             <p:nvPr/>
           </p:nvSpPr>
@@ -20924,7 +21208,7 @@
         </p:sp>
         <p:sp>
           <p:nvSpPr>
-            <p:cNvPr id="222" name="二等辺三角形 221"/>
+            <p:cNvPr id="214" name="二等辺三角形 213"/>
             <p:cNvSpPr/>
             <p:nvPr/>
           </p:nvSpPr>
@@ -20970,7 +21254,7 @@
       </p:grpSp>
       <p:sp>
         <p:nvSpPr>
-          <p:cNvPr id="223" name="テキスト ボックス 222"/>
+          <p:cNvPr id="215" name="テキスト ボックス 214"/>
           <p:cNvSpPr txBox="1"/>
           <p:nvPr/>
         </p:nvSpPr>
@@ -21008,7 +21292,7 @@
       </p:sp>
       <p:sp>
         <p:nvSpPr>
-          <p:cNvPr id="224" name="二等辺三角形 223"/>
+          <p:cNvPr id="216" name="二等辺三角形 215"/>
           <p:cNvSpPr/>
           <p:nvPr/>
         </p:nvSpPr>
@@ -21053,7 +21337,7 @@
       </p:sp>
       <p:sp>
         <p:nvSpPr>
-          <p:cNvPr id="225" name="二等辺三角形 224"/>
+          <p:cNvPr id="233" name="二等辺三角形 232"/>
           <p:cNvSpPr/>
           <p:nvPr/>
         </p:nvSpPr>
@@ -21098,7 +21382,7 @@
       </p:sp>
       <p:sp>
         <p:nvSpPr>
-          <p:cNvPr id="226" name="二等辺三角形 225"/>
+          <p:cNvPr id="234" name="二等辺三角形 233"/>
           <p:cNvSpPr/>
           <p:nvPr/>
         </p:nvSpPr>
@@ -21143,7 +21427,7 @@
       </p:sp>
       <p:sp>
         <p:nvSpPr>
-          <p:cNvPr id="227" name="二等辺三角形 226"/>
+          <p:cNvPr id="235" name="二等辺三角形 234"/>
           <p:cNvSpPr/>
           <p:nvPr/>
         </p:nvSpPr>
@@ -21188,7 +21472,7 @@
       </p:sp>
       <p:sp>
         <p:nvSpPr>
-          <p:cNvPr id="228" name="二等辺三角形 227"/>
+          <p:cNvPr id="236" name="二等辺三角形 235"/>
           <p:cNvSpPr/>
           <p:nvPr/>
         </p:nvSpPr>
@@ -21233,7 +21517,7 @@
       </p:sp>
       <p:sp>
         <p:nvSpPr>
-          <p:cNvPr id="229" name="二等辺三角形 228"/>
+          <p:cNvPr id="237" name="二等辺三角形 236"/>
           <p:cNvSpPr/>
           <p:nvPr/>
         </p:nvSpPr>
@@ -21278,7 +21562,7 @@
       </p:sp>
       <p:sp>
         <p:nvSpPr>
-          <p:cNvPr id="230" name="二等辺三角形 229"/>
+          <p:cNvPr id="238" name="二等辺三角形 237"/>
           <p:cNvSpPr/>
           <p:nvPr/>
         </p:nvSpPr>
@@ -21323,7 +21607,7 @@
       </p:sp>
       <p:sp>
         <p:nvSpPr>
-          <p:cNvPr id="231" name="二等辺三角形 230"/>
+          <p:cNvPr id="239" name="二等辺三角形 238"/>
           <p:cNvSpPr/>
           <p:nvPr/>
         </p:nvSpPr>
@@ -21368,7 +21652,90 @@
       </p:sp>
       <p:sp>
         <p:nvSpPr>
-          <p:cNvPr id="232" name="正方形/長方形 231"/>
+          <p:cNvPr id="240" name="テキスト ボックス 239"/>
+          <p:cNvSpPr txBox="1"/>
+          <p:nvPr/>
+        </p:nvSpPr>
+        <p:spPr>
+          <a:xfrm>
+            <a:off x="7120566" y="2122353"/>
+            <a:ext cx="697627" cy="246221"/>
+          </a:xfrm>
+          <a:prstGeom prst="rect">
+            <a:avLst/>
+          </a:prstGeom>
+          <a:noFill/>
+        </p:spPr>
+        <p:txBody>
+          <a:bodyPr wrap="none" rtlCol="0">
+            <a:spAutoFit/>
+          </a:bodyPr>
+          <a:lstStyle/>
+          <a:p>
+            <a:r>
+              <a:rPr lang="en-US" altLang="en-US" sz="1000" dirty="0" smtClean="0">
+                <a:latin typeface="メイリオ"/>
+                <a:ea typeface="メイリオ"/>
+                <a:cs typeface="メイリオ"/>
+              </a:rPr>
+              <a:t>表示件数</a:t>
+            </a:r>
+            <a:endParaRPr kumimoji="1" lang="ja-JP" altLang="en-US" sz="1000" dirty="0">
+              <a:latin typeface="メイリオ"/>
+              <a:ea typeface="メイリオ"/>
+              <a:cs typeface="メイリオ"/>
+            </a:endParaRPr>
+          </a:p>
+        </p:txBody>
+      </p:sp>
+      <p:sp>
+        <p:nvSpPr>
+          <p:cNvPr id="241" name="角丸四角形 240"/>
+          <p:cNvSpPr/>
+          <p:nvPr/>
+        </p:nvSpPr>
+        <p:spPr>
+          <a:xfrm>
+            <a:off x="7832121" y="2169029"/>
+            <a:ext cx="352321" cy="158766"/>
+          </a:xfrm>
+          <a:prstGeom prst="roundRect">
+            <a:avLst/>
+          </a:prstGeom>
+          <a:noFill/>
+          <a:ln w="25400">
+            <a:solidFill>
+              <a:schemeClr val="tx1"/>
+            </a:solidFill>
+          </a:ln>
+          <a:effectLst/>
+        </p:spPr>
+        <p:style>
+          <a:lnRef idx="1">
+            <a:schemeClr val="accent1"/>
+          </a:lnRef>
+          <a:fillRef idx="3">
+            <a:schemeClr val="accent1"/>
+          </a:fillRef>
+          <a:effectRef idx="2">
+            <a:schemeClr val="accent1"/>
+          </a:effectRef>
+          <a:fontRef idx="minor">
+            <a:schemeClr val="lt1"/>
+          </a:fontRef>
+        </p:style>
+        <p:txBody>
+          <a:bodyPr rtlCol="0" anchor="ctr"/>
+          <a:lstStyle/>
+          <a:p>
+            <a:pPr algn="ctr"/>
+            <a:endParaRPr kumimoji="1" lang="ja-JP" altLang="en-US"/>
+          </a:p>
+        </p:txBody>
+      </p:sp>
+      <p:sp>
+        <p:nvSpPr>
+          <p:cNvPr id="242" name="正方形/長方形 241"/>
           <p:cNvSpPr/>
           <p:nvPr/>
         </p:nvSpPr>
